--- a/SENTIMENTalci.pptx
+++ b/SENTIMENTalci.pptx
@@ -17,7 +17,6 @@
     <p:sldId id="264" r:id="rId12"/>
     <p:sldId id="265" r:id="rId13"/>
     <p:sldId id="266" r:id="rId14"/>
-    <p:sldId id="267" r:id="rId15"/>
   </p:sldIdLst>
   <p:sldSz cx="12192000" cy="6858000"/>
   <p:notesSz cx="7559675" cy="10691813"/>
@@ -48,7 +47,7 @@
             <a:spLocks noGrp="1"/>
           </p:cNvSpPr>
           <p:nvPr>
-            <p:ph type="ftr" idx="2"/>
+            <p:ph type="ftr" idx="1"/>
           </p:nvPr>
         </p:nvSpPr>
         <p:spPr/>
@@ -68,14 +67,14 @@
             <a:spLocks noGrp="1"/>
           </p:cNvSpPr>
           <p:nvPr>
-            <p:ph type="sldNum" idx="3"/>
+            <p:ph type="sldNum" idx="2"/>
           </p:nvPr>
         </p:nvSpPr>
         <p:spPr/>
         <p:txBody>
           <a:bodyPr/>
           <a:p>
-            <a:fld id="{1BD049DD-A975-40A8-8C8B-F9327D238C77}" type="slidenum">
+            <a:fld id="{C4D12B25-C04F-422C-84D4-9A9AF06EB749}" type="slidenum">
               <a:t>&lt;#&gt;</a:t>
             </a:fld>
           </a:p>
@@ -88,7 +87,7 @@
             <a:spLocks noGrp="1"/>
           </p:cNvSpPr>
           <p:nvPr>
-            <p:ph type="dt" idx="1"/>
+            <p:ph type="dt" idx="3"/>
           </p:nvPr>
         </p:nvSpPr>
         <p:spPr/>
@@ -136,8 +135,8 @@
         </p:nvSpPr>
         <p:spPr>
           <a:xfrm>
-            <a:off x="838080" y="365040"/>
-            <a:ext cx="10515240" cy="1325160"/>
+            <a:off x="609480" y="273600"/>
+            <a:ext cx="10972440" cy="1144800"/>
           </a:xfrm>
           <a:prstGeom prst="rect">
             <a:avLst/>
@@ -152,11 +151,11 @@
             <a:noAutofit/>
           </a:bodyPr>
           <a:p>
-            <a:endParaRPr b="0" lang="sr-Latn-RS" sz="1800" spc="-1" strike="noStrike">
-              <a:solidFill>
-                <a:srgbClr val="000000"/>
-              </a:solidFill>
-              <a:latin typeface="Aptos"/>
+            <a:pPr algn="ctr">
+              <a:buNone/>
+            </a:pPr>
+            <a:endParaRPr b="0" lang="hr-HR" sz="4400" spc="-1" strike="noStrike">
+              <a:latin typeface="Arial"/>
             </a:endParaRPr>
           </a:p>
         </p:txBody>
@@ -173,8 +172,8 @@
         </p:nvSpPr>
         <p:spPr>
           <a:xfrm>
-            <a:off x="838080" y="1825560"/>
-            <a:ext cx="10515240" cy="2075040"/>
+            <a:off x="609480" y="1604520"/>
+            <a:ext cx="10972440" cy="1896840"/>
           </a:xfrm>
           <a:prstGeom prst="rect">
             <a:avLst/>
@@ -189,20 +188,8 @@
             <a:normAutofit/>
           </a:bodyPr>
           <a:p>
-            <a:pPr>
-              <a:lnSpc>
-                <a:spcPct val="90000"/>
-              </a:lnSpc>
-              <a:spcBef>
-                <a:spcPts val="1417"/>
-              </a:spcBef>
-              <a:buNone/>
-            </a:pPr>
-            <a:endParaRPr b="0" lang="sr-Latn-RS" sz="2800" spc="-1" strike="noStrike">
-              <a:solidFill>
-                <a:srgbClr val="000000"/>
-              </a:solidFill>
-              <a:latin typeface="Aptos"/>
+            <a:endParaRPr b="0" lang="hr-HR" sz="3200" spc="-1" strike="noStrike">
+              <a:latin typeface="Arial"/>
             </a:endParaRPr>
           </a:p>
         </p:txBody>
@@ -219,8 +206,8 @@
         </p:nvSpPr>
         <p:spPr>
           <a:xfrm>
-            <a:off x="838080" y="4098240"/>
-            <a:ext cx="10515240" cy="2075040"/>
+            <a:off x="609480" y="3682080"/>
+            <a:ext cx="10972440" cy="1896840"/>
           </a:xfrm>
           <a:prstGeom prst="rect">
             <a:avLst/>
@@ -235,20 +222,8 @@
             <a:normAutofit/>
           </a:bodyPr>
           <a:p>
-            <a:pPr>
-              <a:lnSpc>
-                <a:spcPct val="90000"/>
-              </a:lnSpc>
-              <a:spcBef>
-                <a:spcPts val="1417"/>
-              </a:spcBef>
-              <a:buNone/>
-            </a:pPr>
-            <a:endParaRPr b="0" lang="sr-Latn-RS" sz="2800" spc="-1" strike="noStrike">
-              <a:solidFill>
-                <a:srgbClr val="000000"/>
-              </a:solidFill>
-              <a:latin typeface="Aptos"/>
+            <a:endParaRPr b="0" lang="hr-HR" sz="3200" spc="-1" strike="noStrike">
+              <a:latin typeface="Arial"/>
             </a:endParaRPr>
           </a:p>
         </p:txBody>
@@ -260,7 +235,7 @@
             <a:spLocks noGrp="1"/>
           </p:cNvSpPr>
           <p:nvPr>
-            <p:ph type="ftr" idx="2"/>
+            <p:ph type="ftr" idx="1"/>
           </p:nvPr>
         </p:nvSpPr>
         <p:spPr/>
@@ -280,14 +255,14 @@
             <a:spLocks noGrp="1"/>
           </p:cNvSpPr>
           <p:nvPr>
-            <p:ph type="sldNum" idx="3"/>
+            <p:ph type="sldNum" idx="2"/>
           </p:nvPr>
         </p:nvSpPr>
         <p:spPr/>
         <p:txBody>
           <a:bodyPr/>
           <a:p>
-            <a:fld id="{8172A3EB-3B3C-4F00-AE61-642EA8BC6BD0}" type="slidenum">
+            <a:fld id="{77FC3365-134C-4B46-AB8F-54BD94D3B4C2}" type="slidenum">
               <a:t>&lt;#&gt;</a:t>
             </a:fld>
           </a:p>
@@ -300,7 +275,7 @@
             <a:spLocks noGrp="1"/>
           </p:cNvSpPr>
           <p:nvPr>
-            <p:ph type="dt" idx="1"/>
+            <p:ph type="dt" idx="3"/>
           </p:nvPr>
         </p:nvSpPr>
         <p:spPr/>
@@ -348,8 +323,8 @@
         </p:nvSpPr>
         <p:spPr>
           <a:xfrm>
-            <a:off x="838080" y="365040"/>
-            <a:ext cx="10515240" cy="1325160"/>
+            <a:off x="609480" y="273600"/>
+            <a:ext cx="10972440" cy="1144800"/>
           </a:xfrm>
           <a:prstGeom prst="rect">
             <a:avLst/>
@@ -364,11 +339,11 @@
             <a:noAutofit/>
           </a:bodyPr>
           <a:p>
-            <a:endParaRPr b="0" lang="sr-Latn-RS" sz="1800" spc="-1" strike="noStrike">
-              <a:solidFill>
-                <a:srgbClr val="000000"/>
-              </a:solidFill>
-              <a:latin typeface="Aptos"/>
+            <a:pPr algn="ctr">
+              <a:buNone/>
+            </a:pPr>
+            <a:endParaRPr b="0" lang="hr-HR" sz="4400" spc="-1" strike="noStrike">
+              <a:latin typeface="Arial"/>
             </a:endParaRPr>
           </a:p>
         </p:txBody>
@@ -385,8 +360,8 @@
         </p:nvSpPr>
         <p:spPr>
           <a:xfrm>
-            <a:off x="838080" y="1825560"/>
-            <a:ext cx="5131080" cy="2075040"/>
+            <a:off x="609480" y="1604520"/>
+            <a:ext cx="5354280" cy="1896840"/>
           </a:xfrm>
           <a:prstGeom prst="rect">
             <a:avLst/>
@@ -401,20 +376,8 @@
             <a:normAutofit/>
           </a:bodyPr>
           <a:p>
-            <a:pPr>
-              <a:lnSpc>
-                <a:spcPct val="90000"/>
-              </a:lnSpc>
-              <a:spcBef>
-                <a:spcPts val="1417"/>
-              </a:spcBef>
-              <a:buNone/>
-            </a:pPr>
-            <a:endParaRPr b="0" lang="sr-Latn-RS" sz="2800" spc="-1" strike="noStrike">
-              <a:solidFill>
-                <a:srgbClr val="000000"/>
-              </a:solidFill>
-              <a:latin typeface="Aptos"/>
+            <a:endParaRPr b="0" lang="hr-HR" sz="3200" spc="-1" strike="noStrike">
+              <a:latin typeface="Arial"/>
             </a:endParaRPr>
           </a:p>
         </p:txBody>
@@ -431,8 +394,8 @@
         </p:nvSpPr>
         <p:spPr>
           <a:xfrm>
-            <a:off x="6226200" y="1825560"/>
-            <a:ext cx="5131080" cy="2075040"/>
+            <a:off x="6231960" y="1604520"/>
+            <a:ext cx="5354280" cy="1896840"/>
           </a:xfrm>
           <a:prstGeom prst="rect">
             <a:avLst/>
@@ -447,20 +410,8 @@
             <a:normAutofit/>
           </a:bodyPr>
           <a:p>
-            <a:pPr>
-              <a:lnSpc>
-                <a:spcPct val="90000"/>
-              </a:lnSpc>
-              <a:spcBef>
-                <a:spcPts val="1417"/>
-              </a:spcBef>
-              <a:buNone/>
-            </a:pPr>
-            <a:endParaRPr b="0" lang="sr-Latn-RS" sz="2800" spc="-1" strike="noStrike">
-              <a:solidFill>
-                <a:srgbClr val="000000"/>
-              </a:solidFill>
-              <a:latin typeface="Aptos"/>
+            <a:endParaRPr b="0" lang="hr-HR" sz="3200" spc="-1" strike="noStrike">
+              <a:latin typeface="Arial"/>
             </a:endParaRPr>
           </a:p>
         </p:txBody>
@@ -477,8 +428,8 @@
         </p:nvSpPr>
         <p:spPr>
           <a:xfrm>
-            <a:off x="838080" y="4098240"/>
-            <a:ext cx="5131080" cy="2075040"/>
+            <a:off x="609480" y="3682080"/>
+            <a:ext cx="5354280" cy="1896840"/>
           </a:xfrm>
           <a:prstGeom prst="rect">
             <a:avLst/>
@@ -493,20 +444,8 @@
             <a:normAutofit/>
           </a:bodyPr>
           <a:p>
-            <a:pPr>
-              <a:lnSpc>
-                <a:spcPct val="90000"/>
-              </a:lnSpc>
-              <a:spcBef>
-                <a:spcPts val="1417"/>
-              </a:spcBef>
-              <a:buNone/>
-            </a:pPr>
-            <a:endParaRPr b="0" lang="sr-Latn-RS" sz="2800" spc="-1" strike="noStrike">
-              <a:solidFill>
-                <a:srgbClr val="000000"/>
-              </a:solidFill>
-              <a:latin typeface="Aptos"/>
+            <a:endParaRPr b="0" lang="hr-HR" sz="3200" spc="-1" strike="noStrike">
+              <a:latin typeface="Arial"/>
             </a:endParaRPr>
           </a:p>
         </p:txBody>
@@ -523,8 +462,8 @@
         </p:nvSpPr>
         <p:spPr>
           <a:xfrm>
-            <a:off x="6226200" y="4098240"/>
-            <a:ext cx="5131080" cy="2075040"/>
+            <a:off x="6231960" y="3682080"/>
+            <a:ext cx="5354280" cy="1896840"/>
           </a:xfrm>
           <a:prstGeom prst="rect">
             <a:avLst/>
@@ -539,20 +478,8 @@
             <a:normAutofit/>
           </a:bodyPr>
           <a:p>
-            <a:pPr>
-              <a:lnSpc>
-                <a:spcPct val="90000"/>
-              </a:lnSpc>
-              <a:spcBef>
-                <a:spcPts val="1417"/>
-              </a:spcBef>
-              <a:buNone/>
-            </a:pPr>
-            <a:endParaRPr b="0" lang="sr-Latn-RS" sz="2800" spc="-1" strike="noStrike">
-              <a:solidFill>
-                <a:srgbClr val="000000"/>
-              </a:solidFill>
-              <a:latin typeface="Aptos"/>
+            <a:endParaRPr b="0" lang="hr-HR" sz="3200" spc="-1" strike="noStrike">
+              <a:latin typeface="Arial"/>
             </a:endParaRPr>
           </a:p>
         </p:txBody>
@@ -564,7 +491,7 @@
             <a:spLocks noGrp="1"/>
           </p:cNvSpPr>
           <p:nvPr>
-            <p:ph type="ftr" idx="2"/>
+            <p:ph type="ftr" idx="1"/>
           </p:nvPr>
         </p:nvSpPr>
         <p:spPr/>
@@ -584,14 +511,14 @@
             <a:spLocks noGrp="1"/>
           </p:cNvSpPr>
           <p:nvPr>
-            <p:ph type="sldNum" idx="3"/>
+            <p:ph type="sldNum" idx="2"/>
           </p:nvPr>
         </p:nvSpPr>
         <p:spPr/>
         <p:txBody>
           <a:bodyPr/>
           <a:p>
-            <a:fld id="{E463E246-8AF4-4941-9D9D-47489DFD37F5}" type="slidenum">
+            <a:fld id="{B0FA7C99-6006-45D4-98B5-F33C78211B62}" type="slidenum">
               <a:t>&lt;#&gt;</a:t>
             </a:fld>
           </a:p>
@@ -604,7 +531,7 @@
             <a:spLocks noGrp="1"/>
           </p:cNvSpPr>
           <p:nvPr>
-            <p:ph type="dt" idx="1"/>
+            <p:ph type="dt" idx="3"/>
           </p:nvPr>
         </p:nvSpPr>
         <p:spPr/>
@@ -652,8 +579,8 @@
         </p:nvSpPr>
         <p:spPr>
           <a:xfrm>
-            <a:off x="838080" y="365040"/>
-            <a:ext cx="10515240" cy="1325160"/>
+            <a:off x="609480" y="273600"/>
+            <a:ext cx="10972440" cy="1144800"/>
           </a:xfrm>
           <a:prstGeom prst="rect">
             <a:avLst/>
@@ -668,11 +595,11 @@
             <a:noAutofit/>
           </a:bodyPr>
           <a:p>
-            <a:endParaRPr b="0" lang="sr-Latn-RS" sz="1800" spc="-1" strike="noStrike">
-              <a:solidFill>
-                <a:srgbClr val="000000"/>
-              </a:solidFill>
-              <a:latin typeface="Aptos"/>
+            <a:pPr algn="ctr">
+              <a:buNone/>
+            </a:pPr>
+            <a:endParaRPr b="0" lang="hr-HR" sz="4400" spc="-1" strike="noStrike">
+              <a:latin typeface="Arial"/>
             </a:endParaRPr>
           </a:p>
         </p:txBody>
@@ -689,8 +616,8 @@
         </p:nvSpPr>
         <p:spPr>
           <a:xfrm>
-            <a:off x="838080" y="1825560"/>
-            <a:ext cx="3385800" cy="2075040"/>
+            <a:off x="609480" y="1604520"/>
+            <a:ext cx="3533040" cy="1896840"/>
           </a:xfrm>
           <a:prstGeom prst="rect">
             <a:avLst/>
@@ -705,20 +632,8 @@
             <a:normAutofit/>
           </a:bodyPr>
           <a:p>
-            <a:pPr>
-              <a:lnSpc>
-                <a:spcPct val="90000"/>
-              </a:lnSpc>
-              <a:spcBef>
-                <a:spcPts val="1417"/>
-              </a:spcBef>
-              <a:buNone/>
-            </a:pPr>
-            <a:endParaRPr b="0" lang="sr-Latn-RS" sz="2800" spc="-1" strike="noStrike">
-              <a:solidFill>
-                <a:srgbClr val="000000"/>
-              </a:solidFill>
-              <a:latin typeface="Aptos"/>
+            <a:endParaRPr b="0" lang="hr-HR" sz="3200" spc="-1" strike="noStrike">
+              <a:latin typeface="Arial"/>
             </a:endParaRPr>
           </a:p>
         </p:txBody>
@@ -735,8 +650,8 @@
         </p:nvSpPr>
         <p:spPr>
           <a:xfrm>
-            <a:off x="4393440" y="1825560"/>
-            <a:ext cx="3385800" cy="2075040"/>
+            <a:off x="4319640" y="1604520"/>
+            <a:ext cx="3533040" cy="1896840"/>
           </a:xfrm>
           <a:prstGeom prst="rect">
             <a:avLst/>
@@ -751,20 +666,8 @@
             <a:normAutofit/>
           </a:bodyPr>
           <a:p>
-            <a:pPr>
-              <a:lnSpc>
-                <a:spcPct val="90000"/>
-              </a:lnSpc>
-              <a:spcBef>
-                <a:spcPts val="1417"/>
-              </a:spcBef>
-              <a:buNone/>
-            </a:pPr>
-            <a:endParaRPr b="0" lang="sr-Latn-RS" sz="2800" spc="-1" strike="noStrike">
-              <a:solidFill>
-                <a:srgbClr val="000000"/>
-              </a:solidFill>
-              <a:latin typeface="Aptos"/>
+            <a:endParaRPr b="0" lang="hr-HR" sz="3200" spc="-1" strike="noStrike">
+              <a:latin typeface="Arial"/>
             </a:endParaRPr>
           </a:p>
         </p:txBody>
@@ -781,8 +684,8 @@
         </p:nvSpPr>
         <p:spPr>
           <a:xfrm>
-            <a:off x="7949160" y="1825560"/>
-            <a:ext cx="3385800" cy="2075040"/>
+            <a:off x="8029800" y="1604520"/>
+            <a:ext cx="3533040" cy="1896840"/>
           </a:xfrm>
           <a:prstGeom prst="rect">
             <a:avLst/>
@@ -797,20 +700,8 @@
             <a:normAutofit/>
           </a:bodyPr>
           <a:p>
-            <a:pPr>
-              <a:lnSpc>
-                <a:spcPct val="90000"/>
-              </a:lnSpc>
-              <a:spcBef>
-                <a:spcPts val="1417"/>
-              </a:spcBef>
-              <a:buNone/>
-            </a:pPr>
-            <a:endParaRPr b="0" lang="sr-Latn-RS" sz="2800" spc="-1" strike="noStrike">
-              <a:solidFill>
-                <a:srgbClr val="000000"/>
-              </a:solidFill>
-              <a:latin typeface="Aptos"/>
+            <a:endParaRPr b="0" lang="hr-HR" sz="3200" spc="-1" strike="noStrike">
+              <a:latin typeface="Arial"/>
             </a:endParaRPr>
           </a:p>
         </p:txBody>
@@ -827,8 +718,8 @@
         </p:nvSpPr>
         <p:spPr>
           <a:xfrm>
-            <a:off x="838080" y="4098240"/>
-            <a:ext cx="3385800" cy="2075040"/>
+            <a:off x="609480" y="3682080"/>
+            <a:ext cx="3533040" cy="1896840"/>
           </a:xfrm>
           <a:prstGeom prst="rect">
             <a:avLst/>
@@ -843,20 +734,8 @@
             <a:normAutofit/>
           </a:bodyPr>
           <a:p>
-            <a:pPr>
-              <a:lnSpc>
-                <a:spcPct val="90000"/>
-              </a:lnSpc>
-              <a:spcBef>
-                <a:spcPts val="1417"/>
-              </a:spcBef>
-              <a:buNone/>
-            </a:pPr>
-            <a:endParaRPr b="0" lang="sr-Latn-RS" sz="2800" spc="-1" strike="noStrike">
-              <a:solidFill>
-                <a:srgbClr val="000000"/>
-              </a:solidFill>
-              <a:latin typeface="Aptos"/>
+            <a:endParaRPr b="0" lang="hr-HR" sz="3200" spc="-1" strike="noStrike">
+              <a:latin typeface="Arial"/>
             </a:endParaRPr>
           </a:p>
         </p:txBody>
@@ -873,8 +752,8 @@
         </p:nvSpPr>
         <p:spPr>
           <a:xfrm>
-            <a:off x="4393440" y="4098240"/>
-            <a:ext cx="3385800" cy="2075040"/>
+            <a:off x="4319640" y="3682080"/>
+            <a:ext cx="3533040" cy="1896840"/>
           </a:xfrm>
           <a:prstGeom prst="rect">
             <a:avLst/>
@@ -889,20 +768,8 @@
             <a:normAutofit/>
           </a:bodyPr>
           <a:p>
-            <a:pPr>
-              <a:lnSpc>
-                <a:spcPct val="90000"/>
-              </a:lnSpc>
-              <a:spcBef>
-                <a:spcPts val="1417"/>
-              </a:spcBef>
-              <a:buNone/>
-            </a:pPr>
-            <a:endParaRPr b="0" lang="sr-Latn-RS" sz="2800" spc="-1" strike="noStrike">
-              <a:solidFill>
-                <a:srgbClr val="000000"/>
-              </a:solidFill>
-              <a:latin typeface="Aptos"/>
+            <a:endParaRPr b="0" lang="hr-HR" sz="3200" spc="-1" strike="noStrike">
+              <a:latin typeface="Arial"/>
             </a:endParaRPr>
           </a:p>
         </p:txBody>
@@ -919,8 +786,8 @@
         </p:nvSpPr>
         <p:spPr>
           <a:xfrm>
-            <a:off x="7949160" y="4098240"/>
-            <a:ext cx="3385800" cy="2075040"/>
+            <a:off x="8029800" y="3682080"/>
+            <a:ext cx="3533040" cy="1896840"/>
           </a:xfrm>
           <a:prstGeom prst="rect">
             <a:avLst/>
@@ -935,20 +802,8 @@
             <a:normAutofit/>
           </a:bodyPr>
           <a:p>
-            <a:pPr>
-              <a:lnSpc>
-                <a:spcPct val="90000"/>
-              </a:lnSpc>
-              <a:spcBef>
-                <a:spcPts val="1417"/>
-              </a:spcBef>
-              <a:buNone/>
-            </a:pPr>
-            <a:endParaRPr b="0" lang="sr-Latn-RS" sz="2800" spc="-1" strike="noStrike">
-              <a:solidFill>
-                <a:srgbClr val="000000"/>
-              </a:solidFill>
-              <a:latin typeface="Aptos"/>
+            <a:endParaRPr b="0" lang="hr-HR" sz="3200" spc="-1" strike="noStrike">
+              <a:latin typeface="Arial"/>
             </a:endParaRPr>
           </a:p>
         </p:txBody>
@@ -960,7 +815,7 @@
             <a:spLocks noGrp="1"/>
           </p:cNvSpPr>
           <p:nvPr>
-            <p:ph type="ftr" idx="2"/>
+            <p:ph type="ftr" idx="1"/>
           </p:nvPr>
         </p:nvSpPr>
         <p:spPr/>
@@ -980,14 +835,14 @@
             <a:spLocks noGrp="1"/>
           </p:cNvSpPr>
           <p:nvPr>
-            <p:ph type="sldNum" idx="3"/>
+            <p:ph type="sldNum" idx="2"/>
           </p:nvPr>
         </p:nvSpPr>
         <p:spPr/>
         <p:txBody>
           <a:bodyPr/>
           <a:p>
-            <a:fld id="{E3035B7C-2725-473D-874A-1FC8503DB30E}" type="slidenum">
+            <a:fld id="{AACFA4CD-1E7F-43C0-8B6C-190B72B17E08}" type="slidenum">
               <a:t>&lt;#&gt;</a:t>
             </a:fld>
           </a:p>
@@ -1000,7 +855,7 @@
             <a:spLocks noGrp="1"/>
           </p:cNvSpPr>
           <p:nvPr>
-            <p:ph type="dt" idx="1"/>
+            <p:ph type="dt" idx="3"/>
           </p:nvPr>
         </p:nvSpPr>
         <p:spPr/>
@@ -1043,7 +898,7 @@
             <a:spLocks noGrp="1"/>
           </p:cNvSpPr>
           <p:nvPr>
-            <p:ph type="ftr" idx="5"/>
+            <p:ph type="ftr" idx="4"/>
           </p:nvPr>
         </p:nvSpPr>
         <p:spPr/>
@@ -1063,14 +918,14 @@
             <a:spLocks noGrp="1"/>
           </p:cNvSpPr>
           <p:nvPr>
-            <p:ph type="sldNum" idx="6"/>
+            <p:ph type="sldNum" idx="5"/>
           </p:nvPr>
         </p:nvSpPr>
         <p:spPr/>
         <p:txBody>
           <a:bodyPr/>
           <a:p>
-            <a:fld id="{3307A2F3-7A55-45FE-B713-E62843FF1290}" type="slidenum">
+            <a:fld id="{2C8C65E3-03FA-4380-99E9-3EDB6185C78D}" type="slidenum">
               <a:t>&lt;#&gt;</a:t>
             </a:fld>
           </a:p>
@@ -1083,7 +938,7 @@
             <a:spLocks noGrp="1"/>
           </p:cNvSpPr>
           <p:nvPr>
-            <p:ph type="dt" idx="4"/>
+            <p:ph type="dt" idx="6"/>
           </p:nvPr>
         </p:nvSpPr>
         <p:spPr/>
@@ -1131,8 +986,8 @@
         </p:nvSpPr>
         <p:spPr>
           <a:xfrm>
-            <a:off x="838080" y="365040"/>
-            <a:ext cx="10515240" cy="1325160"/>
+            <a:off x="609480" y="273600"/>
+            <a:ext cx="10972440" cy="1144800"/>
           </a:xfrm>
           <a:prstGeom prst="rect">
             <a:avLst/>
@@ -1147,11 +1002,11 @@
             <a:noAutofit/>
           </a:bodyPr>
           <a:p>
-            <a:endParaRPr b="0" lang="sr-Latn-RS" sz="1800" spc="-1" strike="noStrike">
-              <a:solidFill>
-                <a:srgbClr val="000000"/>
-              </a:solidFill>
-              <a:latin typeface="Aptos"/>
+            <a:pPr algn="ctr">
+              <a:buNone/>
+            </a:pPr>
+            <a:endParaRPr b="0" lang="hr-HR" sz="4400" spc="-1" strike="noStrike">
+              <a:latin typeface="Arial"/>
             </a:endParaRPr>
           </a:p>
         </p:txBody>
@@ -1168,8 +1023,8 @@
         </p:nvSpPr>
         <p:spPr>
           <a:xfrm>
-            <a:off x="838080" y="1825560"/>
-            <a:ext cx="10515240" cy="4350960"/>
+            <a:off x="609480" y="1604520"/>
+            <a:ext cx="10972440" cy="3977280"/>
           </a:xfrm>
           <a:prstGeom prst="rect">
             <a:avLst/>
@@ -1200,7 +1055,7 @@
             <a:spLocks noGrp="1"/>
           </p:cNvSpPr>
           <p:nvPr>
-            <p:ph type="ftr" idx="5"/>
+            <p:ph type="ftr" idx="4"/>
           </p:nvPr>
         </p:nvSpPr>
         <p:spPr/>
@@ -1220,14 +1075,14 @@
             <a:spLocks noGrp="1"/>
           </p:cNvSpPr>
           <p:nvPr>
-            <p:ph type="sldNum" idx="6"/>
+            <p:ph type="sldNum" idx="5"/>
           </p:nvPr>
         </p:nvSpPr>
         <p:spPr/>
         <p:txBody>
           <a:bodyPr/>
           <a:p>
-            <a:fld id="{3AD95A1D-1765-4430-A856-CA90B55CE95B}" type="slidenum">
+            <a:fld id="{37CEB6F5-4CA0-477B-A7D2-7AD95BEFDB6F}" type="slidenum">
               <a:t>&lt;#&gt;</a:t>
             </a:fld>
           </a:p>
@@ -1240,7 +1095,7 @@
             <a:spLocks noGrp="1"/>
           </p:cNvSpPr>
           <p:nvPr>
-            <p:ph type="dt" idx="4"/>
+            <p:ph type="dt" idx="6"/>
           </p:nvPr>
         </p:nvSpPr>
         <p:spPr/>
@@ -1288,8 +1143,8 @@
         </p:nvSpPr>
         <p:spPr>
           <a:xfrm>
-            <a:off x="838080" y="365040"/>
-            <a:ext cx="10515240" cy="1325160"/>
+            <a:off x="609480" y="273600"/>
+            <a:ext cx="10972440" cy="1144800"/>
           </a:xfrm>
           <a:prstGeom prst="rect">
             <a:avLst/>
@@ -1304,11 +1159,11 @@
             <a:noAutofit/>
           </a:bodyPr>
           <a:p>
-            <a:endParaRPr b="0" lang="sr-Latn-RS" sz="1800" spc="-1" strike="noStrike">
-              <a:solidFill>
-                <a:srgbClr val="000000"/>
-              </a:solidFill>
-              <a:latin typeface="Aptos"/>
+            <a:pPr algn="ctr">
+              <a:buNone/>
+            </a:pPr>
+            <a:endParaRPr b="0" lang="hr-HR" sz="4400" spc="-1" strike="noStrike">
+              <a:latin typeface="Arial"/>
             </a:endParaRPr>
           </a:p>
         </p:txBody>
@@ -1325,8 +1180,8 @@
         </p:nvSpPr>
         <p:spPr>
           <a:xfrm>
-            <a:off x="838080" y="1825560"/>
-            <a:ext cx="10515240" cy="4350960"/>
+            <a:off x="609480" y="1604520"/>
+            <a:ext cx="10972440" cy="3977280"/>
           </a:xfrm>
           <a:prstGeom prst="rect">
             <a:avLst/>
@@ -1341,20 +1196,8 @@
             <a:normAutofit/>
           </a:bodyPr>
           <a:p>
-            <a:pPr>
-              <a:lnSpc>
-                <a:spcPct val="90000"/>
-              </a:lnSpc>
-              <a:spcBef>
-                <a:spcPts val="1417"/>
-              </a:spcBef>
-              <a:buNone/>
-            </a:pPr>
-            <a:endParaRPr b="0" lang="sr-Latn-RS" sz="2800" spc="-1" strike="noStrike">
-              <a:solidFill>
-                <a:srgbClr val="000000"/>
-              </a:solidFill>
-              <a:latin typeface="Aptos"/>
+            <a:endParaRPr b="0" lang="hr-HR" sz="3200" spc="-1" strike="noStrike">
+              <a:latin typeface="Arial"/>
             </a:endParaRPr>
           </a:p>
         </p:txBody>
@@ -1366,7 +1209,7 @@
             <a:spLocks noGrp="1"/>
           </p:cNvSpPr>
           <p:nvPr>
-            <p:ph type="ftr" idx="5"/>
+            <p:ph type="ftr" idx="4"/>
           </p:nvPr>
         </p:nvSpPr>
         <p:spPr/>
@@ -1386,14 +1229,14 @@
             <a:spLocks noGrp="1"/>
           </p:cNvSpPr>
           <p:nvPr>
-            <p:ph type="sldNum" idx="6"/>
+            <p:ph type="sldNum" idx="5"/>
           </p:nvPr>
         </p:nvSpPr>
         <p:spPr/>
         <p:txBody>
           <a:bodyPr/>
           <a:p>
-            <a:fld id="{1CB0F74A-6546-4354-95A1-5BA330448B2D}" type="slidenum">
+            <a:fld id="{54B7A252-0112-4B5E-BF50-D5A5CF3382DB}" type="slidenum">
               <a:t>&lt;#&gt;</a:t>
             </a:fld>
           </a:p>
@@ -1406,7 +1249,7 @@
             <a:spLocks noGrp="1"/>
           </p:cNvSpPr>
           <p:nvPr>
-            <p:ph type="dt" idx="4"/>
+            <p:ph type="dt" idx="6"/>
           </p:nvPr>
         </p:nvSpPr>
         <p:spPr/>
@@ -1454,8 +1297,8 @@
         </p:nvSpPr>
         <p:spPr>
           <a:xfrm>
-            <a:off x="838080" y="365040"/>
-            <a:ext cx="10515240" cy="1325160"/>
+            <a:off x="609480" y="273600"/>
+            <a:ext cx="10972440" cy="1144800"/>
           </a:xfrm>
           <a:prstGeom prst="rect">
             <a:avLst/>
@@ -1470,11 +1313,11 @@
             <a:noAutofit/>
           </a:bodyPr>
           <a:p>
-            <a:endParaRPr b="0" lang="sr-Latn-RS" sz="1800" spc="-1" strike="noStrike">
-              <a:solidFill>
-                <a:srgbClr val="000000"/>
-              </a:solidFill>
-              <a:latin typeface="Aptos"/>
+            <a:pPr algn="ctr">
+              <a:buNone/>
+            </a:pPr>
+            <a:endParaRPr b="0" lang="hr-HR" sz="4400" spc="-1" strike="noStrike">
+              <a:latin typeface="Arial"/>
             </a:endParaRPr>
           </a:p>
         </p:txBody>
@@ -1491,8 +1334,8 @@
         </p:nvSpPr>
         <p:spPr>
           <a:xfrm>
-            <a:off x="838080" y="1825560"/>
-            <a:ext cx="5131080" cy="4350960"/>
+            <a:off x="609480" y="1604520"/>
+            <a:ext cx="5354280" cy="3977280"/>
           </a:xfrm>
           <a:prstGeom prst="rect">
             <a:avLst/>
@@ -1507,20 +1350,8 @@
             <a:normAutofit/>
           </a:bodyPr>
           <a:p>
-            <a:pPr>
-              <a:lnSpc>
-                <a:spcPct val="90000"/>
-              </a:lnSpc>
-              <a:spcBef>
-                <a:spcPts val="1417"/>
-              </a:spcBef>
-              <a:buNone/>
-            </a:pPr>
-            <a:endParaRPr b="0" lang="sr-Latn-RS" sz="2800" spc="-1" strike="noStrike">
-              <a:solidFill>
-                <a:srgbClr val="000000"/>
-              </a:solidFill>
-              <a:latin typeface="Aptos"/>
+            <a:endParaRPr b="0" lang="hr-HR" sz="3200" spc="-1" strike="noStrike">
+              <a:latin typeface="Arial"/>
             </a:endParaRPr>
           </a:p>
         </p:txBody>
@@ -1537,8 +1368,8 @@
         </p:nvSpPr>
         <p:spPr>
           <a:xfrm>
-            <a:off x="6226200" y="1825560"/>
-            <a:ext cx="5131080" cy="4350960"/>
+            <a:off x="6231960" y="1604520"/>
+            <a:ext cx="5354280" cy="3977280"/>
           </a:xfrm>
           <a:prstGeom prst="rect">
             <a:avLst/>
@@ -1553,20 +1384,8 @@
             <a:normAutofit/>
           </a:bodyPr>
           <a:p>
-            <a:pPr>
-              <a:lnSpc>
-                <a:spcPct val="90000"/>
-              </a:lnSpc>
-              <a:spcBef>
-                <a:spcPts val="1417"/>
-              </a:spcBef>
-              <a:buNone/>
-            </a:pPr>
-            <a:endParaRPr b="0" lang="sr-Latn-RS" sz="2800" spc="-1" strike="noStrike">
-              <a:solidFill>
-                <a:srgbClr val="000000"/>
-              </a:solidFill>
-              <a:latin typeface="Aptos"/>
+            <a:endParaRPr b="0" lang="hr-HR" sz="3200" spc="-1" strike="noStrike">
+              <a:latin typeface="Arial"/>
             </a:endParaRPr>
           </a:p>
         </p:txBody>
@@ -1578,7 +1397,7 @@
             <a:spLocks noGrp="1"/>
           </p:cNvSpPr>
           <p:nvPr>
-            <p:ph type="ftr" idx="5"/>
+            <p:ph type="ftr" idx="4"/>
           </p:nvPr>
         </p:nvSpPr>
         <p:spPr/>
@@ -1598,14 +1417,14 @@
             <a:spLocks noGrp="1"/>
           </p:cNvSpPr>
           <p:nvPr>
-            <p:ph type="sldNum" idx="6"/>
+            <p:ph type="sldNum" idx="5"/>
           </p:nvPr>
         </p:nvSpPr>
         <p:spPr/>
         <p:txBody>
           <a:bodyPr/>
           <a:p>
-            <a:fld id="{7141A143-F0D0-4F11-A33E-D328992E0306}" type="slidenum">
+            <a:fld id="{A1C855DC-6790-4023-A661-72F8BCF661CD}" type="slidenum">
               <a:t>&lt;#&gt;</a:t>
             </a:fld>
           </a:p>
@@ -1618,7 +1437,7 @@
             <a:spLocks noGrp="1"/>
           </p:cNvSpPr>
           <p:nvPr>
-            <p:ph type="dt" idx="4"/>
+            <p:ph type="dt" idx="6"/>
           </p:nvPr>
         </p:nvSpPr>
         <p:spPr/>
@@ -1666,8 +1485,8 @@
         </p:nvSpPr>
         <p:spPr>
           <a:xfrm>
-            <a:off x="838080" y="365040"/>
-            <a:ext cx="10515240" cy="1325160"/>
+            <a:off x="609480" y="273600"/>
+            <a:ext cx="10972440" cy="1144800"/>
           </a:xfrm>
           <a:prstGeom prst="rect">
             <a:avLst/>
@@ -1682,11 +1501,11 @@
             <a:noAutofit/>
           </a:bodyPr>
           <a:p>
-            <a:endParaRPr b="0" lang="sr-Latn-RS" sz="1800" spc="-1" strike="noStrike">
-              <a:solidFill>
-                <a:srgbClr val="000000"/>
-              </a:solidFill>
-              <a:latin typeface="Aptos"/>
+            <a:pPr algn="ctr">
+              <a:buNone/>
+            </a:pPr>
+            <a:endParaRPr b="0" lang="hr-HR" sz="4400" spc="-1" strike="noStrike">
+              <a:latin typeface="Arial"/>
             </a:endParaRPr>
           </a:p>
         </p:txBody>
@@ -1698,7 +1517,7 @@
             <a:spLocks noGrp="1"/>
           </p:cNvSpPr>
           <p:nvPr>
-            <p:ph type="ftr" idx="5"/>
+            <p:ph type="ftr" idx="4"/>
           </p:nvPr>
         </p:nvSpPr>
         <p:spPr/>
@@ -1718,14 +1537,14 @@
             <a:spLocks noGrp="1"/>
           </p:cNvSpPr>
           <p:nvPr>
-            <p:ph type="sldNum" idx="6"/>
+            <p:ph type="sldNum" idx="5"/>
           </p:nvPr>
         </p:nvSpPr>
         <p:spPr/>
         <p:txBody>
           <a:bodyPr/>
           <a:p>
-            <a:fld id="{2DC003AF-9A78-4AD3-AE94-433CDCEB93D7}" type="slidenum">
+            <a:fld id="{CE2389A0-CE19-49B0-BADF-5793E49DBAFB}" type="slidenum">
               <a:t>&lt;#&gt;</a:t>
             </a:fld>
           </a:p>
@@ -1738,7 +1557,7 @@
             <a:spLocks noGrp="1"/>
           </p:cNvSpPr>
           <p:nvPr>
-            <p:ph type="dt" idx="4"/>
+            <p:ph type="dt" idx="6"/>
           </p:nvPr>
         </p:nvSpPr>
         <p:spPr/>
@@ -1786,8 +1605,8 @@
         </p:nvSpPr>
         <p:spPr>
           <a:xfrm>
-            <a:off x="838080" y="365040"/>
-            <a:ext cx="10515240" cy="6144120"/>
+            <a:off x="609480" y="273600"/>
+            <a:ext cx="10972440" cy="5307840"/>
           </a:xfrm>
           <a:prstGeom prst="rect">
             <a:avLst/>
@@ -1818,7 +1637,7 @@
             <a:spLocks noGrp="1"/>
           </p:cNvSpPr>
           <p:nvPr>
-            <p:ph type="ftr" idx="5"/>
+            <p:ph type="ftr" idx="4"/>
           </p:nvPr>
         </p:nvSpPr>
         <p:spPr/>
@@ -1838,14 +1657,14 @@
             <a:spLocks noGrp="1"/>
           </p:cNvSpPr>
           <p:nvPr>
-            <p:ph type="sldNum" idx="6"/>
+            <p:ph type="sldNum" idx="5"/>
           </p:nvPr>
         </p:nvSpPr>
         <p:spPr/>
         <p:txBody>
           <a:bodyPr/>
           <a:p>
-            <a:fld id="{45935DD9-1D71-4CB6-8308-E8BA8BF67D4A}" type="slidenum">
+            <a:fld id="{19439800-06AE-4070-AD1D-C55120F265C2}" type="slidenum">
               <a:t>&lt;#&gt;</a:t>
             </a:fld>
           </a:p>
@@ -1858,7 +1677,7 @@
             <a:spLocks noGrp="1"/>
           </p:cNvSpPr>
           <p:nvPr>
-            <p:ph type="dt" idx="4"/>
+            <p:ph type="dt" idx="6"/>
           </p:nvPr>
         </p:nvSpPr>
         <p:spPr/>
@@ -1906,8 +1725,8 @@
         </p:nvSpPr>
         <p:spPr>
           <a:xfrm>
-            <a:off x="838080" y="365040"/>
-            <a:ext cx="10515240" cy="1325160"/>
+            <a:off x="609480" y="273600"/>
+            <a:ext cx="10972440" cy="1144800"/>
           </a:xfrm>
           <a:prstGeom prst="rect">
             <a:avLst/>
@@ -1922,11 +1741,11 @@
             <a:noAutofit/>
           </a:bodyPr>
           <a:p>
-            <a:endParaRPr b="0" lang="sr-Latn-RS" sz="1800" spc="-1" strike="noStrike">
-              <a:solidFill>
-                <a:srgbClr val="000000"/>
-              </a:solidFill>
-              <a:latin typeface="Aptos"/>
+            <a:pPr algn="ctr">
+              <a:buNone/>
+            </a:pPr>
+            <a:endParaRPr b="0" lang="hr-HR" sz="4400" spc="-1" strike="noStrike">
+              <a:latin typeface="Arial"/>
             </a:endParaRPr>
           </a:p>
         </p:txBody>
@@ -1943,8 +1762,8 @@
         </p:nvSpPr>
         <p:spPr>
           <a:xfrm>
-            <a:off x="838080" y="1825560"/>
-            <a:ext cx="5131080" cy="2075040"/>
+            <a:off x="609480" y="1604520"/>
+            <a:ext cx="5354280" cy="1896840"/>
           </a:xfrm>
           <a:prstGeom prst="rect">
             <a:avLst/>
@@ -1959,20 +1778,8 @@
             <a:normAutofit/>
           </a:bodyPr>
           <a:p>
-            <a:pPr>
-              <a:lnSpc>
-                <a:spcPct val="90000"/>
-              </a:lnSpc>
-              <a:spcBef>
-                <a:spcPts val="1417"/>
-              </a:spcBef>
-              <a:buNone/>
-            </a:pPr>
-            <a:endParaRPr b="0" lang="sr-Latn-RS" sz="2800" spc="-1" strike="noStrike">
-              <a:solidFill>
-                <a:srgbClr val="000000"/>
-              </a:solidFill>
-              <a:latin typeface="Aptos"/>
+            <a:endParaRPr b="0" lang="hr-HR" sz="3200" spc="-1" strike="noStrike">
+              <a:latin typeface="Arial"/>
             </a:endParaRPr>
           </a:p>
         </p:txBody>
@@ -1989,8 +1796,8 @@
         </p:nvSpPr>
         <p:spPr>
           <a:xfrm>
-            <a:off x="6226200" y="1825560"/>
-            <a:ext cx="5131080" cy="4350960"/>
+            <a:off x="6231960" y="1604520"/>
+            <a:ext cx="5354280" cy="3977280"/>
           </a:xfrm>
           <a:prstGeom prst="rect">
             <a:avLst/>
@@ -2005,20 +1812,8 @@
             <a:normAutofit/>
           </a:bodyPr>
           <a:p>
-            <a:pPr>
-              <a:lnSpc>
-                <a:spcPct val="90000"/>
-              </a:lnSpc>
-              <a:spcBef>
-                <a:spcPts val="1417"/>
-              </a:spcBef>
-              <a:buNone/>
-            </a:pPr>
-            <a:endParaRPr b="0" lang="sr-Latn-RS" sz="2800" spc="-1" strike="noStrike">
-              <a:solidFill>
-                <a:srgbClr val="000000"/>
-              </a:solidFill>
-              <a:latin typeface="Aptos"/>
+            <a:endParaRPr b="0" lang="hr-HR" sz="3200" spc="-1" strike="noStrike">
+              <a:latin typeface="Arial"/>
             </a:endParaRPr>
           </a:p>
         </p:txBody>
@@ -2035,8 +1830,8 @@
         </p:nvSpPr>
         <p:spPr>
           <a:xfrm>
-            <a:off x="838080" y="4098240"/>
-            <a:ext cx="5131080" cy="2075040"/>
+            <a:off x="609480" y="3682080"/>
+            <a:ext cx="5354280" cy="1896840"/>
           </a:xfrm>
           <a:prstGeom prst="rect">
             <a:avLst/>
@@ -2051,20 +1846,8 @@
             <a:normAutofit/>
           </a:bodyPr>
           <a:p>
-            <a:pPr>
-              <a:lnSpc>
-                <a:spcPct val="90000"/>
-              </a:lnSpc>
-              <a:spcBef>
-                <a:spcPts val="1417"/>
-              </a:spcBef>
-              <a:buNone/>
-            </a:pPr>
-            <a:endParaRPr b="0" lang="sr-Latn-RS" sz="2800" spc="-1" strike="noStrike">
-              <a:solidFill>
-                <a:srgbClr val="000000"/>
-              </a:solidFill>
-              <a:latin typeface="Aptos"/>
+            <a:endParaRPr b="0" lang="hr-HR" sz="3200" spc="-1" strike="noStrike">
+              <a:latin typeface="Arial"/>
             </a:endParaRPr>
           </a:p>
         </p:txBody>
@@ -2076,7 +1859,7 @@
             <a:spLocks noGrp="1"/>
           </p:cNvSpPr>
           <p:nvPr>
-            <p:ph type="ftr" idx="5"/>
+            <p:ph type="ftr" idx="4"/>
           </p:nvPr>
         </p:nvSpPr>
         <p:spPr/>
@@ -2096,14 +1879,14 @@
             <a:spLocks noGrp="1"/>
           </p:cNvSpPr>
           <p:nvPr>
-            <p:ph type="sldNum" idx="6"/>
+            <p:ph type="sldNum" idx="5"/>
           </p:nvPr>
         </p:nvSpPr>
         <p:spPr/>
         <p:txBody>
           <a:bodyPr/>
           <a:p>
-            <a:fld id="{6FD1F259-2E9B-44E1-84AB-1D6FDF9F2DE2}" type="slidenum">
+            <a:fld id="{D0B3F47E-EE61-42B5-B349-05985A00B08D}" type="slidenum">
               <a:t>&lt;#&gt;</a:t>
             </a:fld>
           </a:p>
@@ -2116,7 +1899,7 @@
             <a:spLocks noGrp="1"/>
           </p:cNvSpPr>
           <p:nvPr>
-            <p:ph type="dt" idx="4"/>
+            <p:ph type="dt" idx="6"/>
           </p:nvPr>
         </p:nvSpPr>
         <p:spPr/>
@@ -2164,8 +1947,8 @@
         </p:nvSpPr>
         <p:spPr>
           <a:xfrm>
-            <a:off x="838080" y="365040"/>
-            <a:ext cx="10515240" cy="1325160"/>
+            <a:off x="609480" y="273600"/>
+            <a:ext cx="10972440" cy="1144800"/>
           </a:xfrm>
           <a:prstGeom prst="rect">
             <a:avLst/>
@@ -2180,11 +1963,11 @@
             <a:noAutofit/>
           </a:bodyPr>
           <a:p>
-            <a:endParaRPr b="0" lang="sr-Latn-RS" sz="1800" spc="-1" strike="noStrike">
-              <a:solidFill>
-                <a:srgbClr val="000000"/>
-              </a:solidFill>
-              <a:latin typeface="Aptos"/>
+            <a:pPr algn="ctr">
+              <a:buNone/>
+            </a:pPr>
+            <a:endParaRPr b="0" lang="hr-HR" sz="4400" spc="-1" strike="noStrike">
+              <a:latin typeface="Arial"/>
             </a:endParaRPr>
           </a:p>
         </p:txBody>
@@ -2201,8 +1984,8 @@
         </p:nvSpPr>
         <p:spPr>
           <a:xfrm>
-            <a:off x="838080" y="1825560"/>
-            <a:ext cx="10515240" cy="4350960"/>
+            <a:off x="609480" y="1604520"/>
+            <a:ext cx="10972440" cy="3977280"/>
           </a:xfrm>
           <a:prstGeom prst="rect">
             <a:avLst/>
@@ -2233,7 +2016,7 @@
             <a:spLocks noGrp="1"/>
           </p:cNvSpPr>
           <p:nvPr>
-            <p:ph type="ftr" idx="2"/>
+            <p:ph type="ftr" idx="1"/>
           </p:nvPr>
         </p:nvSpPr>
         <p:spPr/>
@@ -2253,14 +2036,14 @@
             <a:spLocks noGrp="1"/>
           </p:cNvSpPr>
           <p:nvPr>
-            <p:ph type="sldNum" idx="3"/>
+            <p:ph type="sldNum" idx="2"/>
           </p:nvPr>
         </p:nvSpPr>
         <p:spPr/>
         <p:txBody>
           <a:bodyPr/>
           <a:p>
-            <a:fld id="{8922FBC4-4351-4722-8C1E-E47DE23D7BB9}" type="slidenum">
+            <a:fld id="{98D21710-D870-4D3F-B28F-DC0137091AA1}" type="slidenum">
               <a:t>&lt;#&gt;</a:t>
             </a:fld>
           </a:p>
@@ -2273,7 +2056,7 @@
             <a:spLocks noGrp="1"/>
           </p:cNvSpPr>
           <p:nvPr>
-            <p:ph type="dt" idx="1"/>
+            <p:ph type="dt" idx="3"/>
           </p:nvPr>
         </p:nvSpPr>
         <p:spPr/>
@@ -2321,8 +2104,8 @@
         </p:nvSpPr>
         <p:spPr>
           <a:xfrm>
-            <a:off x="838080" y="365040"/>
-            <a:ext cx="10515240" cy="1325160"/>
+            <a:off x="609480" y="273600"/>
+            <a:ext cx="10972440" cy="1144800"/>
           </a:xfrm>
           <a:prstGeom prst="rect">
             <a:avLst/>
@@ -2337,11 +2120,11 @@
             <a:noAutofit/>
           </a:bodyPr>
           <a:p>
-            <a:endParaRPr b="0" lang="sr-Latn-RS" sz="1800" spc="-1" strike="noStrike">
-              <a:solidFill>
-                <a:srgbClr val="000000"/>
-              </a:solidFill>
-              <a:latin typeface="Aptos"/>
+            <a:pPr algn="ctr">
+              <a:buNone/>
+            </a:pPr>
+            <a:endParaRPr b="0" lang="hr-HR" sz="4400" spc="-1" strike="noStrike">
+              <a:latin typeface="Arial"/>
             </a:endParaRPr>
           </a:p>
         </p:txBody>
@@ -2358,8 +2141,8 @@
         </p:nvSpPr>
         <p:spPr>
           <a:xfrm>
-            <a:off x="838080" y="1825560"/>
-            <a:ext cx="5131080" cy="4350960"/>
+            <a:off x="609480" y="1604520"/>
+            <a:ext cx="5354280" cy="3977280"/>
           </a:xfrm>
           <a:prstGeom prst="rect">
             <a:avLst/>
@@ -2374,20 +2157,8 @@
             <a:normAutofit/>
           </a:bodyPr>
           <a:p>
-            <a:pPr>
-              <a:lnSpc>
-                <a:spcPct val="90000"/>
-              </a:lnSpc>
-              <a:spcBef>
-                <a:spcPts val="1417"/>
-              </a:spcBef>
-              <a:buNone/>
-            </a:pPr>
-            <a:endParaRPr b="0" lang="sr-Latn-RS" sz="2800" spc="-1" strike="noStrike">
-              <a:solidFill>
-                <a:srgbClr val="000000"/>
-              </a:solidFill>
-              <a:latin typeface="Aptos"/>
+            <a:endParaRPr b="0" lang="hr-HR" sz="3200" spc="-1" strike="noStrike">
+              <a:latin typeface="Arial"/>
             </a:endParaRPr>
           </a:p>
         </p:txBody>
@@ -2404,8 +2175,8 @@
         </p:nvSpPr>
         <p:spPr>
           <a:xfrm>
-            <a:off x="6226200" y="1825560"/>
-            <a:ext cx="5131080" cy="2075040"/>
+            <a:off x="6231960" y="1604520"/>
+            <a:ext cx="5354280" cy="1896840"/>
           </a:xfrm>
           <a:prstGeom prst="rect">
             <a:avLst/>
@@ -2420,20 +2191,8 @@
             <a:normAutofit/>
           </a:bodyPr>
           <a:p>
-            <a:pPr>
-              <a:lnSpc>
-                <a:spcPct val="90000"/>
-              </a:lnSpc>
-              <a:spcBef>
-                <a:spcPts val="1417"/>
-              </a:spcBef>
-              <a:buNone/>
-            </a:pPr>
-            <a:endParaRPr b="0" lang="sr-Latn-RS" sz="2800" spc="-1" strike="noStrike">
-              <a:solidFill>
-                <a:srgbClr val="000000"/>
-              </a:solidFill>
-              <a:latin typeface="Aptos"/>
+            <a:endParaRPr b="0" lang="hr-HR" sz="3200" spc="-1" strike="noStrike">
+              <a:latin typeface="Arial"/>
             </a:endParaRPr>
           </a:p>
         </p:txBody>
@@ -2450,8 +2209,8 @@
         </p:nvSpPr>
         <p:spPr>
           <a:xfrm>
-            <a:off x="6226200" y="4098240"/>
-            <a:ext cx="5131080" cy="2075040"/>
+            <a:off x="6231960" y="3682080"/>
+            <a:ext cx="5354280" cy="1896840"/>
           </a:xfrm>
           <a:prstGeom prst="rect">
             <a:avLst/>
@@ -2466,20 +2225,8 @@
             <a:normAutofit/>
           </a:bodyPr>
           <a:p>
-            <a:pPr>
-              <a:lnSpc>
-                <a:spcPct val="90000"/>
-              </a:lnSpc>
-              <a:spcBef>
-                <a:spcPts val="1417"/>
-              </a:spcBef>
-              <a:buNone/>
-            </a:pPr>
-            <a:endParaRPr b="0" lang="sr-Latn-RS" sz="2800" spc="-1" strike="noStrike">
-              <a:solidFill>
-                <a:srgbClr val="000000"/>
-              </a:solidFill>
-              <a:latin typeface="Aptos"/>
+            <a:endParaRPr b="0" lang="hr-HR" sz="3200" spc="-1" strike="noStrike">
+              <a:latin typeface="Arial"/>
             </a:endParaRPr>
           </a:p>
         </p:txBody>
@@ -2491,7 +2238,7 @@
             <a:spLocks noGrp="1"/>
           </p:cNvSpPr>
           <p:nvPr>
-            <p:ph type="ftr" idx="5"/>
+            <p:ph type="ftr" idx="4"/>
           </p:nvPr>
         </p:nvSpPr>
         <p:spPr/>
@@ -2511,14 +2258,14 @@
             <a:spLocks noGrp="1"/>
           </p:cNvSpPr>
           <p:nvPr>
-            <p:ph type="sldNum" idx="6"/>
+            <p:ph type="sldNum" idx="5"/>
           </p:nvPr>
         </p:nvSpPr>
         <p:spPr/>
         <p:txBody>
           <a:bodyPr/>
           <a:p>
-            <a:fld id="{A76D4486-0682-414E-BCC0-251E86561516}" type="slidenum">
+            <a:fld id="{13FAFF2A-6587-4DDB-A098-70D784D7D816}" type="slidenum">
               <a:t>&lt;#&gt;</a:t>
             </a:fld>
           </a:p>
@@ -2531,7 +2278,7 @@
             <a:spLocks noGrp="1"/>
           </p:cNvSpPr>
           <p:nvPr>
-            <p:ph type="dt" idx="4"/>
+            <p:ph type="dt" idx="6"/>
           </p:nvPr>
         </p:nvSpPr>
         <p:spPr/>
@@ -2579,8 +2326,8 @@
         </p:nvSpPr>
         <p:spPr>
           <a:xfrm>
-            <a:off x="838080" y="365040"/>
-            <a:ext cx="10515240" cy="1325160"/>
+            <a:off x="609480" y="273600"/>
+            <a:ext cx="10972440" cy="1144800"/>
           </a:xfrm>
           <a:prstGeom prst="rect">
             <a:avLst/>
@@ -2595,11 +2342,11 @@
             <a:noAutofit/>
           </a:bodyPr>
           <a:p>
-            <a:endParaRPr b="0" lang="sr-Latn-RS" sz="1800" spc="-1" strike="noStrike">
-              <a:solidFill>
-                <a:srgbClr val="000000"/>
-              </a:solidFill>
-              <a:latin typeface="Aptos"/>
+            <a:pPr algn="ctr">
+              <a:buNone/>
+            </a:pPr>
+            <a:endParaRPr b="0" lang="hr-HR" sz="4400" spc="-1" strike="noStrike">
+              <a:latin typeface="Arial"/>
             </a:endParaRPr>
           </a:p>
         </p:txBody>
@@ -2616,8 +2363,8 @@
         </p:nvSpPr>
         <p:spPr>
           <a:xfrm>
-            <a:off x="838080" y="1825560"/>
-            <a:ext cx="5131080" cy="2075040"/>
+            <a:off x="609480" y="1604520"/>
+            <a:ext cx="5354280" cy="1896840"/>
           </a:xfrm>
           <a:prstGeom prst="rect">
             <a:avLst/>
@@ -2632,20 +2379,8 @@
             <a:normAutofit/>
           </a:bodyPr>
           <a:p>
-            <a:pPr>
-              <a:lnSpc>
-                <a:spcPct val="90000"/>
-              </a:lnSpc>
-              <a:spcBef>
-                <a:spcPts val="1417"/>
-              </a:spcBef>
-              <a:buNone/>
-            </a:pPr>
-            <a:endParaRPr b="0" lang="sr-Latn-RS" sz="2800" spc="-1" strike="noStrike">
-              <a:solidFill>
-                <a:srgbClr val="000000"/>
-              </a:solidFill>
-              <a:latin typeface="Aptos"/>
+            <a:endParaRPr b="0" lang="hr-HR" sz="3200" spc="-1" strike="noStrike">
+              <a:latin typeface="Arial"/>
             </a:endParaRPr>
           </a:p>
         </p:txBody>
@@ -2662,8 +2397,8 @@
         </p:nvSpPr>
         <p:spPr>
           <a:xfrm>
-            <a:off x="6226200" y="1825560"/>
-            <a:ext cx="5131080" cy="2075040"/>
+            <a:off x="6231960" y="1604520"/>
+            <a:ext cx="5354280" cy="1896840"/>
           </a:xfrm>
           <a:prstGeom prst="rect">
             <a:avLst/>
@@ -2678,20 +2413,8 @@
             <a:normAutofit/>
           </a:bodyPr>
           <a:p>
-            <a:pPr>
-              <a:lnSpc>
-                <a:spcPct val="90000"/>
-              </a:lnSpc>
-              <a:spcBef>
-                <a:spcPts val="1417"/>
-              </a:spcBef>
-              <a:buNone/>
-            </a:pPr>
-            <a:endParaRPr b="0" lang="sr-Latn-RS" sz="2800" spc="-1" strike="noStrike">
-              <a:solidFill>
-                <a:srgbClr val="000000"/>
-              </a:solidFill>
-              <a:latin typeface="Aptos"/>
+            <a:endParaRPr b="0" lang="hr-HR" sz="3200" spc="-1" strike="noStrike">
+              <a:latin typeface="Arial"/>
             </a:endParaRPr>
           </a:p>
         </p:txBody>
@@ -2708,8 +2431,8 @@
         </p:nvSpPr>
         <p:spPr>
           <a:xfrm>
-            <a:off x="838080" y="4098240"/>
-            <a:ext cx="10515240" cy="2075040"/>
+            <a:off x="609480" y="3682080"/>
+            <a:ext cx="10972440" cy="1896840"/>
           </a:xfrm>
           <a:prstGeom prst="rect">
             <a:avLst/>
@@ -2724,20 +2447,8 @@
             <a:normAutofit/>
           </a:bodyPr>
           <a:p>
-            <a:pPr>
-              <a:lnSpc>
-                <a:spcPct val="90000"/>
-              </a:lnSpc>
-              <a:spcBef>
-                <a:spcPts val="1417"/>
-              </a:spcBef>
-              <a:buNone/>
-            </a:pPr>
-            <a:endParaRPr b="0" lang="sr-Latn-RS" sz="2800" spc="-1" strike="noStrike">
-              <a:solidFill>
-                <a:srgbClr val="000000"/>
-              </a:solidFill>
-              <a:latin typeface="Aptos"/>
+            <a:endParaRPr b="0" lang="hr-HR" sz="3200" spc="-1" strike="noStrike">
+              <a:latin typeface="Arial"/>
             </a:endParaRPr>
           </a:p>
         </p:txBody>
@@ -2749,7 +2460,7 @@
             <a:spLocks noGrp="1"/>
           </p:cNvSpPr>
           <p:nvPr>
-            <p:ph type="ftr" idx="5"/>
+            <p:ph type="ftr" idx="4"/>
           </p:nvPr>
         </p:nvSpPr>
         <p:spPr/>
@@ -2769,14 +2480,14 @@
             <a:spLocks noGrp="1"/>
           </p:cNvSpPr>
           <p:nvPr>
-            <p:ph type="sldNum" idx="6"/>
+            <p:ph type="sldNum" idx="5"/>
           </p:nvPr>
         </p:nvSpPr>
         <p:spPr/>
         <p:txBody>
           <a:bodyPr/>
           <a:p>
-            <a:fld id="{39301B61-0D7A-4E45-B67D-68EF588FE01F}" type="slidenum">
+            <a:fld id="{B6CB7AA2-CE58-4434-AE26-7AEE0375311F}" type="slidenum">
               <a:t>&lt;#&gt;</a:t>
             </a:fld>
           </a:p>
@@ -2789,7 +2500,7 @@
             <a:spLocks noGrp="1"/>
           </p:cNvSpPr>
           <p:nvPr>
-            <p:ph type="dt" idx="4"/>
+            <p:ph type="dt" idx="6"/>
           </p:nvPr>
         </p:nvSpPr>
         <p:spPr/>
@@ -2837,8 +2548,8 @@
         </p:nvSpPr>
         <p:spPr>
           <a:xfrm>
-            <a:off x="838080" y="365040"/>
-            <a:ext cx="10515240" cy="1325160"/>
+            <a:off x="609480" y="273600"/>
+            <a:ext cx="10972440" cy="1144800"/>
           </a:xfrm>
           <a:prstGeom prst="rect">
             <a:avLst/>
@@ -2853,11 +2564,11 @@
             <a:noAutofit/>
           </a:bodyPr>
           <a:p>
-            <a:endParaRPr b="0" lang="sr-Latn-RS" sz="1800" spc="-1" strike="noStrike">
-              <a:solidFill>
-                <a:srgbClr val="000000"/>
-              </a:solidFill>
-              <a:latin typeface="Aptos"/>
+            <a:pPr algn="ctr">
+              <a:buNone/>
+            </a:pPr>
+            <a:endParaRPr b="0" lang="hr-HR" sz="4400" spc="-1" strike="noStrike">
+              <a:latin typeface="Arial"/>
             </a:endParaRPr>
           </a:p>
         </p:txBody>
@@ -2874,8 +2585,8 @@
         </p:nvSpPr>
         <p:spPr>
           <a:xfrm>
-            <a:off x="838080" y="1825560"/>
-            <a:ext cx="10515240" cy="2075040"/>
+            <a:off x="609480" y="1604520"/>
+            <a:ext cx="10972440" cy="1896840"/>
           </a:xfrm>
           <a:prstGeom prst="rect">
             <a:avLst/>
@@ -2890,20 +2601,8 @@
             <a:normAutofit/>
           </a:bodyPr>
           <a:p>
-            <a:pPr>
-              <a:lnSpc>
-                <a:spcPct val="90000"/>
-              </a:lnSpc>
-              <a:spcBef>
-                <a:spcPts val="1417"/>
-              </a:spcBef>
-              <a:buNone/>
-            </a:pPr>
-            <a:endParaRPr b="0" lang="sr-Latn-RS" sz="2800" spc="-1" strike="noStrike">
-              <a:solidFill>
-                <a:srgbClr val="000000"/>
-              </a:solidFill>
-              <a:latin typeface="Aptos"/>
+            <a:endParaRPr b="0" lang="hr-HR" sz="3200" spc="-1" strike="noStrike">
+              <a:latin typeface="Arial"/>
             </a:endParaRPr>
           </a:p>
         </p:txBody>
@@ -2920,8 +2619,8 @@
         </p:nvSpPr>
         <p:spPr>
           <a:xfrm>
-            <a:off x="838080" y="4098240"/>
-            <a:ext cx="10515240" cy="2075040"/>
+            <a:off x="609480" y="3682080"/>
+            <a:ext cx="10972440" cy="1896840"/>
           </a:xfrm>
           <a:prstGeom prst="rect">
             <a:avLst/>
@@ -2936,20 +2635,8 @@
             <a:normAutofit/>
           </a:bodyPr>
           <a:p>
-            <a:pPr>
-              <a:lnSpc>
-                <a:spcPct val="90000"/>
-              </a:lnSpc>
-              <a:spcBef>
-                <a:spcPts val="1417"/>
-              </a:spcBef>
-              <a:buNone/>
-            </a:pPr>
-            <a:endParaRPr b="0" lang="sr-Latn-RS" sz="2800" spc="-1" strike="noStrike">
-              <a:solidFill>
-                <a:srgbClr val="000000"/>
-              </a:solidFill>
-              <a:latin typeface="Aptos"/>
+            <a:endParaRPr b="0" lang="hr-HR" sz="3200" spc="-1" strike="noStrike">
+              <a:latin typeface="Arial"/>
             </a:endParaRPr>
           </a:p>
         </p:txBody>
@@ -2961,7 +2648,7 @@
             <a:spLocks noGrp="1"/>
           </p:cNvSpPr>
           <p:nvPr>
-            <p:ph type="ftr" idx="5"/>
+            <p:ph type="ftr" idx="4"/>
           </p:nvPr>
         </p:nvSpPr>
         <p:spPr/>
@@ -2981,14 +2668,14 @@
             <a:spLocks noGrp="1"/>
           </p:cNvSpPr>
           <p:nvPr>
-            <p:ph type="sldNum" idx="6"/>
+            <p:ph type="sldNum" idx="5"/>
           </p:nvPr>
         </p:nvSpPr>
         <p:spPr/>
         <p:txBody>
           <a:bodyPr/>
           <a:p>
-            <a:fld id="{F8CE62CD-0C8E-4D2E-9904-94D00CF70797}" type="slidenum">
+            <a:fld id="{3FA14165-A289-424F-A9F9-02487D769080}" type="slidenum">
               <a:t>&lt;#&gt;</a:t>
             </a:fld>
           </a:p>
@@ -3001,7 +2688,7 @@
             <a:spLocks noGrp="1"/>
           </p:cNvSpPr>
           <p:nvPr>
-            <p:ph type="dt" idx="4"/>
+            <p:ph type="dt" idx="6"/>
           </p:nvPr>
         </p:nvSpPr>
         <p:spPr/>
@@ -3049,8 +2736,8 @@
         </p:nvSpPr>
         <p:spPr>
           <a:xfrm>
-            <a:off x="838080" y="365040"/>
-            <a:ext cx="10515240" cy="1325160"/>
+            <a:off x="609480" y="273600"/>
+            <a:ext cx="10972440" cy="1144800"/>
           </a:xfrm>
           <a:prstGeom prst="rect">
             <a:avLst/>
@@ -3065,11 +2752,11 @@
             <a:noAutofit/>
           </a:bodyPr>
           <a:p>
-            <a:endParaRPr b="0" lang="sr-Latn-RS" sz="1800" spc="-1" strike="noStrike">
-              <a:solidFill>
-                <a:srgbClr val="000000"/>
-              </a:solidFill>
-              <a:latin typeface="Aptos"/>
+            <a:pPr algn="ctr">
+              <a:buNone/>
+            </a:pPr>
+            <a:endParaRPr b="0" lang="hr-HR" sz="4400" spc="-1" strike="noStrike">
+              <a:latin typeface="Arial"/>
             </a:endParaRPr>
           </a:p>
         </p:txBody>
@@ -3086,8 +2773,8 @@
         </p:nvSpPr>
         <p:spPr>
           <a:xfrm>
-            <a:off x="838080" y="1825560"/>
-            <a:ext cx="5131080" cy="2075040"/>
+            <a:off x="609480" y="1604520"/>
+            <a:ext cx="5354280" cy="1896840"/>
           </a:xfrm>
           <a:prstGeom prst="rect">
             <a:avLst/>
@@ -3102,20 +2789,8 @@
             <a:normAutofit/>
           </a:bodyPr>
           <a:p>
-            <a:pPr>
-              <a:lnSpc>
-                <a:spcPct val="90000"/>
-              </a:lnSpc>
-              <a:spcBef>
-                <a:spcPts val="1417"/>
-              </a:spcBef>
-              <a:buNone/>
-            </a:pPr>
-            <a:endParaRPr b="0" lang="sr-Latn-RS" sz="2800" spc="-1" strike="noStrike">
-              <a:solidFill>
-                <a:srgbClr val="000000"/>
-              </a:solidFill>
-              <a:latin typeface="Aptos"/>
+            <a:endParaRPr b="0" lang="hr-HR" sz="3200" spc="-1" strike="noStrike">
+              <a:latin typeface="Arial"/>
             </a:endParaRPr>
           </a:p>
         </p:txBody>
@@ -3132,8 +2807,8 @@
         </p:nvSpPr>
         <p:spPr>
           <a:xfrm>
-            <a:off x="6226200" y="1825560"/>
-            <a:ext cx="5131080" cy="2075040"/>
+            <a:off x="6231960" y="1604520"/>
+            <a:ext cx="5354280" cy="1896840"/>
           </a:xfrm>
           <a:prstGeom prst="rect">
             <a:avLst/>
@@ -3148,20 +2823,8 @@
             <a:normAutofit/>
           </a:bodyPr>
           <a:p>
-            <a:pPr>
-              <a:lnSpc>
-                <a:spcPct val="90000"/>
-              </a:lnSpc>
-              <a:spcBef>
-                <a:spcPts val="1417"/>
-              </a:spcBef>
-              <a:buNone/>
-            </a:pPr>
-            <a:endParaRPr b="0" lang="sr-Latn-RS" sz="2800" spc="-1" strike="noStrike">
-              <a:solidFill>
-                <a:srgbClr val="000000"/>
-              </a:solidFill>
-              <a:latin typeface="Aptos"/>
+            <a:endParaRPr b="0" lang="hr-HR" sz="3200" spc="-1" strike="noStrike">
+              <a:latin typeface="Arial"/>
             </a:endParaRPr>
           </a:p>
         </p:txBody>
@@ -3178,8 +2841,8 @@
         </p:nvSpPr>
         <p:spPr>
           <a:xfrm>
-            <a:off x="838080" y="4098240"/>
-            <a:ext cx="5131080" cy="2075040"/>
+            <a:off x="609480" y="3682080"/>
+            <a:ext cx="5354280" cy="1896840"/>
           </a:xfrm>
           <a:prstGeom prst="rect">
             <a:avLst/>
@@ -3194,20 +2857,8 @@
             <a:normAutofit/>
           </a:bodyPr>
           <a:p>
-            <a:pPr>
-              <a:lnSpc>
-                <a:spcPct val="90000"/>
-              </a:lnSpc>
-              <a:spcBef>
-                <a:spcPts val="1417"/>
-              </a:spcBef>
-              <a:buNone/>
-            </a:pPr>
-            <a:endParaRPr b="0" lang="sr-Latn-RS" sz="2800" spc="-1" strike="noStrike">
-              <a:solidFill>
-                <a:srgbClr val="000000"/>
-              </a:solidFill>
-              <a:latin typeface="Aptos"/>
+            <a:endParaRPr b="0" lang="hr-HR" sz="3200" spc="-1" strike="noStrike">
+              <a:latin typeface="Arial"/>
             </a:endParaRPr>
           </a:p>
         </p:txBody>
@@ -3224,8 +2875,8 @@
         </p:nvSpPr>
         <p:spPr>
           <a:xfrm>
-            <a:off x="6226200" y="4098240"/>
-            <a:ext cx="5131080" cy="2075040"/>
+            <a:off x="6231960" y="3682080"/>
+            <a:ext cx="5354280" cy="1896840"/>
           </a:xfrm>
           <a:prstGeom prst="rect">
             <a:avLst/>
@@ -3240,20 +2891,8 @@
             <a:normAutofit/>
           </a:bodyPr>
           <a:p>
-            <a:pPr>
-              <a:lnSpc>
-                <a:spcPct val="90000"/>
-              </a:lnSpc>
-              <a:spcBef>
-                <a:spcPts val="1417"/>
-              </a:spcBef>
-              <a:buNone/>
-            </a:pPr>
-            <a:endParaRPr b="0" lang="sr-Latn-RS" sz="2800" spc="-1" strike="noStrike">
-              <a:solidFill>
-                <a:srgbClr val="000000"/>
-              </a:solidFill>
-              <a:latin typeface="Aptos"/>
+            <a:endParaRPr b="0" lang="hr-HR" sz="3200" spc="-1" strike="noStrike">
+              <a:latin typeface="Arial"/>
             </a:endParaRPr>
           </a:p>
         </p:txBody>
@@ -3265,7 +2904,7 @@
             <a:spLocks noGrp="1"/>
           </p:cNvSpPr>
           <p:nvPr>
-            <p:ph type="ftr" idx="5"/>
+            <p:ph type="ftr" idx="4"/>
           </p:nvPr>
         </p:nvSpPr>
         <p:spPr/>
@@ -3285,14 +2924,14 @@
             <a:spLocks noGrp="1"/>
           </p:cNvSpPr>
           <p:nvPr>
-            <p:ph type="sldNum" idx="6"/>
+            <p:ph type="sldNum" idx="5"/>
           </p:nvPr>
         </p:nvSpPr>
         <p:spPr/>
         <p:txBody>
           <a:bodyPr/>
           <a:p>
-            <a:fld id="{FDCEFA22-D667-4F1B-BBF8-7653ADABC80A}" type="slidenum">
+            <a:fld id="{BC0538FF-8AD3-468A-8A5E-E4264CB980C7}" type="slidenum">
               <a:t>&lt;#&gt;</a:t>
             </a:fld>
           </a:p>
@@ -3305,7 +2944,7 @@
             <a:spLocks noGrp="1"/>
           </p:cNvSpPr>
           <p:nvPr>
-            <p:ph type="dt" idx="4"/>
+            <p:ph type="dt" idx="6"/>
           </p:nvPr>
         </p:nvSpPr>
         <p:spPr/>
@@ -3353,8 +2992,8 @@
         </p:nvSpPr>
         <p:spPr>
           <a:xfrm>
-            <a:off x="838080" y="365040"/>
-            <a:ext cx="10515240" cy="1325160"/>
+            <a:off x="609480" y="273600"/>
+            <a:ext cx="10972440" cy="1144800"/>
           </a:xfrm>
           <a:prstGeom prst="rect">
             <a:avLst/>
@@ -3369,11 +3008,11 @@
             <a:noAutofit/>
           </a:bodyPr>
           <a:p>
-            <a:endParaRPr b="0" lang="sr-Latn-RS" sz="1800" spc="-1" strike="noStrike">
-              <a:solidFill>
-                <a:srgbClr val="000000"/>
-              </a:solidFill>
-              <a:latin typeface="Aptos"/>
+            <a:pPr algn="ctr">
+              <a:buNone/>
+            </a:pPr>
+            <a:endParaRPr b="0" lang="hr-HR" sz="4400" spc="-1" strike="noStrike">
+              <a:latin typeface="Arial"/>
             </a:endParaRPr>
           </a:p>
         </p:txBody>
@@ -3390,8 +3029,8 @@
         </p:nvSpPr>
         <p:spPr>
           <a:xfrm>
-            <a:off x="838080" y="1825560"/>
-            <a:ext cx="3385800" cy="2075040"/>
+            <a:off x="609480" y="1604520"/>
+            <a:ext cx="3533040" cy="1896840"/>
           </a:xfrm>
           <a:prstGeom prst="rect">
             <a:avLst/>
@@ -3406,20 +3045,8 @@
             <a:normAutofit/>
           </a:bodyPr>
           <a:p>
-            <a:pPr>
-              <a:lnSpc>
-                <a:spcPct val="90000"/>
-              </a:lnSpc>
-              <a:spcBef>
-                <a:spcPts val="1417"/>
-              </a:spcBef>
-              <a:buNone/>
-            </a:pPr>
-            <a:endParaRPr b="0" lang="sr-Latn-RS" sz="2800" spc="-1" strike="noStrike">
-              <a:solidFill>
-                <a:srgbClr val="000000"/>
-              </a:solidFill>
-              <a:latin typeface="Aptos"/>
+            <a:endParaRPr b="0" lang="hr-HR" sz="3200" spc="-1" strike="noStrike">
+              <a:latin typeface="Arial"/>
             </a:endParaRPr>
           </a:p>
         </p:txBody>
@@ -3436,8 +3063,8 @@
         </p:nvSpPr>
         <p:spPr>
           <a:xfrm>
-            <a:off x="4393440" y="1825560"/>
-            <a:ext cx="3385800" cy="2075040"/>
+            <a:off x="4319640" y="1604520"/>
+            <a:ext cx="3533040" cy="1896840"/>
           </a:xfrm>
           <a:prstGeom prst="rect">
             <a:avLst/>
@@ -3452,20 +3079,8 @@
             <a:normAutofit/>
           </a:bodyPr>
           <a:p>
-            <a:pPr>
-              <a:lnSpc>
-                <a:spcPct val="90000"/>
-              </a:lnSpc>
-              <a:spcBef>
-                <a:spcPts val="1417"/>
-              </a:spcBef>
-              <a:buNone/>
-            </a:pPr>
-            <a:endParaRPr b="0" lang="sr-Latn-RS" sz="2800" spc="-1" strike="noStrike">
-              <a:solidFill>
-                <a:srgbClr val="000000"/>
-              </a:solidFill>
-              <a:latin typeface="Aptos"/>
+            <a:endParaRPr b="0" lang="hr-HR" sz="3200" spc="-1" strike="noStrike">
+              <a:latin typeface="Arial"/>
             </a:endParaRPr>
           </a:p>
         </p:txBody>
@@ -3482,8 +3097,8 @@
         </p:nvSpPr>
         <p:spPr>
           <a:xfrm>
-            <a:off x="7949160" y="1825560"/>
-            <a:ext cx="3385800" cy="2075040"/>
+            <a:off x="8029800" y="1604520"/>
+            <a:ext cx="3533040" cy="1896840"/>
           </a:xfrm>
           <a:prstGeom prst="rect">
             <a:avLst/>
@@ -3498,20 +3113,8 @@
             <a:normAutofit/>
           </a:bodyPr>
           <a:p>
-            <a:pPr>
-              <a:lnSpc>
-                <a:spcPct val="90000"/>
-              </a:lnSpc>
-              <a:spcBef>
-                <a:spcPts val="1417"/>
-              </a:spcBef>
-              <a:buNone/>
-            </a:pPr>
-            <a:endParaRPr b="0" lang="sr-Latn-RS" sz="2800" spc="-1" strike="noStrike">
-              <a:solidFill>
-                <a:srgbClr val="000000"/>
-              </a:solidFill>
-              <a:latin typeface="Aptos"/>
+            <a:endParaRPr b="0" lang="hr-HR" sz="3200" spc="-1" strike="noStrike">
+              <a:latin typeface="Arial"/>
             </a:endParaRPr>
           </a:p>
         </p:txBody>
@@ -3528,8 +3131,8 @@
         </p:nvSpPr>
         <p:spPr>
           <a:xfrm>
-            <a:off x="838080" y="4098240"/>
-            <a:ext cx="3385800" cy="2075040"/>
+            <a:off x="609480" y="3682080"/>
+            <a:ext cx="3533040" cy="1896840"/>
           </a:xfrm>
           <a:prstGeom prst="rect">
             <a:avLst/>
@@ -3544,20 +3147,8 @@
             <a:normAutofit/>
           </a:bodyPr>
           <a:p>
-            <a:pPr>
-              <a:lnSpc>
-                <a:spcPct val="90000"/>
-              </a:lnSpc>
-              <a:spcBef>
-                <a:spcPts val="1417"/>
-              </a:spcBef>
-              <a:buNone/>
-            </a:pPr>
-            <a:endParaRPr b="0" lang="sr-Latn-RS" sz="2800" spc="-1" strike="noStrike">
-              <a:solidFill>
-                <a:srgbClr val="000000"/>
-              </a:solidFill>
-              <a:latin typeface="Aptos"/>
+            <a:endParaRPr b="0" lang="hr-HR" sz="3200" spc="-1" strike="noStrike">
+              <a:latin typeface="Arial"/>
             </a:endParaRPr>
           </a:p>
         </p:txBody>
@@ -3574,8 +3165,8 @@
         </p:nvSpPr>
         <p:spPr>
           <a:xfrm>
-            <a:off x="4393440" y="4098240"/>
-            <a:ext cx="3385800" cy="2075040"/>
+            <a:off x="4319640" y="3682080"/>
+            <a:ext cx="3533040" cy="1896840"/>
           </a:xfrm>
           <a:prstGeom prst="rect">
             <a:avLst/>
@@ -3590,20 +3181,8 @@
             <a:normAutofit/>
           </a:bodyPr>
           <a:p>
-            <a:pPr>
-              <a:lnSpc>
-                <a:spcPct val="90000"/>
-              </a:lnSpc>
-              <a:spcBef>
-                <a:spcPts val="1417"/>
-              </a:spcBef>
-              <a:buNone/>
-            </a:pPr>
-            <a:endParaRPr b="0" lang="sr-Latn-RS" sz="2800" spc="-1" strike="noStrike">
-              <a:solidFill>
-                <a:srgbClr val="000000"/>
-              </a:solidFill>
-              <a:latin typeface="Aptos"/>
+            <a:endParaRPr b="0" lang="hr-HR" sz="3200" spc="-1" strike="noStrike">
+              <a:latin typeface="Arial"/>
             </a:endParaRPr>
           </a:p>
         </p:txBody>
@@ -3620,8 +3199,8 @@
         </p:nvSpPr>
         <p:spPr>
           <a:xfrm>
-            <a:off x="7949160" y="4098240"/>
-            <a:ext cx="3385800" cy="2075040"/>
+            <a:off x="8029800" y="3682080"/>
+            <a:ext cx="3533040" cy="1896840"/>
           </a:xfrm>
           <a:prstGeom prst="rect">
             <a:avLst/>
@@ -3636,20 +3215,8 @@
             <a:normAutofit/>
           </a:bodyPr>
           <a:p>
-            <a:pPr>
-              <a:lnSpc>
-                <a:spcPct val="90000"/>
-              </a:lnSpc>
-              <a:spcBef>
-                <a:spcPts val="1417"/>
-              </a:spcBef>
-              <a:buNone/>
-            </a:pPr>
-            <a:endParaRPr b="0" lang="sr-Latn-RS" sz="2800" spc="-1" strike="noStrike">
-              <a:solidFill>
-                <a:srgbClr val="000000"/>
-              </a:solidFill>
-              <a:latin typeface="Aptos"/>
+            <a:endParaRPr b="0" lang="hr-HR" sz="3200" spc="-1" strike="noStrike">
+              <a:latin typeface="Arial"/>
             </a:endParaRPr>
           </a:p>
         </p:txBody>
@@ -3661,7 +3228,7 @@
             <a:spLocks noGrp="1"/>
           </p:cNvSpPr>
           <p:nvPr>
-            <p:ph type="ftr" idx="5"/>
+            <p:ph type="ftr" idx="4"/>
           </p:nvPr>
         </p:nvSpPr>
         <p:spPr/>
@@ -3681,14 +3248,14 @@
             <a:spLocks noGrp="1"/>
           </p:cNvSpPr>
           <p:nvPr>
-            <p:ph type="sldNum" idx="6"/>
+            <p:ph type="sldNum" idx="5"/>
           </p:nvPr>
         </p:nvSpPr>
         <p:spPr/>
         <p:txBody>
           <a:bodyPr/>
           <a:p>
-            <a:fld id="{AAD131BC-5D5A-4532-8977-C03672995216}" type="slidenum">
+            <a:fld id="{63BE0F94-287A-4776-81BD-7A721554A380}" type="slidenum">
               <a:t>&lt;#&gt;</a:t>
             </a:fld>
           </a:p>
@@ -3701,7 +3268,7 @@
             <a:spLocks noGrp="1"/>
           </p:cNvSpPr>
           <p:nvPr>
-            <p:ph type="dt" idx="4"/>
+            <p:ph type="dt" idx="6"/>
           </p:nvPr>
         </p:nvSpPr>
         <p:spPr/>
@@ -3749,8 +3316,8 @@
         </p:nvSpPr>
         <p:spPr>
           <a:xfrm>
-            <a:off x="838080" y="365040"/>
-            <a:ext cx="10515240" cy="1325160"/>
+            <a:off x="609480" y="273600"/>
+            <a:ext cx="10972440" cy="1144800"/>
           </a:xfrm>
           <a:prstGeom prst="rect">
             <a:avLst/>
@@ -3765,11 +3332,11 @@
             <a:noAutofit/>
           </a:bodyPr>
           <a:p>
-            <a:endParaRPr b="0" lang="sr-Latn-RS" sz="1800" spc="-1" strike="noStrike">
-              <a:solidFill>
-                <a:srgbClr val="000000"/>
-              </a:solidFill>
-              <a:latin typeface="Aptos"/>
+            <a:pPr algn="ctr">
+              <a:buNone/>
+            </a:pPr>
+            <a:endParaRPr b="0" lang="hr-HR" sz="4400" spc="-1" strike="noStrike">
+              <a:latin typeface="Arial"/>
             </a:endParaRPr>
           </a:p>
         </p:txBody>
@@ -3786,8 +3353,8 @@
         </p:nvSpPr>
         <p:spPr>
           <a:xfrm>
-            <a:off x="838080" y="1825560"/>
-            <a:ext cx="10515240" cy="4350960"/>
+            <a:off x="609480" y="1604520"/>
+            <a:ext cx="10972440" cy="3977280"/>
           </a:xfrm>
           <a:prstGeom prst="rect">
             <a:avLst/>
@@ -3802,20 +3369,8 @@
             <a:normAutofit/>
           </a:bodyPr>
           <a:p>
-            <a:pPr>
-              <a:lnSpc>
-                <a:spcPct val="90000"/>
-              </a:lnSpc>
-              <a:spcBef>
-                <a:spcPts val="1417"/>
-              </a:spcBef>
-              <a:buNone/>
-            </a:pPr>
-            <a:endParaRPr b="0" lang="sr-Latn-RS" sz="2800" spc="-1" strike="noStrike">
-              <a:solidFill>
-                <a:srgbClr val="000000"/>
-              </a:solidFill>
-              <a:latin typeface="Aptos"/>
+            <a:endParaRPr b="0" lang="hr-HR" sz="3200" spc="-1" strike="noStrike">
+              <a:latin typeface="Arial"/>
             </a:endParaRPr>
           </a:p>
         </p:txBody>
@@ -3827,7 +3382,7 @@
             <a:spLocks noGrp="1"/>
           </p:cNvSpPr>
           <p:nvPr>
-            <p:ph type="ftr" idx="2"/>
+            <p:ph type="ftr" idx="1"/>
           </p:nvPr>
         </p:nvSpPr>
         <p:spPr/>
@@ -3847,14 +3402,14 @@
             <a:spLocks noGrp="1"/>
           </p:cNvSpPr>
           <p:nvPr>
-            <p:ph type="sldNum" idx="3"/>
+            <p:ph type="sldNum" idx="2"/>
           </p:nvPr>
         </p:nvSpPr>
         <p:spPr/>
         <p:txBody>
           <a:bodyPr/>
           <a:p>
-            <a:fld id="{A509DC84-F100-43AB-ABA4-D80E3CADC53D}" type="slidenum">
+            <a:fld id="{090F59E8-DE08-457E-B9C2-63081F7D3756}" type="slidenum">
               <a:t>&lt;#&gt;</a:t>
             </a:fld>
           </a:p>
@@ -3867,7 +3422,7 @@
             <a:spLocks noGrp="1"/>
           </p:cNvSpPr>
           <p:nvPr>
-            <p:ph type="dt" idx="1"/>
+            <p:ph type="dt" idx="3"/>
           </p:nvPr>
         </p:nvSpPr>
         <p:spPr/>
@@ -3915,8 +3470,8 @@
         </p:nvSpPr>
         <p:spPr>
           <a:xfrm>
-            <a:off x="838080" y="365040"/>
-            <a:ext cx="10515240" cy="1325160"/>
+            <a:off x="609480" y="273600"/>
+            <a:ext cx="10972440" cy="1144800"/>
           </a:xfrm>
           <a:prstGeom prst="rect">
             <a:avLst/>
@@ -3931,11 +3486,11 @@
             <a:noAutofit/>
           </a:bodyPr>
           <a:p>
-            <a:endParaRPr b="0" lang="sr-Latn-RS" sz="1800" spc="-1" strike="noStrike">
-              <a:solidFill>
-                <a:srgbClr val="000000"/>
-              </a:solidFill>
-              <a:latin typeface="Aptos"/>
+            <a:pPr algn="ctr">
+              <a:buNone/>
+            </a:pPr>
+            <a:endParaRPr b="0" lang="hr-HR" sz="4400" spc="-1" strike="noStrike">
+              <a:latin typeface="Arial"/>
             </a:endParaRPr>
           </a:p>
         </p:txBody>
@@ -3952,8 +3507,8 @@
         </p:nvSpPr>
         <p:spPr>
           <a:xfrm>
-            <a:off x="838080" y="1825560"/>
-            <a:ext cx="5131080" cy="4350960"/>
+            <a:off x="609480" y="1604520"/>
+            <a:ext cx="5354280" cy="3977280"/>
           </a:xfrm>
           <a:prstGeom prst="rect">
             <a:avLst/>
@@ -3968,20 +3523,8 @@
             <a:normAutofit/>
           </a:bodyPr>
           <a:p>
-            <a:pPr>
-              <a:lnSpc>
-                <a:spcPct val="90000"/>
-              </a:lnSpc>
-              <a:spcBef>
-                <a:spcPts val="1417"/>
-              </a:spcBef>
-              <a:buNone/>
-            </a:pPr>
-            <a:endParaRPr b="0" lang="sr-Latn-RS" sz="2800" spc="-1" strike="noStrike">
-              <a:solidFill>
-                <a:srgbClr val="000000"/>
-              </a:solidFill>
-              <a:latin typeface="Aptos"/>
+            <a:endParaRPr b="0" lang="hr-HR" sz="3200" spc="-1" strike="noStrike">
+              <a:latin typeface="Arial"/>
             </a:endParaRPr>
           </a:p>
         </p:txBody>
@@ -3998,8 +3541,8 @@
         </p:nvSpPr>
         <p:spPr>
           <a:xfrm>
-            <a:off x="6226200" y="1825560"/>
-            <a:ext cx="5131080" cy="4350960"/>
+            <a:off x="6231960" y="1604520"/>
+            <a:ext cx="5354280" cy="3977280"/>
           </a:xfrm>
           <a:prstGeom prst="rect">
             <a:avLst/>
@@ -4014,20 +3557,8 @@
             <a:normAutofit/>
           </a:bodyPr>
           <a:p>
-            <a:pPr>
-              <a:lnSpc>
-                <a:spcPct val="90000"/>
-              </a:lnSpc>
-              <a:spcBef>
-                <a:spcPts val="1417"/>
-              </a:spcBef>
-              <a:buNone/>
-            </a:pPr>
-            <a:endParaRPr b="0" lang="sr-Latn-RS" sz="2800" spc="-1" strike="noStrike">
-              <a:solidFill>
-                <a:srgbClr val="000000"/>
-              </a:solidFill>
-              <a:latin typeface="Aptos"/>
+            <a:endParaRPr b="0" lang="hr-HR" sz="3200" spc="-1" strike="noStrike">
+              <a:latin typeface="Arial"/>
             </a:endParaRPr>
           </a:p>
         </p:txBody>
@@ -4039,7 +3570,7 @@
             <a:spLocks noGrp="1"/>
           </p:cNvSpPr>
           <p:nvPr>
-            <p:ph type="ftr" idx="2"/>
+            <p:ph type="ftr" idx="1"/>
           </p:nvPr>
         </p:nvSpPr>
         <p:spPr/>
@@ -4059,14 +3590,14 @@
             <a:spLocks noGrp="1"/>
           </p:cNvSpPr>
           <p:nvPr>
-            <p:ph type="sldNum" idx="3"/>
+            <p:ph type="sldNum" idx="2"/>
           </p:nvPr>
         </p:nvSpPr>
         <p:spPr/>
         <p:txBody>
           <a:bodyPr/>
           <a:p>
-            <a:fld id="{4A82A2A6-1143-4A1C-8814-5F7C33441505}" type="slidenum">
+            <a:fld id="{66D43FA5-3772-4045-881C-564C41DE18BD}" type="slidenum">
               <a:t>&lt;#&gt;</a:t>
             </a:fld>
           </a:p>
@@ -4079,7 +3610,7 @@
             <a:spLocks noGrp="1"/>
           </p:cNvSpPr>
           <p:nvPr>
-            <p:ph type="dt" idx="1"/>
+            <p:ph type="dt" idx="3"/>
           </p:nvPr>
         </p:nvSpPr>
         <p:spPr/>
@@ -4127,8 +3658,8 @@
         </p:nvSpPr>
         <p:spPr>
           <a:xfrm>
-            <a:off x="838080" y="365040"/>
-            <a:ext cx="10515240" cy="1325160"/>
+            <a:off x="609480" y="273600"/>
+            <a:ext cx="10972440" cy="1144800"/>
           </a:xfrm>
           <a:prstGeom prst="rect">
             <a:avLst/>
@@ -4143,11 +3674,11 @@
             <a:noAutofit/>
           </a:bodyPr>
           <a:p>
-            <a:endParaRPr b="0" lang="sr-Latn-RS" sz="1800" spc="-1" strike="noStrike">
-              <a:solidFill>
-                <a:srgbClr val="000000"/>
-              </a:solidFill>
-              <a:latin typeface="Aptos"/>
+            <a:pPr algn="ctr">
+              <a:buNone/>
+            </a:pPr>
+            <a:endParaRPr b="0" lang="hr-HR" sz="4400" spc="-1" strike="noStrike">
+              <a:latin typeface="Arial"/>
             </a:endParaRPr>
           </a:p>
         </p:txBody>
@@ -4159,7 +3690,7 @@
             <a:spLocks noGrp="1"/>
           </p:cNvSpPr>
           <p:nvPr>
-            <p:ph type="ftr" idx="2"/>
+            <p:ph type="ftr" idx="1"/>
           </p:nvPr>
         </p:nvSpPr>
         <p:spPr/>
@@ -4179,14 +3710,14 @@
             <a:spLocks noGrp="1"/>
           </p:cNvSpPr>
           <p:nvPr>
-            <p:ph type="sldNum" idx="3"/>
+            <p:ph type="sldNum" idx="2"/>
           </p:nvPr>
         </p:nvSpPr>
         <p:spPr/>
         <p:txBody>
           <a:bodyPr/>
           <a:p>
-            <a:fld id="{0F6C300E-0723-43C8-A8FA-2892BF9BFBFA}" type="slidenum">
+            <a:fld id="{49E5866A-A337-4FB4-B257-D109F4849E71}" type="slidenum">
               <a:t>&lt;#&gt;</a:t>
             </a:fld>
           </a:p>
@@ -4199,7 +3730,7 @@
             <a:spLocks noGrp="1"/>
           </p:cNvSpPr>
           <p:nvPr>
-            <p:ph type="dt" idx="1"/>
+            <p:ph type="dt" idx="3"/>
           </p:nvPr>
         </p:nvSpPr>
         <p:spPr/>
@@ -4247,8 +3778,8 @@
         </p:nvSpPr>
         <p:spPr>
           <a:xfrm>
-            <a:off x="838080" y="365040"/>
-            <a:ext cx="10515240" cy="6144120"/>
+            <a:off x="609480" y="273600"/>
+            <a:ext cx="10972440" cy="5307840"/>
           </a:xfrm>
           <a:prstGeom prst="rect">
             <a:avLst/>
@@ -4279,7 +3810,7 @@
             <a:spLocks noGrp="1"/>
           </p:cNvSpPr>
           <p:nvPr>
-            <p:ph type="ftr" idx="2"/>
+            <p:ph type="ftr" idx="1"/>
           </p:nvPr>
         </p:nvSpPr>
         <p:spPr/>
@@ -4299,14 +3830,14 @@
             <a:spLocks noGrp="1"/>
           </p:cNvSpPr>
           <p:nvPr>
-            <p:ph type="sldNum" idx="3"/>
+            <p:ph type="sldNum" idx="2"/>
           </p:nvPr>
         </p:nvSpPr>
         <p:spPr/>
         <p:txBody>
           <a:bodyPr/>
           <a:p>
-            <a:fld id="{9976C45F-B6F3-4B2F-9326-7249446A340B}" type="slidenum">
+            <a:fld id="{D99918ED-8750-42B5-8059-FCF1BFD4B8BD}" type="slidenum">
               <a:t>&lt;#&gt;</a:t>
             </a:fld>
           </a:p>
@@ -4319,7 +3850,7 @@
             <a:spLocks noGrp="1"/>
           </p:cNvSpPr>
           <p:nvPr>
-            <p:ph type="dt" idx="1"/>
+            <p:ph type="dt" idx="3"/>
           </p:nvPr>
         </p:nvSpPr>
         <p:spPr/>
@@ -4367,8 +3898,8 @@
         </p:nvSpPr>
         <p:spPr>
           <a:xfrm>
-            <a:off x="838080" y="365040"/>
-            <a:ext cx="10515240" cy="1325160"/>
+            <a:off x="609480" y="273600"/>
+            <a:ext cx="10972440" cy="1144800"/>
           </a:xfrm>
           <a:prstGeom prst="rect">
             <a:avLst/>
@@ -4383,11 +3914,11 @@
             <a:noAutofit/>
           </a:bodyPr>
           <a:p>
-            <a:endParaRPr b="0" lang="sr-Latn-RS" sz="1800" spc="-1" strike="noStrike">
-              <a:solidFill>
-                <a:srgbClr val="000000"/>
-              </a:solidFill>
-              <a:latin typeface="Aptos"/>
+            <a:pPr algn="ctr">
+              <a:buNone/>
+            </a:pPr>
+            <a:endParaRPr b="0" lang="hr-HR" sz="4400" spc="-1" strike="noStrike">
+              <a:latin typeface="Arial"/>
             </a:endParaRPr>
           </a:p>
         </p:txBody>
@@ -4404,8 +3935,8 @@
         </p:nvSpPr>
         <p:spPr>
           <a:xfrm>
-            <a:off x="838080" y="1825560"/>
-            <a:ext cx="5131080" cy="2075040"/>
+            <a:off x="609480" y="1604520"/>
+            <a:ext cx="5354280" cy="1896840"/>
           </a:xfrm>
           <a:prstGeom prst="rect">
             <a:avLst/>
@@ -4420,20 +3951,8 @@
             <a:normAutofit/>
           </a:bodyPr>
           <a:p>
-            <a:pPr>
-              <a:lnSpc>
-                <a:spcPct val="90000"/>
-              </a:lnSpc>
-              <a:spcBef>
-                <a:spcPts val="1417"/>
-              </a:spcBef>
-              <a:buNone/>
-            </a:pPr>
-            <a:endParaRPr b="0" lang="sr-Latn-RS" sz="2800" spc="-1" strike="noStrike">
-              <a:solidFill>
-                <a:srgbClr val="000000"/>
-              </a:solidFill>
-              <a:latin typeface="Aptos"/>
+            <a:endParaRPr b="0" lang="hr-HR" sz="3200" spc="-1" strike="noStrike">
+              <a:latin typeface="Arial"/>
             </a:endParaRPr>
           </a:p>
         </p:txBody>
@@ -4450,8 +3969,8 @@
         </p:nvSpPr>
         <p:spPr>
           <a:xfrm>
-            <a:off x="6226200" y="1825560"/>
-            <a:ext cx="5131080" cy="4350960"/>
+            <a:off x="6231960" y="1604520"/>
+            <a:ext cx="5354280" cy="3977280"/>
           </a:xfrm>
           <a:prstGeom prst="rect">
             <a:avLst/>
@@ -4466,20 +3985,8 @@
             <a:normAutofit/>
           </a:bodyPr>
           <a:p>
-            <a:pPr>
-              <a:lnSpc>
-                <a:spcPct val="90000"/>
-              </a:lnSpc>
-              <a:spcBef>
-                <a:spcPts val="1417"/>
-              </a:spcBef>
-              <a:buNone/>
-            </a:pPr>
-            <a:endParaRPr b="0" lang="sr-Latn-RS" sz="2800" spc="-1" strike="noStrike">
-              <a:solidFill>
-                <a:srgbClr val="000000"/>
-              </a:solidFill>
-              <a:latin typeface="Aptos"/>
+            <a:endParaRPr b="0" lang="hr-HR" sz="3200" spc="-1" strike="noStrike">
+              <a:latin typeface="Arial"/>
             </a:endParaRPr>
           </a:p>
         </p:txBody>
@@ -4496,8 +4003,8 @@
         </p:nvSpPr>
         <p:spPr>
           <a:xfrm>
-            <a:off x="838080" y="4098240"/>
-            <a:ext cx="5131080" cy="2075040"/>
+            <a:off x="609480" y="3682080"/>
+            <a:ext cx="5354280" cy="1896840"/>
           </a:xfrm>
           <a:prstGeom prst="rect">
             <a:avLst/>
@@ -4512,20 +4019,8 @@
             <a:normAutofit/>
           </a:bodyPr>
           <a:p>
-            <a:pPr>
-              <a:lnSpc>
-                <a:spcPct val="90000"/>
-              </a:lnSpc>
-              <a:spcBef>
-                <a:spcPts val="1417"/>
-              </a:spcBef>
-              <a:buNone/>
-            </a:pPr>
-            <a:endParaRPr b="0" lang="sr-Latn-RS" sz="2800" spc="-1" strike="noStrike">
-              <a:solidFill>
-                <a:srgbClr val="000000"/>
-              </a:solidFill>
-              <a:latin typeface="Aptos"/>
+            <a:endParaRPr b="0" lang="hr-HR" sz="3200" spc="-1" strike="noStrike">
+              <a:latin typeface="Arial"/>
             </a:endParaRPr>
           </a:p>
         </p:txBody>
@@ -4537,7 +4032,7 @@
             <a:spLocks noGrp="1"/>
           </p:cNvSpPr>
           <p:nvPr>
-            <p:ph type="ftr" idx="2"/>
+            <p:ph type="ftr" idx="1"/>
           </p:nvPr>
         </p:nvSpPr>
         <p:spPr/>
@@ -4557,14 +4052,14 @@
             <a:spLocks noGrp="1"/>
           </p:cNvSpPr>
           <p:nvPr>
-            <p:ph type="sldNum" idx="3"/>
+            <p:ph type="sldNum" idx="2"/>
           </p:nvPr>
         </p:nvSpPr>
         <p:spPr/>
         <p:txBody>
           <a:bodyPr/>
           <a:p>
-            <a:fld id="{770B5FDB-8EC7-4251-9EA9-E6BDCD5091A2}" type="slidenum">
+            <a:fld id="{2D99DB56-FC07-4467-B52D-7E41FF276FD9}" type="slidenum">
               <a:t>&lt;#&gt;</a:t>
             </a:fld>
           </a:p>
@@ -4577,7 +4072,7 @@
             <a:spLocks noGrp="1"/>
           </p:cNvSpPr>
           <p:nvPr>
-            <p:ph type="dt" idx="1"/>
+            <p:ph type="dt" idx="3"/>
           </p:nvPr>
         </p:nvSpPr>
         <p:spPr/>
@@ -4625,8 +4120,8 @@
         </p:nvSpPr>
         <p:spPr>
           <a:xfrm>
-            <a:off x="838080" y="365040"/>
-            <a:ext cx="10515240" cy="1325160"/>
+            <a:off x="609480" y="273600"/>
+            <a:ext cx="10972440" cy="1144800"/>
           </a:xfrm>
           <a:prstGeom prst="rect">
             <a:avLst/>
@@ -4641,11 +4136,11 @@
             <a:noAutofit/>
           </a:bodyPr>
           <a:p>
-            <a:endParaRPr b="0" lang="sr-Latn-RS" sz="1800" spc="-1" strike="noStrike">
-              <a:solidFill>
-                <a:srgbClr val="000000"/>
-              </a:solidFill>
-              <a:latin typeface="Aptos"/>
+            <a:pPr algn="ctr">
+              <a:buNone/>
+            </a:pPr>
+            <a:endParaRPr b="0" lang="hr-HR" sz="4400" spc="-1" strike="noStrike">
+              <a:latin typeface="Arial"/>
             </a:endParaRPr>
           </a:p>
         </p:txBody>
@@ -4662,8 +4157,8 @@
         </p:nvSpPr>
         <p:spPr>
           <a:xfrm>
-            <a:off x="838080" y="1825560"/>
-            <a:ext cx="5131080" cy="4350960"/>
+            <a:off x="609480" y="1604520"/>
+            <a:ext cx="5354280" cy="3977280"/>
           </a:xfrm>
           <a:prstGeom prst="rect">
             <a:avLst/>
@@ -4678,20 +4173,8 @@
             <a:normAutofit/>
           </a:bodyPr>
           <a:p>
-            <a:pPr>
-              <a:lnSpc>
-                <a:spcPct val="90000"/>
-              </a:lnSpc>
-              <a:spcBef>
-                <a:spcPts val="1417"/>
-              </a:spcBef>
-              <a:buNone/>
-            </a:pPr>
-            <a:endParaRPr b="0" lang="sr-Latn-RS" sz="2800" spc="-1" strike="noStrike">
-              <a:solidFill>
-                <a:srgbClr val="000000"/>
-              </a:solidFill>
-              <a:latin typeface="Aptos"/>
+            <a:endParaRPr b="0" lang="hr-HR" sz="3200" spc="-1" strike="noStrike">
+              <a:latin typeface="Arial"/>
             </a:endParaRPr>
           </a:p>
         </p:txBody>
@@ -4708,8 +4191,8 @@
         </p:nvSpPr>
         <p:spPr>
           <a:xfrm>
-            <a:off x="6226200" y="1825560"/>
-            <a:ext cx="5131080" cy="2075040"/>
+            <a:off x="6231960" y="1604520"/>
+            <a:ext cx="5354280" cy="1896840"/>
           </a:xfrm>
           <a:prstGeom prst="rect">
             <a:avLst/>
@@ -4724,20 +4207,8 @@
             <a:normAutofit/>
           </a:bodyPr>
           <a:p>
-            <a:pPr>
-              <a:lnSpc>
-                <a:spcPct val="90000"/>
-              </a:lnSpc>
-              <a:spcBef>
-                <a:spcPts val="1417"/>
-              </a:spcBef>
-              <a:buNone/>
-            </a:pPr>
-            <a:endParaRPr b="0" lang="sr-Latn-RS" sz="2800" spc="-1" strike="noStrike">
-              <a:solidFill>
-                <a:srgbClr val="000000"/>
-              </a:solidFill>
-              <a:latin typeface="Aptos"/>
+            <a:endParaRPr b="0" lang="hr-HR" sz="3200" spc="-1" strike="noStrike">
+              <a:latin typeface="Arial"/>
             </a:endParaRPr>
           </a:p>
         </p:txBody>
@@ -4754,8 +4225,8 @@
         </p:nvSpPr>
         <p:spPr>
           <a:xfrm>
-            <a:off x="6226200" y="4098240"/>
-            <a:ext cx="5131080" cy="2075040"/>
+            <a:off x="6231960" y="3682080"/>
+            <a:ext cx="5354280" cy="1896840"/>
           </a:xfrm>
           <a:prstGeom prst="rect">
             <a:avLst/>
@@ -4770,20 +4241,8 @@
             <a:normAutofit/>
           </a:bodyPr>
           <a:p>
-            <a:pPr>
-              <a:lnSpc>
-                <a:spcPct val="90000"/>
-              </a:lnSpc>
-              <a:spcBef>
-                <a:spcPts val="1417"/>
-              </a:spcBef>
-              <a:buNone/>
-            </a:pPr>
-            <a:endParaRPr b="0" lang="sr-Latn-RS" sz="2800" spc="-1" strike="noStrike">
-              <a:solidFill>
-                <a:srgbClr val="000000"/>
-              </a:solidFill>
-              <a:latin typeface="Aptos"/>
+            <a:endParaRPr b="0" lang="hr-HR" sz="3200" spc="-1" strike="noStrike">
+              <a:latin typeface="Arial"/>
             </a:endParaRPr>
           </a:p>
         </p:txBody>
@@ -4795,7 +4254,7 @@
             <a:spLocks noGrp="1"/>
           </p:cNvSpPr>
           <p:nvPr>
-            <p:ph type="ftr" idx="2"/>
+            <p:ph type="ftr" idx="1"/>
           </p:nvPr>
         </p:nvSpPr>
         <p:spPr/>
@@ -4815,14 +4274,14 @@
             <a:spLocks noGrp="1"/>
           </p:cNvSpPr>
           <p:nvPr>
-            <p:ph type="sldNum" idx="3"/>
+            <p:ph type="sldNum" idx="2"/>
           </p:nvPr>
         </p:nvSpPr>
         <p:spPr/>
         <p:txBody>
           <a:bodyPr/>
           <a:p>
-            <a:fld id="{B24CA233-40A2-4919-A047-4E53C527A703}" type="slidenum">
+            <a:fld id="{59875B8B-7499-46E0-88B9-ED45448BEDE7}" type="slidenum">
               <a:t>&lt;#&gt;</a:t>
             </a:fld>
           </a:p>
@@ -4835,7 +4294,7 @@
             <a:spLocks noGrp="1"/>
           </p:cNvSpPr>
           <p:nvPr>
-            <p:ph type="dt" idx="1"/>
+            <p:ph type="dt" idx="3"/>
           </p:nvPr>
         </p:nvSpPr>
         <p:spPr/>
@@ -4883,8 +4342,8 @@
         </p:nvSpPr>
         <p:spPr>
           <a:xfrm>
-            <a:off x="838080" y="365040"/>
-            <a:ext cx="10515240" cy="1325160"/>
+            <a:off x="609480" y="273600"/>
+            <a:ext cx="10972440" cy="1144800"/>
           </a:xfrm>
           <a:prstGeom prst="rect">
             <a:avLst/>
@@ -4899,11 +4358,11 @@
             <a:noAutofit/>
           </a:bodyPr>
           <a:p>
-            <a:endParaRPr b="0" lang="sr-Latn-RS" sz="1800" spc="-1" strike="noStrike">
-              <a:solidFill>
-                <a:srgbClr val="000000"/>
-              </a:solidFill>
-              <a:latin typeface="Aptos"/>
+            <a:pPr algn="ctr">
+              <a:buNone/>
+            </a:pPr>
+            <a:endParaRPr b="0" lang="hr-HR" sz="4400" spc="-1" strike="noStrike">
+              <a:latin typeface="Arial"/>
             </a:endParaRPr>
           </a:p>
         </p:txBody>
@@ -4920,8 +4379,8 @@
         </p:nvSpPr>
         <p:spPr>
           <a:xfrm>
-            <a:off x="838080" y="1825560"/>
-            <a:ext cx="5131080" cy="2075040"/>
+            <a:off x="609480" y="1604520"/>
+            <a:ext cx="5354280" cy="1896840"/>
           </a:xfrm>
           <a:prstGeom prst="rect">
             <a:avLst/>
@@ -4936,20 +4395,8 @@
             <a:normAutofit/>
           </a:bodyPr>
           <a:p>
-            <a:pPr>
-              <a:lnSpc>
-                <a:spcPct val="90000"/>
-              </a:lnSpc>
-              <a:spcBef>
-                <a:spcPts val="1417"/>
-              </a:spcBef>
-              <a:buNone/>
-            </a:pPr>
-            <a:endParaRPr b="0" lang="sr-Latn-RS" sz="2800" spc="-1" strike="noStrike">
-              <a:solidFill>
-                <a:srgbClr val="000000"/>
-              </a:solidFill>
-              <a:latin typeface="Aptos"/>
+            <a:endParaRPr b="0" lang="hr-HR" sz="3200" spc="-1" strike="noStrike">
+              <a:latin typeface="Arial"/>
             </a:endParaRPr>
           </a:p>
         </p:txBody>
@@ -4966,8 +4413,8 @@
         </p:nvSpPr>
         <p:spPr>
           <a:xfrm>
-            <a:off x="6226200" y="1825560"/>
-            <a:ext cx="5131080" cy="2075040"/>
+            <a:off x="6231960" y="1604520"/>
+            <a:ext cx="5354280" cy="1896840"/>
           </a:xfrm>
           <a:prstGeom prst="rect">
             <a:avLst/>
@@ -4982,20 +4429,8 @@
             <a:normAutofit/>
           </a:bodyPr>
           <a:p>
-            <a:pPr>
-              <a:lnSpc>
-                <a:spcPct val="90000"/>
-              </a:lnSpc>
-              <a:spcBef>
-                <a:spcPts val="1417"/>
-              </a:spcBef>
-              <a:buNone/>
-            </a:pPr>
-            <a:endParaRPr b="0" lang="sr-Latn-RS" sz="2800" spc="-1" strike="noStrike">
-              <a:solidFill>
-                <a:srgbClr val="000000"/>
-              </a:solidFill>
-              <a:latin typeface="Aptos"/>
+            <a:endParaRPr b="0" lang="hr-HR" sz="3200" spc="-1" strike="noStrike">
+              <a:latin typeface="Arial"/>
             </a:endParaRPr>
           </a:p>
         </p:txBody>
@@ -5012,8 +4447,8 @@
         </p:nvSpPr>
         <p:spPr>
           <a:xfrm>
-            <a:off x="838080" y="4098240"/>
-            <a:ext cx="10515240" cy="2075040"/>
+            <a:off x="609480" y="3682080"/>
+            <a:ext cx="10972440" cy="1896840"/>
           </a:xfrm>
           <a:prstGeom prst="rect">
             <a:avLst/>
@@ -5028,20 +4463,8 @@
             <a:normAutofit/>
           </a:bodyPr>
           <a:p>
-            <a:pPr>
-              <a:lnSpc>
-                <a:spcPct val="90000"/>
-              </a:lnSpc>
-              <a:spcBef>
-                <a:spcPts val="1417"/>
-              </a:spcBef>
-              <a:buNone/>
-            </a:pPr>
-            <a:endParaRPr b="0" lang="sr-Latn-RS" sz="2800" spc="-1" strike="noStrike">
-              <a:solidFill>
-                <a:srgbClr val="000000"/>
-              </a:solidFill>
-              <a:latin typeface="Aptos"/>
+            <a:endParaRPr b="0" lang="hr-HR" sz="3200" spc="-1" strike="noStrike">
+              <a:latin typeface="Arial"/>
             </a:endParaRPr>
           </a:p>
         </p:txBody>
@@ -5053,7 +4476,7 @@
             <a:spLocks noGrp="1"/>
           </p:cNvSpPr>
           <p:nvPr>
-            <p:ph type="ftr" idx="2"/>
+            <p:ph type="ftr" idx="1"/>
           </p:nvPr>
         </p:nvSpPr>
         <p:spPr/>
@@ -5073,14 +4496,14 @@
             <a:spLocks noGrp="1"/>
           </p:cNvSpPr>
           <p:nvPr>
-            <p:ph type="sldNum" idx="3"/>
+            <p:ph type="sldNum" idx="2"/>
           </p:nvPr>
         </p:nvSpPr>
         <p:spPr/>
         <p:txBody>
           <a:bodyPr/>
           <a:p>
-            <a:fld id="{651B24DC-2F09-41D3-A420-D5BBE1EAB2B1}" type="slidenum">
+            <a:fld id="{40B016C3-0125-4E36-97FA-1894ED86F602}" type="slidenum">
               <a:t>&lt;#&gt;</a:t>
             </a:fld>
           </a:p>
@@ -5093,7 +4516,7 @@
             <a:spLocks noGrp="1"/>
           </p:cNvSpPr>
           <p:nvPr>
-            <p:ph type="dt" idx="1"/>
+            <p:ph type="dt" idx="3"/>
           </p:nvPr>
         </p:nvSpPr>
         <p:spPr/>
@@ -5148,51 +4571,30 @@
         </p:nvSpPr>
         <p:spPr>
           <a:xfrm>
-            <a:off x="1523880" y="1122480"/>
-            <a:ext cx="9143640" cy="2387160"/>
-          </a:xfrm>
-          <a:prstGeom prst="rect">
-            <a:avLst/>
-          </a:prstGeom>
-          <a:noFill/>
-          <a:ln w="0">
-            <a:noFill/>
-          </a:ln>
-        </p:spPr>
-        <p:txBody>
-          <a:bodyPr anchor="b">
+            <a:off x="838080" y="365040"/>
+            <a:ext cx="10514880" cy="1324800"/>
+          </a:xfrm>
+          <a:prstGeom prst="rect">
+            <a:avLst/>
+          </a:prstGeom>
+          <a:noFill/>
+          <a:ln w="0">
+            <a:noFill/>
+          </a:ln>
+        </p:spPr>
+        <p:txBody>
+          <a:bodyPr lIns="0" rIns="0" tIns="0" bIns="0" anchor="ctr">
             <a:noAutofit/>
           </a:bodyPr>
           <a:p>
-            <a:pPr algn="ctr">
-              <a:lnSpc>
-                <a:spcPct val="90000"/>
-              </a:lnSpc>
-              <a:buNone/>
-            </a:pPr>
-            <a:r>
-              <a:rPr b="0" lang="hr-HR" sz="6000" spc="-1" strike="noStrike">
-                <a:solidFill>
-                  <a:srgbClr val="000000"/>
-                </a:solidFill>
-                <a:latin typeface="Aptos Display"/>
-              </a:rPr>
-              <a:t>Kliknite da biste uredili stil </a:t>
-            </a:r>
-            <a:r>
-              <a:rPr b="0" lang="hr-HR" sz="6000" spc="-1" strike="noStrike">
-                <a:solidFill>
-                  <a:srgbClr val="000000"/>
-                </a:solidFill>
-                <a:latin typeface="Aptos Display"/>
-              </a:rPr>
-              <a:t>naslova matrice</a:t>
-            </a:r>
-            <a:endParaRPr b="0" lang="sr-Latn-RS" sz="6000" spc="-1" strike="noStrike">
-              <a:solidFill>
-                <a:srgbClr val="000000"/>
-              </a:solidFill>
-              <a:latin typeface="Aptos"/>
+            <a:r>
+              <a:rPr b="0" lang="hr-HR" sz="1800" spc="-1" strike="noStrike">
+                <a:latin typeface="Arial"/>
+              </a:rPr>
+              <a:t>Click to edit the title text format</a:t>
+            </a:r>
+            <a:endParaRPr b="0" lang="hr-HR" sz="1800" spc="-1" strike="noStrike">
+              <a:latin typeface="Arial"/>
             </a:endParaRPr>
           </a:p>
         </p:txBody>
@@ -5204,91 +4606,31 @@
             <a:spLocks noGrp="1"/>
           </p:cNvSpPr>
           <p:nvPr>
-            <p:ph type="dt" idx="1"/>
-          </p:nvPr>
-        </p:nvSpPr>
-        <p:spPr>
-          <a:xfrm>
-            <a:off x="838080" y="6356520"/>
-            <a:ext cx="2742840" cy="364680"/>
-          </a:xfrm>
-          <a:prstGeom prst="rect">
-            <a:avLst/>
-          </a:prstGeom>
-          <a:noFill/>
-          <a:ln w="0">
-            <a:noFill/>
-          </a:ln>
-        </p:spPr>
-        <p:txBody>
-          <a:bodyPr anchor="ctr">
+            <p:ph type="ftr" idx="1"/>
+          </p:nvPr>
+        </p:nvSpPr>
+        <p:spPr>
+          <a:xfrm>
+            <a:off x="4038480" y="6356520"/>
+            <a:ext cx="4114080" cy="364320"/>
+          </a:xfrm>
+          <a:prstGeom prst="rect">
+            <a:avLst/>
+          </a:prstGeom>
+          <a:noFill/>
+          <a:ln w="0">
+            <a:noFill/>
+          </a:ln>
+        </p:spPr>
+        <p:txBody>
+          <a:bodyPr lIns="90000" rIns="90000" tIns="45000" bIns="45000" anchor="ctr">
             <a:noAutofit/>
           </a:bodyPr>
           <a:lstStyle>
-            <a:lvl1pPr>
+            <a:lvl1pPr algn="ctr">
               <a:lnSpc>
                 <a:spcPct val="100000"/>
               </a:lnSpc>
-              <a:buNone/>
-              <a:defRPr b="0" lang="hr-HR" sz="1200" spc="-1" strike="noStrike">
-                <a:solidFill>
-                  <a:srgbClr val="787878"/>
-                </a:solidFill>
-                <a:latin typeface="Aptos"/>
-              </a:defRPr>
-            </a:lvl1pPr>
-          </a:lstStyle>
-          <a:p>
-            <a:pPr>
-              <a:lnSpc>
-                <a:spcPct val="100000"/>
-              </a:lnSpc>
-              <a:buNone/>
-            </a:pPr>
-            <a:r>
-              <a:rPr b="0" lang="hr-HR" sz="1200" spc="-1" strike="noStrike">
-                <a:solidFill>
-                  <a:srgbClr val="787878"/>
-                </a:solidFill>
-                <a:latin typeface="Aptos"/>
-              </a:rPr>
-              <a:t> </a:t>
-            </a:r>
-            <a:endParaRPr b="0" lang="hr-HR" sz="1200" spc="-1" strike="noStrike">
-              <a:latin typeface="Times New Roman"/>
-            </a:endParaRPr>
-          </a:p>
-        </p:txBody>
-      </p:sp>
-      <p:sp>
-        <p:nvSpPr>
-          <p:cNvPr id="2" name="PlaceHolder 3"/>
-          <p:cNvSpPr>
-            <a:spLocks noGrp="1"/>
-          </p:cNvSpPr>
-          <p:nvPr>
-            <p:ph type="ftr" idx="2"/>
-          </p:nvPr>
-        </p:nvSpPr>
-        <p:spPr>
-          <a:xfrm>
-            <a:off x="4038480" y="6356520"/>
-            <a:ext cx="4114440" cy="364680"/>
-          </a:xfrm>
-          <a:prstGeom prst="rect">
-            <a:avLst/>
-          </a:prstGeom>
-          <a:noFill/>
-          <a:ln w="0">
-            <a:noFill/>
-          </a:ln>
-        </p:spPr>
-        <p:txBody>
-          <a:bodyPr anchor="ctr">
-            <a:noAutofit/>
-          </a:bodyPr>
-          <a:lstStyle>
-            <a:lvl1pPr algn="ctr">
               <a:buNone/>
               <a:defRPr b="0" lang="hr-HR" sz="1400" spc="-1" strike="noStrike">
                 <a:latin typeface="Times New Roman"/>
@@ -5297,13 +4639,16 @@
           </a:lstStyle>
           <a:p>
             <a:pPr algn="ctr">
+              <a:lnSpc>
+                <a:spcPct val="100000"/>
+              </a:lnSpc>
               <a:buNone/>
             </a:pPr>
             <a:r>
               <a:rPr b="0" lang="hr-HR" sz="1400" spc="-1" strike="noStrike">
                 <a:latin typeface="Times New Roman"/>
               </a:rPr>
-              <a:t> </a:t>
+              <a:t>&lt;footer&gt;</a:t>
             </a:r>
             <a:endParaRPr b="0" lang="hr-HR" sz="1400" spc="-1" strike="noStrike">
               <a:latin typeface="Times New Roman"/>
@@ -5313,29 +4658,29 @@
       </p:sp>
       <p:sp>
         <p:nvSpPr>
-          <p:cNvPr id="3" name="PlaceHolder 4"/>
-          <p:cNvSpPr>
-            <a:spLocks noGrp="1"/>
-          </p:cNvSpPr>
-          <p:nvPr>
-            <p:ph type="sldNum" idx="3"/>
+          <p:cNvPr id="2" name="PlaceHolder 3"/>
+          <p:cNvSpPr>
+            <a:spLocks noGrp="1"/>
+          </p:cNvSpPr>
+          <p:nvPr>
+            <p:ph type="sldNum" idx="2"/>
           </p:nvPr>
         </p:nvSpPr>
         <p:spPr>
           <a:xfrm>
             <a:off x="8610480" y="6356520"/>
-            <a:ext cx="2742840" cy="364680"/>
-          </a:xfrm>
-          <a:prstGeom prst="rect">
-            <a:avLst/>
-          </a:prstGeom>
-          <a:noFill/>
-          <a:ln w="0">
-            <a:noFill/>
-          </a:ln>
-        </p:spPr>
-        <p:txBody>
-          <a:bodyPr anchor="ctr">
+            <a:ext cx="2742480" cy="364320"/>
+          </a:xfrm>
+          <a:prstGeom prst="rect">
+            <a:avLst/>
+          </a:prstGeom>
+          <a:noFill/>
+          <a:ln w="0">
+            <a:noFill/>
+          </a:ln>
+        </p:spPr>
+        <p:txBody>
+          <a:bodyPr lIns="90000" rIns="90000" tIns="45000" bIns="45000" anchor="ctr">
             <a:noAutofit/>
           </a:bodyPr>
           <a:lstStyle>
@@ -5359,14 +4704,14 @@
               </a:lnSpc>
               <a:buNone/>
             </a:pPr>
-            <a:fld id="{277B9B57-EADF-42FD-9C43-DD2BD3D9D746}" type="slidenum">
+            <a:fld id="{FAD0D3CB-9409-444C-A445-67FF1A0A6026}" type="slidenum">
               <a:rPr b="0" lang="hr-HR" sz="1200" spc="-1" strike="noStrike">
                 <a:solidFill>
                   <a:srgbClr val="787878"/>
                 </a:solidFill>
                 <a:latin typeface="Aptos"/>
               </a:rPr>
-              <a:t>6</a:t>
+              <a:t>&lt;number&gt;</a:t>
             </a:fld>
             <a:endParaRPr b="0" lang="hr-HR" sz="1200" spc="-1" strike="noStrike">
               <a:latin typeface="Times New Roman"/>
@@ -5376,6 +4721,53 @@
       </p:sp>
       <p:sp>
         <p:nvSpPr>
+          <p:cNvPr id="3" name="PlaceHolder 4"/>
+          <p:cNvSpPr>
+            <a:spLocks noGrp="1"/>
+          </p:cNvSpPr>
+          <p:nvPr>
+            <p:ph type="dt" idx="3"/>
+          </p:nvPr>
+        </p:nvSpPr>
+        <p:spPr>
+          <a:xfrm>
+            <a:off x="838080" y="6356520"/>
+            <a:ext cx="2742480" cy="364320"/>
+          </a:xfrm>
+          <a:prstGeom prst="rect">
+            <a:avLst/>
+          </a:prstGeom>
+          <a:noFill/>
+          <a:ln w="0">
+            <a:noFill/>
+          </a:ln>
+        </p:spPr>
+        <p:txBody>
+          <a:bodyPr lIns="90000" rIns="90000" tIns="45000" bIns="45000" anchor="ctr">
+            <a:noAutofit/>
+          </a:bodyPr>
+          <a:lstStyle>
+            <a:lvl1pPr>
+              <a:defRPr b="0" lang="hr-HR" sz="1400" spc="-1" strike="noStrike">
+                <a:latin typeface="Times New Roman"/>
+              </a:defRPr>
+            </a:lvl1pPr>
+          </a:lstStyle>
+          <a:p>
+            <a:r>
+              <a:rPr b="0" lang="hr-HR" sz="1400" spc="-1" strike="noStrike">
+                <a:latin typeface="Times New Roman"/>
+              </a:rPr>
+              <a:t>&lt;date/time&gt;</a:t>
+            </a:r>
+            <a:endParaRPr b="0" lang="hr-HR" sz="1400" spc="-1" strike="noStrike">
+              <a:latin typeface="Times New Roman"/>
+            </a:endParaRPr>
+          </a:p>
+        </p:txBody>
+      </p:sp>
+      <p:sp>
+        <p:nvSpPr>
           <p:cNvPr id="4" name="PlaceHolder 5"/>
           <p:cNvSpPr>
             <a:spLocks noGrp="1"/>
@@ -5403,9 +4795,6 @@
           </a:bodyPr>
           <a:p>
             <a:pPr marL="432000" indent="-324000">
-              <a:lnSpc>
-                <a:spcPct val="90000"/>
-              </a:lnSpc>
               <a:spcBef>
                 <a:spcPts val="1417"/>
               </a:spcBef>
@@ -5417,26 +4806,23 @@
               <a:buChar char=""/>
             </a:pPr>
             <a:r>
-              <a:rPr b="0" lang="sr-Latn-RS" sz="2800" spc="-1" strike="noStrike">
-                <a:solidFill>
-                  <a:srgbClr val="000000"/>
-                </a:solidFill>
-                <a:latin typeface="Aptos"/>
-              </a:rPr>
-              <a:t>Click to edit the outline text format</a:t>
-            </a:r>
-            <a:endParaRPr b="0" lang="sr-Latn-RS" sz="2800" spc="-1" strike="noStrike">
-              <a:solidFill>
-                <a:srgbClr val="000000"/>
-              </a:solidFill>
-              <a:latin typeface="Aptos"/>
+              <a:rPr b="0" lang="hr-HR" sz="3200" spc="-1" strike="noStrike">
+                <a:latin typeface="Arial"/>
+              </a:rPr>
+              <a:t>Click to edit the outline </a:t>
+            </a:r>
+            <a:r>
+              <a:rPr b="0" lang="hr-HR" sz="3200" spc="-1" strike="noStrike">
+                <a:latin typeface="Arial"/>
+              </a:rPr>
+              <a:t>text format</a:t>
+            </a:r>
+            <a:endParaRPr b="0" lang="hr-HR" sz="3200" spc="-1" strike="noStrike">
+              <a:latin typeface="Arial"/>
             </a:endParaRPr>
           </a:p>
           <a:p>
             <a:pPr lvl="1" marL="864000" indent="-324000">
-              <a:lnSpc>
-                <a:spcPct val="90000"/>
-              </a:lnSpc>
               <a:spcBef>
                 <a:spcPts val="1134"/>
               </a:spcBef>
@@ -5448,26 +4834,17 @@
               <a:buChar char=""/>
             </a:pPr>
             <a:r>
-              <a:rPr b="0" lang="sr-Latn-RS" sz="2000" spc="-1" strike="noStrike">
-                <a:solidFill>
-                  <a:srgbClr val="000000"/>
-                </a:solidFill>
-                <a:latin typeface="Aptos"/>
+              <a:rPr b="0" lang="hr-HR" sz="2800" spc="-1" strike="noStrike">
+                <a:latin typeface="Arial"/>
               </a:rPr>
               <a:t>Second Outline Level</a:t>
             </a:r>
-            <a:endParaRPr b="0" lang="sr-Latn-RS" sz="2000" spc="-1" strike="noStrike">
-              <a:solidFill>
-                <a:srgbClr val="000000"/>
-              </a:solidFill>
-              <a:latin typeface="Aptos"/>
+            <a:endParaRPr b="0" lang="hr-HR" sz="2800" spc="-1" strike="noStrike">
+              <a:latin typeface="Arial"/>
             </a:endParaRPr>
           </a:p>
           <a:p>
             <a:pPr lvl="2" marL="1296000" indent="-288000">
-              <a:lnSpc>
-                <a:spcPct val="90000"/>
-              </a:lnSpc>
               <a:spcBef>
                 <a:spcPts val="850"/>
               </a:spcBef>
@@ -5479,26 +4856,17 @@
               <a:buChar char=""/>
             </a:pPr>
             <a:r>
-              <a:rPr b="0" lang="sr-Latn-RS" sz="1800" spc="-1" strike="noStrike">
-                <a:solidFill>
-                  <a:srgbClr val="000000"/>
-                </a:solidFill>
-                <a:latin typeface="Aptos"/>
+              <a:rPr b="0" lang="hr-HR" sz="2400" spc="-1" strike="noStrike">
+                <a:latin typeface="Arial"/>
               </a:rPr>
               <a:t>Third Outline Level</a:t>
             </a:r>
-            <a:endParaRPr b="0" lang="sr-Latn-RS" sz="1800" spc="-1" strike="noStrike">
-              <a:solidFill>
-                <a:srgbClr val="000000"/>
-              </a:solidFill>
-              <a:latin typeface="Aptos"/>
+            <a:endParaRPr b="0" lang="hr-HR" sz="2400" spc="-1" strike="noStrike">
+              <a:latin typeface="Arial"/>
             </a:endParaRPr>
           </a:p>
           <a:p>
             <a:pPr lvl="3" marL="1728000" indent="-216000">
-              <a:lnSpc>
-                <a:spcPct val="90000"/>
-              </a:lnSpc>
               <a:spcBef>
                 <a:spcPts val="567"/>
               </a:spcBef>
@@ -5510,26 +4878,17 @@
               <a:buChar char=""/>
             </a:pPr>
             <a:r>
-              <a:rPr b="0" lang="sr-Latn-RS" sz="1800" spc="-1" strike="noStrike">
-                <a:solidFill>
-                  <a:srgbClr val="000000"/>
-                </a:solidFill>
-                <a:latin typeface="Aptos"/>
+              <a:rPr b="0" lang="hr-HR" sz="2000" spc="-1" strike="noStrike">
+                <a:latin typeface="Arial"/>
               </a:rPr>
               <a:t>Fourth Outline Level</a:t>
             </a:r>
-            <a:endParaRPr b="0" lang="sr-Latn-RS" sz="1800" spc="-1" strike="noStrike">
-              <a:solidFill>
-                <a:srgbClr val="000000"/>
-              </a:solidFill>
-              <a:latin typeface="Aptos"/>
+            <a:endParaRPr b="0" lang="hr-HR" sz="2000" spc="-1" strike="noStrike">
+              <a:latin typeface="Arial"/>
             </a:endParaRPr>
           </a:p>
           <a:p>
             <a:pPr lvl="4" marL="2160000" indent="-216000">
-              <a:lnSpc>
-                <a:spcPct val="90000"/>
-              </a:lnSpc>
               <a:spcBef>
                 <a:spcPts val="283"/>
               </a:spcBef>
@@ -5541,26 +4900,17 @@
               <a:buChar char=""/>
             </a:pPr>
             <a:r>
-              <a:rPr b="0" lang="sr-Latn-RS" sz="2000" spc="-1" strike="noStrike">
-                <a:solidFill>
-                  <a:srgbClr val="000000"/>
-                </a:solidFill>
-                <a:latin typeface="Aptos"/>
+              <a:rPr b="0" lang="hr-HR" sz="2000" spc="-1" strike="noStrike">
+                <a:latin typeface="Arial"/>
               </a:rPr>
               <a:t>Fifth Outline Level</a:t>
             </a:r>
-            <a:endParaRPr b="0" lang="sr-Latn-RS" sz="2000" spc="-1" strike="noStrike">
-              <a:solidFill>
-                <a:srgbClr val="000000"/>
-              </a:solidFill>
-              <a:latin typeface="Aptos"/>
+            <a:endParaRPr b="0" lang="hr-HR" sz="2000" spc="-1" strike="noStrike">
+              <a:latin typeface="Arial"/>
             </a:endParaRPr>
           </a:p>
           <a:p>
             <a:pPr lvl="5" marL="2592000" indent="-216000">
-              <a:lnSpc>
-                <a:spcPct val="90000"/>
-              </a:lnSpc>
               <a:spcBef>
                 <a:spcPts val="283"/>
               </a:spcBef>
@@ -5572,26 +4922,17 @@
               <a:buChar char=""/>
             </a:pPr>
             <a:r>
-              <a:rPr b="0" lang="sr-Latn-RS" sz="2000" spc="-1" strike="noStrike">
-                <a:solidFill>
-                  <a:srgbClr val="000000"/>
-                </a:solidFill>
-                <a:latin typeface="Aptos"/>
+              <a:rPr b="0" lang="hr-HR" sz="2000" spc="-1" strike="noStrike">
+                <a:latin typeface="Arial"/>
               </a:rPr>
               <a:t>Sixth Outline Level</a:t>
             </a:r>
-            <a:endParaRPr b="0" lang="sr-Latn-RS" sz="2000" spc="-1" strike="noStrike">
-              <a:solidFill>
-                <a:srgbClr val="000000"/>
-              </a:solidFill>
-              <a:latin typeface="Aptos"/>
+            <a:endParaRPr b="0" lang="hr-HR" sz="2000" spc="-1" strike="noStrike">
+              <a:latin typeface="Arial"/>
             </a:endParaRPr>
           </a:p>
           <a:p>
             <a:pPr lvl="6" marL="3024000" indent="-216000">
-              <a:lnSpc>
-                <a:spcPct val="90000"/>
-              </a:lnSpc>
               <a:spcBef>
                 <a:spcPts val="283"/>
               </a:spcBef>
@@ -5603,19 +4944,19 @@
               <a:buChar char=""/>
             </a:pPr>
             <a:r>
-              <a:rPr b="0" lang="sr-Latn-RS" sz="2000" spc="-1" strike="noStrike">
-                <a:solidFill>
-                  <a:srgbClr val="000000"/>
-                </a:solidFill>
-                <a:latin typeface="Aptos"/>
-              </a:rPr>
-              <a:t>Seventh Outline Level</a:t>
-            </a:r>
-            <a:endParaRPr b="0" lang="sr-Latn-RS" sz="2000" spc="-1" strike="noStrike">
-              <a:solidFill>
-                <a:srgbClr val="000000"/>
-              </a:solidFill>
-              <a:latin typeface="Aptos"/>
+              <a:rPr b="0" lang="hr-HR" sz="2000" spc="-1" strike="noStrike">
+                <a:latin typeface="Arial"/>
+              </a:rPr>
+              <a:t>Seventh Outline </a:t>
+            </a:r>
+            <a:r>
+              <a:rPr b="0" lang="hr-HR" sz="2000" spc="-1" strike="noStrike">
+                <a:latin typeface="Arial"/>
+              </a:rPr>
+              <a:t>Level</a:t>
+            </a:r>
+            <a:endParaRPr b="0" lang="hr-HR" sz="2000" spc="-1" strike="noStrike">
+              <a:latin typeface="Arial"/>
             </a:endParaRPr>
           </a:p>
         </p:txBody>
@@ -5671,322 +5012,31 @@
             <a:spLocks noGrp="1"/>
           </p:cNvSpPr>
           <p:nvPr>
-            <p:ph type="title"/>
-          </p:nvPr>
-        </p:nvSpPr>
-        <p:spPr>
-          <a:xfrm>
-            <a:off x="838080" y="365040"/>
-            <a:ext cx="10515240" cy="1325160"/>
-          </a:xfrm>
-          <a:prstGeom prst="rect">
-            <a:avLst/>
-          </a:prstGeom>
-          <a:noFill/>
-          <a:ln w="0">
-            <a:noFill/>
-          </a:ln>
-        </p:spPr>
-        <p:txBody>
-          <a:bodyPr anchor="ctr">
+            <p:ph type="ftr" idx="4"/>
+          </p:nvPr>
+        </p:nvSpPr>
+        <p:spPr>
+          <a:xfrm>
+            <a:off x="4038480" y="6356520"/>
+            <a:ext cx="4114080" cy="364320"/>
+          </a:xfrm>
+          <a:prstGeom prst="rect">
+            <a:avLst/>
+          </a:prstGeom>
+          <a:noFill/>
+          <a:ln w="0">
+            <a:noFill/>
+          </a:ln>
+        </p:spPr>
+        <p:txBody>
+          <a:bodyPr lIns="90000" rIns="90000" tIns="45000" bIns="45000" anchor="ctr">
             <a:noAutofit/>
           </a:bodyPr>
-          <a:p>
-            <a:pPr>
-              <a:lnSpc>
-                <a:spcPct val="90000"/>
-              </a:lnSpc>
-              <a:buNone/>
-            </a:pPr>
-            <a:r>
-              <a:rPr b="0" lang="hr-HR" sz="4400" spc="-1" strike="noStrike">
-                <a:solidFill>
-                  <a:srgbClr val="000000"/>
-                </a:solidFill>
-                <a:latin typeface="Aptos Display"/>
-              </a:rPr>
-              <a:t>Kliknite da biste uredili stil naslova matrice</a:t>
-            </a:r>
-            <a:endParaRPr b="0" lang="sr-Latn-RS" sz="4400" spc="-1" strike="noStrike">
-              <a:solidFill>
-                <a:srgbClr val="000000"/>
-              </a:solidFill>
-              <a:latin typeface="Aptos"/>
-            </a:endParaRPr>
-          </a:p>
-        </p:txBody>
-      </p:sp>
-      <p:sp>
-        <p:nvSpPr>
-          <p:cNvPr id="42" name="PlaceHolder 2"/>
-          <p:cNvSpPr>
-            <a:spLocks noGrp="1"/>
-          </p:cNvSpPr>
-          <p:nvPr>
-            <p:ph type="body"/>
-          </p:nvPr>
-        </p:nvSpPr>
-        <p:spPr>
-          <a:xfrm>
-            <a:off x="838080" y="1825560"/>
-            <a:ext cx="10515240" cy="4350960"/>
-          </a:xfrm>
-          <a:prstGeom prst="rect">
-            <a:avLst/>
-          </a:prstGeom>
-          <a:noFill/>
-          <a:ln w="0">
-            <a:noFill/>
-          </a:ln>
-        </p:spPr>
-        <p:txBody>
-          <a:bodyPr anchor="t">
-            <a:noAutofit/>
-          </a:bodyPr>
-          <a:p>
-            <a:pPr marL="228600" indent="-228600">
-              <a:lnSpc>
-                <a:spcPct val="90000"/>
-              </a:lnSpc>
-              <a:spcBef>
-                <a:spcPts val="1001"/>
-              </a:spcBef>
-              <a:buClr>
-                <a:srgbClr val="000000"/>
-              </a:buClr>
-              <a:buFont typeface="Arial"/>
-              <a:buChar char="•"/>
-            </a:pPr>
-            <a:r>
-              <a:rPr b="0" lang="hr-HR" sz="2800" spc="-1" strike="noStrike">
-                <a:solidFill>
-                  <a:srgbClr val="000000"/>
-                </a:solidFill>
-                <a:latin typeface="Aptos"/>
-              </a:rPr>
-              <a:t>Kliknite da biste uredili matrice</a:t>
-            </a:r>
-            <a:endParaRPr b="0" lang="sr-Latn-RS" sz="2800" spc="-1" strike="noStrike">
-              <a:solidFill>
-                <a:srgbClr val="000000"/>
-              </a:solidFill>
-              <a:latin typeface="Aptos"/>
-            </a:endParaRPr>
-          </a:p>
-          <a:p>
-            <a:pPr lvl="1" marL="685800" indent="-228600">
-              <a:lnSpc>
-                <a:spcPct val="90000"/>
-              </a:lnSpc>
-              <a:spcBef>
-                <a:spcPts val="499"/>
-              </a:spcBef>
-              <a:buClr>
-                <a:srgbClr val="000000"/>
-              </a:buClr>
-              <a:buFont typeface="Arial"/>
-              <a:buChar char="•"/>
-            </a:pPr>
-            <a:r>
-              <a:rPr b="0" lang="hr-HR" sz="2400" spc="-1" strike="noStrike">
-                <a:solidFill>
-                  <a:srgbClr val="000000"/>
-                </a:solidFill>
-                <a:latin typeface="Aptos"/>
-              </a:rPr>
-              <a:t>Druga razina</a:t>
-            </a:r>
-            <a:endParaRPr b="0" lang="sr-Latn-RS" sz="2400" spc="-1" strike="noStrike">
-              <a:solidFill>
-                <a:srgbClr val="000000"/>
-              </a:solidFill>
-              <a:latin typeface="Aptos"/>
-            </a:endParaRPr>
-          </a:p>
-          <a:p>
-            <a:pPr lvl="2" marL="1143000" indent="-228600">
-              <a:lnSpc>
-                <a:spcPct val="90000"/>
-              </a:lnSpc>
-              <a:spcBef>
-                <a:spcPts val="499"/>
-              </a:spcBef>
-              <a:buClr>
-                <a:srgbClr val="000000"/>
-              </a:buClr>
-              <a:buFont typeface="Arial"/>
-              <a:buChar char="•"/>
-            </a:pPr>
-            <a:r>
-              <a:rPr b="0" lang="hr-HR" sz="2000" spc="-1" strike="noStrike">
-                <a:solidFill>
-                  <a:srgbClr val="000000"/>
-                </a:solidFill>
-                <a:latin typeface="Aptos"/>
-              </a:rPr>
-              <a:t>Treća razina</a:t>
-            </a:r>
-            <a:endParaRPr b="0" lang="sr-Latn-RS" sz="2000" spc="-1" strike="noStrike">
-              <a:solidFill>
-                <a:srgbClr val="000000"/>
-              </a:solidFill>
-              <a:latin typeface="Aptos"/>
-            </a:endParaRPr>
-          </a:p>
-          <a:p>
-            <a:pPr lvl="3" marL="1600200" indent="-228600">
-              <a:lnSpc>
-                <a:spcPct val="90000"/>
-              </a:lnSpc>
-              <a:spcBef>
-                <a:spcPts val="499"/>
-              </a:spcBef>
-              <a:buClr>
-                <a:srgbClr val="000000"/>
-              </a:buClr>
-              <a:buFont typeface="Arial"/>
-              <a:buChar char="•"/>
-            </a:pPr>
-            <a:r>
-              <a:rPr b="0" lang="hr-HR" sz="1800" spc="-1" strike="noStrike">
-                <a:solidFill>
-                  <a:srgbClr val="000000"/>
-                </a:solidFill>
-                <a:latin typeface="Aptos"/>
-              </a:rPr>
-              <a:t>Četvrta razina</a:t>
-            </a:r>
-            <a:endParaRPr b="0" lang="sr-Latn-RS" sz="1800" spc="-1" strike="noStrike">
-              <a:solidFill>
-                <a:srgbClr val="000000"/>
-              </a:solidFill>
-              <a:latin typeface="Aptos"/>
-            </a:endParaRPr>
-          </a:p>
-          <a:p>
-            <a:pPr lvl="4" marL="2057400" indent="-228600">
-              <a:lnSpc>
-                <a:spcPct val="90000"/>
-              </a:lnSpc>
-              <a:spcBef>
-                <a:spcPts val="499"/>
-              </a:spcBef>
-              <a:buClr>
-                <a:srgbClr val="000000"/>
-              </a:buClr>
-              <a:buFont typeface="Arial"/>
-              <a:buChar char="•"/>
-            </a:pPr>
-            <a:r>
-              <a:rPr b="0" lang="hr-HR" sz="1800" spc="-1" strike="noStrike">
-                <a:solidFill>
-                  <a:srgbClr val="000000"/>
-                </a:solidFill>
-                <a:latin typeface="Aptos"/>
-              </a:rPr>
-              <a:t>Peta razina stilove teksta</a:t>
-            </a:r>
-            <a:endParaRPr b="0" lang="sr-Latn-RS" sz="1800" spc="-1" strike="noStrike">
-              <a:solidFill>
-                <a:srgbClr val="000000"/>
-              </a:solidFill>
-              <a:latin typeface="Aptos"/>
-            </a:endParaRPr>
-          </a:p>
-        </p:txBody>
-      </p:sp>
-      <p:sp>
-        <p:nvSpPr>
-          <p:cNvPr id="43" name="PlaceHolder 3"/>
-          <p:cNvSpPr>
-            <a:spLocks noGrp="1"/>
-          </p:cNvSpPr>
-          <p:nvPr>
-            <p:ph type="dt" idx="4"/>
-          </p:nvPr>
-        </p:nvSpPr>
-        <p:spPr>
-          <a:xfrm>
-            <a:off x="838080" y="6356520"/>
-            <a:ext cx="2742840" cy="364680"/>
-          </a:xfrm>
-          <a:prstGeom prst="rect">
-            <a:avLst/>
-          </a:prstGeom>
-          <a:noFill/>
-          <a:ln w="0">
-            <a:noFill/>
-          </a:ln>
-        </p:spPr>
-        <p:txBody>
-          <a:bodyPr anchor="ctr">
-            <a:noAutofit/>
-          </a:bodyPr>
           <a:lstStyle>
-            <a:lvl1pPr>
+            <a:lvl1pPr algn="ctr">
               <a:lnSpc>
                 <a:spcPct val="100000"/>
               </a:lnSpc>
-              <a:buNone/>
-              <a:defRPr b="0" lang="hr-HR" sz="1200" spc="-1" strike="noStrike">
-                <a:solidFill>
-                  <a:srgbClr val="787878"/>
-                </a:solidFill>
-                <a:latin typeface="Aptos"/>
-              </a:defRPr>
-            </a:lvl1pPr>
-          </a:lstStyle>
-          <a:p>
-            <a:pPr>
-              <a:lnSpc>
-                <a:spcPct val="100000"/>
-              </a:lnSpc>
-              <a:buNone/>
-            </a:pPr>
-            <a:r>
-              <a:rPr b="0" lang="hr-HR" sz="1200" spc="-1" strike="noStrike">
-                <a:solidFill>
-                  <a:srgbClr val="787878"/>
-                </a:solidFill>
-                <a:latin typeface="Aptos"/>
-              </a:rPr>
-              <a:t>&lt;date/time&gt;</a:t>
-            </a:r>
-            <a:endParaRPr b="0" lang="hr-HR" sz="1200" spc="-1" strike="noStrike">
-              <a:latin typeface="Times New Roman"/>
-            </a:endParaRPr>
-          </a:p>
-        </p:txBody>
-      </p:sp>
-      <p:sp>
-        <p:nvSpPr>
-          <p:cNvPr id="44" name="PlaceHolder 4"/>
-          <p:cNvSpPr>
-            <a:spLocks noGrp="1"/>
-          </p:cNvSpPr>
-          <p:nvPr>
-            <p:ph type="ftr" idx="5"/>
-          </p:nvPr>
-        </p:nvSpPr>
-        <p:spPr>
-          <a:xfrm>
-            <a:off x="4038480" y="6356520"/>
-            <a:ext cx="4114440" cy="364680"/>
-          </a:xfrm>
-          <a:prstGeom prst="rect">
-            <a:avLst/>
-          </a:prstGeom>
-          <a:noFill/>
-          <a:ln w="0">
-            <a:noFill/>
-          </a:ln>
-        </p:spPr>
-        <p:txBody>
-          <a:bodyPr anchor="ctr">
-            <a:noAutofit/>
-          </a:bodyPr>
-          <a:lstStyle>
-            <a:lvl1pPr algn="ctr">
               <a:buNone/>
               <a:defRPr b="0" lang="hr-HR" sz="1400" spc="-1" strike="noStrike">
                 <a:latin typeface="Times New Roman"/>
@@ -5995,6 +5045,9 @@
           </a:lstStyle>
           <a:p>
             <a:pPr algn="ctr">
+              <a:lnSpc>
+                <a:spcPct val="100000"/>
+              </a:lnSpc>
               <a:buNone/>
             </a:pPr>
             <a:r>
@@ -6011,29 +5064,29 @@
       </p:sp>
       <p:sp>
         <p:nvSpPr>
-          <p:cNvPr id="45" name="PlaceHolder 5"/>
-          <p:cNvSpPr>
-            <a:spLocks noGrp="1"/>
-          </p:cNvSpPr>
-          <p:nvPr>
-            <p:ph type="sldNum" idx="6"/>
+          <p:cNvPr id="42" name="PlaceHolder 2"/>
+          <p:cNvSpPr>
+            <a:spLocks noGrp="1"/>
+          </p:cNvSpPr>
+          <p:nvPr>
+            <p:ph type="sldNum" idx="5"/>
           </p:nvPr>
         </p:nvSpPr>
         <p:spPr>
           <a:xfrm>
             <a:off x="8610480" y="6356520"/>
-            <a:ext cx="2742840" cy="364680"/>
-          </a:xfrm>
-          <a:prstGeom prst="rect">
-            <a:avLst/>
-          </a:prstGeom>
-          <a:noFill/>
-          <a:ln w="0">
-            <a:noFill/>
-          </a:ln>
-        </p:spPr>
-        <p:txBody>
-          <a:bodyPr anchor="ctr">
+            <a:ext cx="2742480" cy="364320"/>
+          </a:xfrm>
+          <a:prstGeom prst="rect">
+            <a:avLst/>
+          </a:prstGeom>
+          <a:noFill/>
+          <a:ln w="0">
+            <a:noFill/>
+          </a:ln>
+        </p:spPr>
+        <p:txBody>
+          <a:bodyPr lIns="90000" rIns="90000" tIns="45000" bIns="45000" anchor="ctr">
             <a:noAutofit/>
           </a:bodyPr>
           <a:lstStyle>
@@ -6057,7 +5110,7 @@
               </a:lnSpc>
               <a:buNone/>
             </a:pPr>
-            <a:fld id="{28234CDE-8084-49D0-A1E0-ABDCEA267D32}" type="slidenum">
+            <a:fld id="{B74C095A-DAC9-4800-A48A-AA24ED42CDFF}" type="slidenum">
               <a:rPr b="0" lang="hr-HR" sz="1200" spc="-1" strike="noStrike">
                 <a:solidFill>
                   <a:srgbClr val="787878"/>
@@ -6068,6 +5121,279 @@
             </a:fld>
             <a:endParaRPr b="0" lang="hr-HR" sz="1200" spc="-1" strike="noStrike">
               <a:latin typeface="Times New Roman"/>
+            </a:endParaRPr>
+          </a:p>
+        </p:txBody>
+      </p:sp>
+      <p:sp>
+        <p:nvSpPr>
+          <p:cNvPr id="43" name="PlaceHolder 3"/>
+          <p:cNvSpPr>
+            <a:spLocks noGrp="1"/>
+          </p:cNvSpPr>
+          <p:nvPr>
+            <p:ph type="dt" idx="6"/>
+          </p:nvPr>
+        </p:nvSpPr>
+        <p:spPr>
+          <a:xfrm>
+            <a:off x="838080" y="6356520"/>
+            <a:ext cx="2742480" cy="364320"/>
+          </a:xfrm>
+          <a:prstGeom prst="rect">
+            <a:avLst/>
+          </a:prstGeom>
+          <a:noFill/>
+          <a:ln w="0">
+            <a:noFill/>
+          </a:ln>
+        </p:spPr>
+        <p:txBody>
+          <a:bodyPr lIns="90000" rIns="90000" tIns="45000" bIns="45000" anchor="ctr">
+            <a:noAutofit/>
+          </a:bodyPr>
+          <a:lstStyle>
+            <a:lvl1pPr>
+              <a:defRPr b="0" lang="hr-HR" sz="1400" spc="-1" strike="noStrike">
+                <a:latin typeface="Times New Roman"/>
+              </a:defRPr>
+            </a:lvl1pPr>
+          </a:lstStyle>
+          <a:p>
+            <a:r>
+              <a:rPr b="0" lang="hr-HR" sz="1400" spc="-1" strike="noStrike">
+                <a:latin typeface="Times New Roman"/>
+              </a:rPr>
+              <a:t>&lt;date/time&gt;</a:t>
+            </a:r>
+            <a:endParaRPr b="0" lang="hr-HR" sz="1400" spc="-1" strike="noStrike">
+              <a:latin typeface="Times New Roman"/>
+            </a:endParaRPr>
+          </a:p>
+        </p:txBody>
+      </p:sp>
+      <p:sp>
+        <p:nvSpPr>
+          <p:cNvPr id="44" name="PlaceHolder 4"/>
+          <p:cNvSpPr>
+            <a:spLocks noGrp="1"/>
+          </p:cNvSpPr>
+          <p:nvPr>
+            <p:ph type="title"/>
+          </p:nvPr>
+        </p:nvSpPr>
+        <p:spPr>
+          <a:xfrm>
+            <a:off x="609480" y="273600"/>
+            <a:ext cx="10972440" cy="1144800"/>
+          </a:xfrm>
+          <a:prstGeom prst="rect">
+            <a:avLst/>
+          </a:prstGeom>
+          <a:noFill/>
+          <a:ln w="0">
+            <a:noFill/>
+          </a:ln>
+        </p:spPr>
+        <p:txBody>
+          <a:bodyPr lIns="0" rIns="0" tIns="0" bIns="0" anchor="ctr">
+            <a:noAutofit/>
+          </a:bodyPr>
+          <a:p>
+            <a:pPr algn="ctr">
+              <a:buNone/>
+            </a:pPr>
+            <a:r>
+              <a:rPr b="0" lang="hr-HR" sz="4400" spc="-1" strike="noStrike">
+                <a:latin typeface="Arial"/>
+              </a:rPr>
+              <a:t>Click to edit the title text format</a:t>
+            </a:r>
+            <a:endParaRPr b="0" lang="hr-HR" sz="4400" spc="-1" strike="noStrike">
+              <a:latin typeface="Arial"/>
+            </a:endParaRPr>
+          </a:p>
+        </p:txBody>
+      </p:sp>
+      <p:sp>
+        <p:nvSpPr>
+          <p:cNvPr id="45" name="PlaceHolder 5"/>
+          <p:cNvSpPr>
+            <a:spLocks noGrp="1"/>
+          </p:cNvSpPr>
+          <p:nvPr>
+            <p:ph type="body"/>
+          </p:nvPr>
+        </p:nvSpPr>
+        <p:spPr>
+          <a:xfrm>
+            <a:off x="609480" y="1604520"/>
+            <a:ext cx="10972440" cy="3977280"/>
+          </a:xfrm>
+          <a:prstGeom prst="rect">
+            <a:avLst/>
+          </a:prstGeom>
+          <a:noFill/>
+          <a:ln w="0">
+            <a:noFill/>
+          </a:ln>
+        </p:spPr>
+        <p:txBody>
+          <a:bodyPr lIns="0" rIns="0" tIns="0" bIns="0" anchor="t">
+            <a:normAutofit/>
+          </a:bodyPr>
+          <a:p>
+            <a:pPr marL="432000" indent="-324000">
+              <a:spcBef>
+                <a:spcPts val="1417"/>
+              </a:spcBef>
+              <a:buClr>
+                <a:srgbClr val="000000"/>
+              </a:buClr>
+              <a:buSzPct val="45000"/>
+              <a:buFont typeface="Wingdings" charset="2"/>
+              <a:buChar char=""/>
+            </a:pPr>
+            <a:r>
+              <a:rPr b="0" lang="hr-HR" sz="3200" spc="-1" strike="noStrike">
+                <a:latin typeface="Arial"/>
+              </a:rPr>
+              <a:t>Click to edit the outline text format</a:t>
+            </a:r>
+            <a:endParaRPr b="0" lang="hr-HR" sz="3200" spc="-1" strike="noStrike">
+              <a:latin typeface="Arial"/>
+            </a:endParaRPr>
+          </a:p>
+          <a:p>
+            <a:pPr lvl="1" marL="864000" indent="-324000">
+              <a:spcBef>
+                <a:spcPts val="1134"/>
+              </a:spcBef>
+              <a:buClr>
+                <a:srgbClr val="000000"/>
+              </a:buClr>
+              <a:buSzPct val="75000"/>
+              <a:buFont typeface="Symbol" charset="2"/>
+              <a:buChar char=""/>
+            </a:pPr>
+            <a:r>
+              <a:rPr b="0" lang="hr-HR" sz="2800" spc="-1" strike="noStrike">
+                <a:latin typeface="Arial"/>
+              </a:rPr>
+              <a:t>Second Outline Level</a:t>
+            </a:r>
+            <a:endParaRPr b="0" lang="hr-HR" sz="2800" spc="-1" strike="noStrike">
+              <a:latin typeface="Arial"/>
+            </a:endParaRPr>
+          </a:p>
+          <a:p>
+            <a:pPr lvl="2" marL="1296000" indent="-288000">
+              <a:spcBef>
+                <a:spcPts val="850"/>
+              </a:spcBef>
+              <a:buClr>
+                <a:srgbClr val="000000"/>
+              </a:buClr>
+              <a:buSzPct val="45000"/>
+              <a:buFont typeface="Wingdings" charset="2"/>
+              <a:buChar char=""/>
+            </a:pPr>
+            <a:r>
+              <a:rPr b="0" lang="hr-HR" sz="2400" spc="-1" strike="noStrike">
+                <a:latin typeface="Arial"/>
+              </a:rPr>
+              <a:t>Third Outline Level</a:t>
+            </a:r>
+            <a:endParaRPr b="0" lang="hr-HR" sz="2400" spc="-1" strike="noStrike">
+              <a:latin typeface="Arial"/>
+            </a:endParaRPr>
+          </a:p>
+          <a:p>
+            <a:pPr lvl="3" marL="1728000" indent="-216000">
+              <a:spcBef>
+                <a:spcPts val="567"/>
+              </a:spcBef>
+              <a:buClr>
+                <a:srgbClr val="000000"/>
+              </a:buClr>
+              <a:buSzPct val="75000"/>
+              <a:buFont typeface="Symbol" charset="2"/>
+              <a:buChar char=""/>
+            </a:pPr>
+            <a:r>
+              <a:rPr b="0" lang="hr-HR" sz="2000" spc="-1" strike="noStrike">
+                <a:latin typeface="Arial"/>
+              </a:rPr>
+              <a:t>Fourth Outline Level</a:t>
+            </a:r>
+            <a:endParaRPr b="0" lang="hr-HR" sz="2000" spc="-1" strike="noStrike">
+              <a:latin typeface="Arial"/>
+            </a:endParaRPr>
+          </a:p>
+          <a:p>
+            <a:pPr lvl="4" marL="2160000" indent="-216000">
+              <a:spcBef>
+                <a:spcPts val="283"/>
+              </a:spcBef>
+              <a:buClr>
+                <a:srgbClr val="000000"/>
+              </a:buClr>
+              <a:buSzPct val="45000"/>
+              <a:buFont typeface="Wingdings" charset="2"/>
+              <a:buChar char=""/>
+            </a:pPr>
+            <a:r>
+              <a:rPr b="0" lang="hr-HR" sz="2000" spc="-1" strike="noStrike">
+                <a:latin typeface="Arial"/>
+              </a:rPr>
+              <a:t>Fifth Outline Level</a:t>
+            </a:r>
+            <a:endParaRPr b="0" lang="hr-HR" sz="2000" spc="-1" strike="noStrike">
+              <a:latin typeface="Arial"/>
+            </a:endParaRPr>
+          </a:p>
+          <a:p>
+            <a:pPr lvl="5" marL="2592000" indent="-216000">
+              <a:spcBef>
+                <a:spcPts val="283"/>
+              </a:spcBef>
+              <a:buClr>
+                <a:srgbClr val="000000"/>
+              </a:buClr>
+              <a:buSzPct val="45000"/>
+              <a:buFont typeface="Wingdings" charset="2"/>
+              <a:buChar char=""/>
+            </a:pPr>
+            <a:r>
+              <a:rPr b="0" lang="hr-HR" sz="2000" spc="-1" strike="noStrike">
+                <a:latin typeface="Arial"/>
+              </a:rPr>
+              <a:t>Sixth Outline Level</a:t>
+            </a:r>
+            <a:endParaRPr b="0" lang="hr-HR" sz="2000" spc="-1" strike="noStrike">
+              <a:latin typeface="Arial"/>
+            </a:endParaRPr>
+          </a:p>
+          <a:p>
+            <a:pPr lvl="6" marL="3024000" indent="-216000">
+              <a:spcBef>
+                <a:spcPts val="283"/>
+              </a:spcBef>
+              <a:buClr>
+                <a:srgbClr val="000000"/>
+              </a:buClr>
+              <a:buSzPct val="45000"/>
+              <a:buFont typeface="Wingdings" charset="2"/>
+              <a:buChar char=""/>
+            </a:pPr>
+            <a:r>
+              <a:rPr b="0" lang="hr-HR" sz="2000" spc="-1" strike="noStrike">
+                <a:latin typeface="Arial"/>
+              </a:rPr>
+              <a:t>Seventh Outline Level</a:t>
+            </a:r>
+            <a:endParaRPr b="0" lang="hr-HR" sz="2000" spc="-1" strike="noStrike">
+              <a:latin typeface="Arial"/>
             </a:endParaRPr>
           </a:p>
         </p:txBody>
@@ -6122,18 +5448,18 @@
         <p:spPr>
           <a:xfrm>
             <a:off x="1523880" y="1122480"/>
-            <a:ext cx="9143640" cy="2387160"/>
-          </a:xfrm>
-          <a:prstGeom prst="rect">
-            <a:avLst/>
-          </a:prstGeom>
-          <a:noFill/>
-          <a:ln w="0">
-            <a:noFill/>
-          </a:ln>
-        </p:spPr>
-        <p:txBody>
-          <a:bodyPr anchor="b">
+            <a:ext cx="9143280" cy="2386800"/>
+          </a:xfrm>
+          <a:prstGeom prst="rect">
+            <a:avLst/>
+          </a:prstGeom>
+          <a:noFill/>
+          <a:ln w="0">
+            <a:noFill/>
+          </a:ln>
+        </p:spPr>
+        <p:txBody>
+          <a:bodyPr lIns="0" rIns="0" tIns="0" bIns="0" anchor="b">
             <a:noAutofit/>
           </a:bodyPr>
           <a:p>
@@ -6152,11 +5478,8 @@
               </a:rPr>
               <a:t>SENTIMENTalci</a:t>
             </a:r>
-            <a:endParaRPr b="0" lang="sr-Latn-RS" sz="6000" spc="-1" strike="noStrike">
-              <a:solidFill>
-                <a:srgbClr val="000000"/>
-              </a:solidFill>
-              <a:latin typeface="Aptos"/>
+            <a:endParaRPr b="0" lang="hr-HR" sz="6000" spc="-1" strike="noStrike">
+              <a:latin typeface="Arial"/>
             </a:endParaRPr>
           </a:p>
         </p:txBody>
@@ -6174,18 +5497,18 @@
         <p:spPr>
           <a:xfrm>
             <a:off x="1523880" y="3602160"/>
-            <a:ext cx="9143640" cy="1655280"/>
-          </a:xfrm>
-          <a:prstGeom prst="rect">
-            <a:avLst/>
-          </a:prstGeom>
-          <a:noFill/>
-          <a:ln w="0">
-            <a:noFill/>
-          </a:ln>
-        </p:spPr>
-        <p:txBody>
-          <a:bodyPr anchor="t">
+            <a:ext cx="9143280" cy="1654920"/>
+          </a:xfrm>
+          <a:prstGeom prst="rect">
+            <a:avLst/>
+          </a:prstGeom>
+          <a:noFill/>
+          <a:ln w="0">
+            <a:noFill/>
+          </a:ln>
+        </p:spPr>
+        <p:txBody>
+          <a:bodyPr lIns="0" rIns="0" tIns="0" bIns="0" anchor="t">
             <a:noAutofit/>
           </a:bodyPr>
           <a:p>
@@ -6248,7 +5571,7 @@
       </p:grpSpPr>
       <p:sp>
         <p:nvSpPr>
-          <p:cNvPr id="100" name="PlaceHolder 1"/>
+          <p:cNvPr id="103" name="PlaceHolder 1"/>
           <p:cNvSpPr>
             <a:spLocks noGrp="1"/>
           </p:cNvSpPr>
@@ -6259,18 +5582,18 @@
         <p:spPr>
           <a:xfrm>
             <a:off x="838080" y="365040"/>
-            <a:ext cx="10515240" cy="1325160"/>
-          </a:xfrm>
-          <a:prstGeom prst="rect">
-            <a:avLst/>
-          </a:prstGeom>
-          <a:noFill/>
-          <a:ln w="0">
-            <a:noFill/>
-          </a:ln>
-        </p:spPr>
-        <p:txBody>
-          <a:bodyPr anchor="ctr">
+            <a:ext cx="10514880" cy="1324800"/>
+          </a:xfrm>
+          <a:prstGeom prst="rect">
+            <a:avLst/>
+          </a:prstGeom>
+          <a:noFill/>
+          <a:ln w="0">
+            <a:noFill/>
+          </a:ln>
+        </p:spPr>
+        <p:txBody>
+          <a:bodyPr lIns="90000" rIns="90000" tIns="45000" bIns="45000" anchor="ctr">
             <a:noAutofit/>
           </a:bodyPr>
           <a:p>
@@ -6287,20 +5610,17 @@
                 </a:solidFill>
                 <a:latin typeface="Aptos Display"/>
               </a:rPr>
-              <a:t>Modeli – SL/DL</a:t>
-            </a:r>
-            <a:endParaRPr b="0" lang="sr-Latn-RS" sz="4400" spc="-1" strike="noStrike">
-              <a:solidFill>
-                <a:srgbClr val="000000"/>
-              </a:solidFill>
-              <a:latin typeface="Aptos"/>
-            </a:endParaRPr>
-          </a:p>
-        </p:txBody>
-      </p:sp>
-      <p:sp>
-        <p:nvSpPr>
-          <p:cNvPr id="101" name="PlaceHolder 2"/>
+              <a:t>Rezultati</a:t>
+            </a:r>
+            <a:endParaRPr b="0" lang="hr-HR" sz="4400" spc="-1" strike="noStrike">
+              <a:latin typeface="Arial"/>
+            </a:endParaRPr>
+          </a:p>
+        </p:txBody>
+      </p:sp>
+      <p:sp>
+        <p:nvSpPr>
+          <p:cNvPr id="104" name="PlaceHolder 2"/>
           <p:cNvSpPr>
             <a:spLocks noGrp="1"/>
           </p:cNvSpPr>
@@ -6311,18 +5631,18 @@
         <p:spPr>
           <a:xfrm>
             <a:off x="838080" y="1825560"/>
-            <a:ext cx="10515240" cy="4350960"/>
-          </a:xfrm>
-          <a:prstGeom prst="rect">
-            <a:avLst/>
-          </a:prstGeom>
-          <a:noFill/>
-          <a:ln w="0">
-            <a:noFill/>
-          </a:ln>
-        </p:spPr>
-        <p:txBody>
-          <a:bodyPr anchor="t">
+            <a:ext cx="10514880" cy="4350600"/>
+          </a:xfrm>
+          <a:prstGeom prst="rect">
+            <a:avLst/>
+          </a:prstGeom>
+          <a:noFill/>
+          <a:ln w="0">
+            <a:noFill/>
+          </a:ln>
+        </p:spPr>
+        <p:txBody>
+          <a:bodyPr lIns="90000" rIns="90000" tIns="45000" bIns="45000" anchor="t">
             <a:noAutofit/>
           </a:bodyPr>
           <a:p>
@@ -6346,13 +5666,64 @@
                 </a:solidFill>
                 <a:latin typeface="Aptos"/>
               </a:rPr>
-              <a:t>Dodaj neki model i opiši ga</a:t>
-            </a:r>
-            <a:endParaRPr b="0" lang="sr-Latn-RS" sz="2800" spc="-1" strike="noStrike">
-              <a:solidFill>
+              <a:t>Svaki model zasebno</a:t>
+            </a:r>
+            <a:endParaRPr b="0" lang="hr-HR" sz="2800" spc="-1" strike="noStrike">
+              <a:latin typeface="Arial"/>
+            </a:endParaRPr>
+          </a:p>
+          <a:p>
+            <a:pPr marL="228600" indent="-228600">
+              <a:lnSpc>
+                <a:spcPct val="90000"/>
+              </a:lnSpc>
+              <a:spcBef>
+                <a:spcPts val="1001"/>
+              </a:spcBef>
+              <a:buClr>
                 <a:srgbClr val="000000"/>
-              </a:solidFill>
-              <a:latin typeface="Aptos"/>
+              </a:buClr>
+              <a:buFont typeface="Arial"/>
+              <a:buChar char="•"/>
+            </a:pPr>
+            <a:r>
+              <a:rPr b="0" lang="hr-HR" sz="2800" spc="-1" strike="noStrike">
+                <a:solidFill>
+                  <a:srgbClr val="000000"/>
+                </a:solidFill>
+                <a:latin typeface="Aptos"/>
+              </a:rPr>
+              <a:t>Confusion matrix</a:t>
+            </a:r>
+            <a:endParaRPr b="0" lang="hr-HR" sz="2800" spc="-1" strike="noStrike">
+              <a:latin typeface="Arial"/>
+            </a:endParaRPr>
+          </a:p>
+          <a:p>
+            <a:pPr marL="228600" indent="-228600">
+              <a:lnSpc>
+                <a:spcPct val="90000"/>
+              </a:lnSpc>
+              <a:spcBef>
+                <a:spcPts val="1001"/>
+              </a:spcBef>
+              <a:buClr>
+                <a:srgbClr val="000000"/>
+              </a:buClr>
+              <a:buFont typeface="Arial"/>
+              <a:buChar char="•"/>
+            </a:pPr>
+            <a:r>
+              <a:rPr b="0" lang="hr-HR" sz="2800" spc="-1" strike="noStrike">
+                <a:solidFill>
+                  <a:srgbClr val="000000"/>
+                </a:solidFill>
+                <a:latin typeface="Aptos"/>
+              </a:rPr>
+              <a:t>Zanimljivi slučajevi</a:t>
+            </a:r>
+            <a:endParaRPr b="0" lang="hr-HR" sz="2800" spc="-1" strike="noStrike">
+              <a:latin typeface="Arial"/>
             </a:endParaRPr>
           </a:p>
         </p:txBody>
@@ -6389,7 +5760,7 @@
       </p:grpSpPr>
       <p:sp>
         <p:nvSpPr>
-          <p:cNvPr id="102" name="PlaceHolder 1"/>
+          <p:cNvPr id="105" name="PlaceHolder 1"/>
           <p:cNvSpPr>
             <a:spLocks noGrp="1"/>
           </p:cNvSpPr>
@@ -6400,18 +5771,18 @@
         <p:spPr>
           <a:xfrm>
             <a:off x="838080" y="365040"/>
-            <a:ext cx="10515240" cy="1325160"/>
-          </a:xfrm>
-          <a:prstGeom prst="rect">
-            <a:avLst/>
-          </a:prstGeom>
-          <a:noFill/>
-          <a:ln w="0">
-            <a:noFill/>
-          </a:ln>
-        </p:spPr>
-        <p:txBody>
-          <a:bodyPr anchor="ctr">
+            <a:ext cx="10514880" cy="1324800"/>
+          </a:xfrm>
+          <a:prstGeom prst="rect">
+            <a:avLst/>
+          </a:prstGeom>
+          <a:noFill/>
+          <a:ln w="0">
+            <a:noFill/>
+          </a:ln>
+        </p:spPr>
+        <p:txBody>
+          <a:bodyPr lIns="90000" rIns="90000" tIns="45000" bIns="45000" anchor="ctr">
             <a:noAutofit/>
           </a:bodyPr>
           <a:p>
@@ -6428,20 +5799,17 @@
                 </a:solidFill>
                 <a:latin typeface="Aptos Display"/>
               </a:rPr>
-              <a:t>Rezultati</a:t>
-            </a:r>
-            <a:endParaRPr b="0" lang="sr-Latn-RS" sz="4400" spc="-1" strike="noStrike">
-              <a:solidFill>
-                <a:srgbClr val="000000"/>
-              </a:solidFill>
-              <a:latin typeface="Aptos"/>
-            </a:endParaRPr>
-          </a:p>
-        </p:txBody>
-      </p:sp>
-      <p:sp>
-        <p:nvSpPr>
-          <p:cNvPr id="103" name="PlaceHolder 2"/>
+              <a:t>Poveznice</a:t>
+            </a:r>
+            <a:endParaRPr b="0" lang="hr-HR" sz="4400" spc="-1" strike="noStrike">
+              <a:latin typeface="Arial"/>
+            </a:endParaRPr>
+          </a:p>
+        </p:txBody>
+      </p:sp>
+      <p:sp>
+        <p:nvSpPr>
+          <p:cNvPr id="106" name="PlaceHolder 2"/>
           <p:cNvSpPr>
             <a:spLocks noGrp="1"/>
           </p:cNvSpPr>
@@ -6452,18 +5820,18 @@
         <p:spPr>
           <a:xfrm>
             <a:off x="838080" y="1825560"/>
-            <a:ext cx="10515240" cy="4350960"/>
-          </a:xfrm>
-          <a:prstGeom prst="rect">
-            <a:avLst/>
-          </a:prstGeom>
-          <a:noFill/>
-          <a:ln w="0">
-            <a:noFill/>
-          </a:ln>
-        </p:spPr>
-        <p:txBody>
-          <a:bodyPr anchor="t">
+            <a:ext cx="10514880" cy="4350600"/>
+          </a:xfrm>
+          <a:prstGeom prst="rect">
+            <a:avLst/>
+          </a:prstGeom>
+          <a:noFill/>
+          <a:ln w="0">
+            <a:noFill/>
+          </a:ln>
+        </p:spPr>
+        <p:txBody>
+          <a:bodyPr lIns="90000" rIns="90000" tIns="45000" bIns="45000" anchor="t">
             <a:noAutofit/>
           </a:bodyPr>
           <a:p>
@@ -6487,13 +5855,19 @@
                 </a:solidFill>
                 <a:latin typeface="Aptos"/>
               </a:rPr>
-              <a:t>Svaki model zasebno</a:t>
-            </a:r>
-            <a:endParaRPr b="0" lang="sr-Latn-RS" sz="2800" spc="-1" strike="noStrike">
-              <a:solidFill>
-                <a:srgbClr val="000000"/>
-              </a:solidFill>
-              <a:latin typeface="Aptos"/>
+              <a:t>Recenzije knjiga: </a:t>
+            </a:r>
+            <a:r>
+              <a:rPr b="0" lang="hr-HR" sz="2800" spc="-1" strike="noStrike">
+                <a:solidFill>
+                  <a:srgbClr val="000000"/>
+                </a:solidFill>
+                <a:latin typeface="Aptos"/>
+              </a:rPr>
+              <a:t>https://www.najboljeknjige.com/recenzije</a:t>
+            </a:r>
+            <a:endParaRPr b="0" lang="hr-HR" sz="2800" spc="-1" strike="noStrike">
+              <a:latin typeface="Arial"/>
             </a:endParaRPr>
           </a:p>
           <a:p>
@@ -6517,13 +5891,20 @@
                 </a:solidFill>
                 <a:latin typeface="Aptos"/>
               </a:rPr>
-              <a:t>Confusion matrix</a:t>
-            </a:r>
-            <a:endParaRPr b="0" lang="sr-Latn-RS" sz="2800" spc="-1" strike="noStrike">
-              <a:solidFill>
-                <a:srgbClr val="000000"/>
-              </a:solidFill>
-              <a:latin typeface="Aptos"/>
+              <a:t>Github: </a:t>
+            </a:r>
+            <a:r>
+              <a:rPr b="0" lang="hr-HR" sz="2800" spc="-1" strike="noStrike">
+                <a:solidFill>
+                  <a:srgbClr val="000000"/>
+                </a:solidFill>
+                <a:latin typeface="Aptos"/>
+                <a:hlinkClick r:id="rId1"/>
+              </a:rPr>
+              <a:t>https://github.com/Sentimentalci/opjprojekt</a:t>
+            </a:r>
+            <a:endParaRPr b="0" lang="hr-HR" sz="2800" spc="-1" strike="noStrike">
+              <a:latin typeface="Arial"/>
             </a:endParaRPr>
           </a:p>
           <a:p>
@@ -6547,126 +5928,22 @@
                 </a:solidFill>
                 <a:latin typeface="Aptos"/>
               </a:rPr>
-              <a:t>Zanimljivi slučajevi</a:t>
-            </a:r>
-            <a:endParaRPr b="0" lang="sr-Latn-RS" sz="2800" spc="-1" strike="noStrike">
-              <a:solidFill>
-                <a:srgbClr val="000000"/>
-              </a:solidFill>
-              <a:latin typeface="Aptos"/>
-            </a:endParaRPr>
-          </a:p>
-        </p:txBody>
-      </p:sp>
-    </p:spTree>
-  </p:cSld>
-  <mc:AlternateContent>
-    <mc:Choice Requires="p14">
-      <p:transition spd="slow" p14:dur="2000"/>
-    </mc:Choice>
-    <mc:Fallback>
-      <p:transition spd="slow"/>
-    </mc:Fallback>
-  </mc:AlternateContent>
-</p:sld>
-</file>
-
-<file path=ppt/slides/slide12.xml><?xml version="1.0" encoding="utf-8"?>
-<p:sld xmlns:a="http://schemas.openxmlformats.org/drawingml/2006/main" xmlns:p="http://schemas.openxmlformats.org/presentationml/2006/main" xmlns:r="http://schemas.openxmlformats.org/officeDocument/2006/relationships" xmlns:p14="http://schemas.microsoft.com/office/powerpoint/2010/main" xmlns:p15="http://schemas.microsoft.com/office/powerpoint/2012/main" xmlns:mc="http://schemas.openxmlformats.org/markup-compatibility/2006">
-  <p:cSld>
-    <p:spTree>
-      <p:nvGrpSpPr>
-        <p:cNvPr id="1" name=""/>
-        <p:cNvGrpSpPr/>
-        <p:nvPr/>
-      </p:nvGrpSpPr>
-      <p:grpSpPr>
-        <a:xfrm>
-          <a:off x="0" y="0"/>
-          <a:ext cx="0" cy="0"/>
-          <a:chOff x="0" y="0"/>
-          <a:chExt cx="0" cy="0"/>
-        </a:xfrm>
-      </p:grpSpPr>
-      <p:sp>
-        <p:nvSpPr>
-          <p:cNvPr id="104" name="PlaceHolder 1"/>
-          <p:cNvSpPr>
-            <a:spLocks noGrp="1"/>
-          </p:cNvSpPr>
-          <p:nvPr>
-            <p:ph type="title"/>
-          </p:nvPr>
-        </p:nvSpPr>
-        <p:spPr>
-          <a:xfrm>
-            <a:off x="838080" y="365040"/>
-            <a:ext cx="10515240" cy="1325160"/>
-          </a:xfrm>
-          <a:prstGeom prst="rect">
-            <a:avLst/>
-          </a:prstGeom>
-          <a:noFill/>
-          <a:ln w="0">
-            <a:noFill/>
-          </a:ln>
-        </p:spPr>
-        <p:txBody>
-          <a:bodyPr anchor="ctr">
-            <a:noAutofit/>
-          </a:bodyPr>
-          <a:p>
-            <a:pPr>
-              <a:lnSpc>
-                <a:spcPct val="90000"/>
-              </a:lnSpc>
-              <a:buNone/>
-            </a:pPr>
-            <a:r>
-              <a:rPr b="0" lang="hr-HR" sz="4400" spc="-1" strike="noStrike">
+              <a:t>OG korpus: </a:t>
+            </a:r>
+            <a:r>
+              <a:rPr b="0" lang="hr-HR" sz="2800" spc="-1" strike="noStrike">
                 <a:solidFill>
                   <a:srgbClr val="000000"/>
                 </a:solidFill>
-                <a:latin typeface="Aptos Display"/>
-              </a:rPr>
-              <a:t>Poveznice</a:t>
-            </a:r>
-            <a:endParaRPr b="0" lang="sr-Latn-RS" sz="4400" spc="-1" strike="noStrike">
-              <a:solidFill>
-                <a:srgbClr val="000000"/>
-              </a:solidFill>
-              <a:latin typeface="Aptos"/>
-            </a:endParaRPr>
-          </a:p>
-        </p:txBody>
-      </p:sp>
-      <p:sp>
-        <p:nvSpPr>
-          <p:cNvPr id="105" name="PlaceHolder 2"/>
-          <p:cNvSpPr>
-            <a:spLocks noGrp="1"/>
-          </p:cNvSpPr>
-          <p:nvPr>
-            <p:ph/>
-          </p:nvPr>
-        </p:nvSpPr>
-        <p:spPr>
-          <a:xfrm>
-            <a:off x="838080" y="1825560"/>
-            <a:ext cx="10515240" cy="4350960"/>
-          </a:xfrm>
-          <a:prstGeom prst="rect">
-            <a:avLst/>
-          </a:prstGeom>
-          <a:noFill/>
-          <a:ln w="0">
-            <a:noFill/>
-          </a:ln>
-        </p:spPr>
-        <p:txBody>
-          <a:bodyPr anchor="t">
-            <a:noAutofit/>
-          </a:bodyPr>
+                <a:latin typeface="Aptos"/>
+                <a:hlinkClick r:id="rId2"/>
+              </a:rPr>
+              <a:t>https://github.com/Sentimentalci/opjprojekt/blob/master/tekst.txt</a:t>
+            </a:r>
+            <a:endParaRPr b="0" lang="hr-HR" sz="2800" spc="-1" strike="noStrike">
+              <a:latin typeface="Arial"/>
+            </a:endParaRPr>
+          </a:p>
           <a:p>
             <a:pPr marL="228600" indent="-228600">
               <a:lnSpc>
@@ -6688,29 +5965,8 @@
                 </a:solidFill>
                 <a:latin typeface="Aptos"/>
               </a:rPr>
-              <a:t>Recenzije knjiga: https://www.najboljeknjige.com/recenzije</a:t>
-            </a:r>
-            <a:endParaRPr b="0" lang="sr-Latn-RS" sz="2800" spc="-1" strike="noStrike">
-              <a:solidFill>
-                <a:srgbClr val="000000"/>
-              </a:solidFill>
-              <a:latin typeface="Aptos"/>
-            </a:endParaRPr>
-          </a:p>
-          <a:p>
-            <a:pPr marL="228600" indent="-228600">
-              <a:lnSpc>
-                <a:spcPct val="90000"/>
-              </a:lnSpc>
-              <a:spcBef>
-                <a:spcPts val="1001"/>
-              </a:spcBef>
-              <a:buClr>
-                <a:srgbClr val="000000"/>
-              </a:buClr>
-              <a:buFont typeface="Arial"/>
-              <a:buChar char="•"/>
-            </a:pPr>
+              <a:t>Anotirani korpus: </a:t>
+            </a:r>
             <a:r>
               <a:rPr b="0" lang="hr-HR" sz="2800" spc="-1" strike="noStrike">
                 <a:solidFill>
@@ -6718,29 +5974,8 @@
                 </a:solidFill>
                 <a:latin typeface="Aptos"/>
               </a:rPr>
-              <a:t>Github: https://github.com/Sentimentalci/opjprojekt</a:t>
-            </a:r>
-            <a:endParaRPr b="0" lang="sr-Latn-RS" sz="2800" spc="-1" strike="noStrike">
-              <a:solidFill>
-                <a:srgbClr val="000000"/>
-              </a:solidFill>
-              <a:latin typeface="Aptos"/>
-            </a:endParaRPr>
-          </a:p>
-          <a:p>
-            <a:pPr marL="228600" indent="-228600">
-              <a:lnSpc>
-                <a:spcPct val="90000"/>
-              </a:lnSpc>
-              <a:spcBef>
-                <a:spcPts val="1001"/>
-              </a:spcBef>
-              <a:buClr>
-                <a:srgbClr val="000000"/>
-              </a:buClr>
-              <a:buFont typeface="Arial"/>
-              <a:buChar char="•"/>
-            </a:pPr>
+              <a:t>https://github.com/Sentimentalci/opjprojekt/blob/master/</a:t>
+            </a:r>
             <a:r>
               <a:rPr b="0" lang="hr-HR" sz="2800" spc="-1" strike="noStrike">
                 <a:solidFill>
@@ -6748,13 +5983,10 @@
                 </a:solidFill>
                 <a:latin typeface="Aptos"/>
               </a:rPr>
-              <a:t>Demo?: google collab?</a:t>
-            </a:r>
-            <a:endParaRPr b="0" lang="sr-Latn-RS" sz="2800" spc="-1" strike="noStrike">
-              <a:solidFill>
-                <a:srgbClr val="000000"/>
-              </a:solidFill>
-              <a:latin typeface="Aptos"/>
+              <a:t>Knjiga.tsv</a:t>
+            </a:r>
+            <a:endParaRPr b="0" lang="hr-HR" sz="2800" spc="-1" strike="noStrike">
+              <a:latin typeface="Arial"/>
             </a:endParaRPr>
           </a:p>
         </p:txBody>
@@ -6802,18 +6034,18 @@
         <p:spPr>
           <a:xfrm>
             <a:off x="838080" y="365040"/>
-            <a:ext cx="10515240" cy="1325160"/>
-          </a:xfrm>
-          <a:prstGeom prst="rect">
-            <a:avLst/>
-          </a:prstGeom>
-          <a:noFill/>
-          <a:ln w="0">
-            <a:noFill/>
-          </a:ln>
-        </p:spPr>
-        <p:txBody>
-          <a:bodyPr anchor="ctr">
+            <a:ext cx="10514880" cy="1324800"/>
+          </a:xfrm>
+          <a:prstGeom prst="rect">
+            <a:avLst/>
+          </a:prstGeom>
+          <a:noFill/>
+          <a:ln w="0">
+            <a:noFill/>
+          </a:ln>
+        </p:spPr>
+        <p:txBody>
+          <a:bodyPr lIns="90000" rIns="90000" tIns="45000" bIns="45000" anchor="ctr">
             <a:noAutofit/>
           </a:bodyPr>
           <a:p>
@@ -6832,11 +6064,8 @@
               </a:rPr>
               <a:t>Sadržaj</a:t>
             </a:r>
-            <a:endParaRPr b="0" lang="sr-Latn-RS" sz="4400" spc="-1" strike="noStrike">
-              <a:solidFill>
-                <a:srgbClr val="000000"/>
-              </a:solidFill>
-              <a:latin typeface="Aptos"/>
+            <a:endParaRPr b="0" lang="hr-HR" sz="4400" spc="-1" strike="noStrike">
+              <a:latin typeface="Arial"/>
             </a:endParaRPr>
           </a:p>
         </p:txBody>
@@ -6854,18 +6083,18 @@
         <p:spPr>
           <a:xfrm>
             <a:off x="838080" y="1825560"/>
-            <a:ext cx="10515240" cy="4350960"/>
-          </a:xfrm>
-          <a:prstGeom prst="rect">
-            <a:avLst/>
-          </a:prstGeom>
-          <a:noFill/>
-          <a:ln w="0">
-            <a:noFill/>
-          </a:ln>
-        </p:spPr>
-        <p:txBody>
-          <a:bodyPr anchor="t">
+            <a:ext cx="10514880" cy="4350600"/>
+          </a:xfrm>
+          <a:prstGeom prst="rect">
+            <a:avLst/>
+          </a:prstGeom>
+          <a:noFill/>
+          <a:ln w="0">
+            <a:noFill/>
+          </a:ln>
+        </p:spPr>
+        <p:txBody>
+          <a:bodyPr lIns="90000" rIns="90000" tIns="45000" bIns="45000" anchor="t">
             <a:normAutofit/>
           </a:bodyPr>
           <a:p>
@@ -6891,11 +6120,8 @@
               </a:rPr>
               <a:t>Analiza sentimenta</a:t>
             </a:r>
-            <a:endParaRPr b="0" lang="sr-Latn-RS" sz="2800" spc="-1" strike="noStrike">
-              <a:solidFill>
-                <a:srgbClr val="000000"/>
-              </a:solidFill>
-              <a:latin typeface="Aptos"/>
+            <a:endParaRPr b="0" lang="hr-HR" sz="2800" spc="-1" strike="noStrike">
+              <a:latin typeface="Arial"/>
             </a:endParaRPr>
           </a:p>
           <a:p>
@@ -6921,11 +6147,8 @@
               </a:rPr>
               <a:t>Skup podataka – detalji</a:t>
             </a:r>
-            <a:endParaRPr b="0" lang="sr-Latn-RS" sz="2800" spc="-1" strike="noStrike">
-              <a:solidFill>
-                <a:srgbClr val="000000"/>
-              </a:solidFill>
-              <a:latin typeface="Aptos"/>
+            <a:endParaRPr b="0" lang="hr-HR" sz="2800" spc="-1" strike="noStrike">
+              <a:latin typeface="Arial"/>
             </a:endParaRPr>
           </a:p>
           <a:p>
@@ -6951,11 +6174,8 @@
               </a:rPr>
               <a:t>Skup podataka – statistika</a:t>
             </a:r>
-            <a:endParaRPr b="0" lang="sr-Latn-RS" sz="2800" spc="-1" strike="noStrike">
-              <a:solidFill>
-                <a:srgbClr val="000000"/>
-              </a:solidFill>
-              <a:latin typeface="Aptos"/>
+            <a:endParaRPr b="0" lang="hr-HR" sz="2800" spc="-1" strike="noStrike">
+              <a:latin typeface="Arial"/>
             </a:endParaRPr>
           </a:p>
           <a:p>
@@ -6981,11 +6201,8 @@
               </a:rPr>
               <a:t>Modeli</a:t>
             </a:r>
-            <a:endParaRPr b="0" lang="sr-Latn-RS" sz="2800" spc="-1" strike="noStrike">
-              <a:solidFill>
-                <a:srgbClr val="000000"/>
-              </a:solidFill>
-              <a:latin typeface="Aptos"/>
+            <a:endParaRPr b="0" lang="hr-HR" sz="2800" spc="-1" strike="noStrike">
+              <a:latin typeface="Arial"/>
             </a:endParaRPr>
           </a:p>
           <a:p>
@@ -7011,11 +6228,8 @@
               </a:rPr>
               <a:t>Rezultati</a:t>
             </a:r>
-            <a:endParaRPr b="0" lang="sr-Latn-RS" sz="2800" spc="-1" strike="noStrike">
-              <a:solidFill>
-                <a:srgbClr val="000000"/>
-              </a:solidFill>
-              <a:latin typeface="Aptos"/>
+            <a:endParaRPr b="0" lang="hr-HR" sz="2800" spc="-1" strike="noStrike">
+              <a:latin typeface="Arial"/>
             </a:endParaRPr>
           </a:p>
           <a:p>
@@ -7041,11 +6255,8 @@
               </a:rPr>
               <a:t>Poveznice</a:t>
             </a:r>
-            <a:endParaRPr b="0" lang="sr-Latn-RS" sz="2800" spc="-1" strike="noStrike">
-              <a:solidFill>
-                <a:srgbClr val="000000"/>
-              </a:solidFill>
-              <a:latin typeface="Aptos"/>
+            <a:endParaRPr b="0" lang="hr-HR" sz="2800" spc="-1" strike="noStrike">
+              <a:latin typeface="Arial"/>
             </a:endParaRPr>
           </a:p>
         </p:txBody>
@@ -7093,18 +6304,18 @@
         <p:spPr>
           <a:xfrm>
             <a:off x="838080" y="365040"/>
-            <a:ext cx="10515240" cy="1325160"/>
-          </a:xfrm>
-          <a:prstGeom prst="rect">
-            <a:avLst/>
-          </a:prstGeom>
-          <a:noFill/>
-          <a:ln w="0">
-            <a:noFill/>
-          </a:ln>
-        </p:spPr>
-        <p:txBody>
-          <a:bodyPr anchor="ctr">
+            <a:ext cx="10514880" cy="1324800"/>
+          </a:xfrm>
+          <a:prstGeom prst="rect">
+            <a:avLst/>
+          </a:prstGeom>
+          <a:noFill/>
+          <a:ln w="0">
+            <a:noFill/>
+          </a:ln>
+        </p:spPr>
+        <p:txBody>
+          <a:bodyPr lIns="90000" rIns="90000" tIns="45000" bIns="45000" anchor="ctr">
             <a:noAutofit/>
           </a:bodyPr>
           <a:p>
@@ -7123,11 +6334,8 @@
               </a:rPr>
               <a:t>Analiza sentimenta</a:t>
             </a:r>
-            <a:endParaRPr b="0" lang="sr-Latn-RS" sz="4400" spc="-1" strike="noStrike">
-              <a:solidFill>
-                <a:srgbClr val="000000"/>
-              </a:solidFill>
-              <a:latin typeface="Aptos"/>
+            <a:endParaRPr b="0" lang="hr-HR" sz="4400" spc="-1" strike="noStrike">
+              <a:latin typeface="Arial"/>
             </a:endParaRPr>
           </a:p>
         </p:txBody>
@@ -7145,18 +6353,18 @@
         <p:spPr>
           <a:xfrm>
             <a:off x="838080" y="1825560"/>
-            <a:ext cx="10515240" cy="4350960"/>
-          </a:xfrm>
-          <a:prstGeom prst="rect">
-            <a:avLst/>
-          </a:prstGeom>
-          <a:noFill/>
-          <a:ln w="0">
-            <a:noFill/>
-          </a:ln>
-        </p:spPr>
-        <p:txBody>
-          <a:bodyPr anchor="t">
+            <a:ext cx="10514880" cy="4350600"/>
+          </a:xfrm>
+          <a:prstGeom prst="rect">
+            <a:avLst/>
+          </a:prstGeom>
+          <a:noFill/>
+          <a:ln w="0">
+            <a:noFill/>
+          </a:ln>
+        </p:spPr>
+        <p:txBody>
+          <a:bodyPr lIns="90000" rIns="90000" tIns="45000" bIns="45000" anchor="t">
             <a:noAutofit/>
           </a:bodyPr>
           <a:p>
@@ -7180,13 +6388,28 @@
                 </a:solidFill>
                 <a:latin typeface="Aptos"/>
               </a:rPr>
-              <a:t>Teorija, potreba i problematika analize sentimenta</a:t>
-            </a:r>
-            <a:endParaRPr b="0" lang="sr-Latn-RS" sz="2800" spc="-1" strike="noStrike">
-              <a:solidFill>
-                <a:srgbClr val="000000"/>
-              </a:solidFill>
-              <a:latin typeface="Aptos"/>
+              <a:t>Teorija, potreba i </a:t>
+            </a:r>
+            <a:r>
+              <a:rPr b="0" lang="hr-HR" sz="2800" spc="-1" strike="noStrike">
+                <a:solidFill>
+                  <a:srgbClr val="000000"/>
+                </a:solidFill>
+                <a:latin typeface="Aptos"/>
+              </a:rPr>
+              <a:t>problematika analize </a:t>
+            </a:r>
+            <a:r>
+              <a:rPr b="0" lang="hr-HR" sz="2800" spc="-1" strike="noStrike">
+                <a:solidFill>
+                  <a:srgbClr val="000000"/>
+                </a:solidFill>
+                <a:latin typeface="Aptos"/>
+              </a:rPr>
+              <a:t>sentimenta --</a:t>
+            </a:r>
+            <a:endParaRPr b="0" lang="hr-HR" sz="2800" spc="-1" strike="noStrike">
+              <a:latin typeface="Arial"/>
             </a:endParaRPr>
           </a:p>
           <a:p>
@@ -7210,13 +6433,46 @@
                 </a:solidFill>
                 <a:latin typeface="Aptos"/>
               </a:rPr>
-              <a:t>Pronalaženje lingvističkih uzoraka u tekstu koji otkrivaju nečiji stav o nekom svojstvu nekog objekta (u točno nekom trenutku)</a:t>
-            </a:r>
-            <a:endParaRPr b="0" lang="sr-Latn-RS" sz="2800" spc="-1" strike="noStrike">
-              <a:solidFill>
-                <a:srgbClr val="000000"/>
-              </a:solidFill>
-              <a:latin typeface="Aptos"/>
+              <a:t>Pronalaženje lingvističkih </a:t>
+            </a:r>
+            <a:r>
+              <a:rPr b="0" lang="hr-HR" sz="2800" spc="-1" strike="noStrike">
+                <a:solidFill>
+                  <a:srgbClr val="000000"/>
+                </a:solidFill>
+                <a:latin typeface="Aptos"/>
+              </a:rPr>
+              <a:t>uzoraka u tekstu koji </a:t>
+            </a:r>
+            <a:r>
+              <a:rPr b="0" lang="hr-HR" sz="2800" spc="-1" strike="noStrike">
+                <a:solidFill>
+                  <a:srgbClr val="000000"/>
+                </a:solidFill>
+                <a:latin typeface="Aptos"/>
+              </a:rPr>
+              <a:t>otkrivaju nečiji stav o nekom </a:t>
+            </a:r>
+            <a:r>
+              <a:rPr b="0" lang="hr-HR" sz="2800" spc="-1" strike="noStrike">
+                <a:solidFill>
+                  <a:srgbClr val="000000"/>
+                </a:solidFill>
+                <a:latin typeface="Aptos"/>
+              </a:rPr>
+              <a:t>svojstvu nekog objekta (u </a:t>
+            </a:r>
+            <a:r>
+              <a:rPr b="0" lang="hr-HR" sz="2800" spc="-1" strike="noStrike">
+                <a:solidFill>
+                  <a:srgbClr val="000000"/>
+                </a:solidFill>
+                <a:latin typeface="Aptos"/>
+              </a:rPr>
+              <a:t>točno nekom trenutku)</a:t>
+            </a:r>
+            <a:endParaRPr b="0" lang="hr-HR" sz="2800" spc="-1" strike="noStrike">
+              <a:latin typeface="Arial"/>
             </a:endParaRPr>
           </a:p>
           <a:p>
@@ -7240,13 +6496,28 @@
                 </a:solidFill>
                 <a:latin typeface="Aptos"/>
               </a:rPr>
-              <a:t>Najčešće koristi podatke s društvenih mreža -&gt; javno mišljenje o nekoj temi</a:t>
-            </a:r>
-            <a:endParaRPr b="0" lang="sr-Latn-RS" sz="2800" spc="-1" strike="noStrike">
-              <a:solidFill>
-                <a:srgbClr val="000000"/>
-              </a:solidFill>
-              <a:latin typeface="Aptos"/>
+              <a:t>Najčešće koristi podatke s </a:t>
+            </a:r>
+            <a:r>
+              <a:rPr b="0" lang="hr-HR" sz="2800" spc="-1" strike="noStrike">
+                <a:solidFill>
+                  <a:srgbClr val="000000"/>
+                </a:solidFill>
+                <a:latin typeface="Aptos"/>
+              </a:rPr>
+              <a:t>društvenih mreža -&gt; javno </a:t>
+            </a:r>
+            <a:r>
+              <a:rPr b="0" lang="hr-HR" sz="2800" spc="-1" strike="noStrike">
+                <a:solidFill>
+                  <a:srgbClr val="000000"/>
+                </a:solidFill>
+                <a:latin typeface="Aptos"/>
+              </a:rPr>
+              <a:t>mišljenje o nekoj temi</a:t>
+            </a:r>
+            <a:endParaRPr b="0" lang="hr-HR" sz="2800" spc="-1" strike="noStrike">
+              <a:latin typeface="Arial"/>
             </a:endParaRPr>
           </a:p>
           <a:p>
@@ -7270,13 +6541,28 @@
                 </a:solidFill>
                 <a:latin typeface="Aptos"/>
               </a:rPr>
-              <a:t>Marketing, političke analize, istraživanje korisničkog iskustva i sl.</a:t>
-            </a:r>
-            <a:endParaRPr b="0" lang="sr-Latn-RS" sz="2800" spc="-1" strike="noStrike">
-              <a:solidFill>
-                <a:srgbClr val="000000"/>
-              </a:solidFill>
-              <a:latin typeface="Aptos"/>
+              <a:t>Marketing, političke analize, </a:t>
+            </a:r>
+            <a:r>
+              <a:rPr b="0" lang="hr-HR" sz="2800" spc="-1" strike="noStrike">
+                <a:solidFill>
+                  <a:srgbClr val="000000"/>
+                </a:solidFill>
+                <a:latin typeface="Aptos"/>
+              </a:rPr>
+              <a:t>istraživanje korisničkog </a:t>
+            </a:r>
+            <a:r>
+              <a:rPr b="0" lang="hr-HR" sz="2800" spc="-1" strike="noStrike">
+                <a:solidFill>
+                  <a:srgbClr val="000000"/>
+                </a:solidFill>
+                <a:latin typeface="Aptos"/>
+              </a:rPr>
+              <a:t>iskustva i sl.</a:t>
+            </a:r>
+            <a:endParaRPr b="0" lang="hr-HR" sz="2800" spc="-1" strike="noStrike">
+              <a:latin typeface="Arial"/>
             </a:endParaRPr>
           </a:p>
         </p:txBody>
@@ -7324,18 +6610,18 @@
         <p:spPr>
           <a:xfrm>
             <a:off x="838080" y="365040"/>
-            <a:ext cx="10515240" cy="1325160"/>
-          </a:xfrm>
-          <a:prstGeom prst="rect">
-            <a:avLst/>
-          </a:prstGeom>
-          <a:noFill/>
-          <a:ln w="0">
-            <a:noFill/>
-          </a:ln>
-        </p:spPr>
-        <p:txBody>
-          <a:bodyPr anchor="ctr">
+            <a:ext cx="10514880" cy="1324800"/>
+          </a:xfrm>
+          <a:prstGeom prst="rect">
+            <a:avLst/>
+          </a:prstGeom>
+          <a:noFill/>
+          <a:ln w="0">
+            <a:noFill/>
+          </a:ln>
+        </p:spPr>
+        <p:txBody>
+          <a:bodyPr lIns="90000" rIns="90000" tIns="45000" bIns="45000" anchor="ctr">
             <a:noAutofit/>
           </a:bodyPr>
           <a:p>
@@ -7354,11 +6640,8 @@
               </a:rPr>
               <a:t>Skup podataka - detalji</a:t>
             </a:r>
-            <a:endParaRPr b="0" lang="sr-Latn-RS" sz="4400" spc="-1" strike="noStrike">
-              <a:solidFill>
-                <a:srgbClr val="000000"/>
-              </a:solidFill>
-              <a:latin typeface="Aptos"/>
+            <a:endParaRPr b="0" lang="hr-HR" sz="4400" spc="-1" strike="noStrike">
+              <a:latin typeface="Arial"/>
             </a:endParaRPr>
           </a:p>
         </p:txBody>
@@ -7376,18 +6659,18 @@
         <p:spPr>
           <a:xfrm>
             <a:off x="838080" y="1825560"/>
-            <a:ext cx="10515240" cy="4350960"/>
-          </a:xfrm>
-          <a:prstGeom prst="rect">
-            <a:avLst/>
-          </a:prstGeom>
-          <a:noFill/>
-          <a:ln w="0">
-            <a:noFill/>
-          </a:ln>
-        </p:spPr>
-        <p:txBody>
-          <a:bodyPr anchor="t">
+            <a:ext cx="10514880" cy="4350600"/>
+          </a:xfrm>
+          <a:prstGeom prst="rect">
+            <a:avLst/>
+          </a:prstGeom>
+          <a:noFill/>
+          <a:ln w="0">
+            <a:noFill/>
+          </a:ln>
+        </p:spPr>
+        <p:txBody>
+          <a:bodyPr lIns="90000" rIns="90000" tIns="45000" bIns="45000" anchor="t">
             <a:normAutofit/>
           </a:bodyPr>
           <a:p>
@@ -7411,13 +6694,28 @@
                 </a:solidFill>
                 <a:latin typeface="Aptos"/>
               </a:rPr>
-              <a:t>Recenzije knjiga: https://www.najboljeknjige.com/recenzije</a:t>
-            </a:r>
-            <a:endParaRPr b="0" lang="sr-Latn-RS" sz="2800" spc="-1" strike="noStrike">
-              <a:solidFill>
-                <a:srgbClr val="000000"/>
-              </a:solidFill>
-              <a:latin typeface="Aptos"/>
+              <a:t>Recenzije knjiga: </a:t>
+            </a:r>
+            <a:r>
+              <a:rPr b="0" lang="hr-HR" sz="2800" spc="-1" strike="noStrike">
+                <a:solidFill>
+                  <a:srgbClr val="000000"/>
+                </a:solidFill>
+                <a:latin typeface="Aptos"/>
+              </a:rPr>
+              <a:t>https://www.najboljeknjige.com</a:t>
+            </a:r>
+            <a:r>
+              <a:rPr b="0" lang="hr-HR" sz="2800" spc="-1" strike="noStrike">
+                <a:solidFill>
+                  <a:srgbClr val="000000"/>
+                </a:solidFill>
+                <a:latin typeface="Aptos"/>
+              </a:rPr>
+              <a:t>/recenzije</a:t>
+            </a:r>
+            <a:endParaRPr b="0" lang="hr-HR" sz="2800" spc="-1" strike="noStrike">
+              <a:latin typeface="Arial"/>
             </a:endParaRPr>
           </a:p>
           <a:p>
@@ -7443,11 +6741,8 @@
               </a:rPr>
               <a:t>Prikupljanje podataka:</a:t>
             </a:r>
-            <a:endParaRPr b="0" lang="sr-Latn-RS" sz="2800" spc="-1" strike="noStrike">
-              <a:solidFill>
-                <a:srgbClr val="000000"/>
-              </a:solidFill>
-              <a:latin typeface="Aptos"/>
+            <a:endParaRPr b="0" lang="hr-HR" sz="2800" spc="-1" strike="noStrike">
+              <a:latin typeface="Arial"/>
             </a:endParaRPr>
           </a:p>
           <a:p>
@@ -7473,11 +6768,8 @@
               </a:rPr>
               <a:t>Beautiful Soup (bs4)</a:t>
             </a:r>
-            <a:endParaRPr b="0" lang="sr-Latn-RS" sz="2400" spc="-1" strike="noStrike">
-              <a:solidFill>
-                <a:srgbClr val="000000"/>
-              </a:solidFill>
-              <a:latin typeface="Aptos"/>
+            <a:endParaRPr b="0" lang="hr-HR" sz="2400" spc="-1" strike="noStrike">
+              <a:latin typeface="Arial"/>
             </a:endParaRPr>
           </a:p>
           <a:p>
@@ -7503,11 +6795,8 @@
               </a:rPr>
               <a:t>uklanjanje html oznaka</a:t>
             </a:r>
-            <a:endParaRPr b="0" lang="sr-Latn-RS" sz="2400" spc="-1" strike="noStrike">
-              <a:solidFill>
-                <a:srgbClr val="000000"/>
-              </a:solidFill>
-              <a:latin typeface="Aptos"/>
+            <a:endParaRPr b="0" lang="hr-HR" sz="2400" spc="-1" strike="noStrike">
+              <a:latin typeface="Arial"/>
             </a:endParaRPr>
           </a:p>
           <a:p>
@@ -7533,11 +6822,8 @@
               </a:rPr>
               <a:t>Čišćenje podataka:</a:t>
             </a:r>
-            <a:endParaRPr b="0" lang="sr-Latn-RS" sz="2800" spc="-1" strike="noStrike">
-              <a:solidFill>
-                <a:srgbClr val="000000"/>
-              </a:solidFill>
-              <a:latin typeface="Aptos"/>
+            <a:endParaRPr b="0" lang="hr-HR" sz="2800" spc="-1" strike="noStrike">
+              <a:latin typeface="Arial"/>
             </a:endParaRPr>
           </a:p>
           <a:p>
@@ -7561,13 +6847,19 @@
                 </a:solidFill>
                 <a:latin typeface="Aptos"/>
               </a:rPr>
-              <a:t>Segmentacija na rečenice (., !, ?, dodatno)</a:t>
-            </a:r>
-            <a:endParaRPr b="0" lang="sr-Latn-RS" sz="2400" spc="-1" strike="noStrike">
-              <a:solidFill>
-                <a:srgbClr val="000000"/>
-              </a:solidFill>
-              <a:latin typeface="Aptos"/>
+              <a:t>Segmentacija na rečenice (., !, ?, </a:t>
+            </a:r>
+            <a:r>
+              <a:rPr b="0" lang="hr-HR" sz="2400" spc="-1" strike="noStrike">
+                <a:solidFill>
+                  <a:srgbClr val="000000"/>
+                </a:solidFill>
+                <a:latin typeface="Aptos"/>
+              </a:rPr>
+              <a:t>dodatno)</a:t>
+            </a:r>
+            <a:endParaRPr b="0" lang="hr-HR" sz="2400" spc="-1" strike="noStrike">
+              <a:latin typeface="Arial"/>
             </a:endParaRPr>
           </a:p>
           <a:p>
@@ -7593,11 +6885,8 @@
               </a:rPr>
               <a:t>Ručna provjera</a:t>
             </a:r>
-            <a:endParaRPr b="0" lang="sr-Latn-RS" sz="2400" spc="-1" strike="noStrike">
-              <a:solidFill>
-                <a:srgbClr val="000000"/>
-              </a:solidFill>
-              <a:latin typeface="Aptos"/>
+            <a:endParaRPr b="0" lang="hr-HR" sz="2400" spc="-1" strike="noStrike">
+              <a:latin typeface="Arial"/>
             </a:endParaRPr>
           </a:p>
           <a:p>
@@ -7610,11 +6899,8 @@
               </a:spcBef>
               <a:buNone/>
             </a:pPr>
-            <a:endParaRPr b="0" lang="sr-Latn-RS" sz="2800" spc="-1" strike="noStrike">
-              <a:solidFill>
-                <a:srgbClr val="000000"/>
-              </a:solidFill>
-              <a:latin typeface="Aptos"/>
+            <a:endParaRPr b="0" lang="hr-HR" sz="2800" spc="-1" strike="noStrike">
+              <a:latin typeface="Arial"/>
             </a:endParaRPr>
           </a:p>
         </p:txBody>
@@ -7662,18 +6948,18 @@
         <p:spPr>
           <a:xfrm>
             <a:off x="838080" y="365040"/>
-            <a:ext cx="10515240" cy="1325160"/>
-          </a:xfrm>
-          <a:prstGeom prst="rect">
-            <a:avLst/>
-          </a:prstGeom>
-          <a:noFill/>
-          <a:ln w="0">
-            <a:noFill/>
-          </a:ln>
-        </p:spPr>
-        <p:txBody>
-          <a:bodyPr anchor="ctr">
+            <a:ext cx="10514880" cy="1324800"/>
+          </a:xfrm>
+          <a:prstGeom prst="rect">
+            <a:avLst/>
+          </a:prstGeom>
+          <a:noFill/>
+          <a:ln w="0">
+            <a:noFill/>
+          </a:ln>
+        </p:spPr>
+        <p:txBody>
+          <a:bodyPr lIns="90000" rIns="90000" tIns="45000" bIns="45000" anchor="ctr">
             <a:noAutofit/>
           </a:bodyPr>
           <a:p>
@@ -7692,11 +6978,8 @@
               </a:rPr>
               <a:t>Skup podataka - anotacije</a:t>
             </a:r>
-            <a:endParaRPr b="0" lang="sr-Latn-RS" sz="4400" spc="-1" strike="noStrike">
-              <a:solidFill>
-                <a:srgbClr val="000000"/>
-              </a:solidFill>
-              <a:latin typeface="Aptos"/>
+            <a:endParaRPr b="0" lang="hr-HR" sz="4400" spc="-1" strike="noStrike">
+              <a:latin typeface="Arial"/>
             </a:endParaRPr>
           </a:p>
         </p:txBody>
@@ -7714,18 +6997,18 @@
         <p:spPr>
           <a:xfrm>
             <a:off x="838080" y="1825560"/>
-            <a:ext cx="10515240" cy="4350960"/>
-          </a:xfrm>
-          <a:prstGeom prst="rect">
-            <a:avLst/>
-          </a:prstGeom>
-          <a:noFill/>
-          <a:ln w="0">
-            <a:noFill/>
-          </a:ln>
-        </p:spPr>
-        <p:txBody>
-          <a:bodyPr anchor="t">
+            <a:ext cx="10514880" cy="4350600"/>
+          </a:xfrm>
+          <a:prstGeom prst="rect">
+            <a:avLst/>
+          </a:prstGeom>
+          <a:noFill/>
+          <a:ln w="0">
+            <a:noFill/>
+          </a:ln>
+        </p:spPr>
+        <p:txBody>
+          <a:bodyPr lIns="90000" rIns="90000" tIns="45000" bIns="45000" anchor="t">
             <a:noAutofit/>
           </a:bodyPr>
           <a:p>
@@ -7749,13 +7032,19 @@
                 </a:solidFill>
                 <a:latin typeface="Aptos"/>
               </a:rPr>
-              <a:t>4 anotatora u grupi, 1 programer</a:t>
-            </a:r>
-            <a:endParaRPr b="0" lang="sr-Latn-RS" sz="2800" spc="-1" strike="noStrike">
-              <a:solidFill>
-                <a:srgbClr val="000000"/>
-              </a:solidFill>
-              <a:latin typeface="Aptos"/>
+              <a:t>4 anotatora u grupi, 1 </a:t>
+            </a:r>
+            <a:r>
+              <a:rPr b="0" lang="hr-HR" sz="2800" spc="-1" strike="noStrike">
+                <a:solidFill>
+                  <a:srgbClr val="000000"/>
+                </a:solidFill>
+                <a:latin typeface="Aptos"/>
+              </a:rPr>
+              <a:t>programer</a:t>
+            </a:r>
+            <a:endParaRPr b="0" lang="hr-HR" sz="2800" spc="-1" strike="noStrike">
+              <a:latin typeface="Arial"/>
             </a:endParaRPr>
           </a:p>
           <a:p>
@@ -7779,13 +7068,19 @@
                 </a:solidFill>
                 <a:latin typeface="Aptos"/>
               </a:rPr>
-              <a:t>Svaki anotira 2250 rečenica -&gt; 3000 rečenica</a:t>
-            </a:r>
-            <a:endParaRPr b="0" lang="sr-Latn-RS" sz="2800" spc="-1" strike="noStrike">
-              <a:solidFill>
-                <a:srgbClr val="000000"/>
-              </a:solidFill>
-              <a:latin typeface="Aptos"/>
+              <a:t>Svaki anotira 2250 rečenica </a:t>
+            </a:r>
+            <a:r>
+              <a:rPr b="0" lang="hr-HR" sz="2800" spc="-1" strike="noStrike">
+                <a:solidFill>
+                  <a:srgbClr val="000000"/>
+                </a:solidFill>
+                <a:latin typeface="Aptos"/>
+              </a:rPr>
+              <a:t>-&gt; 3000 rečenica</a:t>
+            </a:r>
+            <a:endParaRPr b="0" lang="hr-HR" sz="2800" spc="-1" strike="noStrike">
+              <a:latin typeface="Arial"/>
             </a:endParaRPr>
           </a:p>
           <a:p>
@@ -7811,11 +7106,8 @@
               </a:rPr>
               <a:t>1-2250,</a:t>
             </a:r>
-            <a:endParaRPr b="0" lang="sr-Latn-RS" sz="2400" spc="-1" strike="noStrike">
-              <a:solidFill>
-                <a:srgbClr val="000000"/>
-              </a:solidFill>
-              <a:latin typeface="Aptos"/>
+            <a:endParaRPr b="0" lang="hr-HR" sz="2400" spc="-1" strike="noStrike">
+              <a:latin typeface="Arial"/>
             </a:endParaRPr>
           </a:p>
           <a:p>
@@ -7838,14 +7130,21 @@
                   <a:srgbClr val="000000"/>
                 </a:solidFill>
                 <a:latin typeface="Aptos"/>
-              </a:rPr>
-              <a:t>1-1500/2251-3000,</a:t>
-            </a:r>
-            <a:endParaRPr b="0" lang="sr-Latn-RS" sz="2400" spc="-1" strike="noStrike">
-              <a:solidFill>
-                <a:srgbClr val="000000"/>
-              </a:solidFill>
-              <a:latin typeface="Aptos"/>
+                <a:ea typeface="Noto Sans CJK SC"/>
+              </a:rPr>
+              <a:t>1-</a:t>
+            </a:r>
+            <a:r>
+              <a:rPr b="0" lang="hr-HR" sz="2400" spc="-1" strike="noStrike">
+                <a:solidFill>
+                  <a:srgbClr val="000000"/>
+                </a:solidFill>
+                <a:latin typeface="Aptos"/>
+              </a:rPr>
+              <a:t>750/1501-3000,</a:t>
+            </a:r>
+            <a:endParaRPr b="0" lang="hr-HR" sz="2400" spc="-1" strike="noStrike">
+              <a:latin typeface="Arial"/>
             </a:endParaRPr>
           </a:p>
           <a:p>
@@ -7868,14 +7167,21 @@
                   <a:srgbClr val="000000"/>
                 </a:solidFill>
                 <a:latin typeface="Aptos"/>
-              </a:rPr>
-              <a:t>1-750/1501-3000,</a:t>
-            </a:r>
-            <a:endParaRPr b="0" lang="sr-Latn-RS" sz="2400" spc="-1" strike="noStrike">
-              <a:solidFill>
-                <a:srgbClr val="000000"/>
-              </a:solidFill>
-              <a:latin typeface="Aptos"/>
+                <a:ea typeface="Noto Sans CJK SC"/>
+              </a:rPr>
+              <a:t>1-</a:t>
+            </a:r>
+            <a:r>
+              <a:rPr b="0" lang="hr-HR" sz="2400" spc="-1" strike="noStrike">
+                <a:solidFill>
+                  <a:srgbClr val="000000"/>
+                </a:solidFill>
+                <a:latin typeface="Aptos"/>
+              </a:rPr>
+              <a:t>1500/2251-3000,</a:t>
+            </a:r>
+            <a:endParaRPr b="0" lang="hr-HR" sz="2400" spc="-1" strike="noStrike">
+              <a:latin typeface="Arial"/>
             </a:endParaRPr>
           </a:p>
           <a:p>
@@ -7901,11 +7207,8 @@
               </a:rPr>
               <a:t>751-3000</a:t>
             </a:r>
-            <a:endParaRPr b="0" lang="sr-Latn-RS" sz="2400" spc="-1" strike="noStrike">
-              <a:solidFill>
-                <a:srgbClr val="000000"/>
-              </a:solidFill>
-              <a:latin typeface="Aptos"/>
+            <a:endParaRPr b="0" lang="hr-HR" sz="2400" spc="-1" strike="noStrike">
+              <a:latin typeface="Arial"/>
             </a:endParaRPr>
           </a:p>
           <a:p>
@@ -7929,13 +7232,37 @@
                 </a:solidFill>
                 <a:latin typeface="Aptos"/>
               </a:rPr>
-              <a:t>Cohen’s kappa – stat. mjera za procjenu konzistentnosti između više anotatora</a:t>
-            </a:r>
-            <a:endParaRPr b="0" lang="sr-Latn-RS" sz="2800" spc="-1" strike="noStrike">
-              <a:solidFill>
-                <a:srgbClr val="000000"/>
-              </a:solidFill>
-              <a:latin typeface="Aptos"/>
+              <a:t>Cohen’s kappa – stat. </a:t>
+            </a:r>
+            <a:r>
+              <a:rPr b="0" lang="hr-HR" sz="2800" spc="-1" strike="noStrike">
+                <a:solidFill>
+                  <a:srgbClr val="000000"/>
+                </a:solidFill>
+                <a:latin typeface="Aptos"/>
+              </a:rPr>
+              <a:t>mjera za procjenu </a:t>
+            </a:r>
+            <a:r>
+              <a:rPr b="0" lang="hr-HR" sz="2800" spc="-1" strike="noStrike">
+                <a:solidFill>
+                  <a:srgbClr val="000000"/>
+                </a:solidFill>
+                <a:latin typeface="Aptos"/>
+              </a:rPr>
+              <a:t>konzistentnosti između više </a:t>
+            </a:r>
+            <a:r>
+              <a:rPr b="0" lang="hr-HR" sz="2800" spc="-1" strike="noStrike">
+                <a:solidFill>
+                  <a:srgbClr val="000000"/>
+                </a:solidFill>
+                <a:latin typeface="Aptos"/>
+              </a:rPr>
+              <a:t>anotatora</a:t>
+            </a:r>
+            <a:endParaRPr b="0" lang="hr-HR" sz="2800" spc="-1" strike="noStrike">
+              <a:latin typeface="Arial"/>
             </a:endParaRPr>
           </a:p>
           <a:p>
@@ -7961,11 +7288,8 @@
               </a:rPr>
               <a:t>K=0.6089</a:t>
             </a:r>
-            <a:endParaRPr b="0" lang="sr-Latn-RS" sz="2400" spc="-1" strike="noStrike">
-              <a:solidFill>
-                <a:srgbClr val="000000"/>
-              </a:solidFill>
-              <a:latin typeface="Aptos"/>
+            <a:endParaRPr b="0" lang="hr-HR" sz="2400" spc="-1" strike="noStrike">
+              <a:latin typeface="Arial"/>
             </a:endParaRPr>
           </a:p>
         </p:txBody>
@@ -8013,18 +7337,18 @@
         <p:spPr>
           <a:xfrm>
             <a:off x="838080" y="365040"/>
-            <a:ext cx="10515240" cy="1325160"/>
-          </a:xfrm>
-          <a:prstGeom prst="rect">
-            <a:avLst/>
-          </a:prstGeom>
-          <a:noFill/>
-          <a:ln w="0">
-            <a:noFill/>
-          </a:ln>
-        </p:spPr>
-        <p:txBody>
-          <a:bodyPr anchor="ctr">
+            <a:ext cx="10514880" cy="1324800"/>
+          </a:xfrm>
+          <a:prstGeom prst="rect">
+            <a:avLst/>
+          </a:prstGeom>
+          <a:noFill/>
+          <a:ln w="0">
+            <a:noFill/>
+          </a:ln>
+        </p:spPr>
+        <p:txBody>
+          <a:bodyPr lIns="90000" rIns="90000" tIns="45000" bIns="45000" anchor="ctr">
             <a:noAutofit/>
           </a:bodyPr>
           <a:p>
@@ -8043,11 +7367,8 @@
               </a:rPr>
               <a:t>Set podataka - statistika</a:t>
             </a:r>
-            <a:endParaRPr b="0" lang="sr-Latn-RS" sz="4400" spc="-1" strike="noStrike">
-              <a:solidFill>
-                <a:srgbClr val="000000"/>
-              </a:solidFill>
-              <a:latin typeface="Aptos"/>
+            <a:endParaRPr b="0" lang="hr-HR" sz="4400" spc="-1" strike="noStrike">
+              <a:latin typeface="Arial"/>
             </a:endParaRPr>
           </a:p>
         </p:txBody>
@@ -8065,18 +7386,18 @@
         <p:spPr>
           <a:xfrm>
             <a:off x="838080" y="1825560"/>
-            <a:ext cx="10515240" cy="4350960"/>
-          </a:xfrm>
-          <a:prstGeom prst="rect">
-            <a:avLst/>
-          </a:prstGeom>
-          <a:noFill/>
-          <a:ln w="0">
-            <a:noFill/>
-          </a:ln>
-        </p:spPr>
-        <p:txBody>
-          <a:bodyPr anchor="t">
+            <a:ext cx="10514880" cy="4350600"/>
+          </a:xfrm>
+          <a:prstGeom prst="rect">
+            <a:avLst/>
+          </a:prstGeom>
+          <a:noFill/>
+          <a:ln w="0">
+            <a:noFill/>
+          </a:ln>
+        </p:spPr>
+        <p:txBody>
+          <a:bodyPr lIns="90000" rIns="90000" tIns="45000" bIns="45000" anchor="t">
             <a:noAutofit/>
           </a:bodyPr>
           <a:p>
@@ -8102,11 +7423,8 @@
               </a:rPr>
               <a:t>Broj rečenica, tokena</a:t>
             </a:r>
-            <a:endParaRPr b="0" lang="sr-Latn-RS" sz="2800" spc="-1" strike="noStrike">
-              <a:solidFill>
-                <a:srgbClr val="000000"/>
-              </a:solidFill>
-              <a:latin typeface="Aptos"/>
+            <a:endParaRPr b="0" lang="hr-HR" sz="2800" spc="-1" strike="noStrike">
+              <a:latin typeface="Arial"/>
             </a:endParaRPr>
           </a:p>
           <a:p>
@@ -8132,11 +7450,8 @@
               </a:rPr>
               <a:t>Izgled klasa u oznakama</a:t>
             </a:r>
-            <a:endParaRPr b="0" lang="sr-Latn-RS" sz="2800" spc="-1" strike="noStrike">
-              <a:solidFill>
-                <a:srgbClr val="000000"/>
-              </a:solidFill>
-              <a:latin typeface="Aptos"/>
+            <a:endParaRPr b="0" lang="hr-HR" sz="2800" spc="-1" strike="noStrike">
+              <a:latin typeface="Arial"/>
             </a:endParaRPr>
           </a:p>
           <a:p>
@@ -8162,11 +7477,8 @@
               </a:rPr>
               <a:t>Train test split</a:t>
             </a:r>
-            <a:endParaRPr b="0" lang="sr-Latn-RS" sz="2800" spc="-1" strike="noStrike">
-              <a:solidFill>
-                <a:srgbClr val="000000"/>
-              </a:solidFill>
-              <a:latin typeface="Aptos"/>
+            <a:endParaRPr b="0" lang="hr-HR" sz="2800" spc="-1" strike="noStrike">
+              <a:latin typeface="Arial"/>
             </a:endParaRPr>
           </a:p>
         </p:txBody>
@@ -8213,19 +7525,19 @@
         </p:nvSpPr>
         <p:spPr>
           <a:xfrm>
-            <a:off x="838080" y="365040"/>
-            <a:ext cx="10515240" cy="1325160"/>
-          </a:xfrm>
-          <a:prstGeom prst="rect">
-            <a:avLst/>
-          </a:prstGeom>
-          <a:noFill/>
-          <a:ln w="0">
-            <a:noFill/>
-          </a:ln>
-        </p:spPr>
-        <p:txBody>
-          <a:bodyPr anchor="ctr">
+            <a:off x="609480" y="273600"/>
+            <a:ext cx="10972440" cy="1144800"/>
+          </a:xfrm>
+          <a:prstGeom prst="rect">
+            <a:avLst/>
+          </a:prstGeom>
+          <a:noFill/>
+          <a:ln w="0">
+            <a:noFill/>
+          </a:ln>
+        </p:spPr>
+        <p:txBody>
+          <a:bodyPr lIns="90000" rIns="90000" tIns="45000" bIns="45000" anchor="ctr">
             <a:noAutofit/>
           </a:bodyPr>
           <a:p>
@@ -8244,11 +7556,8 @@
               </a:rPr>
               <a:t>Modeli - XGBoost</a:t>
             </a:r>
-            <a:endParaRPr b="0" lang="sr-Latn-RS" sz="4400" spc="-1" strike="noStrike">
-              <a:solidFill>
-                <a:srgbClr val="000000"/>
-              </a:solidFill>
-              <a:latin typeface="Aptos"/>
+            <a:endParaRPr b="0" lang="hr-HR" sz="4400" spc="-1" strike="noStrike">
+              <a:latin typeface="Arial"/>
             </a:endParaRPr>
           </a:p>
         </p:txBody>
@@ -8265,49 +7574,234 @@
         </p:nvSpPr>
         <p:spPr>
           <a:xfrm>
-            <a:off x="838080" y="1825560"/>
-            <a:ext cx="10515240" cy="4350960"/>
-          </a:xfrm>
-          <a:prstGeom prst="rect">
-            <a:avLst/>
-          </a:prstGeom>
-          <a:noFill/>
-          <a:ln w="0">
-            <a:noFill/>
-          </a:ln>
-        </p:spPr>
-        <p:txBody>
-          <a:bodyPr anchor="t">
-            <a:noAutofit/>
-          </a:bodyPr>
-          <a:p>
-            <a:pPr marL="228600" indent="-228600">
-              <a:lnSpc>
-                <a:spcPct val="90000"/>
-              </a:lnSpc>
+            <a:off x="609480" y="1604520"/>
+            <a:ext cx="5354280" cy="3977280"/>
+          </a:xfrm>
+          <a:prstGeom prst="rect">
+            <a:avLst/>
+          </a:prstGeom>
+          <a:noFill/>
+          <a:ln w="0">
+            <a:noFill/>
+          </a:ln>
+        </p:spPr>
+        <p:txBody>
+          <a:bodyPr lIns="0" rIns="0" tIns="0" bIns="0" anchor="t">
+            <a:normAutofit fontScale="93000"/>
+          </a:bodyPr>
+          <a:p>
+            <a:pPr marL="432000" indent="-324000">
               <a:spcBef>
-                <a:spcPts val="1001"/>
+                <a:spcPts val="1417"/>
               </a:spcBef>
               <a:buClr>
                 <a:srgbClr val="000000"/>
               </a:buClr>
-              <a:buFont typeface="Arial"/>
-              <a:buChar char="•"/>
-            </a:pPr>
-            <a:r>
-              <a:rPr b="0" lang="hr-HR" sz="2800" spc="-1" strike="noStrike">
-                <a:solidFill>
-                  <a:srgbClr val="000000"/>
-                </a:solidFill>
-                <a:latin typeface="Aptos"/>
-              </a:rPr>
-              <a:t>Kako je uključen i rezultati</a:t>
-            </a:r>
-            <a:endParaRPr b="0" lang="sr-Latn-RS" sz="2800" spc="-1" strike="noStrike">
-              <a:solidFill>
+              <a:buSzPct val="45000"/>
+              <a:buFont typeface="Wingdings" charset="2"/>
+              <a:buChar char=""/>
+            </a:pPr>
+            <a:r>
+              <a:rPr b="0" lang="hr-HR" sz="3200" spc="-1" strike="noStrike">
+                <a:latin typeface="Arial"/>
+              </a:rPr>
+              <a:t>pip install xgboost</a:t>
+            </a:r>
+            <a:endParaRPr b="0" lang="hr-HR" sz="3200" spc="-1" strike="noStrike">
+              <a:latin typeface="Arial"/>
+            </a:endParaRPr>
+          </a:p>
+          <a:p>
+            <a:pPr marL="432000" indent="-324000">
+              <a:spcBef>
+                <a:spcPts val="1417"/>
+              </a:spcBef>
+              <a:buClr>
                 <a:srgbClr val="000000"/>
-              </a:solidFill>
-              <a:latin typeface="Aptos"/>
+              </a:buClr>
+              <a:buSzPct val="45000"/>
+              <a:buFont typeface="Wingdings" charset="2"/>
+              <a:buChar char=""/>
+            </a:pPr>
+            <a:r>
+              <a:rPr b="0" lang="hr-HR" sz="3200" spc="-1" strike="noStrike">
+                <a:latin typeface="Arial"/>
+              </a:rPr>
+              <a:t>import xgboost as xgb</a:t>
+            </a:r>
+            <a:endParaRPr b="0" lang="hr-HR" sz="3200" spc="-1" strike="noStrike">
+              <a:latin typeface="Arial"/>
+            </a:endParaRPr>
+          </a:p>
+          <a:p>
+            <a:pPr marL="432000" indent="-324000">
+              <a:spcBef>
+                <a:spcPts val="1417"/>
+              </a:spcBef>
+              <a:buClr>
+                <a:srgbClr val="000000"/>
+              </a:buClr>
+              <a:buSzPct val="45000"/>
+              <a:buFont typeface="Wingdings" charset="2"/>
+              <a:buChar char=""/>
+            </a:pPr>
+            <a:r>
+              <a:rPr b="0" lang="hr-HR" sz="3200" spc="-1" strike="noStrike">
+                <a:latin typeface="Arial"/>
+              </a:rPr>
+              <a:t>model=xgb.XGBClassifier()</a:t>
+            </a:r>
+            <a:endParaRPr b="0" lang="hr-HR" sz="3200" spc="-1" strike="noStrike">
+              <a:latin typeface="Arial"/>
+            </a:endParaRPr>
+          </a:p>
+          <a:p>
+            <a:pPr marL="432000" indent="-324000">
+              <a:spcBef>
+                <a:spcPts val="1417"/>
+              </a:spcBef>
+              <a:buClr>
+                <a:srgbClr val="000000"/>
+              </a:buClr>
+              <a:buSzPct val="45000"/>
+              <a:buFont typeface="Wingdings" charset="2"/>
+              <a:buChar char=""/>
+            </a:pPr>
+            <a:endParaRPr b="0" lang="hr-HR" sz="3200" spc="-1" strike="noStrike">
+              <a:latin typeface="Arial"/>
+            </a:endParaRPr>
+          </a:p>
+          <a:p>
+            <a:pPr marL="432000" indent="-324000">
+              <a:spcBef>
+                <a:spcPts val="1417"/>
+              </a:spcBef>
+              <a:buClr>
+                <a:srgbClr val="000000"/>
+              </a:buClr>
+              <a:buSzPct val="45000"/>
+              <a:buFont typeface="Wingdings" charset="2"/>
+              <a:buChar char=""/>
+            </a:pPr>
+            <a:endParaRPr b="0" lang="hr-HR" sz="3200" spc="-1" strike="noStrike">
+              <a:latin typeface="Arial"/>
+            </a:endParaRPr>
+          </a:p>
+          <a:p>
+            <a:pPr marL="432000" indent="-324000">
+              <a:spcBef>
+                <a:spcPts val="1417"/>
+              </a:spcBef>
+              <a:buClr>
+                <a:srgbClr val="000000"/>
+              </a:buClr>
+              <a:buSzPct val="45000"/>
+              <a:buFont typeface="Wingdings" charset="2"/>
+              <a:buChar char=""/>
+            </a:pPr>
+            <a:r>
+              <a:rPr b="0" lang="hr-HR" sz="3200" spc="-1" strike="noStrike">
+                <a:latin typeface="Arial"/>
+              </a:rPr>
+              <a:t>model.fit(X_train, Y_train)</a:t>
+            </a:r>
+            <a:endParaRPr b="0" lang="hr-HR" sz="3200" spc="-1" strike="noStrike">
+              <a:latin typeface="Arial"/>
+            </a:endParaRPr>
+          </a:p>
+          <a:p>
+            <a:pPr marL="432000" indent="-324000">
+              <a:spcBef>
+                <a:spcPts val="1417"/>
+              </a:spcBef>
+              <a:buClr>
+                <a:srgbClr val="000000"/>
+              </a:buClr>
+              <a:buSzPct val="45000"/>
+              <a:buFont typeface="Wingdings" charset="2"/>
+              <a:buChar char=""/>
+            </a:pPr>
+            <a:r>
+              <a:rPr b="0" lang="hr-HR" sz="3200" spc="-1" strike="noStrike">
+                <a:latin typeface="Arial"/>
+              </a:rPr>
+              <a:t>pred=model.predict(X_test)</a:t>
+            </a:r>
+            <a:endParaRPr b="0" lang="hr-HR" sz="3200" spc="-1" strike="noStrike">
+              <a:latin typeface="Arial"/>
+            </a:endParaRPr>
+          </a:p>
+        </p:txBody>
+      </p:sp>
+      <p:sp>
+        <p:nvSpPr>
+          <p:cNvPr id="96" name="PlaceHolder 3"/>
+          <p:cNvSpPr>
+            <a:spLocks noGrp="1"/>
+          </p:cNvSpPr>
+          <p:nvPr>
+            <p:ph/>
+          </p:nvPr>
+        </p:nvSpPr>
+        <p:spPr>
+          <a:xfrm>
+            <a:off x="6231960" y="1604520"/>
+            <a:ext cx="5354280" cy="3977280"/>
+          </a:xfrm>
+          <a:prstGeom prst="rect">
+            <a:avLst/>
+          </a:prstGeom>
+          <a:noFill/>
+          <a:ln w="0">
+            <a:noFill/>
+          </a:ln>
+        </p:spPr>
+        <p:txBody>
+          <a:bodyPr lIns="0" rIns="0" tIns="0" bIns="0" anchor="t">
+            <a:normAutofit/>
+          </a:bodyPr>
+          <a:p>
+            <a:pPr marL="432000" indent="-324000">
+              <a:spcBef>
+                <a:spcPts val="1417"/>
+              </a:spcBef>
+              <a:buClr>
+                <a:srgbClr val="000000"/>
+              </a:buClr>
+              <a:buSzPct val="45000"/>
+              <a:buFont typeface="Wingdings" charset="2"/>
+              <a:buChar char=""/>
+            </a:pPr>
+            <a:r>
+              <a:rPr b="0" lang="hr-HR" sz="3200" spc="-1" strike="noStrike">
+                <a:latin typeface="Arial"/>
+              </a:rPr>
+              <a:t>Točnost: 85,86 %</a:t>
+            </a:r>
+            <a:endParaRPr b="0" lang="hr-HR" sz="3200" spc="-1" strike="noStrike">
+              <a:latin typeface="Arial"/>
+            </a:endParaRPr>
+          </a:p>
+          <a:p>
+            <a:pPr marL="432000" indent="-324000">
+              <a:spcBef>
+                <a:spcPts val="1417"/>
+              </a:spcBef>
+              <a:buClr>
+                <a:srgbClr val="000000"/>
+              </a:buClr>
+              <a:buSzPct val="45000"/>
+              <a:buFont typeface="Wingdings" charset="2"/>
+              <a:buChar char=""/>
+            </a:pPr>
+            <a:r>
+              <a:rPr b="0" lang="hr-HR" sz="3200" spc="-1" strike="noStrike">
+                <a:latin typeface="Arial"/>
+              </a:rPr>
+              <a:t>F1: 41,02 %</a:t>
+            </a:r>
+            <a:endParaRPr b="0" lang="hr-HR" sz="3200" spc="-1" strike="noStrike">
+              <a:latin typeface="Arial"/>
             </a:endParaRPr>
           </a:p>
         </p:txBody>
@@ -8344,7 +7838,7 @@
       </p:grpSpPr>
       <p:sp>
         <p:nvSpPr>
-          <p:cNvPr id="96" name="PlaceHolder 1"/>
+          <p:cNvPr id="97" name="PlaceHolder 1"/>
           <p:cNvSpPr>
             <a:spLocks noGrp="1"/>
           </p:cNvSpPr>
@@ -8354,19 +7848,19 @@
         </p:nvSpPr>
         <p:spPr>
           <a:xfrm>
-            <a:off x="838080" y="365040"/>
-            <a:ext cx="10515240" cy="1325160"/>
-          </a:xfrm>
-          <a:prstGeom prst="rect">
-            <a:avLst/>
-          </a:prstGeom>
-          <a:noFill/>
-          <a:ln w="0">
-            <a:noFill/>
-          </a:ln>
-        </p:spPr>
-        <p:txBody>
-          <a:bodyPr anchor="ctr">
+            <a:off x="609480" y="273600"/>
+            <a:ext cx="10972440" cy="1144800"/>
+          </a:xfrm>
+          <a:prstGeom prst="rect">
+            <a:avLst/>
+          </a:prstGeom>
+          <a:noFill/>
+          <a:ln w="0">
+            <a:noFill/>
+          </a:ln>
+        </p:spPr>
+        <p:txBody>
+          <a:bodyPr lIns="90000" rIns="90000" tIns="45000" bIns="45000" anchor="ctr">
             <a:noAutofit/>
           </a:bodyPr>
           <a:p>
@@ -8385,18 +7879,15 @@
               </a:rPr>
               <a:t>Modeli - SVM</a:t>
             </a:r>
-            <a:endParaRPr b="0" lang="sr-Latn-RS" sz="4400" spc="-1" strike="noStrike">
-              <a:solidFill>
-                <a:srgbClr val="000000"/>
-              </a:solidFill>
-              <a:latin typeface="Aptos"/>
-            </a:endParaRPr>
-          </a:p>
-        </p:txBody>
-      </p:sp>
-      <p:sp>
-        <p:nvSpPr>
-          <p:cNvPr id="97" name="PlaceHolder 2"/>
+            <a:endParaRPr b="0" lang="hr-HR" sz="4400" spc="-1" strike="noStrike">
+              <a:latin typeface="Arial"/>
+            </a:endParaRPr>
+          </a:p>
+        </p:txBody>
+      </p:sp>
+      <p:sp>
+        <p:nvSpPr>
+          <p:cNvPr id="98" name="PlaceHolder 2"/>
           <p:cNvSpPr>
             <a:spLocks noGrp="1"/>
           </p:cNvSpPr>
@@ -8406,19 +7897,19 @@
         </p:nvSpPr>
         <p:spPr>
           <a:xfrm>
-            <a:off x="838080" y="1825560"/>
-            <a:ext cx="10515240" cy="4350960"/>
-          </a:xfrm>
-          <a:prstGeom prst="rect">
-            <a:avLst/>
-          </a:prstGeom>
-          <a:noFill/>
-          <a:ln w="0">
-            <a:noFill/>
-          </a:ln>
-        </p:spPr>
-        <p:txBody>
-          <a:bodyPr anchor="t">
+            <a:off x="609480" y="1604520"/>
+            <a:ext cx="5354280" cy="3977280"/>
+          </a:xfrm>
+          <a:prstGeom prst="rect">
+            <a:avLst/>
+          </a:prstGeom>
+          <a:noFill/>
+          <a:ln w="0">
+            <a:noFill/>
+          </a:ln>
+        </p:spPr>
+        <p:txBody>
+          <a:bodyPr lIns="90000" rIns="90000" tIns="45000" bIns="45000" anchor="t">
             <a:noAutofit/>
           </a:bodyPr>
           <a:p>
@@ -8442,13 +7933,10 @@
                 </a:solidFill>
                 <a:latin typeface="Aptos"/>
               </a:rPr>
-              <a:t>Kako je uključen i koji su rezultati</a:t>
-            </a:r>
-            <a:endParaRPr b="0" lang="sr-Latn-RS" sz="2800" spc="-1" strike="noStrike">
-              <a:solidFill>
-                <a:srgbClr val="000000"/>
-              </a:solidFill>
-              <a:latin typeface="Aptos"/>
+              <a:t>from sklearn import svm</a:t>
+            </a:r>
+            <a:endParaRPr b="0" lang="hr-HR" sz="2800" spc="-1" strike="noStrike">
+              <a:latin typeface="Arial"/>
             </a:endParaRPr>
           </a:p>
           <a:p>
@@ -8472,13 +7960,209 @@
                 </a:solidFill>
                 <a:latin typeface="Aptos"/>
               </a:rPr>
-              <a:t>Koji hiperparametri su korišteni, a koji su isprobani</a:t>
-            </a:r>
-            <a:endParaRPr b="0" lang="sr-Latn-RS" sz="2800" spc="-1" strike="noStrike">
-              <a:solidFill>
+              <a:t>model=svm.SVC(kernel=”sigmoid”, C=4)</a:t>
+            </a:r>
+            <a:endParaRPr b="0" lang="hr-HR" sz="2800" spc="-1" strike="noStrike">
+              <a:latin typeface="Arial"/>
+            </a:endParaRPr>
+          </a:p>
+          <a:p>
+            <a:pPr marL="228600" indent="-228600">
+              <a:lnSpc>
+                <a:spcPct val="90000"/>
+              </a:lnSpc>
+              <a:spcBef>
+                <a:spcPts val="1001"/>
+              </a:spcBef>
+              <a:buClr>
                 <a:srgbClr val="000000"/>
-              </a:solidFill>
-              <a:latin typeface="Aptos"/>
+              </a:buClr>
+              <a:buFont typeface="Arial"/>
+              <a:buChar char="•"/>
+            </a:pPr>
+            <a:r>
+              <a:rPr b="0" lang="hr-HR" sz="2800" spc="-1" strike="noStrike">
+                <a:solidFill>
+                  <a:srgbClr val="000000"/>
+                </a:solidFill>
+                <a:latin typeface="Aptos"/>
+              </a:rPr>
+              <a:t>„</a:t>
+            </a:r>
+            <a:r>
+              <a:rPr b="0" lang="hr-HR" sz="2800" spc="-1" strike="noStrike">
+                <a:solidFill>
+                  <a:srgbClr val="000000"/>
+                </a:solidFill>
+                <a:latin typeface="Aptos"/>
+              </a:rPr>
+              <a:t>linear”, „poly”, razni C</a:t>
+            </a:r>
+            <a:endParaRPr b="0" lang="hr-HR" sz="2800" spc="-1" strike="noStrike">
+              <a:latin typeface="Arial"/>
+            </a:endParaRPr>
+          </a:p>
+          <a:p>
+            <a:pPr marL="228600" indent="-228600">
+              <a:lnSpc>
+                <a:spcPct val="90000"/>
+              </a:lnSpc>
+              <a:spcBef>
+                <a:spcPts val="1001"/>
+              </a:spcBef>
+              <a:buClr>
+                <a:srgbClr val="000000"/>
+              </a:buClr>
+              <a:buFont typeface="Arial"/>
+              <a:buChar char="•"/>
+            </a:pPr>
+            <a:endParaRPr b="0" lang="hr-HR" sz="2800" spc="-1" strike="noStrike">
+              <a:latin typeface="Arial"/>
+            </a:endParaRPr>
+          </a:p>
+          <a:p>
+            <a:pPr marL="228600" indent="-228600">
+              <a:lnSpc>
+                <a:spcPct val="90000"/>
+              </a:lnSpc>
+              <a:spcBef>
+                <a:spcPts val="1001"/>
+              </a:spcBef>
+              <a:buClr>
+                <a:srgbClr val="000000"/>
+              </a:buClr>
+              <a:buFont typeface="Arial"/>
+              <a:buChar char="•"/>
+            </a:pPr>
+            <a:endParaRPr b="0" lang="hr-HR" sz="2800" spc="-1" strike="noStrike">
+              <a:latin typeface="Arial"/>
+            </a:endParaRPr>
+          </a:p>
+          <a:p>
+            <a:pPr marL="228600" indent="-228600">
+              <a:lnSpc>
+                <a:spcPct val="90000"/>
+              </a:lnSpc>
+              <a:spcBef>
+                <a:spcPts val="1001"/>
+              </a:spcBef>
+              <a:buClr>
+                <a:srgbClr val="000000"/>
+              </a:buClr>
+              <a:buFont typeface="Arial"/>
+              <a:buChar char="•"/>
+            </a:pPr>
+            <a:r>
+              <a:rPr b="0" lang="hr-HR" sz="2800" spc="-1" strike="noStrike">
+                <a:solidFill>
+                  <a:srgbClr val="000000"/>
+                </a:solidFill>
+                <a:latin typeface="Aptos"/>
+              </a:rPr>
+              <a:t>model.fit(X_train, Y_train)</a:t>
+            </a:r>
+            <a:endParaRPr b="0" lang="hr-HR" sz="2800" spc="-1" strike="noStrike">
+              <a:latin typeface="Arial"/>
+            </a:endParaRPr>
+          </a:p>
+          <a:p>
+            <a:pPr marL="228600" indent="-228600">
+              <a:lnSpc>
+                <a:spcPct val="90000"/>
+              </a:lnSpc>
+              <a:spcBef>
+                <a:spcPts val="1001"/>
+              </a:spcBef>
+              <a:buClr>
+                <a:srgbClr val="000000"/>
+              </a:buClr>
+              <a:buFont typeface="Arial"/>
+              <a:buChar char="•"/>
+            </a:pPr>
+            <a:r>
+              <a:rPr b="0" lang="hr-HR" sz="2800" spc="-1" strike="noStrike">
+                <a:solidFill>
+                  <a:srgbClr val="000000"/>
+                </a:solidFill>
+                <a:latin typeface="Aptos"/>
+              </a:rPr>
+              <a:t>pred=model.predict(X_test)</a:t>
+            </a:r>
+            <a:endParaRPr b="0" lang="hr-HR" sz="2800" spc="-1" strike="noStrike">
+              <a:latin typeface="Arial"/>
+            </a:endParaRPr>
+          </a:p>
+        </p:txBody>
+      </p:sp>
+      <p:sp>
+        <p:nvSpPr>
+          <p:cNvPr id="99" name="PlaceHolder 3"/>
+          <p:cNvSpPr>
+            <a:spLocks noGrp="1"/>
+          </p:cNvSpPr>
+          <p:nvPr>
+            <p:ph/>
+          </p:nvPr>
+        </p:nvSpPr>
+        <p:spPr>
+          <a:xfrm>
+            <a:off x="6231960" y="1604520"/>
+            <a:ext cx="5354280" cy="3977280"/>
+          </a:xfrm>
+          <a:prstGeom prst="rect">
+            <a:avLst/>
+          </a:prstGeom>
+          <a:noFill/>
+          <a:ln w="0">
+            <a:noFill/>
+          </a:ln>
+        </p:spPr>
+        <p:txBody>
+          <a:bodyPr lIns="0" rIns="0" tIns="0" bIns="0" anchor="t">
+            <a:normAutofit/>
+          </a:bodyPr>
+          <a:p>
+            <a:pPr marL="432000" indent="-324000">
+              <a:spcBef>
+                <a:spcPts val="1417"/>
+              </a:spcBef>
+              <a:buClr>
+                <a:srgbClr val="000000"/>
+              </a:buClr>
+              <a:buSzPct val="45000"/>
+              <a:buFont typeface="Wingdings" charset="2"/>
+              <a:buChar char=""/>
+            </a:pPr>
+            <a:r>
+              <a:rPr b="0" lang="hr-HR" sz="3200" spc="-1" strike="noStrike">
+                <a:latin typeface="Arial"/>
+              </a:rPr>
+              <a:t>Točnost: 86,18 %</a:t>
+            </a:r>
+            <a:endParaRPr b="0" lang="hr-HR" sz="3200" spc="-1" strike="noStrike">
+              <a:latin typeface="Arial"/>
+            </a:endParaRPr>
+          </a:p>
+          <a:p>
+            <a:pPr marL="432000" indent="-324000">
+              <a:spcBef>
+                <a:spcPts val="1417"/>
+              </a:spcBef>
+              <a:buClr>
+                <a:srgbClr val="000000"/>
+              </a:buClr>
+              <a:buSzPct val="45000"/>
+              <a:buFont typeface="Wingdings" charset="2"/>
+              <a:buChar char=""/>
+            </a:pPr>
+            <a:r>
+              <a:rPr b="0" lang="hr-HR" sz="3200" spc="-1" strike="noStrike">
+                <a:latin typeface="Arial"/>
+              </a:rPr>
+              <a:t>F1: 33,19 %</a:t>
+            </a:r>
+            <a:endParaRPr b="0" lang="hr-HR" sz="3200" spc="-1" strike="noStrike">
+              <a:latin typeface="Arial"/>
             </a:endParaRPr>
           </a:p>
         </p:txBody>
@@ -8515,7 +8199,7 @@
       </p:grpSpPr>
       <p:sp>
         <p:nvSpPr>
-          <p:cNvPr id="98" name="PlaceHolder 1"/>
+          <p:cNvPr id="100" name="PlaceHolder 1"/>
           <p:cNvSpPr>
             <a:spLocks noGrp="1"/>
           </p:cNvSpPr>
@@ -8525,19 +8209,19 @@
         </p:nvSpPr>
         <p:spPr>
           <a:xfrm>
-            <a:off x="838080" y="365040"/>
-            <a:ext cx="10515240" cy="1325160"/>
-          </a:xfrm>
-          <a:prstGeom prst="rect">
-            <a:avLst/>
-          </a:prstGeom>
-          <a:noFill/>
-          <a:ln w="0">
-            <a:noFill/>
-          </a:ln>
-        </p:spPr>
-        <p:txBody>
-          <a:bodyPr anchor="ctr">
+            <a:off x="609480" y="273600"/>
+            <a:ext cx="10972440" cy="1144800"/>
+          </a:xfrm>
+          <a:prstGeom prst="rect">
+            <a:avLst/>
+          </a:prstGeom>
+          <a:noFill/>
+          <a:ln w="0">
+            <a:noFill/>
+          </a:ln>
+        </p:spPr>
+        <p:txBody>
+          <a:bodyPr lIns="90000" rIns="90000" tIns="45000" bIns="45000" anchor="ctr">
             <a:noAutofit/>
           </a:bodyPr>
           <a:p>
@@ -8556,18 +8240,15 @@
               </a:rPr>
               <a:t>Modeli - KNN</a:t>
             </a:r>
-            <a:endParaRPr b="0" lang="sr-Latn-RS" sz="4400" spc="-1" strike="noStrike">
-              <a:solidFill>
-                <a:srgbClr val="000000"/>
-              </a:solidFill>
-              <a:latin typeface="Aptos"/>
-            </a:endParaRPr>
-          </a:p>
-        </p:txBody>
-      </p:sp>
-      <p:sp>
-        <p:nvSpPr>
-          <p:cNvPr id="99" name="PlaceHolder 2"/>
+            <a:endParaRPr b="0" lang="hr-HR" sz="4400" spc="-1" strike="noStrike">
+              <a:latin typeface="Arial"/>
+            </a:endParaRPr>
+          </a:p>
+        </p:txBody>
+      </p:sp>
+      <p:sp>
+        <p:nvSpPr>
+          <p:cNvPr id="101" name="PlaceHolder 2"/>
           <p:cNvSpPr>
             <a:spLocks noGrp="1"/>
           </p:cNvSpPr>
@@ -8577,19 +8258,19 @@
         </p:nvSpPr>
         <p:spPr>
           <a:xfrm>
-            <a:off x="838080" y="1825560"/>
-            <a:ext cx="10515240" cy="4350960"/>
-          </a:xfrm>
-          <a:prstGeom prst="rect">
-            <a:avLst/>
-          </a:prstGeom>
-          <a:noFill/>
-          <a:ln w="0">
-            <a:noFill/>
-          </a:ln>
-        </p:spPr>
-        <p:txBody>
-          <a:bodyPr anchor="t">
+            <a:off x="609480" y="1604520"/>
+            <a:ext cx="5354280" cy="3977280"/>
+          </a:xfrm>
+          <a:prstGeom prst="rect">
+            <a:avLst/>
+          </a:prstGeom>
+          <a:noFill/>
+          <a:ln w="0">
+            <a:noFill/>
+          </a:ln>
+        </p:spPr>
+        <p:txBody>
+          <a:bodyPr lIns="90000" rIns="90000" tIns="45000" bIns="45000" anchor="t">
             <a:noAutofit/>
           </a:bodyPr>
           <a:p>
@@ -8613,13 +8294,19 @@
                 </a:solidFill>
                 <a:latin typeface="Aptos"/>
               </a:rPr>
-              <a:t>Kako je uključen i koji su rezultati</a:t>
-            </a:r>
-            <a:endParaRPr b="0" lang="sr-Latn-RS" sz="2800" spc="-1" strike="noStrike">
-              <a:solidFill>
-                <a:srgbClr val="000000"/>
-              </a:solidFill>
-              <a:latin typeface="Aptos"/>
+              <a:t>from sklearn.neighbors </a:t>
+            </a:r>
+            <a:r>
+              <a:rPr b="0" lang="hr-HR" sz="2800" spc="-1" strike="noStrike">
+                <a:solidFill>
+                  <a:srgbClr val="000000"/>
+                </a:solidFill>
+                <a:latin typeface="Aptos"/>
+              </a:rPr>
+              <a:t>import KneighborsClassifier</a:t>
+            </a:r>
+            <a:endParaRPr b="0" lang="hr-HR" sz="2800" spc="-1" strike="noStrike">
+              <a:latin typeface="Arial"/>
             </a:endParaRPr>
           </a:p>
           <a:p>
@@ -8643,13 +8330,182 @@
                 </a:solidFill>
                 <a:latin typeface="Aptos"/>
               </a:rPr>
-              <a:t>Koji hiperparametri su korišteni, a koji su isprobani</a:t>
-            </a:r>
-            <a:endParaRPr b="0" lang="sr-Latn-RS" sz="2800" spc="-1" strike="noStrike">
-              <a:solidFill>
+              <a:t>model=KNeighborsClassifier</a:t>
+            </a:r>
+            <a:r>
+              <a:rPr b="0" lang="hr-HR" sz="2800" spc="-1" strike="noStrike">
+                <a:solidFill>
+                  <a:srgbClr val="000000"/>
+                </a:solidFill>
+                <a:latin typeface="Aptos"/>
+              </a:rPr>
+              <a:t>(n_neinghbors=4)</a:t>
+            </a:r>
+            <a:endParaRPr b="0" lang="hr-HR" sz="2800" spc="-1" strike="noStrike">
+              <a:latin typeface="Arial"/>
+            </a:endParaRPr>
+          </a:p>
+          <a:p>
+            <a:pPr marL="228600" indent="-228600">
+              <a:lnSpc>
+                <a:spcPct val="90000"/>
+              </a:lnSpc>
+              <a:spcBef>
+                <a:spcPts val="1001"/>
+              </a:spcBef>
+              <a:buClr>
                 <a:srgbClr val="000000"/>
-              </a:solidFill>
-              <a:latin typeface="Aptos"/>
+              </a:buClr>
+              <a:buFont typeface="Arial"/>
+              <a:buChar char="•"/>
+            </a:pPr>
+            <a:endParaRPr b="0" lang="hr-HR" sz="2800" spc="-1" strike="noStrike">
+              <a:latin typeface="Arial"/>
+            </a:endParaRPr>
+          </a:p>
+          <a:p>
+            <a:pPr marL="228600" indent="-228600">
+              <a:lnSpc>
+                <a:spcPct val="90000"/>
+              </a:lnSpc>
+              <a:spcBef>
+                <a:spcPts val="1001"/>
+              </a:spcBef>
+              <a:buClr>
+                <a:srgbClr val="000000"/>
+              </a:buClr>
+              <a:buFont typeface="Arial"/>
+              <a:buChar char="•"/>
+            </a:pPr>
+            <a:endParaRPr b="0" lang="hr-HR" sz="2800" spc="-1" strike="noStrike">
+              <a:latin typeface="Arial"/>
+            </a:endParaRPr>
+          </a:p>
+          <a:p>
+            <a:pPr marL="228600" indent="-228600">
+              <a:lnSpc>
+                <a:spcPct val="90000"/>
+              </a:lnSpc>
+              <a:spcBef>
+                <a:spcPts val="1001"/>
+              </a:spcBef>
+              <a:buClr>
+                <a:srgbClr val="000000"/>
+              </a:buClr>
+              <a:buFont typeface="Arial"/>
+              <a:buChar char="•"/>
+            </a:pPr>
+            <a:r>
+              <a:rPr b="0" lang="hr-HR" sz="2800" spc="-1" strike="noStrike">
+                <a:solidFill>
+                  <a:srgbClr val="000000"/>
+                </a:solidFill>
+                <a:latin typeface="Aptos"/>
+              </a:rPr>
+              <a:t>model.fit(X_train, Y_train)</a:t>
+            </a:r>
+            <a:endParaRPr b="0" lang="hr-HR" sz="2800" spc="-1" strike="noStrike">
+              <a:latin typeface="Arial"/>
+            </a:endParaRPr>
+          </a:p>
+          <a:p>
+            <a:pPr marL="228600" indent="-228600">
+              <a:lnSpc>
+                <a:spcPct val="90000"/>
+              </a:lnSpc>
+              <a:spcBef>
+                <a:spcPts val="1001"/>
+              </a:spcBef>
+              <a:buClr>
+                <a:srgbClr val="000000"/>
+              </a:buClr>
+              <a:buFont typeface="Arial"/>
+              <a:buChar char="•"/>
+            </a:pPr>
+            <a:r>
+              <a:rPr b="0" lang="hr-HR" sz="2800" spc="-1" strike="noStrike">
+                <a:solidFill>
+                  <a:srgbClr val="000000"/>
+                </a:solidFill>
+                <a:latin typeface="Aptos"/>
+              </a:rPr>
+              <a:t>pred=model.predict(X_test)</a:t>
+            </a:r>
+            <a:endParaRPr b="0" lang="hr-HR" sz="2800" spc="-1" strike="noStrike">
+              <a:latin typeface="Arial"/>
+            </a:endParaRPr>
+          </a:p>
+        </p:txBody>
+      </p:sp>
+      <p:sp>
+        <p:nvSpPr>
+          <p:cNvPr id="102" name="PlaceHolder 3"/>
+          <p:cNvSpPr>
+            <a:spLocks noGrp="1"/>
+          </p:cNvSpPr>
+          <p:nvPr>
+            <p:ph/>
+          </p:nvPr>
+        </p:nvSpPr>
+        <p:spPr>
+          <a:xfrm>
+            <a:off x="6231960" y="1604520"/>
+            <a:ext cx="5354280" cy="3977280"/>
+          </a:xfrm>
+          <a:prstGeom prst="rect">
+            <a:avLst/>
+          </a:prstGeom>
+          <a:noFill/>
+          <a:ln w="0">
+            <a:noFill/>
+          </a:ln>
+        </p:spPr>
+        <p:txBody>
+          <a:bodyPr lIns="0" rIns="0" tIns="0" bIns="0" anchor="t">
+            <a:normAutofit/>
+          </a:bodyPr>
+          <a:p>
+            <a:pPr marL="432000" indent="-324000">
+              <a:spcBef>
+                <a:spcPts val="1417"/>
+              </a:spcBef>
+              <a:buClr>
+                <a:srgbClr val="000000"/>
+              </a:buClr>
+              <a:buSzPct val="45000"/>
+              <a:buFont typeface="Wingdings" charset="2"/>
+              <a:buChar char=""/>
+            </a:pPr>
+            <a:r>
+              <a:rPr b="0" lang="hr-HR" sz="3200" spc="-1" strike="noStrike">
+                <a:latin typeface="Arial"/>
+              </a:rPr>
+              <a:t>Točnost: 85,86 %</a:t>
+            </a:r>
+            <a:endParaRPr b="0" lang="hr-HR" sz="3200" spc="-1" strike="noStrike">
+              <a:latin typeface="Arial"/>
+            </a:endParaRPr>
+          </a:p>
+          <a:p>
+            <a:pPr marL="432000" indent="-324000">
+              <a:spcBef>
+                <a:spcPts val="1417"/>
+              </a:spcBef>
+              <a:buClr>
+                <a:srgbClr val="000000"/>
+              </a:buClr>
+              <a:buSzPct val="45000"/>
+              <a:buFont typeface="Wingdings" charset="2"/>
+              <a:buChar char=""/>
+            </a:pPr>
+            <a:r>
+              <a:rPr b="0" lang="hr-HR" sz="3200" spc="-1" strike="noStrike">
+                <a:latin typeface="Arial"/>
+              </a:rPr>
+              <a:t>F1: 30,80 %</a:t>
+            </a:r>
+            <a:endParaRPr b="0" lang="hr-HR" sz="3200" spc="-1" strike="noStrike">
+              <a:latin typeface="Arial"/>
             </a:endParaRPr>
           </a:p>
         </p:txBody>

--- a/SENTIMENTalci.pptx
+++ b/SENTIMENTalci.pptx
@@ -4,19 +4,21 @@
   <p:sldMasterIdLst>
     <p:sldMasterId id="2147483648" r:id="rId2"/>
     <p:sldMasterId id="2147483661" r:id="rId3"/>
+    <p:sldMasterId id="2147483674" r:id="rId4"/>
   </p:sldMasterIdLst>
   <p:sldIdLst>
-    <p:sldId id="256" r:id="rId4"/>
-    <p:sldId id="257" r:id="rId5"/>
-    <p:sldId id="258" r:id="rId6"/>
-    <p:sldId id="259" r:id="rId7"/>
-    <p:sldId id="260" r:id="rId8"/>
-    <p:sldId id="261" r:id="rId9"/>
-    <p:sldId id="262" r:id="rId10"/>
-    <p:sldId id="263" r:id="rId11"/>
-    <p:sldId id="264" r:id="rId12"/>
-    <p:sldId id="265" r:id="rId13"/>
-    <p:sldId id="266" r:id="rId14"/>
+    <p:sldId id="256" r:id="rId5"/>
+    <p:sldId id="257" r:id="rId6"/>
+    <p:sldId id="258" r:id="rId7"/>
+    <p:sldId id="259" r:id="rId8"/>
+    <p:sldId id="260" r:id="rId9"/>
+    <p:sldId id="261" r:id="rId10"/>
+    <p:sldId id="262" r:id="rId11"/>
+    <p:sldId id="263" r:id="rId12"/>
+    <p:sldId id="264" r:id="rId13"/>
+    <p:sldId id="265" r:id="rId14"/>
+    <p:sldId id="266" r:id="rId15"/>
+    <p:sldId id="267" r:id="rId16"/>
   </p:sldIdLst>
   <p:sldSz cx="12192000" cy="6858000"/>
   <p:notesSz cx="7559675" cy="10691813"/>
@@ -74,7 +76,7 @@
         <p:txBody>
           <a:bodyPr/>
           <a:p>
-            <a:fld id="{C4D12B25-C04F-422C-84D4-9A9AF06EB749}" type="slidenum">
+            <a:fld id="{4AF94155-3C7A-46DC-930F-4FC8E68DE3D0}" type="slidenum">
               <a:t>&lt;#&gt;</a:t>
             </a:fld>
           </a:p>
@@ -262,7 +264,7 @@
         <p:txBody>
           <a:bodyPr/>
           <a:p>
-            <a:fld id="{77FC3365-134C-4B46-AB8F-54BD94D3B4C2}" type="slidenum">
+            <a:fld id="{163B0585-A730-47D6-B7B2-16B220B43CA9}" type="slidenum">
               <a:t>&lt;#&gt;</a:t>
             </a:fld>
           </a:p>
@@ -518,7 +520,7 @@
         <p:txBody>
           <a:bodyPr/>
           <a:p>
-            <a:fld id="{B0FA7C99-6006-45D4-98B5-F33C78211B62}" type="slidenum">
+            <a:fld id="{541618ED-4D08-45F5-AB5A-0B6A56718B41}" type="slidenum">
               <a:t>&lt;#&gt;</a:t>
             </a:fld>
           </a:p>
@@ -842,7 +844,7 @@
         <p:txBody>
           <a:bodyPr/>
           <a:p>
-            <a:fld id="{AACFA4CD-1E7F-43C0-8B6C-190B72B17E08}" type="slidenum">
+            <a:fld id="{BA9AA2BE-BFEE-4066-9557-6A13963AB612}" type="slidenum">
               <a:t>&lt;#&gt;</a:t>
             </a:fld>
           </a:p>
@@ -925,7 +927,7 @@
         <p:txBody>
           <a:bodyPr/>
           <a:p>
-            <a:fld id="{2C8C65E3-03FA-4380-99E9-3EDB6185C78D}" type="slidenum">
+            <a:fld id="{3A8A9549-830B-4C20-915B-2EF72A544CC6}" type="slidenum">
               <a:t>&lt;#&gt;</a:t>
             </a:fld>
           </a:p>
@@ -1082,7 +1084,7 @@
         <p:txBody>
           <a:bodyPr/>
           <a:p>
-            <a:fld id="{37CEB6F5-4CA0-477B-A7D2-7AD95BEFDB6F}" type="slidenum">
+            <a:fld id="{3BBC7D0B-20E4-4BFC-A8E5-AF02BB22F5CB}" type="slidenum">
               <a:t>&lt;#&gt;</a:t>
             </a:fld>
           </a:p>
@@ -1236,7 +1238,7 @@
         <p:txBody>
           <a:bodyPr/>
           <a:p>
-            <a:fld id="{54B7A252-0112-4B5E-BF50-D5A5CF3382DB}" type="slidenum">
+            <a:fld id="{B084BE0D-9133-4301-86DA-D6DAB3753AA9}" type="slidenum">
               <a:t>&lt;#&gt;</a:t>
             </a:fld>
           </a:p>
@@ -1424,7 +1426,7 @@
         <p:txBody>
           <a:bodyPr/>
           <a:p>
-            <a:fld id="{A1C855DC-6790-4023-A661-72F8BCF661CD}" type="slidenum">
+            <a:fld id="{EE8A88A7-4020-4854-934F-8099D33B61F4}" type="slidenum">
               <a:t>&lt;#&gt;</a:t>
             </a:fld>
           </a:p>
@@ -1544,7 +1546,7 @@
         <p:txBody>
           <a:bodyPr/>
           <a:p>
-            <a:fld id="{CE2389A0-CE19-49B0-BADF-5793E49DBAFB}" type="slidenum">
+            <a:fld id="{8C60F3A2-A65E-454B-A31A-57078079F86F}" type="slidenum">
               <a:t>&lt;#&gt;</a:t>
             </a:fld>
           </a:p>
@@ -1664,7 +1666,7 @@
         <p:txBody>
           <a:bodyPr/>
           <a:p>
-            <a:fld id="{19439800-06AE-4070-AD1D-C55120F265C2}" type="slidenum">
+            <a:fld id="{BBF744CD-0BD0-4FAF-A717-5ECA4CC98B42}" type="slidenum">
               <a:t>&lt;#&gt;</a:t>
             </a:fld>
           </a:p>
@@ -1886,7 +1888,7 @@
         <p:txBody>
           <a:bodyPr/>
           <a:p>
-            <a:fld id="{D0B3F47E-EE61-42B5-B349-05985A00B08D}" type="slidenum">
+            <a:fld id="{800EBE3F-B7A4-448F-987C-AE80AEC7B1D5}" type="slidenum">
               <a:t>&lt;#&gt;</a:t>
             </a:fld>
           </a:p>
@@ -2043,7 +2045,7 @@
         <p:txBody>
           <a:bodyPr/>
           <a:p>
-            <a:fld id="{98D21710-D870-4D3F-B28F-DC0137091AA1}" type="slidenum">
+            <a:fld id="{D7528602-283F-4AAB-B8DC-46511FD0792F}" type="slidenum">
               <a:t>&lt;#&gt;</a:t>
             </a:fld>
           </a:p>
@@ -2265,7 +2267,7 @@
         <p:txBody>
           <a:bodyPr/>
           <a:p>
-            <a:fld id="{13FAFF2A-6587-4DDB-A098-70D784D7D816}" type="slidenum">
+            <a:fld id="{0B95B11E-DBFA-422D-92F9-E5AD459B9E30}" type="slidenum">
               <a:t>&lt;#&gt;</a:t>
             </a:fld>
           </a:p>
@@ -2487,7 +2489,7 @@
         <p:txBody>
           <a:bodyPr/>
           <a:p>
-            <a:fld id="{B6CB7AA2-CE58-4434-AE26-7AEE0375311F}" type="slidenum">
+            <a:fld id="{FA58D250-EE59-4FAE-8D4A-F821579AFE6A}" type="slidenum">
               <a:t>&lt;#&gt;</a:t>
             </a:fld>
           </a:p>
@@ -2675,7 +2677,7 @@
         <p:txBody>
           <a:bodyPr/>
           <a:p>
-            <a:fld id="{3FA14165-A289-424F-A9F9-02487D769080}" type="slidenum">
+            <a:fld id="{B0DD137D-3FBB-4363-8E42-A44E955C3A15}" type="slidenum">
               <a:t>&lt;#&gt;</a:t>
             </a:fld>
           </a:p>
@@ -2931,7 +2933,7 @@
         <p:txBody>
           <a:bodyPr/>
           <a:p>
-            <a:fld id="{BC0538FF-8AD3-468A-8A5E-E4264CB980C7}" type="slidenum">
+            <a:fld id="{4521CC2E-C6BD-41C0-B1F8-9A313F91171C}" type="slidenum">
               <a:t>&lt;#&gt;</a:t>
             </a:fld>
           </a:p>
@@ -3255,7 +3257,7 @@
         <p:txBody>
           <a:bodyPr/>
           <a:p>
-            <a:fld id="{63BE0F94-287A-4776-81BD-7A721554A380}" type="slidenum">
+            <a:fld id="{86577DA7-60A2-44DF-BA27-6E40D9813886}" type="slidenum">
               <a:t>&lt;#&gt;</a:t>
             </a:fld>
           </a:p>
@@ -3269,6 +3271,708 @@
           </p:cNvSpPr>
           <p:nvPr>
             <p:ph type="dt" idx="6"/>
+          </p:nvPr>
+        </p:nvSpPr>
+        <p:spPr/>
+        <p:txBody>
+          <a:bodyPr/>
+          <a:p>
+            <a:r>
+              <a:rPr lang="hr-HR"/>
+              <a:t/>
+            </a:r>
+          </a:p>
+        </p:txBody>
+      </p:sp>
+    </p:spTree>
+  </p:cSld>
+</p:sldLayout>
+</file>
+
+<file path=ppt/slideLayouts/slideLayout25.xml><?xml version="1.0" encoding="utf-8"?>
+<p:sldLayout xmlns:a="http://schemas.openxmlformats.org/drawingml/2006/main" xmlns:p="http://schemas.openxmlformats.org/presentationml/2006/main" xmlns:r="http://schemas.openxmlformats.org/officeDocument/2006/relationships" xmlns:p14="http://schemas.microsoft.com/office/powerpoint/2010/main" xmlns:p15="http://schemas.microsoft.com/office/powerpoint/2012/main" xmlns:mc="http://schemas.openxmlformats.org/markup-compatibility/2006" type="blank" preserve="1">
+  <p:cSld name="Blank Slide">
+    <p:spTree>
+      <p:nvGrpSpPr>
+        <p:cNvPr id="1" name=""/>
+        <p:cNvGrpSpPr/>
+        <p:nvPr/>
+      </p:nvGrpSpPr>
+      <p:grpSpPr>
+        <a:xfrm>
+          <a:off x="0" y="0"/>
+          <a:ext cx="0" cy="0"/>
+          <a:chOff x="0" y="0"/>
+          <a:chExt cx="0" cy="0"/>
+        </a:xfrm>
+      </p:grpSpPr>
+      <p:sp>
+        <p:nvSpPr>
+          <p:cNvPr id="2" name="PlaceHolder 1"/>
+          <p:cNvSpPr>
+            <a:spLocks noGrp="1"/>
+          </p:cNvSpPr>
+          <p:nvPr>
+            <p:ph type="ftr" idx="7"/>
+          </p:nvPr>
+        </p:nvSpPr>
+        <p:spPr/>
+        <p:txBody>
+          <a:bodyPr/>
+          <a:p>
+            <a:r>
+              <a:t>Footer</a:t>
+            </a:r>
+          </a:p>
+        </p:txBody>
+      </p:sp>
+      <p:sp>
+        <p:nvSpPr>
+          <p:cNvPr id="3" name="PlaceHolder 2"/>
+          <p:cNvSpPr>
+            <a:spLocks noGrp="1"/>
+          </p:cNvSpPr>
+          <p:nvPr>
+            <p:ph type="sldNum" idx="8"/>
+          </p:nvPr>
+        </p:nvSpPr>
+        <p:spPr/>
+        <p:txBody>
+          <a:bodyPr/>
+          <a:p>
+            <a:fld id="{A4CDA239-ED25-43A2-AFA9-4F315BD22BFA}" type="slidenum">
+              <a:t>&lt;#&gt;</a:t>
+            </a:fld>
+          </a:p>
+        </p:txBody>
+      </p:sp>
+      <p:sp>
+        <p:nvSpPr>
+          <p:cNvPr id="4" name="PlaceHolder 3"/>
+          <p:cNvSpPr>
+            <a:spLocks noGrp="1"/>
+          </p:cNvSpPr>
+          <p:nvPr>
+            <p:ph type="dt" idx="9"/>
+          </p:nvPr>
+        </p:nvSpPr>
+        <p:spPr/>
+        <p:txBody>
+          <a:bodyPr/>
+          <a:p>
+            <a:r>
+              <a:rPr lang="hr-HR"/>
+              <a:t/>
+            </a:r>
+          </a:p>
+        </p:txBody>
+      </p:sp>
+    </p:spTree>
+  </p:cSld>
+</p:sldLayout>
+</file>
+
+<file path=ppt/slideLayouts/slideLayout26.xml><?xml version="1.0" encoding="utf-8"?>
+<p:sldLayout xmlns:a="http://schemas.openxmlformats.org/drawingml/2006/main" xmlns:p="http://schemas.openxmlformats.org/presentationml/2006/main" xmlns:r="http://schemas.openxmlformats.org/officeDocument/2006/relationships" xmlns:p14="http://schemas.microsoft.com/office/powerpoint/2010/main" xmlns:p15="http://schemas.microsoft.com/office/powerpoint/2012/main" xmlns:mc="http://schemas.openxmlformats.org/markup-compatibility/2006" type="tx" preserve="1">
+  <p:cSld name="Title Slide">
+    <p:spTree>
+      <p:nvGrpSpPr>
+        <p:cNvPr id="1" name=""/>
+        <p:cNvGrpSpPr/>
+        <p:nvPr/>
+      </p:nvGrpSpPr>
+      <p:grpSpPr>
+        <a:xfrm>
+          <a:off x="0" y="0"/>
+          <a:ext cx="0" cy="0"/>
+          <a:chOff x="0" y="0"/>
+          <a:chExt cx="0" cy="0"/>
+        </a:xfrm>
+      </p:grpSpPr>
+      <p:sp>
+        <p:nvSpPr>
+          <p:cNvPr id="88" name="PlaceHolder 1"/>
+          <p:cNvSpPr>
+            <a:spLocks noGrp="1"/>
+          </p:cNvSpPr>
+          <p:nvPr>
+            <p:ph type="title"/>
+          </p:nvPr>
+        </p:nvSpPr>
+        <p:spPr>
+          <a:xfrm>
+            <a:off x="609480" y="273600"/>
+            <a:ext cx="10972440" cy="1144800"/>
+          </a:xfrm>
+          <a:prstGeom prst="rect">
+            <a:avLst/>
+          </a:prstGeom>
+          <a:noFill/>
+          <a:ln w="0">
+            <a:noFill/>
+          </a:ln>
+        </p:spPr>
+        <p:txBody>
+          <a:bodyPr lIns="0" rIns="0" tIns="0" bIns="0" anchor="ctr">
+            <a:noAutofit/>
+          </a:bodyPr>
+          <a:p>
+            <a:pPr algn="ctr">
+              <a:buNone/>
+            </a:pPr>
+            <a:endParaRPr b="0" lang="hr-HR" sz="4400" spc="-1" strike="noStrike">
+              <a:latin typeface="Arial"/>
+            </a:endParaRPr>
+          </a:p>
+        </p:txBody>
+      </p:sp>
+      <p:sp>
+        <p:nvSpPr>
+          <p:cNvPr id="89" name="PlaceHolder 2"/>
+          <p:cNvSpPr>
+            <a:spLocks noGrp="1"/>
+          </p:cNvSpPr>
+          <p:nvPr>
+            <p:ph type="subTitle"/>
+          </p:nvPr>
+        </p:nvSpPr>
+        <p:spPr>
+          <a:xfrm>
+            <a:off x="609480" y="1604520"/>
+            <a:ext cx="10972440" cy="3977280"/>
+          </a:xfrm>
+          <a:prstGeom prst="rect">
+            <a:avLst/>
+          </a:prstGeom>
+          <a:noFill/>
+          <a:ln w="0">
+            <a:noFill/>
+          </a:ln>
+        </p:spPr>
+        <p:txBody>
+          <a:bodyPr lIns="0" rIns="0" tIns="0" bIns="0" anchor="ctr">
+            <a:noAutofit/>
+          </a:bodyPr>
+          <a:p>
+            <a:pPr algn="ctr">
+              <a:buNone/>
+            </a:pPr>
+            <a:endParaRPr b="0" lang="hr-HR" sz="3200" spc="-1" strike="noStrike">
+              <a:latin typeface="Arial"/>
+            </a:endParaRPr>
+          </a:p>
+        </p:txBody>
+      </p:sp>
+      <p:sp>
+        <p:nvSpPr>
+          <p:cNvPr id="4" name="PlaceHolder 3"/>
+          <p:cNvSpPr>
+            <a:spLocks noGrp="1"/>
+          </p:cNvSpPr>
+          <p:nvPr>
+            <p:ph type="ftr" idx="7"/>
+          </p:nvPr>
+        </p:nvSpPr>
+        <p:spPr/>
+        <p:txBody>
+          <a:bodyPr/>
+          <a:p>
+            <a:r>
+              <a:t>Footer</a:t>
+            </a:r>
+          </a:p>
+        </p:txBody>
+      </p:sp>
+      <p:sp>
+        <p:nvSpPr>
+          <p:cNvPr id="5" name="PlaceHolder 4"/>
+          <p:cNvSpPr>
+            <a:spLocks noGrp="1"/>
+          </p:cNvSpPr>
+          <p:nvPr>
+            <p:ph type="sldNum" idx="8"/>
+          </p:nvPr>
+        </p:nvSpPr>
+        <p:spPr/>
+        <p:txBody>
+          <a:bodyPr/>
+          <a:p>
+            <a:fld id="{B905F1E8-6B16-4F5D-B03A-2378129A47F1}" type="slidenum">
+              <a:t>&lt;#&gt;</a:t>
+            </a:fld>
+          </a:p>
+        </p:txBody>
+      </p:sp>
+      <p:sp>
+        <p:nvSpPr>
+          <p:cNvPr id="6" name="PlaceHolder 5"/>
+          <p:cNvSpPr>
+            <a:spLocks noGrp="1"/>
+          </p:cNvSpPr>
+          <p:nvPr>
+            <p:ph type="dt" idx="9"/>
+          </p:nvPr>
+        </p:nvSpPr>
+        <p:spPr/>
+        <p:txBody>
+          <a:bodyPr/>
+          <a:p>
+            <a:r>
+              <a:rPr lang="hr-HR"/>
+              <a:t/>
+            </a:r>
+          </a:p>
+        </p:txBody>
+      </p:sp>
+    </p:spTree>
+  </p:cSld>
+</p:sldLayout>
+</file>
+
+<file path=ppt/slideLayouts/slideLayout27.xml><?xml version="1.0" encoding="utf-8"?>
+<p:sldLayout xmlns:a="http://schemas.openxmlformats.org/drawingml/2006/main" xmlns:p="http://schemas.openxmlformats.org/presentationml/2006/main" xmlns:r="http://schemas.openxmlformats.org/officeDocument/2006/relationships" xmlns:p14="http://schemas.microsoft.com/office/powerpoint/2010/main" xmlns:p15="http://schemas.microsoft.com/office/powerpoint/2012/main" xmlns:mc="http://schemas.openxmlformats.org/markup-compatibility/2006" type="obj" preserve="1">
+  <p:cSld name="Title, Content">
+    <p:spTree>
+      <p:nvGrpSpPr>
+        <p:cNvPr id="1" name=""/>
+        <p:cNvGrpSpPr/>
+        <p:nvPr/>
+      </p:nvGrpSpPr>
+      <p:grpSpPr>
+        <a:xfrm>
+          <a:off x="0" y="0"/>
+          <a:ext cx="0" cy="0"/>
+          <a:chOff x="0" y="0"/>
+          <a:chExt cx="0" cy="0"/>
+        </a:xfrm>
+      </p:grpSpPr>
+      <p:sp>
+        <p:nvSpPr>
+          <p:cNvPr id="90" name="PlaceHolder 1"/>
+          <p:cNvSpPr>
+            <a:spLocks noGrp="1"/>
+          </p:cNvSpPr>
+          <p:nvPr>
+            <p:ph type="title"/>
+          </p:nvPr>
+        </p:nvSpPr>
+        <p:spPr>
+          <a:xfrm>
+            <a:off x="609480" y="273600"/>
+            <a:ext cx="10972440" cy="1144800"/>
+          </a:xfrm>
+          <a:prstGeom prst="rect">
+            <a:avLst/>
+          </a:prstGeom>
+          <a:noFill/>
+          <a:ln w="0">
+            <a:noFill/>
+          </a:ln>
+        </p:spPr>
+        <p:txBody>
+          <a:bodyPr lIns="0" rIns="0" tIns="0" bIns="0" anchor="ctr">
+            <a:noAutofit/>
+          </a:bodyPr>
+          <a:p>
+            <a:pPr algn="ctr">
+              <a:buNone/>
+            </a:pPr>
+            <a:endParaRPr b="0" lang="hr-HR" sz="4400" spc="-1" strike="noStrike">
+              <a:latin typeface="Arial"/>
+            </a:endParaRPr>
+          </a:p>
+        </p:txBody>
+      </p:sp>
+      <p:sp>
+        <p:nvSpPr>
+          <p:cNvPr id="91" name="PlaceHolder 2"/>
+          <p:cNvSpPr>
+            <a:spLocks noGrp="1"/>
+          </p:cNvSpPr>
+          <p:nvPr>
+            <p:ph/>
+          </p:nvPr>
+        </p:nvSpPr>
+        <p:spPr>
+          <a:xfrm>
+            <a:off x="609480" y="1604520"/>
+            <a:ext cx="10972440" cy="3977280"/>
+          </a:xfrm>
+          <a:prstGeom prst="rect">
+            <a:avLst/>
+          </a:prstGeom>
+          <a:noFill/>
+          <a:ln w="0">
+            <a:noFill/>
+          </a:ln>
+        </p:spPr>
+        <p:txBody>
+          <a:bodyPr lIns="0" rIns="0" tIns="0" bIns="0" anchor="t">
+            <a:normAutofit/>
+          </a:bodyPr>
+          <a:p>
+            <a:endParaRPr b="0" lang="hr-HR" sz="3200" spc="-1" strike="noStrike">
+              <a:latin typeface="Arial"/>
+            </a:endParaRPr>
+          </a:p>
+        </p:txBody>
+      </p:sp>
+      <p:sp>
+        <p:nvSpPr>
+          <p:cNvPr id="4" name="PlaceHolder 3"/>
+          <p:cNvSpPr>
+            <a:spLocks noGrp="1"/>
+          </p:cNvSpPr>
+          <p:nvPr>
+            <p:ph type="ftr" idx="7"/>
+          </p:nvPr>
+        </p:nvSpPr>
+        <p:spPr/>
+        <p:txBody>
+          <a:bodyPr/>
+          <a:p>
+            <a:r>
+              <a:t>Footer</a:t>
+            </a:r>
+          </a:p>
+        </p:txBody>
+      </p:sp>
+      <p:sp>
+        <p:nvSpPr>
+          <p:cNvPr id="5" name="PlaceHolder 4"/>
+          <p:cNvSpPr>
+            <a:spLocks noGrp="1"/>
+          </p:cNvSpPr>
+          <p:nvPr>
+            <p:ph type="sldNum" idx="8"/>
+          </p:nvPr>
+        </p:nvSpPr>
+        <p:spPr/>
+        <p:txBody>
+          <a:bodyPr/>
+          <a:p>
+            <a:fld id="{168105E9-A41C-447A-B7D3-2ACDF2D4572D}" type="slidenum">
+              <a:t>&lt;#&gt;</a:t>
+            </a:fld>
+          </a:p>
+        </p:txBody>
+      </p:sp>
+      <p:sp>
+        <p:nvSpPr>
+          <p:cNvPr id="6" name="PlaceHolder 5"/>
+          <p:cNvSpPr>
+            <a:spLocks noGrp="1"/>
+          </p:cNvSpPr>
+          <p:nvPr>
+            <p:ph type="dt" idx="9"/>
+          </p:nvPr>
+        </p:nvSpPr>
+        <p:spPr/>
+        <p:txBody>
+          <a:bodyPr/>
+          <a:p>
+            <a:r>
+              <a:rPr lang="hr-HR"/>
+              <a:t/>
+            </a:r>
+          </a:p>
+        </p:txBody>
+      </p:sp>
+    </p:spTree>
+  </p:cSld>
+</p:sldLayout>
+</file>
+
+<file path=ppt/slideLayouts/slideLayout28.xml><?xml version="1.0" encoding="utf-8"?>
+<p:sldLayout xmlns:a="http://schemas.openxmlformats.org/drawingml/2006/main" xmlns:p="http://schemas.openxmlformats.org/presentationml/2006/main" xmlns:r="http://schemas.openxmlformats.org/officeDocument/2006/relationships" xmlns:p14="http://schemas.microsoft.com/office/powerpoint/2010/main" xmlns:p15="http://schemas.microsoft.com/office/powerpoint/2012/main" xmlns:mc="http://schemas.openxmlformats.org/markup-compatibility/2006" type="twoObj" preserve="1">
+  <p:cSld name="Title, 2 Content">
+    <p:spTree>
+      <p:nvGrpSpPr>
+        <p:cNvPr id="1" name=""/>
+        <p:cNvGrpSpPr/>
+        <p:nvPr/>
+      </p:nvGrpSpPr>
+      <p:grpSpPr>
+        <a:xfrm>
+          <a:off x="0" y="0"/>
+          <a:ext cx="0" cy="0"/>
+          <a:chOff x="0" y="0"/>
+          <a:chExt cx="0" cy="0"/>
+        </a:xfrm>
+      </p:grpSpPr>
+      <p:sp>
+        <p:nvSpPr>
+          <p:cNvPr id="92" name="PlaceHolder 1"/>
+          <p:cNvSpPr>
+            <a:spLocks noGrp="1"/>
+          </p:cNvSpPr>
+          <p:nvPr>
+            <p:ph type="title"/>
+          </p:nvPr>
+        </p:nvSpPr>
+        <p:spPr>
+          <a:xfrm>
+            <a:off x="609480" y="273600"/>
+            <a:ext cx="10972440" cy="1144800"/>
+          </a:xfrm>
+          <a:prstGeom prst="rect">
+            <a:avLst/>
+          </a:prstGeom>
+          <a:noFill/>
+          <a:ln w="0">
+            <a:noFill/>
+          </a:ln>
+        </p:spPr>
+        <p:txBody>
+          <a:bodyPr lIns="0" rIns="0" tIns="0" bIns="0" anchor="ctr">
+            <a:noAutofit/>
+          </a:bodyPr>
+          <a:p>
+            <a:pPr algn="ctr">
+              <a:buNone/>
+            </a:pPr>
+            <a:endParaRPr b="0" lang="hr-HR" sz="4400" spc="-1" strike="noStrike">
+              <a:latin typeface="Arial"/>
+            </a:endParaRPr>
+          </a:p>
+        </p:txBody>
+      </p:sp>
+      <p:sp>
+        <p:nvSpPr>
+          <p:cNvPr id="93" name="PlaceHolder 2"/>
+          <p:cNvSpPr>
+            <a:spLocks noGrp="1"/>
+          </p:cNvSpPr>
+          <p:nvPr>
+            <p:ph/>
+          </p:nvPr>
+        </p:nvSpPr>
+        <p:spPr>
+          <a:xfrm>
+            <a:off x="609480" y="1604520"/>
+            <a:ext cx="5354280" cy="3977280"/>
+          </a:xfrm>
+          <a:prstGeom prst="rect">
+            <a:avLst/>
+          </a:prstGeom>
+          <a:noFill/>
+          <a:ln w="0">
+            <a:noFill/>
+          </a:ln>
+        </p:spPr>
+        <p:txBody>
+          <a:bodyPr lIns="0" rIns="0" tIns="0" bIns="0" anchor="t">
+            <a:normAutofit/>
+          </a:bodyPr>
+          <a:p>
+            <a:endParaRPr b="0" lang="hr-HR" sz="3200" spc="-1" strike="noStrike">
+              <a:latin typeface="Arial"/>
+            </a:endParaRPr>
+          </a:p>
+        </p:txBody>
+      </p:sp>
+      <p:sp>
+        <p:nvSpPr>
+          <p:cNvPr id="94" name="PlaceHolder 3"/>
+          <p:cNvSpPr>
+            <a:spLocks noGrp="1"/>
+          </p:cNvSpPr>
+          <p:nvPr>
+            <p:ph/>
+          </p:nvPr>
+        </p:nvSpPr>
+        <p:spPr>
+          <a:xfrm>
+            <a:off x="6231960" y="1604520"/>
+            <a:ext cx="5354280" cy="3977280"/>
+          </a:xfrm>
+          <a:prstGeom prst="rect">
+            <a:avLst/>
+          </a:prstGeom>
+          <a:noFill/>
+          <a:ln w="0">
+            <a:noFill/>
+          </a:ln>
+        </p:spPr>
+        <p:txBody>
+          <a:bodyPr lIns="0" rIns="0" tIns="0" bIns="0" anchor="t">
+            <a:normAutofit/>
+          </a:bodyPr>
+          <a:p>
+            <a:endParaRPr b="0" lang="hr-HR" sz="3200" spc="-1" strike="noStrike">
+              <a:latin typeface="Arial"/>
+            </a:endParaRPr>
+          </a:p>
+        </p:txBody>
+      </p:sp>
+      <p:sp>
+        <p:nvSpPr>
+          <p:cNvPr id="5" name="PlaceHolder 4"/>
+          <p:cNvSpPr>
+            <a:spLocks noGrp="1"/>
+          </p:cNvSpPr>
+          <p:nvPr>
+            <p:ph type="ftr" idx="7"/>
+          </p:nvPr>
+        </p:nvSpPr>
+        <p:spPr/>
+        <p:txBody>
+          <a:bodyPr/>
+          <a:p>
+            <a:r>
+              <a:t>Footer</a:t>
+            </a:r>
+          </a:p>
+        </p:txBody>
+      </p:sp>
+      <p:sp>
+        <p:nvSpPr>
+          <p:cNvPr id="6" name="PlaceHolder 5"/>
+          <p:cNvSpPr>
+            <a:spLocks noGrp="1"/>
+          </p:cNvSpPr>
+          <p:nvPr>
+            <p:ph type="sldNum" idx="8"/>
+          </p:nvPr>
+        </p:nvSpPr>
+        <p:spPr/>
+        <p:txBody>
+          <a:bodyPr/>
+          <a:p>
+            <a:fld id="{FE126BDE-4CA5-4A6B-9941-4BBC8C106656}" type="slidenum">
+              <a:t>&lt;#&gt;</a:t>
+            </a:fld>
+          </a:p>
+        </p:txBody>
+      </p:sp>
+      <p:sp>
+        <p:nvSpPr>
+          <p:cNvPr id="7" name="PlaceHolder 6"/>
+          <p:cNvSpPr>
+            <a:spLocks noGrp="1"/>
+          </p:cNvSpPr>
+          <p:nvPr>
+            <p:ph type="dt" idx="9"/>
+          </p:nvPr>
+        </p:nvSpPr>
+        <p:spPr/>
+        <p:txBody>
+          <a:bodyPr/>
+          <a:p>
+            <a:r>
+              <a:rPr lang="hr-HR"/>
+              <a:t/>
+            </a:r>
+          </a:p>
+        </p:txBody>
+      </p:sp>
+    </p:spTree>
+  </p:cSld>
+</p:sldLayout>
+</file>
+
+<file path=ppt/slideLayouts/slideLayout29.xml><?xml version="1.0" encoding="utf-8"?>
+<p:sldLayout xmlns:a="http://schemas.openxmlformats.org/drawingml/2006/main" xmlns:p="http://schemas.openxmlformats.org/presentationml/2006/main" xmlns:r="http://schemas.openxmlformats.org/officeDocument/2006/relationships" xmlns:p14="http://schemas.microsoft.com/office/powerpoint/2010/main" xmlns:p15="http://schemas.microsoft.com/office/powerpoint/2012/main" xmlns:mc="http://schemas.openxmlformats.org/markup-compatibility/2006" type="titleOnly" preserve="1">
+  <p:cSld name="Title Only">
+    <p:spTree>
+      <p:nvGrpSpPr>
+        <p:cNvPr id="1" name=""/>
+        <p:cNvGrpSpPr/>
+        <p:nvPr/>
+      </p:nvGrpSpPr>
+      <p:grpSpPr>
+        <a:xfrm>
+          <a:off x="0" y="0"/>
+          <a:ext cx="0" cy="0"/>
+          <a:chOff x="0" y="0"/>
+          <a:chExt cx="0" cy="0"/>
+        </a:xfrm>
+      </p:grpSpPr>
+      <p:sp>
+        <p:nvSpPr>
+          <p:cNvPr id="95" name="PlaceHolder 1"/>
+          <p:cNvSpPr>
+            <a:spLocks noGrp="1"/>
+          </p:cNvSpPr>
+          <p:nvPr>
+            <p:ph type="title"/>
+          </p:nvPr>
+        </p:nvSpPr>
+        <p:spPr>
+          <a:xfrm>
+            <a:off x="609480" y="273600"/>
+            <a:ext cx="10972440" cy="1144800"/>
+          </a:xfrm>
+          <a:prstGeom prst="rect">
+            <a:avLst/>
+          </a:prstGeom>
+          <a:noFill/>
+          <a:ln w="0">
+            <a:noFill/>
+          </a:ln>
+        </p:spPr>
+        <p:txBody>
+          <a:bodyPr lIns="0" rIns="0" tIns="0" bIns="0" anchor="ctr">
+            <a:noAutofit/>
+          </a:bodyPr>
+          <a:p>
+            <a:pPr algn="ctr">
+              <a:buNone/>
+            </a:pPr>
+            <a:endParaRPr b="0" lang="hr-HR" sz="4400" spc="-1" strike="noStrike">
+              <a:latin typeface="Arial"/>
+            </a:endParaRPr>
+          </a:p>
+        </p:txBody>
+      </p:sp>
+      <p:sp>
+        <p:nvSpPr>
+          <p:cNvPr id="3" name="PlaceHolder 2"/>
+          <p:cNvSpPr>
+            <a:spLocks noGrp="1"/>
+          </p:cNvSpPr>
+          <p:nvPr>
+            <p:ph type="ftr" idx="7"/>
+          </p:nvPr>
+        </p:nvSpPr>
+        <p:spPr/>
+        <p:txBody>
+          <a:bodyPr/>
+          <a:p>
+            <a:r>
+              <a:t>Footer</a:t>
+            </a:r>
+          </a:p>
+        </p:txBody>
+      </p:sp>
+      <p:sp>
+        <p:nvSpPr>
+          <p:cNvPr id="4" name="PlaceHolder 3"/>
+          <p:cNvSpPr>
+            <a:spLocks noGrp="1"/>
+          </p:cNvSpPr>
+          <p:nvPr>
+            <p:ph type="sldNum" idx="8"/>
+          </p:nvPr>
+        </p:nvSpPr>
+        <p:spPr/>
+        <p:txBody>
+          <a:bodyPr/>
+          <a:p>
+            <a:fld id="{4CE0A03D-CFFB-4822-BC4E-684DA1870F88}" type="slidenum">
+              <a:t>&lt;#&gt;</a:t>
+            </a:fld>
+          </a:p>
+        </p:txBody>
+      </p:sp>
+      <p:sp>
+        <p:nvSpPr>
+          <p:cNvPr id="5" name="PlaceHolder 4"/>
+          <p:cNvSpPr>
+            <a:spLocks noGrp="1"/>
+          </p:cNvSpPr>
+          <p:nvPr>
+            <p:ph type="dt" idx="9"/>
           </p:nvPr>
         </p:nvSpPr>
         <p:spPr/>
@@ -3409,7 +4113,7 @@
         <p:txBody>
           <a:bodyPr/>
           <a:p>
-            <a:fld id="{090F59E8-DE08-457E-B9C2-63081F7D3756}" type="slidenum">
+            <a:fld id="{DA3AFD26-641A-49B7-91D9-A3EC4F0AA96A}" type="slidenum">
               <a:t>&lt;#&gt;</a:t>
             </a:fld>
           </a:p>
@@ -3423,6 +4127,1560 @@
           </p:cNvSpPr>
           <p:nvPr>
             <p:ph type="dt" idx="3"/>
+          </p:nvPr>
+        </p:nvSpPr>
+        <p:spPr/>
+        <p:txBody>
+          <a:bodyPr/>
+          <a:p>
+            <a:r>
+              <a:rPr lang="hr-HR"/>
+              <a:t/>
+            </a:r>
+          </a:p>
+        </p:txBody>
+      </p:sp>
+    </p:spTree>
+  </p:cSld>
+</p:sldLayout>
+</file>
+
+<file path=ppt/slideLayouts/slideLayout30.xml><?xml version="1.0" encoding="utf-8"?>
+<p:sldLayout xmlns:a="http://schemas.openxmlformats.org/drawingml/2006/main" xmlns:p="http://schemas.openxmlformats.org/presentationml/2006/main" xmlns:r="http://schemas.openxmlformats.org/officeDocument/2006/relationships" xmlns:p14="http://schemas.microsoft.com/office/powerpoint/2010/main" xmlns:p15="http://schemas.microsoft.com/office/powerpoint/2012/main" xmlns:mc="http://schemas.openxmlformats.org/markup-compatibility/2006" type="objOnly" preserve="1">
+  <p:cSld name="Centered Text">
+    <p:spTree>
+      <p:nvGrpSpPr>
+        <p:cNvPr id="1" name=""/>
+        <p:cNvGrpSpPr/>
+        <p:nvPr/>
+      </p:nvGrpSpPr>
+      <p:grpSpPr>
+        <a:xfrm>
+          <a:off x="0" y="0"/>
+          <a:ext cx="0" cy="0"/>
+          <a:chOff x="0" y="0"/>
+          <a:chExt cx="0" cy="0"/>
+        </a:xfrm>
+      </p:grpSpPr>
+      <p:sp>
+        <p:nvSpPr>
+          <p:cNvPr id="96" name="PlaceHolder 1"/>
+          <p:cNvSpPr>
+            <a:spLocks noGrp="1"/>
+          </p:cNvSpPr>
+          <p:nvPr>
+            <p:ph type="subTitle"/>
+          </p:nvPr>
+        </p:nvSpPr>
+        <p:spPr>
+          <a:xfrm>
+            <a:off x="609480" y="273600"/>
+            <a:ext cx="10972440" cy="5307840"/>
+          </a:xfrm>
+          <a:prstGeom prst="rect">
+            <a:avLst/>
+          </a:prstGeom>
+          <a:noFill/>
+          <a:ln w="0">
+            <a:noFill/>
+          </a:ln>
+        </p:spPr>
+        <p:txBody>
+          <a:bodyPr lIns="0" rIns="0" tIns="0" bIns="0" anchor="ctr">
+            <a:noAutofit/>
+          </a:bodyPr>
+          <a:p>
+            <a:pPr algn="ctr">
+              <a:buNone/>
+            </a:pPr>
+            <a:endParaRPr b="0" lang="hr-HR" sz="3200" spc="-1" strike="noStrike">
+              <a:latin typeface="Arial"/>
+            </a:endParaRPr>
+          </a:p>
+        </p:txBody>
+      </p:sp>
+      <p:sp>
+        <p:nvSpPr>
+          <p:cNvPr id="3" name="PlaceHolder 2"/>
+          <p:cNvSpPr>
+            <a:spLocks noGrp="1"/>
+          </p:cNvSpPr>
+          <p:nvPr>
+            <p:ph type="ftr" idx="7"/>
+          </p:nvPr>
+        </p:nvSpPr>
+        <p:spPr/>
+        <p:txBody>
+          <a:bodyPr/>
+          <a:p>
+            <a:r>
+              <a:t>Footer</a:t>
+            </a:r>
+          </a:p>
+        </p:txBody>
+      </p:sp>
+      <p:sp>
+        <p:nvSpPr>
+          <p:cNvPr id="4" name="PlaceHolder 3"/>
+          <p:cNvSpPr>
+            <a:spLocks noGrp="1"/>
+          </p:cNvSpPr>
+          <p:nvPr>
+            <p:ph type="sldNum" idx="8"/>
+          </p:nvPr>
+        </p:nvSpPr>
+        <p:spPr/>
+        <p:txBody>
+          <a:bodyPr/>
+          <a:p>
+            <a:fld id="{C7613ABF-D075-4D7A-AF31-B23E31CAACB4}" type="slidenum">
+              <a:t>&lt;#&gt;</a:t>
+            </a:fld>
+          </a:p>
+        </p:txBody>
+      </p:sp>
+      <p:sp>
+        <p:nvSpPr>
+          <p:cNvPr id="5" name="PlaceHolder 4"/>
+          <p:cNvSpPr>
+            <a:spLocks noGrp="1"/>
+          </p:cNvSpPr>
+          <p:nvPr>
+            <p:ph type="dt" idx="9"/>
+          </p:nvPr>
+        </p:nvSpPr>
+        <p:spPr/>
+        <p:txBody>
+          <a:bodyPr/>
+          <a:p>
+            <a:r>
+              <a:rPr lang="hr-HR"/>
+              <a:t/>
+            </a:r>
+          </a:p>
+        </p:txBody>
+      </p:sp>
+    </p:spTree>
+  </p:cSld>
+</p:sldLayout>
+</file>
+
+<file path=ppt/slideLayouts/slideLayout31.xml><?xml version="1.0" encoding="utf-8"?>
+<p:sldLayout xmlns:a="http://schemas.openxmlformats.org/drawingml/2006/main" xmlns:p="http://schemas.openxmlformats.org/presentationml/2006/main" xmlns:r="http://schemas.openxmlformats.org/officeDocument/2006/relationships" xmlns:p14="http://schemas.microsoft.com/office/powerpoint/2010/main" xmlns:p15="http://schemas.microsoft.com/office/powerpoint/2012/main" xmlns:mc="http://schemas.openxmlformats.org/markup-compatibility/2006" type="twoObjAndObj" preserve="1">
+  <p:cSld name="Title, 2 Content and Content">
+    <p:spTree>
+      <p:nvGrpSpPr>
+        <p:cNvPr id="1" name=""/>
+        <p:cNvGrpSpPr/>
+        <p:nvPr/>
+      </p:nvGrpSpPr>
+      <p:grpSpPr>
+        <a:xfrm>
+          <a:off x="0" y="0"/>
+          <a:ext cx="0" cy="0"/>
+          <a:chOff x="0" y="0"/>
+          <a:chExt cx="0" cy="0"/>
+        </a:xfrm>
+      </p:grpSpPr>
+      <p:sp>
+        <p:nvSpPr>
+          <p:cNvPr id="97" name="PlaceHolder 1"/>
+          <p:cNvSpPr>
+            <a:spLocks noGrp="1"/>
+          </p:cNvSpPr>
+          <p:nvPr>
+            <p:ph type="title"/>
+          </p:nvPr>
+        </p:nvSpPr>
+        <p:spPr>
+          <a:xfrm>
+            <a:off x="609480" y="273600"/>
+            <a:ext cx="10972440" cy="1144800"/>
+          </a:xfrm>
+          <a:prstGeom prst="rect">
+            <a:avLst/>
+          </a:prstGeom>
+          <a:noFill/>
+          <a:ln w="0">
+            <a:noFill/>
+          </a:ln>
+        </p:spPr>
+        <p:txBody>
+          <a:bodyPr lIns="0" rIns="0" tIns="0" bIns="0" anchor="ctr">
+            <a:noAutofit/>
+          </a:bodyPr>
+          <a:p>
+            <a:pPr algn="ctr">
+              <a:buNone/>
+            </a:pPr>
+            <a:endParaRPr b="0" lang="hr-HR" sz="4400" spc="-1" strike="noStrike">
+              <a:latin typeface="Arial"/>
+            </a:endParaRPr>
+          </a:p>
+        </p:txBody>
+      </p:sp>
+      <p:sp>
+        <p:nvSpPr>
+          <p:cNvPr id="98" name="PlaceHolder 2"/>
+          <p:cNvSpPr>
+            <a:spLocks noGrp="1"/>
+          </p:cNvSpPr>
+          <p:nvPr>
+            <p:ph/>
+          </p:nvPr>
+        </p:nvSpPr>
+        <p:spPr>
+          <a:xfrm>
+            <a:off x="609480" y="1604520"/>
+            <a:ext cx="5354280" cy="1896840"/>
+          </a:xfrm>
+          <a:prstGeom prst="rect">
+            <a:avLst/>
+          </a:prstGeom>
+          <a:noFill/>
+          <a:ln w="0">
+            <a:noFill/>
+          </a:ln>
+        </p:spPr>
+        <p:txBody>
+          <a:bodyPr lIns="0" rIns="0" tIns="0" bIns="0" anchor="t">
+            <a:normAutofit/>
+          </a:bodyPr>
+          <a:p>
+            <a:endParaRPr b="0" lang="hr-HR" sz="3200" spc="-1" strike="noStrike">
+              <a:latin typeface="Arial"/>
+            </a:endParaRPr>
+          </a:p>
+        </p:txBody>
+      </p:sp>
+      <p:sp>
+        <p:nvSpPr>
+          <p:cNvPr id="99" name="PlaceHolder 3"/>
+          <p:cNvSpPr>
+            <a:spLocks noGrp="1"/>
+          </p:cNvSpPr>
+          <p:nvPr>
+            <p:ph/>
+          </p:nvPr>
+        </p:nvSpPr>
+        <p:spPr>
+          <a:xfrm>
+            <a:off x="6231960" y="1604520"/>
+            <a:ext cx="5354280" cy="3977280"/>
+          </a:xfrm>
+          <a:prstGeom prst="rect">
+            <a:avLst/>
+          </a:prstGeom>
+          <a:noFill/>
+          <a:ln w="0">
+            <a:noFill/>
+          </a:ln>
+        </p:spPr>
+        <p:txBody>
+          <a:bodyPr lIns="0" rIns="0" tIns="0" bIns="0" anchor="t">
+            <a:normAutofit/>
+          </a:bodyPr>
+          <a:p>
+            <a:endParaRPr b="0" lang="hr-HR" sz="3200" spc="-1" strike="noStrike">
+              <a:latin typeface="Arial"/>
+            </a:endParaRPr>
+          </a:p>
+        </p:txBody>
+      </p:sp>
+      <p:sp>
+        <p:nvSpPr>
+          <p:cNvPr id="100" name="PlaceHolder 4"/>
+          <p:cNvSpPr>
+            <a:spLocks noGrp="1"/>
+          </p:cNvSpPr>
+          <p:nvPr>
+            <p:ph/>
+          </p:nvPr>
+        </p:nvSpPr>
+        <p:spPr>
+          <a:xfrm>
+            <a:off x="609480" y="3682080"/>
+            <a:ext cx="5354280" cy="1896840"/>
+          </a:xfrm>
+          <a:prstGeom prst="rect">
+            <a:avLst/>
+          </a:prstGeom>
+          <a:noFill/>
+          <a:ln w="0">
+            <a:noFill/>
+          </a:ln>
+        </p:spPr>
+        <p:txBody>
+          <a:bodyPr lIns="0" rIns="0" tIns="0" bIns="0" anchor="t">
+            <a:normAutofit/>
+          </a:bodyPr>
+          <a:p>
+            <a:endParaRPr b="0" lang="hr-HR" sz="3200" spc="-1" strike="noStrike">
+              <a:latin typeface="Arial"/>
+            </a:endParaRPr>
+          </a:p>
+        </p:txBody>
+      </p:sp>
+      <p:sp>
+        <p:nvSpPr>
+          <p:cNvPr id="6" name="PlaceHolder 5"/>
+          <p:cNvSpPr>
+            <a:spLocks noGrp="1"/>
+          </p:cNvSpPr>
+          <p:nvPr>
+            <p:ph type="ftr" idx="7"/>
+          </p:nvPr>
+        </p:nvSpPr>
+        <p:spPr/>
+        <p:txBody>
+          <a:bodyPr/>
+          <a:p>
+            <a:r>
+              <a:t>Footer</a:t>
+            </a:r>
+          </a:p>
+        </p:txBody>
+      </p:sp>
+      <p:sp>
+        <p:nvSpPr>
+          <p:cNvPr id="7" name="PlaceHolder 6"/>
+          <p:cNvSpPr>
+            <a:spLocks noGrp="1"/>
+          </p:cNvSpPr>
+          <p:nvPr>
+            <p:ph type="sldNum" idx="8"/>
+          </p:nvPr>
+        </p:nvSpPr>
+        <p:spPr/>
+        <p:txBody>
+          <a:bodyPr/>
+          <a:p>
+            <a:fld id="{29062DD4-7D79-4C78-885C-B3C5188A0B56}" type="slidenum">
+              <a:t>&lt;#&gt;</a:t>
+            </a:fld>
+          </a:p>
+        </p:txBody>
+      </p:sp>
+      <p:sp>
+        <p:nvSpPr>
+          <p:cNvPr id="8" name="PlaceHolder 7"/>
+          <p:cNvSpPr>
+            <a:spLocks noGrp="1"/>
+          </p:cNvSpPr>
+          <p:nvPr>
+            <p:ph type="dt" idx="9"/>
+          </p:nvPr>
+        </p:nvSpPr>
+        <p:spPr/>
+        <p:txBody>
+          <a:bodyPr/>
+          <a:p>
+            <a:r>
+              <a:rPr lang="hr-HR"/>
+              <a:t/>
+            </a:r>
+          </a:p>
+        </p:txBody>
+      </p:sp>
+    </p:spTree>
+  </p:cSld>
+</p:sldLayout>
+</file>
+
+<file path=ppt/slideLayouts/slideLayout32.xml><?xml version="1.0" encoding="utf-8"?>
+<p:sldLayout xmlns:a="http://schemas.openxmlformats.org/drawingml/2006/main" xmlns:p="http://schemas.openxmlformats.org/presentationml/2006/main" xmlns:r="http://schemas.openxmlformats.org/officeDocument/2006/relationships" xmlns:p14="http://schemas.microsoft.com/office/powerpoint/2010/main" xmlns:p15="http://schemas.microsoft.com/office/powerpoint/2012/main" xmlns:mc="http://schemas.openxmlformats.org/markup-compatibility/2006" type="objAndTwoObj" preserve="1">
+  <p:cSld name="Title Content and 2 Content">
+    <p:spTree>
+      <p:nvGrpSpPr>
+        <p:cNvPr id="1" name=""/>
+        <p:cNvGrpSpPr/>
+        <p:nvPr/>
+      </p:nvGrpSpPr>
+      <p:grpSpPr>
+        <a:xfrm>
+          <a:off x="0" y="0"/>
+          <a:ext cx="0" cy="0"/>
+          <a:chOff x="0" y="0"/>
+          <a:chExt cx="0" cy="0"/>
+        </a:xfrm>
+      </p:grpSpPr>
+      <p:sp>
+        <p:nvSpPr>
+          <p:cNvPr id="101" name="PlaceHolder 1"/>
+          <p:cNvSpPr>
+            <a:spLocks noGrp="1"/>
+          </p:cNvSpPr>
+          <p:nvPr>
+            <p:ph type="title"/>
+          </p:nvPr>
+        </p:nvSpPr>
+        <p:spPr>
+          <a:xfrm>
+            <a:off x="609480" y="273600"/>
+            <a:ext cx="10972440" cy="1144800"/>
+          </a:xfrm>
+          <a:prstGeom prst="rect">
+            <a:avLst/>
+          </a:prstGeom>
+          <a:noFill/>
+          <a:ln w="0">
+            <a:noFill/>
+          </a:ln>
+        </p:spPr>
+        <p:txBody>
+          <a:bodyPr lIns="0" rIns="0" tIns="0" bIns="0" anchor="ctr">
+            <a:noAutofit/>
+          </a:bodyPr>
+          <a:p>
+            <a:pPr algn="ctr">
+              <a:buNone/>
+            </a:pPr>
+            <a:endParaRPr b="0" lang="hr-HR" sz="4400" spc="-1" strike="noStrike">
+              <a:latin typeface="Arial"/>
+            </a:endParaRPr>
+          </a:p>
+        </p:txBody>
+      </p:sp>
+      <p:sp>
+        <p:nvSpPr>
+          <p:cNvPr id="102" name="PlaceHolder 2"/>
+          <p:cNvSpPr>
+            <a:spLocks noGrp="1"/>
+          </p:cNvSpPr>
+          <p:nvPr>
+            <p:ph/>
+          </p:nvPr>
+        </p:nvSpPr>
+        <p:spPr>
+          <a:xfrm>
+            <a:off x="609480" y="1604520"/>
+            <a:ext cx="5354280" cy="3977280"/>
+          </a:xfrm>
+          <a:prstGeom prst="rect">
+            <a:avLst/>
+          </a:prstGeom>
+          <a:noFill/>
+          <a:ln w="0">
+            <a:noFill/>
+          </a:ln>
+        </p:spPr>
+        <p:txBody>
+          <a:bodyPr lIns="0" rIns="0" tIns="0" bIns="0" anchor="t">
+            <a:normAutofit/>
+          </a:bodyPr>
+          <a:p>
+            <a:endParaRPr b="0" lang="hr-HR" sz="3200" spc="-1" strike="noStrike">
+              <a:latin typeface="Arial"/>
+            </a:endParaRPr>
+          </a:p>
+        </p:txBody>
+      </p:sp>
+      <p:sp>
+        <p:nvSpPr>
+          <p:cNvPr id="103" name="PlaceHolder 3"/>
+          <p:cNvSpPr>
+            <a:spLocks noGrp="1"/>
+          </p:cNvSpPr>
+          <p:nvPr>
+            <p:ph/>
+          </p:nvPr>
+        </p:nvSpPr>
+        <p:spPr>
+          <a:xfrm>
+            <a:off x="6231960" y="1604520"/>
+            <a:ext cx="5354280" cy="1896840"/>
+          </a:xfrm>
+          <a:prstGeom prst="rect">
+            <a:avLst/>
+          </a:prstGeom>
+          <a:noFill/>
+          <a:ln w="0">
+            <a:noFill/>
+          </a:ln>
+        </p:spPr>
+        <p:txBody>
+          <a:bodyPr lIns="0" rIns="0" tIns="0" bIns="0" anchor="t">
+            <a:normAutofit/>
+          </a:bodyPr>
+          <a:p>
+            <a:endParaRPr b="0" lang="hr-HR" sz="3200" spc="-1" strike="noStrike">
+              <a:latin typeface="Arial"/>
+            </a:endParaRPr>
+          </a:p>
+        </p:txBody>
+      </p:sp>
+      <p:sp>
+        <p:nvSpPr>
+          <p:cNvPr id="104" name="PlaceHolder 4"/>
+          <p:cNvSpPr>
+            <a:spLocks noGrp="1"/>
+          </p:cNvSpPr>
+          <p:nvPr>
+            <p:ph/>
+          </p:nvPr>
+        </p:nvSpPr>
+        <p:spPr>
+          <a:xfrm>
+            <a:off x="6231960" y="3682080"/>
+            <a:ext cx="5354280" cy="1896840"/>
+          </a:xfrm>
+          <a:prstGeom prst="rect">
+            <a:avLst/>
+          </a:prstGeom>
+          <a:noFill/>
+          <a:ln w="0">
+            <a:noFill/>
+          </a:ln>
+        </p:spPr>
+        <p:txBody>
+          <a:bodyPr lIns="0" rIns="0" tIns="0" bIns="0" anchor="t">
+            <a:normAutofit/>
+          </a:bodyPr>
+          <a:p>
+            <a:endParaRPr b="0" lang="hr-HR" sz="3200" spc="-1" strike="noStrike">
+              <a:latin typeface="Arial"/>
+            </a:endParaRPr>
+          </a:p>
+        </p:txBody>
+      </p:sp>
+      <p:sp>
+        <p:nvSpPr>
+          <p:cNvPr id="6" name="PlaceHolder 5"/>
+          <p:cNvSpPr>
+            <a:spLocks noGrp="1"/>
+          </p:cNvSpPr>
+          <p:nvPr>
+            <p:ph type="ftr" idx="7"/>
+          </p:nvPr>
+        </p:nvSpPr>
+        <p:spPr/>
+        <p:txBody>
+          <a:bodyPr/>
+          <a:p>
+            <a:r>
+              <a:t>Footer</a:t>
+            </a:r>
+          </a:p>
+        </p:txBody>
+      </p:sp>
+      <p:sp>
+        <p:nvSpPr>
+          <p:cNvPr id="7" name="PlaceHolder 6"/>
+          <p:cNvSpPr>
+            <a:spLocks noGrp="1"/>
+          </p:cNvSpPr>
+          <p:nvPr>
+            <p:ph type="sldNum" idx="8"/>
+          </p:nvPr>
+        </p:nvSpPr>
+        <p:spPr/>
+        <p:txBody>
+          <a:bodyPr/>
+          <a:p>
+            <a:fld id="{192148D0-DFF1-45A7-A8D7-F8D89B0F0072}" type="slidenum">
+              <a:t>&lt;#&gt;</a:t>
+            </a:fld>
+          </a:p>
+        </p:txBody>
+      </p:sp>
+      <p:sp>
+        <p:nvSpPr>
+          <p:cNvPr id="8" name="PlaceHolder 7"/>
+          <p:cNvSpPr>
+            <a:spLocks noGrp="1"/>
+          </p:cNvSpPr>
+          <p:nvPr>
+            <p:ph type="dt" idx="9"/>
+          </p:nvPr>
+        </p:nvSpPr>
+        <p:spPr/>
+        <p:txBody>
+          <a:bodyPr/>
+          <a:p>
+            <a:r>
+              <a:rPr lang="hr-HR"/>
+              <a:t/>
+            </a:r>
+          </a:p>
+        </p:txBody>
+      </p:sp>
+    </p:spTree>
+  </p:cSld>
+</p:sldLayout>
+</file>
+
+<file path=ppt/slideLayouts/slideLayout33.xml><?xml version="1.0" encoding="utf-8"?>
+<p:sldLayout xmlns:a="http://schemas.openxmlformats.org/drawingml/2006/main" xmlns:p="http://schemas.openxmlformats.org/presentationml/2006/main" xmlns:r="http://schemas.openxmlformats.org/officeDocument/2006/relationships" xmlns:p14="http://schemas.microsoft.com/office/powerpoint/2010/main" xmlns:p15="http://schemas.microsoft.com/office/powerpoint/2012/main" xmlns:mc="http://schemas.openxmlformats.org/markup-compatibility/2006" type="twoObjOverTx" preserve="1">
+  <p:cSld name="Title, 2 Content over Content">
+    <p:spTree>
+      <p:nvGrpSpPr>
+        <p:cNvPr id="1" name=""/>
+        <p:cNvGrpSpPr/>
+        <p:nvPr/>
+      </p:nvGrpSpPr>
+      <p:grpSpPr>
+        <a:xfrm>
+          <a:off x="0" y="0"/>
+          <a:ext cx="0" cy="0"/>
+          <a:chOff x="0" y="0"/>
+          <a:chExt cx="0" cy="0"/>
+        </a:xfrm>
+      </p:grpSpPr>
+      <p:sp>
+        <p:nvSpPr>
+          <p:cNvPr id="105" name="PlaceHolder 1"/>
+          <p:cNvSpPr>
+            <a:spLocks noGrp="1"/>
+          </p:cNvSpPr>
+          <p:nvPr>
+            <p:ph type="title"/>
+          </p:nvPr>
+        </p:nvSpPr>
+        <p:spPr>
+          <a:xfrm>
+            <a:off x="609480" y="273600"/>
+            <a:ext cx="10972440" cy="1144800"/>
+          </a:xfrm>
+          <a:prstGeom prst="rect">
+            <a:avLst/>
+          </a:prstGeom>
+          <a:noFill/>
+          <a:ln w="0">
+            <a:noFill/>
+          </a:ln>
+        </p:spPr>
+        <p:txBody>
+          <a:bodyPr lIns="0" rIns="0" tIns="0" bIns="0" anchor="ctr">
+            <a:noAutofit/>
+          </a:bodyPr>
+          <a:p>
+            <a:pPr algn="ctr">
+              <a:buNone/>
+            </a:pPr>
+            <a:endParaRPr b="0" lang="hr-HR" sz="4400" spc="-1" strike="noStrike">
+              <a:latin typeface="Arial"/>
+            </a:endParaRPr>
+          </a:p>
+        </p:txBody>
+      </p:sp>
+      <p:sp>
+        <p:nvSpPr>
+          <p:cNvPr id="106" name="PlaceHolder 2"/>
+          <p:cNvSpPr>
+            <a:spLocks noGrp="1"/>
+          </p:cNvSpPr>
+          <p:nvPr>
+            <p:ph/>
+          </p:nvPr>
+        </p:nvSpPr>
+        <p:spPr>
+          <a:xfrm>
+            <a:off x="609480" y="1604520"/>
+            <a:ext cx="5354280" cy="1896840"/>
+          </a:xfrm>
+          <a:prstGeom prst="rect">
+            <a:avLst/>
+          </a:prstGeom>
+          <a:noFill/>
+          <a:ln w="0">
+            <a:noFill/>
+          </a:ln>
+        </p:spPr>
+        <p:txBody>
+          <a:bodyPr lIns="0" rIns="0" tIns="0" bIns="0" anchor="t">
+            <a:normAutofit/>
+          </a:bodyPr>
+          <a:p>
+            <a:endParaRPr b="0" lang="hr-HR" sz="3200" spc="-1" strike="noStrike">
+              <a:latin typeface="Arial"/>
+            </a:endParaRPr>
+          </a:p>
+        </p:txBody>
+      </p:sp>
+      <p:sp>
+        <p:nvSpPr>
+          <p:cNvPr id="107" name="PlaceHolder 3"/>
+          <p:cNvSpPr>
+            <a:spLocks noGrp="1"/>
+          </p:cNvSpPr>
+          <p:nvPr>
+            <p:ph/>
+          </p:nvPr>
+        </p:nvSpPr>
+        <p:spPr>
+          <a:xfrm>
+            <a:off x="6231960" y="1604520"/>
+            <a:ext cx="5354280" cy="1896840"/>
+          </a:xfrm>
+          <a:prstGeom prst="rect">
+            <a:avLst/>
+          </a:prstGeom>
+          <a:noFill/>
+          <a:ln w="0">
+            <a:noFill/>
+          </a:ln>
+        </p:spPr>
+        <p:txBody>
+          <a:bodyPr lIns="0" rIns="0" tIns="0" bIns="0" anchor="t">
+            <a:normAutofit/>
+          </a:bodyPr>
+          <a:p>
+            <a:endParaRPr b="0" lang="hr-HR" sz="3200" spc="-1" strike="noStrike">
+              <a:latin typeface="Arial"/>
+            </a:endParaRPr>
+          </a:p>
+        </p:txBody>
+      </p:sp>
+      <p:sp>
+        <p:nvSpPr>
+          <p:cNvPr id="108" name="PlaceHolder 4"/>
+          <p:cNvSpPr>
+            <a:spLocks noGrp="1"/>
+          </p:cNvSpPr>
+          <p:nvPr>
+            <p:ph/>
+          </p:nvPr>
+        </p:nvSpPr>
+        <p:spPr>
+          <a:xfrm>
+            <a:off x="609480" y="3682080"/>
+            <a:ext cx="10972440" cy="1896840"/>
+          </a:xfrm>
+          <a:prstGeom prst="rect">
+            <a:avLst/>
+          </a:prstGeom>
+          <a:noFill/>
+          <a:ln w="0">
+            <a:noFill/>
+          </a:ln>
+        </p:spPr>
+        <p:txBody>
+          <a:bodyPr lIns="0" rIns="0" tIns="0" bIns="0" anchor="t">
+            <a:normAutofit/>
+          </a:bodyPr>
+          <a:p>
+            <a:endParaRPr b="0" lang="hr-HR" sz="3200" spc="-1" strike="noStrike">
+              <a:latin typeface="Arial"/>
+            </a:endParaRPr>
+          </a:p>
+        </p:txBody>
+      </p:sp>
+      <p:sp>
+        <p:nvSpPr>
+          <p:cNvPr id="6" name="PlaceHolder 5"/>
+          <p:cNvSpPr>
+            <a:spLocks noGrp="1"/>
+          </p:cNvSpPr>
+          <p:nvPr>
+            <p:ph type="ftr" idx="7"/>
+          </p:nvPr>
+        </p:nvSpPr>
+        <p:spPr/>
+        <p:txBody>
+          <a:bodyPr/>
+          <a:p>
+            <a:r>
+              <a:t>Footer</a:t>
+            </a:r>
+          </a:p>
+        </p:txBody>
+      </p:sp>
+      <p:sp>
+        <p:nvSpPr>
+          <p:cNvPr id="7" name="PlaceHolder 6"/>
+          <p:cNvSpPr>
+            <a:spLocks noGrp="1"/>
+          </p:cNvSpPr>
+          <p:nvPr>
+            <p:ph type="sldNum" idx="8"/>
+          </p:nvPr>
+        </p:nvSpPr>
+        <p:spPr/>
+        <p:txBody>
+          <a:bodyPr/>
+          <a:p>
+            <a:fld id="{7972FA4D-21E0-41E0-9377-9A7A67A2B7B1}" type="slidenum">
+              <a:t>&lt;#&gt;</a:t>
+            </a:fld>
+          </a:p>
+        </p:txBody>
+      </p:sp>
+      <p:sp>
+        <p:nvSpPr>
+          <p:cNvPr id="8" name="PlaceHolder 7"/>
+          <p:cNvSpPr>
+            <a:spLocks noGrp="1"/>
+          </p:cNvSpPr>
+          <p:nvPr>
+            <p:ph type="dt" idx="9"/>
+          </p:nvPr>
+        </p:nvSpPr>
+        <p:spPr/>
+        <p:txBody>
+          <a:bodyPr/>
+          <a:p>
+            <a:r>
+              <a:rPr lang="hr-HR"/>
+              <a:t/>
+            </a:r>
+          </a:p>
+        </p:txBody>
+      </p:sp>
+    </p:spTree>
+  </p:cSld>
+</p:sldLayout>
+</file>
+
+<file path=ppt/slideLayouts/slideLayout34.xml><?xml version="1.0" encoding="utf-8"?>
+<p:sldLayout xmlns:a="http://schemas.openxmlformats.org/drawingml/2006/main" xmlns:p="http://schemas.openxmlformats.org/presentationml/2006/main" xmlns:r="http://schemas.openxmlformats.org/officeDocument/2006/relationships" xmlns:p14="http://schemas.microsoft.com/office/powerpoint/2010/main" xmlns:p15="http://schemas.microsoft.com/office/powerpoint/2012/main" xmlns:mc="http://schemas.openxmlformats.org/markup-compatibility/2006" type="objOverTx" preserve="1">
+  <p:cSld name="Title, Content over Content">
+    <p:spTree>
+      <p:nvGrpSpPr>
+        <p:cNvPr id="1" name=""/>
+        <p:cNvGrpSpPr/>
+        <p:nvPr/>
+      </p:nvGrpSpPr>
+      <p:grpSpPr>
+        <a:xfrm>
+          <a:off x="0" y="0"/>
+          <a:ext cx="0" cy="0"/>
+          <a:chOff x="0" y="0"/>
+          <a:chExt cx="0" cy="0"/>
+        </a:xfrm>
+      </p:grpSpPr>
+      <p:sp>
+        <p:nvSpPr>
+          <p:cNvPr id="109" name="PlaceHolder 1"/>
+          <p:cNvSpPr>
+            <a:spLocks noGrp="1"/>
+          </p:cNvSpPr>
+          <p:nvPr>
+            <p:ph type="title"/>
+          </p:nvPr>
+        </p:nvSpPr>
+        <p:spPr>
+          <a:xfrm>
+            <a:off x="609480" y="273600"/>
+            <a:ext cx="10972440" cy="1144800"/>
+          </a:xfrm>
+          <a:prstGeom prst="rect">
+            <a:avLst/>
+          </a:prstGeom>
+          <a:noFill/>
+          <a:ln w="0">
+            <a:noFill/>
+          </a:ln>
+        </p:spPr>
+        <p:txBody>
+          <a:bodyPr lIns="0" rIns="0" tIns="0" bIns="0" anchor="ctr">
+            <a:noAutofit/>
+          </a:bodyPr>
+          <a:p>
+            <a:pPr algn="ctr">
+              <a:buNone/>
+            </a:pPr>
+            <a:endParaRPr b="0" lang="hr-HR" sz="4400" spc="-1" strike="noStrike">
+              <a:latin typeface="Arial"/>
+            </a:endParaRPr>
+          </a:p>
+        </p:txBody>
+      </p:sp>
+      <p:sp>
+        <p:nvSpPr>
+          <p:cNvPr id="110" name="PlaceHolder 2"/>
+          <p:cNvSpPr>
+            <a:spLocks noGrp="1"/>
+          </p:cNvSpPr>
+          <p:nvPr>
+            <p:ph/>
+          </p:nvPr>
+        </p:nvSpPr>
+        <p:spPr>
+          <a:xfrm>
+            <a:off x="609480" y="1604520"/>
+            <a:ext cx="10972440" cy="1896840"/>
+          </a:xfrm>
+          <a:prstGeom prst="rect">
+            <a:avLst/>
+          </a:prstGeom>
+          <a:noFill/>
+          <a:ln w="0">
+            <a:noFill/>
+          </a:ln>
+        </p:spPr>
+        <p:txBody>
+          <a:bodyPr lIns="0" rIns="0" tIns="0" bIns="0" anchor="t">
+            <a:normAutofit/>
+          </a:bodyPr>
+          <a:p>
+            <a:endParaRPr b="0" lang="hr-HR" sz="3200" spc="-1" strike="noStrike">
+              <a:latin typeface="Arial"/>
+            </a:endParaRPr>
+          </a:p>
+        </p:txBody>
+      </p:sp>
+      <p:sp>
+        <p:nvSpPr>
+          <p:cNvPr id="111" name="PlaceHolder 3"/>
+          <p:cNvSpPr>
+            <a:spLocks noGrp="1"/>
+          </p:cNvSpPr>
+          <p:nvPr>
+            <p:ph/>
+          </p:nvPr>
+        </p:nvSpPr>
+        <p:spPr>
+          <a:xfrm>
+            <a:off x="609480" y="3682080"/>
+            <a:ext cx="10972440" cy="1896840"/>
+          </a:xfrm>
+          <a:prstGeom prst="rect">
+            <a:avLst/>
+          </a:prstGeom>
+          <a:noFill/>
+          <a:ln w="0">
+            <a:noFill/>
+          </a:ln>
+        </p:spPr>
+        <p:txBody>
+          <a:bodyPr lIns="0" rIns="0" tIns="0" bIns="0" anchor="t">
+            <a:normAutofit/>
+          </a:bodyPr>
+          <a:p>
+            <a:endParaRPr b="0" lang="hr-HR" sz="3200" spc="-1" strike="noStrike">
+              <a:latin typeface="Arial"/>
+            </a:endParaRPr>
+          </a:p>
+        </p:txBody>
+      </p:sp>
+      <p:sp>
+        <p:nvSpPr>
+          <p:cNvPr id="5" name="PlaceHolder 4"/>
+          <p:cNvSpPr>
+            <a:spLocks noGrp="1"/>
+          </p:cNvSpPr>
+          <p:nvPr>
+            <p:ph type="ftr" idx="7"/>
+          </p:nvPr>
+        </p:nvSpPr>
+        <p:spPr/>
+        <p:txBody>
+          <a:bodyPr/>
+          <a:p>
+            <a:r>
+              <a:t>Footer</a:t>
+            </a:r>
+          </a:p>
+        </p:txBody>
+      </p:sp>
+      <p:sp>
+        <p:nvSpPr>
+          <p:cNvPr id="6" name="PlaceHolder 5"/>
+          <p:cNvSpPr>
+            <a:spLocks noGrp="1"/>
+          </p:cNvSpPr>
+          <p:nvPr>
+            <p:ph type="sldNum" idx="8"/>
+          </p:nvPr>
+        </p:nvSpPr>
+        <p:spPr/>
+        <p:txBody>
+          <a:bodyPr/>
+          <a:p>
+            <a:fld id="{351CCCA1-F998-43AB-BABA-232451DD44B6}" type="slidenum">
+              <a:t>&lt;#&gt;</a:t>
+            </a:fld>
+          </a:p>
+        </p:txBody>
+      </p:sp>
+      <p:sp>
+        <p:nvSpPr>
+          <p:cNvPr id="7" name="PlaceHolder 6"/>
+          <p:cNvSpPr>
+            <a:spLocks noGrp="1"/>
+          </p:cNvSpPr>
+          <p:nvPr>
+            <p:ph type="dt" idx="9"/>
+          </p:nvPr>
+        </p:nvSpPr>
+        <p:spPr/>
+        <p:txBody>
+          <a:bodyPr/>
+          <a:p>
+            <a:r>
+              <a:rPr lang="hr-HR"/>
+              <a:t/>
+            </a:r>
+          </a:p>
+        </p:txBody>
+      </p:sp>
+    </p:spTree>
+  </p:cSld>
+</p:sldLayout>
+</file>
+
+<file path=ppt/slideLayouts/slideLayout35.xml><?xml version="1.0" encoding="utf-8"?>
+<p:sldLayout xmlns:a="http://schemas.openxmlformats.org/drawingml/2006/main" xmlns:p="http://schemas.openxmlformats.org/presentationml/2006/main" xmlns:r="http://schemas.openxmlformats.org/officeDocument/2006/relationships" xmlns:p14="http://schemas.microsoft.com/office/powerpoint/2010/main" xmlns:p15="http://schemas.microsoft.com/office/powerpoint/2012/main" xmlns:mc="http://schemas.openxmlformats.org/markup-compatibility/2006" type="fourObj" preserve="1">
+  <p:cSld name="Title, 4 Content">
+    <p:spTree>
+      <p:nvGrpSpPr>
+        <p:cNvPr id="1" name=""/>
+        <p:cNvGrpSpPr/>
+        <p:nvPr/>
+      </p:nvGrpSpPr>
+      <p:grpSpPr>
+        <a:xfrm>
+          <a:off x="0" y="0"/>
+          <a:ext cx="0" cy="0"/>
+          <a:chOff x="0" y="0"/>
+          <a:chExt cx="0" cy="0"/>
+        </a:xfrm>
+      </p:grpSpPr>
+      <p:sp>
+        <p:nvSpPr>
+          <p:cNvPr id="112" name="PlaceHolder 1"/>
+          <p:cNvSpPr>
+            <a:spLocks noGrp="1"/>
+          </p:cNvSpPr>
+          <p:nvPr>
+            <p:ph type="title"/>
+          </p:nvPr>
+        </p:nvSpPr>
+        <p:spPr>
+          <a:xfrm>
+            <a:off x="609480" y="273600"/>
+            <a:ext cx="10972440" cy="1144800"/>
+          </a:xfrm>
+          <a:prstGeom prst="rect">
+            <a:avLst/>
+          </a:prstGeom>
+          <a:noFill/>
+          <a:ln w="0">
+            <a:noFill/>
+          </a:ln>
+        </p:spPr>
+        <p:txBody>
+          <a:bodyPr lIns="0" rIns="0" tIns="0" bIns="0" anchor="ctr">
+            <a:noAutofit/>
+          </a:bodyPr>
+          <a:p>
+            <a:pPr algn="ctr">
+              <a:buNone/>
+            </a:pPr>
+            <a:endParaRPr b="0" lang="hr-HR" sz="4400" spc="-1" strike="noStrike">
+              <a:latin typeface="Arial"/>
+            </a:endParaRPr>
+          </a:p>
+        </p:txBody>
+      </p:sp>
+      <p:sp>
+        <p:nvSpPr>
+          <p:cNvPr id="113" name="PlaceHolder 2"/>
+          <p:cNvSpPr>
+            <a:spLocks noGrp="1"/>
+          </p:cNvSpPr>
+          <p:nvPr>
+            <p:ph/>
+          </p:nvPr>
+        </p:nvSpPr>
+        <p:spPr>
+          <a:xfrm>
+            <a:off x="609480" y="1604520"/>
+            <a:ext cx="5354280" cy="1896840"/>
+          </a:xfrm>
+          <a:prstGeom prst="rect">
+            <a:avLst/>
+          </a:prstGeom>
+          <a:noFill/>
+          <a:ln w="0">
+            <a:noFill/>
+          </a:ln>
+        </p:spPr>
+        <p:txBody>
+          <a:bodyPr lIns="0" rIns="0" tIns="0" bIns="0" anchor="t">
+            <a:normAutofit/>
+          </a:bodyPr>
+          <a:p>
+            <a:endParaRPr b="0" lang="hr-HR" sz="3200" spc="-1" strike="noStrike">
+              <a:latin typeface="Arial"/>
+            </a:endParaRPr>
+          </a:p>
+        </p:txBody>
+      </p:sp>
+      <p:sp>
+        <p:nvSpPr>
+          <p:cNvPr id="114" name="PlaceHolder 3"/>
+          <p:cNvSpPr>
+            <a:spLocks noGrp="1"/>
+          </p:cNvSpPr>
+          <p:nvPr>
+            <p:ph/>
+          </p:nvPr>
+        </p:nvSpPr>
+        <p:spPr>
+          <a:xfrm>
+            <a:off x="6231960" y="1604520"/>
+            <a:ext cx="5354280" cy="1896840"/>
+          </a:xfrm>
+          <a:prstGeom prst="rect">
+            <a:avLst/>
+          </a:prstGeom>
+          <a:noFill/>
+          <a:ln w="0">
+            <a:noFill/>
+          </a:ln>
+        </p:spPr>
+        <p:txBody>
+          <a:bodyPr lIns="0" rIns="0" tIns="0" bIns="0" anchor="t">
+            <a:normAutofit/>
+          </a:bodyPr>
+          <a:p>
+            <a:endParaRPr b="0" lang="hr-HR" sz="3200" spc="-1" strike="noStrike">
+              <a:latin typeface="Arial"/>
+            </a:endParaRPr>
+          </a:p>
+        </p:txBody>
+      </p:sp>
+      <p:sp>
+        <p:nvSpPr>
+          <p:cNvPr id="115" name="PlaceHolder 4"/>
+          <p:cNvSpPr>
+            <a:spLocks noGrp="1"/>
+          </p:cNvSpPr>
+          <p:nvPr>
+            <p:ph/>
+          </p:nvPr>
+        </p:nvSpPr>
+        <p:spPr>
+          <a:xfrm>
+            <a:off x="609480" y="3682080"/>
+            <a:ext cx="5354280" cy="1896840"/>
+          </a:xfrm>
+          <a:prstGeom prst="rect">
+            <a:avLst/>
+          </a:prstGeom>
+          <a:noFill/>
+          <a:ln w="0">
+            <a:noFill/>
+          </a:ln>
+        </p:spPr>
+        <p:txBody>
+          <a:bodyPr lIns="0" rIns="0" tIns="0" bIns="0" anchor="t">
+            <a:normAutofit/>
+          </a:bodyPr>
+          <a:p>
+            <a:endParaRPr b="0" lang="hr-HR" sz="3200" spc="-1" strike="noStrike">
+              <a:latin typeface="Arial"/>
+            </a:endParaRPr>
+          </a:p>
+        </p:txBody>
+      </p:sp>
+      <p:sp>
+        <p:nvSpPr>
+          <p:cNvPr id="116" name="PlaceHolder 5"/>
+          <p:cNvSpPr>
+            <a:spLocks noGrp="1"/>
+          </p:cNvSpPr>
+          <p:nvPr>
+            <p:ph/>
+          </p:nvPr>
+        </p:nvSpPr>
+        <p:spPr>
+          <a:xfrm>
+            <a:off x="6231960" y="3682080"/>
+            <a:ext cx="5354280" cy="1896840"/>
+          </a:xfrm>
+          <a:prstGeom prst="rect">
+            <a:avLst/>
+          </a:prstGeom>
+          <a:noFill/>
+          <a:ln w="0">
+            <a:noFill/>
+          </a:ln>
+        </p:spPr>
+        <p:txBody>
+          <a:bodyPr lIns="0" rIns="0" tIns="0" bIns="0" anchor="t">
+            <a:normAutofit/>
+          </a:bodyPr>
+          <a:p>
+            <a:endParaRPr b="0" lang="hr-HR" sz="3200" spc="-1" strike="noStrike">
+              <a:latin typeface="Arial"/>
+            </a:endParaRPr>
+          </a:p>
+        </p:txBody>
+      </p:sp>
+      <p:sp>
+        <p:nvSpPr>
+          <p:cNvPr id="7" name="PlaceHolder 6"/>
+          <p:cNvSpPr>
+            <a:spLocks noGrp="1"/>
+          </p:cNvSpPr>
+          <p:nvPr>
+            <p:ph type="ftr" idx="7"/>
+          </p:nvPr>
+        </p:nvSpPr>
+        <p:spPr/>
+        <p:txBody>
+          <a:bodyPr/>
+          <a:p>
+            <a:r>
+              <a:t>Footer</a:t>
+            </a:r>
+          </a:p>
+        </p:txBody>
+      </p:sp>
+      <p:sp>
+        <p:nvSpPr>
+          <p:cNvPr id="8" name="PlaceHolder 7"/>
+          <p:cNvSpPr>
+            <a:spLocks noGrp="1"/>
+          </p:cNvSpPr>
+          <p:nvPr>
+            <p:ph type="sldNum" idx="8"/>
+          </p:nvPr>
+        </p:nvSpPr>
+        <p:spPr/>
+        <p:txBody>
+          <a:bodyPr/>
+          <a:p>
+            <a:fld id="{2E9AD51A-2B66-4E0A-A18D-4287904704B3}" type="slidenum">
+              <a:t>&lt;#&gt;</a:t>
+            </a:fld>
+          </a:p>
+        </p:txBody>
+      </p:sp>
+      <p:sp>
+        <p:nvSpPr>
+          <p:cNvPr id="9" name="PlaceHolder 8"/>
+          <p:cNvSpPr>
+            <a:spLocks noGrp="1"/>
+          </p:cNvSpPr>
+          <p:nvPr>
+            <p:ph type="dt" idx="9"/>
+          </p:nvPr>
+        </p:nvSpPr>
+        <p:spPr/>
+        <p:txBody>
+          <a:bodyPr/>
+          <a:p>
+            <a:r>
+              <a:rPr lang="hr-HR"/>
+              <a:t/>
+            </a:r>
+          </a:p>
+        </p:txBody>
+      </p:sp>
+    </p:spTree>
+  </p:cSld>
+</p:sldLayout>
+</file>
+
+<file path=ppt/slideLayouts/slideLayout36.xml><?xml version="1.0" encoding="utf-8"?>
+<p:sldLayout xmlns:a="http://schemas.openxmlformats.org/drawingml/2006/main" xmlns:p="http://schemas.openxmlformats.org/presentationml/2006/main" xmlns:r="http://schemas.openxmlformats.org/officeDocument/2006/relationships" xmlns:p14="http://schemas.microsoft.com/office/powerpoint/2010/main" xmlns:p15="http://schemas.microsoft.com/office/powerpoint/2012/main" xmlns:mc="http://schemas.openxmlformats.org/markup-compatibility/2006" type="blank" preserve="1">
+  <p:cSld name="Title, 6 Content">
+    <p:spTree>
+      <p:nvGrpSpPr>
+        <p:cNvPr id="1" name=""/>
+        <p:cNvGrpSpPr/>
+        <p:nvPr/>
+      </p:nvGrpSpPr>
+      <p:grpSpPr>
+        <a:xfrm>
+          <a:off x="0" y="0"/>
+          <a:ext cx="0" cy="0"/>
+          <a:chOff x="0" y="0"/>
+          <a:chExt cx="0" cy="0"/>
+        </a:xfrm>
+      </p:grpSpPr>
+      <p:sp>
+        <p:nvSpPr>
+          <p:cNvPr id="117" name="PlaceHolder 1"/>
+          <p:cNvSpPr>
+            <a:spLocks noGrp="1"/>
+          </p:cNvSpPr>
+          <p:nvPr>
+            <p:ph type="title"/>
+          </p:nvPr>
+        </p:nvSpPr>
+        <p:spPr>
+          <a:xfrm>
+            <a:off x="609480" y="273600"/>
+            <a:ext cx="10972440" cy="1144800"/>
+          </a:xfrm>
+          <a:prstGeom prst="rect">
+            <a:avLst/>
+          </a:prstGeom>
+          <a:noFill/>
+          <a:ln w="0">
+            <a:noFill/>
+          </a:ln>
+        </p:spPr>
+        <p:txBody>
+          <a:bodyPr lIns="0" rIns="0" tIns="0" bIns="0" anchor="ctr">
+            <a:noAutofit/>
+          </a:bodyPr>
+          <a:p>
+            <a:pPr algn="ctr">
+              <a:buNone/>
+            </a:pPr>
+            <a:endParaRPr b="0" lang="hr-HR" sz="4400" spc="-1" strike="noStrike">
+              <a:latin typeface="Arial"/>
+            </a:endParaRPr>
+          </a:p>
+        </p:txBody>
+      </p:sp>
+      <p:sp>
+        <p:nvSpPr>
+          <p:cNvPr id="118" name="PlaceHolder 2"/>
+          <p:cNvSpPr>
+            <a:spLocks noGrp="1"/>
+          </p:cNvSpPr>
+          <p:nvPr>
+            <p:ph/>
+          </p:nvPr>
+        </p:nvSpPr>
+        <p:spPr>
+          <a:xfrm>
+            <a:off x="609480" y="1604520"/>
+            <a:ext cx="3533040" cy="1896840"/>
+          </a:xfrm>
+          <a:prstGeom prst="rect">
+            <a:avLst/>
+          </a:prstGeom>
+          <a:noFill/>
+          <a:ln w="0">
+            <a:noFill/>
+          </a:ln>
+        </p:spPr>
+        <p:txBody>
+          <a:bodyPr lIns="0" rIns="0" tIns="0" bIns="0" anchor="t">
+            <a:normAutofit/>
+          </a:bodyPr>
+          <a:p>
+            <a:endParaRPr b="0" lang="hr-HR" sz="3200" spc="-1" strike="noStrike">
+              <a:latin typeface="Arial"/>
+            </a:endParaRPr>
+          </a:p>
+        </p:txBody>
+      </p:sp>
+      <p:sp>
+        <p:nvSpPr>
+          <p:cNvPr id="119" name="PlaceHolder 3"/>
+          <p:cNvSpPr>
+            <a:spLocks noGrp="1"/>
+          </p:cNvSpPr>
+          <p:nvPr>
+            <p:ph/>
+          </p:nvPr>
+        </p:nvSpPr>
+        <p:spPr>
+          <a:xfrm>
+            <a:off x="4319640" y="1604520"/>
+            <a:ext cx="3533040" cy="1896840"/>
+          </a:xfrm>
+          <a:prstGeom prst="rect">
+            <a:avLst/>
+          </a:prstGeom>
+          <a:noFill/>
+          <a:ln w="0">
+            <a:noFill/>
+          </a:ln>
+        </p:spPr>
+        <p:txBody>
+          <a:bodyPr lIns="0" rIns="0" tIns="0" bIns="0" anchor="t">
+            <a:normAutofit/>
+          </a:bodyPr>
+          <a:p>
+            <a:endParaRPr b="0" lang="hr-HR" sz="3200" spc="-1" strike="noStrike">
+              <a:latin typeface="Arial"/>
+            </a:endParaRPr>
+          </a:p>
+        </p:txBody>
+      </p:sp>
+      <p:sp>
+        <p:nvSpPr>
+          <p:cNvPr id="120" name="PlaceHolder 4"/>
+          <p:cNvSpPr>
+            <a:spLocks noGrp="1"/>
+          </p:cNvSpPr>
+          <p:nvPr>
+            <p:ph/>
+          </p:nvPr>
+        </p:nvSpPr>
+        <p:spPr>
+          <a:xfrm>
+            <a:off x="8029800" y="1604520"/>
+            <a:ext cx="3533040" cy="1896840"/>
+          </a:xfrm>
+          <a:prstGeom prst="rect">
+            <a:avLst/>
+          </a:prstGeom>
+          <a:noFill/>
+          <a:ln w="0">
+            <a:noFill/>
+          </a:ln>
+        </p:spPr>
+        <p:txBody>
+          <a:bodyPr lIns="0" rIns="0" tIns="0" bIns="0" anchor="t">
+            <a:normAutofit/>
+          </a:bodyPr>
+          <a:p>
+            <a:endParaRPr b="0" lang="hr-HR" sz="3200" spc="-1" strike="noStrike">
+              <a:latin typeface="Arial"/>
+            </a:endParaRPr>
+          </a:p>
+        </p:txBody>
+      </p:sp>
+      <p:sp>
+        <p:nvSpPr>
+          <p:cNvPr id="121" name="PlaceHolder 5"/>
+          <p:cNvSpPr>
+            <a:spLocks noGrp="1"/>
+          </p:cNvSpPr>
+          <p:nvPr>
+            <p:ph/>
+          </p:nvPr>
+        </p:nvSpPr>
+        <p:spPr>
+          <a:xfrm>
+            <a:off x="609480" y="3682080"/>
+            <a:ext cx="3533040" cy="1896840"/>
+          </a:xfrm>
+          <a:prstGeom prst="rect">
+            <a:avLst/>
+          </a:prstGeom>
+          <a:noFill/>
+          <a:ln w="0">
+            <a:noFill/>
+          </a:ln>
+        </p:spPr>
+        <p:txBody>
+          <a:bodyPr lIns="0" rIns="0" tIns="0" bIns="0" anchor="t">
+            <a:normAutofit/>
+          </a:bodyPr>
+          <a:p>
+            <a:endParaRPr b="0" lang="hr-HR" sz="3200" spc="-1" strike="noStrike">
+              <a:latin typeface="Arial"/>
+            </a:endParaRPr>
+          </a:p>
+        </p:txBody>
+      </p:sp>
+      <p:sp>
+        <p:nvSpPr>
+          <p:cNvPr id="122" name="PlaceHolder 6"/>
+          <p:cNvSpPr>
+            <a:spLocks noGrp="1"/>
+          </p:cNvSpPr>
+          <p:nvPr>
+            <p:ph/>
+          </p:nvPr>
+        </p:nvSpPr>
+        <p:spPr>
+          <a:xfrm>
+            <a:off x="4319640" y="3682080"/>
+            <a:ext cx="3533040" cy="1896840"/>
+          </a:xfrm>
+          <a:prstGeom prst="rect">
+            <a:avLst/>
+          </a:prstGeom>
+          <a:noFill/>
+          <a:ln w="0">
+            <a:noFill/>
+          </a:ln>
+        </p:spPr>
+        <p:txBody>
+          <a:bodyPr lIns="0" rIns="0" tIns="0" bIns="0" anchor="t">
+            <a:normAutofit/>
+          </a:bodyPr>
+          <a:p>
+            <a:endParaRPr b="0" lang="hr-HR" sz="3200" spc="-1" strike="noStrike">
+              <a:latin typeface="Arial"/>
+            </a:endParaRPr>
+          </a:p>
+        </p:txBody>
+      </p:sp>
+      <p:sp>
+        <p:nvSpPr>
+          <p:cNvPr id="123" name="PlaceHolder 7"/>
+          <p:cNvSpPr>
+            <a:spLocks noGrp="1"/>
+          </p:cNvSpPr>
+          <p:nvPr>
+            <p:ph/>
+          </p:nvPr>
+        </p:nvSpPr>
+        <p:spPr>
+          <a:xfrm>
+            <a:off x="8029800" y="3682080"/>
+            <a:ext cx="3533040" cy="1896840"/>
+          </a:xfrm>
+          <a:prstGeom prst="rect">
+            <a:avLst/>
+          </a:prstGeom>
+          <a:noFill/>
+          <a:ln w="0">
+            <a:noFill/>
+          </a:ln>
+        </p:spPr>
+        <p:txBody>
+          <a:bodyPr lIns="0" rIns="0" tIns="0" bIns="0" anchor="t">
+            <a:normAutofit/>
+          </a:bodyPr>
+          <a:p>
+            <a:endParaRPr b="0" lang="hr-HR" sz="3200" spc="-1" strike="noStrike">
+              <a:latin typeface="Arial"/>
+            </a:endParaRPr>
+          </a:p>
+        </p:txBody>
+      </p:sp>
+      <p:sp>
+        <p:nvSpPr>
+          <p:cNvPr id="9" name="PlaceHolder 8"/>
+          <p:cNvSpPr>
+            <a:spLocks noGrp="1"/>
+          </p:cNvSpPr>
+          <p:nvPr>
+            <p:ph type="ftr" idx="7"/>
+          </p:nvPr>
+        </p:nvSpPr>
+        <p:spPr/>
+        <p:txBody>
+          <a:bodyPr/>
+          <a:p>
+            <a:r>
+              <a:t>Footer</a:t>
+            </a:r>
+          </a:p>
+        </p:txBody>
+      </p:sp>
+      <p:sp>
+        <p:nvSpPr>
+          <p:cNvPr id="10" name="PlaceHolder 9"/>
+          <p:cNvSpPr>
+            <a:spLocks noGrp="1"/>
+          </p:cNvSpPr>
+          <p:nvPr>
+            <p:ph type="sldNum" idx="8"/>
+          </p:nvPr>
+        </p:nvSpPr>
+        <p:spPr/>
+        <p:txBody>
+          <a:bodyPr/>
+          <a:p>
+            <a:fld id="{513D0BEA-972B-4C3C-9A08-6F11DC1BCB27}" type="slidenum">
+              <a:t>&lt;#&gt;</a:t>
+            </a:fld>
+          </a:p>
+        </p:txBody>
+      </p:sp>
+      <p:sp>
+        <p:nvSpPr>
+          <p:cNvPr id="11" name="PlaceHolder 10"/>
+          <p:cNvSpPr>
+            <a:spLocks noGrp="1"/>
+          </p:cNvSpPr>
+          <p:nvPr>
+            <p:ph type="dt" idx="9"/>
           </p:nvPr>
         </p:nvSpPr>
         <p:spPr/>
@@ -3597,7 +5855,7 @@
         <p:txBody>
           <a:bodyPr/>
           <a:p>
-            <a:fld id="{66D43FA5-3772-4045-881C-564C41DE18BD}" type="slidenum">
+            <a:fld id="{F10D8425-1105-4A6E-AB0E-56EBF0BC18B7}" type="slidenum">
               <a:t>&lt;#&gt;</a:t>
             </a:fld>
           </a:p>
@@ -3717,7 +5975,7 @@
         <p:txBody>
           <a:bodyPr/>
           <a:p>
-            <a:fld id="{49E5866A-A337-4FB4-B257-D109F4849E71}" type="slidenum">
+            <a:fld id="{3AEC18DD-4FE3-49AB-8CAA-EC5802143A74}" type="slidenum">
               <a:t>&lt;#&gt;</a:t>
             </a:fld>
           </a:p>
@@ -3837,7 +6095,7 @@
         <p:txBody>
           <a:bodyPr/>
           <a:p>
-            <a:fld id="{D99918ED-8750-42B5-8059-FCF1BFD4B8BD}" type="slidenum">
+            <a:fld id="{59569F06-22D3-49D9-8472-39BA86974D8F}" type="slidenum">
               <a:t>&lt;#&gt;</a:t>
             </a:fld>
           </a:p>
@@ -4059,7 +6317,7 @@
         <p:txBody>
           <a:bodyPr/>
           <a:p>
-            <a:fld id="{2D99DB56-FC07-4467-B52D-7E41FF276FD9}" type="slidenum">
+            <a:fld id="{D9E44984-FBEB-4F79-BA4B-428C608FC9A7}" type="slidenum">
               <a:t>&lt;#&gt;</a:t>
             </a:fld>
           </a:p>
@@ -4281,7 +6539,7 @@
         <p:txBody>
           <a:bodyPr/>
           <a:p>
-            <a:fld id="{59875B8B-7499-46E0-88B9-ED45448BEDE7}" type="slidenum">
+            <a:fld id="{827EC37B-41F6-4A56-8D0B-FA6344B9BAFC}" type="slidenum">
               <a:t>&lt;#&gt;</a:t>
             </a:fld>
           </a:p>
@@ -4503,7 +6761,7 @@
         <p:txBody>
           <a:bodyPr/>
           <a:p>
-            <a:fld id="{40B016C3-0125-4E36-97FA-1894ED86F602}" type="slidenum">
+            <a:fld id="{357D2222-D05C-45EE-88A1-E4D1BE449093}" type="slidenum">
               <a:t>&lt;#&gt;</a:t>
             </a:fld>
           </a:p>
@@ -4571,8 +6829,8 @@
         </p:nvSpPr>
         <p:spPr>
           <a:xfrm>
-            <a:off x="838080" y="365040"/>
-            <a:ext cx="10514880" cy="1324800"/>
+            <a:off x="609480" y="273600"/>
+            <a:ext cx="10972080" cy="1144440"/>
           </a:xfrm>
           <a:prstGeom prst="rect">
             <a:avLst/>
@@ -4591,7 +6849,13 @@
               <a:rPr b="0" lang="hr-HR" sz="1800" spc="-1" strike="noStrike">
                 <a:latin typeface="Arial"/>
               </a:rPr>
-              <a:t>Click to edit the title text format</a:t>
+              <a:t>Click to edit the </a:t>
+            </a:r>
+            <a:r>
+              <a:rPr b="0" lang="hr-HR" sz="1800" spc="-1" strike="noStrike">
+                <a:latin typeface="Arial"/>
+              </a:rPr>
+              <a:t>title text format</a:t>
             </a:r>
             <a:endParaRPr b="0" lang="hr-HR" sz="1800" spc="-1" strike="noStrike">
               <a:latin typeface="Arial"/>
@@ -4606,13 +6870,202 @@
             <a:spLocks noGrp="1"/>
           </p:cNvSpPr>
           <p:nvPr>
+            <p:ph type="body"/>
+          </p:nvPr>
+        </p:nvSpPr>
+        <p:spPr>
+          <a:xfrm>
+            <a:off x="609480" y="1604520"/>
+            <a:ext cx="10972080" cy="3976920"/>
+          </a:xfrm>
+          <a:prstGeom prst="rect">
+            <a:avLst/>
+          </a:prstGeom>
+          <a:noFill/>
+          <a:ln w="0">
+            <a:noFill/>
+          </a:ln>
+        </p:spPr>
+        <p:txBody>
+          <a:bodyPr lIns="0" rIns="0" tIns="0" bIns="0" anchor="t">
+            <a:normAutofit/>
+          </a:bodyPr>
+          <a:p>
+            <a:pPr marL="432000" indent="-324000">
+              <a:spcBef>
+                <a:spcPts val="1417"/>
+              </a:spcBef>
+              <a:buClr>
+                <a:srgbClr val="000000"/>
+              </a:buClr>
+              <a:buSzPct val="45000"/>
+              <a:buFont typeface="Wingdings" charset="2"/>
+              <a:buChar char=""/>
+            </a:pPr>
+            <a:r>
+              <a:rPr b="0" lang="hr-HR" sz="1800" spc="-1" strike="noStrike">
+                <a:latin typeface="Arial"/>
+              </a:rPr>
+              <a:t>Click to edit the outline text format</a:t>
+            </a:r>
+            <a:endParaRPr b="0" lang="hr-HR" sz="1800" spc="-1" strike="noStrike">
+              <a:latin typeface="Arial"/>
+            </a:endParaRPr>
+          </a:p>
+          <a:p>
+            <a:pPr lvl="1" marL="864000" indent="-324000">
+              <a:spcBef>
+                <a:spcPts val="1134"/>
+              </a:spcBef>
+              <a:buClr>
+                <a:srgbClr val="000000"/>
+              </a:buClr>
+              <a:buSzPct val="75000"/>
+              <a:buFont typeface="Symbol" charset="2"/>
+              <a:buChar char=""/>
+            </a:pPr>
+            <a:r>
+              <a:rPr b="0" lang="hr-HR" sz="1800" spc="-1" strike="noStrike">
+                <a:latin typeface="Arial"/>
+              </a:rPr>
+              <a:t>Second Outline Level</a:t>
+            </a:r>
+            <a:endParaRPr b="0" lang="hr-HR" sz="1800" spc="-1" strike="noStrike">
+              <a:latin typeface="Arial"/>
+            </a:endParaRPr>
+          </a:p>
+          <a:p>
+            <a:pPr lvl="2" marL="1296000" indent="-288000">
+              <a:spcBef>
+                <a:spcPts val="850"/>
+              </a:spcBef>
+              <a:buClr>
+                <a:srgbClr val="000000"/>
+              </a:buClr>
+              <a:buSzPct val="45000"/>
+              <a:buFont typeface="Wingdings" charset="2"/>
+              <a:buChar char=""/>
+            </a:pPr>
+            <a:r>
+              <a:rPr b="0" lang="hr-HR" sz="1800" spc="-1" strike="noStrike">
+                <a:latin typeface="Arial"/>
+              </a:rPr>
+              <a:t>Third Outline Level</a:t>
+            </a:r>
+            <a:endParaRPr b="0" lang="hr-HR" sz="1800" spc="-1" strike="noStrike">
+              <a:latin typeface="Arial"/>
+            </a:endParaRPr>
+          </a:p>
+          <a:p>
+            <a:pPr lvl="3" marL="1728000" indent="-216000">
+              <a:spcBef>
+                <a:spcPts val="567"/>
+              </a:spcBef>
+              <a:buClr>
+                <a:srgbClr val="000000"/>
+              </a:buClr>
+              <a:buSzPct val="75000"/>
+              <a:buFont typeface="Symbol" charset="2"/>
+              <a:buChar char=""/>
+            </a:pPr>
+            <a:r>
+              <a:rPr b="0" lang="hr-HR" sz="1800" spc="-1" strike="noStrike">
+                <a:latin typeface="Arial"/>
+              </a:rPr>
+              <a:t>Fourth Outline Level</a:t>
+            </a:r>
+            <a:endParaRPr b="0" lang="hr-HR" sz="1800" spc="-1" strike="noStrike">
+              <a:latin typeface="Arial"/>
+            </a:endParaRPr>
+          </a:p>
+          <a:p>
+            <a:pPr lvl="4" marL="2160000" indent="-216000">
+              <a:spcBef>
+                <a:spcPts val="283"/>
+              </a:spcBef>
+              <a:buClr>
+                <a:srgbClr val="000000"/>
+              </a:buClr>
+              <a:buSzPct val="45000"/>
+              <a:buFont typeface="Wingdings" charset="2"/>
+              <a:buChar char=""/>
+            </a:pPr>
+            <a:r>
+              <a:rPr b="0" lang="hr-HR" sz="1800" spc="-1" strike="noStrike">
+                <a:latin typeface="Arial"/>
+              </a:rPr>
+              <a:t>Fifth Outline Level</a:t>
+            </a:r>
+            <a:endParaRPr b="0" lang="hr-HR" sz="1800" spc="-1" strike="noStrike">
+              <a:latin typeface="Arial"/>
+            </a:endParaRPr>
+          </a:p>
+          <a:p>
+            <a:pPr lvl="5" marL="2592000" indent="-216000">
+              <a:spcBef>
+                <a:spcPts val="283"/>
+              </a:spcBef>
+              <a:buClr>
+                <a:srgbClr val="000000"/>
+              </a:buClr>
+              <a:buSzPct val="45000"/>
+              <a:buFont typeface="Wingdings" charset="2"/>
+              <a:buChar char=""/>
+            </a:pPr>
+            <a:r>
+              <a:rPr b="0" lang="hr-HR" sz="1800" spc="-1" strike="noStrike">
+                <a:latin typeface="Arial"/>
+              </a:rPr>
+              <a:t>Sixth Outline Level</a:t>
+            </a:r>
+            <a:endParaRPr b="0" lang="hr-HR" sz="1800" spc="-1" strike="noStrike">
+              <a:latin typeface="Arial"/>
+            </a:endParaRPr>
+          </a:p>
+          <a:p>
+            <a:pPr lvl="6" marL="3024000" indent="-216000">
+              <a:spcBef>
+                <a:spcPts val="283"/>
+              </a:spcBef>
+              <a:buClr>
+                <a:srgbClr val="000000"/>
+              </a:buClr>
+              <a:buSzPct val="45000"/>
+              <a:buFont typeface="Wingdings" charset="2"/>
+              <a:buChar char=""/>
+            </a:pPr>
+            <a:r>
+              <a:rPr b="0" lang="hr-HR" sz="1800" spc="-1" strike="noStrike">
+                <a:latin typeface="Arial"/>
+              </a:rPr>
+              <a:t>Seventh Outline </a:t>
+            </a:r>
+            <a:r>
+              <a:rPr b="0" lang="hr-HR" sz="1800" spc="-1" strike="noStrike">
+                <a:latin typeface="Arial"/>
+              </a:rPr>
+              <a:t>Level</a:t>
+            </a:r>
+            <a:endParaRPr b="0" lang="hr-HR" sz="1800" spc="-1" strike="noStrike">
+              <a:latin typeface="Arial"/>
+            </a:endParaRPr>
+          </a:p>
+        </p:txBody>
+      </p:sp>
+      <p:sp>
+        <p:nvSpPr>
+          <p:cNvPr id="2" name="PlaceHolder 3"/>
+          <p:cNvSpPr>
+            <a:spLocks noGrp="1"/>
+          </p:cNvSpPr>
+          <p:nvPr>
             <p:ph type="ftr" idx="1"/>
           </p:nvPr>
         </p:nvSpPr>
         <p:spPr>
           <a:xfrm>
             <a:off x="4038480" y="6356520"/>
-            <a:ext cx="4114080" cy="364320"/>
+            <a:ext cx="4113720" cy="363960"/>
           </a:xfrm>
           <a:prstGeom prst="rect">
             <a:avLst/>
@@ -4658,7 +7111,7 @@
       </p:sp>
       <p:sp>
         <p:nvSpPr>
-          <p:cNvPr id="2" name="PlaceHolder 3"/>
+          <p:cNvPr id="3" name="PlaceHolder 4"/>
           <p:cNvSpPr>
             <a:spLocks noGrp="1"/>
           </p:cNvSpPr>
@@ -4669,7 +7122,7 @@
         <p:spPr>
           <a:xfrm>
             <a:off x="8610480" y="6356520"/>
-            <a:ext cx="2742480" cy="364320"/>
+            <a:ext cx="2742120" cy="363960"/>
           </a:xfrm>
           <a:prstGeom prst="rect">
             <a:avLst/>
@@ -4704,7 +7157,7 @@
               </a:lnSpc>
               <a:buNone/>
             </a:pPr>
-            <a:fld id="{FAD0D3CB-9409-444C-A445-67FF1A0A6026}" type="slidenum">
+            <a:fld id="{63BF37FE-23C3-4EC2-9FEB-9ECB48C46C30}" type="slidenum">
               <a:rPr b="0" lang="hr-HR" sz="1200" spc="-1" strike="noStrike">
                 <a:solidFill>
                   <a:srgbClr val="787878"/>
@@ -4721,7 +7174,7 @@
       </p:sp>
       <p:sp>
         <p:nvSpPr>
-          <p:cNvPr id="3" name="PlaceHolder 4"/>
+          <p:cNvPr id="4" name="PlaceHolder 5"/>
           <p:cNvSpPr>
             <a:spLocks noGrp="1"/>
           </p:cNvSpPr>
@@ -4732,7 +7185,7 @@
         <p:spPr>
           <a:xfrm>
             <a:off x="838080" y="6356520"/>
-            <a:ext cx="2742480" cy="364320"/>
+            <a:ext cx="2742120" cy="363960"/>
           </a:xfrm>
           <a:prstGeom prst="rect">
             <a:avLst/>
@@ -4762,201 +7215,6 @@
             </a:r>
             <a:endParaRPr b="0" lang="hr-HR" sz="1400" spc="-1" strike="noStrike">
               <a:latin typeface="Times New Roman"/>
-            </a:endParaRPr>
-          </a:p>
-        </p:txBody>
-      </p:sp>
-      <p:sp>
-        <p:nvSpPr>
-          <p:cNvPr id="4" name="PlaceHolder 5"/>
-          <p:cNvSpPr>
-            <a:spLocks noGrp="1"/>
-          </p:cNvSpPr>
-          <p:nvPr>
-            <p:ph type="body"/>
-          </p:nvPr>
-        </p:nvSpPr>
-        <p:spPr>
-          <a:xfrm>
-            <a:off x="609480" y="1604520"/>
-            <a:ext cx="10972440" cy="3977280"/>
-          </a:xfrm>
-          <a:prstGeom prst="rect">
-            <a:avLst/>
-          </a:prstGeom>
-          <a:noFill/>
-          <a:ln w="0">
-            <a:noFill/>
-          </a:ln>
-        </p:spPr>
-        <p:txBody>
-          <a:bodyPr lIns="0" rIns="0" tIns="0" bIns="0" anchor="t">
-            <a:normAutofit/>
-          </a:bodyPr>
-          <a:p>
-            <a:pPr marL="432000" indent="-324000">
-              <a:spcBef>
-                <a:spcPts val="1417"/>
-              </a:spcBef>
-              <a:buClr>
-                <a:srgbClr val="000000"/>
-              </a:buClr>
-              <a:buSzPct val="45000"/>
-              <a:buFont typeface="Wingdings" charset="2"/>
-              <a:buChar char=""/>
-            </a:pPr>
-            <a:r>
-              <a:rPr b="0" lang="hr-HR" sz="3200" spc="-1" strike="noStrike">
-                <a:latin typeface="Arial"/>
-              </a:rPr>
-              <a:t>Click to edit the outline </a:t>
-            </a:r>
-            <a:r>
-              <a:rPr b="0" lang="hr-HR" sz="3200" spc="-1" strike="noStrike">
-                <a:latin typeface="Arial"/>
-              </a:rPr>
-              <a:t>text format</a:t>
-            </a:r>
-            <a:endParaRPr b="0" lang="hr-HR" sz="3200" spc="-1" strike="noStrike">
-              <a:latin typeface="Arial"/>
-            </a:endParaRPr>
-          </a:p>
-          <a:p>
-            <a:pPr lvl="1" marL="864000" indent="-324000">
-              <a:spcBef>
-                <a:spcPts val="1134"/>
-              </a:spcBef>
-              <a:buClr>
-                <a:srgbClr val="000000"/>
-              </a:buClr>
-              <a:buSzPct val="75000"/>
-              <a:buFont typeface="Symbol" charset="2"/>
-              <a:buChar char=""/>
-            </a:pPr>
-            <a:r>
-              <a:rPr b="0" lang="hr-HR" sz="2800" spc="-1" strike="noStrike">
-                <a:latin typeface="Arial"/>
-              </a:rPr>
-              <a:t>Second Outline Level</a:t>
-            </a:r>
-            <a:endParaRPr b="0" lang="hr-HR" sz="2800" spc="-1" strike="noStrike">
-              <a:latin typeface="Arial"/>
-            </a:endParaRPr>
-          </a:p>
-          <a:p>
-            <a:pPr lvl="2" marL="1296000" indent="-288000">
-              <a:spcBef>
-                <a:spcPts val="850"/>
-              </a:spcBef>
-              <a:buClr>
-                <a:srgbClr val="000000"/>
-              </a:buClr>
-              <a:buSzPct val="45000"/>
-              <a:buFont typeface="Wingdings" charset="2"/>
-              <a:buChar char=""/>
-            </a:pPr>
-            <a:r>
-              <a:rPr b="0" lang="hr-HR" sz="2400" spc="-1" strike="noStrike">
-                <a:latin typeface="Arial"/>
-              </a:rPr>
-              <a:t>Third Outline Level</a:t>
-            </a:r>
-            <a:endParaRPr b="0" lang="hr-HR" sz="2400" spc="-1" strike="noStrike">
-              <a:latin typeface="Arial"/>
-            </a:endParaRPr>
-          </a:p>
-          <a:p>
-            <a:pPr lvl="3" marL="1728000" indent="-216000">
-              <a:spcBef>
-                <a:spcPts val="567"/>
-              </a:spcBef>
-              <a:buClr>
-                <a:srgbClr val="000000"/>
-              </a:buClr>
-              <a:buSzPct val="75000"/>
-              <a:buFont typeface="Symbol" charset="2"/>
-              <a:buChar char=""/>
-            </a:pPr>
-            <a:r>
-              <a:rPr b="0" lang="hr-HR" sz="2000" spc="-1" strike="noStrike">
-                <a:latin typeface="Arial"/>
-              </a:rPr>
-              <a:t>Fourth Outline Level</a:t>
-            </a:r>
-            <a:endParaRPr b="0" lang="hr-HR" sz="2000" spc="-1" strike="noStrike">
-              <a:latin typeface="Arial"/>
-            </a:endParaRPr>
-          </a:p>
-          <a:p>
-            <a:pPr lvl="4" marL="2160000" indent="-216000">
-              <a:spcBef>
-                <a:spcPts val="283"/>
-              </a:spcBef>
-              <a:buClr>
-                <a:srgbClr val="000000"/>
-              </a:buClr>
-              <a:buSzPct val="45000"/>
-              <a:buFont typeface="Wingdings" charset="2"/>
-              <a:buChar char=""/>
-            </a:pPr>
-            <a:r>
-              <a:rPr b="0" lang="hr-HR" sz="2000" spc="-1" strike="noStrike">
-                <a:latin typeface="Arial"/>
-              </a:rPr>
-              <a:t>Fifth Outline Level</a:t>
-            </a:r>
-            <a:endParaRPr b="0" lang="hr-HR" sz="2000" spc="-1" strike="noStrike">
-              <a:latin typeface="Arial"/>
-            </a:endParaRPr>
-          </a:p>
-          <a:p>
-            <a:pPr lvl="5" marL="2592000" indent="-216000">
-              <a:spcBef>
-                <a:spcPts val="283"/>
-              </a:spcBef>
-              <a:buClr>
-                <a:srgbClr val="000000"/>
-              </a:buClr>
-              <a:buSzPct val="45000"/>
-              <a:buFont typeface="Wingdings" charset="2"/>
-              <a:buChar char=""/>
-            </a:pPr>
-            <a:r>
-              <a:rPr b="0" lang="hr-HR" sz="2000" spc="-1" strike="noStrike">
-                <a:latin typeface="Arial"/>
-              </a:rPr>
-              <a:t>Sixth Outline Level</a:t>
-            </a:r>
-            <a:endParaRPr b="0" lang="hr-HR" sz="2000" spc="-1" strike="noStrike">
-              <a:latin typeface="Arial"/>
-            </a:endParaRPr>
-          </a:p>
-          <a:p>
-            <a:pPr lvl="6" marL="3024000" indent="-216000">
-              <a:spcBef>
-                <a:spcPts val="283"/>
-              </a:spcBef>
-              <a:buClr>
-                <a:srgbClr val="000000"/>
-              </a:buClr>
-              <a:buSzPct val="45000"/>
-              <a:buFont typeface="Wingdings" charset="2"/>
-              <a:buChar char=""/>
-            </a:pPr>
-            <a:r>
-              <a:rPr b="0" lang="hr-HR" sz="2000" spc="-1" strike="noStrike">
-                <a:latin typeface="Arial"/>
-              </a:rPr>
-              <a:t>Seventh Outline </a:t>
-            </a:r>
-            <a:r>
-              <a:rPr b="0" lang="hr-HR" sz="2000" spc="-1" strike="noStrike">
-                <a:latin typeface="Arial"/>
-              </a:rPr>
-              <a:t>Level</a:t>
-            </a:r>
-            <a:endParaRPr b="0" lang="hr-HR" sz="2000" spc="-1" strike="noStrike">
-              <a:latin typeface="Arial"/>
             </a:endParaRPr>
           </a:p>
         </p:txBody>
@@ -5018,7 +7276,7 @@
         <p:spPr>
           <a:xfrm>
             <a:off x="4038480" y="6356520"/>
-            <a:ext cx="4114080" cy="364320"/>
+            <a:ext cx="4113720" cy="363960"/>
           </a:xfrm>
           <a:prstGeom prst="rect">
             <a:avLst/>
@@ -5075,7 +7333,7 @@
         <p:spPr>
           <a:xfrm>
             <a:off x="8610480" y="6356520"/>
-            <a:ext cx="2742480" cy="364320"/>
+            <a:ext cx="2742120" cy="363960"/>
           </a:xfrm>
           <a:prstGeom prst="rect">
             <a:avLst/>
@@ -5110,7 +7368,7 @@
               </a:lnSpc>
               <a:buNone/>
             </a:pPr>
-            <a:fld id="{B74C095A-DAC9-4800-A48A-AA24ED42CDFF}" type="slidenum">
+            <a:fld id="{3DA0C515-8CAB-48FE-A947-66E2EF6FF0AA}" type="slidenum">
               <a:rPr b="0" lang="hr-HR" sz="1200" spc="-1" strike="noStrike">
                 <a:solidFill>
                   <a:srgbClr val="787878"/>
@@ -5138,7 +7396,7 @@
         <p:spPr>
           <a:xfrm>
             <a:off x="838080" y="6356520"/>
-            <a:ext cx="2742480" cy="364320"/>
+            <a:ext cx="2742120" cy="363960"/>
           </a:xfrm>
           <a:prstGeom prst="rect">
             <a:avLst/>
@@ -5207,7 +7465,37 @@
               <a:rPr b="0" lang="hr-HR" sz="4400" spc="-1" strike="noStrike">
                 <a:latin typeface="Arial"/>
               </a:rPr>
-              <a:t>Click to edit the title text format</a:t>
+              <a:t>Click </a:t>
+            </a:r>
+            <a:r>
+              <a:rPr b="0" lang="hr-HR" sz="4400" spc="-1" strike="noStrike">
+                <a:latin typeface="Arial"/>
+              </a:rPr>
+              <a:t>to edit </a:t>
+            </a:r>
+            <a:r>
+              <a:rPr b="0" lang="hr-HR" sz="4400" spc="-1" strike="noStrike">
+                <a:latin typeface="Arial"/>
+              </a:rPr>
+              <a:t>the </a:t>
+            </a:r>
+            <a:r>
+              <a:rPr b="0" lang="hr-HR" sz="4400" spc="-1" strike="noStrike">
+                <a:latin typeface="Arial"/>
+              </a:rPr>
+              <a:t>title </a:t>
+            </a:r>
+            <a:r>
+              <a:rPr b="0" lang="hr-HR" sz="4400" spc="-1" strike="noStrike">
+                <a:latin typeface="Arial"/>
+              </a:rPr>
+              <a:t>text </a:t>
+            </a:r>
+            <a:r>
+              <a:rPr b="0" lang="hr-HR" sz="4400" spc="-1" strike="noStrike">
+                <a:latin typeface="Arial"/>
+              </a:rPr>
+              <a:t>format</a:t>
             </a:r>
             <a:endParaRPr b="0" lang="hr-HR" sz="4400" spc="-1" strike="noStrike">
               <a:latin typeface="Arial"/>
@@ -5414,6 +7702,629 @@
     <p:sldLayoutId id="2147483671" r:id="rId11"/>
     <p:sldLayoutId id="2147483672" r:id="rId12"/>
     <p:sldLayoutId id="2147483673" r:id="rId13"/>
+  </p:sldLayoutIdLst>
+</p:sldMaster>
+</file>
+
+<file path=ppt/slideMasters/slideMaster3.xml><?xml version="1.0" encoding="utf-8"?>
+<p:sldMaster xmlns:a="http://schemas.openxmlformats.org/drawingml/2006/main" xmlns:p="http://schemas.openxmlformats.org/presentationml/2006/main" xmlns:r="http://schemas.openxmlformats.org/officeDocument/2006/relationships" xmlns:p14="http://schemas.microsoft.com/office/powerpoint/2010/main" xmlns:p15="http://schemas.microsoft.com/office/powerpoint/2012/main" xmlns:mc="http://schemas.openxmlformats.org/markup-compatibility/2006">
+  <p:cSld>
+    <p:bg>
+      <p:bgPr>
+        <a:solidFill>
+          <a:srgbClr val="ffffff"/>
+        </a:solidFill>
+      </p:bgPr>
+    </p:bg>
+    <p:spTree>
+      <p:nvGrpSpPr>
+        <p:cNvPr id="1" name=""/>
+        <p:cNvGrpSpPr/>
+        <p:nvPr/>
+      </p:nvGrpSpPr>
+      <p:grpSpPr>
+        <a:xfrm>
+          <a:off x="0" y="0"/>
+          <a:ext cx="0" cy="0"/>
+          <a:chOff x="0" y="0"/>
+          <a:chExt cx="0" cy="0"/>
+        </a:xfrm>
+      </p:grpSpPr>
+      <p:sp>
+        <p:nvSpPr>
+          <p:cNvPr id="82" name="PlaceHolder 1"/>
+          <p:cNvSpPr>
+            <a:spLocks noGrp="1"/>
+          </p:cNvSpPr>
+          <p:nvPr>
+            <p:ph type="title"/>
+          </p:nvPr>
+        </p:nvSpPr>
+        <p:spPr>
+          <a:xfrm>
+            <a:off x="609480" y="273600"/>
+            <a:ext cx="10972080" cy="1144440"/>
+          </a:xfrm>
+          <a:prstGeom prst="rect">
+            <a:avLst/>
+          </a:prstGeom>
+          <a:noFill/>
+          <a:ln w="0">
+            <a:noFill/>
+          </a:ln>
+        </p:spPr>
+        <p:txBody>
+          <a:bodyPr lIns="0" rIns="0" tIns="0" bIns="0" anchor="ctr">
+            <a:noAutofit/>
+          </a:bodyPr>
+          <a:p>
+            <a:r>
+              <a:rPr b="0" lang="hr-HR" sz="1800" spc="-1" strike="noStrike">
+                <a:latin typeface="Arial"/>
+              </a:rPr>
+              <a:t>Click to edit the </a:t>
+            </a:r>
+            <a:r>
+              <a:rPr b="0" lang="hr-HR" sz="1800" spc="-1" strike="noStrike">
+                <a:latin typeface="Arial"/>
+              </a:rPr>
+              <a:t>title text format</a:t>
+            </a:r>
+            <a:endParaRPr b="0" lang="hr-HR" sz="1800" spc="-1" strike="noStrike">
+              <a:latin typeface="Arial"/>
+            </a:endParaRPr>
+          </a:p>
+        </p:txBody>
+      </p:sp>
+      <p:sp>
+        <p:nvSpPr>
+          <p:cNvPr id="83" name="PlaceHolder 2"/>
+          <p:cNvSpPr>
+            <a:spLocks noGrp="1"/>
+          </p:cNvSpPr>
+          <p:nvPr>
+            <p:ph type="body"/>
+          </p:nvPr>
+        </p:nvSpPr>
+        <p:spPr>
+          <a:xfrm>
+            <a:off x="609480" y="1604520"/>
+            <a:ext cx="5353920" cy="3976920"/>
+          </a:xfrm>
+          <a:prstGeom prst="rect">
+            <a:avLst/>
+          </a:prstGeom>
+          <a:noFill/>
+          <a:ln w="0">
+            <a:noFill/>
+          </a:ln>
+        </p:spPr>
+        <p:txBody>
+          <a:bodyPr lIns="0" rIns="0" tIns="0" bIns="0" anchor="t">
+            <a:normAutofit/>
+          </a:bodyPr>
+          <a:p>
+            <a:pPr marL="432000" indent="-324000">
+              <a:spcBef>
+                <a:spcPts val="1417"/>
+              </a:spcBef>
+              <a:buClr>
+                <a:srgbClr val="000000"/>
+              </a:buClr>
+              <a:buSzPct val="45000"/>
+              <a:buFont typeface="Wingdings" charset="2"/>
+              <a:buChar char=""/>
+            </a:pPr>
+            <a:r>
+              <a:rPr b="0" lang="hr-HR" sz="1800" spc="-1" strike="noStrike">
+                <a:latin typeface="Arial"/>
+              </a:rPr>
+              <a:t>Click to edit the outline text format</a:t>
+            </a:r>
+            <a:endParaRPr b="0" lang="hr-HR" sz="1800" spc="-1" strike="noStrike">
+              <a:latin typeface="Arial"/>
+            </a:endParaRPr>
+          </a:p>
+          <a:p>
+            <a:pPr lvl="1" marL="864000" indent="-324000">
+              <a:spcBef>
+                <a:spcPts val="1134"/>
+              </a:spcBef>
+              <a:buClr>
+                <a:srgbClr val="000000"/>
+              </a:buClr>
+              <a:buSzPct val="75000"/>
+              <a:buFont typeface="Symbol" charset="2"/>
+              <a:buChar char=""/>
+            </a:pPr>
+            <a:r>
+              <a:rPr b="0" lang="hr-HR" sz="1800" spc="-1" strike="noStrike">
+                <a:latin typeface="Arial"/>
+              </a:rPr>
+              <a:t>Second Outline Level</a:t>
+            </a:r>
+            <a:endParaRPr b="0" lang="hr-HR" sz="1800" spc="-1" strike="noStrike">
+              <a:latin typeface="Arial"/>
+            </a:endParaRPr>
+          </a:p>
+          <a:p>
+            <a:pPr lvl="2" marL="1296000" indent="-288000">
+              <a:spcBef>
+                <a:spcPts val="850"/>
+              </a:spcBef>
+              <a:buClr>
+                <a:srgbClr val="000000"/>
+              </a:buClr>
+              <a:buSzPct val="45000"/>
+              <a:buFont typeface="Wingdings" charset="2"/>
+              <a:buChar char=""/>
+            </a:pPr>
+            <a:r>
+              <a:rPr b="0" lang="hr-HR" sz="1800" spc="-1" strike="noStrike">
+                <a:latin typeface="Arial"/>
+              </a:rPr>
+              <a:t>Third Outline Level</a:t>
+            </a:r>
+            <a:endParaRPr b="0" lang="hr-HR" sz="1800" spc="-1" strike="noStrike">
+              <a:latin typeface="Arial"/>
+            </a:endParaRPr>
+          </a:p>
+          <a:p>
+            <a:pPr lvl="3" marL="1728000" indent="-216000">
+              <a:spcBef>
+                <a:spcPts val="567"/>
+              </a:spcBef>
+              <a:buClr>
+                <a:srgbClr val="000000"/>
+              </a:buClr>
+              <a:buSzPct val="75000"/>
+              <a:buFont typeface="Symbol" charset="2"/>
+              <a:buChar char=""/>
+            </a:pPr>
+            <a:r>
+              <a:rPr b="0" lang="hr-HR" sz="1800" spc="-1" strike="noStrike">
+                <a:latin typeface="Arial"/>
+              </a:rPr>
+              <a:t>Fourth Outline Level</a:t>
+            </a:r>
+            <a:endParaRPr b="0" lang="hr-HR" sz="1800" spc="-1" strike="noStrike">
+              <a:latin typeface="Arial"/>
+            </a:endParaRPr>
+          </a:p>
+          <a:p>
+            <a:pPr lvl="4" marL="2160000" indent="-216000">
+              <a:spcBef>
+                <a:spcPts val="283"/>
+              </a:spcBef>
+              <a:buClr>
+                <a:srgbClr val="000000"/>
+              </a:buClr>
+              <a:buSzPct val="45000"/>
+              <a:buFont typeface="Wingdings" charset="2"/>
+              <a:buChar char=""/>
+            </a:pPr>
+            <a:r>
+              <a:rPr b="0" lang="hr-HR" sz="1800" spc="-1" strike="noStrike">
+                <a:latin typeface="Arial"/>
+              </a:rPr>
+              <a:t>Fifth Outline Level</a:t>
+            </a:r>
+            <a:endParaRPr b="0" lang="hr-HR" sz="1800" spc="-1" strike="noStrike">
+              <a:latin typeface="Arial"/>
+            </a:endParaRPr>
+          </a:p>
+          <a:p>
+            <a:pPr lvl="5" marL="2592000" indent="-216000">
+              <a:spcBef>
+                <a:spcPts val="283"/>
+              </a:spcBef>
+              <a:buClr>
+                <a:srgbClr val="000000"/>
+              </a:buClr>
+              <a:buSzPct val="45000"/>
+              <a:buFont typeface="Wingdings" charset="2"/>
+              <a:buChar char=""/>
+            </a:pPr>
+            <a:r>
+              <a:rPr b="0" lang="hr-HR" sz="1800" spc="-1" strike="noStrike">
+                <a:latin typeface="Arial"/>
+              </a:rPr>
+              <a:t>Sixth Outline Level</a:t>
+            </a:r>
+            <a:endParaRPr b="0" lang="hr-HR" sz="1800" spc="-1" strike="noStrike">
+              <a:latin typeface="Arial"/>
+            </a:endParaRPr>
+          </a:p>
+          <a:p>
+            <a:pPr lvl="6" marL="3024000" indent="-216000">
+              <a:spcBef>
+                <a:spcPts val="283"/>
+              </a:spcBef>
+              <a:buClr>
+                <a:srgbClr val="000000"/>
+              </a:buClr>
+              <a:buSzPct val="45000"/>
+              <a:buFont typeface="Wingdings" charset="2"/>
+              <a:buChar char=""/>
+            </a:pPr>
+            <a:r>
+              <a:rPr b="0" lang="hr-HR" sz="1800" spc="-1" strike="noStrike">
+                <a:latin typeface="Arial"/>
+              </a:rPr>
+              <a:t>Seventh Outline Level</a:t>
+            </a:r>
+            <a:endParaRPr b="0" lang="hr-HR" sz="1800" spc="-1" strike="noStrike">
+              <a:latin typeface="Arial"/>
+            </a:endParaRPr>
+          </a:p>
+        </p:txBody>
+      </p:sp>
+      <p:sp>
+        <p:nvSpPr>
+          <p:cNvPr id="84" name="PlaceHolder 3"/>
+          <p:cNvSpPr>
+            <a:spLocks noGrp="1"/>
+          </p:cNvSpPr>
+          <p:nvPr>
+            <p:ph type="body"/>
+          </p:nvPr>
+        </p:nvSpPr>
+        <p:spPr>
+          <a:xfrm>
+            <a:off x="6231960" y="1604520"/>
+            <a:ext cx="5353920" cy="3976920"/>
+          </a:xfrm>
+          <a:prstGeom prst="rect">
+            <a:avLst/>
+          </a:prstGeom>
+          <a:noFill/>
+          <a:ln w="0">
+            <a:noFill/>
+          </a:ln>
+        </p:spPr>
+        <p:txBody>
+          <a:bodyPr lIns="0" rIns="0" tIns="0" bIns="0" anchor="t">
+            <a:normAutofit/>
+          </a:bodyPr>
+          <a:p>
+            <a:pPr marL="432000" indent="-324000">
+              <a:spcBef>
+                <a:spcPts val="1417"/>
+              </a:spcBef>
+              <a:buClr>
+                <a:srgbClr val="000000"/>
+              </a:buClr>
+              <a:buSzPct val="45000"/>
+              <a:buFont typeface="Wingdings" charset="2"/>
+              <a:buChar char=""/>
+            </a:pPr>
+            <a:r>
+              <a:rPr b="0" lang="hr-HR" sz="1800" spc="-1" strike="noStrike">
+                <a:latin typeface="Arial"/>
+              </a:rPr>
+              <a:t>Click to edit the outline text format</a:t>
+            </a:r>
+            <a:endParaRPr b="0" lang="hr-HR" sz="1800" spc="-1" strike="noStrike">
+              <a:latin typeface="Arial"/>
+            </a:endParaRPr>
+          </a:p>
+          <a:p>
+            <a:pPr lvl="1" marL="864000" indent="-324000">
+              <a:spcBef>
+                <a:spcPts val="1134"/>
+              </a:spcBef>
+              <a:buClr>
+                <a:srgbClr val="000000"/>
+              </a:buClr>
+              <a:buSzPct val="75000"/>
+              <a:buFont typeface="Symbol" charset="2"/>
+              <a:buChar char=""/>
+            </a:pPr>
+            <a:r>
+              <a:rPr b="0" lang="hr-HR" sz="1800" spc="-1" strike="noStrike">
+                <a:latin typeface="Arial"/>
+              </a:rPr>
+              <a:t>Second Outline Level</a:t>
+            </a:r>
+            <a:endParaRPr b="0" lang="hr-HR" sz="1800" spc="-1" strike="noStrike">
+              <a:latin typeface="Arial"/>
+            </a:endParaRPr>
+          </a:p>
+          <a:p>
+            <a:pPr lvl="2" marL="1296000" indent="-288000">
+              <a:spcBef>
+                <a:spcPts val="850"/>
+              </a:spcBef>
+              <a:buClr>
+                <a:srgbClr val="000000"/>
+              </a:buClr>
+              <a:buSzPct val="45000"/>
+              <a:buFont typeface="Wingdings" charset="2"/>
+              <a:buChar char=""/>
+            </a:pPr>
+            <a:r>
+              <a:rPr b="0" lang="hr-HR" sz="1800" spc="-1" strike="noStrike">
+                <a:latin typeface="Arial"/>
+              </a:rPr>
+              <a:t>Third Outline Level</a:t>
+            </a:r>
+            <a:endParaRPr b="0" lang="hr-HR" sz="1800" spc="-1" strike="noStrike">
+              <a:latin typeface="Arial"/>
+            </a:endParaRPr>
+          </a:p>
+          <a:p>
+            <a:pPr lvl="3" marL="1728000" indent="-216000">
+              <a:spcBef>
+                <a:spcPts val="567"/>
+              </a:spcBef>
+              <a:buClr>
+                <a:srgbClr val="000000"/>
+              </a:buClr>
+              <a:buSzPct val="75000"/>
+              <a:buFont typeface="Symbol" charset="2"/>
+              <a:buChar char=""/>
+            </a:pPr>
+            <a:r>
+              <a:rPr b="0" lang="hr-HR" sz="1800" spc="-1" strike="noStrike">
+                <a:latin typeface="Arial"/>
+              </a:rPr>
+              <a:t>Fourth Outline Level</a:t>
+            </a:r>
+            <a:endParaRPr b="0" lang="hr-HR" sz="1800" spc="-1" strike="noStrike">
+              <a:latin typeface="Arial"/>
+            </a:endParaRPr>
+          </a:p>
+          <a:p>
+            <a:pPr lvl="4" marL="2160000" indent="-216000">
+              <a:spcBef>
+                <a:spcPts val="283"/>
+              </a:spcBef>
+              <a:buClr>
+                <a:srgbClr val="000000"/>
+              </a:buClr>
+              <a:buSzPct val="45000"/>
+              <a:buFont typeface="Wingdings" charset="2"/>
+              <a:buChar char=""/>
+            </a:pPr>
+            <a:r>
+              <a:rPr b="0" lang="hr-HR" sz="1800" spc="-1" strike="noStrike">
+                <a:latin typeface="Arial"/>
+              </a:rPr>
+              <a:t>Fifth Outline Level</a:t>
+            </a:r>
+            <a:endParaRPr b="0" lang="hr-HR" sz="1800" spc="-1" strike="noStrike">
+              <a:latin typeface="Arial"/>
+            </a:endParaRPr>
+          </a:p>
+          <a:p>
+            <a:pPr lvl="5" marL="2592000" indent="-216000">
+              <a:spcBef>
+                <a:spcPts val="283"/>
+              </a:spcBef>
+              <a:buClr>
+                <a:srgbClr val="000000"/>
+              </a:buClr>
+              <a:buSzPct val="45000"/>
+              <a:buFont typeface="Wingdings" charset="2"/>
+              <a:buChar char=""/>
+            </a:pPr>
+            <a:r>
+              <a:rPr b="0" lang="hr-HR" sz="1800" spc="-1" strike="noStrike">
+                <a:latin typeface="Arial"/>
+              </a:rPr>
+              <a:t>Sixth Outline Level</a:t>
+            </a:r>
+            <a:endParaRPr b="0" lang="hr-HR" sz="1800" spc="-1" strike="noStrike">
+              <a:latin typeface="Arial"/>
+            </a:endParaRPr>
+          </a:p>
+          <a:p>
+            <a:pPr lvl="6" marL="3024000" indent="-216000">
+              <a:spcBef>
+                <a:spcPts val="283"/>
+              </a:spcBef>
+              <a:buClr>
+                <a:srgbClr val="000000"/>
+              </a:buClr>
+              <a:buSzPct val="45000"/>
+              <a:buFont typeface="Wingdings" charset="2"/>
+              <a:buChar char=""/>
+            </a:pPr>
+            <a:r>
+              <a:rPr b="0" lang="hr-HR" sz="1800" spc="-1" strike="noStrike">
+                <a:latin typeface="Arial"/>
+              </a:rPr>
+              <a:t>Seventh Outline Level</a:t>
+            </a:r>
+            <a:endParaRPr b="0" lang="hr-HR" sz="1800" spc="-1" strike="noStrike">
+              <a:latin typeface="Arial"/>
+            </a:endParaRPr>
+          </a:p>
+        </p:txBody>
+      </p:sp>
+      <p:sp>
+        <p:nvSpPr>
+          <p:cNvPr id="85" name="PlaceHolder 4"/>
+          <p:cNvSpPr>
+            <a:spLocks noGrp="1"/>
+          </p:cNvSpPr>
+          <p:nvPr>
+            <p:ph type="ftr" idx="7"/>
+          </p:nvPr>
+        </p:nvSpPr>
+        <p:spPr>
+          <a:xfrm>
+            <a:off x="4038480" y="6356520"/>
+            <a:ext cx="4113720" cy="363960"/>
+          </a:xfrm>
+          <a:prstGeom prst="rect">
+            <a:avLst/>
+          </a:prstGeom>
+          <a:noFill/>
+          <a:ln w="0">
+            <a:noFill/>
+          </a:ln>
+        </p:spPr>
+        <p:txBody>
+          <a:bodyPr lIns="90000" rIns="90000" tIns="45000" bIns="45000" anchor="ctr">
+            <a:noAutofit/>
+          </a:bodyPr>
+          <a:lstStyle>
+            <a:lvl1pPr algn="ctr">
+              <a:lnSpc>
+                <a:spcPct val="100000"/>
+              </a:lnSpc>
+              <a:buNone/>
+              <a:defRPr b="0" lang="hr-HR" sz="1400" spc="-1" strike="noStrike">
+                <a:latin typeface="Times New Roman"/>
+              </a:defRPr>
+            </a:lvl1pPr>
+          </a:lstStyle>
+          <a:p>
+            <a:pPr algn="ctr">
+              <a:lnSpc>
+                <a:spcPct val="100000"/>
+              </a:lnSpc>
+              <a:buNone/>
+            </a:pPr>
+            <a:r>
+              <a:rPr b="0" lang="hr-HR" sz="1400" spc="-1" strike="noStrike">
+                <a:latin typeface="Times New Roman"/>
+              </a:rPr>
+              <a:t>&lt;footer&gt;</a:t>
+            </a:r>
+            <a:endParaRPr b="0" lang="hr-HR" sz="1400" spc="-1" strike="noStrike">
+              <a:latin typeface="Times New Roman"/>
+            </a:endParaRPr>
+          </a:p>
+        </p:txBody>
+      </p:sp>
+      <p:sp>
+        <p:nvSpPr>
+          <p:cNvPr id="86" name="PlaceHolder 5"/>
+          <p:cNvSpPr>
+            <a:spLocks noGrp="1"/>
+          </p:cNvSpPr>
+          <p:nvPr>
+            <p:ph type="sldNum" idx="8"/>
+          </p:nvPr>
+        </p:nvSpPr>
+        <p:spPr>
+          <a:xfrm>
+            <a:off x="8610480" y="6356520"/>
+            <a:ext cx="2742120" cy="363960"/>
+          </a:xfrm>
+          <a:prstGeom prst="rect">
+            <a:avLst/>
+          </a:prstGeom>
+          <a:noFill/>
+          <a:ln w="0">
+            <a:noFill/>
+          </a:ln>
+        </p:spPr>
+        <p:txBody>
+          <a:bodyPr lIns="90000" rIns="90000" tIns="45000" bIns="45000" anchor="ctr">
+            <a:noAutofit/>
+          </a:bodyPr>
+          <a:lstStyle>
+            <a:lvl1pPr algn="r">
+              <a:lnSpc>
+                <a:spcPct val="100000"/>
+              </a:lnSpc>
+              <a:buNone/>
+              <a:defRPr b="0" lang="hr-HR" sz="1200" spc="-1" strike="noStrike">
+                <a:solidFill>
+                  <a:srgbClr val="787878"/>
+                </a:solidFill>
+                <a:latin typeface="Aptos"/>
+              </a:defRPr>
+            </a:lvl1pPr>
+          </a:lstStyle>
+          <a:p>
+            <a:pPr algn="r">
+              <a:lnSpc>
+                <a:spcPct val="100000"/>
+              </a:lnSpc>
+              <a:buNone/>
+            </a:pPr>
+            <a:fld id="{5BAAD572-8128-46C1-8359-5B57957DC2C7}" type="slidenum">
+              <a:rPr b="0" lang="hr-HR" sz="1200" spc="-1" strike="noStrike">
+                <a:solidFill>
+                  <a:srgbClr val="787878"/>
+                </a:solidFill>
+                <a:latin typeface="Aptos"/>
+              </a:rPr>
+              <a:t>&lt;number&gt;</a:t>
+            </a:fld>
+            <a:endParaRPr b="0" lang="hr-HR" sz="1200" spc="-1" strike="noStrike">
+              <a:latin typeface="Times New Roman"/>
+            </a:endParaRPr>
+          </a:p>
+        </p:txBody>
+      </p:sp>
+      <p:sp>
+        <p:nvSpPr>
+          <p:cNvPr id="87" name="PlaceHolder 6"/>
+          <p:cNvSpPr>
+            <a:spLocks noGrp="1"/>
+          </p:cNvSpPr>
+          <p:nvPr>
+            <p:ph type="dt" idx="9"/>
+          </p:nvPr>
+        </p:nvSpPr>
+        <p:spPr>
+          <a:xfrm>
+            <a:off x="838080" y="6356520"/>
+            <a:ext cx="2742120" cy="363960"/>
+          </a:xfrm>
+          <a:prstGeom prst="rect">
+            <a:avLst/>
+          </a:prstGeom>
+          <a:noFill/>
+          <a:ln w="0">
+            <a:noFill/>
+          </a:ln>
+        </p:spPr>
+        <p:txBody>
+          <a:bodyPr lIns="90000" rIns="90000" tIns="45000" bIns="45000" anchor="ctr">
+            <a:noAutofit/>
+          </a:bodyPr>
+          <a:lstStyle>
+            <a:lvl1pPr>
+              <a:defRPr b="0" lang="hr-HR" sz="1400" spc="-1" strike="noStrike">
+                <a:latin typeface="Times New Roman"/>
+              </a:defRPr>
+            </a:lvl1pPr>
+          </a:lstStyle>
+          <a:p>
+            <a:r>
+              <a:rPr b="0" lang="hr-HR" sz="1400" spc="-1" strike="noStrike">
+                <a:latin typeface="Times New Roman"/>
+              </a:rPr>
+              <a:t>&lt;date/time&gt;</a:t>
+            </a:r>
+            <a:endParaRPr b="0" lang="hr-HR" sz="1400" spc="-1" strike="noStrike">
+              <a:latin typeface="Times New Roman"/>
+            </a:endParaRPr>
+          </a:p>
+        </p:txBody>
+      </p:sp>
+    </p:spTree>
+  </p:cSld>
+  <p:clrMap bg1="lt1" bg2="lt2" tx1="dk1" tx2="dk2" accent1="accent1" accent2="accent2" accent3="accent3" accent4="accent4" accent5="accent5" accent6="accent6" hlink="hlink" folHlink="folHlink"/>
+  <p:sldLayoutIdLst>
+    <p:sldLayoutId id="2147483675" r:id="rId2"/>
+    <p:sldLayoutId id="2147483676" r:id="rId3"/>
+    <p:sldLayoutId id="2147483677" r:id="rId4"/>
+    <p:sldLayoutId id="2147483678" r:id="rId5"/>
+    <p:sldLayoutId id="2147483679" r:id="rId6"/>
+    <p:sldLayoutId id="2147483680" r:id="rId7"/>
+    <p:sldLayoutId id="2147483681" r:id="rId8"/>
+    <p:sldLayoutId id="2147483682" r:id="rId9"/>
+    <p:sldLayoutId id="2147483683" r:id="rId10"/>
+    <p:sldLayoutId id="2147483684" r:id="rId11"/>
+    <p:sldLayoutId id="2147483685" r:id="rId12"/>
+    <p:sldLayoutId id="2147483686" r:id="rId13"/>
   </p:sldLayoutIdLst>
 </p:sldMaster>
 </file>
@@ -5437,7 +8348,7 @@
       </p:grpSpPr>
       <p:sp>
         <p:nvSpPr>
-          <p:cNvPr id="82" name="PlaceHolder 1"/>
+          <p:cNvPr id="124" name="PlaceHolder 1"/>
           <p:cNvSpPr>
             <a:spLocks noGrp="1"/>
           </p:cNvSpPr>
@@ -5448,7 +8359,7 @@
         <p:spPr>
           <a:xfrm>
             <a:off x="1523880" y="1122480"/>
-            <a:ext cx="9143280" cy="2386800"/>
+            <a:ext cx="9142920" cy="2386440"/>
           </a:xfrm>
           <a:prstGeom prst="rect">
             <a:avLst/>
@@ -5486,7 +8397,7 @@
       </p:sp>
       <p:sp>
         <p:nvSpPr>
-          <p:cNvPr id="83" name="PlaceHolder 2"/>
+          <p:cNvPr id="125" name="PlaceHolder 2"/>
           <p:cNvSpPr>
             <a:spLocks noGrp="1"/>
           </p:cNvSpPr>
@@ -5497,7 +8408,7 @@
         <p:spPr>
           <a:xfrm>
             <a:off x="1523880" y="3602160"/>
-            <a:ext cx="9143280" cy="1654920"/>
+            <a:ext cx="9142920" cy="1654560"/>
           </a:xfrm>
           <a:prstGeom prst="rect">
             <a:avLst/>
@@ -5571,7 +8482,7 @@
       </p:grpSpPr>
       <p:sp>
         <p:nvSpPr>
-          <p:cNvPr id="103" name="PlaceHolder 1"/>
+          <p:cNvPr id="145" name="PlaceHolder 1"/>
           <p:cNvSpPr>
             <a:spLocks noGrp="1"/>
           </p:cNvSpPr>
@@ -5581,8 +8492,8 @@
         </p:nvSpPr>
         <p:spPr>
           <a:xfrm>
-            <a:off x="838080" y="365040"/>
-            <a:ext cx="10514880" cy="1324800"/>
+            <a:off x="645480" y="360000"/>
+            <a:ext cx="10514520" cy="894960"/>
           </a:xfrm>
           <a:prstGeom prst="rect">
             <a:avLst/>
@@ -5610,7 +8521,7 @@
                 </a:solidFill>
                 <a:latin typeface="Aptos Display"/>
               </a:rPr>
-              <a:t>Rezultati</a:t>
+              <a:t>Rezultati - modeli</a:t>
             </a:r>
             <a:endParaRPr b="0" lang="hr-HR" sz="4400" spc="-1" strike="noStrike">
               <a:latin typeface="Arial"/>
@@ -5618,116 +8529,580 @@
           </a:p>
         </p:txBody>
       </p:sp>
-      <p:sp>
-        <p:nvSpPr>
-          <p:cNvPr id="104" name="PlaceHolder 2"/>
-          <p:cNvSpPr>
-            <a:spLocks noGrp="1"/>
-          </p:cNvSpPr>
-          <p:nvPr>
-            <p:ph/>
-          </p:nvPr>
-        </p:nvSpPr>
-        <p:spPr>
-          <a:xfrm>
-            <a:off x="838080" y="1825560"/>
-            <a:ext cx="10514880" cy="4350600"/>
-          </a:xfrm>
-          <a:prstGeom prst="rect">
-            <a:avLst/>
-          </a:prstGeom>
-          <a:noFill/>
-          <a:ln w="0">
-            <a:noFill/>
-          </a:ln>
-        </p:spPr>
-        <p:txBody>
-          <a:bodyPr lIns="90000" rIns="90000" tIns="45000" bIns="45000" anchor="t">
-            <a:noAutofit/>
-          </a:bodyPr>
-          <a:p>
-            <a:pPr marL="228600" indent="-228600">
-              <a:lnSpc>
-                <a:spcPct val="90000"/>
-              </a:lnSpc>
-              <a:spcBef>
-                <a:spcPts val="1001"/>
-              </a:spcBef>
-              <a:buClr>
-                <a:srgbClr val="000000"/>
-              </a:buClr>
-              <a:buFont typeface="Arial"/>
-              <a:buChar char="•"/>
-            </a:pPr>
-            <a:r>
-              <a:rPr b="0" lang="hr-HR" sz="2800" spc="-1" strike="noStrike">
-                <a:solidFill>
-                  <a:srgbClr val="000000"/>
-                </a:solidFill>
-                <a:latin typeface="Aptos"/>
-              </a:rPr>
-              <a:t>Svaki model zasebno</a:t>
-            </a:r>
-            <a:endParaRPr b="0" lang="hr-HR" sz="2800" spc="-1" strike="noStrike">
-              <a:latin typeface="Arial"/>
-            </a:endParaRPr>
-          </a:p>
-          <a:p>
-            <a:pPr marL="228600" indent="-228600">
-              <a:lnSpc>
-                <a:spcPct val="90000"/>
-              </a:lnSpc>
-              <a:spcBef>
-                <a:spcPts val="1001"/>
-              </a:spcBef>
-              <a:buClr>
-                <a:srgbClr val="000000"/>
-              </a:buClr>
-              <a:buFont typeface="Arial"/>
-              <a:buChar char="•"/>
-            </a:pPr>
-            <a:r>
-              <a:rPr b="0" lang="hr-HR" sz="2800" spc="-1" strike="noStrike">
-                <a:solidFill>
-                  <a:srgbClr val="000000"/>
-                </a:solidFill>
-                <a:latin typeface="Aptos"/>
-              </a:rPr>
-              <a:t>Confusion matrix</a:t>
-            </a:r>
-            <a:endParaRPr b="0" lang="hr-HR" sz="2800" spc="-1" strike="noStrike">
-              <a:latin typeface="Arial"/>
-            </a:endParaRPr>
-          </a:p>
-          <a:p>
-            <a:pPr marL="228600" indent="-228600">
-              <a:lnSpc>
-                <a:spcPct val="90000"/>
-              </a:lnSpc>
-              <a:spcBef>
-                <a:spcPts val="1001"/>
-              </a:spcBef>
-              <a:buClr>
-                <a:srgbClr val="000000"/>
-              </a:buClr>
-              <a:buFont typeface="Arial"/>
-              <a:buChar char="•"/>
-            </a:pPr>
-            <a:r>
-              <a:rPr b="0" lang="hr-HR" sz="2800" spc="-1" strike="noStrike">
-                <a:solidFill>
-                  <a:srgbClr val="000000"/>
-                </a:solidFill>
-                <a:latin typeface="Aptos"/>
-              </a:rPr>
-              <a:t>Zanimljivi slučajevi</a:t>
-            </a:r>
-            <a:endParaRPr b="0" lang="hr-HR" sz="2800" spc="-1" strike="noStrike">
-              <a:latin typeface="Arial"/>
-            </a:endParaRPr>
-          </a:p>
-        </p:txBody>
-      </p:sp>
+      <p:graphicFrame>
+        <p:nvGraphicFramePr>
+          <p:cNvPr id="146" name=""/>
+          <p:cNvGraphicFramePr/>
+          <p:nvPr/>
+        </p:nvGraphicFramePr>
+        <p:xfrm>
+          <a:off x="1800000" y="1689480"/>
+          <a:ext cx="7919640" cy="3530160"/>
+        </p:xfrm>
+        <a:graphic>
+          <a:graphicData uri="http://schemas.openxmlformats.org/drawingml/2006/table">
+            <a:tbl>
+              <a:tblPr/>
+              <a:tblGrid>
+                <a:gridCol w="1979280"/>
+                <a:gridCol w="1980000"/>
+                <a:gridCol w="1979280"/>
+                <a:gridCol w="1981440"/>
+              </a:tblGrid>
+              <a:tr h="1176840">
+                <a:tc>
+                  <a:txBody>
+                    <a:bodyPr lIns="90000" rIns="90000" tIns="46800" bIns="46800" anchor="ctr">
+                      <a:noAutofit/>
+                    </a:bodyPr>
+                    <a:p>
+                      <a:pPr algn="ctr">
+                        <a:lnSpc>
+                          <a:spcPct val="100000"/>
+                        </a:lnSpc>
+                        <a:buNone/>
+                      </a:pPr>
+                      <a:r>
+                        <a:rPr b="0" lang="hr-HR" sz="1800" spc="-1" strike="noStrike">
+                          <a:latin typeface="Arial"/>
+                        </a:rPr>
+                        <a:t>Model</a:t>
+                      </a:r>
+                      <a:endParaRPr b="0" lang="hr-HR" sz="1800" spc="-1" strike="noStrike">
+                        <a:latin typeface="Arial"/>
+                        <a:ea typeface="Noto Sans CJK SC"/>
+                      </a:endParaRPr>
+                    </a:p>
+                  </a:txBody>
+                  <a:tcPr anchor="ctr" marL="90000" marR="90000">
+                    <a:lnL w="10800">
+                      <a:noFill/>
+                    </a:lnL>
+                    <a:lnR w="10800">
+                      <a:noFill/>
+                    </a:lnR>
+                    <a:lnT w="10800">
+                      <a:noFill/>
+                    </a:lnT>
+                    <a:lnB w="10800">
+                      <a:noFill/>
+                    </a:lnB>
+                    <a:solidFill>
+                      <a:srgbClr val="729fcf"/>
+                    </a:solidFill>
+                  </a:tcPr>
+                </a:tc>
+                <a:tc>
+                  <a:txBody>
+                    <a:bodyPr lIns="90000" rIns="90000" tIns="46800" bIns="46800" anchor="ctr">
+                      <a:noAutofit/>
+                    </a:bodyPr>
+                    <a:p>
+                      <a:pPr algn="ctr">
+                        <a:buNone/>
+                      </a:pPr>
+                      <a:r>
+                        <a:rPr b="0" lang="hr-HR" sz="1800" spc="-1" strike="noStrike">
+                          <a:latin typeface="Arial"/>
+                        </a:rPr>
+                        <a:t>XGBoost</a:t>
+                      </a:r>
+                      <a:endParaRPr b="0" lang="hr-HR" sz="1800" spc="-1" strike="noStrike">
+                        <a:latin typeface="Arial"/>
+                      </a:endParaRPr>
+                    </a:p>
+                  </a:txBody>
+                  <a:tcPr anchor="ctr" marL="90000" marR="90000">
+                    <a:lnL>
+                      <a:noFill/>
+                    </a:lnL>
+                    <a:lnR w="720">
+                      <a:solidFill>
+                        <a:srgbClr val="ffffff"/>
+                      </a:solidFill>
+                    </a:lnR>
+                    <a:lnT w="720">
+                      <a:solidFill>
+                        <a:srgbClr val="ffffff"/>
+                      </a:solidFill>
+                    </a:lnT>
+                    <a:lnB w="720">
+                      <a:solidFill>
+                        <a:srgbClr val="ffffff"/>
+                      </a:solidFill>
+                    </a:lnB>
+                    <a:solidFill>
+                      <a:srgbClr val="729fcf"/>
+                    </a:solidFill>
+                  </a:tcPr>
+                </a:tc>
+                <a:tc>
+                  <a:txBody>
+                    <a:bodyPr lIns="90000" rIns="90000" tIns="46800" bIns="46800" anchor="ctr">
+                      <a:noAutofit/>
+                    </a:bodyPr>
+                    <a:p>
+                      <a:pPr algn="ctr">
+                        <a:buNone/>
+                      </a:pPr>
+                      <a:r>
+                        <a:rPr b="0" lang="hr-HR" sz="1800" spc="-1" strike="noStrike">
+                          <a:latin typeface="Arial"/>
+                        </a:rPr>
+                        <a:t>SVM</a:t>
+                      </a:r>
+                      <a:endParaRPr b="0" lang="hr-HR" sz="1800" spc="-1" strike="noStrike">
+                        <a:latin typeface="Arial"/>
+                      </a:endParaRPr>
+                    </a:p>
+                  </a:txBody>
+                  <a:tcPr anchor="ctr" marL="90000" marR="90000">
+                    <a:lnL w="720">
+                      <a:solidFill>
+                        <a:srgbClr val="ffffff"/>
+                      </a:solidFill>
+                    </a:lnL>
+                    <a:lnR w="720">
+                      <a:solidFill>
+                        <a:srgbClr val="ffffff"/>
+                      </a:solidFill>
+                    </a:lnR>
+                    <a:lnT w="720">
+                      <a:solidFill>
+                        <a:srgbClr val="ffffff"/>
+                      </a:solidFill>
+                    </a:lnT>
+                    <a:lnB w="720">
+                      <a:solidFill>
+                        <a:srgbClr val="ffffff"/>
+                      </a:solidFill>
+                    </a:lnB>
+                    <a:solidFill>
+                      <a:srgbClr val="729fcf"/>
+                    </a:solidFill>
+                  </a:tcPr>
+                </a:tc>
+                <a:tc>
+                  <a:txBody>
+                    <a:bodyPr lIns="90000" rIns="90000" tIns="46800" bIns="46800" anchor="ctr">
+                      <a:noAutofit/>
+                    </a:bodyPr>
+                    <a:p>
+                      <a:pPr algn="ctr">
+                        <a:buNone/>
+                      </a:pPr>
+                      <a:r>
+                        <a:rPr b="0" lang="hr-HR" sz="1800" spc="-1" strike="noStrike">
+                          <a:latin typeface="Arial"/>
+                        </a:rPr>
+                        <a:t>KNN</a:t>
+                      </a:r>
+                      <a:endParaRPr b="0" lang="hr-HR" sz="1800" spc="-1" strike="noStrike">
+                        <a:latin typeface="Arial"/>
+                      </a:endParaRPr>
+                    </a:p>
+                  </a:txBody>
+                  <a:tcPr anchor="ctr" marL="90000" marR="90000">
+                    <a:lnL w="720">
+                      <a:solidFill>
+                        <a:srgbClr val="ffffff"/>
+                      </a:solidFill>
+                    </a:lnL>
+                    <a:lnR w="720">
+                      <a:solidFill>
+                        <a:srgbClr val="ffffff"/>
+                      </a:solidFill>
+                    </a:lnR>
+                    <a:lnT w="720">
+                      <a:solidFill>
+                        <a:srgbClr val="ffffff"/>
+                      </a:solidFill>
+                    </a:lnT>
+                    <a:lnB w="720">
+                      <a:solidFill>
+                        <a:srgbClr val="ffffff"/>
+                      </a:solidFill>
+                    </a:lnB>
+                    <a:solidFill>
+                      <a:srgbClr val="729fcf"/>
+                    </a:solidFill>
+                  </a:tcPr>
+                </a:tc>
+              </a:tr>
+              <a:tr h="1176840">
+                <a:tc>
+                  <a:txBody>
+                    <a:bodyPr lIns="90000" rIns="90000" tIns="46800" bIns="46800" anchor="ctr">
+                      <a:noAutofit/>
+                    </a:bodyPr>
+                    <a:p>
+                      <a:pPr algn="ctr">
+                        <a:buNone/>
+                      </a:pPr>
+                      <a:r>
+                        <a:rPr b="0" lang="hr-HR" sz="1800" spc="-1" strike="noStrike">
+                          <a:latin typeface="Arial"/>
+                        </a:rPr>
+                        <a:t>Točnost</a:t>
+                      </a:r>
+                      <a:endParaRPr b="0" lang="hr-HR" sz="1800" spc="-1" strike="noStrike">
+                        <a:latin typeface="Arial"/>
+                      </a:endParaRPr>
+                    </a:p>
+                  </a:txBody>
+                  <a:tcPr anchor="ctr" marL="90000" marR="90000">
+                    <a:lnL w="720">
+                      <a:solidFill>
+                        <a:srgbClr val="ffffff"/>
+                      </a:solidFill>
+                    </a:lnL>
+                    <a:lnR w="720">
+                      <a:solidFill>
+                        <a:srgbClr val="ffffff"/>
+                      </a:solidFill>
+                    </a:lnR>
+                    <a:lnT>
+                      <a:noFill/>
+                    </a:lnT>
+                    <a:lnB w="720">
+                      <a:solidFill>
+                        <a:srgbClr val="ffffff"/>
+                      </a:solidFill>
+                    </a:lnB>
+                    <a:solidFill>
+                      <a:srgbClr val="729fcf"/>
+                    </a:solidFill>
+                  </a:tcPr>
+                </a:tc>
+                <a:tc>
+                  <a:txBody>
+                    <a:bodyPr lIns="90000" rIns="90000" tIns="46800" bIns="46800" anchor="ctr">
+                      <a:noAutofit/>
+                    </a:bodyPr>
+                    <a:p>
+                      <a:pPr algn="ctr">
+                        <a:buNone/>
+                      </a:pPr>
+                      <a:r>
+                        <a:rPr b="0" lang="hr-HR" sz="1800" spc="-1" strike="noStrike">
+                          <a:latin typeface="Arial"/>
+                        </a:rPr>
+                        <a:t>85,86%</a:t>
+                      </a:r>
+                      <a:endParaRPr b="0" lang="hr-HR" sz="1800" spc="-1" strike="noStrike">
+                        <a:latin typeface="Arial"/>
+                      </a:endParaRPr>
+                    </a:p>
+                  </a:txBody>
+                  <a:tcPr anchor="ctr" marL="90000" marR="90000">
+                    <a:lnL w="720">
+                      <a:solidFill>
+                        <a:srgbClr val="ffffff"/>
+                      </a:solidFill>
+                    </a:lnL>
+                    <a:lnR w="720">
+                      <a:solidFill>
+                        <a:srgbClr val="ffffff"/>
+                      </a:solidFill>
+                    </a:lnR>
+                    <a:lnT w="720">
+                      <a:solidFill>
+                        <a:srgbClr val="ffffff"/>
+                      </a:solidFill>
+                    </a:lnT>
+                    <a:lnB w="720">
+                      <a:solidFill>
+                        <a:srgbClr val="ffffff"/>
+                      </a:solidFill>
+                    </a:lnB>
+                    <a:solidFill>
+                      <a:srgbClr val="cccccc"/>
+                    </a:solidFill>
+                  </a:tcPr>
+                </a:tc>
+                <a:tc>
+                  <a:txBody>
+                    <a:bodyPr lIns="90000" rIns="90000" tIns="46800" bIns="46800" anchor="ctr">
+                      <a:noAutofit/>
+                    </a:bodyPr>
+                    <a:p>
+                      <a:pPr algn="ctr">
+                        <a:buNone/>
+                      </a:pPr>
+                      <a:r>
+                        <a:rPr b="0" lang="hr-HR" sz="1800" spc="-1" strike="noStrike">
+                          <a:latin typeface="Arial"/>
+                        </a:rPr>
+                        <a:t>86,18%</a:t>
+                      </a:r>
+                      <a:endParaRPr b="0" lang="hr-HR" sz="1800" spc="-1" strike="noStrike">
+                        <a:latin typeface="Arial"/>
+                      </a:endParaRPr>
+                    </a:p>
+                  </a:txBody>
+                  <a:tcPr anchor="ctr" marL="90000" marR="90000">
+                    <a:lnL w="720">
+                      <a:solidFill>
+                        <a:srgbClr val="ffffff"/>
+                      </a:solidFill>
+                    </a:lnL>
+                    <a:lnR w="720">
+                      <a:solidFill>
+                        <a:srgbClr val="ffffff"/>
+                      </a:solidFill>
+                    </a:lnR>
+                    <a:lnT w="720">
+                      <a:solidFill>
+                        <a:srgbClr val="ffffff"/>
+                      </a:solidFill>
+                    </a:lnT>
+                    <a:lnB w="720">
+                      <a:solidFill>
+                        <a:srgbClr val="ffffff"/>
+                      </a:solidFill>
+                    </a:lnB>
+                    <a:solidFill>
+                      <a:srgbClr val="cccccc"/>
+                    </a:solidFill>
+                  </a:tcPr>
+                </a:tc>
+                <a:tc>
+                  <a:txBody>
+                    <a:bodyPr lIns="90000" rIns="90000" tIns="46800" bIns="46800" anchor="ctr">
+                      <a:noAutofit/>
+                    </a:bodyPr>
+                    <a:p>
+                      <a:pPr algn="ctr">
+                        <a:buNone/>
+                      </a:pPr>
+                      <a:r>
+                        <a:rPr b="0" lang="hr-HR" sz="1800" spc="-1" strike="noStrike">
+                          <a:latin typeface="Arial"/>
+                        </a:rPr>
+                        <a:t>85,86%</a:t>
+                      </a:r>
+                      <a:endParaRPr b="0" lang="hr-HR" sz="1800" spc="-1" strike="noStrike">
+                        <a:latin typeface="Arial"/>
+                      </a:endParaRPr>
+                    </a:p>
+                  </a:txBody>
+                  <a:tcPr anchor="ctr" marL="90000" marR="90000">
+                    <a:lnL w="720">
+                      <a:solidFill>
+                        <a:srgbClr val="ffffff"/>
+                      </a:solidFill>
+                    </a:lnL>
+                    <a:lnR w="720">
+                      <a:solidFill>
+                        <a:srgbClr val="ffffff"/>
+                      </a:solidFill>
+                    </a:lnR>
+                    <a:lnT w="720">
+                      <a:solidFill>
+                        <a:srgbClr val="ffffff"/>
+                      </a:solidFill>
+                    </a:lnT>
+                    <a:lnB w="720">
+                      <a:solidFill>
+                        <a:srgbClr val="ffffff"/>
+                      </a:solidFill>
+                    </a:lnB>
+                    <a:solidFill>
+                      <a:srgbClr val="cccccc"/>
+                    </a:solidFill>
+                  </a:tcPr>
+                </a:tc>
+              </a:tr>
+              <a:tr h="1176840">
+                <a:tc>
+                  <a:txBody>
+                    <a:bodyPr lIns="90000" rIns="90000" tIns="46800" bIns="46800" anchor="ctr">
+                      <a:noAutofit/>
+                    </a:bodyPr>
+                    <a:p>
+                      <a:pPr algn="ctr">
+                        <a:buNone/>
+                      </a:pPr>
+                      <a:r>
+                        <a:rPr b="0" lang="hr-HR" sz="1800" spc="-1" strike="noStrike">
+                          <a:latin typeface="Arial"/>
+                        </a:rPr>
+                        <a:t>F1</a:t>
+                      </a:r>
+                      <a:endParaRPr b="0" lang="hr-HR" sz="1800" spc="-1" strike="noStrike">
+                        <a:latin typeface="Arial"/>
+                      </a:endParaRPr>
+                    </a:p>
+                  </a:txBody>
+                  <a:tcPr anchor="ctr" marL="90000" marR="90000">
+                    <a:lnL w="720">
+                      <a:solidFill>
+                        <a:srgbClr val="ffffff"/>
+                      </a:solidFill>
+                    </a:lnL>
+                    <a:lnR w="720">
+                      <a:solidFill>
+                        <a:srgbClr val="ffffff"/>
+                      </a:solidFill>
+                    </a:lnR>
+                    <a:lnT w="720">
+                      <a:solidFill>
+                        <a:srgbClr val="ffffff"/>
+                      </a:solidFill>
+                    </a:lnT>
+                    <a:lnB w="720">
+                      <a:solidFill>
+                        <a:srgbClr val="ffffff"/>
+                      </a:solidFill>
+                    </a:lnB>
+                    <a:solidFill>
+                      <a:srgbClr val="729fcf"/>
+                    </a:solidFill>
+                  </a:tcPr>
+                </a:tc>
+                <a:tc>
+                  <a:txBody>
+                    <a:bodyPr lIns="90000" rIns="90000" tIns="46800" bIns="46800" anchor="ctr">
+                      <a:noAutofit/>
+                    </a:bodyPr>
+                    <a:p>
+                      <a:pPr algn="ctr">
+                        <a:buNone/>
+                      </a:pPr>
+                      <a:r>
+                        <a:rPr b="0" lang="hr-HR" sz="1800" spc="-1" strike="noStrike">
+                          <a:latin typeface="Arial"/>
+                        </a:rPr>
+                        <a:t>41,02%</a:t>
+                      </a:r>
+                      <a:endParaRPr b="0" lang="hr-HR" sz="1800" spc="-1" strike="noStrike">
+                        <a:latin typeface="Arial"/>
+                      </a:endParaRPr>
+                    </a:p>
+                  </a:txBody>
+                  <a:tcPr anchor="ctr" marL="90000" marR="90000">
+                    <a:lnL w="720">
+                      <a:solidFill>
+                        <a:srgbClr val="ffffff"/>
+                      </a:solidFill>
+                    </a:lnL>
+                    <a:lnR w="720">
+                      <a:solidFill>
+                        <a:srgbClr val="ffffff"/>
+                      </a:solidFill>
+                    </a:lnR>
+                    <a:lnT w="720">
+                      <a:solidFill>
+                        <a:srgbClr val="ffffff"/>
+                      </a:solidFill>
+                    </a:lnT>
+                    <a:lnB w="720">
+                      <a:solidFill>
+                        <a:srgbClr val="ffffff"/>
+                      </a:solidFill>
+                    </a:lnB>
+                    <a:solidFill>
+                      <a:srgbClr val="e6e6e6"/>
+                    </a:solidFill>
+                  </a:tcPr>
+                </a:tc>
+                <a:tc>
+                  <a:txBody>
+                    <a:bodyPr lIns="90000" rIns="90000" tIns="46800" bIns="46800" anchor="ctr">
+                      <a:noAutofit/>
+                    </a:bodyPr>
+                    <a:p>
+                      <a:pPr algn="ctr">
+                        <a:buNone/>
+                      </a:pPr>
+                      <a:r>
+                        <a:rPr b="0" lang="hr-HR" sz="1800" spc="-1" strike="noStrike">
+                          <a:latin typeface="Arial"/>
+                        </a:rPr>
+                        <a:t>33,19%</a:t>
+                      </a:r>
+                      <a:endParaRPr b="0" lang="hr-HR" sz="1800" spc="-1" strike="noStrike">
+                        <a:latin typeface="Arial"/>
+                      </a:endParaRPr>
+                    </a:p>
+                  </a:txBody>
+                  <a:tcPr anchor="ctr" marL="90000" marR="90000">
+                    <a:lnL w="720">
+                      <a:solidFill>
+                        <a:srgbClr val="ffffff"/>
+                      </a:solidFill>
+                    </a:lnL>
+                    <a:lnR w="720">
+                      <a:solidFill>
+                        <a:srgbClr val="ffffff"/>
+                      </a:solidFill>
+                    </a:lnR>
+                    <a:lnT w="720">
+                      <a:solidFill>
+                        <a:srgbClr val="ffffff"/>
+                      </a:solidFill>
+                    </a:lnT>
+                    <a:lnB w="720">
+                      <a:solidFill>
+                        <a:srgbClr val="ffffff"/>
+                      </a:solidFill>
+                    </a:lnB>
+                    <a:solidFill>
+                      <a:srgbClr val="e6e6e6"/>
+                    </a:solidFill>
+                  </a:tcPr>
+                </a:tc>
+                <a:tc>
+                  <a:txBody>
+                    <a:bodyPr lIns="90000" rIns="90000" tIns="46800" bIns="46800" anchor="ctr">
+                      <a:noAutofit/>
+                    </a:bodyPr>
+                    <a:p>
+                      <a:pPr algn="ctr">
+                        <a:buNone/>
+                      </a:pPr>
+                      <a:r>
+                        <a:rPr b="0" lang="hr-HR" sz="1800" spc="-1" strike="noStrike">
+                          <a:latin typeface="Arial"/>
+                        </a:rPr>
+                        <a:t>30,80%</a:t>
+                      </a:r>
+                      <a:endParaRPr b="0" lang="hr-HR" sz="1800" spc="-1" strike="noStrike">
+                        <a:latin typeface="Arial"/>
+                      </a:endParaRPr>
+                    </a:p>
+                  </a:txBody>
+                  <a:tcPr anchor="ctr" marL="90000" marR="90000">
+                    <a:lnL w="720">
+                      <a:solidFill>
+                        <a:srgbClr val="ffffff"/>
+                      </a:solidFill>
+                    </a:lnL>
+                    <a:lnR w="720">
+                      <a:solidFill>
+                        <a:srgbClr val="ffffff"/>
+                      </a:solidFill>
+                    </a:lnR>
+                    <a:lnT w="720">
+                      <a:solidFill>
+                        <a:srgbClr val="ffffff"/>
+                      </a:solidFill>
+                    </a:lnT>
+                    <a:lnB w="720">
+                      <a:solidFill>
+                        <a:srgbClr val="ffffff"/>
+                      </a:solidFill>
+                    </a:lnB>
+                    <a:solidFill>
+                      <a:srgbClr val="e6e6e6"/>
+                    </a:solidFill>
+                  </a:tcPr>
+                </a:tc>
+              </a:tr>
+            </a:tbl>
+          </a:graphicData>
+        </a:graphic>
+      </p:graphicFrame>
     </p:spTree>
   </p:cSld>
   <mc:AlternateContent>
@@ -5760,7 +9135,7 @@
       </p:grpSpPr>
       <p:sp>
         <p:nvSpPr>
-          <p:cNvPr id="105" name="PlaceHolder 1"/>
+          <p:cNvPr id="147" name="PlaceHolder 1"/>
           <p:cNvSpPr>
             <a:spLocks noGrp="1"/>
           </p:cNvSpPr>
@@ -5770,8 +9145,112 @@
         </p:nvSpPr>
         <p:spPr>
           <a:xfrm>
+            <a:off x="609480" y="273600"/>
+            <a:ext cx="10972440" cy="1144800"/>
+          </a:xfrm>
+          <a:prstGeom prst="rect">
+            <a:avLst/>
+          </a:prstGeom>
+          <a:noFill/>
+          <a:ln w="0">
+            <a:noFill/>
+          </a:ln>
+        </p:spPr>
+        <p:txBody>
+          <a:bodyPr lIns="0" rIns="0" tIns="0" bIns="0" anchor="ctr">
+            <a:noAutofit/>
+          </a:bodyPr>
+          <a:p>
+            <a:r>
+              <a:rPr b="0" lang="hr-HR" sz="4400" spc="-1" strike="noStrike">
+                <a:latin typeface="Arial"/>
+              </a:rPr>
+              <a:t>Rezultati – confusion matrix</a:t>
+            </a:r>
+            <a:endParaRPr b="0" lang="hr-HR" sz="4400" spc="-1" strike="noStrike">
+              <a:latin typeface="Arial"/>
+            </a:endParaRPr>
+          </a:p>
+        </p:txBody>
+      </p:sp>
+      <p:sp>
+        <p:nvSpPr>
+          <p:cNvPr id="148" name="PlaceHolder 2"/>
+          <p:cNvSpPr>
+            <a:spLocks noGrp="1"/>
+          </p:cNvSpPr>
+          <p:nvPr>
+            <p:ph/>
+          </p:nvPr>
+        </p:nvSpPr>
+        <p:spPr>
+          <a:xfrm>
+            <a:off x="609480" y="1604520"/>
+            <a:ext cx="10972440" cy="3977280"/>
+          </a:xfrm>
+          <a:prstGeom prst="rect">
+            <a:avLst/>
+          </a:prstGeom>
+          <a:noFill/>
+          <a:ln w="0">
+            <a:noFill/>
+          </a:ln>
+        </p:spPr>
+        <p:txBody>
+          <a:bodyPr lIns="0" rIns="0" tIns="0" bIns="0" anchor="t">
+            <a:normAutofit/>
+          </a:bodyPr>
+          <a:p>
+            <a:endParaRPr b="0" lang="hr-HR" sz="3200" spc="-1" strike="noStrike">
+              <a:latin typeface="Arial"/>
+            </a:endParaRPr>
+          </a:p>
+        </p:txBody>
+      </p:sp>
+    </p:spTree>
+  </p:cSld>
+  <mc:AlternateContent>
+    <mc:Choice Requires="p14">
+      <p:transition spd="slow" p14:dur="2000"/>
+    </mc:Choice>
+    <mc:Fallback>
+      <p:transition spd="slow"/>
+    </mc:Fallback>
+  </mc:AlternateContent>
+</p:sld>
+</file>
+
+<file path=ppt/slides/slide12.xml><?xml version="1.0" encoding="utf-8"?>
+<p:sld xmlns:a="http://schemas.openxmlformats.org/drawingml/2006/main" xmlns:p="http://schemas.openxmlformats.org/presentationml/2006/main" xmlns:r="http://schemas.openxmlformats.org/officeDocument/2006/relationships" xmlns:p14="http://schemas.microsoft.com/office/powerpoint/2010/main" xmlns:p15="http://schemas.microsoft.com/office/powerpoint/2012/main" xmlns:mc="http://schemas.openxmlformats.org/markup-compatibility/2006">
+  <p:cSld>
+    <p:spTree>
+      <p:nvGrpSpPr>
+        <p:cNvPr id="1" name=""/>
+        <p:cNvGrpSpPr/>
+        <p:nvPr/>
+      </p:nvGrpSpPr>
+      <p:grpSpPr>
+        <a:xfrm>
+          <a:off x="0" y="0"/>
+          <a:ext cx="0" cy="0"/>
+          <a:chOff x="0" y="0"/>
+          <a:chExt cx="0" cy="0"/>
+        </a:xfrm>
+      </p:grpSpPr>
+      <p:sp>
+        <p:nvSpPr>
+          <p:cNvPr id="149" name="PlaceHolder 1"/>
+          <p:cNvSpPr>
+            <a:spLocks noGrp="1"/>
+          </p:cNvSpPr>
+          <p:nvPr>
+            <p:ph type="title"/>
+          </p:nvPr>
+        </p:nvSpPr>
+        <p:spPr>
+          <a:xfrm>
             <a:off x="838080" y="365040"/>
-            <a:ext cx="10514880" cy="1324800"/>
+            <a:ext cx="10514520" cy="1324440"/>
           </a:xfrm>
           <a:prstGeom prst="rect">
             <a:avLst/>
@@ -5809,7 +9288,7 @@
       </p:sp>
       <p:sp>
         <p:nvSpPr>
-          <p:cNvPr id="106" name="PlaceHolder 2"/>
+          <p:cNvPr id="150" name="PlaceHolder 2"/>
           <p:cNvSpPr>
             <a:spLocks noGrp="1"/>
           </p:cNvSpPr>
@@ -5820,7 +9299,7 @@
         <p:spPr>
           <a:xfrm>
             <a:off x="838080" y="1825560"/>
-            <a:ext cx="10514880" cy="4350600"/>
+            <a:ext cx="10514520" cy="4350240"/>
           </a:xfrm>
           <a:prstGeom prst="rect">
             <a:avLst/>
@@ -5855,16 +9334,7 @@
                 </a:solidFill>
                 <a:latin typeface="Aptos"/>
               </a:rPr>
-              <a:t>Recenzije knjiga: </a:t>
-            </a:r>
-            <a:r>
-              <a:rPr b="0" lang="hr-HR" sz="2800" spc="-1" strike="noStrike">
-                <a:solidFill>
-                  <a:srgbClr val="000000"/>
-                </a:solidFill>
-                <a:latin typeface="Aptos"/>
-              </a:rPr>
-              <a:t>https://www.najboljeknjige.com/recenzije</a:t>
+              <a:t>Recenzije knjiga: https://www.najboljeknjige.com/recenzije</a:t>
             </a:r>
             <a:endParaRPr b="0" lang="hr-HR" sz="2800" spc="-1" strike="noStrike">
               <a:latin typeface="Arial"/>
@@ -5894,10 +9364,11 @@
               <a:t>Github: </a:t>
             </a:r>
             <a:r>
-              <a:rPr b="0" lang="hr-HR" sz="2800" spc="-1" strike="noStrike">
+              <a:rPr b="0" lang="hr-HR" sz="2800" spc="-1" strike="noStrike" u="sng">
                 <a:solidFill>
-                  <a:srgbClr val="000000"/>
+                  <a:srgbClr val="467886"/>
                 </a:solidFill>
+                <a:uFillTx/>
                 <a:latin typeface="Aptos"/>
                 <a:hlinkClick r:id="rId1"/>
               </a:rPr>
@@ -5931,10 +9402,11 @@
               <a:t>OG korpus: </a:t>
             </a:r>
             <a:r>
-              <a:rPr b="0" lang="hr-HR" sz="2800" spc="-1" strike="noStrike">
+              <a:rPr b="0" lang="hr-HR" sz="2800" spc="-1" strike="noStrike" u="sng">
                 <a:solidFill>
-                  <a:srgbClr val="000000"/>
+                  <a:srgbClr val="467886"/>
                 </a:solidFill>
+                <a:uFillTx/>
                 <a:latin typeface="Aptos"/>
                 <a:hlinkClick r:id="rId2"/>
               </a:rPr>
@@ -5965,25 +9437,7 @@
                 </a:solidFill>
                 <a:latin typeface="Aptos"/>
               </a:rPr>
-              <a:t>Anotirani korpus: </a:t>
-            </a:r>
-            <a:r>
-              <a:rPr b="0" lang="hr-HR" sz="2800" spc="-1" strike="noStrike">
-                <a:solidFill>
-                  <a:srgbClr val="000000"/>
-                </a:solidFill>
-                <a:latin typeface="Aptos"/>
-              </a:rPr>
-              <a:t>https://github.com/Sentimentalci/opjprojekt/blob/master/</a:t>
-            </a:r>
-            <a:r>
-              <a:rPr b="0" lang="hr-HR" sz="2800" spc="-1" strike="noStrike">
-                <a:solidFill>
-                  <a:srgbClr val="000000"/>
-                </a:solidFill>
-                <a:latin typeface="Aptos"/>
-              </a:rPr>
-              <a:t>Knjiga.tsv</a:t>
+              <a:t>Anotirani korpus: https://github.com/Sentimentalci/opjprojekt/blob/master/Knjiga.tsv</a:t>
             </a:r>
             <a:endParaRPr b="0" lang="hr-HR" sz="2800" spc="-1" strike="noStrike">
               <a:latin typeface="Arial"/>
@@ -6023,7 +9477,7 @@
       </p:grpSpPr>
       <p:sp>
         <p:nvSpPr>
-          <p:cNvPr id="84" name="PlaceHolder 1"/>
+          <p:cNvPr id="126" name="PlaceHolder 1"/>
           <p:cNvSpPr>
             <a:spLocks noGrp="1"/>
           </p:cNvSpPr>
@@ -6034,7 +9488,7 @@
         <p:spPr>
           <a:xfrm>
             <a:off x="838080" y="365040"/>
-            <a:ext cx="10514880" cy="1324800"/>
+            <a:ext cx="10514520" cy="1324440"/>
           </a:xfrm>
           <a:prstGeom prst="rect">
             <a:avLst/>
@@ -6072,7 +9526,7 @@
       </p:sp>
       <p:sp>
         <p:nvSpPr>
-          <p:cNvPr id="85" name="PlaceHolder 2"/>
+          <p:cNvPr id="127" name="PlaceHolder 2"/>
           <p:cNvSpPr>
             <a:spLocks noGrp="1"/>
           </p:cNvSpPr>
@@ -6083,7 +9537,7 @@
         <p:spPr>
           <a:xfrm>
             <a:off x="838080" y="1825560"/>
-            <a:ext cx="10514880" cy="4350600"/>
+            <a:ext cx="10514520" cy="4350240"/>
           </a:xfrm>
           <a:prstGeom prst="rect">
             <a:avLst/>
@@ -6293,7 +9747,7 @@
       </p:grpSpPr>
       <p:sp>
         <p:nvSpPr>
-          <p:cNvPr id="86" name="PlaceHolder 1"/>
+          <p:cNvPr id="128" name="PlaceHolder 1"/>
           <p:cNvSpPr>
             <a:spLocks noGrp="1"/>
           </p:cNvSpPr>
@@ -6304,7 +9758,7 @@
         <p:spPr>
           <a:xfrm>
             <a:off x="838080" y="365040"/>
-            <a:ext cx="10514880" cy="1324800"/>
+            <a:ext cx="10514520" cy="1324440"/>
           </a:xfrm>
           <a:prstGeom prst="rect">
             <a:avLst/>
@@ -6342,7 +9796,7 @@
       </p:sp>
       <p:sp>
         <p:nvSpPr>
-          <p:cNvPr id="87" name="PlaceHolder 2"/>
+          <p:cNvPr id="129" name="PlaceHolder 2"/>
           <p:cNvSpPr>
             <a:spLocks noGrp="1"/>
           </p:cNvSpPr>
@@ -6353,7 +9807,7 @@
         <p:spPr>
           <a:xfrm>
             <a:off x="838080" y="1825560"/>
-            <a:ext cx="10514880" cy="4350600"/>
+            <a:ext cx="10514520" cy="4350240"/>
           </a:xfrm>
           <a:prstGeom prst="rect">
             <a:avLst/>
@@ -6388,25 +9842,7 @@
                 </a:solidFill>
                 <a:latin typeface="Aptos"/>
               </a:rPr>
-              <a:t>Teorija, potreba i </a:t>
-            </a:r>
-            <a:r>
-              <a:rPr b="0" lang="hr-HR" sz="2800" spc="-1" strike="noStrike">
-                <a:solidFill>
-                  <a:srgbClr val="000000"/>
-                </a:solidFill>
-                <a:latin typeface="Aptos"/>
-              </a:rPr>
-              <a:t>problematika analize </a:t>
-            </a:r>
-            <a:r>
-              <a:rPr b="0" lang="hr-HR" sz="2800" spc="-1" strike="noStrike">
-                <a:solidFill>
-                  <a:srgbClr val="000000"/>
-                </a:solidFill>
-                <a:latin typeface="Aptos"/>
-              </a:rPr>
-              <a:t>sentimenta --</a:t>
+              <a:t>Teorija, potreba i problematika analize sentimenta --</a:t>
             </a:r>
             <a:endParaRPr b="0" lang="hr-HR" sz="2800" spc="-1" strike="noStrike">
               <a:latin typeface="Arial"/>
@@ -6433,43 +9869,7 @@
                 </a:solidFill>
                 <a:latin typeface="Aptos"/>
               </a:rPr>
-              <a:t>Pronalaženje lingvističkih </a:t>
-            </a:r>
-            <a:r>
-              <a:rPr b="0" lang="hr-HR" sz="2800" spc="-1" strike="noStrike">
-                <a:solidFill>
-                  <a:srgbClr val="000000"/>
-                </a:solidFill>
-                <a:latin typeface="Aptos"/>
-              </a:rPr>
-              <a:t>uzoraka u tekstu koji </a:t>
-            </a:r>
-            <a:r>
-              <a:rPr b="0" lang="hr-HR" sz="2800" spc="-1" strike="noStrike">
-                <a:solidFill>
-                  <a:srgbClr val="000000"/>
-                </a:solidFill>
-                <a:latin typeface="Aptos"/>
-              </a:rPr>
-              <a:t>otkrivaju nečiji stav o nekom </a:t>
-            </a:r>
-            <a:r>
-              <a:rPr b="0" lang="hr-HR" sz="2800" spc="-1" strike="noStrike">
-                <a:solidFill>
-                  <a:srgbClr val="000000"/>
-                </a:solidFill>
-                <a:latin typeface="Aptos"/>
-              </a:rPr>
-              <a:t>svojstvu nekog objekta (u </a:t>
-            </a:r>
-            <a:r>
-              <a:rPr b="0" lang="hr-HR" sz="2800" spc="-1" strike="noStrike">
-                <a:solidFill>
-                  <a:srgbClr val="000000"/>
-                </a:solidFill>
-                <a:latin typeface="Aptos"/>
-              </a:rPr>
-              <a:t>točno nekom trenutku)</a:t>
+              <a:t>Pronalaženje lingvističkih uzoraka u tekstu koji otkrivaju nečiji stav o nekom svojstvu nekog objekta (u točno nekom trenutku)</a:t>
             </a:r>
             <a:endParaRPr b="0" lang="hr-HR" sz="2800" spc="-1" strike="noStrike">
               <a:latin typeface="Arial"/>
@@ -6496,25 +9896,7 @@
                 </a:solidFill>
                 <a:latin typeface="Aptos"/>
               </a:rPr>
-              <a:t>Najčešće koristi podatke s </a:t>
-            </a:r>
-            <a:r>
-              <a:rPr b="0" lang="hr-HR" sz="2800" spc="-1" strike="noStrike">
-                <a:solidFill>
-                  <a:srgbClr val="000000"/>
-                </a:solidFill>
-                <a:latin typeface="Aptos"/>
-              </a:rPr>
-              <a:t>društvenih mreža -&gt; javno </a:t>
-            </a:r>
-            <a:r>
-              <a:rPr b="0" lang="hr-HR" sz="2800" spc="-1" strike="noStrike">
-                <a:solidFill>
-                  <a:srgbClr val="000000"/>
-                </a:solidFill>
-                <a:latin typeface="Aptos"/>
-              </a:rPr>
-              <a:t>mišljenje o nekoj temi</a:t>
+              <a:t>Najčešće koristi podatke s društvenih mreža -&gt; javno mišljenje o nekoj temi</a:t>
             </a:r>
             <a:endParaRPr b="0" lang="hr-HR" sz="2800" spc="-1" strike="noStrike">
               <a:latin typeface="Arial"/>
@@ -6541,25 +9923,7 @@
                 </a:solidFill>
                 <a:latin typeface="Aptos"/>
               </a:rPr>
-              <a:t>Marketing, političke analize, </a:t>
-            </a:r>
-            <a:r>
-              <a:rPr b="0" lang="hr-HR" sz="2800" spc="-1" strike="noStrike">
-                <a:solidFill>
-                  <a:srgbClr val="000000"/>
-                </a:solidFill>
-                <a:latin typeface="Aptos"/>
-              </a:rPr>
-              <a:t>istraživanje korisničkog </a:t>
-            </a:r>
-            <a:r>
-              <a:rPr b="0" lang="hr-HR" sz="2800" spc="-1" strike="noStrike">
-                <a:solidFill>
-                  <a:srgbClr val="000000"/>
-                </a:solidFill>
-                <a:latin typeface="Aptos"/>
-              </a:rPr>
-              <a:t>iskustva i sl.</a:t>
+              <a:t>Marketing, političke analize, istraživanje korisničkog iskustva i sl.</a:t>
             </a:r>
             <a:endParaRPr b="0" lang="hr-HR" sz="2800" spc="-1" strike="noStrike">
               <a:latin typeface="Arial"/>
@@ -6599,7 +9963,7 @@
       </p:grpSpPr>
       <p:sp>
         <p:nvSpPr>
-          <p:cNvPr id="88" name="PlaceHolder 1"/>
+          <p:cNvPr id="130" name="PlaceHolder 1"/>
           <p:cNvSpPr>
             <a:spLocks noGrp="1"/>
           </p:cNvSpPr>
@@ -6610,7 +9974,7 @@
         <p:spPr>
           <a:xfrm>
             <a:off x="838080" y="365040"/>
-            <a:ext cx="10514880" cy="1324800"/>
+            <a:ext cx="10514520" cy="1324440"/>
           </a:xfrm>
           <a:prstGeom prst="rect">
             <a:avLst/>
@@ -6648,7 +10012,7 @@
       </p:sp>
       <p:sp>
         <p:nvSpPr>
-          <p:cNvPr id="89" name="PlaceHolder 2"/>
+          <p:cNvPr id="131" name="PlaceHolder 2"/>
           <p:cNvSpPr>
             <a:spLocks noGrp="1"/>
           </p:cNvSpPr>
@@ -6659,7 +10023,7 @@
         <p:spPr>
           <a:xfrm>
             <a:off x="838080" y="1825560"/>
-            <a:ext cx="10514880" cy="4350600"/>
+            <a:ext cx="10514520" cy="4350240"/>
           </a:xfrm>
           <a:prstGeom prst="rect">
             <a:avLst/>
@@ -6694,25 +10058,7 @@
                 </a:solidFill>
                 <a:latin typeface="Aptos"/>
               </a:rPr>
-              <a:t>Recenzije knjiga: </a:t>
-            </a:r>
-            <a:r>
-              <a:rPr b="0" lang="hr-HR" sz="2800" spc="-1" strike="noStrike">
-                <a:solidFill>
-                  <a:srgbClr val="000000"/>
-                </a:solidFill>
-                <a:latin typeface="Aptos"/>
-              </a:rPr>
-              <a:t>https://www.najboljeknjige.com</a:t>
-            </a:r>
-            <a:r>
-              <a:rPr b="0" lang="hr-HR" sz="2800" spc="-1" strike="noStrike">
-                <a:solidFill>
-                  <a:srgbClr val="000000"/>
-                </a:solidFill>
-                <a:latin typeface="Aptos"/>
-              </a:rPr>
-              <a:t>/recenzije</a:t>
+              <a:t>Recenzije knjiga: https://www.najboljeknjige.com/recenzije</a:t>
             </a:r>
             <a:endParaRPr b="0" lang="hr-HR" sz="2800" spc="-1" strike="noStrike">
               <a:latin typeface="Arial"/>
@@ -6847,16 +10193,7 @@
                 </a:solidFill>
                 <a:latin typeface="Aptos"/>
               </a:rPr>
-              <a:t>Segmentacija na rečenice (., !, ?, </a:t>
-            </a:r>
-            <a:r>
-              <a:rPr b="0" lang="hr-HR" sz="2400" spc="-1" strike="noStrike">
-                <a:solidFill>
-                  <a:srgbClr val="000000"/>
-                </a:solidFill>
-                <a:latin typeface="Aptos"/>
-              </a:rPr>
-              <a:t>dodatno)</a:t>
+              <a:t>Segmentacija na rečenice (., !, ?, dodatno)</a:t>
             </a:r>
             <a:endParaRPr b="0" lang="hr-HR" sz="2400" spc="-1" strike="noStrike">
               <a:latin typeface="Arial"/>
@@ -6937,7 +10274,7 @@
       </p:grpSpPr>
       <p:sp>
         <p:nvSpPr>
-          <p:cNvPr id="90" name="PlaceHolder 1"/>
+          <p:cNvPr id="132" name="PlaceHolder 1"/>
           <p:cNvSpPr>
             <a:spLocks noGrp="1"/>
           </p:cNvSpPr>
@@ -6948,7 +10285,7 @@
         <p:spPr>
           <a:xfrm>
             <a:off x="838080" y="365040"/>
-            <a:ext cx="10514880" cy="1324800"/>
+            <a:ext cx="10514520" cy="1324440"/>
           </a:xfrm>
           <a:prstGeom prst="rect">
             <a:avLst/>
@@ -6986,7 +10323,7 @@
       </p:sp>
       <p:sp>
         <p:nvSpPr>
-          <p:cNvPr id="91" name="PlaceHolder 2"/>
+          <p:cNvPr id="133" name="PlaceHolder 2"/>
           <p:cNvSpPr>
             <a:spLocks noGrp="1"/>
           </p:cNvSpPr>
@@ -6997,7 +10334,7 @@
         <p:spPr>
           <a:xfrm>
             <a:off x="838080" y="1825560"/>
-            <a:ext cx="10514880" cy="4350600"/>
+            <a:ext cx="10514520" cy="4350240"/>
           </a:xfrm>
           <a:prstGeom prst="rect">
             <a:avLst/>
@@ -7032,16 +10369,7 @@
                 </a:solidFill>
                 <a:latin typeface="Aptos"/>
               </a:rPr>
-              <a:t>4 anotatora u grupi, 1 </a:t>
-            </a:r>
-            <a:r>
-              <a:rPr b="0" lang="hr-HR" sz="2800" spc="-1" strike="noStrike">
-                <a:solidFill>
-                  <a:srgbClr val="000000"/>
-                </a:solidFill>
-                <a:latin typeface="Aptos"/>
-              </a:rPr>
-              <a:t>programer</a:t>
+              <a:t>4 anotatora u grupi, 1 programer</a:t>
             </a:r>
             <a:endParaRPr b="0" lang="hr-HR" sz="2800" spc="-1" strike="noStrike">
               <a:latin typeface="Arial"/>
@@ -7068,16 +10396,7 @@
                 </a:solidFill>
                 <a:latin typeface="Aptos"/>
               </a:rPr>
-              <a:t>Svaki anotira 2250 rečenica </a:t>
-            </a:r>
-            <a:r>
-              <a:rPr b="0" lang="hr-HR" sz="2800" spc="-1" strike="noStrike">
-                <a:solidFill>
-                  <a:srgbClr val="000000"/>
-                </a:solidFill>
-                <a:latin typeface="Aptos"/>
-              </a:rPr>
-              <a:t>-&gt; 3000 rečenica</a:t>
+              <a:t>Svaki anotira 2250 rečenica -&gt; 3000 rečenica</a:t>
             </a:r>
             <a:endParaRPr b="0" lang="hr-HR" sz="2800" spc="-1" strike="noStrike">
               <a:latin typeface="Arial"/>
@@ -7132,16 +10451,7 @@
                 <a:latin typeface="Aptos"/>
                 <a:ea typeface="Noto Sans CJK SC"/>
               </a:rPr>
-              <a:t>1-</a:t>
-            </a:r>
-            <a:r>
-              <a:rPr b="0" lang="hr-HR" sz="2400" spc="-1" strike="noStrike">
-                <a:solidFill>
-                  <a:srgbClr val="000000"/>
-                </a:solidFill>
-                <a:latin typeface="Aptos"/>
-              </a:rPr>
-              <a:t>750/1501-3000,</a:t>
+              <a:t>1-750/1501-3000,</a:t>
             </a:r>
             <a:endParaRPr b="0" lang="hr-HR" sz="2400" spc="-1" strike="noStrike">
               <a:latin typeface="Arial"/>
@@ -7169,16 +10479,7 @@
                 <a:latin typeface="Aptos"/>
                 <a:ea typeface="Noto Sans CJK SC"/>
               </a:rPr>
-              <a:t>1-</a:t>
-            </a:r>
-            <a:r>
-              <a:rPr b="0" lang="hr-HR" sz="2400" spc="-1" strike="noStrike">
-                <a:solidFill>
-                  <a:srgbClr val="000000"/>
-                </a:solidFill>
-                <a:latin typeface="Aptos"/>
-              </a:rPr>
-              <a:t>1500/2251-3000,</a:t>
+              <a:t>1-1500/2251-3000,</a:t>
             </a:r>
             <a:endParaRPr b="0" lang="hr-HR" sz="2400" spc="-1" strike="noStrike">
               <a:latin typeface="Arial"/>
@@ -7204,6 +10505,7 @@
                   <a:srgbClr val="000000"/>
                 </a:solidFill>
                 <a:latin typeface="Aptos"/>
+                <a:ea typeface="Noto Sans CJK SC"/>
               </a:rPr>
               <a:t>751-3000</a:t>
             </a:r>
@@ -7231,35 +10533,9 @@
                   <a:srgbClr val="000000"/>
                 </a:solidFill>
                 <a:latin typeface="Aptos"/>
+                <a:ea typeface="Noto Sans CJK SC"/>
               </a:rPr>
-              <a:t>Cohen’s kappa – stat. </a:t>
-            </a:r>
-            <a:r>
-              <a:rPr b="0" lang="hr-HR" sz="2800" spc="-1" strike="noStrike">
-                <a:solidFill>
-                  <a:srgbClr val="000000"/>
-                </a:solidFill>
-                <a:latin typeface="Aptos"/>
-              </a:rPr>
-              <a:t>mjera za procjenu </a:t>
-            </a:r>
-            <a:r>
-              <a:rPr b="0" lang="hr-HR" sz="2800" spc="-1" strike="noStrike">
-                <a:solidFill>
-                  <a:srgbClr val="000000"/>
-                </a:solidFill>
-                <a:latin typeface="Aptos"/>
-              </a:rPr>
-              <a:t>konzistentnosti između više </a:t>
-            </a:r>
-            <a:r>
-              <a:rPr b="0" lang="hr-HR" sz="2800" spc="-1" strike="noStrike">
-                <a:solidFill>
-                  <a:srgbClr val="000000"/>
-                </a:solidFill>
-                <a:latin typeface="Aptos"/>
-              </a:rPr>
-              <a:t>anotatora</a:t>
+              <a:t>Cohen’s kappa – stat. mjera za procjenu konzistentnosti između više anotatora</a:t>
             </a:r>
             <a:endParaRPr b="0" lang="hr-HR" sz="2800" spc="-1" strike="noStrike">
               <a:latin typeface="Arial"/>
@@ -7285,6 +10561,7 @@
                   <a:srgbClr val="000000"/>
                 </a:solidFill>
                 <a:latin typeface="Aptos"/>
+                <a:ea typeface="Noto Sans CJK SC"/>
               </a:rPr>
               <a:t>K=0.6089</a:t>
             </a:r>
@@ -7326,7 +10603,7 @@
       </p:grpSpPr>
       <p:sp>
         <p:nvSpPr>
-          <p:cNvPr id="92" name="PlaceHolder 1"/>
+          <p:cNvPr id="134" name="PlaceHolder 1"/>
           <p:cNvSpPr>
             <a:spLocks noGrp="1"/>
           </p:cNvSpPr>
@@ -7337,7 +10614,7 @@
         <p:spPr>
           <a:xfrm>
             <a:off x="838080" y="365040"/>
-            <a:ext cx="10514880" cy="1324800"/>
+            <a:ext cx="10514520" cy="1324440"/>
           </a:xfrm>
           <a:prstGeom prst="rect">
             <a:avLst/>
@@ -7375,7 +10652,7 @@
       </p:sp>
       <p:sp>
         <p:nvSpPr>
-          <p:cNvPr id="93" name="PlaceHolder 2"/>
+          <p:cNvPr id="135" name="PlaceHolder 2"/>
           <p:cNvSpPr>
             <a:spLocks noGrp="1"/>
           </p:cNvSpPr>
@@ -7386,7 +10663,7 @@
         <p:spPr>
           <a:xfrm>
             <a:off x="838080" y="1825560"/>
-            <a:ext cx="10514880" cy="4350600"/>
+            <a:ext cx="10514520" cy="4350240"/>
           </a:xfrm>
           <a:prstGeom prst="rect">
             <a:avLst/>
@@ -7515,7 +10792,7 @@
       </p:grpSpPr>
       <p:sp>
         <p:nvSpPr>
-          <p:cNvPr id="94" name="PlaceHolder 1"/>
+          <p:cNvPr id="136" name="PlaceHolder 1"/>
           <p:cNvSpPr>
             <a:spLocks noGrp="1"/>
           </p:cNvSpPr>
@@ -7526,7 +10803,7 @@
         <p:spPr>
           <a:xfrm>
             <a:off x="609480" y="273600"/>
-            <a:ext cx="10972440" cy="1144800"/>
+            <a:ext cx="10972080" cy="1144440"/>
           </a:xfrm>
           <a:prstGeom prst="rect">
             <a:avLst/>
@@ -7564,7 +10841,7 @@
       </p:sp>
       <p:sp>
         <p:nvSpPr>
-          <p:cNvPr id="95" name="PlaceHolder 2"/>
+          <p:cNvPr id="137" name="PlaceHolder 2"/>
           <p:cNvSpPr>
             <a:spLocks noGrp="1"/>
           </p:cNvSpPr>
@@ -7575,7 +10852,7 @@
         <p:spPr>
           <a:xfrm>
             <a:off x="609480" y="1604520"/>
-            <a:ext cx="5354280" cy="3977280"/>
+            <a:ext cx="5353920" cy="3976920"/>
           </a:xfrm>
           <a:prstGeom prst="rect">
             <a:avLst/>
@@ -7587,10 +10864,13 @@
         </p:spPr>
         <p:txBody>
           <a:bodyPr lIns="0" rIns="0" tIns="0" bIns="0" anchor="t">
-            <a:normAutofit fontScale="93000"/>
+            <a:normAutofit fontScale="88000"/>
           </a:bodyPr>
           <a:p>
             <a:pPr marL="432000" indent="-324000">
+              <a:lnSpc>
+                <a:spcPct val="100000"/>
+              </a:lnSpc>
               <a:spcBef>
                 <a:spcPts val="1417"/>
               </a:spcBef>
@@ -7613,6 +10893,9 @@
           </a:p>
           <a:p>
             <a:pPr marL="432000" indent="-324000">
+              <a:lnSpc>
+                <a:spcPct val="100000"/>
+              </a:lnSpc>
               <a:spcBef>
                 <a:spcPts val="1417"/>
               </a:spcBef>
@@ -7635,6 +10918,9 @@
           </a:p>
           <a:p>
             <a:pPr marL="432000" indent="-324000">
+              <a:lnSpc>
+                <a:spcPct val="100000"/>
+              </a:lnSpc>
               <a:spcBef>
                 <a:spcPts val="1417"/>
               </a:spcBef>
@@ -7656,7 +10942,38 @@
             </a:endParaRPr>
           </a:p>
           <a:p>
+            <a:pPr>
+              <a:lnSpc>
+                <a:spcPct val="100000"/>
+              </a:lnSpc>
+              <a:spcBef>
+                <a:spcPts val="1417"/>
+              </a:spcBef>
+              <a:buNone/>
+            </a:pPr>
+            <a:endParaRPr b="0" lang="hr-HR" sz="3200" spc="-1" strike="noStrike">
+              <a:latin typeface="Arial"/>
+            </a:endParaRPr>
+          </a:p>
+          <a:p>
+            <a:pPr>
+              <a:lnSpc>
+                <a:spcPct val="100000"/>
+              </a:lnSpc>
+              <a:spcBef>
+                <a:spcPts val="1417"/>
+              </a:spcBef>
+              <a:buNone/>
+            </a:pPr>
+            <a:endParaRPr b="0" lang="hr-HR" sz="3200" spc="-1" strike="noStrike">
+              <a:latin typeface="Arial"/>
+            </a:endParaRPr>
+          </a:p>
+          <a:p>
             <a:pPr marL="432000" indent="-324000">
+              <a:lnSpc>
+                <a:spcPct val="100000"/>
+              </a:lnSpc>
               <a:spcBef>
                 <a:spcPts val="1417"/>
               </a:spcBef>
@@ -7667,12 +10984,21 @@
               <a:buFont typeface="Wingdings" charset="2"/>
               <a:buChar char=""/>
             </a:pPr>
+            <a:r>
+              <a:rPr b="0" lang="hr-HR" sz="3200" spc="-1" strike="noStrike">
+                <a:latin typeface="Arial"/>
+              </a:rPr>
+              <a:t>model.fit(X_train, Y_train)</a:t>
+            </a:r>
             <a:endParaRPr b="0" lang="hr-HR" sz="3200" spc="-1" strike="noStrike">
               <a:latin typeface="Arial"/>
             </a:endParaRPr>
           </a:p>
           <a:p>
             <a:pPr marL="432000" indent="-324000">
+              <a:lnSpc>
+                <a:spcPct val="100000"/>
+              </a:lnSpc>
               <a:spcBef>
                 <a:spcPts val="1417"/>
               </a:spcBef>
@@ -7683,12 +11009,50 @@
               <a:buFont typeface="Wingdings" charset="2"/>
               <a:buChar char=""/>
             </a:pPr>
+            <a:r>
+              <a:rPr b="0" lang="hr-HR" sz="3200" spc="-1" strike="noStrike">
+                <a:latin typeface="Arial"/>
+              </a:rPr>
+              <a:t>pred=model.predict(X_test)</a:t>
+            </a:r>
             <a:endParaRPr b="0" lang="hr-HR" sz="3200" spc="-1" strike="noStrike">
               <a:latin typeface="Arial"/>
             </a:endParaRPr>
           </a:p>
+        </p:txBody>
+      </p:sp>
+      <p:sp>
+        <p:nvSpPr>
+          <p:cNvPr id="138" name="PlaceHolder 3"/>
+          <p:cNvSpPr>
+            <a:spLocks noGrp="1"/>
+          </p:cNvSpPr>
+          <p:nvPr>
+            <p:ph/>
+          </p:nvPr>
+        </p:nvSpPr>
+        <p:spPr>
+          <a:xfrm>
+            <a:off x="6231960" y="1604520"/>
+            <a:ext cx="5353920" cy="3976920"/>
+          </a:xfrm>
+          <a:prstGeom prst="rect">
+            <a:avLst/>
+          </a:prstGeom>
+          <a:noFill/>
+          <a:ln w="0">
+            <a:noFill/>
+          </a:ln>
+        </p:spPr>
+        <p:txBody>
+          <a:bodyPr lIns="0" rIns="0" tIns="0" bIns="0" anchor="t">
+            <a:normAutofit/>
+          </a:bodyPr>
           <a:p>
             <a:pPr marL="432000" indent="-324000">
+              <a:lnSpc>
+                <a:spcPct val="100000"/>
+              </a:lnSpc>
               <a:spcBef>
                 <a:spcPts val="1417"/>
               </a:spcBef>
@@ -7703,7 +11067,7 @@
               <a:rPr b="0" lang="hr-HR" sz="3200" spc="-1" strike="noStrike">
                 <a:latin typeface="Arial"/>
               </a:rPr>
-              <a:t>model.fit(X_train, Y_train)</a:t>
+              <a:t>Točnost: 85,86 %</a:t>
             </a:r>
             <a:endParaRPr b="0" lang="hr-HR" sz="3200" spc="-1" strike="noStrike">
               <a:latin typeface="Arial"/>
@@ -7711,79 +11075,9 @@
           </a:p>
           <a:p>
             <a:pPr marL="432000" indent="-324000">
-              <a:spcBef>
-                <a:spcPts val="1417"/>
-              </a:spcBef>
-              <a:buClr>
-                <a:srgbClr val="000000"/>
-              </a:buClr>
-              <a:buSzPct val="45000"/>
-              <a:buFont typeface="Wingdings" charset="2"/>
-              <a:buChar char=""/>
-            </a:pPr>
-            <a:r>
-              <a:rPr b="0" lang="hr-HR" sz="3200" spc="-1" strike="noStrike">
-                <a:latin typeface="Arial"/>
-              </a:rPr>
-              <a:t>pred=model.predict(X_test)</a:t>
-            </a:r>
-            <a:endParaRPr b="0" lang="hr-HR" sz="3200" spc="-1" strike="noStrike">
-              <a:latin typeface="Arial"/>
-            </a:endParaRPr>
-          </a:p>
-        </p:txBody>
-      </p:sp>
-      <p:sp>
-        <p:nvSpPr>
-          <p:cNvPr id="96" name="PlaceHolder 3"/>
-          <p:cNvSpPr>
-            <a:spLocks noGrp="1"/>
-          </p:cNvSpPr>
-          <p:nvPr>
-            <p:ph/>
-          </p:nvPr>
-        </p:nvSpPr>
-        <p:spPr>
-          <a:xfrm>
-            <a:off x="6231960" y="1604520"/>
-            <a:ext cx="5354280" cy="3977280"/>
-          </a:xfrm>
-          <a:prstGeom prst="rect">
-            <a:avLst/>
-          </a:prstGeom>
-          <a:noFill/>
-          <a:ln w="0">
-            <a:noFill/>
-          </a:ln>
-        </p:spPr>
-        <p:txBody>
-          <a:bodyPr lIns="0" rIns="0" tIns="0" bIns="0" anchor="t">
-            <a:normAutofit/>
-          </a:bodyPr>
-          <a:p>
-            <a:pPr marL="432000" indent="-324000">
-              <a:spcBef>
-                <a:spcPts val="1417"/>
-              </a:spcBef>
-              <a:buClr>
-                <a:srgbClr val="000000"/>
-              </a:buClr>
-              <a:buSzPct val="45000"/>
-              <a:buFont typeface="Wingdings" charset="2"/>
-              <a:buChar char=""/>
-            </a:pPr>
-            <a:r>
-              <a:rPr b="0" lang="hr-HR" sz="3200" spc="-1" strike="noStrike">
-                <a:latin typeface="Arial"/>
-              </a:rPr>
-              <a:t>Točnost: 85,86 %</a:t>
-            </a:r>
-            <a:endParaRPr b="0" lang="hr-HR" sz="3200" spc="-1" strike="noStrike">
-              <a:latin typeface="Arial"/>
-            </a:endParaRPr>
-          </a:p>
-          <a:p>
-            <a:pPr marL="432000" indent="-324000">
+              <a:lnSpc>
+                <a:spcPct val="100000"/>
+              </a:lnSpc>
               <a:spcBef>
                 <a:spcPts val="1417"/>
               </a:spcBef>
@@ -7838,7 +11132,7 @@
       </p:grpSpPr>
       <p:sp>
         <p:nvSpPr>
-          <p:cNvPr id="97" name="PlaceHolder 1"/>
+          <p:cNvPr id="139" name="PlaceHolder 1"/>
           <p:cNvSpPr>
             <a:spLocks noGrp="1"/>
           </p:cNvSpPr>
@@ -7849,7 +11143,7 @@
         <p:spPr>
           <a:xfrm>
             <a:off x="609480" y="273600"/>
-            <a:ext cx="10972440" cy="1144800"/>
+            <a:ext cx="10972080" cy="1144440"/>
           </a:xfrm>
           <a:prstGeom prst="rect">
             <a:avLst/>
@@ -7887,7 +11181,7 @@
       </p:sp>
       <p:sp>
         <p:nvSpPr>
-          <p:cNvPr id="98" name="PlaceHolder 2"/>
+          <p:cNvPr id="140" name="PlaceHolder 2"/>
           <p:cNvSpPr>
             <a:spLocks noGrp="1"/>
           </p:cNvSpPr>
@@ -7898,7 +11192,7 @@
         <p:spPr>
           <a:xfrm>
             <a:off x="609480" y="1604520"/>
-            <a:ext cx="5354280" cy="3977280"/>
+            <a:ext cx="5353920" cy="3976920"/>
           </a:xfrm>
           <a:prstGeom prst="rect">
             <a:avLst/>
@@ -8003,6 +11297,34 @@
             </a:endParaRPr>
           </a:p>
           <a:p>
+            <a:pPr>
+              <a:lnSpc>
+                <a:spcPct val="90000"/>
+              </a:lnSpc>
+              <a:spcBef>
+                <a:spcPts val="1001"/>
+              </a:spcBef>
+              <a:buNone/>
+            </a:pPr>
+            <a:endParaRPr b="0" lang="hr-HR" sz="2800" spc="-1" strike="noStrike">
+              <a:latin typeface="Arial"/>
+            </a:endParaRPr>
+          </a:p>
+          <a:p>
+            <a:pPr>
+              <a:lnSpc>
+                <a:spcPct val="90000"/>
+              </a:lnSpc>
+              <a:spcBef>
+                <a:spcPts val="1001"/>
+              </a:spcBef>
+              <a:buNone/>
+            </a:pPr>
+            <a:endParaRPr b="0" lang="hr-HR" sz="2800" spc="-1" strike="noStrike">
+              <a:latin typeface="Arial"/>
+            </a:endParaRPr>
+          </a:p>
+          <a:p>
             <a:pPr marL="228600" indent="-228600">
               <a:lnSpc>
                 <a:spcPct val="90000"/>
@@ -8016,6 +11338,15 @@
               <a:buFont typeface="Arial"/>
               <a:buChar char="•"/>
             </a:pPr>
+            <a:r>
+              <a:rPr b="0" lang="hr-HR" sz="2800" spc="-1" strike="noStrike">
+                <a:solidFill>
+                  <a:srgbClr val="000000"/>
+                </a:solidFill>
+                <a:latin typeface="Aptos"/>
+              </a:rPr>
+              <a:t>model.fit(X_train, Y_train)</a:t>
+            </a:r>
             <a:endParaRPr b="0" lang="hr-HR" sz="2800" spc="-1" strike="noStrike">
               <a:latin typeface="Arial"/>
             </a:endParaRPr>
@@ -8034,51 +11365,6 @@
               <a:buFont typeface="Arial"/>
               <a:buChar char="•"/>
             </a:pPr>
-            <a:endParaRPr b="0" lang="hr-HR" sz="2800" spc="-1" strike="noStrike">
-              <a:latin typeface="Arial"/>
-            </a:endParaRPr>
-          </a:p>
-          <a:p>
-            <a:pPr marL="228600" indent="-228600">
-              <a:lnSpc>
-                <a:spcPct val="90000"/>
-              </a:lnSpc>
-              <a:spcBef>
-                <a:spcPts val="1001"/>
-              </a:spcBef>
-              <a:buClr>
-                <a:srgbClr val="000000"/>
-              </a:buClr>
-              <a:buFont typeface="Arial"/>
-              <a:buChar char="•"/>
-            </a:pPr>
-            <a:r>
-              <a:rPr b="0" lang="hr-HR" sz="2800" spc="-1" strike="noStrike">
-                <a:solidFill>
-                  <a:srgbClr val="000000"/>
-                </a:solidFill>
-                <a:latin typeface="Aptos"/>
-              </a:rPr>
-              <a:t>model.fit(X_train, Y_train)</a:t>
-            </a:r>
-            <a:endParaRPr b="0" lang="hr-HR" sz="2800" spc="-1" strike="noStrike">
-              <a:latin typeface="Arial"/>
-            </a:endParaRPr>
-          </a:p>
-          <a:p>
-            <a:pPr marL="228600" indent="-228600">
-              <a:lnSpc>
-                <a:spcPct val="90000"/>
-              </a:lnSpc>
-              <a:spcBef>
-                <a:spcPts val="1001"/>
-              </a:spcBef>
-              <a:buClr>
-                <a:srgbClr val="000000"/>
-              </a:buClr>
-              <a:buFont typeface="Arial"/>
-              <a:buChar char="•"/>
-            </a:pPr>
             <a:r>
               <a:rPr b="0" lang="hr-HR" sz="2800" spc="-1" strike="noStrike">
                 <a:solidFill>
@@ -8096,7 +11382,7 @@
       </p:sp>
       <p:sp>
         <p:nvSpPr>
-          <p:cNvPr id="99" name="PlaceHolder 3"/>
+          <p:cNvPr id="141" name="PlaceHolder 3"/>
           <p:cNvSpPr>
             <a:spLocks noGrp="1"/>
           </p:cNvSpPr>
@@ -8107,7 +11393,7 @@
         <p:spPr>
           <a:xfrm>
             <a:off x="6231960" y="1604520"/>
-            <a:ext cx="5354280" cy="3977280"/>
+            <a:ext cx="5353920" cy="3976920"/>
           </a:xfrm>
           <a:prstGeom prst="rect">
             <a:avLst/>
@@ -8123,6 +11409,9 @@
           </a:bodyPr>
           <a:p>
             <a:pPr marL="432000" indent="-324000">
+              <a:lnSpc>
+                <a:spcPct val="100000"/>
+              </a:lnSpc>
               <a:spcBef>
                 <a:spcPts val="1417"/>
               </a:spcBef>
@@ -8145,6 +11434,9 @@
           </a:p>
           <a:p>
             <a:pPr marL="432000" indent="-324000">
+              <a:lnSpc>
+                <a:spcPct val="100000"/>
+              </a:lnSpc>
               <a:spcBef>
                 <a:spcPts val="1417"/>
               </a:spcBef>
@@ -8199,7 +11491,7 @@
       </p:grpSpPr>
       <p:sp>
         <p:nvSpPr>
-          <p:cNvPr id="100" name="PlaceHolder 1"/>
+          <p:cNvPr id="142" name="PlaceHolder 1"/>
           <p:cNvSpPr>
             <a:spLocks noGrp="1"/>
           </p:cNvSpPr>
@@ -8210,7 +11502,7 @@
         <p:spPr>
           <a:xfrm>
             <a:off x="609480" y="273600"/>
-            <a:ext cx="10972440" cy="1144800"/>
+            <a:ext cx="10972080" cy="1144440"/>
           </a:xfrm>
           <a:prstGeom prst="rect">
             <a:avLst/>
@@ -8248,7 +11540,7 @@
       </p:sp>
       <p:sp>
         <p:nvSpPr>
-          <p:cNvPr id="101" name="PlaceHolder 2"/>
+          <p:cNvPr id="143" name="PlaceHolder 2"/>
           <p:cNvSpPr>
             <a:spLocks noGrp="1"/>
           </p:cNvSpPr>
@@ -8259,7 +11551,7 @@
         <p:spPr>
           <a:xfrm>
             <a:off x="609480" y="1604520"/>
-            <a:ext cx="5354280" cy="3977280"/>
+            <a:ext cx="5353920" cy="3976920"/>
           </a:xfrm>
           <a:prstGeom prst="rect">
             <a:avLst/>
@@ -8294,16 +11586,7 @@
                 </a:solidFill>
                 <a:latin typeface="Aptos"/>
               </a:rPr>
-              <a:t>from sklearn.neighbors </a:t>
-            </a:r>
-            <a:r>
-              <a:rPr b="0" lang="hr-HR" sz="2800" spc="-1" strike="noStrike">
-                <a:solidFill>
-                  <a:srgbClr val="000000"/>
-                </a:solidFill>
-                <a:latin typeface="Aptos"/>
-              </a:rPr>
-              <a:t>import KneighborsClassifier</a:t>
+              <a:t>from sklearn.neighbors import KneighborsClassifier</a:t>
             </a:r>
             <a:endParaRPr b="0" lang="hr-HR" sz="2800" spc="-1" strike="noStrike">
               <a:latin typeface="Arial"/>
@@ -8330,17 +11613,36 @@
                 </a:solidFill>
                 <a:latin typeface="Aptos"/>
               </a:rPr>
-              <a:t>model=KNeighborsClassifier</a:t>
-            </a:r>
-            <a:r>
-              <a:rPr b="0" lang="hr-HR" sz="2800" spc="-1" strike="noStrike">
-                <a:solidFill>
-                  <a:srgbClr val="000000"/>
-                </a:solidFill>
-                <a:latin typeface="Aptos"/>
-              </a:rPr>
-              <a:t>(n_neinghbors=4)</a:t>
-            </a:r>
+              <a:t>model=KNeighborsClassifier(n_neinghbors=4)</a:t>
+            </a:r>
+            <a:endParaRPr b="0" lang="hr-HR" sz="2800" spc="-1" strike="noStrike">
+              <a:latin typeface="Arial"/>
+            </a:endParaRPr>
+          </a:p>
+          <a:p>
+            <a:pPr>
+              <a:lnSpc>
+                <a:spcPct val="90000"/>
+              </a:lnSpc>
+              <a:spcBef>
+                <a:spcPts val="1001"/>
+              </a:spcBef>
+              <a:buNone/>
+            </a:pPr>
+            <a:endParaRPr b="0" lang="hr-HR" sz="2800" spc="-1" strike="noStrike">
+              <a:latin typeface="Arial"/>
+            </a:endParaRPr>
+          </a:p>
+          <a:p>
+            <a:pPr>
+              <a:lnSpc>
+                <a:spcPct val="90000"/>
+              </a:lnSpc>
+              <a:spcBef>
+                <a:spcPts val="1001"/>
+              </a:spcBef>
+              <a:buNone/>
+            </a:pPr>
             <a:endParaRPr b="0" lang="hr-HR" sz="2800" spc="-1" strike="noStrike">
               <a:latin typeface="Arial"/>
             </a:endParaRPr>
@@ -8359,6 +11661,15 @@
               <a:buFont typeface="Arial"/>
               <a:buChar char="•"/>
             </a:pPr>
+            <a:r>
+              <a:rPr b="0" lang="hr-HR" sz="2800" spc="-1" strike="noStrike">
+                <a:solidFill>
+                  <a:srgbClr val="000000"/>
+                </a:solidFill>
+                <a:latin typeface="Aptos"/>
+              </a:rPr>
+              <a:t>model.fit(X_train, Y_train)</a:t>
+            </a:r>
             <a:endParaRPr b="0" lang="hr-HR" sz="2800" spc="-1" strike="noStrike">
               <a:latin typeface="Arial"/>
             </a:endParaRPr>
@@ -8377,51 +11688,6 @@
               <a:buFont typeface="Arial"/>
               <a:buChar char="•"/>
             </a:pPr>
-            <a:endParaRPr b="0" lang="hr-HR" sz="2800" spc="-1" strike="noStrike">
-              <a:latin typeface="Arial"/>
-            </a:endParaRPr>
-          </a:p>
-          <a:p>
-            <a:pPr marL="228600" indent="-228600">
-              <a:lnSpc>
-                <a:spcPct val="90000"/>
-              </a:lnSpc>
-              <a:spcBef>
-                <a:spcPts val="1001"/>
-              </a:spcBef>
-              <a:buClr>
-                <a:srgbClr val="000000"/>
-              </a:buClr>
-              <a:buFont typeface="Arial"/>
-              <a:buChar char="•"/>
-            </a:pPr>
-            <a:r>
-              <a:rPr b="0" lang="hr-HR" sz="2800" spc="-1" strike="noStrike">
-                <a:solidFill>
-                  <a:srgbClr val="000000"/>
-                </a:solidFill>
-                <a:latin typeface="Aptos"/>
-              </a:rPr>
-              <a:t>model.fit(X_train, Y_train)</a:t>
-            </a:r>
-            <a:endParaRPr b="0" lang="hr-HR" sz="2800" spc="-1" strike="noStrike">
-              <a:latin typeface="Arial"/>
-            </a:endParaRPr>
-          </a:p>
-          <a:p>
-            <a:pPr marL="228600" indent="-228600">
-              <a:lnSpc>
-                <a:spcPct val="90000"/>
-              </a:lnSpc>
-              <a:spcBef>
-                <a:spcPts val="1001"/>
-              </a:spcBef>
-              <a:buClr>
-                <a:srgbClr val="000000"/>
-              </a:buClr>
-              <a:buFont typeface="Arial"/>
-              <a:buChar char="•"/>
-            </a:pPr>
             <a:r>
               <a:rPr b="0" lang="hr-HR" sz="2800" spc="-1" strike="noStrike">
                 <a:solidFill>
@@ -8439,7 +11705,7 @@
       </p:sp>
       <p:sp>
         <p:nvSpPr>
-          <p:cNvPr id="102" name="PlaceHolder 3"/>
+          <p:cNvPr id="144" name="PlaceHolder 3"/>
           <p:cNvSpPr>
             <a:spLocks noGrp="1"/>
           </p:cNvSpPr>
@@ -8450,7 +11716,7 @@
         <p:spPr>
           <a:xfrm>
             <a:off x="6231960" y="1604520"/>
-            <a:ext cx="5354280" cy="3977280"/>
+            <a:ext cx="5353920" cy="3976920"/>
           </a:xfrm>
           <a:prstGeom prst="rect">
             <a:avLst/>
@@ -8466,6 +11732,9 @@
           </a:bodyPr>
           <a:p>
             <a:pPr marL="432000" indent="-324000">
+              <a:lnSpc>
+                <a:spcPct val="100000"/>
+              </a:lnSpc>
               <a:spcBef>
                 <a:spcPts val="1417"/>
               </a:spcBef>
@@ -8488,6 +11757,9 @@
           </a:p>
           <a:p>
             <a:pPr marL="432000" indent="-324000">
+              <a:lnSpc>
+                <a:spcPct val="100000"/>
+              </a:lnSpc>
               <a:spcBef>
                 <a:spcPts val="1417"/>
               </a:spcBef>
@@ -8973,4 +12245,230 @@
     </a:fmtScheme>
   </a:themeElements>
 </a:theme>
+</file>
+
+<file path=ppt/theme/theme3.xml><?xml version="1.0" encoding="utf-8"?>
+<a:theme xmlns:a="http://schemas.openxmlformats.org/drawingml/2006/main" name="Office Theme">
+  <a:themeElements>
+    <a:clrScheme name="Office">
+      <a:dk1>
+        <a:sysClr val="windowText" lastClr="000000"/>
+      </a:dk1>
+      <a:lt1>
+        <a:sysClr val="window" lastClr="FFFFFF"/>
+      </a:lt1>
+      <a:dk2>
+        <a:srgbClr val="0e2841"/>
+      </a:dk2>
+      <a:lt2>
+        <a:srgbClr val="e8e8e8"/>
+      </a:lt2>
+      <a:accent1>
+        <a:srgbClr val="156082"/>
+      </a:accent1>
+      <a:accent2>
+        <a:srgbClr val="e97132"/>
+      </a:accent2>
+      <a:accent3>
+        <a:srgbClr val="196b24"/>
+      </a:accent3>
+      <a:accent4>
+        <a:srgbClr val="0f9ed5"/>
+      </a:accent4>
+      <a:accent5>
+        <a:srgbClr val="a02b93"/>
+      </a:accent5>
+      <a:accent6>
+        <a:srgbClr val="4ea72e"/>
+      </a:accent6>
+      <a:hlink>
+        <a:srgbClr val="467886"/>
+      </a:hlink>
+      <a:folHlink>
+        <a:srgbClr val="96607d"/>
+      </a:folHlink>
+    </a:clrScheme>
+    <a:fontScheme name="Office">
+      <a:majorFont>
+        <a:latin typeface="Arial"/>
+        <a:ea typeface="DejaVu Sans"/>
+        <a:cs typeface="DejaVu Sans"/>
+      </a:majorFont>
+      <a:minorFont>
+        <a:latin typeface="Arial"/>
+        <a:ea typeface="DejaVu Sans"/>
+        <a:cs typeface="DejaVu Sans"/>
+      </a:minorFont>
+    </a:fontScheme>
+    <a:fmtScheme name="Office">
+      <a:fillStyleLst>
+        <a:solidFill>
+          <a:schemeClr val="phClr"/>
+        </a:solidFill>
+        <a:gradFill rotWithShape="1">
+          <a:gsLst>
+            <a:gs pos="0">
+              <a:schemeClr val="phClr">
+                <a:tint val="50000"/>
+                <a:satMod val="300000"/>
+              </a:schemeClr>
+            </a:gs>
+            <a:gs pos="35000">
+              <a:schemeClr val="phClr">
+                <a:tint val="37000"/>
+                <a:satMod val="300000"/>
+              </a:schemeClr>
+            </a:gs>
+            <a:gs pos="100000">
+              <a:schemeClr val="phClr">
+                <a:tint val="15000"/>
+                <a:satMod val="350000"/>
+              </a:schemeClr>
+            </a:gs>
+          </a:gsLst>
+          <a:lin ang="16200000" scaled="1"/>
+        </a:gradFill>
+        <a:gradFill rotWithShape="1">
+          <a:gsLst>
+            <a:gs pos="0">
+              <a:schemeClr val="phClr">
+                <a:shade val="51000"/>
+                <a:satMod val="130000"/>
+              </a:schemeClr>
+            </a:gs>
+            <a:gs pos="80000">
+              <a:schemeClr val="phClr">
+                <a:shade val="93000"/>
+                <a:satMod val="130000"/>
+              </a:schemeClr>
+            </a:gs>
+            <a:gs pos="100000">
+              <a:schemeClr val="phClr">
+                <a:shade val="94000"/>
+                <a:satMod val="135000"/>
+              </a:schemeClr>
+            </a:gs>
+          </a:gsLst>
+          <a:lin ang="16200000" scaled="0"/>
+        </a:gradFill>
+      </a:fillStyleLst>
+      <a:lnStyleLst>
+        <a:ln w="9525" cap="flat" cmpd="sng" algn="ctr">
+          <a:solidFill>
+            <a:schemeClr val="phClr">
+              <a:shade val="95000"/>
+              <a:satMod val="105000"/>
+            </a:schemeClr>
+          </a:solidFill>
+          <a:prstDash val="solid"/>
+          <a:miter/>
+        </a:ln>
+        <a:ln w="25400" cap="flat" cmpd="sng" algn="ctr">
+          <a:solidFill>
+            <a:schemeClr val="phClr"/>
+          </a:solidFill>
+          <a:prstDash val="solid"/>
+          <a:miter/>
+        </a:ln>
+        <a:ln w="38100" cap="flat" cmpd="sng" algn="ctr">
+          <a:solidFill>
+            <a:schemeClr val="phClr"/>
+          </a:solidFill>
+          <a:prstDash val="solid"/>
+          <a:miter/>
+        </a:ln>
+      </a:lnStyleLst>
+      <a:effectStyleLst>
+        <a:effectStyle>
+          <a:effectLst>
+            <a:outerShdw blurRad="40000" dist="20000" dir="5400000" rotWithShape="0">
+              <a:srgbClr val="000000">
+                <a:alpha val="38000"/>
+              </a:srgbClr>
+            </a:outerShdw>
+          </a:effectLst>
+        </a:effectStyle>
+        <a:effectStyle>
+          <a:effectLst>
+            <a:outerShdw blurRad="40000" dist="23000" dir="5400000" rotWithShape="0">
+              <a:srgbClr val="000000">
+                <a:alpha val="35000"/>
+              </a:srgbClr>
+            </a:outerShdw>
+          </a:effectLst>
+        </a:effectStyle>
+        <a:effectStyle>
+          <a:effectLst>
+            <a:outerShdw blurRad="40000" dist="23000" dir="5400000" rotWithShape="0">
+              <a:srgbClr val="000000">
+                <a:alpha val="35000"/>
+              </a:srgbClr>
+            </a:outerShdw>
+          </a:effectLst>
+          <a:scene3d>
+            <a:camera prst="orthographicFront">
+              <a:rot lat="0" lon="0" rev="0"/>
+            </a:camera>
+            <a:lightRig rig="threePt" dir="t">
+              <a:rot lat="0" lon="0" rev="1200000"/>
+            </a:lightRig>
+          </a:scene3d>
+          <a:sp3d>
+            <a:bevelT w="63500" h="25400"/>
+          </a:sp3d>
+        </a:effectStyle>
+      </a:effectStyleLst>
+      <a:bgFillStyleLst>
+        <a:solidFill>
+          <a:schemeClr val="phClr"/>
+        </a:solidFill>
+        <a:gradFill rotWithShape="1">
+          <a:gsLst>
+            <a:gs pos="0">
+              <a:schemeClr val="phClr">
+                <a:tint val="40000"/>
+                <a:satMod val="350000"/>
+              </a:schemeClr>
+            </a:gs>
+            <a:gs pos="40000">
+              <a:schemeClr val="phClr">
+                <a:tint val="45000"/>
+                <a:shade val="99000"/>
+                <a:satMod val="350000"/>
+              </a:schemeClr>
+            </a:gs>
+            <a:gs pos="100000">
+              <a:schemeClr val="phClr">
+                <a:shade val="20000"/>
+                <a:satMod val="255000"/>
+              </a:schemeClr>
+            </a:gs>
+          </a:gsLst>
+          <a:path path="circle">
+            <a:fillToRect l="50000" t="-80000" r="50000" b="180000"/>
+          </a:path>
+        </a:gradFill>
+        <a:gradFill rotWithShape="1">
+          <a:gsLst>
+            <a:gs pos="0">
+              <a:schemeClr val="phClr">
+                <a:tint val="80000"/>
+                <a:satMod val="300000"/>
+              </a:schemeClr>
+            </a:gs>
+            <a:gs pos="100000">
+              <a:schemeClr val="phClr">
+                <a:shade val="30000"/>
+                <a:satMod val="200000"/>
+              </a:schemeClr>
+            </a:gs>
+          </a:gsLst>
+          <a:path path="circle">
+            <a:fillToRect l="50000" t="50000" r="50000" b="50000"/>
+          </a:path>
+        </a:gradFill>
+      </a:bgFillStyleLst>
+    </a:fmtScheme>
+  </a:themeElements>
+</a:theme>
 </file>
--- a/SENTIMENTalci.pptx
+++ b/SENTIMENTalci.pptx
@@ -5,20 +5,23 @@
     <p:sldMasterId id="2147483648" r:id="rId2"/>
     <p:sldMasterId id="2147483661" r:id="rId3"/>
     <p:sldMasterId id="2147483674" r:id="rId4"/>
+    <p:sldMasterId id="2147483687" r:id="rId5"/>
+    <p:sldMasterId id="2147483700" r:id="rId6"/>
   </p:sldMasterIdLst>
   <p:sldIdLst>
-    <p:sldId id="256" r:id="rId5"/>
-    <p:sldId id="257" r:id="rId6"/>
-    <p:sldId id="258" r:id="rId7"/>
-    <p:sldId id="259" r:id="rId8"/>
-    <p:sldId id="260" r:id="rId9"/>
-    <p:sldId id="261" r:id="rId10"/>
-    <p:sldId id="262" r:id="rId11"/>
-    <p:sldId id="263" r:id="rId12"/>
-    <p:sldId id="264" r:id="rId13"/>
-    <p:sldId id="265" r:id="rId14"/>
-    <p:sldId id="266" r:id="rId15"/>
-    <p:sldId id="267" r:id="rId16"/>
+    <p:sldId id="256" r:id="rId7"/>
+    <p:sldId id="257" r:id="rId8"/>
+    <p:sldId id="258" r:id="rId9"/>
+    <p:sldId id="259" r:id="rId10"/>
+    <p:sldId id="260" r:id="rId11"/>
+    <p:sldId id="261" r:id="rId12"/>
+    <p:sldId id="262" r:id="rId13"/>
+    <p:sldId id="263" r:id="rId14"/>
+    <p:sldId id="264" r:id="rId15"/>
+    <p:sldId id="265" r:id="rId16"/>
+    <p:sldId id="266" r:id="rId17"/>
+    <p:sldId id="267" r:id="rId18"/>
+    <p:sldId id="268" r:id="rId19"/>
   </p:sldIdLst>
   <p:sldSz cx="12192000" cy="6858000"/>
   <p:notesSz cx="7559675" cy="10691813"/>
@@ -76,7 +79,7 @@
         <p:txBody>
           <a:bodyPr/>
           <a:p>
-            <a:fld id="{4AF94155-3C7A-46DC-930F-4FC8E68DE3D0}" type="slidenum">
+            <a:fld id="{B7C954B7-0A26-43AF-8201-FE989A7389F2}" type="slidenum">
               <a:t>&lt;#&gt;</a:t>
             </a:fld>
           </a:p>
@@ -264,7 +267,7 @@
         <p:txBody>
           <a:bodyPr/>
           <a:p>
-            <a:fld id="{163B0585-A730-47D6-B7B2-16B220B43CA9}" type="slidenum">
+            <a:fld id="{5F5E395F-7B25-43DF-8453-F6039D527CCC}" type="slidenum">
               <a:t>&lt;#&gt;</a:t>
             </a:fld>
           </a:p>
@@ -520,7 +523,7 @@
         <p:txBody>
           <a:bodyPr/>
           <a:p>
-            <a:fld id="{541618ED-4D08-45F5-AB5A-0B6A56718B41}" type="slidenum">
+            <a:fld id="{80A7D389-A93C-48BF-8BAF-16904231BB68}" type="slidenum">
               <a:t>&lt;#&gt;</a:t>
             </a:fld>
           </a:p>
@@ -844,7 +847,7 @@
         <p:txBody>
           <a:bodyPr/>
           <a:p>
-            <a:fld id="{BA9AA2BE-BFEE-4066-9557-6A13963AB612}" type="slidenum">
+            <a:fld id="{98B47448-2883-4B43-8AE1-57F38F68CC5E}" type="slidenum">
               <a:t>&lt;#&gt;</a:t>
             </a:fld>
           </a:p>
@@ -927,7 +930,7 @@
         <p:txBody>
           <a:bodyPr/>
           <a:p>
-            <a:fld id="{3A8A9549-830B-4C20-915B-2EF72A544CC6}" type="slidenum">
+            <a:fld id="{6B6B7166-94A2-4C73-9FAA-DFC9CB23D922}" type="slidenum">
               <a:t>&lt;#&gt;</a:t>
             </a:fld>
           </a:p>
@@ -1084,7 +1087,7 @@
         <p:txBody>
           <a:bodyPr/>
           <a:p>
-            <a:fld id="{3BBC7D0B-20E4-4BFC-A8E5-AF02BB22F5CB}" type="slidenum">
+            <a:fld id="{4690238D-3FB6-4F3B-A699-51AD8002E2F4}" type="slidenum">
               <a:t>&lt;#&gt;</a:t>
             </a:fld>
           </a:p>
@@ -1238,7 +1241,7 @@
         <p:txBody>
           <a:bodyPr/>
           <a:p>
-            <a:fld id="{B084BE0D-9133-4301-86DA-D6DAB3753AA9}" type="slidenum">
+            <a:fld id="{D3F8F867-6438-4DDB-B297-5C3265EF8CA8}" type="slidenum">
               <a:t>&lt;#&gt;</a:t>
             </a:fld>
           </a:p>
@@ -1426,7 +1429,7 @@
         <p:txBody>
           <a:bodyPr/>
           <a:p>
-            <a:fld id="{EE8A88A7-4020-4854-934F-8099D33B61F4}" type="slidenum">
+            <a:fld id="{666DD238-22EC-4DD3-9D01-BCA74E869A25}" type="slidenum">
               <a:t>&lt;#&gt;</a:t>
             </a:fld>
           </a:p>
@@ -1546,7 +1549,7 @@
         <p:txBody>
           <a:bodyPr/>
           <a:p>
-            <a:fld id="{8C60F3A2-A65E-454B-A31A-57078079F86F}" type="slidenum">
+            <a:fld id="{2A32D482-2BD0-404E-8E4B-DCF66891B363}" type="slidenum">
               <a:t>&lt;#&gt;</a:t>
             </a:fld>
           </a:p>
@@ -1666,7 +1669,7 @@
         <p:txBody>
           <a:bodyPr/>
           <a:p>
-            <a:fld id="{BBF744CD-0BD0-4FAF-A717-5ECA4CC98B42}" type="slidenum">
+            <a:fld id="{9D663B5C-7528-40D8-8A36-4D46531EA2A9}" type="slidenum">
               <a:t>&lt;#&gt;</a:t>
             </a:fld>
           </a:p>
@@ -1888,7 +1891,7 @@
         <p:txBody>
           <a:bodyPr/>
           <a:p>
-            <a:fld id="{800EBE3F-B7A4-448F-987C-AE80AEC7B1D5}" type="slidenum">
+            <a:fld id="{0DA50DFD-B3A1-49D7-A0F0-3EB2592E00FD}" type="slidenum">
               <a:t>&lt;#&gt;</a:t>
             </a:fld>
           </a:p>
@@ -2045,7 +2048,7 @@
         <p:txBody>
           <a:bodyPr/>
           <a:p>
-            <a:fld id="{D7528602-283F-4AAB-B8DC-46511FD0792F}" type="slidenum">
+            <a:fld id="{84476014-9579-4567-8E6B-BD7BD061F5BE}" type="slidenum">
               <a:t>&lt;#&gt;</a:t>
             </a:fld>
           </a:p>
@@ -2267,7 +2270,7 @@
         <p:txBody>
           <a:bodyPr/>
           <a:p>
-            <a:fld id="{0B95B11E-DBFA-422D-92F9-E5AD459B9E30}" type="slidenum">
+            <a:fld id="{99775127-D3CE-4C04-A5A5-341D94BA45C4}" type="slidenum">
               <a:t>&lt;#&gt;</a:t>
             </a:fld>
           </a:p>
@@ -2489,7 +2492,7 @@
         <p:txBody>
           <a:bodyPr/>
           <a:p>
-            <a:fld id="{FA58D250-EE59-4FAE-8D4A-F821579AFE6A}" type="slidenum">
+            <a:fld id="{885FA32B-9F2B-4D5B-ACFE-937EE1EC784D}" type="slidenum">
               <a:t>&lt;#&gt;</a:t>
             </a:fld>
           </a:p>
@@ -2677,7 +2680,7 @@
         <p:txBody>
           <a:bodyPr/>
           <a:p>
-            <a:fld id="{B0DD137D-3FBB-4363-8E42-A44E955C3A15}" type="slidenum">
+            <a:fld id="{B504DED7-5710-4114-80F4-EE49C6DFDED5}" type="slidenum">
               <a:t>&lt;#&gt;</a:t>
             </a:fld>
           </a:p>
@@ -2933,7 +2936,7 @@
         <p:txBody>
           <a:bodyPr/>
           <a:p>
-            <a:fld id="{4521CC2E-C6BD-41C0-B1F8-9A313F91171C}" type="slidenum">
+            <a:fld id="{5745A655-CD5C-4245-9AEF-6B1CFE8222D6}" type="slidenum">
               <a:t>&lt;#&gt;</a:t>
             </a:fld>
           </a:p>
@@ -3257,7 +3260,7 @@
         <p:txBody>
           <a:bodyPr/>
           <a:p>
-            <a:fld id="{86577DA7-60A2-44DF-BA27-6E40D9813886}" type="slidenum">
+            <a:fld id="{9E3CAEDD-1AF0-4D86-8C3B-13E4E5702969}" type="slidenum">
               <a:t>&lt;#&gt;</a:t>
             </a:fld>
           </a:p>
@@ -3340,7 +3343,7 @@
         <p:txBody>
           <a:bodyPr/>
           <a:p>
-            <a:fld id="{A4CDA239-ED25-43A2-AFA9-4F315BD22BFA}" type="slidenum">
+            <a:fld id="{A22EC71F-4E99-4512-B71C-DDB040659A2C}" type="slidenum">
               <a:t>&lt;#&gt;</a:t>
             </a:fld>
           </a:p>
@@ -3497,7 +3500,7 @@
         <p:txBody>
           <a:bodyPr/>
           <a:p>
-            <a:fld id="{B905F1E8-6B16-4F5D-B03A-2378129A47F1}" type="slidenum">
+            <a:fld id="{B8505A68-74F3-43D6-BB1A-1F8DDF0B4883}" type="slidenum">
               <a:t>&lt;#&gt;</a:t>
             </a:fld>
           </a:p>
@@ -3651,7 +3654,7 @@
         <p:txBody>
           <a:bodyPr/>
           <a:p>
-            <a:fld id="{168105E9-A41C-447A-B7D3-2ACDF2D4572D}" type="slidenum">
+            <a:fld id="{A014060A-E16F-46A5-AD86-315D731F671C}" type="slidenum">
               <a:t>&lt;#&gt;</a:t>
             </a:fld>
           </a:p>
@@ -3839,7 +3842,7 @@
         <p:txBody>
           <a:bodyPr/>
           <a:p>
-            <a:fld id="{FE126BDE-4CA5-4A6B-9941-4BBC8C106656}" type="slidenum">
+            <a:fld id="{B17A7975-B1B2-4965-8E1F-D8A8FDB4165F}" type="slidenum">
               <a:t>&lt;#&gt;</a:t>
             </a:fld>
           </a:p>
@@ -3959,7 +3962,7 @@
         <p:txBody>
           <a:bodyPr/>
           <a:p>
-            <a:fld id="{4CE0A03D-CFFB-4822-BC4E-684DA1870F88}" type="slidenum">
+            <a:fld id="{471F5388-B254-4612-B43E-06CC4C3CEEAC}" type="slidenum">
               <a:t>&lt;#&gt;</a:t>
             </a:fld>
           </a:p>
@@ -4113,7 +4116,7 @@
         <p:txBody>
           <a:bodyPr/>
           <a:p>
-            <a:fld id="{DA3AFD26-641A-49B7-91D9-A3EC4F0AA96A}" type="slidenum">
+            <a:fld id="{85CBB573-9490-4074-88C2-5E7BE828C910}" type="slidenum">
               <a:t>&lt;#&gt;</a:t>
             </a:fld>
           </a:p>
@@ -4233,7 +4236,7 @@
         <p:txBody>
           <a:bodyPr/>
           <a:p>
-            <a:fld id="{C7613ABF-D075-4D7A-AF31-B23E31CAACB4}" type="slidenum">
+            <a:fld id="{91B1ADD9-CD9E-465D-A4F3-7F96E4DA6A91}" type="slidenum">
               <a:t>&lt;#&gt;</a:t>
             </a:fld>
           </a:p>
@@ -4455,7 +4458,7 @@
         <p:txBody>
           <a:bodyPr/>
           <a:p>
-            <a:fld id="{29062DD4-7D79-4C78-885C-B3C5188A0B56}" type="slidenum">
+            <a:fld id="{E4AEFEB0-DB76-4660-A247-C0719E5A3709}" type="slidenum">
               <a:t>&lt;#&gt;</a:t>
             </a:fld>
           </a:p>
@@ -4677,7 +4680,7 @@
         <p:txBody>
           <a:bodyPr/>
           <a:p>
-            <a:fld id="{192148D0-DFF1-45A7-A8D7-F8D89B0F0072}" type="slidenum">
+            <a:fld id="{F01602F2-9C5D-469E-9F7C-04F6E7D9E685}" type="slidenum">
               <a:t>&lt;#&gt;</a:t>
             </a:fld>
           </a:p>
@@ -4899,7 +4902,7 @@
         <p:txBody>
           <a:bodyPr/>
           <a:p>
-            <a:fld id="{7972FA4D-21E0-41E0-9377-9A7A67A2B7B1}" type="slidenum">
+            <a:fld id="{A3C59645-A310-46F3-8EBA-CF3DF657D623}" type="slidenum">
               <a:t>&lt;#&gt;</a:t>
             </a:fld>
           </a:p>
@@ -5087,7 +5090,7 @@
         <p:txBody>
           <a:bodyPr/>
           <a:p>
-            <a:fld id="{351CCCA1-F998-43AB-BABA-232451DD44B6}" type="slidenum">
+            <a:fld id="{762B4CF6-F764-4BE2-896E-D5CD6454594E}" type="slidenum">
               <a:t>&lt;#&gt;</a:t>
             </a:fld>
           </a:p>
@@ -5343,7 +5346,7 @@
         <p:txBody>
           <a:bodyPr/>
           <a:p>
-            <a:fld id="{2E9AD51A-2B66-4E0A-A18D-4287904704B3}" type="slidenum">
+            <a:fld id="{F1678E48-7B97-4A78-A17E-F968861582B8}" type="slidenum">
               <a:t>&lt;#&gt;</a:t>
             </a:fld>
           </a:p>
@@ -5667,7 +5670,7 @@
         <p:txBody>
           <a:bodyPr/>
           <a:p>
-            <a:fld id="{513D0BEA-972B-4C3C-9A08-6F11DC1BCB27}" type="slidenum">
+            <a:fld id="{2673C87B-349A-45F0-B54E-0E6E8B355695}" type="slidenum">
               <a:t>&lt;#&gt;</a:t>
             </a:fld>
           </a:p>
@@ -5681,6 +5684,400 @@
           </p:cNvSpPr>
           <p:nvPr>
             <p:ph type="dt" idx="9"/>
+          </p:nvPr>
+        </p:nvSpPr>
+        <p:spPr/>
+        <p:txBody>
+          <a:bodyPr/>
+          <a:p>
+            <a:r>
+              <a:rPr lang="hr-HR"/>
+              <a:t/>
+            </a:r>
+          </a:p>
+        </p:txBody>
+      </p:sp>
+    </p:spTree>
+  </p:cSld>
+</p:sldLayout>
+</file>
+
+<file path=ppt/slideLayouts/slideLayout37.xml><?xml version="1.0" encoding="utf-8"?>
+<p:sldLayout xmlns:a="http://schemas.openxmlformats.org/drawingml/2006/main" xmlns:p="http://schemas.openxmlformats.org/presentationml/2006/main" xmlns:r="http://schemas.openxmlformats.org/officeDocument/2006/relationships" xmlns:p14="http://schemas.microsoft.com/office/powerpoint/2010/main" xmlns:p15="http://schemas.microsoft.com/office/powerpoint/2012/main" xmlns:mc="http://schemas.openxmlformats.org/markup-compatibility/2006" type="blank" preserve="1">
+  <p:cSld name="Blank Slide">
+    <p:spTree>
+      <p:nvGrpSpPr>
+        <p:cNvPr id="1" name=""/>
+        <p:cNvGrpSpPr/>
+        <p:nvPr/>
+      </p:nvGrpSpPr>
+      <p:grpSpPr>
+        <a:xfrm>
+          <a:off x="0" y="0"/>
+          <a:ext cx="0" cy="0"/>
+          <a:chOff x="0" y="0"/>
+          <a:chExt cx="0" cy="0"/>
+        </a:xfrm>
+      </p:grpSpPr>
+      <p:sp>
+        <p:nvSpPr>
+          <p:cNvPr id="2" name="PlaceHolder 1"/>
+          <p:cNvSpPr>
+            <a:spLocks noGrp="1"/>
+          </p:cNvSpPr>
+          <p:nvPr>
+            <p:ph type="ftr" idx="10"/>
+          </p:nvPr>
+        </p:nvSpPr>
+        <p:spPr/>
+        <p:txBody>
+          <a:bodyPr/>
+          <a:p>
+            <a:r>
+              <a:t>Footer</a:t>
+            </a:r>
+          </a:p>
+        </p:txBody>
+      </p:sp>
+      <p:sp>
+        <p:nvSpPr>
+          <p:cNvPr id="3" name="PlaceHolder 2"/>
+          <p:cNvSpPr>
+            <a:spLocks noGrp="1"/>
+          </p:cNvSpPr>
+          <p:nvPr>
+            <p:ph type="sldNum" idx="11"/>
+          </p:nvPr>
+        </p:nvSpPr>
+        <p:spPr/>
+        <p:txBody>
+          <a:bodyPr/>
+          <a:p>
+            <a:fld id="{84EB664B-B14A-45ED-BF1A-B28A08B2FC5D}" type="slidenum">
+              <a:t>&lt;#&gt;</a:t>
+            </a:fld>
+          </a:p>
+        </p:txBody>
+      </p:sp>
+      <p:sp>
+        <p:nvSpPr>
+          <p:cNvPr id="4" name="PlaceHolder 3"/>
+          <p:cNvSpPr>
+            <a:spLocks noGrp="1"/>
+          </p:cNvSpPr>
+          <p:nvPr>
+            <p:ph type="dt" idx="12"/>
+          </p:nvPr>
+        </p:nvSpPr>
+        <p:spPr/>
+        <p:txBody>
+          <a:bodyPr/>
+          <a:p>
+            <a:r>
+              <a:rPr lang="hr-HR"/>
+              <a:t/>
+            </a:r>
+          </a:p>
+        </p:txBody>
+      </p:sp>
+    </p:spTree>
+  </p:cSld>
+</p:sldLayout>
+</file>
+
+<file path=ppt/slideLayouts/slideLayout38.xml><?xml version="1.0" encoding="utf-8"?>
+<p:sldLayout xmlns:a="http://schemas.openxmlformats.org/drawingml/2006/main" xmlns:p="http://schemas.openxmlformats.org/presentationml/2006/main" xmlns:r="http://schemas.openxmlformats.org/officeDocument/2006/relationships" xmlns:p14="http://schemas.microsoft.com/office/powerpoint/2010/main" xmlns:p15="http://schemas.microsoft.com/office/powerpoint/2012/main" xmlns:mc="http://schemas.openxmlformats.org/markup-compatibility/2006" type="tx" preserve="1">
+  <p:cSld name="Title Slide">
+    <p:spTree>
+      <p:nvGrpSpPr>
+        <p:cNvPr id="1" name=""/>
+        <p:cNvGrpSpPr/>
+        <p:nvPr/>
+      </p:nvGrpSpPr>
+      <p:grpSpPr>
+        <a:xfrm>
+          <a:off x="0" y="0"/>
+          <a:ext cx="0" cy="0"/>
+          <a:chOff x="0" y="0"/>
+          <a:chExt cx="0" cy="0"/>
+        </a:xfrm>
+      </p:grpSpPr>
+      <p:sp>
+        <p:nvSpPr>
+          <p:cNvPr id="129" name="PlaceHolder 1"/>
+          <p:cNvSpPr>
+            <a:spLocks noGrp="1"/>
+          </p:cNvSpPr>
+          <p:nvPr>
+            <p:ph type="title"/>
+          </p:nvPr>
+        </p:nvSpPr>
+        <p:spPr>
+          <a:xfrm>
+            <a:off x="609480" y="273600"/>
+            <a:ext cx="10972440" cy="1144800"/>
+          </a:xfrm>
+          <a:prstGeom prst="rect">
+            <a:avLst/>
+          </a:prstGeom>
+          <a:noFill/>
+          <a:ln w="0">
+            <a:noFill/>
+          </a:ln>
+        </p:spPr>
+        <p:txBody>
+          <a:bodyPr lIns="0" rIns="0" tIns="0" bIns="0" anchor="ctr">
+            <a:noAutofit/>
+          </a:bodyPr>
+          <a:p>
+            <a:pPr algn="ctr">
+              <a:buNone/>
+            </a:pPr>
+            <a:endParaRPr b="0" lang="hr-HR" sz="4400" spc="-1" strike="noStrike">
+              <a:latin typeface="Arial"/>
+            </a:endParaRPr>
+          </a:p>
+        </p:txBody>
+      </p:sp>
+      <p:sp>
+        <p:nvSpPr>
+          <p:cNvPr id="130" name="PlaceHolder 2"/>
+          <p:cNvSpPr>
+            <a:spLocks noGrp="1"/>
+          </p:cNvSpPr>
+          <p:nvPr>
+            <p:ph type="subTitle"/>
+          </p:nvPr>
+        </p:nvSpPr>
+        <p:spPr>
+          <a:xfrm>
+            <a:off x="609480" y="1604520"/>
+            <a:ext cx="10972440" cy="3977280"/>
+          </a:xfrm>
+          <a:prstGeom prst="rect">
+            <a:avLst/>
+          </a:prstGeom>
+          <a:noFill/>
+          <a:ln w="0">
+            <a:noFill/>
+          </a:ln>
+        </p:spPr>
+        <p:txBody>
+          <a:bodyPr lIns="0" rIns="0" tIns="0" bIns="0" anchor="ctr">
+            <a:noAutofit/>
+          </a:bodyPr>
+          <a:p>
+            <a:pPr algn="ctr">
+              <a:buNone/>
+            </a:pPr>
+            <a:endParaRPr b="0" lang="hr-HR" sz="3200" spc="-1" strike="noStrike">
+              <a:latin typeface="Arial"/>
+            </a:endParaRPr>
+          </a:p>
+        </p:txBody>
+      </p:sp>
+      <p:sp>
+        <p:nvSpPr>
+          <p:cNvPr id="4" name="PlaceHolder 3"/>
+          <p:cNvSpPr>
+            <a:spLocks noGrp="1"/>
+          </p:cNvSpPr>
+          <p:nvPr>
+            <p:ph type="ftr" idx="10"/>
+          </p:nvPr>
+        </p:nvSpPr>
+        <p:spPr/>
+        <p:txBody>
+          <a:bodyPr/>
+          <a:p>
+            <a:r>
+              <a:t>Footer</a:t>
+            </a:r>
+          </a:p>
+        </p:txBody>
+      </p:sp>
+      <p:sp>
+        <p:nvSpPr>
+          <p:cNvPr id="5" name="PlaceHolder 4"/>
+          <p:cNvSpPr>
+            <a:spLocks noGrp="1"/>
+          </p:cNvSpPr>
+          <p:nvPr>
+            <p:ph type="sldNum" idx="11"/>
+          </p:nvPr>
+        </p:nvSpPr>
+        <p:spPr/>
+        <p:txBody>
+          <a:bodyPr/>
+          <a:p>
+            <a:fld id="{5801E4F9-11A0-4D71-94F4-316C92F6E9BB}" type="slidenum">
+              <a:t>&lt;#&gt;</a:t>
+            </a:fld>
+          </a:p>
+        </p:txBody>
+      </p:sp>
+      <p:sp>
+        <p:nvSpPr>
+          <p:cNvPr id="6" name="PlaceHolder 5"/>
+          <p:cNvSpPr>
+            <a:spLocks noGrp="1"/>
+          </p:cNvSpPr>
+          <p:nvPr>
+            <p:ph type="dt" idx="12"/>
+          </p:nvPr>
+        </p:nvSpPr>
+        <p:spPr/>
+        <p:txBody>
+          <a:bodyPr/>
+          <a:p>
+            <a:r>
+              <a:rPr lang="hr-HR"/>
+              <a:t/>
+            </a:r>
+          </a:p>
+        </p:txBody>
+      </p:sp>
+    </p:spTree>
+  </p:cSld>
+</p:sldLayout>
+</file>
+
+<file path=ppt/slideLayouts/slideLayout39.xml><?xml version="1.0" encoding="utf-8"?>
+<p:sldLayout xmlns:a="http://schemas.openxmlformats.org/drawingml/2006/main" xmlns:p="http://schemas.openxmlformats.org/presentationml/2006/main" xmlns:r="http://schemas.openxmlformats.org/officeDocument/2006/relationships" xmlns:p14="http://schemas.microsoft.com/office/powerpoint/2010/main" xmlns:p15="http://schemas.microsoft.com/office/powerpoint/2012/main" xmlns:mc="http://schemas.openxmlformats.org/markup-compatibility/2006" type="obj" preserve="1">
+  <p:cSld name="Title, Content">
+    <p:spTree>
+      <p:nvGrpSpPr>
+        <p:cNvPr id="1" name=""/>
+        <p:cNvGrpSpPr/>
+        <p:nvPr/>
+      </p:nvGrpSpPr>
+      <p:grpSpPr>
+        <a:xfrm>
+          <a:off x="0" y="0"/>
+          <a:ext cx="0" cy="0"/>
+          <a:chOff x="0" y="0"/>
+          <a:chExt cx="0" cy="0"/>
+        </a:xfrm>
+      </p:grpSpPr>
+      <p:sp>
+        <p:nvSpPr>
+          <p:cNvPr id="131" name="PlaceHolder 1"/>
+          <p:cNvSpPr>
+            <a:spLocks noGrp="1"/>
+          </p:cNvSpPr>
+          <p:nvPr>
+            <p:ph type="title"/>
+          </p:nvPr>
+        </p:nvSpPr>
+        <p:spPr>
+          <a:xfrm>
+            <a:off x="609480" y="273600"/>
+            <a:ext cx="10972440" cy="1144800"/>
+          </a:xfrm>
+          <a:prstGeom prst="rect">
+            <a:avLst/>
+          </a:prstGeom>
+          <a:noFill/>
+          <a:ln w="0">
+            <a:noFill/>
+          </a:ln>
+        </p:spPr>
+        <p:txBody>
+          <a:bodyPr lIns="0" rIns="0" tIns="0" bIns="0" anchor="ctr">
+            <a:noAutofit/>
+          </a:bodyPr>
+          <a:p>
+            <a:pPr algn="ctr">
+              <a:buNone/>
+            </a:pPr>
+            <a:endParaRPr b="0" lang="hr-HR" sz="4400" spc="-1" strike="noStrike">
+              <a:latin typeface="Arial"/>
+            </a:endParaRPr>
+          </a:p>
+        </p:txBody>
+      </p:sp>
+      <p:sp>
+        <p:nvSpPr>
+          <p:cNvPr id="132" name="PlaceHolder 2"/>
+          <p:cNvSpPr>
+            <a:spLocks noGrp="1"/>
+          </p:cNvSpPr>
+          <p:nvPr>
+            <p:ph/>
+          </p:nvPr>
+        </p:nvSpPr>
+        <p:spPr>
+          <a:xfrm>
+            <a:off x="609480" y="1604520"/>
+            <a:ext cx="10972440" cy="3977280"/>
+          </a:xfrm>
+          <a:prstGeom prst="rect">
+            <a:avLst/>
+          </a:prstGeom>
+          <a:noFill/>
+          <a:ln w="0">
+            <a:noFill/>
+          </a:ln>
+        </p:spPr>
+        <p:txBody>
+          <a:bodyPr lIns="0" rIns="0" tIns="0" bIns="0" anchor="t">
+            <a:normAutofit/>
+          </a:bodyPr>
+          <a:p>
+            <a:endParaRPr b="0" lang="hr-HR" sz="3200" spc="-1" strike="noStrike">
+              <a:latin typeface="Arial"/>
+            </a:endParaRPr>
+          </a:p>
+        </p:txBody>
+      </p:sp>
+      <p:sp>
+        <p:nvSpPr>
+          <p:cNvPr id="4" name="PlaceHolder 3"/>
+          <p:cNvSpPr>
+            <a:spLocks noGrp="1"/>
+          </p:cNvSpPr>
+          <p:nvPr>
+            <p:ph type="ftr" idx="10"/>
+          </p:nvPr>
+        </p:nvSpPr>
+        <p:spPr/>
+        <p:txBody>
+          <a:bodyPr/>
+          <a:p>
+            <a:r>
+              <a:t>Footer</a:t>
+            </a:r>
+          </a:p>
+        </p:txBody>
+      </p:sp>
+      <p:sp>
+        <p:nvSpPr>
+          <p:cNvPr id="5" name="PlaceHolder 4"/>
+          <p:cNvSpPr>
+            <a:spLocks noGrp="1"/>
+          </p:cNvSpPr>
+          <p:nvPr>
+            <p:ph type="sldNum" idx="11"/>
+          </p:nvPr>
+        </p:nvSpPr>
+        <p:spPr/>
+        <p:txBody>
+          <a:bodyPr/>
+          <a:p>
+            <a:fld id="{722F64C1-9770-4421-A927-BE17079FF3B6}" type="slidenum">
+              <a:t>&lt;#&gt;</a:t>
+            </a:fld>
+          </a:p>
+        </p:txBody>
+      </p:sp>
+      <p:sp>
+        <p:nvSpPr>
+          <p:cNvPr id="6" name="PlaceHolder 5"/>
+          <p:cNvSpPr>
+            <a:spLocks noGrp="1"/>
+          </p:cNvSpPr>
+          <p:nvPr>
+            <p:ph type="dt" idx="12"/>
           </p:nvPr>
         </p:nvSpPr>
         <p:spPr/>
@@ -5855,7 +6252,7 @@
         <p:txBody>
           <a:bodyPr/>
           <a:p>
-            <a:fld id="{F10D8425-1105-4A6E-AB0E-56EBF0BC18B7}" type="slidenum">
+            <a:fld id="{6E65292E-B724-48CD-B7EC-497EAD64919B}" type="slidenum">
               <a:t>&lt;#&gt;</a:t>
             </a:fld>
           </a:p>
@@ -5869,6 +6266,1951 @@
           </p:cNvSpPr>
           <p:nvPr>
             <p:ph type="dt" idx="3"/>
+          </p:nvPr>
+        </p:nvSpPr>
+        <p:spPr/>
+        <p:txBody>
+          <a:bodyPr/>
+          <a:p>
+            <a:r>
+              <a:rPr lang="hr-HR"/>
+              <a:t/>
+            </a:r>
+          </a:p>
+        </p:txBody>
+      </p:sp>
+    </p:spTree>
+  </p:cSld>
+</p:sldLayout>
+</file>
+
+<file path=ppt/slideLayouts/slideLayout40.xml><?xml version="1.0" encoding="utf-8"?>
+<p:sldLayout xmlns:a="http://schemas.openxmlformats.org/drawingml/2006/main" xmlns:p="http://schemas.openxmlformats.org/presentationml/2006/main" xmlns:r="http://schemas.openxmlformats.org/officeDocument/2006/relationships" xmlns:p14="http://schemas.microsoft.com/office/powerpoint/2010/main" xmlns:p15="http://schemas.microsoft.com/office/powerpoint/2012/main" xmlns:mc="http://schemas.openxmlformats.org/markup-compatibility/2006" type="twoObj" preserve="1">
+  <p:cSld name="Title, 2 Content">
+    <p:spTree>
+      <p:nvGrpSpPr>
+        <p:cNvPr id="1" name=""/>
+        <p:cNvGrpSpPr/>
+        <p:nvPr/>
+      </p:nvGrpSpPr>
+      <p:grpSpPr>
+        <a:xfrm>
+          <a:off x="0" y="0"/>
+          <a:ext cx="0" cy="0"/>
+          <a:chOff x="0" y="0"/>
+          <a:chExt cx="0" cy="0"/>
+        </a:xfrm>
+      </p:grpSpPr>
+      <p:sp>
+        <p:nvSpPr>
+          <p:cNvPr id="133" name="PlaceHolder 1"/>
+          <p:cNvSpPr>
+            <a:spLocks noGrp="1"/>
+          </p:cNvSpPr>
+          <p:nvPr>
+            <p:ph type="title"/>
+          </p:nvPr>
+        </p:nvSpPr>
+        <p:spPr>
+          <a:xfrm>
+            <a:off x="609480" y="273600"/>
+            <a:ext cx="10972440" cy="1144800"/>
+          </a:xfrm>
+          <a:prstGeom prst="rect">
+            <a:avLst/>
+          </a:prstGeom>
+          <a:noFill/>
+          <a:ln w="0">
+            <a:noFill/>
+          </a:ln>
+        </p:spPr>
+        <p:txBody>
+          <a:bodyPr lIns="0" rIns="0" tIns="0" bIns="0" anchor="ctr">
+            <a:noAutofit/>
+          </a:bodyPr>
+          <a:p>
+            <a:pPr algn="ctr">
+              <a:buNone/>
+            </a:pPr>
+            <a:endParaRPr b="0" lang="hr-HR" sz="4400" spc="-1" strike="noStrike">
+              <a:latin typeface="Arial"/>
+            </a:endParaRPr>
+          </a:p>
+        </p:txBody>
+      </p:sp>
+      <p:sp>
+        <p:nvSpPr>
+          <p:cNvPr id="134" name="PlaceHolder 2"/>
+          <p:cNvSpPr>
+            <a:spLocks noGrp="1"/>
+          </p:cNvSpPr>
+          <p:nvPr>
+            <p:ph/>
+          </p:nvPr>
+        </p:nvSpPr>
+        <p:spPr>
+          <a:xfrm>
+            <a:off x="609480" y="1604520"/>
+            <a:ext cx="5354280" cy="3977280"/>
+          </a:xfrm>
+          <a:prstGeom prst="rect">
+            <a:avLst/>
+          </a:prstGeom>
+          <a:noFill/>
+          <a:ln w="0">
+            <a:noFill/>
+          </a:ln>
+        </p:spPr>
+        <p:txBody>
+          <a:bodyPr lIns="0" rIns="0" tIns="0" bIns="0" anchor="t">
+            <a:normAutofit/>
+          </a:bodyPr>
+          <a:p>
+            <a:endParaRPr b="0" lang="hr-HR" sz="3200" spc="-1" strike="noStrike">
+              <a:latin typeface="Arial"/>
+            </a:endParaRPr>
+          </a:p>
+        </p:txBody>
+      </p:sp>
+      <p:sp>
+        <p:nvSpPr>
+          <p:cNvPr id="135" name="PlaceHolder 3"/>
+          <p:cNvSpPr>
+            <a:spLocks noGrp="1"/>
+          </p:cNvSpPr>
+          <p:nvPr>
+            <p:ph/>
+          </p:nvPr>
+        </p:nvSpPr>
+        <p:spPr>
+          <a:xfrm>
+            <a:off x="6231960" y="1604520"/>
+            <a:ext cx="5354280" cy="3977280"/>
+          </a:xfrm>
+          <a:prstGeom prst="rect">
+            <a:avLst/>
+          </a:prstGeom>
+          <a:noFill/>
+          <a:ln w="0">
+            <a:noFill/>
+          </a:ln>
+        </p:spPr>
+        <p:txBody>
+          <a:bodyPr lIns="0" rIns="0" tIns="0" bIns="0" anchor="t">
+            <a:normAutofit/>
+          </a:bodyPr>
+          <a:p>
+            <a:endParaRPr b="0" lang="hr-HR" sz="3200" spc="-1" strike="noStrike">
+              <a:latin typeface="Arial"/>
+            </a:endParaRPr>
+          </a:p>
+        </p:txBody>
+      </p:sp>
+      <p:sp>
+        <p:nvSpPr>
+          <p:cNvPr id="5" name="PlaceHolder 4"/>
+          <p:cNvSpPr>
+            <a:spLocks noGrp="1"/>
+          </p:cNvSpPr>
+          <p:nvPr>
+            <p:ph type="ftr" idx="10"/>
+          </p:nvPr>
+        </p:nvSpPr>
+        <p:spPr/>
+        <p:txBody>
+          <a:bodyPr/>
+          <a:p>
+            <a:r>
+              <a:t>Footer</a:t>
+            </a:r>
+          </a:p>
+        </p:txBody>
+      </p:sp>
+      <p:sp>
+        <p:nvSpPr>
+          <p:cNvPr id="6" name="PlaceHolder 5"/>
+          <p:cNvSpPr>
+            <a:spLocks noGrp="1"/>
+          </p:cNvSpPr>
+          <p:nvPr>
+            <p:ph type="sldNum" idx="11"/>
+          </p:nvPr>
+        </p:nvSpPr>
+        <p:spPr/>
+        <p:txBody>
+          <a:bodyPr/>
+          <a:p>
+            <a:fld id="{6A6CBD70-D49D-4770-A7E0-AB75EBD6B33E}" type="slidenum">
+              <a:t>&lt;#&gt;</a:t>
+            </a:fld>
+          </a:p>
+        </p:txBody>
+      </p:sp>
+      <p:sp>
+        <p:nvSpPr>
+          <p:cNvPr id="7" name="PlaceHolder 6"/>
+          <p:cNvSpPr>
+            <a:spLocks noGrp="1"/>
+          </p:cNvSpPr>
+          <p:nvPr>
+            <p:ph type="dt" idx="12"/>
+          </p:nvPr>
+        </p:nvSpPr>
+        <p:spPr/>
+        <p:txBody>
+          <a:bodyPr/>
+          <a:p>
+            <a:r>
+              <a:rPr lang="hr-HR"/>
+              <a:t/>
+            </a:r>
+          </a:p>
+        </p:txBody>
+      </p:sp>
+    </p:spTree>
+  </p:cSld>
+</p:sldLayout>
+</file>
+
+<file path=ppt/slideLayouts/slideLayout41.xml><?xml version="1.0" encoding="utf-8"?>
+<p:sldLayout xmlns:a="http://schemas.openxmlformats.org/drawingml/2006/main" xmlns:p="http://schemas.openxmlformats.org/presentationml/2006/main" xmlns:r="http://schemas.openxmlformats.org/officeDocument/2006/relationships" xmlns:p14="http://schemas.microsoft.com/office/powerpoint/2010/main" xmlns:p15="http://schemas.microsoft.com/office/powerpoint/2012/main" xmlns:mc="http://schemas.openxmlformats.org/markup-compatibility/2006" type="titleOnly" preserve="1">
+  <p:cSld name="Title Only">
+    <p:spTree>
+      <p:nvGrpSpPr>
+        <p:cNvPr id="1" name=""/>
+        <p:cNvGrpSpPr/>
+        <p:nvPr/>
+      </p:nvGrpSpPr>
+      <p:grpSpPr>
+        <a:xfrm>
+          <a:off x="0" y="0"/>
+          <a:ext cx="0" cy="0"/>
+          <a:chOff x="0" y="0"/>
+          <a:chExt cx="0" cy="0"/>
+        </a:xfrm>
+      </p:grpSpPr>
+      <p:sp>
+        <p:nvSpPr>
+          <p:cNvPr id="136" name="PlaceHolder 1"/>
+          <p:cNvSpPr>
+            <a:spLocks noGrp="1"/>
+          </p:cNvSpPr>
+          <p:nvPr>
+            <p:ph type="title"/>
+          </p:nvPr>
+        </p:nvSpPr>
+        <p:spPr>
+          <a:xfrm>
+            <a:off x="609480" y="273600"/>
+            <a:ext cx="10972440" cy="1144800"/>
+          </a:xfrm>
+          <a:prstGeom prst="rect">
+            <a:avLst/>
+          </a:prstGeom>
+          <a:noFill/>
+          <a:ln w="0">
+            <a:noFill/>
+          </a:ln>
+        </p:spPr>
+        <p:txBody>
+          <a:bodyPr lIns="0" rIns="0" tIns="0" bIns="0" anchor="ctr">
+            <a:noAutofit/>
+          </a:bodyPr>
+          <a:p>
+            <a:pPr algn="ctr">
+              <a:buNone/>
+            </a:pPr>
+            <a:endParaRPr b="0" lang="hr-HR" sz="4400" spc="-1" strike="noStrike">
+              <a:latin typeface="Arial"/>
+            </a:endParaRPr>
+          </a:p>
+        </p:txBody>
+      </p:sp>
+      <p:sp>
+        <p:nvSpPr>
+          <p:cNvPr id="3" name="PlaceHolder 2"/>
+          <p:cNvSpPr>
+            <a:spLocks noGrp="1"/>
+          </p:cNvSpPr>
+          <p:nvPr>
+            <p:ph type="ftr" idx="10"/>
+          </p:nvPr>
+        </p:nvSpPr>
+        <p:spPr/>
+        <p:txBody>
+          <a:bodyPr/>
+          <a:p>
+            <a:r>
+              <a:t>Footer</a:t>
+            </a:r>
+          </a:p>
+        </p:txBody>
+      </p:sp>
+      <p:sp>
+        <p:nvSpPr>
+          <p:cNvPr id="4" name="PlaceHolder 3"/>
+          <p:cNvSpPr>
+            <a:spLocks noGrp="1"/>
+          </p:cNvSpPr>
+          <p:nvPr>
+            <p:ph type="sldNum" idx="11"/>
+          </p:nvPr>
+        </p:nvSpPr>
+        <p:spPr/>
+        <p:txBody>
+          <a:bodyPr/>
+          <a:p>
+            <a:fld id="{6CD0AE48-7387-4215-949F-0039102ABF9D}" type="slidenum">
+              <a:t>&lt;#&gt;</a:t>
+            </a:fld>
+          </a:p>
+        </p:txBody>
+      </p:sp>
+      <p:sp>
+        <p:nvSpPr>
+          <p:cNvPr id="5" name="PlaceHolder 4"/>
+          <p:cNvSpPr>
+            <a:spLocks noGrp="1"/>
+          </p:cNvSpPr>
+          <p:nvPr>
+            <p:ph type="dt" idx="12"/>
+          </p:nvPr>
+        </p:nvSpPr>
+        <p:spPr/>
+        <p:txBody>
+          <a:bodyPr/>
+          <a:p>
+            <a:r>
+              <a:rPr lang="hr-HR"/>
+              <a:t/>
+            </a:r>
+          </a:p>
+        </p:txBody>
+      </p:sp>
+    </p:spTree>
+  </p:cSld>
+</p:sldLayout>
+</file>
+
+<file path=ppt/slideLayouts/slideLayout42.xml><?xml version="1.0" encoding="utf-8"?>
+<p:sldLayout xmlns:a="http://schemas.openxmlformats.org/drawingml/2006/main" xmlns:p="http://schemas.openxmlformats.org/presentationml/2006/main" xmlns:r="http://schemas.openxmlformats.org/officeDocument/2006/relationships" xmlns:p14="http://schemas.microsoft.com/office/powerpoint/2010/main" xmlns:p15="http://schemas.microsoft.com/office/powerpoint/2012/main" xmlns:mc="http://schemas.openxmlformats.org/markup-compatibility/2006" type="objOnly" preserve="1">
+  <p:cSld name="Centered Text">
+    <p:spTree>
+      <p:nvGrpSpPr>
+        <p:cNvPr id="1" name=""/>
+        <p:cNvGrpSpPr/>
+        <p:nvPr/>
+      </p:nvGrpSpPr>
+      <p:grpSpPr>
+        <a:xfrm>
+          <a:off x="0" y="0"/>
+          <a:ext cx="0" cy="0"/>
+          <a:chOff x="0" y="0"/>
+          <a:chExt cx="0" cy="0"/>
+        </a:xfrm>
+      </p:grpSpPr>
+      <p:sp>
+        <p:nvSpPr>
+          <p:cNvPr id="137" name="PlaceHolder 1"/>
+          <p:cNvSpPr>
+            <a:spLocks noGrp="1"/>
+          </p:cNvSpPr>
+          <p:nvPr>
+            <p:ph type="subTitle"/>
+          </p:nvPr>
+        </p:nvSpPr>
+        <p:spPr>
+          <a:xfrm>
+            <a:off x="609480" y="273600"/>
+            <a:ext cx="10972440" cy="5307840"/>
+          </a:xfrm>
+          <a:prstGeom prst="rect">
+            <a:avLst/>
+          </a:prstGeom>
+          <a:noFill/>
+          <a:ln w="0">
+            <a:noFill/>
+          </a:ln>
+        </p:spPr>
+        <p:txBody>
+          <a:bodyPr lIns="0" rIns="0" tIns="0" bIns="0" anchor="ctr">
+            <a:noAutofit/>
+          </a:bodyPr>
+          <a:p>
+            <a:pPr algn="ctr">
+              <a:buNone/>
+            </a:pPr>
+            <a:endParaRPr b="0" lang="hr-HR" sz="3200" spc="-1" strike="noStrike">
+              <a:latin typeface="Arial"/>
+            </a:endParaRPr>
+          </a:p>
+        </p:txBody>
+      </p:sp>
+      <p:sp>
+        <p:nvSpPr>
+          <p:cNvPr id="3" name="PlaceHolder 2"/>
+          <p:cNvSpPr>
+            <a:spLocks noGrp="1"/>
+          </p:cNvSpPr>
+          <p:nvPr>
+            <p:ph type="ftr" idx="10"/>
+          </p:nvPr>
+        </p:nvSpPr>
+        <p:spPr/>
+        <p:txBody>
+          <a:bodyPr/>
+          <a:p>
+            <a:r>
+              <a:t>Footer</a:t>
+            </a:r>
+          </a:p>
+        </p:txBody>
+      </p:sp>
+      <p:sp>
+        <p:nvSpPr>
+          <p:cNvPr id="4" name="PlaceHolder 3"/>
+          <p:cNvSpPr>
+            <a:spLocks noGrp="1"/>
+          </p:cNvSpPr>
+          <p:nvPr>
+            <p:ph type="sldNum" idx="11"/>
+          </p:nvPr>
+        </p:nvSpPr>
+        <p:spPr/>
+        <p:txBody>
+          <a:bodyPr/>
+          <a:p>
+            <a:fld id="{42EF69AD-BCDD-4416-84BA-279D0A2BBB24}" type="slidenum">
+              <a:t>&lt;#&gt;</a:t>
+            </a:fld>
+          </a:p>
+        </p:txBody>
+      </p:sp>
+      <p:sp>
+        <p:nvSpPr>
+          <p:cNvPr id="5" name="PlaceHolder 4"/>
+          <p:cNvSpPr>
+            <a:spLocks noGrp="1"/>
+          </p:cNvSpPr>
+          <p:nvPr>
+            <p:ph type="dt" idx="12"/>
+          </p:nvPr>
+        </p:nvSpPr>
+        <p:spPr/>
+        <p:txBody>
+          <a:bodyPr/>
+          <a:p>
+            <a:r>
+              <a:rPr lang="hr-HR"/>
+              <a:t/>
+            </a:r>
+          </a:p>
+        </p:txBody>
+      </p:sp>
+    </p:spTree>
+  </p:cSld>
+</p:sldLayout>
+</file>
+
+<file path=ppt/slideLayouts/slideLayout43.xml><?xml version="1.0" encoding="utf-8"?>
+<p:sldLayout xmlns:a="http://schemas.openxmlformats.org/drawingml/2006/main" xmlns:p="http://schemas.openxmlformats.org/presentationml/2006/main" xmlns:r="http://schemas.openxmlformats.org/officeDocument/2006/relationships" xmlns:p14="http://schemas.microsoft.com/office/powerpoint/2010/main" xmlns:p15="http://schemas.microsoft.com/office/powerpoint/2012/main" xmlns:mc="http://schemas.openxmlformats.org/markup-compatibility/2006" type="twoObjAndObj" preserve="1">
+  <p:cSld name="Title, 2 Content and Content">
+    <p:spTree>
+      <p:nvGrpSpPr>
+        <p:cNvPr id="1" name=""/>
+        <p:cNvGrpSpPr/>
+        <p:nvPr/>
+      </p:nvGrpSpPr>
+      <p:grpSpPr>
+        <a:xfrm>
+          <a:off x="0" y="0"/>
+          <a:ext cx="0" cy="0"/>
+          <a:chOff x="0" y="0"/>
+          <a:chExt cx="0" cy="0"/>
+        </a:xfrm>
+      </p:grpSpPr>
+      <p:sp>
+        <p:nvSpPr>
+          <p:cNvPr id="138" name="PlaceHolder 1"/>
+          <p:cNvSpPr>
+            <a:spLocks noGrp="1"/>
+          </p:cNvSpPr>
+          <p:nvPr>
+            <p:ph type="title"/>
+          </p:nvPr>
+        </p:nvSpPr>
+        <p:spPr>
+          <a:xfrm>
+            <a:off x="609480" y="273600"/>
+            <a:ext cx="10972440" cy="1144800"/>
+          </a:xfrm>
+          <a:prstGeom prst="rect">
+            <a:avLst/>
+          </a:prstGeom>
+          <a:noFill/>
+          <a:ln w="0">
+            <a:noFill/>
+          </a:ln>
+        </p:spPr>
+        <p:txBody>
+          <a:bodyPr lIns="0" rIns="0" tIns="0" bIns="0" anchor="ctr">
+            <a:noAutofit/>
+          </a:bodyPr>
+          <a:p>
+            <a:pPr algn="ctr">
+              <a:buNone/>
+            </a:pPr>
+            <a:endParaRPr b="0" lang="hr-HR" sz="4400" spc="-1" strike="noStrike">
+              <a:latin typeface="Arial"/>
+            </a:endParaRPr>
+          </a:p>
+        </p:txBody>
+      </p:sp>
+      <p:sp>
+        <p:nvSpPr>
+          <p:cNvPr id="139" name="PlaceHolder 2"/>
+          <p:cNvSpPr>
+            <a:spLocks noGrp="1"/>
+          </p:cNvSpPr>
+          <p:nvPr>
+            <p:ph/>
+          </p:nvPr>
+        </p:nvSpPr>
+        <p:spPr>
+          <a:xfrm>
+            <a:off x="609480" y="1604520"/>
+            <a:ext cx="5354280" cy="1896840"/>
+          </a:xfrm>
+          <a:prstGeom prst="rect">
+            <a:avLst/>
+          </a:prstGeom>
+          <a:noFill/>
+          <a:ln w="0">
+            <a:noFill/>
+          </a:ln>
+        </p:spPr>
+        <p:txBody>
+          <a:bodyPr lIns="0" rIns="0" tIns="0" bIns="0" anchor="t">
+            <a:normAutofit/>
+          </a:bodyPr>
+          <a:p>
+            <a:endParaRPr b="0" lang="hr-HR" sz="3200" spc="-1" strike="noStrike">
+              <a:latin typeface="Arial"/>
+            </a:endParaRPr>
+          </a:p>
+        </p:txBody>
+      </p:sp>
+      <p:sp>
+        <p:nvSpPr>
+          <p:cNvPr id="140" name="PlaceHolder 3"/>
+          <p:cNvSpPr>
+            <a:spLocks noGrp="1"/>
+          </p:cNvSpPr>
+          <p:nvPr>
+            <p:ph/>
+          </p:nvPr>
+        </p:nvSpPr>
+        <p:spPr>
+          <a:xfrm>
+            <a:off x="6231960" y="1604520"/>
+            <a:ext cx="5354280" cy="3977280"/>
+          </a:xfrm>
+          <a:prstGeom prst="rect">
+            <a:avLst/>
+          </a:prstGeom>
+          <a:noFill/>
+          <a:ln w="0">
+            <a:noFill/>
+          </a:ln>
+        </p:spPr>
+        <p:txBody>
+          <a:bodyPr lIns="0" rIns="0" tIns="0" bIns="0" anchor="t">
+            <a:normAutofit/>
+          </a:bodyPr>
+          <a:p>
+            <a:endParaRPr b="0" lang="hr-HR" sz="3200" spc="-1" strike="noStrike">
+              <a:latin typeface="Arial"/>
+            </a:endParaRPr>
+          </a:p>
+        </p:txBody>
+      </p:sp>
+      <p:sp>
+        <p:nvSpPr>
+          <p:cNvPr id="141" name="PlaceHolder 4"/>
+          <p:cNvSpPr>
+            <a:spLocks noGrp="1"/>
+          </p:cNvSpPr>
+          <p:nvPr>
+            <p:ph/>
+          </p:nvPr>
+        </p:nvSpPr>
+        <p:spPr>
+          <a:xfrm>
+            <a:off x="609480" y="3682080"/>
+            <a:ext cx="5354280" cy="1896840"/>
+          </a:xfrm>
+          <a:prstGeom prst="rect">
+            <a:avLst/>
+          </a:prstGeom>
+          <a:noFill/>
+          <a:ln w="0">
+            <a:noFill/>
+          </a:ln>
+        </p:spPr>
+        <p:txBody>
+          <a:bodyPr lIns="0" rIns="0" tIns="0" bIns="0" anchor="t">
+            <a:normAutofit/>
+          </a:bodyPr>
+          <a:p>
+            <a:endParaRPr b="0" lang="hr-HR" sz="3200" spc="-1" strike="noStrike">
+              <a:latin typeface="Arial"/>
+            </a:endParaRPr>
+          </a:p>
+        </p:txBody>
+      </p:sp>
+      <p:sp>
+        <p:nvSpPr>
+          <p:cNvPr id="6" name="PlaceHolder 5"/>
+          <p:cNvSpPr>
+            <a:spLocks noGrp="1"/>
+          </p:cNvSpPr>
+          <p:nvPr>
+            <p:ph type="ftr" idx="10"/>
+          </p:nvPr>
+        </p:nvSpPr>
+        <p:spPr/>
+        <p:txBody>
+          <a:bodyPr/>
+          <a:p>
+            <a:r>
+              <a:t>Footer</a:t>
+            </a:r>
+          </a:p>
+        </p:txBody>
+      </p:sp>
+      <p:sp>
+        <p:nvSpPr>
+          <p:cNvPr id="7" name="PlaceHolder 6"/>
+          <p:cNvSpPr>
+            <a:spLocks noGrp="1"/>
+          </p:cNvSpPr>
+          <p:nvPr>
+            <p:ph type="sldNum" idx="11"/>
+          </p:nvPr>
+        </p:nvSpPr>
+        <p:spPr/>
+        <p:txBody>
+          <a:bodyPr/>
+          <a:p>
+            <a:fld id="{6A19A363-71D9-47BB-969F-5B86005C51E5}" type="slidenum">
+              <a:t>&lt;#&gt;</a:t>
+            </a:fld>
+          </a:p>
+        </p:txBody>
+      </p:sp>
+      <p:sp>
+        <p:nvSpPr>
+          <p:cNvPr id="8" name="PlaceHolder 7"/>
+          <p:cNvSpPr>
+            <a:spLocks noGrp="1"/>
+          </p:cNvSpPr>
+          <p:nvPr>
+            <p:ph type="dt" idx="12"/>
+          </p:nvPr>
+        </p:nvSpPr>
+        <p:spPr/>
+        <p:txBody>
+          <a:bodyPr/>
+          <a:p>
+            <a:r>
+              <a:rPr lang="hr-HR"/>
+              <a:t/>
+            </a:r>
+          </a:p>
+        </p:txBody>
+      </p:sp>
+    </p:spTree>
+  </p:cSld>
+</p:sldLayout>
+</file>
+
+<file path=ppt/slideLayouts/slideLayout44.xml><?xml version="1.0" encoding="utf-8"?>
+<p:sldLayout xmlns:a="http://schemas.openxmlformats.org/drawingml/2006/main" xmlns:p="http://schemas.openxmlformats.org/presentationml/2006/main" xmlns:r="http://schemas.openxmlformats.org/officeDocument/2006/relationships" xmlns:p14="http://schemas.microsoft.com/office/powerpoint/2010/main" xmlns:p15="http://schemas.microsoft.com/office/powerpoint/2012/main" xmlns:mc="http://schemas.openxmlformats.org/markup-compatibility/2006" type="objAndTwoObj" preserve="1">
+  <p:cSld name="Title Content and 2 Content">
+    <p:spTree>
+      <p:nvGrpSpPr>
+        <p:cNvPr id="1" name=""/>
+        <p:cNvGrpSpPr/>
+        <p:nvPr/>
+      </p:nvGrpSpPr>
+      <p:grpSpPr>
+        <a:xfrm>
+          <a:off x="0" y="0"/>
+          <a:ext cx="0" cy="0"/>
+          <a:chOff x="0" y="0"/>
+          <a:chExt cx="0" cy="0"/>
+        </a:xfrm>
+      </p:grpSpPr>
+      <p:sp>
+        <p:nvSpPr>
+          <p:cNvPr id="142" name="PlaceHolder 1"/>
+          <p:cNvSpPr>
+            <a:spLocks noGrp="1"/>
+          </p:cNvSpPr>
+          <p:nvPr>
+            <p:ph type="title"/>
+          </p:nvPr>
+        </p:nvSpPr>
+        <p:spPr>
+          <a:xfrm>
+            <a:off x="609480" y="273600"/>
+            <a:ext cx="10972440" cy="1144800"/>
+          </a:xfrm>
+          <a:prstGeom prst="rect">
+            <a:avLst/>
+          </a:prstGeom>
+          <a:noFill/>
+          <a:ln w="0">
+            <a:noFill/>
+          </a:ln>
+        </p:spPr>
+        <p:txBody>
+          <a:bodyPr lIns="0" rIns="0" tIns="0" bIns="0" anchor="ctr">
+            <a:noAutofit/>
+          </a:bodyPr>
+          <a:p>
+            <a:pPr algn="ctr">
+              <a:buNone/>
+            </a:pPr>
+            <a:endParaRPr b="0" lang="hr-HR" sz="4400" spc="-1" strike="noStrike">
+              <a:latin typeface="Arial"/>
+            </a:endParaRPr>
+          </a:p>
+        </p:txBody>
+      </p:sp>
+      <p:sp>
+        <p:nvSpPr>
+          <p:cNvPr id="143" name="PlaceHolder 2"/>
+          <p:cNvSpPr>
+            <a:spLocks noGrp="1"/>
+          </p:cNvSpPr>
+          <p:nvPr>
+            <p:ph/>
+          </p:nvPr>
+        </p:nvSpPr>
+        <p:spPr>
+          <a:xfrm>
+            <a:off x="609480" y="1604520"/>
+            <a:ext cx="5354280" cy="3977280"/>
+          </a:xfrm>
+          <a:prstGeom prst="rect">
+            <a:avLst/>
+          </a:prstGeom>
+          <a:noFill/>
+          <a:ln w="0">
+            <a:noFill/>
+          </a:ln>
+        </p:spPr>
+        <p:txBody>
+          <a:bodyPr lIns="0" rIns="0" tIns="0" bIns="0" anchor="t">
+            <a:normAutofit/>
+          </a:bodyPr>
+          <a:p>
+            <a:endParaRPr b="0" lang="hr-HR" sz="3200" spc="-1" strike="noStrike">
+              <a:latin typeface="Arial"/>
+            </a:endParaRPr>
+          </a:p>
+        </p:txBody>
+      </p:sp>
+      <p:sp>
+        <p:nvSpPr>
+          <p:cNvPr id="144" name="PlaceHolder 3"/>
+          <p:cNvSpPr>
+            <a:spLocks noGrp="1"/>
+          </p:cNvSpPr>
+          <p:nvPr>
+            <p:ph/>
+          </p:nvPr>
+        </p:nvSpPr>
+        <p:spPr>
+          <a:xfrm>
+            <a:off x="6231960" y="1604520"/>
+            <a:ext cx="5354280" cy="1896840"/>
+          </a:xfrm>
+          <a:prstGeom prst="rect">
+            <a:avLst/>
+          </a:prstGeom>
+          <a:noFill/>
+          <a:ln w="0">
+            <a:noFill/>
+          </a:ln>
+        </p:spPr>
+        <p:txBody>
+          <a:bodyPr lIns="0" rIns="0" tIns="0" bIns="0" anchor="t">
+            <a:normAutofit/>
+          </a:bodyPr>
+          <a:p>
+            <a:endParaRPr b="0" lang="hr-HR" sz="3200" spc="-1" strike="noStrike">
+              <a:latin typeface="Arial"/>
+            </a:endParaRPr>
+          </a:p>
+        </p:txBody>
+      </p:sp>
+      <p:sp>
+        <p:nvSpPr>
+          <p:cNvPr id="145" name="PlaceHolder 4"/>
+          <p:cNvSpPr>
+            <a:spLocks noGrp="1"/>
+          </p:cNvSpPr>
+          <p:nvPr>
+            <p:ph/>
+          </p:nvPr>
+        </p:nvSpPr>
+        <p:spPr>
+          <a:xfrm>
+            <a:off x="6231960" y="3682080"/>
+            <a:ext cx="5354280" cy="1896840"/>
+          </a:xfrm>
+          <a:prstGeom prst="rect">
+            <a:avLst/>
+          </a:prstGeom>
+          <a:noFill/>
+          <a:ln w="0">
+            <a:noFill/>
+          </a:ln>
+        </p:spPr>
+        <p:txBody>
+          <a:bodyPr lIns="0" rIns="0" tIns="0" bIns="0" anchor="t">
+            <a:normAutofit/>
+          </a:bodyPr>
+          <a:p>
+            <a:endParaRPr b="0" lang="hr-HR" sz="3200" spc="-1" strike="noStrike">
+              <a:latin typeface="Arial"/>
+            </a:endParaRPr>
+          </a:p>
+        </p:txBody>
+      </p:sp>
+      <p:sp>
+        <p:nvSpPr>
+          <p:cNvPr id="6" name="PlaceHolder 5"/>
+          <p:cNvSpPr>
+            <a:spLocks noGrp="1"/>
+          </p:cNvSpPr>
+          <p:nvPr>
+            <p:ph type="ftr" idx="10"/>
+          </p:nvPr>
+        </p:nvSpPr>
+        <p:spPr/>
+        <p:txBody>
+          <a:bodyPr/>
+          <a:p>
+            <a:r>
+              <a:t>Footer</a:t>
+            </a:r>
+          </a:p>
+        </p:txBody>
+      </p:sp>
+      <p:sp>
+        <p:nvSpPr>
+          <p:cNvPr id="7" name="PlaceHolder 6"/>
+          <p:cNvSpPr>
+            <a:spLocks noGrp="1"/>
+          </p:cNvSpPr>
+          <p:nvPr>
+            <p:ph type="sldNum" idx="11"/>
+          </p:nvPr>
+        </p:nvSpPr>
+        <p:spPr/>
+        <p:txBody>
+          <a:bodyPr/>
+          <a:p>
+            <a:fld id="{531DBEEF-BCE4-411E-82D9-303EC8F32BD5}" type="slidenum">
+              <a:t>&lt;#&gt;</a:t>
+            </a:fld>
+          </a:p>
+        </p:txBody>
+      </p:sp>
+      <p:sp>
+        <p:nvSpPr>
+          <p:cNvPr id="8" name="PlaceHolder 7"/>
+          <p:cNvSpPr>
+            <a:spLocks noGrp="1"/>
+          </p:cNvSpPr>
+          <p:nvPr>
+            <p:ph type="dt" idx="12"/>
+          </p:nvPr>
+        </p:nvSpPr>
+        <p:spPr/>
+        <p:txBody>
+          <a:bodyPr/>
+          <a:p>
+            <a:r>
+              <a:rPr lang="hr-HR"/>
+              <a:t/>
+            </a:r>
+          </a:p>
+        </p:txBody>
+      </p:sp>
+    </p:spTree>
+  </p:cSld>
+</p:sldLayout>
+</file>
+
+<file path=ppt/slideLayouts/slideLayout45.xml><?xml version="1.0" encoding="utf-8"?>
+<p:sldLayout xmlns:a="http://schemas.openxmlformats.org/drawingml/2006/main" xmlns:p="http://schemas.openxmlformats.org/presentationml/2006/main" xmlns:r="http://schemas.openxmlformats.org/officeDocument/2006/relationships" xmlns:p14="http://schemas.microsoft.com/office/powerpoint/2010/main" xmlns:p15="http://schemas.microsoft.com/office/powerpoint/2012/main" xmlns:mc="http://schemas.openxmlformats.org/markup-compatibility/2006" type="twoObjOverTx" preserve="1">
+  <p:cSld name="Title, 2 Content over Content">
+    <p:spTree>
+      <p:nvGrpSpPr>
+        <p:cNvPr id="1" name=""/>
+        <p:cNvGrpSpPr/>
+        <p:nvPr/>
+      </p:nvGrpSpPr>
+      <p:grpSpPr>
+        <a:xfrm>
+          <a:off x="0" y="0"/>
+          <a:ext cx="0" cy="0"/>
+          <a:chOff x="0" y="0"/>
+          <a:chExt cx="0" cy="0"/>
+        </a:xfrm>
+      </p:grpSpPr>
+      <p:sp>
+        <p:nvSpPr>
+          <p:cNvPr id="146" name="PlaceHolder 1"/>
+          <p:cNvSpPr>
+            <a:spLocks noGrp="1"/>
+          </p:cNvSpPr>
+          <p:nvPr>
+            <p:ph type="title"/>
+          </p:nvPr>
+        </p:nvSpPr>
+        <p:spPr>
+          <a:xfrm>
+            <a:off x="609480" y="273600"/>
+            <a:ext cx="10972440" cy="1144800"/>
+          </a:xfrm>
+          <a:prstGeom prst="rect">
+            <a:avLst/>
+          </a:prstGeom>
+          <a:noFill/>
+          <a:ln w="0">
+            <a:noFill/>
+          </a:ln>
+        </p:spPr>
+        <p:txBody>
+          <a:bodyPr lIns="0" rIns="0" tIns="0" bIns="0" anchor="ctr">
+            <a:noAutofit/>
+          </a:bodyPr>
+          <a:p>
+            <a:pPr algn="ctr">
+              <a:buNone/>
+            </a:pPr>
+            <a:endParaRPr b="0" lang="hr-HR" sz="4400" spc="-1" strike="noStrike">
+              <a:latin typeface="Arial"/>
+            </a:endParaRPr>
+          </a:p>
+        </p:txBody>
+      </p:sp>
+      <p:sp>
+        <p:nvSpPr>
+          <p:cNvPr id="147" name="PlaceHolder 2"/>
+          <p:cNvSpPr>
+            <a:spLocks noGrp="1"/>
+          </p:cNvSpPr>
+          <p:nvPr>
+            <p:ph/>
+          </p:nvPr>
+        </p:nvSpPr>
+        <p:spPr>
+          <a:xfrm>
+            <a:off x="609480" y="1604520"/>
+            <a:ext cx="5354280" cy="1896840"/>
+          </a:xfrm>
+          <a:prstGeom prst="rect">
+            <a:avLst/>
+          </a:prstGeom>
+          <a:noFill/>
+          <a:ln w="0">
+            <a:noFill/>
+          </a:ln>
+        </p:spPr>
+        <p:txBody>
+          <a:bodyPr lIns="0" rIns="0" tIns="0" bIns="0" anchor="t">
+            <a:normAutofit/>
+          </a:bodyPr>
+          <a:p>
+            <a:endParaRPr b="0" lang="hr-HR" sz="3200" spc="-1" strike="noStrike">
+              <a:latin typeface="Arial"/>
+            </a:endParaRPr>
+          </a:p>
+        </p:txBody>
+      </p:sp>
+      <p:sp>
+        <p:nvSpPr>
+          <p:cNvPr id="148" name="PlaceHolder 3"/>
+          <p:cNvSpPr>
+            <a:spLocks noGrp="1"/>
+          </p:cNvSpPr>
+          <p:nvPr>
+            <p:ph/>
+          </p:nvPr>
+        </p:nvSpPr>
+        <p:spPr>
+          <a:xfrm>
+            <a:off x="6231960" y="1604520"/>
+            <a:ext cx="5354280" cy="1896840"/>
+          </a:xfrm>
+          <a:prstGeom prst="rect">
+            <a:avLst/>
+          </a:prstGeom>
+          <a:noFill/>
+          <a:ln w="0">
+            <a:noFill/>
+          </a:ln>
+        </p:spPr>
+        <p:txBody>
+          <a:bodyPr lIns="0" rIns="0" tIns="0" bIns="0" anchor="t">
+            <a:normAutofit/>
+          </a:bodyPr>
+          <a:p>
+            <a:endParaRPr b="0" lang="hr-HR" sz="3200" spc="-1" strike="noStrike">
+              <a:latin typeface="Arial"/>
+            </a:endParaRPr>
+          </a:p>
+        </p:txBody>
+      </p:sp>
+      <p:sp>
+        <p:nvSpPr>
+          <p:cNvPr id="149" name="PlaceHolder 4"/>
+          <p:cNvSpPr>
+            <a:spLocks noGrp="1"/>
+          </p:cNvSpPr>
+          <p:nvPr>
+            <p:ph/>
+          </p:nvPr>
+        </p:nvSpPr>
+        <p:spPr>
+          <a:xfrm>
+            <a:off x="609480" y="3682080"/>
+            <a:ext cx="10972440" cy="1896840"/>
+          </a:xfrm>
+          <a:prstGeom prst="rect">
+            <a:avLst/>
+          </a:prstGeom>
+          <a:noFill/>
+          <a:ln w="0">
+            <a:noFill/>
+          </a:ln>
+        </p:spPr>
+        <p:txBody>
+          <a:bodyPr lIns="0" rIns="0" tIns="0" bIns="0" anchor="t">
+            <a:normAutofit/>
+          </a:bodyPr>
+          <a:p>
+            <a:endParaRPr b="0" lang="hr-HR" sz="3200" spc="-1" strike="noStrike">
+              <a:latin typeface="Arial"/>
+            </a:endParaRPr>
+          </a:p>
+        </p:txBody>
+      </p:sp>
+      <p:sp>
+        <p:nvSpPr>
+          <p:cNvPr id="6" name="PlaceHolder 5"/>
+          <p:cNvSpPr>
+            <a:spLocks noGrp="1"/>
+          </p:cNvSpPr>
+          <p:nvPr>
+            <p:ph type="ftr" idx="10"/>
+          </p:nvPr>
+        </p:nvSpPr>
+        <p:spPr/>
+        <p:txBody>
+          <a:bodyPr/>
+          <a:p>
+            <a:r>
+              <a:t>Footer</a:t>
+            </a:r>
+          </a:p>
+        </p:txBody>
+      </p:sp>
+      <p:sp>
+        <p:nvSpPr>
+          <p:cNvPr id="7" name="PlaceHolder 6"/>
+          <p:cNvSpPr>
+            <a:spLocks noGrp="1"/>
+          </p:cNvSpPr>
+          <p:nvPr>
+            <p:ph type="sldNum" idx="11"/>
+          </p:nvPr>
+        </p:nvSpPr>
+        <p:spPr/>
+        <p:txBody>
+          <a:bodyPr/>
+          <a:p>
+            <a:fld id="{DE7CA5CD-E571-47F5-8D28-74FC7933BBC3}" type="slidenum">
+              <a:t>&lt;#&gt;</a:t>
+            </a:fld>
+          </a:p>
+        </p:txBody>
+      </p:sp>
+      <p:sp>
+        <p:nvSpPr>
+          <p:cNvPr id="8" name="PlaceHolder 7"/>
+          <p:cNvSpPr>
+            <a:spLocks noGrp="1"/>
+          </p:cNvSpPr>
+          <p:nvPr>
+            <p:ph type="dt" idx="12"/>
+          </p:nvPr>
+        </p:nvSpPr>
+        <p:spPr/>
+        <p:txBody>
+          <a:bodyPr/>
+          <a:p>
+            <a:r>
+              <a:rPr lang="hr-HR"/>
+              <a:t/>
+            </a:r>
+          </a:p>
+        </p:txBody>
+      </p:sp>
+    </p:spTree>
+  </p:cSld>
+</p:sldLayout>
+</file>
+
+<file path=ppt/slideLayouts/slideLayout46.xml><?xml version="1.0" encoding="utf-8"?>
+<p:sldLayout xmlns:a="http://schemas.openxmlformats.org/drawingml/2006/main" xmlns:p="http://schemas.openxmlformats.org/presentationml/2006/main" xmlns:r="http://schemas.openxmlformats.org/officeDocument/2006/relationships" xmlns:p14="http://schemas.microsoft.com/office/powerpoint/2010/main" xmlns:p15="http://schemas.microsoft.com/office/powerpoint/2012/main" xmlns:mc="http://schemas.openxmlformats.org/markup-compatibility/2006" type="objOverTx" preserve="1">
+  <p:cSld name="Title, Content over Content">
+    <p:spTree>
+      <p:nvGrpSpPr>
+        <p:cNvPr id="1" name=""/>
+        <p:cNvGrpSpPr/>
+        <p:nvPr/>
+      </p:nvGrpSpPr>
+      <p:grpSpPr>
+        <a:xfrm>
+          <a:off x="0" y="0"/>
+          <a:ext cx="0" cy="0"/>
+          <a:chOff x="0" y="0"/>
+          <a:chExt cx="0" cy="0"/>
+        </a:xfrm>
+      </p:grpSpPr>
+      <p:sp>
+        <p:nvSpPr>
+          <p:cNvPr id="150" name="PlaceHolder 1"/>
+          <p:cNvSpPr>
+            <a:spLocks noGrp="1"/>
+          </p:cNvSpPr>
+          <p:nvPr>
+            <p:ph type="title"/>
+          </p:nvPr>
+        </p:nvSpPr>
+        <p:spPr>
+          <a:xfrm>
+            <a:off x="609480" y="273600"/>
+            <a:ext cx="10972440" cy="1144800"/>
+          </a:xfrm>
+          <a:prstGeom prst="rect">
+            <a:avLst/>
+          </a:prstGeom>
+          <a:noFill/>
+          <a:ln w="0">
+            <a:noFill/>
+          </a:ln>
+        </p:spPr>
+        <p:txBody>
+          <a:bodyPr lIns="0" rIns="0" tIns="0" bIns="0" anchor="ctr">
+            <a:noAutofit/>
+          </a:bodyPr>
+          <a:p>
+            <a:pPr algn="ctr">
+              <a:buNone/>
+            </a:pPr>
+            <a:endParaRPr b="0" lang="hr-HR" sz="4400" spc="-1" strike="noStrike">
+              <a:latin typeface="Arial"/>
+            </a:endParaRPr>
+          </a:p>
+        </p:txBody>
+      </p:sp>
+      <p:sp>
+        <p:nvSpPr>
+          <p:cNvPr id="151" name="PlaceHolder 2"/>
+          <p:cNvSpPr>
+            <a:spLocks noGrp="1"/>
+          </p:cNvSpPr>
+          <p:nvPr>
+            <p:ph/>
+          </p:nvPr>
+        </p:nvSpPr>
+        <p:spPr>
+          <a:xfrm>
+            <a:off x="609480" y="1604520"/>
+            <a:ext cx="10972440" cy="1896840"/>
+          </a:xfrm>
+          <a:prstGeom prst="rect">
+            <a:avLst/>
+          </a:prstGeom>
+          <a:noFill/>
+          <a:ln w="0">
+            <a:noFill/>
+          </a:ln>
+        </p:spPr>
+        <p:txBody>
+          <a:bodyPr lIns="0" rIns="0" tIns="0" bIns="0" anchor="t">
+            <a:normAutofit/>
+          </a:bodyPr>
+          <a:p>
+            <a:endParaRPr b="0" lang="hr-HR" sz="3200" spc="-1" strike="noStrike">
+              <a:latin typeface="Arial"/>
+            </a:endParaRPr>
+          </a:p>
+        </p:txBody>
+      </p:sp>
+      <p:sp>
+        <p:nvSpPr>
+          <p:cNvPr id="152" name="PlaceHolder 3"/>
+          <p:cNvSpPr>
+            <a:spLocks noGrp="1"/>
+          </p:cNvSpPr>
+          <p:nvPr>
+            <p:ph/>
+          </p:nvPr>
+        </p:nvSpPr>
+        <p:spPr>
+          <a:xfrm>
+            <a:off x="609480" y="3682080"/>
+            <a:ext cx="10972440" cy="1896840"/>
+          </a:xfrm>
+          <a:prstGeom prst="rect">
+            <a:avLst/>
+          </a:prstGeom>
+          <a:noFill/>
+          <a:ln w="0">
+            <a:noFill/>
+          </a:ln>
+        </p:spPr>
+        <p:txBody>
+          <a:bodyPr lIns="0" rIns="0" tIns="0" bIns="0" anchor="t">
+            <a:normAutofit/>
+          </a:bodyPr>
+          <a:p>
+            <a:endParaRPr b="0" lang="hr-HR" sz="3200" spc="-1" strike="noStrike">
+              <a:latin typeface="Arial"/>
+            </a:endParaRPr>
+          </a:p>
+        </p:txBody>
+      </p:sp>
+      <p:sp>
+        <p:nvSpPr>
+          <p:cNvPr id="5" name="PlaceHolder 4"/>
+          <p:cNvSpPr>
+            <a:spLocks noGrp="1"/>
+          </p:cNvSpPr>
+          <p:nvPr>
+            <p:ph type="ftr" idx="10"/>
+          </p:nvPr>
+        </p:nvSpPr>
+        <p:spPr/>
+        <p:txBody>
+          <a:bodyPr/>
+          <a:p>
+            <a:r>
+              <a:t>Footer</a:t>
+            </a:r>
+          </a:p>
+        </p:txBody>
+      </p:sp>
+      <p:sp>
+        <p:nvSpPr>
+          <p:cNvPr id="6" name="PlaceHolder 5"/>
+          <p:cNvSpPr>
+            <a:spLocks noGrp="1"/>
+          </p:cNvSpPr>
+          <p:nvPr>
+            <p:ph type="sldNum" idx="11"/>
+          </p:nvPr>
+        </p:nvSpPr>
+        <p:spPr/>
+        <p:txBody>
+          <a:bodyPr/>
+          <a:p>
+            <a:fld id="{F687E383-F74B-42A3-909F-A2A9A1CE69FD}" type="slidenum">
+              <a:t>&lt;#&gt;</a:t>
+            </a:fld>
+          </a:p>
+        </p:txBody>
+      </p:sp>
+      <p:sp>
+        <p:nvSpPr>
+          <p:cNvPr id="7" name="PlaceHolder 6"/>
+          <p:cNvSpPr>
+            <a:spLocks noGrp="1"/>
+          </p:cNvSpPr>
+          <p:nvPr>
+            <p:ph type="dt" idx="12"/>
+          </p:nvPr>
+        </p:nvSpPr>
+        <p:spPr/>
+        <p:txBody>
+          <a:bodyPr/>
+          <a:p>
+            <a:r>
+              <a:rPr lang="hr-HR"/>
+              <a:t/>
+            </a:r>
+          </a:p>
+        </p:txBody>
+      </p:sp>
+    </p:spTree>
+  </p:cSld>
+</p:sldLayout>
+</file>
+
+<file path=ppt/slideLayouts/slideLayout47.xml><?xml version="1.0" encoding="utf-8"?>
+<p:sldLayout xmlns:a="http://schemas.openxmlformats.org/drawingml/2006/main" xmlns:p="http://schemas.openxmlformats.org/presentationml/2006/main" xmlns:r="http://schemas.openxmlformats.org/officeDocument/2006/relationships" xmlns:p14="http://schemas.microsoft.com/office/powerpoint/2010/main" xmlns:p15="http://schemas.microsoft.com/office/powerpoint/2012/main" xmlns:mc="http://schemas.openxmlformats.org/markup-compatibility/2006" type="fourObj" preserve="1">
+  <p:cSld name="Title, 4 Content">
+    <p:spTree>
+      <p:nvGrpSpPr>
+        <p:cNvPr id="1" name=""/>
+        <p:cNvGrpSpPr/>
+        <p:nvPr/>
+      </p:nvGrpSpPr>
+      <p:grpSpPr>
+        <a:xfrm>
+          <a:off x="0" y="0"/>
+          <a:ext cx="0" cy="0"/>
+          <a:chOff x="0" y="0"/>
+          <a:chExt cx="0" cy="0"/>
+        </a:xfrm>
+      </p:grpSpPr>
+      <p:sp>
+        <p:nvSpPr>
+          <p:cNvPr id="153" name="PlaceHolder 1"/>
+          <p:cNvSpPr>
+            <a:spLocks noGrp="1"/>
+          </p:cNvSpPr>
+          <p:nvPr>
+            <p:ph type="title"/>
+          </p:nvPr>
+        </p:nvSpPr>
+        <p:spPr>
+          <a:xfrm>
+            <a:off x="609480" y="273600"/>
+            <a:ext cx="10972440" cy="1144800"/>
+          </a:xfrm>
+          <a:prstGeom prst="rect">
+            <a:avLst/>
+          </a:prstGeom>
+          <a:noFill/>
+          <a:ln w="0">
+            <a:noFill/>
+          </a:ln>
+        </p:spPr>
+        <p:txBody>
+          <a:bodyPr lIns="0" rIns="0" tIns="0" bIns="0" anchor="ctr">
+            <a:noAutofit/>
+          </a:bodyPr>
+          <a:p>
+            <a:pPr algn="ctr">
+              <a:buNone/>
+            </a:pPr>
+            <a:endParaRPr b="0" lang="hr-HR" sz="4400" spc="-1" strike="noStrike">
+              <a:latin typeface="Arial"/>
+            </a:endParaRPr>
+          </a:p>
+        </p:txBody>
+      </p:sp>
+      <p:sp>
+        <p:nvSpPr>
+          <p:cNvPr id="154" name="PlaceHolder 2"/>
+          <p:cNvSpPr>
+            <a:spLocks noGrp="1"/>
+          </p:cNvSpPr>
+          <p:nvPr>
+            <p:ph/>
+          </p:nvPr>
+        </p:nvSpPr>
+        <p:spPr>
+          <a:xfrm>
+            <a:off x="609480" y="1604520"/>
+            <a:ext cx="5354280" cy="1896840"/>
+          </a:xfrm>
+          <a:prstGeom prst="rect">
+            <a:avLst/>
+          </a:prstGeom>
+          <a:noFill/>
+          <a:ln w="0">
+            <a:noFill/>
+          </a:ln>
+        </p:spPr>
+        <p:txBody>
+          <a:bodyPr lIns="0" rIns="0" tIns="0" bIns="0" anchor="t">
+            <a:normAutofit/>
+          </a:bodyPr>
+          <a:p>
+            <a:endParaRPr b="0" lang="hr-HR" sz="3200" spc="-1" strike="noStrike">
+              <a:latin typeface="Arial"/>
+            </a:endParaRPr>
+          </a:p>
+        </p:txBody>
+      </p:sp>
+      <p:sp>
+        <p:nvSpPr>
+          <p:cNvPr id="155" name="PlaceHolder 3"/>
+          <p:cNvSpPr>
+            <a:spLocks noGrp="1"/>
+          </p:cNvSpPr>
+          <p:nvPr>
+            <p:ph/>
+          </p:nvPr>
+        </p:nvSpPr>
+        <p:spPr>
+          <a:xfrm>
+            <a:off x="6231960" y="1604520"/>
+            <a:ext cx="5354280" cy="1896840"/>
+          </a:xfrm>
+          <a:prstGeom prst="rect">
+            <a:avLst/>
+          </a:prstGeom>
+          <a:noFill/>
+          <a:ln w="0">
+            <a:noFill/>
+          </a:ln>
+        </p:spPr>
+        <p:txBody>
+          <a:bodyPr lIns="0" rIns="0" tIns="0" bIns="0" anchor="t">
+            <a:normAutofit/>
+          </a:bodyPr>
+          <a:p>
+            <a:endParaRPr b="0" lang="hr-HR" sz="3200" spc="-1" strike="noStrike">
+              <a:latin typeface="Arial"/>
+            </a:endParaRPr>
+          </a:p>
+        </p:txBody>
+      </p:sp>
+      <p:sp>
+        <p:nvSpPr>
+          <p:cNvPr id="156" name="PlaceHolder 4"/>
+          <p:cNvSpPr>
+            <a:spLocks noGrp="1"/>
+          </p:cNvSpPr>
+          <p:nvPr>
+            <p:ph/>
+          </p:nvPr>
+        </p:nvSpPr>
+        <p:spPr>
+          <a:xfrm>
+            <a:off x="609480" y="3682080"/>
+            <a:ext cx="5354280" cy="1896840"/>
+          </a:xfrm>
+          <a:prstGeom prst="rect">
+            <a:avLst/>
+          </a:prstGeom>
+          <a:noFill/>
+          <a:ln w="0">
+            <a:noFill/>
+          </a:ln>
+        </p:spPr>
+        <p:txBody>
+          <a:bodyPr lIns="0" rIns="0" tIns="0" bIns="0" anchor="t">
+            <a:normAutofit/>
+          </a:bodyPr>
+          <a:p>
+            <a:endParaRPr b="0" lang="hr-HR" sz="3200" spc="-1" strike="noStrike">
+              <a:latin typeface="Arial"/>
+            </a:endParaRPr>
+          </a:p>
+        </p:txBody>
+      </p:sp>
+      <p:sp>
+        <p:nvSpPr>
+          <p:cNvPr id="157" name="PlaceHolder 5"/>
+          <p:cNvSpPr>
+            <a:spLocks noGrp="1"/>
+          </p:cNvSpPr>
+          <p:nvPr>
+            <p:ph/>
+          </p:nvPr>
+        </p:nvSpPr>
+        <p:spPr>
+          <a:xfrm>
+            <a:off x="6231960" y="3682080"/>
+            <a:ext cx="5354280" cy="1896840"/>
+          </a:xfrm>
+          <a:prstGeom prst="rect">
+            <a:avLst/>
+          </a:prstGeom>
+          <a:noFill/>
+          <a:ln w="0">
+            <a:noFill/>
+          </a:ln>
+        </p:spPr>
+        <p:txBody>
+          <a:bodyPr lIns="0" rIns="0" tIns="0" bIns="0" anchor="t">
+            <a:normAutofit/>
+          </a:bodyPr>
+          <a:p>
+            <a:endParaRPr b="0" lang="hr-HR" sz="3200" spc="-1" strike="noStrike">
+              <a:latin typeface="Arial"/>
+            </a:endParaRPr>
+          </a:p>
+        </p:txBody>
+      </p:sp>
+      <p:sp>
+        <p:nvSpPr>
+          <p:cNvPr id="7" name="PlaceHolder 6"/>
+          <p:cNvSpPr>
+            <a:spLocks noGrp="1"/>
+          </p:cNvSpPr>
+          <p:nvPr>
+            <p:ph type="ftr" idx="10"/>
+          </p:nvPr>
+        </p:nvSpPr>
+        <p:spPr/>
+        <p:txBody>
+          <a:bodyPr/>
+          <a:p>
+            <a:r>
+              <a:t>Footer</a:t>
+            </a:r>
+          </a:p>
+        </p:txBody>
+      </p:sp>
+      <p:sp>
+        <p:nvSpPr>
+          <p:cNvPr id="8" name="PlaceHolder 7"/>
+          <p:cNvSpPr>
+            <a:spLocks noGrp="1"/>
+          </p:cNvSpPr>
+          <p:nvPr>
+            <p:ph type="sldNum" idx="11"/>
+          </p:nvPr>
+        </p:nvSpPr>
+        <p:spPr/>
+        <p:txBody>
+          <a:bodyPr/>
+          <a:p>
+            <a:fld id="{5FCC1977-2F01-471A-9A73-4B79F1D020CF}" type="slidenum">
+              <a:t>&lt;#&gt;</a:t>
+            </a:fld>
+          </a:p>
+        </p:txBody>
+      </p:sp>
+      <p:sp>
+        <p:nvSpPr>
+          <p:cNvPr id="9" name="PlaceHolder 8"/>
+          <p:cNvSpPr>
+            <a:spLocks noGrp="1"/>
+          </p:cNvSpPr>
+          <p:nvPr>
+            <p:ph type="dt" idx="12"/>
+          </p:nvPr>
+        </p:nvSpPr>
+        <p:spPr/>
+        <p:txBody>
+          <a:bodyPr/>
+          <a:p>
+            <a:r>
+              <a:rPr lang="hr-HR"/>
+              <a:t/>
+            </a:r>
+          </a:p>
+        </p:txBody>
+      </p:sp>
+    </p:spTree>
+  </p:cSld>
+</p:sldLayout>
+</file>
+
+<file path=ppt/slideLayouts/slideLayout48.xml><?xml version="1.0" encoding="utf-8"?>
+<p:sldLayout xmlns:a="http://schemas.openxmlformats.org/drawingml/2006/main" xmlns:p="http://schemas.openxmlformats.org/presentationml/2006/main" xmlns:r="http://schemas.openxmlformats.org/officeDocument/2006/relationships" xmlns:p14="http://schemas.microsoft.com/office/powerpoint/2010/main" xmlns:p15="http://schemas.microsoft.com/office/powerpoint/2012/main" xmlns:mc="http://schemas.openxmlformats.org/markup-compatibility/2006" type="blank" preserve="1">
+  <p:cSld name="Title, 6 Content">
+    <p:spTree>
+      <p:nvGrpSpPr>
+        <p:cNvPr id="1" name=""/>
+        <p:cNvGrpSpPr/>
+        <p:nvPr/>
+      </p:nvGrpSpPr>
+      <p:grpSpPr>
+        <a:xfrm>
+          <a:off x="0" y="0"/>
+          <a:ext cx="0" cy="0"/>
+          <a:chOff x="0" y="0"/>
+          <a:chExt cx="0" cy="0"/>
+        </a:xfrm>
+      </p:grpSpPr>
+      <p:sp>
+        <p:nvSpPr>
+          <p:cNvPr id="158" name="PlaceHolder 1"/>
+          <p:cNvSpPr>
+            <a:spLocks noGrp="1"/>
+          </p:cNvSpPr>
+          <p:nvPr>
+            <p:ph type="title"/>
+          </p:nvPr>
+        </p:nvSpPr>
+        <p:spPr>
+          <a:xfrm>
+            <a:off x="609480" y="273600"/>
+            <a:ext cx="10972440" cy="1144800"/>
+          </a:xfrm>
+          <a:prstGeom prst="rect">
+            <a:avLst/>
+          </a:prstGeom>
+          <a:noFill/>
+          <a:ln w="0">
+            <a:noFill/>
+          </a:ln>
+        </p:spPr>
+        <p:txBody>
+          <a:bodyPr lIns="0" rIns="0" tIns="0" bIns="0" anchor="ctr">
+            <a:noAutofit/>
+          </a:bodyPr>
+          <a:p>
+            <a:pPr algn="ctr">
+              <a:buNone/>
+            </a:pPr>
+            <a:endParaRPr b="0" lang="hr-HR" sz="4400" spc="-1" strike="noStrike">
+              <a:latin typeface="Arial"/>
+            </a:endParaRPr>
+          </a:p>
+        </p:txBody>
+      </p:sp>
+      <p:sp>
+        <p:nvSpPr>
+          <p:cNvPr id="159" name="PlaceHolder 2"/>
+          <p:cNvSpPr>
+            <a:spLocks noGrp="1"/>
+          </p:cNvSpPr>
+          <p:nvPr>
+            <p:ph/>
+          </p:nvPr>
+        </p:nvSpPr>
+        <p:spPr>
+          <a:xfrm>
+            <a:off x="609480" y="1604520"/>
+            <a:ext cx="3533040" cy="1896840"/>
+          </a:xfrm>
+          <a:prstGeom prst="rect">
+            <a:avLst/>
+          </a:prstGeom>
+          <a:noFill/>
+          <a:ln w="0">
+            <a:noFill/>
+          </a:ln>
+        </p:spPr>
+        <p:txBody>
+          <a:bodyPr lIns="0" rIns="0" tIns="0" bIns="0" anchor="t">
+            <a:normAutofit/>
+          </a:bodyPr>
+          <a:p>
+            <a:endParaRPr b="0" lang="hr-HR" sz="3200" spc="-1" strike="noStrike">
+              <a:latin typeface="Arial"/>
+            </a:endParaRPr>
+          </a:p>
+        </p:txBody>
+      </p:sp>
+      <p:sp>
+        <p:nvSpPr>
+          <p:cNvPr id="160" name="PlaceHolder 3"/>
+          <p:cNvSpPr>
+            <a:spLocks noGrp="1"/>
+          </p:cNvSpPr>
+          <p:nvPr>
+            <p:ph/>
+          </p:nvPr>
+        </p:nvSpPr>
+        <p:spPr>
+          <a:xfrm>
+            <a:off x="4319640" y="1604520"/>
+            <a:ext cx="3533040" cy="1896840"/>
+          </a:xfrm>
+          <a:prstGeom prst="rect">
+            <a:avLst/>
+          </a:prstGeom>
+          <a:noFill/>
+          <a:ln w="0">
+            <a:noFill/>
+          </a:ln>
+        </p:spPr>
+        <p:txBody>
+          <a:bodyPr lIns="0" rIns="0" tIns="0" bIns="0" anchor="t">
+            <a:normAutofit/>
+          </a:bodyPr>
+          <a:p>
+            <a:endParaRPr b="0" lang="hr-HR" sz="3200" spc="-1" strike="noStrike">
+              <a:latin typeface="Arial"/>
+            </a:endParaRPr>
+          </a:p>
+        </p:txBody>
+      </p:sp>
+      <p:sp>
+        <p:nvSpPr>
+          <p:cNvPr id="161" name="PlaceHolder 4"/>
+          <p:cNvSpPr>
+            <a:spLocks noGrp="1"/>
+          </p:cNvSpPr>
+          <p:nvPr>
+            <p:ph/>
+          </p:nvPr>
+        </p:nvSpPr>
+        <p:spPr>
+          <a:xfrm>
+            <a:off x="8029800" y="1604520"/>
+            <a:ext cx="3533040" cy="1896840"/>
+          </a:xfrm>
+          <a:prstGeom prst="rect">
+            <a:avLst/>
+          </a:prstGeom>
+          <a:noFill/>
+          <a:ln w="0">
+            <a:noFill/>
+          </a:ln>
+        </p:spPr>
+        <p:txBody>
+          <a:bodyPr lIns="0" rIns="0" tIns="0" bIns="0" anchor="t">
+            <a:normAutofit/>
+          </a:bodyPr>
+          <a:p>
+            <a:endParaRPr b="0" lang="hr-HR" sz="3200" spc="-1" strike="noStrike">
+              <a:latin typeface="Arial"/>
+            </a:endParaRPr>
+          </a:p>
+        </p:txBody>
+      </p:sp>
+      <p:sp>
+        <p:nvSpPr>
+          <p:cNvPr id="162" name="PlaceHolder 5"/>
+          <p:cNvSpPr>
+            <a:spLocks noGrp="1"/>
+          </p:cNvSpPr>
+          <p:nvPr>
+            <p:ph/>
+          </p:nvPr>
+        </p:nvSpPr>
+        <p:spPr>
+          <a:xfrm>
+            <a:off x="609480" y="3682080"/>
+            <a:ext cx="3533040" cy="1896840"/>
+          </a:xfrm>
+          <a:prstGeom prst="rect">
+            <a:avLst/>
+          </a:prstGeom>
+          <a:noFill/>
+          <a:ln w="0">
+            <a:noFill/>
+          </a:ln>
+        </p:spPr>
+        <p:txBody>
+          <a:bodyPr lIns="0" rIns="0" tIns="0" bIns="0" anchor="t">
+            <a:normAutofit/>
+          </a:bodyPr>
+          <a:p>
+            <a:endParaRPr b="0" lang="hr-HR" sz="3200" spc="-1" strike="noStrike">
+              <a:latin typeface="Arial"/>
+            </a:endParaRPr>
+          </a:p>
+        </p:txBody>
+      </p:sp>
+      <p:sp>
+        <p:nvSpPr>
+          <p:cNvPr id="163" name="PlaceHolder 6"/>
+          <p:cNvSpPr>
+            <a:spLocks noGrp="1"/>
+          </p:cNvSpPr>
+          <p:nvPr>
+            <p:ph/>
+          </p:nvPr>
+        </p:nvSpPr>
+        <p:spPr>
+          <a:xfrm>
+            <a:off x="4319640" y="3682080"/>
+            <a:ext cx="3533040" cy="1896840"/>
+          </a:xfrm>
+          <a:prstGeom prst="rect">
+            <a:avLst/>
+          </a:prstGeom>
+          <a:noFill/>
+          <a:ln w="0">
+            <a:noFill/>
+          </a:ln>
+        </p:spPr>
+        <p:txBody>
+          <a:bodyPr lIns="0" rIns="0" tIns="0" bIns="0" anchor="t">
+            <a:normAutofit/>
+          </a:bodyPr>
+          <a:p>
+            <a:endParaRPr b="0" lang="hr-HR" sz="3200" spc="-1" strike="noStrike">
+              <a:latin typeface="Arial"/>
+            </a:endParaRPr>
+          </a:p>
+        </p:txBody>
+      </p:sp>
+      <p:sp>
+        <p:nvSpPr>
+          <p:cNvPr id="164" name="PlaceHolder 7"/>
+          <p:cNvSpPr>
+            <a:spLocks noGrp="1"/>
+          </p:cNvSpPr>
+          <p:nvPr>
+            <p:ph/>
+          </p:nvPr>
+        </p:nvSpPr>
+        <p:spPr>
+          <a:xfrm>
+            <a:off x="8029800" y="3682080"/>
+            <a:ext cx="3533040" cy="1896840"/>
+          </a:xfrm>
+          <a:prstGeom prst="rect">
+            <a:avLst/>
+          </a:prstGeom>
+          <a:noFill/>
+          <a:ln w="0">
+            <a:noFill/>
+          </a:ln>
+        </p:spPr>
+        <p:txBody>
+          <a:bodyPr lIns="0" rIns="0" tIns="0" bIns="0" anchor="t">
+            <a:normAutofit/>
+          </a:bodyPr>
+          <a:p>
+            <a:endParaRPr b="0" lang="hr-HR" sz="3200" spc="-1" strike="noStrike">
+              <a:latin typeface="Arial"/>
+            </a:endParaRPr>
+          </a:p>
+        </p:txBody>
+      </p:sp>
+      <p:sp>
+        <p:nvSpPr>
+          <p:cNvPr id="9" name="PlaceHolder 8"/>
+          <p:cNvSpPr>
+            <a:spLocks noGrp="1"/>
+          </p:cNvSpPr>
+          <p:nvPr>
+            <p:ph type="ftr" idx="10"/>
+          </p:nvPr>
+        </p:nvSpPr>
+        <p:spPr/>
+        <p:txBody>
+          <a:bodyPr/>
+          <a:p>
+            <a:r>
+              <a:t>Footer</a:t>
+            </a:r>
+          </a:p>
+        </p:txBody>
+      </p:sp>
+      <p:sp>
+        <p:nvSpPr>
+          <p:cNvPr id="10" name="PlaceHolder 9"/>
+          <p:cNvSpPr>
+            <a:spLocks noGrp="1"/>
+          </p:cNvSpPr>
+          <p:nvPr>
+            <p:ph type="sldNum" idx="11"/>
+          </p:nvPr>
+        </p:nvSpPr>
+        <p:spPr/>
+        <p:txBody>
+          <a:bodyPr/>
+          <a:p>
+            <a:fld id="{A6924973-CE9C-48FF-8F82-2E645D5486CD}" type="slidenum">
+              <a:t>&lt;#&gt;</a:t>
+            </a:fld>
+          </a:p>
+        </p:txBody>
+      </p:sp>
+      <p:sp>
+        <p:nvSpPr>
+          <p:cNvPr id="11" name="PlaceHolder 10"/>
+          <p:cNvSpPr>
+            <a:spLocks noGrp="1"/>
+          </p:cNvSpPr>
+          <p:nvPr>
+            <p:ph type="dt" idx="12"/>
+          </p:nvPr>
+        </p:nvSpPr>
+        <p:spPr/>
+        <p:txBody>
+          <a:bodyPr/>
+          <a:p>
+            <a:r>
+              <a:rPr lang="hr-HR"/>
+              <a:t/>
+            </a:r>
+          </a:p>
+        </p:txBody>
+      </p:sp>
+    </p:spTree>
+  </p:cSld>
+</p:sldLayout>
+</file>
+
+<file path=ppt/slideLayouts/slideLayout49.xml><?xml version="1.0" encoding="utf-8"?>
+<p:sldLayout xmlns:a="http://schemas.openxmlformats.org/drawingml/2006/main" xmlns:p="http://schemas.openxmlformats.org/presentationml/2006/main" xmlns:r="http://schemas.openxmlformats.org/officeDocument/2006/relationships" xmlns:p14="http://schemas.microsoft.com/office/powerpoint/2010/main" xmlns:p15="http://schemas.microsoft.com/office/powerpoint/2012/main" xmlns:mc="http://schemas.openxmlformats.org/markup-compatibility/2006" type="blank" preserve="1">
+  <p:cSld name="Blank Slide">
+    <p:spTree>
+      <p:nvGrpSpPr>
+        <p:cNvPr id="1" name=""/>
+        <p:cNvGrpSpPr/>
+        <p:nvPr/>
+      </p:nvGrpSpPr>
+      <p:grpSpPr>
+        <a:xfrm>
+          <a:off x="0" y="0"/>
+          <a:ext cx="0" cy="0"/>
+          <a:chOff x="0" y="0"/>
+          <a:chExt cx="0" cy="0"/>
+        </a:xfrm>
+      </p:grpSpPr>
+      <p:sp>
+        <p:nvSpPr>
+          <p:cNvPr id="2" name="PlaceHolder 1"/>
+          <p:cNvSpPr>
+            <a:spLocks noGrp="1"/>
+          </p:cNvSpPr>
+          <p:nvPr>
+            <p:ph type="ftr" idx="13"/>
+          </p:nvPr>
+        </p:nvSpPr>
+        <p:spPr/>
+        <p:txBody>
+          <a:bodyPr/>
+          <a:p>
+            <a:r>
+              <a:t>Footer</a:t>
+            </a:r>
+          </a:p>
+        </p:txBody>
+      </p:sp>
+      <p:sp>
+        <p:nvSpPr>
+          <p:cNvPr id="3" name="PlaceHolder 2"/>
+          <p:cNvSpPr>
+            <a:spLocks noGrp="1"/>
+          </p:cNvSpPr>
+          <p:nvPr>
+            <p:ph type="sldNum" idx="14"/>
+          </p:nvPr>
+        </p:nvSpPr>
+        <p:spPr/>
+        <p:txBody>
+          <a:bodyPr/>
+          <a:p>
+            <a:fld id="{32002EFB-F6DE-482C-B2CC-A949C963D7EB}" type="slidenum">
+              <a:t>&lt;#&gt;</a:t>
+            </a:fld>
+          </a:p>
+        </p:txBody>
+      </p:sp>
+      <p:sp>
+        <p:nvSpPr>
+          <p:cNvPr id="4" name="PlaceHolder 3"/>
+          <p:cNvSpPr>
+            <a:spLocks noGrp="1"/>
+          </p:cNvSpPr>
+          <p:nvPr>
+            <p:ph type="dt" idx="15"/>
           </p:nvPr>
         </p:nvSpPr>
         <p:spPr/>
@@ -5975,7 +8317,7 @@
         <p:txBody>
           <a:bodyPr/>
           <a:p>
-            <a:fld id="{3AEC18DD-4FE3-49AB-8CAA-EC5802143A74}" type="slidenum">
+            <a:fld id="{BC4BA0A8-7FB0-4A2C-9E44-8CE97CB8BCD8}" type="slidenum">
               <a:t>&lt;#&gt;</a:t>
             </a:fld>
           </a:p>
@@ -5989,6 +8331,1855 @@
           </p:cNvSpPr>
           <p:nvPr>
             <p:ph type="dt" idx="3"/>
+          </p:nvPr>
+        </p:nvSpPr>
+        <p:spPr/>
+        <p:txBody>
+          <a:bodyPr/>
+          <a:p>
+            <a:r>
+              <a:rPr lang="hr-HR"/>
+              <a:t/>
+            </a:r>
+          </a:p>
+        </p:txBody>
+      </p:sp>
+    </p:spTree>
+  </p:cSld>
+</p:sldLayout>
+</file>
+
+<file path=ppt/slideLayouts/slideLayout50.xml><?xml version="1.0" encoding="utf-8"?>
+<p:sldLayout xmlns:a="http://schemas.openxmlformats.org/drawingml/2006/main" xmlns:p="http://schemas.openxmlformats.org/presentationml/2006/main" xmlns:r="http://schemas.openxmlformats.org/officeDocument/2006/relationships" xmlns:p14="http://schemas.microsoft.com/office/powerpoint/2010/main" xmlns:p15="http://schemas.microsoft.com/office/powerpoint/2012/main" xmlns:mc="http://schemas.openxmlformats.org/markup-compatibility/2006" type="tx" preserve="1">
+  <p:cSld name="Title Slide">
+    <p:spTree>
+      <p:nvGrpSpPr>
+        <p:cNvPr id="1" name=""/>
+        <p:cNvGrpSpPr/>
+        <p:nvPr/>
+      </p:nvGrpSpPr>
+      <p:grpSpPr>
+        <a:xfrm>
+          <a:off x="0" y="0"/>
+          <a:ext cx="0" cy="0"/>
+          <a:chOff x="0" y="0"/>
+          <a:chExt cx="0" cy="0"/>
+        </a:xfrm>
+      </p:grpSpPr>
+      <p:sp>
+        <p:nvSpPr>
+          <p:cNvPr id="170" name="PlaceHolder 1"/>
+          <p:cNvSpPr>
+            <a:spLocks noGrp="1"/>
+          </p:cNvSpPr>
+          <p:nvPr>
+            <p:ph type="title"/>
+          </p:nvPr>
+        </p:nvSpPr>
+        <p:spPr>
+          <a:xfrm>
+            <a:off x="609480" y="273600"/>
+            <a:ext cx="10972440" cy="1144800"/>
+          </a:xfrm>
+          <a:prstGeom prst="rect">
+            <a:avLst/>
+          </a:prstGeom>
+          <a:noFill/>
+          <a:ln w="0">
+            <a:noFill/>
+          </a:ln>
+        </p:spPr>
+        <p:txBody>
+          <a:bodyPr lIns="0" rIns="0" tIns="0" bIns="0" anchor="ctr">
+            <a:noAutofit/>
+          </a:bodyPr>
+          <a:p>
+            <a:pPr algn="ctr">
+              <a:buNone/>
+            </a:pPr>
+            <a:endParaRPr b="0" lang="hr-HR" sz="4400" spc="-1" strike="noStrike">
+              <a:latin typeface="Arial"/>
+            </a:endParaRPr>
+          </a:p>
+        </p:txBody>
+      </p:sp>
+      <p:sp>
+        <p:nvSpPr>
+          <p:cNvPr id="171" name="PlaceHolder 2"/>
+          <p:cNvSpPr>
+            <a:spLocks noGrp="1"/>
+          </p:cNvSpPr>
+          <p:nvPr>
+            <p:ph type="subTitle"/>
+          </p:nvPr>
+        </p:nvSpPr>
+        <p:spPr>
+          <a:xfrm>
+            <a:off x="609480" y="1604520"/>
+            <a:ext cx="10972440" cy="3977280"/>
+          </a:xfrm>
+          <a:prstGeom prst="rect">
+            <a:avLst/>
+          </a:prstGeom>
+          <a:noFill/>
+          <a:ln w="0">
+            <a:noFill/>
+          </a:ln>
+        </p:spPr>
+        <p:txBody>
+          <a:bodyPr lIns="0" rIns="0" tIns="0" bIns="0" anchor="ctr">
+            <a:noAutofit/>
+          </a:bodyPr>
+          <a:p>
+            <a:pPr algn="ctr">
+              <a:buNone/>
+            </a:pPr>
+            <a:endParaRPr b="0" lang="hr-HR" sz="3200" spc="-1" strike="noStrike">
+              <a:latin typeface="Arial"/>
+            </a:endParaRPr>
+          </a:p>
+        </p:txBody>
+      </p:sp>
+      <p:sp>
+        <p:nvSpPr>
+          <p:cNvPr id="4" name="PlaceHolder 3"/>
+          <p:cNvSpPr>
+            <a:spLocks noGrp="1"/>
+          </p:cNvSpPr>
+          <p:nvPr>
+            <p:ph type="ftr" idx="13"/>
+          </p:nvPr>
+        </p:nvSpPr>
+        <p:spPr/>
+        <p:txBody>
+          <a:bodyPr/>
+          <a:p>
+            <a:r>
+              <a:t>Footer</a:t>
+            </a:r>
+          </a:p>
+        </p:txBody>
+      </p:sp>
+      <p:sp>
+        <p:nvSpPr>
+          <p:cNvPr id="5" name="PlaceHolder 4"/>
+          <p:cNvSpPr>
+            <a:spLocks noGrp="1"/>
+          </p:cNvSpPr>
+          <p:nvPr>
+            <p:ph type="sldNum" idx="14"/>
+          </p:nvPr>
+        </p:nvSpPr>
+        <p:spPr/>
+        <p:txBody>
+          <a:bodyPr/>
+          <a:p>
+            <a:fld id="{91D8D5BB-47CA-4E60-AED5-DBA8FBDD13F7}" type="slidenum">
+              <a:t>&lt;#&gt;</a:t>
+            </a:fld>
+          </a:p>
+        </p:txBody>
+      </p:sp>
+      <p:sp>
+        <p:nvSpPr>
+          <p:cNvPr id="6" name="PlaceHolder 5"/>
+          <p:cNvSpPr>
+            <a:spLocks noGrp="1"/>
+          </p:cNvSpPr>
+          <p:nvPr>
+            <p:ph type="dt" idx="15"/>
+          </p:nvPr>
+        </p:nvSpPr>
+        <p:spPr/>
+        <p:txBody>
+          <a:bodyPr/>
+          <a:p>
+            <a:r>
+              <a:rPr lang="hr-HR"/>
+              <a:t/>
+            </a:r>
+          </a:p>
+        </p:txBody>
+      </p:sp>
+    </p:spTree>
+  </p:cSld>
+</p:sldLayout>
+</file>
+
+<file path=ppt/slideLayouts/slideLayout51.xml><?xml version="1.0" encoding="utf-8"?>
+<p:sldLayout xmlns:a="http://schemas.openxmlformats.org/drawingml/2006/main" xmlns:p="http://schemas.openxmlformats.org/presentationml/2006/main" xmlns:r="http://schemas.openxmlformats.org/officeDocument/2006/relationships" xmlns:p14="http://schemas.microsoft.com/office/powerpoint/2010/main" xmlns:p15="http://schemas.microsoft.com/office/powerpoint/2012/main" xmlns:mc="http://schemas.openxmlformats.org/markup-compatibility/2006" type="obj" preserve="1">
+  <p:cSld name="Title, Content">
+    <p:spTree>
+      <p:nvGrpSpPr>
+        <p:cNvPr id="1" name=""/>
+        <p:cNvGrpSpPr/>
+        <p:nvPr/>
+      </p:nvGrpSpPr>
+      <p:grpSpPr>
+        <a:xfrm>
+          <a:off x="0" y="0"/>
+          <a:ext cx="0" cy="0"/>
+          <a:chOff x="0" y="0"/>
+          <a:chExt cx="0" cy="0"/>
+        </a:xfrm>
+      </p:grpSpPr>
+      <p:sp>
+        <p:nvSpPr>
+          <p:cNvPr id="172" name="PlaceHolder 1"/>
+          <p:cNvSpPr>
+            <a:spLocks noGrp="1"/>
+          </p:cNvSpPr>
+          <p:nvPr>
+            <p:ph type="title"/>
+          </p:nvPr>
+        </p:nvSpPr>
+        <p:spPr>
+          <a:xfrm>
+            <a:off x="609480" y="273600"/>
+            <a:ext cx="10972440" cy="1144800"/>
+          </a:xfrm>
+          <a:prstGeom prst="rect">
+            <a:avLst/>
+          </a:prstGeom>
+          <a:noFill/>
+          <a:ln w="0">
+            <a:noFill/>
+          </a:ln>
+        </p:spPr>
+        <p:txBody>
+          <a:bodyPr lIns="0" rIns="0" tIns="0" bIns="0" anchor="ctr">
+            <a:noAutofit/>
+          </a:bodyPr>
+          <a:p>
+            <a:pPr algn="ctr">
+              <a:buNone/>
+            </a:pPr>
+            <a:endParaRPr b="0" lang="hr-HR" sz="4400" spc="-1" strike="noStrike">
+              <a:latin typeface="Arial"/>
+            </a:endParaRPr>
+          </a:p>
+        </p:txBody>
+      </p:sp>
+      <p:sp>
+        <p:nvSpPr>
+          <p:cNvPr id="173" name="PlaceHolder 2"/>
+          <p:cNvSpPr>
+            <a:spLocks noGrp="1"/>
+          </p:cNvSpPr>
+          <p:nvPr>
+            <p:ph/>
+          </p:nvPr>
+        </p:nvSpPr>
+        <p:spPr>
+          <a:xfrm>
+            <a:off x="609480" y="1604520"/>
+            <a:ext cx="10972440" cy="3977280"/>
+          </a:xfrm>
+          <a:prstGeom prst="rect">
+            <a:avLst/>
+          </a:prstGeom>
+          <a:noFill/>
+          <a:ln w="0">
+            <a:noFill/>
+          </a:ln>
+        </p:spPr>
+        <p:txBody>
+          <a:bodyPr lIns="0" rIns="0" tIns="0" bIns="0" anchor="t">
+            <a:normAutofit/>
+          </a:bodyPr>
+          <a:p>
+            <a:endParaRPr b="0" lang="hr-HR" sz="3200" spc="-1" strike="noStrike">
+              <a:latin typeface="Arial"/>
+            </a:endParaRPr>
+          </a:p>
+        </p:txBody>
+      </p:sp>
+      <p:sp>
+        <p:nvSpPr>
+          <p:cNvPr id="4" name="PlaceHolder 3"/>
+          <p:cNvSpPr>
+            <a:spLocks noGrp="1"/>
+          </p:cNvSpPr>
+          <p:nvPr>
+            <p:ph type="ftr" idx="13"/>
+          </p:nvPr>
+        </p:nvSpPr>
+        <p:spPr/>
+        <p:txBody>
+          <a:bodyPr/>
+          <a:p>
+            <a:r>
+              <a:t>Footer</a:t>
+            </a:r>
+          </a:p>
+        </p:txBody>
+      </p:sp>
+      <p:sp>
+        <p:nvSpPr>
+          <p:cNvPr id="5" name="PlaceHolder 4"/>
+          <p:cNvSpPr>
+            <a:spLocks noGrp="1"/>
+          </p:cNvSpPr>
+          <p:nvPr>
+            <p:ph type="sldNum" idx="14"/>
+          </p:nvPr>
+        </p:nvSpPr>
+        <p:spPr/>
+        <p:txBody>
+          <a:bodyPr/>
+          <a:p>
+            <a:fld id="{1A0E56D9-EA4D-45BF-9F43-969F6DBE6DD7}" type="slidenum">
+              <a:t>&lt;#&gt;</a:t>
+            </a:fld>
+          </a:p>
+        </p:txBody>
+      </p:sp>
+      <p:sp>
+        <p:nvSpPr>
+          <p:cNvPr id="6" name="PlaceHolder 5"/>
+          <p:cNvSpPr>
+            <a:spLocks noGrp="1"/>
+          </p:cNvSpPr>
+          <p:nvPr>
+            <p:ph type="dt" idx="15"/>
+          </p:nvPr>
+        </p:nvSpPr>
+        <p:spPr/>
+        <p:txBody>
+          <a:bodyPr/>
+          <a:p>
+            <a:r>
+              <a:rPr lang="hr-HR"/>
+              <a:t/>
+            </a:r>
+          </a:p>
+        </p:txBody>
+      </p:sp>
+    </p:spTree>
+  </p:cSld>
+</p:sldLayout>
+</file>
+
+<file path=ppt/slideLayouts/slideLayout52.xml><?xml version="1.0" encoding="utf-8"?>
+<p:sldLayout xmlns:a="http://schemas.openxmlformats.org/drawingml/2006/main" xmlns:p="http://schemas.openxmlformats.org/presentationml/2006/main" xmlns:r="http://schemas.openxmlformats.org/officeDocument/2006/relationships" xmlns:p14="http://schemas.microsoft.com/office/powerpoint/2010/main" xmlns:p15="http://schemas.microsoft.com/office/powerpoint/2012/main" xmlns:mc="http://schemas.openxmlformats.org/markup-compatibility/2006" type="twoObj" preserve="1">
+  <p:cSld name="Title, 2 Content">
+    <p:spTree>
+      <p:nvGrpSpPr>
+        <p:cNvPr id="1" name=""/>
+        <p:cNvGrpSpPr/>
+        <p:nvPr/>
+      </p:nvGrpSpPr>
+      <p:grpSpPr>
+        <a:xfrm>
+          <a:off x="0" y="0"/>
+          <a:ext cx="0" cy="0"/>
+          <a:chOff x="0" y="0"/>
+          <a:chExt cx="0" cy="0"/>
+        </a:xfrm>
+      </p:grpSpPr>
+      <p:sp>
+        <p:nvSpPr>
+          <p:cNvPr id="174" name="PlaceHolder 1"/>
+          <p:cNvSpPr>
+            <a:spLocks noGrp="1"/>
+          </p:cNvSpPr>
+          <p:nvPr>
+            <p:ph type="title"/>
+          </p:nvPr>
+        </p:nvSpPr>
+        <p:spPr>
+          <a:xfrm>
+            <a:off x="609480" y="273600"/>
+            <a:ext cx="10972440" cy="1144800"/>
+          </a:xfrm>
+          <a:prstGeom prst="rect">
+            <a:avLst/>
+          </a:prstGeom>
+          <a:noFill/>
+          <a:ln w="0">
+            <a:noFill/>
+          </a:ln>
+        </p:spPr>
+        <p:txBody>
+          <a:bodyPr lIns="0" rIns="0" tIns="0" bIns="0" anchor="ctr">
+            <a:noAutofit/>
+          </a:bodyPr>
+          <a:p>
+            <a:pPr algn="ctr">
+              <a:buNone/>
+            </a:pPr>
+            <a:endParaRPr b="0" lang="hr-HR" sz="4400" spc="-1" strike="noStrike">
+              <a:latin typeface="Arial"/>
+            </a:endParaRPr>
+          </a:p>
+        </p:txBody>
+      </p:sp>
+      <p:sp>
+        <p:nvSpPr>
+          <p:cNvPr id="175" name="PlaceHolder 2"/>
+          <p:cNvSpPr>
+            <a:spLocks noGrp="1"/>
+          </p:cNvSpPr>
+          <p:nvPr>
+            <p:ph/>
+          </p:nvPr>
+        </p:nvSpPr>
+        <p:spPr>
+          <a:xfrm>
+            <a:off x="609480" y="1604520"/>
+            <a:ext cx="5354280" cy="3977280"/>
+          </a:xfrm>
+          <a:prstGeom prst="rect">
+            <a:avLst/>
+          </a:prstGeom>
+          <a:noFill/>
+          <a:ln w="0">
+            <a:noFill/>
+          </a:ln>
+        </p:spPr>
+        <p:txBody>
+          <a:bodyPr lIns="0" rIns="0" tIns="0" bIns="0" anchor="t">
+            <a:normAutofit/>
+          </a:bodyPr>
+          <a:p>
+            <a:endParaRPr b="0" lang="hr-HR" sz="3200" spc="-1" strike="noStrike">
+              <a:latin typeface="Arial"/>
+            </a:endParaRPr>
+          </a:p>
+        </p:txBody>
+      </p:sp>
+      <p:sp>
+        <p:nvSpPr>
+          <p:cNvPr id="176" name="PlaceHolder 3"/>
+          <p:cNvSpPr>
+            <a:spLocks noGrp="1"/>
+          </p:cNvSpPr>
+          <p:nvPr>
+            <p:ph/>
+          </p:nvPr>
+        </p:nvSpPr>
+        <p:spPr>
+          <a:xfrm>
+            <a:off x="6231960" y="1604520"/>
+            <a:ext cx="5354280" cy="3977280"/>
+          </a:xfrm>
+          <a:prstGeom prst="rect">
+            <a:avLst/>
+          </a:prstGeom>
+          <a:noFill/>
+          <a:ln w="0">
+            <a:noFill/>
+          </a:ln>
+        </p:spPr>
+        <p:txBody>
+          <a:bodyPr lIns="0" rIns="0" tIns="0" bIns="0" anchor="t">
+            <a:normAutofit/>
+          </a:bodyPr>
+          <a:p>
+            <a:endParaRPr b="0" lang="hr-HR" sz="3200" spc="-1" strike="noStrike">
+              <a:latin typeface="Arial"/>
+            </a:endParaRPr>
+          </a:p>
+        </p:txBody>
+      </p:sp>
+      <p:sp>
+        <p:nvSpPr>
+          <p:cNvPr id="5" name="PlaceHolder 4"/>
+          <p:cNvSpPr>
+            <a:spLocks noGrp="1"/>
+          </p:cNvSpPr>
+          <p:nvPr>
+            <p:ph type="ftr" idx="13"/>
+          </p:nvPr>
+        </p:nvSpPr>
+        <p:spPr/>
+        <p:txBody>
+          <a:bodyPr/>
+          <a:p>
+            <a:r>
+              <a:t>Footer</a:t>
+            </a:r>
+          </a:p>
+        </p:txBody>
+      </p:sp>
+      <p:sp>
+        <p:nvSpPr>
+          <p:cNvPr id="6" name="PlaceHolder 5"/>
+          <p:cNvSpPr>
+            <a:spLocks noGrp="1"/>
+          </p:cNvSpPr>
+          <p:nvPr>
+            <p:ph type="sldNum" idx="14"/>
+          </p:nvPr>
+        </p:nvSpPr>
+        <p:spPr/>
+        <p:txBody>
+          <a:bodyPr/>
+          <a:p>
+            <a:fld id="{462E599E-1D03-41A4-8D4F-FDC4965E051B}" type="slidenum">
+              <a:t>&lt;#&gt;</a:t>
+            </a:fld>
+          </a:p>
+        </p:txBody>
+      </p:sp>
+      <p:sp>
+        <p:nvSpPr>
+          <p:cNvPr id="7" name="PlaceHolder 6"/>
+          <p:cNvSpPr>
+            <a:spLocks noGrp="1"/>
+          </p:cNvSpPr>
+          <p:nvPr>
+            <p:ph type="dt" idx="15"/>
+          </p:nvPr>
+        </p:nvSpPr>
+        <p:spPr/>
+        <p:txBody>
+          <a:bodyPr/>
+          <a:p>
+            <a:r>
+              <a:rPr lang="hr-HR"/>
+              <a:t/>
+            </a:r>
+          </a:p>
+        </p:txBody>
+      </p:sp>
+    </p:spTree>
+  </p:cSld>
+</p:sldLayout>
+</file>
+
+<file path=ppt/slideLayouts/slideLayout53.xml><?xml version="1.0" encoding="utf-8"?>
+<p:sldLayout xmlns:a="http://schemas.openxmlformats.org/drawingml/2006/main" xmlns:p="http://schemas.openxmlformats.org/presentationml/2006/main" xmlns:r="http://schemas.openxmlformats.org/officeDocument/2006/relationships" xmlns:p14="http://schemas.microsoft.com/office/powerpoint/2010/main" xmlns:p15="http://schemas.microsoft.com/office/powerpoint/2012/main" xmlns:mc="http://schemas.openxmlformats.org/markup-compatibility/2006" type="titleOnly" preserve="1">
+  <p:cSld name="Title Only">
+    <p:spTree>
+      <p:nvGrpSpPr>
+        <p:cNvPr id="1" name=""/>
+        <p:cNvGrpSpPr/>
+        <p:nvPr/>
+      </p:nvGrpSpPr>
+      <p:grpSpPr>
+        <a:xfrm>
+          <a:off x="0" y="0"/>
+          <a:ext cx="0" cy="0"/>
+          <a:chOff x="0" y="0"/>
+          <a:chExt cx="0" cy="0"/>
+        </a:xfrm>
+      </p:grpSpPr>
+      <p:sp>
+        <p:nvSpPr>
+          <p:cNvPr id="177" name="PlaceHolder 1"/>
+          <p:cNvSpPr>
+            <a:spLocks noGrp="1"/>
+          </p:cNvSpPr>
+          <p:nvPr>
+            <p:ph type="title"/>
+          </p:nvPr>
+        </p:nvSpPr>
+        <p:spPr>
+          <a:xfrm>
+            <a:off x="609480" y="273600"/>
+            <a:ext cx="10972440" cy="1144800"/>
+          </a:xfrm>
+          <a:prstGeom prst="rect">
+            <a:avLst/>
+          </a:prstGeom>
+          <a:noFill/>
+          <a:ln w="0">
+            <a:noFill/>
+          </a:ln>
+        </p:spPr>
+        <p:txBody>
+          <a:bodyPr lIns="0" rIns="0" tIns="0" bIns="0" anchor="ctr">
+            <a:noAutofit/>
+          </a:bodyPr>
+          <a:p>
+            <a:pPr algn="ctr">
+              <a:buNone/>
+            </a:pPr>
+            <a:endParaRPr b="0" lang="hr-HR" sz="4400" spc="-1" strike="noStrike">
+              <a:latin typeface="Arial"/>
+            </a:endParaRPr>
+          </a:p>
+        </p:txBody>
+      </p:sp>
+      <p:sp>
+        <p:nvSpPr>
+          <p:cNvPr id="3" name="PlaceHolder 2"/>
+          <p:cNvSpPr>
+            <a:spLocks noGrp="1"/>
+          </p:cNvSpPr>
+          <p:nvPr>
+            <p:ph type="ftr" idx="13"/>
+          </p:nvPr>
+        </p:nvSpPr>
+        <p:spPr/>
+        <p:txBody>
+          <a:bodyPr/>
+          <a:p>
+            <a:r>
+              <a:t>Footer</a:t>
+            </a:r>
+          </a:p>
+        </p:txBody>
+      </p:sp>
+      <p:sp>
+        <p:nvSpPr>
+          <p:cNvPr id="4" name="PlaceHolder 3"/>
+          <p:cNvSpPr>
+            <a:spLocks noGrp="1"/>
+          </p:cNvSpPr>
+          <p:nvPr>
+            <p:ph type="sldNum" idx="14"/>
+          </p:nvPr>
+        </p:nvSpPr>
+        <p:spPr/>
+        <p:txBody>
+          <a:bodyPr/>
+          <a:p>
+            <a:fld id="{A318E715-8454-481B-9FE3-976A95867C1B}" type="slidenum">
+              <a:t>&lt;#&gt;</a:t>
+            </a:fld>
+          </a:p>
+        </p:txBody>
+      </p:sp>
+      <p:sp>
+        <p:nvSpPr>
+          <p:cNvPr id="5" name="PlaceHolder 4"/>
+          <p:cNvSpPr>
+            <a:spLocks noGrp="1"/>
+          </p:cNvSpPr>
+          <p:nvPr>
+            <p:ph type="dt" idx="15"/>
+          </p:nvPr>
+        </p:nvSpPr>
+        <p:spPr/>
+        <p:txBody>
+          <a:bodyPr/>
+          <a:p>
+            <a:r>
+              <a:rPr lang="hr-HR"/>
+              <a:t/>
+            </a:r>
+          </a:p>
+        </p:txBody>
+      </p:sp>
+    </p:spTree>
+  </p:cSld>
+</p:sldLayout>
+</file>
+
+<file path=ppt/slideLayouts/slideLayout54.xml><?xml version="1.0" encoding="utf-8"?>
+<p:sldLayout xmlns:a="http://schemas.openxmlformats.org/drawingml/2006/main" xmlns:p="http://schemas.openxmlformats.org/presentationml/2006/main" xmlns:r="http://schemas.openxmlformats.org/officeDocument/2006/relationships" xmlns:p14="http://schemas.microsoft.com/office/powerpoint/2010/main" xmlns:p15="http://schemas.microsoft.com/office/powerpoint/2012/main" xmlns:mc="http://schemas.openxmlformats.org/markup-compatibility/2006" type="objOnly" preserve="1">
+  <p:cSld name="Centered Text">
+    <p:spTree>
+      <p:nvGrpSpPr>
+        <p:cNvPr id="1" name=""/>
+        <p:cNvGrpSpPr/>
+        <p:nvPr/>
+      </p:nvGrpSpPr>
+      <p:grpSpPr>
+        <a:xfrm>
+          <a:off x="0" y="0"/>
+          <a:ext cx="0" cy="0"/>
+          <a:chOff x="0" y="0"/>
+          <a:chExt cx="0" cy="0"/>
+        </a:xfrm>
+      </p:grpSpPr>
+      <p:sp>
+        <p:nvSpPr>
+          <p:cNvPr id="178" name="PlaceHolder 1"/>
+          <p:cNvSpPr>
+            <a:spLocks noGrp="1"/>
+          </p:cNvSpPr>
+          <p:nvPr>
+            <p:ph type="subTitle"/>
+          </p:nvPr>
+        </p:nvSpPr>
+        <p:spPr>
+          <a:xfrm>
+            <a:off x="609480" y="273600"/>
+            <a:ext cx="10972440" cy="5307840"/>
+          </a:xfrm>
+          <a:prstGeom prst="rect">
+            <a:avLst/>
+          </a:prstGeom>
+          <a:noFill/>
+          <a:ln w="0">
+            <a:noFill/>
+          </a:ln>
+        </p:spPr>
+        <p:txBody>
+          <a:bodyPr lIns="0" rIns="0" tIns="0" bIns="0" anchor="ctr">
+            <a:noAutofit/>
+          </a:bodyPr>
+          <a:p>
+            <a:pPr algn="ctr">
+              <a:buNone/>
+            </a:pPr>
+            <a:endParaRPr b="0" lang="hr-HR" sz="3200" spc="-1" strike="noStrike">
+              <a:latin typeface="Arial"/>
+            </a:endParaRPr>
+          </a:p>
+        </p:txBody>
+      </p:sp>
+      <p:sp>
+        <p:nvSpPr>
+          <p:cNvPr id="3" name="PlaceHolder 2"/>
+          <p:cNvSpPr>
+            <a:spLocks noGrp="1"/>
+          </p:cNvSpPr>
+          <p:nvPr>
+            <p:ph type="ftr" idx="13"/>
+          </p:nvPr>
+        </p:nvSpPr>
+        <p:spPr/>
+        <p:txBody>
+          <a:bodyPr/>
+          <a:p>
+            <a:r>
+              <a:t>Footer</a:t>
+            </a:r>
+          </a:p>
+        </p:txBody>
+      </p:sp>
+      <p:sp>
+        <p:nvSpPr>
+          <p:cNvPr id="4" name="PlaceHolder 3"/>
+          <p:cNvSpPr>
+            <a:spLocks noGrp="1"/>
+          </p:cNvSpPr>
+          <p:nvPr>
+            <p:ph type="sldNum" idx="14"/>
+          </p:nvPr>
+        </p:nvSpPr>
+        <p:spPr/>
+        <p:txBody>
+          <a:bodyPr/>
+          <a:p>
+            <a:fld id="{E0084BCA-EDB9-496A-9DCB-03F151E5EF82}" type="slidenum">
+              <a:t>&lt;#&gt;</a:t>
+            </a:fld>
+          </a:p>
+        </p:txBody>
+      </p:sp>
+      <p:sp>
+        <p:nvSpPr>
+          <p:cNvPr id="5" name="PlaceHolder 4"/>
+          <p:cNvSpPr>
+            <a:spLocks noGrp="1"/>
+          </p:cNvSpPr>
+          <p:nvPr>
+            <p:ph type="dt" idx="15"/>
+          </p:nvPr>
+        </p:nvSpPr>
+        <p:spPr/>
+        <p:txBody>
+          <a:bodyPr/>
+          <a:p>
+            <a:r>
+              <a:rPr lang="hr-HR"/>
+              <a:t/>
+            </a:r>
+          </a:p>
+        </p:txBody>
+      </p:sp>
+    </p:spTree>
+  </p:cSld>
+</p:sldLayout>
+</file>
+
+<file path=ppt/slideLayouts/slideLayout55.xml><?xml version="1.0" encoding="utf-8"?>
+<p:sldLayout xmlns:a="http://schemas.openxmlformats.org/drawingml/2006/main" xmlns:p="http://schemas.openxmlformats.org/presentationml/2006/main" xmlns:r="http://schemas.openxmlformats.org/officeDocument/2006/relationships" xmlns:p14="http://schemas.microsoft.com/office/powerpoint/2010/main" xmlns:p15="http://schemas.microsoft.com/office/powerpoint/2012/main" xmlns:mc="http://schemas.openxmlformats.org/markup-compatibility/2006" type="twoObjAndObj" preserve="1">
+  <p:cSld name="Title, 2 Content and Content">
+    <p:spTree>
+      <p:nvGrpSpPr>
+        <p:cNvPr id="1" name=""/>
+        <p:cNvGrpSpPr/>
+        <p:nvPr/>
+      </p:nvGrpSpPr>
+      <p:grpSpPr>
+        <a:xfrm>
+          <a:off x="0" y="0"/>
+          <a:ext cx="0" cy="0"/>
+          <a:chOff x="0" y="0"/>
+          <a:chExt cx="0" cy="0"/>
+        </a:xfrm>
+      </p:grpSpPr>
+      <p:sp>
+        <p:nvSpPr>
+          <p:cNvPr id="179" name="PlaceHolder 1"/>
+          <p:cNvSpPr>
+            <a:spLocks noGrp="1"/>
+          </p:cNvSpPr>
+          <p:nvPr>
+            <p:ph type="title"/>
+          </p:nvPr>
+        </p:nvSpPr>
+        <p:spPr>
+          <a:xfrm>
+            <a:off x="609480" y="273600"/>
+            <a:ext cx="10972440" cy="1144800"/>
+          </a:xfrm>
+          <a:prstGeom prst="rect">
+            <a:avLst/>
+          </a:prstGeom>
+          <a:noFill/>
+          <a:ln w="0">
+            <a:noFill/>
+          </a:ln>
+        </p:spPr>
+        <p:txBody>
+          <a:bodyPr lIns="0" rIns="0" tIns="0" bIns="0" anchor="ctr">
+            <a:noAutofit/>
+          </a:bodyPr>
+          <a:p>
+            <a:pPr algn="ctr">
+              <a:buNone/>
+            </a:pPr>
+            <a:endParaRPr b="0" lang="hr-HR" sz="4400" spc="-1" strike="noStrike">
+              <a:latin typeface="Arial"/>
+            </a:endParaRPr>
+          </a:p>
+        </p:txBody>
+      </p:sp>
+      <p:sp>
+        <p:nvSpPr>
+          <p:cNvPr id="180" name="PlaceHolder 2"/>
+          <p:cNvSpPr>
+            <a:spLocks noGrp="1"/>
+          </p:cNvSpPr>
+          <p:nvPr>
+            <p:ph/>
+          </p:nvPr>
+        </p:nvSpPr>
+        <p:spPr>
+          <a:xfrm>
+            <a:off x="609480" y="1604520"/>
+            <a:ext cx="5354280" cy="1896840"/>
+          </a:xfrm>
+          <a:prstGeom prst="rect">
+            <a:avLst/>
+          </a:prstGeom>
+          <a:noFill/>
+          <a:ln w="0">
+            <a:noFill/>
+          </a:ln>
+        </p:spPr>
+        <p:txBody>
+          <a:bodyPr lIns="0" rIns="0" tIns="0" bIns="0" anchor="t">
+            <a:normAutofit/>
+          </a:bodyPr>
+          <a:p>
+            <a:endParaRPr b="0" lang="hr-HR" sz="3200" spc="-1" strike="noStrike">
+              <a:latin typeface="Arial"/>
+            </a:endParaRPr>
+          </a:p>
+        </p:txBody>
+      </p:sp>
+      <p:sp>
+        <p:nvSpPr>
+          <p:cNvPr id="181" name="PlaceHolder 3"/>
+          <p:cNvSpPr>
+            <a:spLocks noGrp="1"/>
+          </p:cNvSpPr>
+          <p:nvPr>
+            <p:ph/>
+          </p:nvPr>
+        </p:nvSpPr>
+        <p:spPr>
+          <a:xfrm>
+            <a:off x="6231960" y="1604520"/>
+            <a:ext cx="5354280" cy="3977280"/>
+          </a:xfrm>
+          <a:prstGeom prst="rect">
+            <a:avLst/>
+          </a:prstGeom>
+          <a:noFill/>
+          <a:ln w="0">
+            <a:noFill/>
+          </a:ln>
+        </p:spPr>
+        <p:txBody>
+          <a:bodyPr lIns="0" rIns="0" tIns="0" bIns="0" anchor="t">
+            <a:normAutofit/>
+          </a:bodyPr>
+          <a:p>
+            <a:endParaRPr b="0" lang="hr-HR" sz="3200" spc="-1" strike="noStrike">
+              <a:latin typeface="Arial"/>
+            </a:endParaRPr>
+          </a:p>
+        </p:txBody>
+      </p:sp>
+      <p:sp>
+        <p:nvSpPr>
+          <p:cNvPr id="182" name="PlaceHolder 4"/>
+          <p:cNvSpPr>
+            <a:spLocks noGrp="1"/>
+          </p:cNvSpPr>
+          <p:nvPr>
+            <p:ph/>
+          </p:nvPr>
+        </p:nvSpPr>
+        <p:spPr>
+          <a:xfrm>
+            <a:off x="609480" y="3682080"/>
+            <a:ext cx="5354280" cy="1896840"/>
+          </a:xfrm>
+          <a:prstGeom prst="rect">
+            <a:avLst/>
+          </a:prstGeom>
+          <a:noFill/>
+          <a:ln w="0">
+            <a:noFill/>
+          </a:ln>
+        </p:spPr>
+        <p:txBody>
+          <a:bodyPr lIns="0" rIns="0" tIns="0" bIns="0" anchor="t">
+            <a:normAutofit/>
+          </a:bodyPr>
+          <a:p>
+            <a:endParaRPr b="0" lang="hr-HR" sz="3200" spc="-1" strike="noStrike">
+              <a:latin typeface="Arial"/>
+            </a:endParaRPr>
+          </a:p>
+        </p:txBody>
+      </p:sp>
+      <p:sp>
+        <p:nvSpPr>
+          <p:cNvPr id="6" name="PlaceHolder 5"/>
+          <p:cNvSpPr>
+            <a:spLocks noGrp="1"/>
+          </p:cNvSpPr>
+          <p:nvPr>
+            <p:ph type="ftr" idx="13"/>
+          </p:nvPr>
+        </p:nvSpPr>
+        <p:spPr/>
+        <p:txBody>
+          <a:bodyPr/>
+          <a:p>
+            <a:r>
+              <a:t>Footer</a:t>
+            </a:r>
+          </a:p>
+        </p:txBody>
+      </p:sp>
+      <p:sp>
+        <p:nvSpPr>
+          <p:cNvPr id="7" name="PlaceHolder 6"/>
+          <p:cNvSpPr>
+            <a:spLocks noGrp="1"/>
+          </p:cNvSpPr>
+          <p:nvPr>
+            <p:ph type="sldNum" idx="14"/>
+          </p:nvPr>
+        </p:nvSpPr>
+        <p:spPr/>
+        <p:txBody>
+          <a:bodyPr/>
+          <a:p>
+            <a:fld id="{B7DE9A60-E727-4CFB-A802-2E67E13ED5AD}" type="slidenum">
+              <a:t>&lt;#&gt;</a:t>
+            </a:fld>
+          </a:p>
+        </p:txBody>
+      </p:sp>
+      <p:sp>
+        <p:nvSpPr>
+          <p:cNvPr id="8" name="PlaceHolder 7"/>
+          <p:cNvSpPr>
+            <a:spLocks noGrp="1"/>
+          </p:cNvSpPr>
+          <p:nvPr>
+            <p:ph type="dt" idx="15"/>
+          </p:nvPr>
+        </p:nvSpPr>
+        <p:spPr/>
+        <p:txBody>
+          <a:bodyPr/>
+          <a:p>
+            <a:r>
+              <a:rPr lang="hr-HR"/>
+              <a:t/>
+            </a:r>
+          </a:p>
+        </p:txBody>
+      </p:sp>
+    </p:spTree>
+  </p:cSld>
+</p:sldLayout>
+</file>
+
+<file path=ppt/slideLayouts/slideLayout56.xml><?xml version="1.0" encoding="utf-8"?>
+<p:sldLayout xmlns:a="http://schemas.openxmlformats.org/drawingml/2006/main" xmlns:p="http://schemas.openxmlformats.org/presentationml/2006/main" xmlns:r="http://schemas.openxmlformats.org/officeDocument/2006/relationships" xmlns:p14="http://schemas.microsoft.com/office/powerpoint/2010/main" xmlns:p15="http://schemas.microsoft.com/office/powerpoint/2012/main" xmlns:mc="http://schemas.openxmlformats.org/markup-compatibility/2006" type="objAndTwoObj" preserve="1">
+  <p:cSld name="Title Content and 2 Content">
+    <p:spTree>
+      <p:nvGrpSpPr>
+        <p:cNvPr id="1" name=""/>
+        <p:cNvGrpSpPr/>
+        <p:nvPr/>
+      </p:nvGrpSpPr>
+      <p:grpSpPr>
+        <a:xfrm>
+          <a:off x="0" y="0"/>
+          <a:ext cx="0" cy="0"/>
+          <a:chOff x="0" y="0"/>
+          <a:chExt cx="0" cy="0"/>
+        </a:xfrm>
+      </p:grpSpPr>
+      <p:sp>
+        <p:nvSpPr>
+          <p:cNvPr id="183" name="PlaceHolder 1"/>
+          <p:cNvSpPr>
+            <a:spLocks noGrp="1"/>
+          </p:cNvSpPr>
+          <p:nvPr>
+            <p:ph type="title"/>
+          </p:nvPr>
+        </p:nvSpPr>
+        <p:spPr>
+          <a:xfrm>
+            <a:off x="609480" y="273600"/>
+            <a:ext cx="10972440" cy="1144800"/>
+          </a:xfrm>
+          <a:prstGeom prst="rect">
+            <a:avLst/>
+          </a:prstGeom>
+          <a:noFill/>
+          <a:ln w="0">
+            <a:noFill/>
+          </a:ln>
+        </p:spPr>
+        <p:txBody>
+          <a:bodyPr lIns="0" rIns="0" tIns="0" bIns="0" anchor="ctr">
+            <a:noAutofit/>
+          </a:bodyPr>
+          <a:p>
+            <a:pPr algn="ctr">
+              <a:buNone/>
+            </a:pPr>
+            <a:endParaRPr b="0" lang="hr-HR" sz="4400" spc="-1" strike="noStrike">
+              <a:latin typeface="Arial"/>
+            </a:endParaRPr>
+          </a:p>
+        </p:txBody>
+      </p:sp>
+      <p:sp>
+        <p:nvSpPr>
+          <p:cNvPr id="184" name="PlaceHolder 2"/>
+          <p:cNvSpPr>
+            <a:spLocks noGrp="1"/>
+          </p:cNvSpPr>
+          <p:nvPr>
+            <p:ph/>
+          </p:nvPr>
+        </p:nvSpPr>
+        <p:spPr>
+          <a:xfrm>
+            <a:off x="609480" y="1604520"/>
+            <a:ext cx="5354280" cy="3977280"/>
+          </a:xfrm>
+          <a:prstGeom prst="rect">
+            <a:avLst/>
+          </a:prstGeom>
+          <a:noFill/>
+          <a:ln w="0">
+            <a:noFill/>
+          </a:ln>
+        </p:spPr>
+        <p:txBody>
+          <a:bodyPr lIns="0" rIns="0" tIns="0" bIns="0" anchor="t">
+            <a:normAutofit/>
+          </a:bodyPr>
+          <a:p>
+            <a:endParaRPr b="0" lang="hr-HR" sz="3200" spc="-1" strike="noStrike">
+              <a:latin typeface="Arial"/>
+            </a:endParaRPr>
+          </a:p>
+        </p:txBody>
+      </p:sp>
+      <p:sp>
+        <p:nvSpPr>
+          <p:cNvPr id="185" name="PlaceHolder 3"/>
+          <p:cNvSpPr>
+            <a:spLocks noGrp="1"/>
+          </p:cNvSpPr>
+          <p:nvPr>
+            <p:ph/>
+          </p:nvPr>
+        </p:nvSpPr>
+        <p:spPr>
+          <a:xfrm>
+            <a:off x="6231960" y="1604520"/>
+            <a:ext cx="5354280" cy="1896840"/>
+          </a:xfrm>
+          <a:prstGeom prst="rect">
+            <a:avLst/>
+          </a:prstGeom>
+          <a:noFill/>
+          <a:ln w="0">
+            <a:noFill/>
+          </a:ln>
+        </p:spPr>
+        <p:txBody>
+          <a:bodyPr lIns="0" rIns="0" tIns="0" bIns="0" anchor="t">
+            <a:normAutofit/>
+          </a:bodyPr>
+          <a:p>
+            <a:endParaRPr b="0" lang="hr-HR" sz="3200" spc="-1" strike="noStrike">
+              <a:latin typeface="Arial"/>
+            </a:endParaRPr>
+          </a:p>
+        </p:txBody>
+      </p:sp>
+      <p:sp>
+        <p:nvSpPr>
+          <p:cNvPr id="186" name="PlaceHolder 4"/>
+          <p:cNvSpPr>
+            <a:spLocks noGrp="1"/>
+          </p:cNvSpPr>
+          <p:nvPr>
+            <p:ph/>
+          </p:nvPr>
+        </p:nvSpPr>
+        <p:spPr>
+          <a:xfrm>
+            <a:off x="6231960" y="3682080"/>
+            <a:ext cx="5354280" cy="1896840"/>
+          </a:xfrm>
+          <a:prstGeom prst="rect">
+            <a:avLst/>
+          </a:prstGeom>
+          <a:noFill/>
+          <a:ln w="0">
+            <a:noFill/>
+          </a:ln>
+        </p:spPr>
+        <p:txBody>
+          <a:bodyPr lIns="0" rIns="0" tIns="0" bIns="0" anchor="t">
+            <a:normAutofit/>
+          </a:bodyPr>
+          <a:p>
+            <a:endParaRPr b="0" lang="hr-HR" sz="3200" spc="-1" strike="noStrike">
+              <a:latin typeface="Arial"/>
+            </a:endParaRPr>
+          </a:p>
+        </p:txBody>
+      </p:sp>
+      <p:sp>
+        <p:nvSpPr>
+          <p:cNvPr id="6" name="PlaceHolder 5"/>
+          <p:cNvSpPr>
+            <a:spLocks noGrp="1"/>
+          </p:cNvSpPr>
+          <p:nvPr>
+            <p:ph type="ftr" idx="13"/>
+          </p:nvPr>
+        </p:nvSpPr>
+        <p:spPr/>
+        <p:txBody>
+          <a:bodyPr/>
+          <a:p>
+            <a:r>
+              <a:t>Footer</a:t>
+            </a:r>
+          </a:p>
+        </p:txBody>
+      </p:sp>
+      <p:sp>
+        <p:nvSpPr>
+          <p:cNvPr id="7" name="PlaceHolder 6"/>
+          <p:cNvSpPr>
+            <a:spLocks noGrp="1"/>
+          </p:cNvSpPr>
+          <p:nvPr>
+            <p:ph type="sldNum" idx="14"/>
+          </p:nvPr>
+        </p:nvSpPr>
+        <p:spPr/>
+        <p:txBody>
+          <a:bodyPr/>
+          <a:p>
+            <a:fld id="{94EDEEAE-4DE0-4AE6-B23A-A93DA585B234}" type="slidenum">
+              <a:t>&lt;#&gt;</a:t>
+            </a:fld>
+          </a:p>
+        </p:txBody>
+      </p:sp>
+      <p:sp>
+        <p:nvSpPr>
+          <p:cNvPr id="8" name="PlaceHolder 7"/>
+          <p:cNvSpPr>
+            <a:spLocks noGrp="1"/>
+          </p:cNvSpPr>
+          <p:nvPr>
+            <p:ph type="dt" idx="15"/>
+          </p:nvPr>
+        </p:nvSpPr>
+        <p:spPr/>
+        <p:txBody>
+          <a:bodyPr/>
+          <a:p>
+            <a:r>
+              <a:rPr lang="hr-HR"/>
+              <a:t/>
+            </a:r>
+          </a:p>
+        </p:txBody>
+      </p:sp>
+    </p:spTree>
+  </p:cSld>
+</p:sldLayout>
+</file>
+
+<file path=ppt/slideLayouts/slideLayout57.xml><?xml version="1.0" encoding="utf-8"?>
+<p:sldLayout xmlns:a="http://schemas.openxmlformats.org/drawingml/2006/main" xmlns:p="http://schemas.openxmlformats.org/presentationml/2006/main" xmlns:r="http://schemas.openxmlformats.org/officeDocument/2006/relationships" xmlns:p14="http://schemas.microsoft.com/office/powerpoint/2010/main" xmlns:p15="http://schemas.microsoft.com/office/powerpoint/2012/main" xmlns:mc="http://schemas.openxmlformats.org/markup-compatibility/2006" type="twoObjOverTx" preserve="1">
+  <p:cSld name="Title, 2 Content over Content">
+    <p:spTree>
+      <p:nvGrpSpPr>
+        <p:cNvPr id="1" name=""/>
+        <p:cNvGrpSpPr/>
+        <p:nvPr/>
+      </p:nvGrpSpPr>
+      <p:grpSpPr>
+        <a:xfrm>
+          <a:off x="0" y="0"/>
+          <a:ext cx="0" cy="0"/>
+          <a:chOff x="0" y="0"/>
+          <a:chExt cx="0" cy="0"/>
+        </a:xfrm>
+      </p:grpSpPr>
+      <p:sp>
+        <p:nvSpPr>
+          <p:cNvPr id="187" name="PlaceHolder 1"/>
+          <p:cNvSpPr>
+            <a:spLocks noGrp="1"/>
+          </p:cNvSpPr>
+          <p:nvPr>
+            <p:ph type="title"/>
+          </p:nvPr>
+        </p:nvSpPr>
+        <p:spPr>
+          <a:xfrm>
+            <a:off x="609480" y="273600"/>
+            <a:ext cx="10972440" cy="1144800"/>
+          </a:xfrm>
+          <a:prstGeom prst="rect">
+            <a:avLst/>
+          </a:prstGeom>
+          <a:noFill/>
+          <a:ln w="0">
+            <a:noFill/>
+          </a:ln>
+        </p:spPr>
+        <p:txBody>
+          <a:bodyPr lIns="0" rIns="0" tIns="0" bIns="0" anchor="ctr">
+            <a:noAutofit/>
+          </a:bodyPr>
+          <a:p>
+            <a:pPr algn="ctr">
+              <a:buNone/>
+            </a:pPr>
+            <a:endParaRPr b="0" lang="hr-HR" sz="4400" spc="-1" strike="noStrike">
+              <a:latin typeface="Arial"/>
+            </a:endParaRPr>
+          </a:p>
+        </p:txBody>
+      </p:sp>
+      <p:sp>
+        <p:nvSpPr>
+          <p:cNvPr id="188" name="PlaceHolder 2"/>
+          <p:cNvSpPr>
+            <a:spLocks noGrp="1"/>
+          </p:cNvSpPr>
+          <p:nvPr>
+            <p:ph/>
+          </p:nvPr>
+        </p:nvSpPr>
+        <p:spPr>
+          <a:xfrm>
+            <a:off x="609480" y="1604520"/>
+            <a:ext cx="5354280" cy="1896840"/>
+          </a:xfrm>
+          <a:prstGeom prst="rect">
+            <a:avLst/>
+          </a:prstGeom>
+          <a:noFill/>
+          <a:ln w="0">
+            <a:noFill/>
+          </a:ln>
+        </p:spPr>
+        <p:txBody>
+          <a:bodyPr lIns="0" rIns="0" tIns="0" bIns="0" anchor="t">
+            <a:normAutofit/>
+          </a:bodyPr>
+          <a:p>
+            <a:endParaRPr b="0" lang="hr-HR" sz="3200" spc="-1" strike="noStrike">
+              <a:latin typeface="Arial"/>
+            </a:endParaRPr>
+          </a:p>
+        </p:txBody>
+      </p:sp>
+      <p:sp>
+        <p:nvSpPr>
+          <p:cNvPr id="189" name="PlaceHolder 3"/>
+          <p:cNvSpPr>
+            <a:spLocks noGrp="1"/>
+          </p:cNvSpPr>
+          <p:nvPr>
+            <p:ph/>
+          </p:nvPr>
+        </p:nvSpPr>
+        <p:spPr>
+          <a:xfrm>
+            <a:off x="6231960" y="1604520"/>
+            <a:ext cx="5354280" cy="1896840"/>
+          </a:xfrm>
+          <a:prstGeom prst="rect">
+            <a:avLst/>
+          </a:prstGeom>
+          <a:noFill/>
+          <a:ln w="0">
+            <a:noFill/>
+          </a:ln>
+        </p:spPr>
+        <p:txBody>
+          <a:bodyPr lIns="0" rIns="0" tIns="0" bIns="0" anchor="t">
+            <a:normAutofit/>
+          </a:bodyPr>
+          <a:p>
+            <a:endParaRPr b="0" lang="hr-HR" sz="3200" spc="-1" strike="noStrike">
+              <a:latin typeface="Arial"/>
+            </a:endParaRPr>
+          </a:p>
+        </p:txBody>
+      </p:sp>
+      <p:sp>
+        <p:nvSpPr>
+          <p:cNvPr id="190" name="PlaceHolder 4"/>
+          <p:cNvSpPr>
+            <a:spLocks noGrp="1"/>
+          </p:cNvSpPr>
+          <p:nvPr>
+            <p:ph/>
+          </p:nvPr>
+        </p:nvSpPr>
+        <p:spPr>
+          <a:xfrm>
+            <a:off x="609480" y="3682080"/>
+            <a:ext cx="10972440" cy="1896840"/>
+          </a:xfrm>
+          <a:prstGeom prst="rect">
+            <a:avLst/>
+          </a:prstGeom>
+          <a:noFill/>
+          <a:ln w="0">
+            <a:noFill/>
+          </a:ln>
+        </p:spPr>
+        <p:txBody>
+          <a:bodyPr lIns="0" rIns="0" tIns="0" bIns="0" anchor="t">
+            <a:normAutofit/>
+          </a:bodyPr>
+          <a:p>
+            <a:endParaRPr b="0" lang="hr-HR" sz="3200" spc="-1" strike="noStrike">
+              <a:latin typeface="Arial"/>
+            </a:endParaRPr>
+          </a:p>
+        </p:txBody>
+      </p:sp>
+      <p:sp>
+        <p:nvSpPr>
+          <p:cNvPr id="6" name="PlaceHolder 5"/>
+          <p:cNvSpPr>
+            <a:spLocks noGrp="1"/>
+          </p:cNvSpPr>
+          <p:nvPr>
+            <p:ph type="ftr" idx="13"/>
+          </p:nvPr>
+        </p:nvSpPr>
+        <p:spPr/>
+        <p:txBody>
+          <a:bodyPr/>
+          <a:p>
+            <a:r>
+              <a:t>Footer</a:t>
+            </a:r>
+          </a:p>
+        </p:txBody>
+      </p:sp>
+      <p:sp>
+        <p:nvSpPr>
+          <p:cNvPr id="7" name="PlaceHolder 6"/>
+          <p:cNvSpPr>
+            <a:spLocks noGrp="1"/>
+          </p:cNvSpPr>
+          <p:nvPr>
+            <p:ph type="sldNum" idx="14"/>
+          </p:nvPr>
+        </p:nvSpPr>
+        <p:spPr/>
+        <p:txBody>
+          <a:bodyPr/>
+          <a:p>
+            <a:fld id="{EF11D025-B205-42BA-A100-45669FF2FFD8}" type="slidenum">
+              <a:t>&lt;#&gt;</a:t>
+            </a:fld>
+          </a:p>
+        </p:txBody>
+      </p:sp>
+      <p:sp>
+        <p:nvSpPr>
+          <p:cNvPr id="8" name="PlaceHolder 7"/>
+          <p:cNvSpPr>
+            <a:spLocks noGrp="1"/>
+          </p:cNvSpPr>
+          <p:nvPr>
+            <p:ph type="dt" idx="15"/>
+          </p:nvPr>
+        </p:nvSpPr>
+        <p:spPr/>
+        <p:txBody>
+          <a:bodyPr/>
+          <a:p>
+            <a:r>
+              <a:rPr lang="hr-HR"/>
+              <a:t/>
+            </a:r>
+          </a:p>
+        </p:txBody>
+      </p:sp>
+    </p:spTree>
+  </p:cSld>
+</p:sldLayout>
+</file>
+
+<file path=ppt/slideLayouts/slideLayout58.xml><?xml version="1.0" encoding="utf-8"?>
+<p:sldLayout xmlns:a="http://schemas.openxmlformats.org/drawingml/2006/main" xmlns:p="http://schemas.openxmlformats.org/presentationml/2006/main" xmlns:r="http://schemas.openxmlformats.org/officeDocument/2006/relationships" xmlns:p14="http://schemas.microsoft.com/office/powerpoint/2010/main" xmlns:p15="http://schemas.microsoft.com/office/powerpoint/2012/main" xmlns:mc="http://schemas.openxmlformats.org/markup-compatibility/2006" type="objOverTx" preserve="1">
+  <p:cSld name="Title, Content over Content">
+    <p:spTree>
+      <p:nvGrpSpPr>
+        <p:cNvPr id="1" name=""/>
+        <p:cNvGrpSpPr/>
+        <p:nvPr/>
+      </p:nvGrpSpPr>
+      <p:grpSpPr>
+        <a:xfrm>
+          <a:off x="0" y="0"/>
+          <a:ext cx="0" cy="0"/>
+          <a:chOff x="0" y="0"/>
+          <a:chExt cx="0" cy="0"/>
+        </a:xfrm>
+      </p:grpSpPr>
+      <p:sp>
+        <p:nvSpPr>
+          <p:cNvPr id="191" name="PlaceHolder 1"/>
+          <p:cNvSpPr>
+            <a:spLocks noGrp="1"/>
+          </p:cNvSpPr>
+          <p:nvPr>
+            <p:ph type="title"/>
+          </p:nvPr>
+        </p:nvSpPr>
+        <p:spPr>
+          <a:xfrm>
+            <a:off x="609480" y="273600"/>
+            <a:ext cx="10972440" cy="1144800"/>
+          </a:xfrm>
+          <a:prstGeom prst="rect">
+            <a:avLst/>
+          </a:prstGeom>
+          <a:noFill/>
+          <a:ln w="0">
+            <a:noFill/>
+          </a:ln>
+        </p:spPr>
+        <p:txBody>
+          <a:bodyPr lIns="0" rIns="0" tIns="0" bIns="0" anchor="ctr">
+            <a:noAutofit/>
+          </a:bodyPr>
+          <a:p>
+            <a:pPr algn="ctr">
+              <a:buNone/>
+            </a:pPr>
+            <a:endParaRPr b="0" lang="hr-HR" sz="4400" spc="-1" strike="noStrike">
+              <a:latin typeface="Arial"/>
+            </a:endParaRPr>
+          </a:p>
+        </p:txBody>
+      </p:sp>
+      <p:sp>
+        <p:nvSpPr>
+          <p:cNvPr id="192" name="PlaceHolder 2"/>
+          <p:cNvSpPr>
+            <a:spLocks noGrp="1"/>
+          </p:cNvSpPr>
+          <p:nvPr>
+            <p:ph/>
+          </p:nvPr>
+        </p:nvSpPr>
+        <p:spPr>
+          <a:xfrm>
+            <a:off x="609480" y="1604520"/>
+            <a:ext cx="10972440" cy="1896840"/>
+          </a:xfrm>
+          <a:prstGeom prst="rect">
+            <a:avLst/>
+          </a:prstGeom>
+          <a:noFill/>
+          <a:ln w="0">
+            <a:noFill/>
+          </a:ln>
+        </p:spPr>
+        <p:txBody>
+          <a:bodyPr lIns="0" rIns="0" tIns="0" bIns="0" anchor="t">
+            <a:normAutofit/>
+          </a:bodyPr>
+          <a:p>
+            <a:endParaRPr b="0" lang="hr-HR" sz="3200" spc="-1" strike="noStrike">
+              <a:latin typeface="Arial"/>
+            </a:endParaRPr>
+          </a:p>
+        </p:txBody>
+      </p:sp>
+      <p:sp>
+        <p:nvSpPr>
+          <p:cNvPr id="193" name="PlaceHolder 3"/>
+          <p:cNvSpPr>
+            <a:spLocks noGrp="1"/>
+          </p:cNvSpPr>
+          <p:nvPr>
+            <p:ph/>
+          </p:nvPr>
+        </p:nvSpPr>
+        <p:spPr>
+          <a:xfrm>
+            <a:off x="609480" y="3682080"/>
+            <a:ext cx="10972440" cy="1896840"/>
+          </a:xfrm>
+          <a:prstGeom prst="rect">
+            <a:avLst/>
+          </a:prstGeom>
+          <a:noFill/>
+          <a:ln w="0">
+            <a:noFill/>
+          </a:ln>
+        </p:spPr>
+        <p:txBody>
+          <a:bodyPr lIns="0" rIns="0" tIns="0" bIns="0" anchor="t">
+            <a:normAutofit/>
+          </a:bodyPr>
+          <a:p>
+            <a:endParaRPr b="0" lang="hr-HR" sz="3200" spc="-1" strike="noStrike">
+              <a:latin typeface="Arial"/>
+            </a:endParaRPr>
+          </a:p>
+        </p:txBody>
+      </p:sp>
+      <p:sp>
+        <p:nvSpPr>
+          <p:cNvPr id="5" name="PlaceHolder 4"/>
+          <p:cNvSpPr>
+            <a:spLocks noGrp="1"/>
+          </p:cNvSpPr>
+          <p:nvPr>
+            <p:ph type="ftr" idx="13"/>
+          </p:nvPr>
+        </p:nvSpPr>
+        <p:spPr/>
+        <p:txBody>
+          <a:bodyPr/>
+          <a:p>
+            <a:r>
+              <a:t>Footer</a:t>
+            </a:r>
+          </a:p>
+        </p:txBody>
+      </p:sp>
+      <p:sp>
+        <p:nvSpPr>
+          <p:cNvPr id="6" name="PlaceHolder 5"/>
+          <p:cNvSpPr>
+            <a:spLocks noGrp="1"/>
+          </p:cNvSpPr>
+          <p:nvPr>
+            <p:ph type="sldNum" idx="14"/>
+          </p:nvPr>
+        </p:nvSpPr>
+        <p:spPr/>
+        <p:txBody>
+          <a:bodyPr/>
+          <a:p>
+            <a:fld id="{317DF98C-932F-4793-84E5-D82506604F0C}" type="slidenum">
+              <a:t>&lt;#&gt;</a:t>
+            </a:fld>
+          </a:p>
+        </p:txBody>
+      </p:sp>
+      <p:sp>
+        <p:nvSpPr>
+          <p:cNvPr id="7" name="PlaceHolder 6"/>
+          <p:cNvSpPr>
+            <a:spLocks noGrp="1"/>
+          </p:cNvSpPr>
+          <p:nvPr>
+            <p:ph type="dt" idx="15"/>
+          </p:nvPr>
+        </p:nvSpPr>
+        <p:spPr/>
+        <p:txBody>
+          <a:bodyPr/>
+          <a:p>
+            <a:r>
+              <a:rPr lang="hr-HR"/>
+              <a:t/>
+            </a:r>
+          </a:p>
+        </p:txBody>
+      </p:sp>
+    </p:spTree>
+  </p:cSld>
+</p:sldLayout>
+</file>
+
+<file path=ppt/slideLayouts/slideLayout59.xml><?xml version="1.0" encoding="utf-8"?>
+<p:sldLayout xmlns:a="http://schemas.openxmlformats.org/drawingml/2006/main" xmlns:p="http://schemas.openxmlformats.org/presentationml/2006/main" xmlns:r="http://schemas.openxmlformats.org/officeDocument/2006/relationships" xmlns:p14="http://schemas.microsoft.com/office/powerpoint/2010/main" xmlns:p15="http://schemas.microsoft.com/office/powerpoint/2012/main" xmlns:mc="http://schemas.openxmlformats.org/markup-compatibility/2006" type="fourObj" preserve="1">
+  <p:cSld name="Title, 4 Content">
+    <p:spTree>
+      <p:nvGrpSpPr>
+        <p:cNvPr id="1" name=""/>
+        <p:cNvGrpSpPr/>
+        <p:nvPr/>
+      </p:nvGrpSpPr>
+      <p:grpSpPr>
+        <a:xfrm>
+          <a:off x="0" y="0"/>
+          <a:ext cx="0" cy="0"/>
+          <a:chOff x="0" y="0"/>
+          <a:chExt cx="0" cy="0"/>
+        </a:xfrm>
+      </p:grpSpPr>
+      <p:sp>
+        <p:nvSpPr>
+          <p:cNvPr id="194" name="PlaceHolder 1"/>
+          <p:cNvSpPr>
+            <a:spLocks noGrp="1"/>
+          </p:cNvSpPr>
+          <p:nvPr>
+            <p:ph type="title"/>
+          </p:nvPr>
+        </p:nvSpPr>
+        <p:spPr>
+          <a:xfrm>
+            <a:off x="609480" y="273600"/>
+            <a:ext cx="10972440" cy="1144800"/>
+          </a:xfrm>
+          <a:prstGeom prst="rect">
+            <a:avLst/>
+          </a:prstGeom>
+          <a:noFill/>
+          <a:ln w="0">
+            <a:noFill/>
+          </a:ln>
+        </p:spPr>
+        <p:txBody>
+          <a:bodyPr lIns="0" rIns="0" tIns="0" bIns="0" anchor="ctr">
+            <a:noAutofit/>
+          </a:bodyPr>
+          <a:p>
+            <a:pPr algn="ctr">
+              <a:buNone/>
+            </a:pPr>
+            <a:endParaRPr b="0" lang="hr-HR" sz="4400" spc="-1" strike="noStrike">
+              <a:latin typeface="Arial"/>
+            </a:endParaRPr>
+          </a:p>
+        </p:txBody>
+      </p:sp>
+      <p:sp>
+        <p:nvSpPr>
+          <p:cNvPr id="195" name="PlaceHolder 2"/>
+          <p:cNvSpPr>
+            <a:spLocks noGrp="1"/>
+          </p:cNvSpPr>
+          <p:nvPr>
+            <p:ph/>
+          </p:nvPr>
+        </p:nvSpPr>
+        <p:spPr>
+          <a:xfrm>
+            <a:off x="609480" y="1604520"/>
+            <a:ext cx="5354280" cy="1896840"/>
+          </a:xfrm>
+          <a:prstGeom prst="rect">
+            <a:avLst/>
+          </a:prstGeom>
+          <a:noFill/>
+          <a:ln w="0">
+            <a:noFill/>
+          </a:ln>
+        </p:spPr>
+        <p:txBody>
+          <a:bodyPr lIns="0" rIns="0" tIns="0" bIns="0" anchor="t">
+            <a:normAutofit/>
+          </a:bodyPr>
+          <a:p>
+            <a:endParaRPr b="0" lang="hr-HR" sz="3200" spc="-1" strike="noStrike">
+              <a:latin typeface="Arial"/>
+            </a:endParaRPr>
+          </a:p>
+        </p:txBody>
+      </p:sp>
+      <p:sp>
+        <p:nvSpPr>
+          <p:cNvPr id="196" name="PlaceHolder 3"/>
+          <p:cNvSpPr>
+            <a:spLocks noGrp="1"/>
+          </p:cNvSpPr>
+          <p:nvPr>
+            <p:ph/>
+          </p:nvPr>
+        </p:nvSpPr>
+        <p:spPr>
+          <a:xfrm>
+            <a:off x="6231960" y="1604520"/>
+            <a:ext cx="5354280" cy="1896840"/>
+          </a:xfrm>
+          <a:prstGeom prst="rect">
+            <a:avLst/>
+          </a:prstGeom>
+          <a:noFill/>
+          <a:ln w="0">
+            <a:noFill/>
+          </a:ln>
+        </p:spPr>
+        <p:txBody>
+          <a:bodyPr lIns="0" rIns="0" tIns="0" bIns="0" anchor="t">
+            <a:normAutofit/>
+          </a:bodyPr>
+          <a:p>
+            <a:endParaRPr b="0" lang="hr-HR" sz="3200" spc="-1" strike="noStrike">
+              <a:latin typeface="Arial"/>
+            </a:endParaRPr>
+          </a:p>
+        </p:txBody>
+      </p:sp>
+      <p:sp>
+        <p:nvSpPr>
+          <p:cNvPr id="197" name="PlaceHolder 4"/>
+          <p:cNvSpPr>
+            <a:spLocks noGrp="1"/>
+          </p:cNvSpPr>
+          <p:nvPr>
+            <p:ph/>
+          </p:nvPr>
+        </p:nvSpPr>
+        <p:spPr>
+          <a:xfrm>
+            <a:off x="609480" y="3682080"/>
+            <a:ext cx="5354280" cy="1896840"/>
+          </a:xfrm>
+          <a:prstGeom prst="rect">
+            <a:avLst/>
+          </a:prstGeom>
+          <a:noFill/>
+          <a:ln w="0">
+            <a:noFill/>
+          </a:ln>
+        </p:spPr>
+        <p:txBody>
+          <a:bodyPr lIns="0" rIns="0" tIns="0" bIns="0" anchor="t">
+            <a:normAutofit/>
+          </a:bodyPr>
+          <a:p>
+            <a:endParaRPr b="0" lang="hr-HR" sz="3200" spc="-1" strike="noStrike">
+              <a:latin typeface="Arial"/>
+            </a:endParaRPr>
+          </a:p>
+        </p:txBody>
+      </p:sp>
+      <p:sp>
+        <p:nvSpPr>
+          <p:cNvPr id="198" name="PlaceHolder 5"/>
+          <p:cNvSpPr>
+            <a:spLocks noGrp="1"/>
+          </p:cNvSpPr>
+          <p:nvPr>
+            <p:ph/>
+          </p:nvPr>
+        </p:nvSpPr>
+        <p:spPr>
+          <a:xfrm>
+            <a:off x="6231960" y="3682080"/>
+            <a:ext cx="5354280" cy="1896840"/>
+          </a:xfrm>
+          <a:prstGeom prst="rect">
+            <a:avLst/>
+          </a:prstGeom>
+          <a:noFill/>
+          <a:ln w="0">
+            <a:noFill/>
+          </a:ln>
+        </p:spPr>
+        <p:txBody>
+          <a:bodyPr lIns="0" rIns="0" tIns="0" bIns="0" anchor="t">
+            <a:normAutofit/>
+          </a:bodyPr>
+          <a:p>
+            <a:endParaRPr b="0" lang="hr-HR" sz="3200" spc="-1" strike="noStrike">
+              <a:latin typeface="Arial"/>
+            </a:endParaRPr>
+          </a:p>
+        </p:txBody>
+      </p:sp>
+      <p:sp>
+        <p:nvSpPr>
+          <p:cNvPr id="7" name="PlaceHolder 6"/>
+          <p:cNvSpPr>
+            <a:spLocks noGrp="1"/>
+          </p:cNvSpPr>
+          <p:nvPr>
+            <p:ph type="ftr" idx="13"/>
+          </p:nvPr>
+        </p:nvSpPr>
+        <p:spPr/>
+        <p:txBody>
+          <a:bodyPr/>
+          <a:p>
+            <a:r>
+              <a:t>Footer</a:t>
+            </a:r>
+          </a:p>
+        </p:txBody>
+      </p:sp>
+      <p:sp>
+        <p:nvSpPr>
+          <p:cNvPr id="8" name="PlaceHolder 7"/>
+          <p:cNvSpPr>
+            <a:spLocks noGrp="1"/>
+          </p:cNvSpPr>
+          <p:nvPr>
+            <p:ph type="sldNum" idx="14"/>
+          </p:nvPr>
+        </p:nvSpPr>
+        <p:spPr/>
+        <p:txBody>
+          <a:bodyPr/>
+          <a:p>
+            <a:fld id="{F1B8AFFD-8ED3-4115-877D-A91E0C931DBB}" type="slidenum">
+              <a:t>&lt;#&gt;</a:t>
+            </a:fld>
+          </a:p>
+        </p:txBody>
+      </p:sp>
+      <p:sp>
+        <p:nvSpPr>
+          <p:cNvPr id="9" name="PlaceHolder 8"/>
+          <p:cNvSpPr>
+            <a:spLocks noGrp="1"/>
+          </p:cNvSpPr>
+          <p:nvPr>
+            <p:ph type="dt" idx="15"/>
           </p:nvPr>
         </p:nvSpPr>
         <p:spPr/>
@@ -6095,7 +10286,7 @@
         <p:txBody>
           <a:bodyPr/>
           <a:p>
-            <a:fld id="{59569F06-22D3-49D9-8472-39BA86974D8F}" type="slidenum">
+            <a:fld id="{499910EE-373E-4F8B-8BFF-911CAF44860F}" type="slidenum">
               <a:t>&lt;#&gt;</a:t>
             </a:fld>
           </a:p>
@@ -6109,6 +10300,330 @@
           </p:cNvSpPr>
           <p:nvPr>
             <p:ph type="dt" idx="3"/>
+          </p:nvPr>
+        </p:nvSpPr>
+        <p:spPr/>
+        <p:txBody>
+          <a:bodyPr/>
+          <a:p>
+            <a:r>
+              <a:rPr lang="hr-HR"/>
+              <a:t/>
+            </a:r>
+          </a:p>
+        </p:txBody>
+      </p:sp>
+    </p:spTree>
+  </p:cSld>
+</p:sldLayout>
+</file>
+
+<file path=ppt/slideLayouts/slideLayout60.xml><?xml version="1.0" encoding="utf-8"?>
+<p:sldLayout xmlns:a="http://schemas.openxmlformats.org/drawingml/2006/main" xmlns:p="http://schemas.openxmlformats.org/presentationml/2006/main" xmlns:r="http://schemas.openxmlformats.org/officeDocument/2006/relationships" xmlns:p14="http://schemas.microsoft.com/office/powerpoint/2010/main" xmlns:p15="http://schemas.microsoft.com/office/powerpoint/2012/main" xmlns:mc="http://schemas.openxmlformats.org/markup-compatibility/2006" type="blank" preserve="1">
+  <p:cSld name="Title, 6 Content">
+    <p:spTree>
+      <p:nvGrpSpPr>
+        <p:cNvPr id="1" name=""/>
+        <p:cNvGrpSpPr/>
+        <p:nvPr/>
+      </p:nvGrpSpPr>
+      <p:grpSpPr>
+        <a:xfrm>
+          <a:off x="0" y="0"/>
+          <a:ext cx="0" cy="0"/>
+          <a:chOff x="0" y="0"/>
+          <a:chExt cx="0" cy="0"/>
+        </a:xfrm>
+      </p:grpSpPr>
+      <p:sp>
+        <p:nvSpPr>
+          <p:cNvPr id="199" name="PlaceHolder 1"/>
+          <p:cNvSpPr>
+            <a:spLocks noGrp="1"/>
+          </p:cNvSpPr>
+          <p:nvPr>
+            <p:ph type="title"/>
+          </p:nvPr>
+        </p:nvSpPr>
+        <p:spPr>
+          <a:xfrm>
+            <a:off x="609480" y="273600"/>
+            <a:ext cx="10972440" cy="1144800"/>
+          </a:xfrm>
+          <a:prstGeom prst="rect">
+            <a:avLst/>
+          </a:prstGeom>
+          <a:noFill/>
+          <a:ln w="0">
+            <a:noFill/>
+          </a:ln>
+        </p:spPr>
+        <p:txBody>
+          <a:bodyPr lIns="0" rIns="0" tIns="0" bIns="0" anchor="ctr">
+            <a:noAutofit/>
+          </a:bodyPr>
+          <a:p>
+            <a:pPr algn="ctr">
+              <a:buNone/>
+            </a:pPr>
+            <a:endParaRPr b="0" lang="hr-HR" sz="4400" spc="-1" strike="noStrike">
+              <a:latin typeface="Arial"/>
+            </a:endParaRPr>
+          </a:p>
+        </p:txBody>
+      </p:sp>
+      <p:sp>
+        <p:nvSpPr>
+          <p:cNvPr id="200" name="PlaceHolder 2"/>
+          <p:cNvSpPr>
+            <a:spLocks noGrp="1"/>
+          </p:cNvSpPr>
+          <p:nvPr>
+            <p:ph/>
+          </p:nvPr>
+        </p:nvSpPr>
+        <p:spPr>
+          <a:xfrm>
+            <a:off x="609480" y="1604520"/>
+            <a:ext cx="3533040" cy="1896840"/>
+          </a:xfrm>
+          <a:prstGeom prst="rect">
+            <a:avLst/>
+          </a:prstGeom>
+          <a:noFill/>
+          <a:ln w="0">
+            <a:noFill/>
+          </a:ln>
+        </p:spPr>
+        <p:txBody>
+          <a:bodyPr lIns="0" rIns="0" tIns="0" bIns="0" anchor="t">
+            <a:normAutofit/>
+          </a:bodyPr>
+          <a:p>
+            <a:endParaRPr b="0" lang="hr-HR" sz="3200" spc="-1" strike="noStrike">
+              <a:latin typeface="Arial"/>
+            </a:endParaRPr>
+          </a:p>
+        </p:txBody>
+      </p:sp>
+      <p:sp>
+        <p:nvSpPr>
+          <p:cNvPr id="201" name="PlaceHolder 3"/>
+          <p:cNvSpPr>
+            <a:spLocks noGrp="1"/>
+          </p:cNvSpPr>
+          <p:nvPr>
+            <p:ph/>
+          </p:nvPr>
+        </p:nvSpPr>
+        <p:spPr>
+          <a:xfrm>
+            <a:off x="4319640" y="1604520"/>
+            <a:ext cx="3533040" cy="1896840"/>
+          </a:xfrm>
+          <a:prstGeom prst="rect">
+            <a:avLst/>
+          </a:prstGeom>
+          <a:noFill/>
+          <a:ln w="0">
+            <a:noFill/>
+          </a:ln>
+        </p:spPr>
+        <p:txBody>
+          <a:bodyPr lIns="0" rIns="0" tIns="0" bIns="0" anchor="t">
+            <a:normAutofit/>
+          </a:bodyPr>
+          <a:p>
+            <a:endParaRPr b="0" lang="hr-HR" sz="3200" spc="-1" strike="noStrike">
+              <a:latin typeface="Arial"/>
+            </a:endParaRPr>
+          </a:p>
+        </p:txBody>
+      </p:sp>
+      <p:sp>
+        <p:nvSpPr>
+          <p:cNvPr id="202" name="PlaceHolder 4"/>
+          <p:cNvSpPr>
+            <a:spLocks noGrp="1"/>
+          </p:cNvSpPr>
+          <p:nvPr>
+            <p:ph/>
+          </p:nvPr>
+        </p:nvSpPr>
+        <p:spPr>
+          <a:xfrm>
+            <a:off x="8029800" y="1604520"/>
+            <a:ext cx="3533040" cy="1896840"/>
+          </a:xfrm>
+          <a:prstGeom prst="rect">
+            <a:avLst/>
+          </a:prstGeom>
+          <a:noFill/>
+          <a:ln w="0">
+            <a:noFill/>
+          </a:ln>
+        </p:spPr>
+        <p:txBody>
+          <a:bodyPr lIns="0" rIns="0" tIns="0" bIns="0" anchor="t">
+            <a:normAutofit/>
+          </a:bodyPr>
+          <a:p>
+            <a:endParaRPr b="0" lang="hr-HR" sz="3200" spc="-1" strike="noStrike">
+              <a:latin typeface="Arial"/>
+            </a:endParaRPr>
+          </a:p>
+        </p:txBody>
+      </p:sp>
+      <p:sp>
+        <p:nvSpPr>
+          <p:cNvPr id="203" name="PlaceHolder 5"/>
+          <p:cNvSpPr>
+            <a:spLocks noGrp="1"/>
+          </p:cNvSpPr>
+          <p:nvPr>
+            <p:ph/>
+          </p:nvPr>
+        </p:nvSpPr>
+        <p:spPr>
+          <a:xfrm>
+            <a:off x="609480" y="3682080"/>
+            <a:ext cx="3533040" cy="1896840"/>
+          </a:xfrm>
+          <a:prstGeom prst="rect">
+            <a:avLst/>
+          </a:prstGeom>
+          <a:noFill/>
+          <a:ln w="0">
+            <a:noFill/>
+          </a:ln>
+        </p:spPr>
+        <p:txBody>
+          <a:bodyPr lIns="0" rIns="0" tIns="0" bIns="0" anchor="t">
+            <a:normAutofit/>
+          </a:bodyPr>
+          <a:p>
+            <a:endParaRPr b="0" lang="hr-HR" sz="3200" spc="-1" strike="noStrike">
+              <a:latin typeface="Arial"/>
+            </a:endParaRPr>
+          </a:p>
+        </p:txBody>
+      </p:sp>
+      <p:sp>
+        <p:nvSpPr>
+          <p:cNvPr id="204" name="PlaceHolder 6"/>
+          <p:cNvSpPr>
+            <a:spLocks noGrp="1"/>
+          </p:cNvSpPr>
+          <p:nvPr>
+            <p:ph/>
+          </p:nvPr>
+        </p:nvSpPr>
+        <p:spPr>
+          <a:xfrm>
+            <a:off x="4319640" y="3682080"/>
+            <a:ext cx="3533040" cy="1896840"/>
+          </a:xfrm>
+          <a:prstGeom prst="rect">
+            <a:avLst/>
+          </a:prstGeom>
+          <a:noFill/>
+          <a:ln w="0">
+            <a:noFill/>
+          </a:ln>
+        </p:spPr>
+        <p:txBody>
+          <a:bodyPr lIns="0" rIns="0" tIns="0" bIns="0" anchor="t">
+            <a:normAutofit/>
+          </a:bodyPr>
+          <a:p>
+            <a:endParaRPr b="0" lang="hr-HR" sz="3200" spc="-1" strike="noStrike">
+              <a:latin typeface="Arial"/>
+            </a:endParaRPr>
+          </a:p>
+        </p:txBody>
+      </p:sp>
+      <p:sp>
+        <p:nvSpPr>
+          <p:cNvPr id="205" name="PlaceHolder 7"/>
+          <p:cNvSpPr>
+            <a:spLocks noGrp="1"/>
+          </p:cNvSpPr>
+          <p:nvPr>
+            <p:ph/>
+          </p:nvPr>
+        </p:nvSpPr>
+        <p:spPr>
+          <a:xfrm>
+            <a:off x="8029800" y="3682080"/>
+            <a:ext cx="3533040" cy="1896840"/>
+          </a:xfrm>
+          <a:prstGeom prst="rect">
+            <a:avLst/>
+          </a:prstGeom>
+          <a:noFill/>
+          <a:ln w="0">
+            <a:noFill/>
+          </a:ln>
+        </p:spPr>
+        <p:txBody>
+          <a:bodyPr lIns="0" rIns="0" tIns="0" bIns="0" anchor="t">
+            <a:normAutofit/>
+          </a:bodyPr>
+          <a:p>
+            <a:endParaRPr b="0" lang="hr-HR" sz="3200" spc="-1" strike="noStrike">
+              <a:latin typeface="Arial"/>
+            </a:endParaRPr>
+          </a:p>
+        </p:txBody>
+      </p:sp>
+      <p:sp>
+        <p:nvSpPr>
+          <p:cNvPr id="9" name="PlaceHolder 8"/>
+          <p:cNvSpPr>
+            <a:spLocks noGrp="1"/>
+          </p:cNvSpPr>
+          <p:nvPr>
+            <p:ph type="ftr" idx="13"/>
+          </p:nvPr>
+        </p:nvSpPr>
+        <p:spPr/>
+        <p:txBody>
+          <a:bodyPr/>
+          <a:p>
+            <a:r>
+              <a:t>Footer</a:t>
+            </a:r>
+          </a:p>
+        </p:txBody>
+      </p:sp>
+      <p:sp>
+        <p:nvSpPr>
+          <p:cNvPr id="10" name="PlaceHolder 9"/>
+          <p:cNvSpPr>
+            <a:spLocks noGrp="1"/>
+          </p:cNvSpPr>
+          <p:nvPr>
+            <p:ph type="sldNum" idx="14"/>
+          </p:nvPr>
+        </p:nvSpPr>
+        <p:spPr/>
+        <p:txBody>
+          <a:bodyPr/>
+          <a:p>
+            <a:fld id="{7361517E-90E5-4ABB-9801-794F7F0B76EC}" type="slidenum">
+              <a:t>&lt;#&gt;</a:t>
+            </a:fld>
+          </a:p>
+        </p:txBody>
+      </p:sp>
+      <p:sp>
+        <p:nvSpPr>
+          <p:cNvPr id="11" name="PlaceHolder 10"/>
+          <p:cNvSpPr>
+            <a:spLocks noGrp="1"/>
+          </p:cNvSpPr>
+          <p:nvPr>
+            <p:ph type="dt" idx="15"/>
           </p:nvPr>
         </p:nvSpPr>
         <p:spPr/>
@@ -6317,7 +10832,7 @@
         <p:txBody>
           <a:bodyPr/>
           <a:p>
-            <a:fld id="{D9E44984-FBEB-4F79-BA4B-428C608FC9A7}" type="slidenum">
+            <a:fld id="{9D8F1C8F-DA03-4A23-ABDC-172486B1D84D}" type="slidenum">
               <a:t>&lt;#&gt;</a:t>
             </a:fld>
           </a:p>
@@ -6539,7 +11054,7 @@
         <p:txBody>
           <a:bodyPr/>
           <a:p>
-            <a:fld id="{827EC37B-41F6-4A56-8D0B-FA6344B9BAFC}" type="slidenum">
+            <a:fld id="{42B6B65D-5BFA-48EC-9FE9-480D07DDEA8A}" type="slidenum">
               <a:t>&lt;#&gt;</a:t>
             </a:fld>
           </a:p>
@@ -6761,7 +11276,7 @@
         <p:txBody>
           <a:bodyPr/>
           <a:p>
-            <a:fld id="{357D2222-D05C-45EE-88A1-E4D1BE449093}" type="slidenum">
+            <a:fld id="{47EE69F4-EE42-4843-BF01-E29FA0C0FF68}" type="slidenum">
               <a:t>&lt;#&gt;</a:t>
             </a:fld>
           </a:p>
@@ -6824,248 +11339,13 @@
             <a:spLocks noGrp="1"/>
           </p:cNvSpPr>
           <p:nvPr>
-            <p:ph type="title"/>
-          </p:nvPr>
-        </p:nvSpPr>
-        <p:spPr>
-          <a:xfrm>
-            <a:off x="609480" y="273600"/>
-            <a:ext cx="10972080" cy="1144440"/>
-          </a:xfrm>
-          <a:prstGeom prst="rect">
-            <a:avLst/>
-          </a:prstGeom>
-          <a:noFill/>
-          <a:ln w="0">
-            <a:noFill/>
-          </a:ln>
-        </p:spPr>
-        <p:txBody>
-          <a:bodyPr lIns="0" rIns="0" tIns="0" bIns="0" anchor="ctr">
-            <a:noAutofit/>
-          </a:bodyPr>
-          <a:p>
-            <a:r>
-              <a:rPr b="0" lang="hr-HR" sz="1800" spc="-1" strike="noStrike">
-                <a:latin typeface="Arial"/>
-              </a:rPr>
-              <a:t>Click to edit the </a:t>
-            </a:r>
-            <a:r>
-              <a:rPr b="0" lang="hr-HR" sz="1800" spc="-1" strike="noStrike">
-                <a:latin typeface="Arial"/>
-              </a:rPr>
-              <a:t>title text format</a:t>
-            </a:r>
-            <a:endParaRPr b="0" lang="hr-HR" sz="1800" spc="-1" strike="noStrike">
-              <a:latin typeface="Arial"/>
-            </a:endParaRPr>
-          </a:p>
-        </p:txBody>
-      </p:sp>
-      <p:sp>
-        <p:nvSpPr>
-          <p:cNvPr id="1" name="PlaceHolder 2"/>
-          <p:cNvSpPr>
-            <a:spLocks noGrp="1"/>
-          </p:cNvSpPr>
-          <p:nvPr>
-            <p:ph type="body"/>
-          </p:nvPr>
-        </p:nvSpPr>
-        <p:spPr>
-          <a:xfrm>
-            <a:off x="609480" y="1604520"/>
-            <a:ext cx="10972080" cy="3976920"/>
-          </a:xfrm>
-          <a:prstGeom prst="rect">
-            <a:avLst/>
-          </a:prstGeom>
-          <a:noFill/>
-          <a:ln w="0">
-            <a:noFill/>
-          </a:ln>
-        </p:spPr>
-        <p:txBody>
-          <a:bodyPr lIns="0" rIns="0" tIns="0" bIns="0" anchor="t">
-            <a:normAutofit/>
-          </a:bodyPr>
-          <a:p>
-            <a:pPr marL="432000" indent="-324000">
-              <a:spcBef>
-                <a:spcPts val="1417"/>
-              </a:spcBef>
-              <a:buClr>
-                <a:srgbClr val="000000"/>
-              </a:buClr>
-              <a:buSzPct val="45000"/>
-              <a:buFont typeface="Wingdings" charset="2"/>
-              <a:buChar char=""/>
-            </a:pPr>
-            <a:r>
-              <a:rPr b="0" lang="hr-HR" sz="1800" spc="-1" strike="noStrike">
-                <a:latin typeface="Arial"/>
-              </a:rPr>
-              <a:t>Click to edit the outline text format</a:t>
-            </a:r>
-            <a:endParaRPr b="0" lang="hr-HR" sz="1800" spc="-1" strike="noStrike">
-              <a:latin typeface="Arial"/>
-            </a:endParaRPr>
-          </a:p>
-          <a:p>
-            <a:pPr lvl="1" marL="864000" indent="-324000">
-              <a:spcBef>
-                <a:spcPts val="1134"/>
-              </a:spcBef>
-              <a:buClr>
-                <a:srgbClr val="000000"/>
-              </a:buClr>
-              <a:buSzPct val="75000"/>
-              <a:buFont typeface="Symbol" charset="2"/>
-              <a:buChar char=""/>
-            </a:pPr>
-            <a:r>
-              <a:rPr b="0" lang="hr-HR" sz="1800" spc="-1" strike="noStrike">
-                <a:latin typeface="Arial"/>
-              </a:rPr>
-              <a:t>Second Outline Level</a:t>
-            </a:r>
-            <a:endParaRPr b="0" lang="hr-HR" sz="1800" spc="-1" strike="noStrike">
-              <a:latin typeface="Arial"/>
-            </a:endParaRPr>
-          </a:p>
-          <a:p>
-            <a:pPr lvl="2" marL="1296000" indent="-288000">
-              <a:spcBef>
-                <a:spcPts val="850"/>
-              </a:spcBef>
-              <a:buClr>
-                <a:srgbClr val="000000"/>
-              </a:buClr>
-              <a:buSzPct val="45000"/>
-              <a:buFont typeface="Wingdings" charset="2"/>
-              <a:buChar char=""/>
-            </a:pPr>
-            <a:r>
-              <a:rPr b="0" lang="hr-HR" sz="1800" spc="-1" strike="noStrike">
-                <a:latin typeface="Arial"/>
-              </a:rPr>
-              <a:t>Third Outline Level</a:t>
-            </a:r>
-            <a:endParaRPr b="0" lang="hr-HR" sz="1800" spc="-1" strike="noStrike">
-              <a:latin typeface="Arial"/>
-            </a:endParaRPr>
-          </a:p>
-          <a:p>
-            <a:pPr lvl="3" marL="1728000" indent="-216000">
-              <a:spcBef>
-                <a:spcPts val="567"/>
-              </a:spcBef>
-              <a:buClr>
-                <a:srgbClr val="000000"/>
-              </a:buClr>
-              <a:buSzPct val="75000"/>
-              <a:buFont typeface="Symbol" charset="2"/>
-              <a:buChar char=""/>
-            </a:pPr>
-            <a:r>
-              <a:rPr b="0" lang="hr-HR" sz="1800" spc="-1" strike="noStrike">
-                <a:latin typeface="Arial"/>
-              </a:rPr>
-              <a:t>Fourth Outline Level</a:t>
-            </a:r>
-            <a:endParaRPr b="0" lang="hr-HR" sz="1800" spc="-1" strike="noStrike">
-              <a:latin typeface="Arial"/>
-            </a:endParaRPr>
-          </a:p>
-          <a:p>
-            <a:pPr lvl="4" marL="2160000" indent="-216000">
-              <a:spcBef>
-                <a:spcPts val="283"/>
-              </a:spcBef>
-              <a:buClr>
-                <a:srgbClr val="000000"/>
-              </a:buClr>
-              <a:buSzPct val="45000"/>
-              <a:buFont typeface="Wingdings" charset="2"/>
-              <a:buChar char=""/>
-            </a:pPr>
-            <a:r>
-              <a:rPr b="0" lang="hr-HR" sz="1800" spc="-1" strike="noStrike">
-                <a:latin typeface="Arial"/>
-              </a:rPr>
-              <a:t>Fifth Outline Level</a:t>
-            </a:r>
-            <a:endParaRPr b="0" lang="hr-HR" sz="1800" spc="-1" strike="noStrike">
-              <a:latin typeface="Arial"/>
-            </a:endParaRPr>
-          </a:p>
-          <a:p>
-            <a:pPr lvl="5" marL="2592000" indent="-216000">
-              <a:spcBef>
-                <a:spcPts val="283"/>
-              </a:spcBef>
-              <a:buClr>
-                <a:srgbClr val="000000"/>
-              </a:buClr>
-              <a:buSzPct val="45000"/>
-              <a:buFont typeface="Wingdings" charset="2"/>
-              <a:buChar char=""/>
-            </a:pPr>
-            <a:r>
-              <a:rPr b="0" lang="hr-HR" sz="1800" spc="-1" strike="noStrike">
-                <a:latin typeface="Arial"/>
-              </a:rPr>
-              <a:t>Sixth Outline Level</a:t>
-            </a:r>
-            <a:endParaRPr b="0" lang="hr-HR" sz="1800" spc="-1" strike="noStrike">
-              <a:latin typeface="Arial"/>
-            </a:endParaRPr>
-          </a:p>
-          <a:p>
-            <a:pPr lvl="6" marL="3024000" indent="-216000">
-              <a:spcBef>
-                <a:spcPts val="283"/>
-              </a:spcBef>
-              <a:buClr>
-                <a:srgbClr val="000000"/>
-              </a:buClr>
-              <a:buSzPct val="45000"/>
-              <a:buFont typeface="Wingdings" charset="2"/>
-              <a:buChar char=""/>
-            </a:pPr>
-            <a:r>
-              <a:rPr b="0" lang="hr-HR" sz="1800" spc="-1" strike="noStrike">
-                <a:latin typeface="Arial"/>
-              </a:rPr>
-              <a:t>Seventh Outline </a:t>
-            </a:r>
-            <a:r>
-              <a:rPr b="0" lang="hr-HR" sz="1800" spc="-1" strike="noStrike">
-                <a:latin typeface="Arial"/>
-              </a:rPr>
-              <a:t>Level</a:t>
-            </a:r>
-            <a:endParaRPr b="0" lang="hr-HR" sz="1800" spc="-1" strike="noStrike">
-              <a:latin typeface="Arial"/>
-            </a:endParaRPr>
-          </a:p>
-        </p:txBody>
-      </p:sp>
-      <p:sp>
-        <p:nvSpPr>
-          <p:cNvPr id="2" name="PlaceHolder 3"/>
-          <p:cNvSpPr>
-            <a:spLocks noGrp="1"/>
-          </p:cNvSpPr>
-          <p:nvPr>
             <p:ph type="ftr" idx="1"/>
           </p:nvPr>
         </p:nvSpPr>
         <p:spPr>
           <a:xfrm>
             <a:off x="4038480" y="6356520"/>
-            <a:ext cx="4113720" cy="363960"/>
+            <a:ext cx="4112280" cy="362520"/>
           </a:xfrm>
           <a:prstGeom prst="rect">
             <a:avLst/>
@@ -7086,7 +11366,11 @@
               </a:lnSpc>
               <a:buNone/>
               <a:defRPr b="0" lang="hr-HR" sz="1400" spc="-1" strike="noStrike">
+                <a:solidFill>
+                  <a:srgbClr val="000000"/>
+                </a:solidFill>
                 <a:latin typeface="Times New Roman"/>
+                <a:ea typeface="DejaVu Sans"/>
               </a:defRPr>
             </a:lvl1pPr>
           </a:lstStyle>
@@ -7099,9 +11383,13 @@
             </a:pPr>
             <a:r>
               <a:rPr b="0" lang="hr-HR" sz="1400" spc="-1" strike="noStrike">
+                <a:solidFill>
+                  <a:srgbClr val="000000"/>
+                </a:solidFill>
                 <a:latin typeface="Times New Roman"/>
+                <a:ea typeface="DejaVu Sans"/>
               </a:rPr>
-              <a:t>&lt;footer&gt;</a:t>
+              <a:t> </a:t>
             </a:r>
             <a:endParaRPr b="0" lang="hr-HR" sz="1400" spc="-1" strike="noStrike">
               <a:latin typeface="Times New Roman"/>
@@ -7111,7 +11399,7 @@
       </p:sp>
       <p:sp>
         <p:nvSpPr>
-          <p:cNvPr id="3" name="PlaceHolder 4"/>
+          <p:cNvPr id="1" name="PlaceHolder 2"/>
           <p:cNvSpPr>
             <a:spLocks noGrp="1"/>
           </p:cNvSpPr>
@@ -7122,7 +11410,7 @@
         <p:spPr>
           <a:xfrm>
             <a:off x="8610480" y="6356520"/>
-            <a:ext cx="2742120" cy="363960"/>
+            <a:ext cx="2740680" cy="362520"/>
           </a:xfrm>
           <a:prstGeom prst="rect">
             <a:avLst/>
@@ -7147,6 +11435,7 @@
                   <a:srgbClr val="787878"/>
                 </a:solidFill>
                 <a:latin typeface="Aptos"/>
+                <a:ea typeface="DejaVu Sans"/>
               </a:defRPr>
             </a:lvl1pPr>
           </a:lstStyle>
@@ -7157,14 +11446,15 @@
               </a:lnSpc>
               <a:buNone/>
             </a:pPr>
-            <a:fld id="{63BF37FE-23C3-4EC2-9FEB-9ECB48C46C30}" type="slidenum">
+            <a:fld id="{4C5414E7-A42B-4B85-81EB-A50F80DA0922}" type="slidenum">
               <a:rPr b="0" lang="hr-HR" sz="1200" spc="-1" strike="noStrike">
                 <a:solidFill>
                   <a:srgbClr val="787878"/>
                 </a:solidFill>
                 <a:latin typeface="Aptos"/>
+                <a:ea typeface="DejaVu Sans"/>
               </a:rPr>
-              <a:t>&lt;number&gt;</a:t>
+              <a:t>3</a:t>
             </a:fld>
             <a:endParaRPr b="0" lang="hr-HR" sz="1200" spc="-1" strike="noStrike">
               <a:latin typeface="Times New Roman"/>
@@ -7174,7 +11464,7 @@
       </p:sp>
       <p:sp>
         <p:nvSpPr>
-          <p:cNvPr id="4" name="PlaceHolder 5"/>
+          <p:cNvPr id="2" name="PlaceHolder 3"/>
           <p:cNvSpPr>
             <a:spLocks noGrp="1"/>
           </p:cNvSpPr>
@@ -7185,7 +11475,7 @@
         <p:spPr>
           <a:xfrm>
             <a:off x="838080" y="6356520"/>
-            <a:ext cx="2742120" cy="363960"/>
+            <a:ext cx="2740680" cy="362520"/>
           </a:xfrm>
           <a:prstGeom prst="rect">
             <a:avLst/>
@@ -7211,10 +11501,236 @@
               <a:rPr b="0" lang="hr-HR" sz="1400" spc="-1" strike="noStrike">
                 <a:latin typeface="Times New Roman"/>
               </a:rPr>
-              <a:t>&lt;date/time&gt;</a:t>
+              <a:t> </a:t>
             </a:r>
             <a:endParaRPr b="0" lang="hr-HR" sz="1400" spc="-1" strike="noStrike">
               <a:latin typeface="Times New Roman"/>
+            </a:endParaRPr>
+          </a:p>
+        </p:txBody>
+      </p:sp>
+      <p:sp>
+        <p:nvSpPr>
+          <p:cNvPr id="3" name="PlaceHolder 4"/>
+          <p:cNvSpPr>
+            <a:spLocks noGrp="1"/>
+          </p:cNvSpPr>
+          <p:nvPr>
+            <p:ph type="title"/>
+          </p:nvPr>
+        </p:nvSpPr>
+        <p:spPr>
+          <a:xfrm>
+            <a:off x="609480" y="273600"/>
+            <a:ext cx="10972440" cy="1144800"/>
+          </a:xfrm>
+          <a:prstGeom prst="rect">
+            <a:avLst/>
+          </a:prstGeom>
+          <a:noFill/>
+          <a:ln w="0">
+            <a:noFill/>
+          </a:ln>
+        </p:spPr>
+        <p:txBody>
+          <a:bodyPr lIns="0" rIns="0" tIns="0" bIns="0" anchor="ctr">
+            <a:noAutofit/>
+          </a:bodyPr>
+          <a:p>
+            <a:pPr algn="ctr">
+              <a:buNone/>
+            </a:pPr>
+            <a:r>
+              <a:rPr b="0" lang="hr-HR" sz="4400" spc="-1" strike="noStrike">
+                <a:latin typeface="Arial"/>
+              </a:rPr>
+              <a:t>Click to edit the title text format</a:t>
+            </a:r>
+            <a:endParaRPr b="0" lang="hr-HR" sz="4400" spc="-1" strike="noStrike">
+              <a:latin typeface="Arial"/>
+            </a:endParaRPr>
+          </a:p>
+        </p:txBody>
+      </p:sp>
+      <p:sp>
+        <p:nvSpPr>
+          <p:cNvPr id="4" name="PlaceHolder 5"/>
+          <p:cNvSpPr>
+            <a:spLocks noGrp="1"/>
+          </p:cNvSpPr>
+          <p:nvPr>
+            <p:ph type="body"/>
+          </p:nvPr>
+        </p:nvSpPr>
+        <p:spPr>
+          <a:xfrm>
+            <a:off x="609480" y="1604520"/>
+            <a:ext cx="10972440" cy="3977280"/>
+          </a:xfrm>
+          <a:prstGeom prst="rect">
+            <a:avLst/>
+          </a:prstGeom>
+          <a:noFill/>
+          <a:ln w="0">
+            <a:noFill/>
+          </a:ln>
+        </p:spPr>
+        <p:txBody>
+          <a:bodyPr lIns="0" rIns="0" tIns="0" bIns="0" anchor="t">
+            <a:normAutofit/>
+          </a:bodyPr>
+          <a:p>
+            <a:pPr marL="432000" indent="-324000">
+              <a:spcBef>
+                <a:spcPts val="1417"/>
+              </a:spcBef>
+              <a:buClr>
+                <a:srgbClr val="000000"/>
+              </a:buClr>
+              <a:buSzPct val="45000"/>
+              <a:buFont typeface="Wingdings" charset="2"/>
+              <a:buChar char=""/>
+            </a:pPr>
+            <a:r>
+              <a:rPr b="0" lang="hr-HR" sz="3200" spc="-1" strike="noStrike">
+                <a:latin typeface="Arial"/>
+              </a:rPr>
+              <a:t>Click to edit the outline text format</a:t>
+            </a:r>
+            <a:endParaRPr b="0" lang="hr-HR" sz="3200" spc="-1" strike="noStrike">
+              <a:latin typeface="Arial"/>
+            </a:endParaRPr>
+          </a:p>
+          <a:p>
+            <a:pPr lvl="1" marL="864000" indent="-324000">
+              <a:spcBef>
+                <a:spcPts val="1134"/>
+              </a:spcBef>
+              <a:buClr>
+                <a:srgbClr val="000000"/>
+              </a:buClr>
+              <a:buSzPct val="75000"/>
+              <a:buFont typeface="Symbol" charset="2"/>
+              <a:buChar char=""/>
+            </a:pPr>
+            <a:r>
+              <a:rPr b="0" lang="hr-HR" sz="2800" spc="-1" strike="noStrike">
+                <a:latin typeface="Arial"/>
+              </a:rPr>
+              <a:t>Second Outline Level</a:t>
+            </a:r>
+            <a:endParaRPr b="0" lang="hr-HR" sz="2800" spc="-1" strike="noStrike">
+              <a:latin typeface="Arial"/>
+            </a:endParaRPr>
+          </a:p>
+          <a:p>
+            <a:pPr lvl="2" marL="1296000" indent="-288000">
+              <a:spcBef>
+                <a:spcPts val="850"/>
+              </a:spcBef>
+              <a:buClr>
+                <a:srgbClr val="000000"/>
+              </a:buClr>
+              <a:buSzPct val="45000"/>
+              <a:buFont typeface="Wingdings" charset="2"/>
+              <a:buChar char=""/>
+            </a:pPr>
+            <a:r>
+              <a:rPr b="0" lang="hr-HR" sz="2400" spc="-1" strike="noStrike">
+                <a:latin typeface="Arial"/>
+              </a:rPr>
+              <a:t>Third Outline Level</a:t>
+            </a:r>
+            <a:endParaRPr b="0" lang="hr-HR" sz="2400" spc="-1" strike="noStrike">
+              <a:latin typeface="Arial"/>
+            </a:endParaRPr>
+          </a:p>
+          <a:p>
+            <a:pPr lvl="3" marL="1728000" indent="-216000">
+              <a:spcBef>
+                <a:spcPts val="567"/>
+              </a:spcBef>
+              <a:buClr>
+                <a:srgbClr val="000000"/>
+              </a:buClr>
+              <a:buSzPct val="75000"/>
+              <a:buFont typeface="Symbol" charset="2"/>
+              <a:buChar char=""/>
+            </a:pPr>
+            <a:r>
+              <a:rPr b="0" lang="hr-HR" sz="2000" spc="-1" strike="noStrike">
+                <a:latin typeface="Arial"/>
+              </a:rPr>
+              <a:t>Fourth Outline Level</a:t>
+            </a:r>
+            <a:endParaRPr b="0" lang="hr-HR" sz="2000" spc="-1" strike="noStrike">
+              <a:latin typeface="Arial"/>
+            </a:endParaRPr>
+          </a:p>
+          <a:p>
+            <a:pPr lvl="4" marL="2160000" indent="-216000">
+              <a:spcBef>
+                <a:spcPts val="283"/>
+              </a:spcBef>
+              <a:buClr>
+                <a:srgbClr val="000000"/>
+              </a:buClr>
+              <a:buSzPct val="45000"/>
+              <a:buFont typeface="Wingdings" charset="2"/>
+              <a:buChar char=""/>
+            </a:pPr>
+            <a:r>
+              <a:rPr b="0" lang="hr-HR" sz="2000" spc="-1" strike="noStrike">
+                <a:latin typeface="Arial"/>
+              </a:rPr>
+              <a:t>Fifth Outline Level</a:t>
+            </a:r>
+            <a:endParaRPr b="0" lang="hr-HR" sz="2000" spc="-1" strike="noStrike">
+              <a:latin typeface="Arial"/>
+            </a:endParaRPr>
+          </a:p>
+          <a:p>
+            <a:pPr lvl="5" marL="2592000" indent="-216000">
+              <a:spcBef>
+                <a:spcPts val="283"/>
+              </a:spcBef>
+              <a:buClr>
+                <a:srgbClr val="000000"/>
+              </a:buClr>
+              <a:buSzPct val="45000"/>
+              <a:buFont typeface="Wingdings" charset="2"/>
+              <a:buChar char=""/>
+            </a:pPr>
+            <a:r>
+              <a:rPr b="0" lang="hr-HR" sz="2000" spc="-1" strike="noStrike">
+                <a:latin typeface="Arial"/>
+              </a:rPr>
+              <a:t>Sixth Outline Level</a:t>
+            </a:r>
+            <a:endParaRPr b="0" lang="hr-HR" sz="2000" spc="-1" strike="noStrike">
+              <a:latin typeface="Arial"/>
+            </a:endParaRPr>
+          </a:p>
+          <a:p>
+            <a:pPr lvl="6" marL="3024000" indent="-216000">
+              <a:spcBef>
+                <a:spcPts val="283"/>
+              </a:spcBef>
+              <a:buClr>
+                <a:srgbClr val="000000"/>
+              </a:buClr>
+              <a:buSzPct val="45000"/>
+              <a:buFont typeface="Wingdings" charset="2"/>
+              <a:buChar char=""/>
+            </a:pPr>
+            <a:r>
+              <a:rPr b="0" lang="hr-HR" sz="2000" spc="-1" strike="noStrike">
+                <a:latin typeface="Arial"/>
+              </a:rPr>
+              <a:t>Seventh Outline Level</a:t>
+            </a:r>
+            <a:endParaRPr b="0" lang="hr-HR" sz="2000" spc="-1" strike="noStrike">
+              <a:latin typeface="Arial"/>
             </a:endParaRPr>
           </a:p>
         </p:txBody>
@@ -7276,7 +11792,7 @@
         <p:spPr>
           <a:xfrm>
             <a:off x="4038480" y="6356520"/>
-            <a:ext cx="4113720" cy="363960"/>
+            <a:ext cx="4112280" cy="362520"/>
           </a:xfrm>
           <a:prstGeom prst="rect">
             <a:avLst/>
@@ -7297,7 +11813,11 @@
               </a:lnSpc>
               <a:buNone/>
               <a:defRPr b="0" lang="hr-HR" sz="1400" spc="-1" strike="noStrike">
+                <a:solidFill>
+                  <a:srgbClr val="000000"/>
+                </a:solidFill>
                 <a:latin typeface="Times New Roman"/>
+                <a:ea typeface="DejaVu Sans"/>
               </a:defRPr>
             </a:lvl1pPr>
           </a:lstStyle>
@@ -7310,7 +11830,11 @@
             </a:pPr>
             <a:r>
               <a:rPr b="0" lang="hr-HR" sz="1400" spc="-1" strike="noStrike">
+                <a:solidFill>
+                  <a:srgbClr val="000000"/>
+                </a:solidFill>
                 <a:latin typeface="Times New Roman"/>
+                <a:ea typeface="DejaVu Sans"/>
               </a:rPr>
               <a:t>&lt;footer&gt;</a:t>
             </a:r>
@@ -7333,7 +11857,7 @@
         <p:spPr>
           <a:xfrm>
             <a:off x="8610480" y="6356520"/>
-            <a:ext cx="2742120" cy="363960"/>
+            <a:ext cx="2740680" cy="362520"/>
           </a:xfrm>
           <a:prstGeom prst="rect">
             <a:avLst/>
@@ -7358,6 +11882,7 @@
                   <a:srgbClr val="787878"/>
                 </a:solidFill>
                 <a:latin typeface="Aptos"/>
+                <a:ea typeface="DejaVu Sans"/>
               </a:defRPr>
             </a:lvl1pPr>
           </a:lstStyle>
@@ -7368,12 +11893,13 @@
               </a:lnSpc>
               <a:buNone/>
             </a:pPr>
-            <a:fld id="{3DA0C515-8CAB-48FE-A947-66E2EF6FF0AA}" type="slidenum">
+            <a:fld id="{FF58230E-7399-420E-8F1F-7EF03A1102C1}" type="slidenum">
               <a:rPr b="0" lang="hr-HR" sz="1200" spc="-1" strike="noStrike">
                 <a:solidFill>
                   <a:srgbClr val="787878"/>
                 </a:solidFill>
                 <a:latin typeface="Aptos"/>
+                <a:ea typeface="DejaVu Sans"/>
               </a:rPr>
               <a:t>&lt;number&gt;</a:t>
             </a:fld>
@@ -7396,7 +11922,7 @@
         <p:spPr>
           <a:xfrm>
             <a:off x="838080" y="6356520"/>
-            <a:ext cx="2742120" cy="363960"/>
+            <a:ext cx="2740680" cy="362520"/>
           </a:xfrm>
           <a:prstGeom prst="rect">
             <a:avLst/>
@@ -7465,37 +11991,7 @@
               <a:rPr b="0" lang="hr-HR" sz="4400" spc="-1" strike="noStrike">
                 <a:latin typeface="Arial"/>
               </a:rPr>
-              <a:t>Click </a:t>
-            </a:r>
-            <a:r>
-              <a:rPr b="0" lang="hr-HR" sz="4400" spc="-1" strike="noStrike">
-                <a:latin typeface="Arial"/>
-              </a:rPr>
-              <a:t>to edit </a:t>
-            </a:r>
-            <a:r>
-              <a:rPr b="0" lang="hr-HR" sz="4400" spc="-1" strike="noStrike">
-                <a:latin typeface="Arial"/>
-              </a:rPr>
-              <a:t>the </a:t>
-            </a:r>
-            <a:r>
-              <a:rPr b="0" lang="hr-HR" sz="4400" spc="-1" strike="noStrike">
-                <a:latin typeface="Arial"/>
-              </a:rPr>
-              <a:t>title </a:t>
-            </a:r>
-            <a:r>
-              <a:rPr b="0" lang="hr-HR" sz="4400" spc="-1" strike="noStrike">
-                <a:latin typeface="Arial"/>
-              </a:rPr>
-              <a:t>text </a:t>
-            </a:r>
-            <a:r>
-              <a:rPr b="0" lang="hr-HR" sz="4400" spc="-1" strike="noStrike">
-                <a:latin typeface="Arial"/>
-              </a:rPr>
-              <a:t>format</a:t>
+              <a:t>Click to edit the title text format</a:t>
             </a:r>
             <a:endParaRPr b="0" lang="hr-HR" sz="4400" spc="-1" strike="noStrike">
               <a:latin typeface="Arial"/>
@@ -7762,13 +12258,7 @@
               <a:rPr b="0" lang="hr-HR" sz="1800" spc="-1" strike="noStrike">
                 <a:latin typeface="Arial"/>
               </a:rPr>
-              <a:t>Click to edit the </a:t>
-            </a:r>
-            <a:r>
-              <a:rPr b="0" lang="hr-HR" sz="1800" spc="-1" strike="noStrike">
-                <a:latin typeface="Arial"/>
-              </a:rPr>
-              <a:t>title text format</a:t>
+              <a:t>Click to edit the title text format</a:t>
             </a:r>
             <a:endParaRPr b="0" lang="hr-HR" sz="1800" spc="-1" strike="noStrike">
               <a:latin typeface="Arial"/>
@@ -8155,7 +12645,7 @@
         <p:spPr>
           <a:xfrm>
             <a:off x="4038480" y="6356520"/>
-            <a:ext cx="4113720" cy="363960"/>
+            <a:ext cx="4112280" cy="362520"/>
           </a:xfrm>
           <a:prstGeom prst="rect">
             <a:avLst/>
@@ -8176,7 +12666,11 @@
               </a:lnSpc>
               <a:buNone/>
               <a:defRPr b="0" lang="hr-HR" sz="1400" spc="-1" strike="noStrike">
+                <a:solidFill>
+                  <a:srgbClr val="000000"/>
+                </a:solidFill>
                 <a:latin typeface="Times New Roman"/>
+                <a:ea typeface="DejaVu Sans"/>
               </a:defRPr>
             </a:lvl1pPr>
           </a:lstStyle>
@@ -8189,7 +12683,11 @@
             </a:pPr>
             <a:r>
               <a:rPr b="0" lang="hr-HR" sz="1400" spc="-1" strike="noStrike">
+                <a:solidFill>
+                  <a:srgbClr val="000000"/>
+                </a:solidFill>
                 <a:latin typeface="Times New Roman"/>
+                <a:ea typeface="DejaVu Sans"/>
               </a:rPr>
               <a:t>&lt;footer&gt;</a:t>
             </a:r>
@@ -8212,7 +12710,7 @@
         <p:spPr>
           <a:xfrm>
             <a:off x="8610480" y="6356520"/>
-            <a:ext cx="2742120" cy="363960"/>
+            <a:ext cx="2740680" cy="362520"/>
           </a:xfrm>
           <a:prstGeom prst="rect">
             <a:avLst/>
@@ -8237,6 +12735,7 @@
                   <a:srgbClr val="787878"/>
                 </a:solidFill>
                 <a:latin typeface="Aptos"/>
+                <a:ea typeface="DejaVu Sans"/>
               </a:defRPr>
             </a:lvl1pPr>
           </a:lstStyle>
@@ -8247,12 +12746,13 @@
               </a:lnSpc>
               <a:buNone/>
             </a:pPr>
-            <a:fld id="{5BAAD572-8128-46C1-8359-5B57957DC2C7}" type="slidenum">
+            <a:fld id="{F2D6D81F-0B94-437A-AFE8-9FC4B0346F9C}" type="slidenum">
               <a:rPr b="0" lang="hr-HR" sz="1200" spc="-1" strike="noStrike">
                 <a:solidFill>
                   <a:srgbClr val="787878"/>
                 </a:solidFill>
                 <a:latin typeface="Aptos"/>
+                <a:ea typeface="DejaVu Sans"/>
               </a:rPr>
               <a:t>&lt;number&gt;</a:t>
             </a:fld>
@@ -8275,7 +12775,7 @@
         <p:spPr>
           <a:xfrm>
             <a:off x="838080" y="6356520"/>
-            <a:ext cx="2742120" cy="363960"/>
+            <a:ext cx="2740680" cy="362520"/>
           </a:xfrm>
           <a:prstGeom prst="rect">
             <a:avLst/>
@@ -8325,6 +12825,897 @@
     <p:sldLayoutId id="2147483684" r:id="rId11"/>
     <p:sldLayoutId id="2147483685" r:id="rId12"/>
     <p:sldLayoutId id="2147483686" r:id="rId13"/>
+  </p:sldLayoutIdLst>
+</p:sldMaster>
+</file>
+
+<file path=ppt/slideMasters/slideMaster4.xml><?xml version="1.0" encoding="utf-8"?>
+<p:sldMaster xmlns:a="http://schemas.openxmlformats.org/drawingml/2006/main" xmlns:p="http://schemas.openxmlformats.org/presentationml/2006/main" xmlns:r="http://schemas.openxmlformats.org/officeDocument/2006/relationships" xmlns:p14="http://schemas.microsoft.com/office/powerpoint/2010/main" xmlns:p15="http://schemas.microsoft.com/office/powerpoint/2012/main" xmlns:mc="http://schemas.openxmlformats.org/markup-compatibility/2006">
+  <p:cSld>
+    <p:bg>
+      <p:bgPr>
+        <a:solidFill>
+          <a:srgbClr val="ffffff"/>
+        </a:solidFill>
+      </p:bgPr>
+    </p:bg>
+    <p:spTree>
+      <p:nvGrpSpPr>
+        <p:cNvPr id="1" name=""/>
+        <p:cNvGrpSpPr/>
+        <p:nvPr/>
+      </p:nvGrpSpPr>
+      <p:grpSpPr>
+        <a:xfrm>
+          <a:off x="0" y="0"/>
+          <a:ext cx="0" cy="0"/>
+          <a:chOff x="0" y="0"/>
+          <a:chExt cx="0" cy="0"/>
+        </a:xfrm>
+      </p:grpSpPr>
+      <p:sp>
+        <p:nvSpPr>
+          <p:cNvPr id="124" name="PlaceHolder 1"/>
+          <p:cNvSpPr>
+            <a:spLocks noGrp="1"/>
+          </p:cNvSpPr>
+          <p:nvPr>
+            <p:ph type="ftr" idx="10"/>
+          </p:nvPr>
+        </p:nvSpPr>
+        <p:spPr>
+          <a:xfrm>
+            <a:off x="4038480" y="6356520"/>
+            <a:ext cx="4112280" cy="362520"/>
+          </a:xfrm>
+          <a:prstGeom prst="rect">
+            <a:avLst/>
+          </a:prstGeom>
+          <a:noFill/>
+          <a:ln w="0">
+            <a:noFill/>
+          </a:ln>
+        </p:spPr>
+        <p:txBody>
+          <a:bodyPr lIns="90000" rIns="90000" tIns="45000" bIns="45000" anchor="ctr">
+            <a:noAutofit/>
+          </a:bodyPr>
+          <a:lstStyle>
+            <a:lvl1pPr algn="ctr">
+              <a:lnSpc>
+                <a:spcPct val="100000"/>
+              </a:lnSpc>
+              <a:buNone/>
+              <a:defRPr b="0" lang="hr-HR" sz="1400" spc="-1" strike="noStrike">
+                <a:solidFill>
+                  <a:srgbClr val="000000"/>
+                </a:solidFill>
+                <a:latin typeface="Times New Roman"/>
+                <a:ea typeface="DejaVu Sans"/>
+              </a:defRPr>
+            </a:lvl1pPr>
+          </a:lstStyle>
+          <a:p>
+            <a:pPr algn="ctr">
+              <a:lnSpc>
+                <a:spcPct val="100000"/>
+              </a:lnSpc>
+              <a:buNone/>
+            </a:pPr>
+            <a:r>
+              <a:rPr b="0" lang="hr-HR" sz="1400" spc="-1" strike="noStrike">
+                <a:solidFill>
+                  <a:srgbClr val="000000"/>
+                </a:solidFill>
+                <a:latin typeface="Times New Roman"/>
+                <a:ea typeface="DejaVu Sans"/>
+              </a:rPr>
+              <a:t>&lt;footer&gt;</a:t>
+            </a:r>
+            <a:endParaRPr b="0" lang="hr-HR" sz="1400" spc="-1" strike="noStrike">
+              <a:latin typeface="Times New Roman"/>
+            </a:endParaRPr>
+          </a:p>
+        </p:txBody>
+      </p:sp>
+      <p:sp>
+        <p:nvSpPr>
+          <p:cNvPr id="125" name="PlaceHolder 2"/>
+          <p:cNvSpPr>
+            <a:spLocks noGrp="1"/>
+          </p:cNvSpPr>
+          <p:nvPr>
+            <p:ph type="sldNum" idx="11"/>
+          </p:nvPr>
+        </p:nvSpPr>
+        <p:spPr>
+          <a:xfrm>
+            <a:off x="8610480" y="6356520"/>
+            <a:ext cx="2740680" cy="362520"/>
+          </a:xfrm>
+          <a:prstGeom prst="rect">
+            <a:avLst/>
+          </a:prstGeom>
+          <a:noFill/>
+          <a:ln w="0">
+            <a:noFill/>
+          </a:ln>
+        </p:spPr>
+        <p:txBody>
+          <a:bodyPr lIns="90000" rIns="90000" tIns="45000" bIns="45000" anchor="ctr">
+            <a:noAutofit/>
+          </a:bodyPr>
+          <a:lstStyle>
+            <a:lvl1pPr algn="r">
+              <a:lnSpc>
+                <a:spcPct val="100000"/>
+              </a:lnSpc>
+              <a:buNone/>
+              <a:defRPr b="0" lang="hr-HR" sz="1200" spc="-1" strike="noStrike">
+                <a:solidFill>
+                  <a:srgbClr val="787878"/>
+                </a:solidFill>
+                <a:latin typeface="Aptos"/>
+                <a:ea typeface="DejaVu Sans"/>
+              </a:defRPr>
+            </a:lvl1pPr>
+          </a:lstStyle>
+          <a:p>
+            <a:pPr algn="r">
+              <a:lnSpc>
+                <a:spcPct val="100000"/>
+              </a:lnSpc>
+              <a:buNone/>
+            </a:pPr>
+            <a:fld id="{80EC4737-A9D1-4E43-AE2A-FA72834BC694}" type="slidenum">
+              <a:rPr b="0" lang="hr-HR" sz="1200" spc="-1" strike="noStrike">
+                <a:solidFill>
+                  <a:srgbClr val="787878"/>
+                </a:solidFill>
+                <a:latin typeface="Aptos"/>
+                <a:ea typeface="DejaVu Sans"/>
+              </a:rPr>
+              <a:t>&lt;number&gt;</a:t>
+            </a:fld>
+            <a:endParaRPr b="0" lang="hr-HR" sz="1200" spc="-1" strike="noStrike">
+              <a:latin typeface="Times New Roman"/>
+            </a:endParaRPr>
+          </a:p>
+        </p:txBody>
+      </p:sp>
+      <p:sp>
+        <p:nvSpPr>
+          <p:cNvPr id="126" name="PlaceHolder 3"/>
+          <p:cNvSpPr>
+            <a:spLocks noGrp="1"/>
+          </p:cNvSpPr>
+          <p:nvPr>
+            <p:ph type="dt" idx="12"/>
+          </p:nvPr>
+        </p:nvSpPr>
+        <p:spPr>
+          <a:xfrm>
+            <a:off x="838080" y="6356520"/>
+            <a:ext cx="2740680" cy="362520"/>
+          </a:xfrm>
+          <a:prstGeom prst="rect">
+            <a:avLst/>
+          </a:prstGeom>
+          <a:noFill/>
+          <a:ln w="0">
+            <a:noFill/>
+          </a:ln>
+        </p:spPr>
+        <p:txBody>
+          <a:bodyPr lIns="90000" rIns="90000" tIns="45000" bIns="45000" anchor="ctr">
+            <a:noAutofit/>
+          </a:bodyPr>
+          <a:lstStyle>
+            <a:lvl1pPr>
+              <a:defRPr b="0" lang="hr-HR" sz="1400" spc="-1" strike="noStrike">
+                <a:latin typeface="Times New Roman"/>
+              </a:defRPr>
+            </a:lvl1pPr>
+          </a:lstStyle>
+          <a:p>
+            <a:r>
+              <a:rPr b="0" lang="hr-HR" sz="1400" spc="-1" strike="noStrike">
+                <a:latin typeface="Times New Roman"/>
+              </a:rPr>
+              <a:t>&lt;date/time&gt;</a:t>
+            </a:r>
+            <a:endParaRPr b="0" lang="hr-HR" sz="1400" spc="-1" strike="noStrike">
+              <a:latin typeface="Times New Roman"/>
+            </a:endParaRPr>
+          </a:p>
+        </p:txBody>
+      </p:sp>
+      <p:sp>
+        <p:nvSpPr>
+          <p:cNvPr id="127" name="PlaceHolder 4"/>
+          <p:cNvSpPr>
+            <a:spLocks noGrp="1"/>
+          </p:cNvSpPr>
+          <p:nvPr>
+            <p:ph type="title"/>
+          </p:nvPr>
+        </p:nvSpPr>
+        <p:spPr>
+          <a:xfrm>
+            <a:off x="609480" y="273600"/>
+            <a:ext cx="10972440" cy="1144800"/>
+          </a:xfrm>
+          <a:prstGeom prst="rect">
+            <a:avLst/>
+          </a:prstGeom>
+          <a:noFill/>
+          <a:ln w="0">
+            <a:noFill/>
+          </a:ln>
+        </p:spPr>
+        <p:txBody>
+          <a:bodyPr lIns="0" rIns="0" tIns="0" bIns="0" anchor="ctr">
+            <a:noAutofit/>
+          </a:bodyPr>
+          <a:p>
+            <a:pPr algn="ctr">
+              <a:buNone/>
+            </a:pPr>
+            <a:r>
+              <a:rPr b="0" lang="hr-HR" sz="4400" spc="-1" strike="noStrike">
+                <a:latin typeface="Arial"/>
+              </a:rPr>
+              <a:t>Click to edit the title text format</a:t>
+            </a:r>
+            <a:endParaRPr b="0" lang="hr-HR" sz="4400" spc="-1" strike="noStrike">
+              <a:latin typeface="Arial"/>
+            </a:endParaRPr>
+          </a:p>
+        </p:txBody>
+      </p:sp>
+      <p:sp>
+        <p:nvSpPr>
+          <p:cNvPr id="128" name="PlaceHolder 5"/>
+          <p:cNvSpPr>
+            <a:spLocks noGrp="1"/>
+          </p:cNvSpPr>
+          <p:nvPr>
+            <p:ph type="body"/>
+          </p:nvPr>
+        </p:nvSpPr>
+        <p:spPr>
+          <a:xfrm>
+            <a:off x="609480" y="1604520"/>
+            <a:ext cx="10972440" cy="3977280"/>
+          </a:xfrm>
+          <a:prstGeom prst="rect">
+            <a:avLst/>
+          </a:prstGeom>
+          <a:noFill/>
+          <a:ln w="0">
+            <a:noFill/>
+          </a:ln>
+        </p:spPr>
+        <p:txBody>
+          <a:bodyPr lIns="0" rIns="0" tIns="0" bIns="0" anchor="t">
+            <a:normAutofit/>
+          </a:bodyPr>
+          <a:p>
+            <a:pPr marL="432000" indent="-324000">
+              <a:spcBef>
+                <a:spcPts val="1417"/>
+              </a:spcBef>
+              <a:buClr>
+                <a:srgbClr val="000000"/>
+              </a:buClr>
+              <a:buSzPct val="45000"/>
+              <a:buFont typeface="Wingdings" charset="2"/>
+              <a:buChar char=""/>
+            </a:pPr>
+            <a:r>
+              <a:rPr b="0" lang="hr-HR" sz="3200" spc="-1" strike="noStrike">
+                <a:latin typeface="Arial"/>
+              </a:rPr>
+              <a:t>Click to edit the outline text format</a:t>
+            </a:r>
+            <a:endParaRPr b="0" lang="hr-HR" sz="3200" spc="-1" strike="noStrike">
+              <a:latin typeface="Arial"/>
+            </a:endParaRPr>
+          </a:p>
+          <a:p>
+            <a:pPr lvl="1" marL="864000" indent="-324000">
+              <a:spcBef>
+                <a:spcPts val="1134"/>
+              </a:spcBef>
+              <a:buClr>
+                <a:srgbClr val="000000"/>
+              </a:buClr>
+              <a:buSzPct val="75000"/>
+              <a:buFont typeface="Symbol" charset="2"/>
+              <a:buChar char=""/>
+            </a:pPr>
+            <a:r>
+              <a:rPr b="0" lang="hr-HR" sz="2800" spc="-1" strike="noStrike">
+                <a:latin typeface="Arial"/>
+              </a:rPr>
+              <a:t>Second Outline Level</a:t>
+            </a:r>
+            <a:endParaRPr b="0" lang="hr-HR" sz="2800" spc="-1" strike="noStrike">
+              <a:latin typeface="Arial"/>
+            </a:endParaRPr>
+          </a:p>
+          <a:p>
+            <a:pPr lvl="2" marL="1296000" indent="-288000">
+              <a:spcBef>
+                <a:spcPts val="850"/>
+              </a:spcBef>
+              <a:buClr>
+                <a:srgbClr val="000000"/>
+              </a:buClr>
+              <a:buSzPct val="45000"/>
+              <a:buFont typeface="Wingdings" charset="2"/>
+              <a:buChar char=""/>
+            </a:pPr>
+            <a:r>
+              <a:rPr b="0" lang="hr-HR" sz="2400" spc="-1" strike="noStrike">
+                <a:latin typeface="Arial"/>
+              </a:rPr>
+              <a:t>Third Outline Level</a:t>
+            </a:r>
+            <a:endParaRPr b="0" lang="hr-HR" sz="2400" spc="-1" strike="noStrike">
+              <a:latin typeface="Arial"/>
+            </a:endParaRPr>
+          </a:p>
+          <a:p>
+            <a:pPr lvl="3" marL="1728000" indent="-216000">
+              <a:spcBef>
+                <a:spcPts val="567"/>
+              </a:spcBef>
+              <a:buClr>
+                <a:srgbClr val="000000"/>
+              </a:buClr>
+              <a:buSzPct val="75000"/>
+              <a:buFont typeface="Symbol" charset="2"/>
+              <a:buChar char=""/>
+            </a:pPr>
+            <a:r>
+              <a:rPr b="0" lang="hr-HR" sz="2000" spc="-1" strike="noStrike">
+                <a:latin typeface="Arial"/>
+              </a:rPr>
+              <a:t>Fourth Outline Level</a:t>
+            </a:r>
+            <a:endParaRPr b="0" lang="hr-HR" sz="2000" spc="-1" strike="noStrike">
+              <a:latin typeface="Arial"/>
+            </a:endParaRPr>
+          </a:p>
+          <a:p>
+            <a:pPr lvl="4" marL="2160000" indent="-216000">
+              <a:spcBef>
+                <a:spcPts val="283"/>
+              </a:spcBef>
+              <a:buClr>
+                <a:srgbClr val="000000"/>
+              </a:buClr>
+              <a:buSzPct val="45000"/>
+              <a:buFont typeface="Wingdings" charset="2"/>
+              <a:buChar char=""/>
+            </a:pPr>
+            <a:r>
+              <a:rPr b="0" lang="hr-HR" sz="2000" spc="-1" strike="noStrike">
+                <a:latin typeface="Arial"/>
+              </a:rPr>
+              <a:t>Fifth Outline Level</a:t>
+            </a:r>
+            <a:endParaRPr b="0" lang="hr-HR" sz="2000" spc="-1" strike="noStrike">
+              <a:latin typeface="Arial"/>
+            </a:endParaRPr>
+          </a:p>
+          <a:p>
+            <a:pPr lvl="5" marL="2592000" indent="-216000">
+              <a:spcBef>
+                <a:spcPts val="283"/>
+              </a:spcBef>
+              <a:buClr>
+                <a:srgbClr val="000000"/>
+              </a:buClr>
+              <a:buSzPct val="45000"/>
+              <a:buFont typeface="Wingdings" charset="2"/>
+              <a:buChar char=""/>
+            </a:pPr>
+            <a:r>
+              <a:rPr b="0" lang="hr-HR" sz="2000" spc="-1" strike="noStrike">
+                <a:latin typeface="Arial"/>
+              </a:rPr>
+              <a:t>Sixth Outline Level</a:t>
+            </a:r>
+            <a:endParaRPr b="0" lang="hr-HR" sz="2000" spc="-1" strike="noStrike">
+              <a:latin typeface="Arial"/>
+            </a:endParaRPr>
+          </a:p>
+          <a:p>
+            <a:pPr lvl="6" marL="3024000" indent="-216000">
+              <a:spcBef>
+                <a:spcPts val="283"/>
+              </a:spcBef>
+              <a:buClr>
+                <a:srgbClr val="000000"/>
+              </a:buClr>
+              <a:buSzPct val="45000"/>
+              <a:buFont typeface="Wingdings" charset="2"/>
+              <a:buChar char=""/>
+            </a:pPr>
+            <a:r>
+              <a:rPr b="0" lang="hr-HR" sz="2000" spc="-1" strike="noStrike">
+                <a:latin typeface="Arial"/>
+              </a:rPr>
+              <a:t>Seventh Outline Level</a:t>
+            </a:r>
+            <a:endParaRPr b="0" lang="hr-HR" sz="2000" spc="-1" strike="noStrike">
+              <a:latin typeface="Arial"/>
+            </a:endParaRPr>
+          </a:p>
+        </p:txBody>
+      </p:sp>
+    </p:spTree>
+  </p:cSld>
+  <p:clrMap bg1="lt1" bg2="lt2" tx1="dk1" tx2="dk2" accent1="accent1" accent2="accent2" accent3="accent3" accent4="accent4" accent5="accent5" accent6="accent6" hlink="hlink" folHlink="folHlink"/>
+  <p:sldLayoutIdLst>
+    <p:sldLayoutId id="2147483688" r:id="rId2"/>
+    <p:sldLayoutId id="2147483689" r:id="rId3"/>
+    <p:sldLayoutId id="2147483690" r:id="rId4"/>
+    <p:sldLayoutId id="2147483691" r:id="rId5"/>
+    <p:sldLayoutId id="2147483692" r:id="rId6"/>
+    <p:sldLayoutId id="2147483693" r:id="rId7"/>
+    <p:sldLayoutId id="2147483694" r:id="rId8"/>
+    <p:sldLayoutId id="2147483695" r:id="rId9"/>
+    <p:sldLayoutId id="2147483696" r:id="rId10"/>
+    <p:sldLayoutId id="2147483697" r:id="rId11"/>
+    <p:sldLayoutId id="2147483698" r:id="rId12"/>
+    <p:sldLayoutId id="2147483699" r:id="rId13"/>
+  </p:sldLayoutIdLst>
+</p:sldMaster>
+</file>
+
+<file path=ppt/slideMasters/slideMaster5.xml><?xml version="1.0" encoding="utf-8"?>
+<p:sldMaster xmlns:a="http://schemas.openxmlformats.org/drawingml/2006/main" xmlns:p="http://schemas.openxmlformats.org/presentationml/2006/main" xmlns:r="http://schemas.openxmlformats.org/officeDocument/2006/relationships" xmlns:p14="http://schemas.microsoft.com/office/powerpoint/2010/main" xmlns:p15="http://schemas.microsoft.com/office/powerpoint/2012/main" xmlns:mc="http://schemas.openxmlformats.org/markup-compatibility/2006">
+  <p:cSld>
+    <p:bg>
+      <p:bgPr>
+        <a:solidFill>
+          <a:srgbClr val="ffffff"/>
+        </a:solidFill>
+      </p:bgPr>
+    </p:bg>
+    <p:spTree>
+      <p:nvGrpSpPr>
+        <p:cNvPr id="1" name=""/>
+        <p:cNvGrpSpPr/>
+        <p:nvPr/>
+      </p:nvGrpSpPr>
+      <p:grpSpPr>
+        <a:xfrm>
+          <a:off x="0" y="0"/>
+          <a:ext cx="0" cy="0"/>
+          <a:chOff x="0" y="0"/>
+          <a:chExt cx="0" cy="0"/>
+        </a:xfrm>
+      </p:grpSpPr>
+      <p:sp>
+        <p:nvSpPr>
+          <p:cNvPr id="165" name="PlaceHolder 1"/>
+          <p:cNvSpPr>
+            <a:spLocks noGrp="1"/>
+          </p:cNvSpPr>
+          <p:nvPr>
+            <p:ph type="title"/>
+          </p:nvPr>
+        </p:nvSpPr>
+        <p:spPr>
+          <a:xfrm>
+            <a:off x="609480" y="273600"/>
+            <a:ext cx="10972080" cy="1144440"/>
+          </a:xfrm>
+          <a:prstGeom prst="rect">
+            <a:avLst/>
+          </a:prstGeom>
+          <a:noFill/>
+          <a:ln w="0">
+            <a:noFill/>
+          </a:ln>
+        </p:spPr>
+        <p:txBody>
+          <a:bodyPr lIns="0" rIns="0" tIns="0" bIns="0" anchor="ctr">
+            <a:noAutofit/>
+          </a:bodyPr>
+          <a:p>
+            <a:r>
+              <a:rPr b="0" lang="hr-HR" sz="1800" spc="-1" strike="noStrike">
+                <a:latin typeface="Arial"/>
+              </a:rPr>
+              <a:t>Click to edit the title text format</a:t>
+            </a:r>
+            <a:endParaRPr b="0" lang="hr-HR" sz="1800" spc="-1" strike="noStrike">
+              <a:latin typeface="Arial"/>
+            </a:endParaRPr>
+          </a:p>
+        </p:txBody>
+      </p:sp>
+      <p:sp>
+        <p:nvSpPr>
+          <p:cNvPr id="166" name="PlaceHolder 2"/>
+          <p:cNvSpPr>
+            <a:spLocks noGrp="1"/>
+          </p:cNvSpPr>
+          <p:nvPr>
+            <p:ph type="ftr" idx="13"/>
+          </p:nvPr>
+        </p:nvSpPr>
+        <p:spPr>
+          <a:xfrm>
+            <a:off x="4038480" y="6356520"/>
+            <a:ext cx="4112280" cy="362520"/>
+          </a:xfrm>
+          <a:prstGeom prst="rect">
+            <a:avLst/>
+          </a:prstGeom>
+          <a:noFill/>
+          <a:ln w="0">
+            <a:noFill/>
+          </a:ln>
+        </p:spPr>
+        <p:txBody>
+          <a:bodyPr lIns="90000" rIns="90000" tIns="45000" bIns="45000" anchor="ctr">
+            <a:noAutofit/>
+          </a:bodyPr>
+          <a:lstStyle>
+            <a:lvl1pPr algn="ctr">
+              <a:lnSpc>
+                <a:spcPct val="100000"/>
+              </a:lnSpc>
+              <a:buNone/>
+              <a:defRPr b="0" lang="hr-HR" sz="1400" spc="-1" strike="noStrike">
+                <a:solidFill>
+                  <a:srgbClr val="000000"/>
+                </a:solidFill>
+                <a:latin typeface="Times New Roman"/>
+                <a:ea typeface="DejaVu Sans"/>
+              </a:defRPr>
+            </a:lvl1pPr>
+          </a:lstStyle>
+          <a:p>
+            <a:pPr algn="ctr">
+              <a:lnSpc>
+                <a:spcPct val="100000"/>
+              </a:lnSpc>
+              <a:buNone/>
+            </a:pPr>
+            <a:r>
+              <a:rPr b="0" lang="hr-HR" sz="1400" spc="-1" strike="noStrike">
+                <a:solidFill>
+                  <a:srgbClr val="000000"/>
+                </a:solidFill>
+                <a:latin typeface="Times New Roman"/>
+                <a:ea typeface="DejaVu Sans"/>
+              </a:rPr>
+              <a:t>&lt;footer&gt;</a:t>
+            </a:r>
+            <a:endParaRPr b="0" lang="hr-HR" sz="1400" spc="-1" strike="noStrike">
+              <a:latin typeface="Times New Roman"/>
+            </a:endParaRPr>
+          </a:p>
+        </p:txBody>
+      </p:sp>
+      <p:sp>
+        <p:nvSpPr>
+          <p:cNvPr id="167" name="PlaceHolder 3"/>
+          <p:cNvSpPr>
+            <a:spLocks noGrp="1"/>
+          </p:cNvSpPr>
+          <p:nvPr>
+            <p:ph type="sldNum" idx="14"/>
+          </p:nvPr>
+        </p:nvSpPr>
+        <p:spPr>
+          <a:xfrm>
+            <a:off x="8610480" y="6356520"/>
+            <a:ext cx="2740680" cy="362520"/>
+          </a:xfrm>
+          <a:prstGeom prst="rect">
+            <a:avLst/>
+          </a:prstGeom>
+          <a:noFill/>
+          <a:ln w="0">
+            <a:noFill/>
+          </a:ln>
+        </p:spPr>
+        <p:txBody>
+          <a:bodyPr lIns="90000" rIns="90000" tIns="45000" bIns="45000" anchor="ctr">
+            <a:noAutofit/>
+          </a:bodyPr>
+          <a:lstStyle>
+            <a:lvl1pPr algn="r">
+              <a:lnSpc>
+                <a:spcPct val="100000"/>
+              </a:lnSpc>
+              <a:buNone/>
+              <a:defRPr b="0" lang="hr-HR" sz="1200" spc="-1" strike="noStrike">
+                <a:solidFill>
+                  <a:srgbClr val="787878"/>
+                </a:solidFill>
+                <a:latin typeface="Aptos"/>
+                <a:ea typeface="DejaVu Sans"/>
+              </a:defRPr>
+            </a:lvl1pPr>
+          </a:lstStyle>
+          <a:p>
+            <a:pPr algn="r">
+              <a:lnSpc>
+                <a:spcPct val="100000"/>
+              </a:lnSpc>
+              <a:buNone/>
+            </a:pPr>
+            <a:fld id="{D64658CC-A321-470D-A6D3-8A981B90EAD6}" type="slidenum">
+              <a:rPr b="0" lang="hr-HR" sz="1200" spc="-1" strike="noStrike">
+                <a:solidFill>
+                  <a:srgbClr val="787878"/>
+                </a:solidFill>
+                <a:latin typeface="Aptos"/>
+                <a:ea typeface="DejaVu Sans"/>
+              </a:rPr>
+              <a:t>&lt;number&gt;</a:t>
+            </a:fld>
+            <a:endParaRPr b="0" lang="hr-HR" sz="1200" spc="-1" strike="noStrike">
+              <a:latin typeface="Times New Roman"/>
+            </a:endParaRPr>
+          </a:p>
+        </p:txBody>
+      </p:sp>
+      <p:sp>
+        <p:nvSpPr>
+          <p:cNvPr id="168" name="PlaceHolder 4"/>
+          <p:cNvSpPr>
+            <a:spLocks noGrp="1"/>
+          </p:cNvSpPr>
+          <p:nvPr>
+            <p:ph type="dt" idx="15"/>
+          </p:nvPr>
+        </p:nvSpPr>
+        <p:spPr>
+          <a:xfrm>
+            <a:off x="838080" y="6356520"/>
+            <a:ext cx="2740680" cy="362520"/>
+          </a:xfrm>
+          <a:prstGeom prst="rect">
+            <a:avLst/>
+          </a:prstGeom>
+          <a:noFill/>
+          <a:ln w="0">
+            <a:noFill/>
+          </a:ln>
+        </p:spPr>
+        <p:txBody>
+          <a:bodyPr lIns="90000" rIns="90000" tIns="45000" bIns="45000" anchor="ctr">
+            <a:noAutofit/>
+          </a:bodyPr>
+          <a:lstStyle>
+            <a:lvl1pPr>
+              <a:defRPr b="0" lang="hr-HR" sz="1400" spc="-1" strike="noStrike">
+                <a:latin typeface="Times New Roman"/>
+              </a:defRPr>
+            </a:lvl1pPr>
+          </a:lstStyle>
+          <a:p>
+            <a:r>
+              <a:rPr b="0" lang="hr-HR" sz="1400" spc="-1" strike="noStrike">
+                <a:latin typeface="Times New Roman"/>
+              </a:rPr>
+              <a:t>&lt;date/time&gt;</a:t>
+            </a:r>
+            <a:endParaRPr b="0" lang="hr-HR" sz="1400" spc="-1" strike="noStrike">
+              <a:latin typeface="Times New Roman"/>
+            </a:endParaRPr>
+          </a:p>
+        </p:txBody>
+      </p:sp>
+      <p:sp>
+        <p:nvSpPr>
+          <p:cNvPr id="169" name="PlaceHolder 5"/>
+          <p:cNvSpPr>
+            <a:spLocks noGrp="1"/>
+          </p:cNvSpPr>
+          <p:nvPr>
+            <p:ph type="body"/>
+          </p:nvPr>
+        </p:nvSpPr>
+        <p:spPr>
+          <a:xfrm>
+            <a:off x="609480" y="1604520"/>
+            <a:ext cx="10972440" cy="3977280"/>
+          </a:xfrm>
+          <a:prstGeom prst="rect">
+            <a:avLst/>
+          </a:prstGeom>
+          <a:noFill/>
+          <a:ln w="0">
+            <a:noFill/>
+          </a:ln>
+        </p:spPr>
+        <p:txBody>
+          <a:bodyPr lIns="0" rIns="0" tIns="0" bIns="0" anchor="t">
+            <a:normAutofit/>
+          </a:bodyPr>
+          <a:p>
+            <a:pPr marL="432000" indent="-324000">
+              <a:spcBef>
+                <a:spcPts val="1417"/>
+              </a:spcBef>
+              <a:buClr>
+                <a:srgbClr val="000000"/>
+              </a:buClr>
+              <a:buSzPct val="45000"/>
+              <a:buFont typeface="Wingdings" charset="2"/>
+              <a:buChar char=""/>
+            </a:pPr>
+            <a:r>
+              <a:rPr b="0" lang="hr-HR" sz="3200" spc="-1" strike="noStrike">
+                <a:latin typeface="Arial"/>
+              </a:rPr>
+              <a:t>Click to edit the outline text format</a:t>
+            </a:r>
+            <a:endParaRPr b="0" lang="hr-HR" sz="3200" spc="-1" strike="noStrike">
+              <a:latin typeface="Arial"/>
+            </a:endParaRPr>
+          </a:p>
+          <a:p>
+            <a:pPr lvl="1" marL="864000" indent="-324000">
+              <a:spcBef>
+                <a:spcPts val="1134"/>
+              </a:spcBef>
+              <a:buClr>
+                <a:srgbClr val="000000"/>
+              </a:buClr>
+              <a:buSzPct val="75000"/>
+              <a:buFont typeface="Symbol" charset="2"/>
+              <a:buChar char=""/>
+            </a:pPr>
+            <a:r>
+              <a:rPr b="0" lang="hr-HR" sz="2800" spc="-1" strike="noStrike">
+                <a:latin typeface="Arial"/>
+              </a:rPr>
+              <a:t>Second Outline Level</a:t>
+            </a:r>
+            <a:endParaRPr b="0" lang="hr-HR" sz="2800" spc="-1" strike="noStrike">
+              <a:latin typeface="Arial"/>
+            </a:endParaRPr>
+          </a:p>
+          <a:p>
+            <a:pPr lvl="2" marL="1296000" indent="-288000">
+              <a:spcBef>
+                <a:spcPts val="850"/>
+              </a:spcBef>
+              <a:buClr>
+                <a:srgbClr val="000000"/>
+              </a:buClr>
+              <a:buSzPct val="45000"/>
+              <a:buFont typeface="Wingdings" charset="2"/>
+              <a:buChar char=""/>
+            </a:pPr>
+            <a:r>
+              <a:rPr b="0" lang="hr-HR" sz="2400" spc="-1" strike="noStrike">
+                <a:latin typeface="Arial"/>
+              </a:rPr>
+              <a:t>Third Outline Level</a:t>
+            </a:r>
+            <a:endParaRPr b="0" lang="hr-HR" sz="2400" spc="-1" strike="noStrike">
+              <a:latin typeface="Arial"/>
+            </a:endParaRPr>
+          </a:p>
+          <a:p>
+            <a:pPr lvl="3" marL="1728000" indent="-216000">
+              <a:spcBef>
+                <a:spcPts val="567"/>
+              </a:spcBef>
+              <a:buClr>
+                <a:srgbClr val="000000"/>
+              </a:buClr>
+              <a:buSzPct val="75000"/>
+              <a:buFont typeface="Symbol" charset="2"/>
+              <a:buChar char=""/>
+            </a:pPr>
+            <a:r>
+              <a:rPr b="0" lang="hr-HR" sz="2000" spc="-1" strike="noStrike">
+                <a:latin typeface="Arial"/>
+              </a:rPr>
+              <a:t>Fourth Outline Level</a:t>
+            </a:r>
+            <a:endParaRPr b="0" lang="hr-HR" sz="2000" spc="-1" strike="noStrike">
+              <a:latin typeface="Arial"/>
+            </a:endParaRPr>
+          </a:p>
+          <a:p>
+            <a:pPr lvl="4" marL="2160000" indent="-216000">
+              <a:spcBef>
+                <a:spcPts val="283"/>
+              </a:spcBef>
+              <a:buClr>
+                <a:srgbClr val="000000"/>
+              </a:buClr>
+              <a:buSzPct val="45000"/>
+              <a:buFont typeface="Wingdings" charset="2"/>
+              <a:buChar char=""/>
+            </a:pPr>
+            <a:r>
+              <a:rPr b="0" lang="hr-HR" sz="2000" spc="-1" strike="noStrike">
+                <a:latin typeface="Arial"/>
+              </a:rPr>
+              <a:t>Fifth Outline Level</a:t>
+            </a:r>
+            <a:endParaRPr b="0" lang="hr-HR" sz="2000" spc="-1" strike="noStrike">
+              <a:latin typeface="Arial"/>
+            </a:endParaRPr>
+          </a:p>
+          <a:p>
+            <a:pPr lvl="5" marL="2592000" indent="-216000">
+              <a:spcBef>
+                <a:spcPts val="283"/>
+              </a:spcBef>
+              <a:buClr>
+                <a:srgbClr val="000000"/>
+              </a:buClr>
+              <a:buSzPct val="45000"/>
+              <a:buFont typeface="Wingdings" charset="2"/>
+              <a:buChar char=""/>
+            </a:pPr>
+            <a:r>
+              <a:rPr b="0" lang="hr-HR" sz="2000" spc="-1" strike="noStrike">
+                <a:latin typeface="Arial"/>
+              </a:rPr>
+              <a:t>Sixth Outline Level</a:t>
+            </a:r>
+            <a:endParaRPr b="0" lang="hr-HR" sz="2000" spc="-1" strike="noStrike">
+              <a:latin typeface="Arial"/>
+            </a:endParaRPr>
+          </a:p>
+          <a:p>
+            <a:pPr lvl="6" marL="3024000" indent="-216000">
+              <a:spcBef>
+                <a:spcPts val="283"/>
+              </a:spcBef>
+              <a:buClr>
+                <a:srgbClr val="000000"/>
+              </a:buClr>
+              <a:buSzPct val="45000"/>
+              <a:buFont typeface="Wingdings" charset="2"/>
+              <a:buChar char=""/>
+            </a:pPr>
+            <a:r>
+              <a:rPr b="0" lang="hr-HR" sz="2000" spc="-1" strike="noStrike">
+                <a:latin typeface="Arial"/>
+              </a:rPr>
+              <a:t>Seventh Outline Level</a:t>
+            </a:r>
+            <a:endParaRPr b="0" lang="hr-HR" sz="2000" spc="-1" strike="noStrike">
+              <a:latin typeface="Arial"/>
+            </a:endParaRPr>
+          </a:p>
+        </p:txBody>
+      </p:sp>
+    </p:spTree>
+  </p:cSld>
+  <p:clrMap bg1="lt1" bg2="lt2" tx1="dk1" tx2="dk2" accent1="accent1" accent2="accent2" accent3="accent3" accent4="accent4" accent5="accent5" accent6="accent6" hlink="hlink" folHlink="folHlink"/>
+  <p:sldLayoutIdLst>
+    <p:sldLayoutId id="2147483701" r:id="rId2"/>
+    <p:sldLayoutId id="2147483702" r:id="rId3"/>
+    <p:sldLayoutId id="2147483703" r:id="rId4"/>
+    <p:sldLayoutId id="2147483704" r:id="rId5"/>
+    <p:sldLayoutId id="2147483705" r:id="rId6"/>
+    <p:sldLayoutId id="2147483706" r:id="rId7"/>
+    <p:sldLayoutId id="2147483707" r:id="rId8"/>
+    <p:sldLayoutId id="2147483708" r:id="rId9"/>
+    <p:sldLayoutId id="2147483709" r:id="rId10"/>
+    <p:sldLayoutId id="2147483710" r:id="rId11"/>
+    <p:sldLayoutId id="2147483711" r:id="rId12"/>
+    <p:sldLayoutId id="2147483712" r:id="rId13"/>
   </p:sldLayoutIdLst>
 </p:sldMaster>
 </file>
@@ -8348,7 +13739,7 @@
       </p:grpSpPr>
       <p:sp>
         <p:nvSpPr>
-          <p:cNvPr id="124" name="PlaceHolder 1"/>
+          <p:cNvPr id="206" name="PlaceHolder 1"/>
           <p:cNvSpPr>
             <a:spLocks noGrp="1"/>
           </p:cNvSpPr>
@@ -8359,7 +13750,7 @@
         <p:spPr>
           <a:xfrm>
             <a:off x="1523880" y="1122480"/>
-            <a:ext cx="9142920" cy="2386440"/>
+            <a:ext cx="9141480" cy="2385000"/>
           </a:xfrm>
           <a:prstGeom prst="rect">
             <a:avLst/>
@@ -8386,6 +13777,7 @@
                   <a:srgbClr val="000000"/>
                 </a:solidFill>
                 <a:latin typeface="Aptos Display"/>
+                <a:ea typeface="DejaVu Sans"/>
               </a:rPr>
               <a:t>SENTIMENTalci</a:t>
             </a:r>
@@ -8397,7 +13789,7 @@
       </p:sp>
       <p:sp>
         <p:nvSpPr>
-          <p:cNvPr id="125" name="PlaceHolder 2"/>
+          <p:cNvPr id="207" name="PlaceHolder 2"/>
           <p:cNvSpPr>
             <a:spLocks noGrp="1"/>
           </p:cNvSpPr>
@@ -8408,7 +13800,7 @@
         <p:spPr>
           <a:xfrm>
             <a:off x="1523880" y="3602160"/>
-            <a:ext cx="9142920" cy="1654560"/>
+            <a:ext cx="9141480" cy="1653120"/>
           </a:xfrm>
           <a:prstGeom prst="rect">
             <a:avLst/>
@@ -8423,7 +13815,7 @@
             <a:noAutofit/>
           </a:bodyPr>
           <a:p>
-            <a:pPr algn="ctr">
+            <a:pPr marL="228600" indent="-228600" algn="ctr">
               <a:lnSpc>
                 <a:spcPct val="90000"/>
               </a:lnSpc>
@@ -8441,6 +13833,7 @@
                   <a:srgbClr val="000000"/>
                 </a:solidFill>
                 <a:latin typeface="Aptos"/>
+                <a:ea typeface="DejaVu Sans"/>
               </a:rPr>
               <a:t>Tena Čop, Anela Rački, Bastijan Kobler, Petar Hrsto, Nikola Klobučar</a:t>
             </a:r>
@@ -8482,7 +13875,7 @@
       </p:grpSpPr>
       <p:sp>
         <p:nvSpPr>
-          <p:cNvPr id="145" name="PlaceHolder 1"/>
+          <p:cNvPr id="227" name="PlaceHolder 1"/>
           <p:cNvSpPr>
             <a:spLocks noGrp="1"/>
           </p:cNvSpPr>
@@ -8493,7 +13886,7 @@
         <p:spPr>
           <a:xfrm>
             <a:off x="645480" y="360000"/>
-            <a:ext cx="10514520" cy="894960"/>
+            <a:ext cx="10513080" cy="893520"/>
           </a:xfrm>
           <a:prstGeom prst="rect">
             <a:avLst/>
@@ -8520,6 +13913,7 @@
                   <a:srgbClr val="000000"/>
                 </a:solidFill>
                 <a:latin typeface="Aptos Display"/>
+                <a:ea typeface="DejaVu Sans"/>
               </a:rPr>
               <a:t>Rezultati - modeli</a:t>
             </a:r>
@@ -8531,7 +13925,7 @@
       </p:sp>
       <p:graphicFrame>
         <p:nvGraphicFramePr>
-          <p:cNvPr id="146" name=""/>
+          <p:cNvPr id="228" name="Tablica 145"/>
           <p:cNvGraphicFramePr/>
           <p:nvPr/>
         </p:nvGraphicFramePr>
@@ -8552,7 +13946,7 @@
               <a:tr h="1176840">
                 <a:tc>
                   <a:txBody>
-                    <a:bodyPr lIns="90000" rIns="90000" tIns="46800" bIns="46800" anchor="ctr">
+                    <a:bodyPr lIns="90000" rIns="90000" anchor="ctr">
                       <a:noAutofit/>
                     </a:bodyPr>
                     <a:p>
@@ -8564,28 +13958,39 @@
                       </a:pPr>
                       <a:r>
                         <a:rPr b="0" lang="hr-HR" sz="1800" spc="-1" strike="noStrike">
+                          <a:solidFill>
+                            <a:srgbClr val="000000"/>
+                          </a:solidFill>
                           <a:latin typeface="Arial"/>
+                          <a:ea typeface="DejaVu Sans"/>
                         </a:rPr>
                         <a:t>Model</a:t>
                       </a:r>
                       <a:endParaRPr b="0" lang="hr-HR" sz="1800" spc="-1" strike="noStrike">
                         <a:latin typeface="Arial"/>
-                        <a:ea typeface="Noto Sans CJK SC"/>
                       </a:endParaRPr>
                     </a:p>
                   </a:txBody>
                   <a:tcPr anchor="ctr" marL="90000" marR="90000">
-                    <a:lnL w="10800">
-                      <a:noFill/>
+                    <a:lnL w="12240">
+                      <a:solidFill>
+                        <a:srgbClr val="000000"/>
+                      </a:solidFill>
                     </a:lnL>
-                    <a:lnR w="10800">
-                      <a:noFill/>
+                    <a:lnR w="12240">
+                      <a:solidFill>
+                        <a:srgbClr val="000000"/>
+                      </a:solidFill>
                     </a:lnR>
-                    <a:lnT w="10800">
-                      <a:noFill/>
+                    <a:lnT w="12240">
+                      <a:solidFill>
+                        <a:srgbClr val="000000"/>
+                      </a:solidFill>
                     </a:lnT>
-                    <a:lnB w="10800">
-                      <a:noFill/>
+                    <a:lnB w="12240">
+                      <a:solidFill>
+                        <a:srgbClr val="000000"/>
+                      </a:solidFill>
                     </a:lnB>
                     <a:solidFill>
                       <a:srgbClr val="729fcf"/>
@@ -8594,16 +13999,23 @@
                 </a:tc>
                 <a:tc>
                   <a:txBody>
-                    <a:bodyPr lIns="90000" rIns="90000" tIns="46800" bIns="46800" anchor="ctr">
+                    <a:bodyPr lIns="90000" rIns="90000" anchor="ctr">
                       <a:noAutofit/>
                     </a:bodyPr>
                     <a:p>
                       <a:pPr algn="ctr">
+                        <a:lnSpc>
+                          <a:spcPct val="100000"/>
+                        </a:lnSpc>
                         <a:buNone/>
                       </a:pPr>
                       <a:r>
                         <a:rPr b="0" lang="hr-HR" sz="1800" spc="-1" strike="noStrike">
+                          <a:solidFill>
+                            <a:srgbClr val="000000"/>
+                          </a:solidFill>
                           <a:latin typeface="Arial"/>
+                          <a:ea typeface="DejaVu Sans"/>
                         </a:rPr>
                         <a:t>XGBoost</a:t>
                       </a:r>
@@ -8613,22 +14025,24 @@
                     </a:p>
                   </a:txBody>
                   <a:tcPr anchor="ctr" marL="90000" marR="90000">
-                    <a:lnL>
-                      <a:noFill/>
+                    <a:lnL w="12240">
+                      <a:solidFill>
+                        <a:srgbClr val="000000"/>
+                      </a:solidFill>
                     </a:lnL>
-                    <a:lnR w="720">
+                    <a:lnR w="12240">
                       <a:solidFill>
-                        <a:srgbClr val="ffffff"/>
+                        <a:srgbClr val="000000"/>
                       </a:solidFill>
                     </a:lnR>
-                    <a:lnT w="720">
+                    <a:lnT w="12240">
                       <a:solidFill>
-                        <a:srgbClr val="ffffff"/>
+                        <a:srgbClr val="000000"/>
                       </a:solidFill>
                     </a:lnT>
-                    <a:lnB w="720">
+                    <a:lnB w="12240">
                       <a:solidFill>
-                        <a:srgbClr val="ffffff"/>
+                        <a:srgbClr val="000000"/>
                       </a:solidFill>
                     </a:lnB>
                     <a:solidFill>
@@ -8638,16 +14052,23 @@
                 </a:tc>
                 <a:tc>
                   <a:txBody>
-                    <a:bodyPr lIns="90000" rIns="90000" tIns="46800" bIns="46800" anchor="ctr">
+                    <a:bodyPr lIns="90000" rIns="90000" anchor="ctr">
                       <a:noAutofit/>
                     </a:bodyPr>
                     <a:p>
                       <a:pPr algn="ctr">
+                        <a:lnSpc>
+                          <a:spcPct val="100000"/>
+                        </a:lnSpc>
                         <a:buNone/>
                       </a:pPr>
                       <a:r>
                         <a:rPr b="0" lang="hr-HR" sz="1800" spc="-1" strike="noStrike">
+                          <a:solidFill>
+                            <a:srgbClr val="000000"/>
+                          </a:solidFill>
                           <a:latin typeface="Arial"/>
+                          <a:ea typeface="DejaVu Sans"/>
                         </a:rPr>
                         <a:t>SVM</a:t>
                       </a:r>
@@ -8657,24 +14078,24 @@
                     </a:p>
                   </a:txBody>
                   <a:tcPr anchor="ctr" marL="90000" marR="90000">
-                    <a:lnL w="720">
+                    <a:lnL w="12240">
                       <a:solidFill>
-                        <a:srgbClr val="ffffff"/>
+                        <a:srgbClr val="000000"/>
                       </a:solidFill>
                     </a:lnL>
-                    <a:lnR w="720">
+                    <a:lnR w="12240">
                       <a:solidFill>
-                        <a:srgbClr val="ffffff"/>
+                        <a:srgbClr val="000000"/>
                       </a:solidFill>
                     </a:lnR>
-                    <a:lnT w="720">
+                    <a:lnT w="12240">
                       <a:solidFill>
-                        <a:srgbClr val="ffffff"/>
+                        <a:srgbClr val="000000"/>
                       </a:solidFill>
                     </a:lnT>
-                    <a:lnB w="720">
+                    <a:lnB w="12240">
                       <a:solidFill>
-                        <a:srgbClr val="ffffff"/>
+                        <a:srgbClr val="000000"/>
                       </a:solidFill>
                     </a:lnB>
                     <a:solidFill>
@@ -8684,16 +14105,23 @@
                 </a:tc>
                 <a:tc>
                   <a:txBody>
-                    <a:bodyPr lIns="90000" rIns="90000" tIns="46800" bIns="46800" anchor="ctr">
+                    <a:bodyPr lIns="90000" rIns="90000" anchor="ctr">
                       <a:noAutofit/>
                     </a:bodyPr>
                     <a:p>
                       <a:pPr algn="ctr">
+                        <a:lnSpc>
+                          <a:spcPct val="100000"/>
+                        </a:lnSpc>
                         <a:buNone/>
                       </a:pPr>
                       <a:r>
                         <a:rPr b="0" lang="hr-HR" sz="1800" spc="-1" strike="noStrike">
+                          <a:solidFill>
+                            <a:srgbClr val="000000"/>
+                          </a:solidFill>
                           <a:latin typeface="Arial"/>
+                          <a:ea typeface="DejaVu Sans"/>
                         </a:rPr>
                         <a:t>KNN</a:t>
                       </a:r>
@@ -8703,24 +14131,24 @@
                     </a:p>
                   </a:txBody>
                   <a:tcPr anchor="ctr" marL="90000" marR="90000">
-                    <a:lnL w="720">
+                    <a:lnL w="12240">
                       <a:solidFill>
-                        <a:srgbClr val="ffffff"/>
+                        <a:srgbClr val="000000"/>
                       </a:solidFill>
                     </a:lnL>
-                    <a:lnR w="720">
+                    <a:lnR w="12240">
                       <a:solidFill>
-                        <a:srgbClr val="ffffff"/>
+                        <a:srgbClr val="000000"/>
                       </a:solidFill>
                     </a:lnR>
-                    <a:lnT w="720">
+                    <a:lnT w="12240">
                       <a:solidFill>
-                        <a:srgbClr val="ffffff"/>
+                        <a:srgbClr val="000000"/>
                       </a:solidFill>
                     </a:lnT>
-                    <a:lnB w="720">
+                    <a:lnB w="12240">
                       <a:solidFill>
-                        <a:srgbClr val="ffffff"/>
+                        <a:srgbClr val="000000"/>
                       </a:solidFill>
                     </a:lnB>
                     <a:solidFill>
@@ -8732,16 +14160,23 @@
               <a:tr h="1176840">
                 <a:tc>
                   <a:txBody>
-                    <a:bodyPr lIns="90000" rIns="90000" tIns="46800" bIns="46800" anchor="ctr">
+                    <a:bodyPr lIns="90000" rIns="90000" anchor="ctr">
                       <a:noAutofit/>
                     </a:bodyPr>
                     <a:p>
                       <a:pPr algn="ctr">
+                        <a:lnSpc>
+                          <a:spcPct val="100000"/>
+                        </a:lnSpc>
                         <a:buNone/>
                       </a:pPr>
                       <a:r>
                         <a:rPr b="0" lang="hr-HR" sz="1800" spc="-1" strike="noStrike">
+                          <a:solidFill>
+                            <a:srgbClr val="000000"/>
+                          </a:solidFill>
                           <a:latin typeface="Arial"/>
+                          <a:ea typeface="DejaVu Sans"/>
                         </a:rPr>
                         <a:t>Točnost</a:t>
                       </a:r>
@@ -8751,22 +14186,24 @@
                     </a:p>
                   </a:txBody>
                   <a:tcPr anchor="ctr" marL="90000" marR="90000">
-                    <a:lnL w="720">
+                    <a:lnL w="12240">
                       <a:solidFill>
-                        <a:srgbClr val="ffffff"/>
+                        <a:srgbClr val="000000"/>
                       </a:solidFill>
                     </a:lnL>
-                    <a:lnR w="720">
+                    <a:lnR w="12240">
                       <a:solidFill>
-                        <a:srgbClr val="ffffff"/>
+                        <a:srgbClr val="000000"/>
                       </a:solidFill>
                     </a:lnR>
-                    <a:lnT>
-                      <a:noFill/>
+                    <a:lnT w="12240">
+                      <a:solidFill>
+                        <a:srgbClr val="000000"/>
+                      </a:solidFill>
                     </a:lnT>
-                    <a:lnB w="720">
+                    <a:lnB w="12240">
                       <a:solidFill>
-                        <a:srgbClr val="ffffff"/>
+                        <a:srgbClr val="000000"/>
                       </a:solidFill>
                     </a:lnB>
                     <a:solidFill>
@@ -8776,16 +14213,23 @@
                 </a:tc>
                 <a:tc>
                   <a:txBody>
-                    <a:bodyPr lIns="90000" rIns="90000" tIns="46800" bIns="46800" anchor="ctr">
+                    <a:bodyPr lIns="90000" rIns="90000" anchor="ctr">
                       <a:noAutofit/>
                     </a:bodyPr>
                     <a:p>
                       <a:pPr algn="ctr">
+                        <a:lnSpc>
+                          <a:spcPct val="100000"/>
+                        </a:lnSpc>
                         <a:buNone/>
                       </a:pPr>
                       <a:r>
                         <a:rPr b="0" lang="hr-HR" sz="1800" spc="-1" strike="noStrike">
+                          <a:solidFill>
+                            <a:srgbClr val="000000"/>
+                          </a:solidFill>
                           <a:latin typeface="Arial"/>
+                          <a:ea typeface="DejaVu Sans"/>
                         </a:rPr>
                         <a:t>85,86%</a:t>
                       </a:r>
@@ -8795,43 +14239,50 @@
                     </a:p>
                   </a:txBody>
                   <a:tcPr anchor="ctr" marL="90000" marR="90000">
-                    <a:lnL w="720">
+                    <a:lnL w="12240">
                       <a:solidFill>
-                        <a:srgbClr val="ffffff"/>
+                        <a:srgbClr val="000000"/>
                       </a:solidFill>
                     </a:lnL>
-                    <a:lnR w="720">
+                    <a:lnR w="12240">
                       <a:solidFill>
-                        <a:srgbClr val="ffffff"/>
+                        <a:srgbClr val="000000"/>
                       </a:solidFill>
                     </a:lnR>
-                    <a:lnT w="720">
+                    <a:lnT w="12240">
                       <a:solidFill>
-                        <a:srgbClr val="ffffff"/>
+                        <a:srgbClr val="000000"/>
                       </a:solidFill>
                     </a:lnT>
-                    <a:lnB w="720">
+                    <a:lnB w="12240">
                       <a:solidFill>
-                        <a:srgbClr val="ffffff"/>
+                        <a:srgbClr val="000000"/>
                       </a:solidFill>
                     </a:lnB>
                     <a:solidFill>
-                      <a:srgbClr val="cccccc"/>
+                      <a:srgbClr val="ffffff"/>
                     </a:solidFill>
                   </a:tcPr>
                 </a:tc>
                 <a:tc>
                   <a:txBody>
-                    <a:bodyPr lIns="90000" rIns="90000" tIns="46800" bIns="46800" anchor="ctr">
+                    <a:bodyPr lIns="90000" rIns="90000" anchor="ctr">
                       <a:noAutofit/>
                     </a:bodyPr>
                     <a:p>
                       <a:pPr algn="ctr">
+                        <a:lnSpc>
+                          <a:spcPct val="100000"/>
+                        </a:lnSpc>
                         <a:buNone/>
                       </a:pPr>
                       <a:r>
                         <a:rPr b="0" lang="hr-HR" sz="1800" spc="-1" strike="noStrike">
+                          <a:solidFill>
+                            <a:srgbClr val="000000"/>
+                          </a:solidFill>
                           <a:latin typeface="Arial"/>
+                          <a:ea typeface="DejaVu Sans"/>
                         </a:rPr>
                         <a:t>86,18%</a:t>
                       </a:r>
@@ -8841,43 +14292,50 @@
                     </a:p>
                   </a:txBody>
                   <a:tcPr anchor="ctr" marL="90000" marR="90000">
-                    <a:lnL w="720">
+                    <a:lnL w="12240">
                       <a:solidFill>
-                        <a:srgbClr val="ffffff"/>
+                        <a:srgbClr val="000000"/>
                       </a:solidFill>
                     </a:lnL>
-                    <a:lnR w="720">
+                    <a:lnR w="12240">
                       <a:solidFill>
-                        <a:srgbClr val="ffffff"/>
+                        <a:srgbClr val="000000"/>
                       </a:solidFill>
                     </a:lnR>
-                    <a:lnT w="720">
+                    <a:lnT w="12240">
                       <a:solidFill>
-                        <a:srgbClr val="ffffff"/>
+                        <a:srgbClr val="000000"/>
                       </a:solidFill>
                     </a:lnT>
-                    <a:lnB w="720">
+                    <a:lnB w="12240">
                       <a:solidFill>
-                        <a:srgbClr val="ffffff"/>
+                        <a:srgbClr val="000000"/>
                       </a:solidFill>
                     </a:lnB>
                     <a:solidFill>
-                      <a:srgbClr val="cccccc"/>
+                      <a:srgbClr val="ffffff"/>
                     </a:solidFill>
                   </a:tcPr>
                 </a:tc>
                 <a:tc>
                   <a:txBody>
-                    <a:bodyPr lIns="90000" rIns="90000" tIns="46800" bIns="46800" anchor="ctr">
+                    <a:bodyPr lIns="90000" rIns="90000" anchor="ctr">
                       <a:noAutofit/>
                     </a:bodyPr>
                     <a:p>
                       <a:pPr algn="ctr">
+                        <a:lnSpc>
+                          <a:spcPct val="100000"/>
+                        </a:lnSpc>
                         <a:buNone/>
                       </a:pPr>
                       <a:r>
                         <a:rPr b="0" lang="hr-HR" sz="1800" spc="-1" strike="noStrike">
+                          <a:solidFill>
+                            <a:srgbClr val="000000"/>
+                          </a:solidFill>
                           <a:latin typeface="Arial"/>
+                          <a:ea typeface="DejaVu Sans"/>
                         </a:rPr>
                         <a:t>85,86%</a:t>
                       </a:r>
@@ -8887,28 +14345,28 @@
                     </a:p>
                   </a:txBody>
                   <a:tcPr anchor="ctr" marL="90000" marR="90000">
-                    <a:lnL w="720">
+                    <a:lnL w="12240">
                       <a:solidFill>
-                        <a:srgbClr val="ffffff"/>
+                        <a:srgbClr val="000000"/>
                       </a:solidFill>
                     </a:lnL>
-                    <a:lnR w="720">
+                    <a:lnR w="12240">
                       <a:solidFill>
-                        <a:srgbClr val="ffffff"/>
+                        <a:srgbClr val="000000"/>
                       </a:solidFill>
                     </a:lnR>
-                    <a:lnT w="720">
+                    <a:lnT w="12240">
                       <a:solidFill>
-                        <a:srgbClr val="ffffff"/>
+                        <a:srgbClr val="000000"/>
                       </a:solidFill>
                     </a:lnT>
-                    <a:lnB w="720">
+                    <a:lnB w="12240">
                       <a:solidFill>
-                        <a:srgbClr val="ffffff"/>
+                        <a:srgbClr val="000000"/>
                       </a:solidFill>
                     </a:lnB>
                     <a:solidFill>
-                      <a:srgbClr val="cccccc"/>
+                      <a:srgbClr val="ffffff"/>
                     </a:solidFill>
                   </a:tcPr>
                 </a:tc>
@@ -8916,16 +14374,23 @@
               <a:tr h="1176840">
                 <a:tc>
                   <a:txBody>
-                    <a:bodyPr lIns="90000" rIns="90000" tIns="46800" bIns="46800" anchor="ctr">
+                    <a:bodyPr lIns="90000" rIns="90000" anchor="ctr">
                       <a:noAutofit/>
                     </a:bodyPr>
                     <a:p>
                       <a:pPr algn="ctr">
+                        <a:lnSpc>
+                          <a:spcPct val="100000"/>
+                        </a:lnSpc>
                         <a:buNone/>
                       </a:pPr>
                       <a:r>
                         <a:rPr b="0" lang="hr-HR" sz="1800" spc="-1" strike="noStrike">
+                          <a:solidFill>
+                            <a:srgbClr val="000000"/>
+                          </a:solidFill>
                           <a:latin typeface="Arial"/>
+                          <a:ea typeface="DejaVu Sans"/>
                         </a:rPr>
                         <a:t>F1</a:t>
                       </a:r>
@@ -8935,24 +14400,24 @@
                     </a:p>
                   </a:txBody>
                   <a:tcPr anchor="ctr" marL="90000" marR="90000">
-                    <a:lnL w="720">
+                    <a:lnL w="12240">
                       <a:solidFill>
-                        <a:srgbClr val="ffffff"/>
+                        <a:srgbClr val="000000"/>
                       </a:solidFill>
                     </a:lnL>
-                    <a:lnR w="720">
+                    <a:lnR w="12240">
                       <a:solidFill>
-                        <a:srgbClr val="ffffff"/>
+                        <a:srgbClr val="000000"/>
                       </a:solidFill>
                     </a:lnR>
-                    <a:lnT w="720">
+                    <a:lnT w="12240">
                       <a:solidFill>
-                        <a:srgbClr val="ffffff"/>
+                        <a:srgbClr val="000000"/>
                       </a:solidFill>
                     </a:lnT>
-                    <a:lnB w="720">
+                    <a:lnB w="12240">
                       <a:solidFill>
-                        <a:srgbClr val="ffffff"/>
+                        <a:srgbClr val="000000"/>
                       </a:solidFill>
                     </a:lnB>
                     <a:solidFill>
@@ -8962,16 +14427,23 @@
                 </a:tc>
                 <a:tc>
                   <a:txBody>
-                    <a:bodyPr lIns="90000" rIns="90000" tIns="46800" bIns="46800" anchor="ctr">
+                    <a:bodyPr lIns="90000" rIns="90000" anchor="ctr">
                       <a:noAutofit/>
                     </a:bodyPr>
                     <a:p>
                       <a:pPr algn="ctr">
+                        <a:lnSpc>
+                          <a:spcPct val="100000"/>
+                        </a:lnSpc>
                         <a:buNone/>
                       </a:pPr>
                       <a:r>
                         <a:rPr b="0" lang="hr-HR" sz="1800" spc="-1" strike="noStrike">
+                          <a:solidFill>
+                            <a:srgbClr val="000000"/>
+                          </a:solidFill>
                           <a:latin typeface="Arial"/>
+                          <a:ea typeface="DejaVu Sans"/>
                         </a:rPr>
                         <a:t>41,02%</a:t>
                       </a:r>
@@ -8981,43 +14453,50 @@
                     </a:p>
                   </a:txBody>
                   <a:tcPr anchor="ctr" marL="90000" marR="90000">
-                    <a:lnL w="720">
+                    <a:lnL w="12240">
                       <a:solidFill>
-                        <a:srgbClr val="ffffff"/>
+                        <a:srgbClr val="000000"/>
                       </a:solidFill>
                     </a:lnL>
-                    <a:lnR w="720">
+                    <a:lnR w="12240">
                       <a:solidFill>
-                        <a:srgbClr val="ffffff"/>
+                        <a:srgbClr val="000000"/>
                       </a:solidFill>
                     </a:lnR>
-                    <a:lnT w="720">
+                    <a:lnT w="12240">
                       <a:solidFill>
-                        <a:srgbClr val="ffffff"/>
+                        <a:srgbClr val="000000"/>
                       </a:solidFill>
                     </a:lnT>
-                    <a:lnB w="720">
+                    <a:lnB w="12240">
                       <a:solidFill>
-                        <a:srgbClr val="ffffff"/>
+                        <a:srgbClr val="000000"/>
                       </a:solidFill>
                     </a:lnB>
                     <a:solidFill>
-                      <a:srgbClr val="e6e6e6"/>
+                      <a:srgbClr val="ffffff"/>
                     </a:solidFill>
                   </a:tcPr>
                 </a:tc>
                 <a:tc>
                   <a:txBody>
-                    <a:bodyPr lIns="90000" rIns="90000" tIns="46800" bIns="46800" anchor="ctr">
+                    <a:bodyPr lIns="90000" rIns="90000" anchor="ctr">
                       <a:noAutofit/>
                     </a:bodyPr>
                     <a:p>
                       <a:pPr algn="ctr">
+                        <a:lnSpc>
+                          <a:spcPct val="100000"/>
+                        </a:lnSpc>
                         <a:buNone/>
                       </a:pPr>
                       <a:r>
                         <a:rPr b="0" lang="hr-HR" sz="1800" spc="-1" strike="noStrike">
+                          <a:solidFill>
+                            <a:srgbClr val="000000"/>
+                          </a:solidFill>
                           <a:latin typeface="Arial"/>
+                          <a:ea typeface="DejaVu Sans"/>
                         </a:rPr>
                         <a:t>33,19%</a:t>
                       </a:r>
@@ -9027,43 +14506,50 @@
                     </a:p>
                   </a:txBody>
                   <a:tcPr anchor="ctr" marL="90000" marR="90000">
-                    <a:lnL w="720">
+                    <a:lnL w="12240">
                       <a:solidFill>
-                        <a:srgbClr val="ffffff"/>
+                        <a:srgbClr val="000000"/>
                       </a:solidFill>
                     </a:lnL>
-                    <a:lnR w="720">
+                    <a:lnR w="12240">
                       <a:solidFill>
-                        <a:srgbClr val="ffffff"/>
+                        <a:srgbClr val="000000"/>
                       </a:solidFill>
                     </a:lnR>
-                    <a:lnT w="720">
+                    <a:lnT w="12240">
                       <a:solidFill>
-                        <a:srgbClr val="ffffff"/>
+                        <a:srgbClr val="000000"/>
                       </a:solidFill>
                     </a:lnT>
-                    <a:lnB w="720">
+                    <a:lnB w="12240">
                       <a:solidFill>
-                        <a:srgbClr val="ffffff"/>
+                        <a:srgbClr val="000000"/>
                       </a:solidFill>
                     </a:lnB>
                     <a:solidFill>
-                      <a:srgbClr val="e6e6e6"/>
+                      <a:srgbClr val="ffffff"/>
                     </a:solidFill>
                   </a:tcPr>
                 </a:tc>
                 <a:tc>
                   <a:txBody>
-                    <a:bodyPr lIns="90000" rIns="90000" tIns="46800" bIns="46800" anchor="ctr">
+                    <a:bodyPr lIns="90000" rIns="90000" anchor="ctr">
                       <a:noAutofit/>
                     </a:bodyPr>
                     <a:p>
                       <a:pPr algn="ctr">
+                        <a:lnSpc>
+                          <a:spcPct val="100000"/>
+                        </a:lnSpc>
                         <a:buNone/>
                       </a:pPr>
                       <a:r>
                         <a:rPr b="0" lang="hr-HR" sz="1800" spc="-1" strike="noStrike">
+                          <a:solidFill>
+                            <a:srgbClr val="000000"/>
+                          </a:solidFill>
                           <a:latin typeface="Arial"/>
+                          <a:ea typeface="DejaVu Sans"/>
                         </a:rPr>
                         <a:t>30,80%</a:t>
                       </a:r>
@@ -9073,28 +14559,28 @@
                     </a:p>
                   </a:txBody>
                   <a:tcPr anchor="ctr" marL="90000" marR="90000">
-                    <a:lnL w="720">
+                    <a:lnL w="12240">
                       <a:solidFill>
-                        <a:srgbClr val="ffffff"/>
+                        <a:srgbClr val="000000"/>
                       </a:solidFill>
                     </a:lnL>
-                    <a:lnR w="720">
+                    <a:lnR w="12240">
                       <a:solidFill>
-                        <a:srgbClr val="ffffff"/>
+                        <a:srgbClr val="000000"/>
                       </a:solidFill>
                     </a:lnR>
-                    <a:lnT w="720">
+                    <a:lnT w="12240">
                       <a:solidFill>
-                        <a:srgbClr val="ffffff"/>
+                        <a:srgbClr val="000000"/>
                       </a:solidFill>
                     </a:lnT>
-                    <a:lnB w="720">
+                    <a:lnB w="12240">
                       <a:solidFill>
-                        <a:srgbClr val="ffffff"/>
+                        <a:srgbClr val="000000"/>
                       </a:solidFill>
                     </a:lnB>
                     <a:solidFill>
-                      <a:srgbClr val="e6e6e6"/>
+                      <a:srgbClr val="ffffff"/>
                     </a:solidFill>
                   </a:tcPr>
                 </a:tc>
@@ -9135,7 +14621,7 @@
       </p:grpSpPr>
       <p:sp>
         <p:nvSpPr>
-          <p:cNvPr id="147" name="PlaceHolder 1"/>
+          <p:cNvPr id="229" name="PlaceHolder 1"/>
           <p:cNvSpPr>
             <a:spLocks noGrp="1"/>
           </p:cNvSpPr>
@@ -9146,7 +14632,7 @@
         <p:spPr>
           <a:xfrm>
             <a:off x="609480" y="273600"/>
-            <a:ext cx="10972440" cy="1144800"/>
+            <a:ext cx="10971000" cy="1143360"/>
           </a:xfrm>
           <a:prstGeom prst="rect">
             <a:avLst/>
@@ -9161,9 +14647,19 @@
             <a:noAutofit/>
           </a:bodyPr>
           <a:p>
+            <a:pPr>
+              <a:lnSpc>
+                <a:spcPct val="90000"/>
+              </a:lnSpc>
+              <a:buNone/>
+            </a:pPr>
             <a:r>
               <a:rPr b="0" lang="hr-HR" sz="4400" spc="-1" strike="noStrike">
+                <a:solidFill>
+                  <a:srgbClr val="000000"/>
+                </a:solidFill>
                 <a:latin typeface="Arial"/>
+                <a:ea typeface="DejaVu Sans"/>
               </a:rPr>
               <a:t>Rezultati – confusion matrix</a:t>
             </a:r>
@@ -9173,40 +14669,29 @@
           </a:p>
         </p:txBody>
       </p:sp>
-      <p:sp>
-        <p:nvSpPr>
-          <p:cNvPr id="148" name="PlaceHolder 2"/>
-          <p:cNvSpPr>
-            <a:spLocks noGrp="1"/>
-          </p:cNvSpPr>
-          <p:nvPr>
-            <p:ph/>
-          </p:nvPr>
-        </p:nvSpPr>
-        <p:spPr>
-          <a:xfrm>
-            <a:off x="609480" y="1604520"/>
-            <a:ext cx="10972440" cy="3977280"/>
-          </a:xfrm>
-          <a:prstGeom prst="rect">
-            <a:avLst/>
-          </a:prstGeom>
-          <a:noFill/>
-          <a:ln w="0">
-            <a:noFill/>
-          </a:ln>
-        </p:spPr>
-        <p:txBody>
-          <a:bodyPr lIns="0" rIns="0" tIns="0" bIns="0" anchor="t">
-            <a:normAutofit/>
-          </a:bodyPr>
-          <a:p>
-            <a:endParaRPr b="0" lang="hr-HR" sz="3200" spc="-1" strike="noStrike">
-              <a:latin typeface="Arial"/>
-            </a:endParaRPr>
-          </a:p>
-        </p:txBody>
-      </p:sp>
+      <p:pic>
+        <p:nvPicPr>
+          <p:cNvPr id="230" name="" descr=""/>
+          <p:cNvPicPr/>
+          <p:nvPr/>
+        </p:nvPicPr>
+        <p:blipFill>
+          <a:blip r:embed="rId1"/>
+          <a:stretch/>
+        </p:blipFill>
+        <p:spPr>
+          <a:xfrm>
+            <a:off x="1816920" y="1418040"/>
+            <a:ext cx="5742000" cy="4113360"/>
+          </a:xfrm>
+          <a:prstGeom prst="rect">
+            <a:avLst/>
+          </a:prstGeom>
+          <a:ln w="0">
+            <a:noFill/>
+          </a:ln>
+        </p:spPr>
+      </p:pic>
     </p:spTree>
   </p:cSld>
   <mc:AlternateContent>
@@ -9239,7 +14724,7 @@
       </p:grpSpPr>
       <p:sp>
         <p:nvSpPr>
-          <p:cNvPr id="149" name="PlaceHolder 1"/>
+          <p:cNvPr id="231" name="PlaceHolder 1"/>
           <p:cNvSpPr>
             <a:spLocks noGrp="1"/>
           </p:cNvSpPr>
@@ -9249,8 +14734,107 @@
         </p:nvSpPr>
         <p:spPr>
           <a:xfrm>
+            <a:off x="609480" y="273600"/>
+            <a:ext cx="10971720" cy="1144080"/>
+          </a:xfrm>
+          <a:prstGeom prst="rect">
+            <a:avLst/>
+          </a:prstGeom>
+          <a:noFill/>
+          <a:ln w="0">
+            <a:noFill/>
+          </a:ln>
+        </p:spPr>
+        <p:txBody>
+          <a:bodyPr lIns="0" rIns="0" tIns="0" bIns="0" anchor="ctr">
+            <a:noAutofit/>
+          </a:bodyPr>
+          <a:p>
+            <a:pPr>
+              <a:lnSpc>
+                <a:spcPct val="100000"/>
+              </a:lnSpc>
+              <a:buNone/>
+            </a:pPr>
+            <a:r>
+              <a:rPr b="0" lang="hr-HR" sz="4400" spc="-1" strike="noStrike">
+                <a:latin typeface="Arial"/>
+              </a:rPr>
+              <a:t>Rezultati – analiza grešaka</a:t>
+            </a:r>
+            <a:endParaRPr b="0" lang="hr-HR" sz="4400" spc="-1" strike="noStrike">
+              <a:latin typeface="Arial"/>
+            </a:endParaRPr>
+          </a:p>
+        </p:txBody>
+      </p:sp>
+      <p:pic>
+        <p:nvPicPr>
+          <p:cNvPr id="232" name="" descr=""/>
+          <p:cNvPicPr/>
+          <p:nvPr/>
+        </p:nvPicPr>
+        <p:blipFill>
+          <a:blip r:embed="rId1"/>
+          <a:stretch/>
+        </p:blipFill>
+        <p:spPr>
+          <a:xfrm>
+            <a:off x="1582920" y="1517760"/>
+            <a:ext cx="8676360" cy="4961520"/>
+          </a:xfrm>
+          <a:prstGeom prst="rect">
+            <a:avLst/>
+          </a:prstGeom>
+          <a:ln w="0">
+            <a:noFill/>
+          </a:ln>
+        </p:spPr>
+      </p:pic>
+    </p:spTree>
+  </p:cSld>
+  <mc:AlternateContent>
+    <mc:Choice Requires="p14">
+      <p:transition spd="slow" p14:dur="2000"/>
+    </mc:Choice>
+    <mc:Fallback>
+      <p:transition spd="slow"/>
+    </mc:Fallback>
+  </mc:AlternateContent>
+</p:sld>
+</file>
+
+<file path=ppt/slides/slide13.xml><?xml version="1.0" encoding="utf-8"?>
+<p:sld xmlns:a="http://schemas.openxmlformats.org/drawingml/2006/main" xmlns:p="http://schemas.openxmlformats.org/presentationml/2006/main" xmlns:r="http://schemas.openxmlformats.org/officeDocument/2006/relationships" xmlns:p14="http://schemas.microsoft.com/office/powerpoint/2010/main" xmlns:p15="http://schemas.microsoft.com/office/powerpoint/2012/main" xmlns:mc="http://schemas.openxmlformats.org/markup-compatibility/2006">
+  <p:cSld>
+    <p:spTree>
+      <p:nvGrpSpPr>
+        <p:cNvPr id="1" name=""/>
+        <p:cNvGrpSpPr/>
+        <p:nvPr/>
+      </p:nvGrpSpPr>
+      <p:grpSpPr>
+        <a:xfrm>
+          <a:off x="0" y="0"/>
+          <a:ext cx="0" cy="0"/>
+          <a:chOff x="0" y="0"/>
+          <a:chExt cx="0" cy="0"/>
+        </a:xfrm>
+      </p:grpSpPr>
+      <p:sp>
+        <p:nvSpPr>
+          <p:cNvPr id="233" name="PlaceHolder 1"/>
+          <p:cNvSpPr>
+            <a:spLocks noGrp="1"/>
+          </p:cNvSpPr>
+          <p:nvPr>
+            <p:ph type="title"/>
+          </p:nvPr>
+        </p:nvSpPr>
+        <p:spPr>
+          <a:xfrm>
             <a:off x="838080" y="365040"/>
-            <a:ext cx="10514520" cy="1324440"/>
+            <a:ext cx="10513080" cy="1323000"/>
           </a:xfrm>
           <a:prstGeom prst="rect">
             <a:avLst/>
@@ -9277,6 +14861,7 @@
                   <a:srgbClr val="000000"/>
                 </a:solidFill>
                 <a:latin typeface="Aptos Display"/>
+                <a:ea typeface="DejaVu Sans"/>
               </a:rPr>
               <a:t>Poveznice</a:t>
             </a:r>
@@ -9288,7 +14873,7 @@
       </p:sp>
       <p:sp>
         <p:nvSpPr>
-          <p:cNvPr id="150" name="PlaceHolder 2"/>
+          <p:cNvPr id="234" name="PlaceHolder 2"/>
           <p:cNvSpPr>
             <a:spLocks noGrp="1"/>
           </p:cNvSpPr>
@@ -9299,7 +14884,7 @@
         <p:spPr>
           <a:xfrm>
             <a:off x="838080" y="1825560"/>
-            <a:ext cx="10514520" cy="4350240"/>
+            <a:ext cx="10513080" cy="4348800"/>
           </a:xfrm>
           <a:prstGeom prst="rect">
             <a:avLst/>
@@ -9333,6 +14918,7 @@
                   <a:srgbClr val="000000"/>
                 </a:solidFill>
                 <a:latin typeface="Aptos"/>
+                <a:ea typeface="DejaVu Sans"/>
               </a:rPr>
               <a:t>Recenzije knjiga: https://www.najboljeknjige.com/recenzije</a:t>
             </a:r>
@@ -9360,6 +14946,7 @@
                   <a:srgbClr val="000000"/>
                 </a:solidFill>
                 <a:latin typeface="Aptos"/>
+                <a:ea typeface="DejaVu Sans"/>
               </a:rPr>
               <a:t>Github: </a:t>
             </a:r>
@@ -9370,6 +14957,7 @@
                 </a:solidFill>
                 <a:uFillTx/>
                 <a:latin typeface="Aptos"/>
+                <a:ea typeface="DejaVu Sans"/>
                 <a:hlinkClick r:id="rId1"/>
               </a:rPr>
               <a:t>https://github.com/Sentimentalci/opjprojekt</a:t>
@@ -9398,6 +14986,7 @@
                   <a:srgbClr val="000000"/>
                 </a:solidFill>
                 <a:latin typeface="Aptos"/>
+                <a:ea typeface="DejaVu Sans"/>
               </a:rPr>
               <a:t>OG korpus: </a:t>
             </a:r>
@@ -9408,6 +14997,7 @@
                 </a:solidFill>
                 <a:uFillTx/>
                 <a:latin typeface="Aptos"/>
+                <a:ea typeface="DejaVu Sans"/>
                 <a:hlinkClick r:id="rId2"/>
               </a:rPr>
               <a:t>https://github.com/Sentimentalci/opjprojekt/blob/master/tekst.txt</a:t>
@@ -9436,6 +15026,7 @@
                   <a:srgbClr val="000000"/>
                 </a:solidFill>
                 <a:latin typeface="Aptos"/>
+                <a:ea typeface="DejaVu Sans"/>
               </a:rPr>
               <a:t>Anotirani korpus: https://github.com/Sentimentalci/opjprojekt/blob/master/Knjiga.tsv</a:t>
             </a:r>
@@ -9477,7 +15068,7 @@
       </p:grpSpPr>
       <p:sp>
         <p:nvSpPr>
-          <p:cNvPr id="126" name="PlaceHolder 1"/>
+          <p:cNvPr id="208" name="PlaceHolder 1"/>
           <p:cNvSpPr>
             <a:spLocks noGrp="1"/>
           </p:cNvSpPr>
@@ -9488,7 +15079,7 @@
         <p:spPr>
           <a:xfrm>
             <a:off x="838080" y="365040"/>
-            <a:ext cx="10514520" cy="1324440"/>
+            <a:ext cx="10513080" cy="1323000"/>
           </a:xfrm>
           <a:prstGeom prst="rect">
             <a:avLst/>
@@ -9515,6 +15106,7 @@
                   <a:srgbClr val="000000"/>
                 </a:solidFill>
                 <a:latin typeface="Aptos Display"/>
+                <a:ea typeface="DejaVu Sans"/>
               </a:rPr>
               <a:t>Sadržaj</a:t>
             </a:r>
@@ -9526,7 +15118,7 @@
       </p:sp>
       <p:sp>
         <p:nvSpPr>
-          <p:cNvPr id="127" name="PlaceHolder 2"/>
+          <p:cNvPr id="209" name="PlaceHolder 2"/>
           <p:cNvSpPr>
             <a:spLocks noGrp="1"/>
           </p:cNvSpPr>
@@ -9537,7 +15129,7 @@
         <p:spPr>
           <a:xfrm>
             <a:off x="838080" y="1825560"/>
-            <a:ext cx="10514520" cy="4350240"/>
+            <a:ext cx="10513080" cy="4348800"/>
           </a:xfrm>
           <a:prstGeom prst="rect">
             <a:avLst/>
@@ -9571,6 +15163,7 @@
                   <a:srgbClr val="000000"/>
                 </a:solidFill>
                 <a:latin typeface="Aptos"/>
+                <a:ea typeface="DejaVu Sans"/>
               </a:rPr>
               <a:t>Analiza sentimenta</a:t>
             </a:r>
@@ -9598,6 +15191,7 @@
                   <a:srgbClr val="000000"/>
                 </a:solidFill>
                 <a:latin typeface="Aptos"/>
+                <a:ea typeface="DejaVu Sans"/>
               </a:rPr>
               <a:t>Skup podataka – detalji</a:t>
             </a:r>
@@ -9625,6 +15219,7 @@
                   <a:srgbClr val="000000"/>
                 </a:solidFill>
                 <a:latin typeface="Aptos"/>
+                <a:ea typeface="DejaVu Sans"/>
               </a:rPr>
               <a:t>Skup podataka – statistika</a:t>
             </a:r>
@@ -9652,6 +15247,7 @@
                   <a:srgbClr val="000000"/>
                 </a:solidFill>
                 <a:latin typeface="Aptos"/>
+                <a:ea typeface="DejaVu Sans"/>
               </a:rPr>
               <a:t>Modeli</a:t>
             </a:r>
@@ -9679,6 +15275,7 @@
                   <a:srgbClr val="000000"/>
                 </a:solidFill>
                 <a:latin typeface="Aptos"/>
+                <a:ea typeface="DejaVu Sans"/>
               </a:rPr>
               <a:t>Rezultati</a:t>
             </a:r>
@@ -9706,6 +15303,7 @@
                   <a:srgbClr val="000000"/>
                 </a:solidFill>
                 <a:latin typeface="Aptos"/>
+                <a:ea typeface="DejaVu Sans"/>
               </a:rPr>
               <a:t>Poveznice</a:t>
             </a:r>
@@ -9747,7 +15345,7 @@
       </p:grpSpPr>
       <p:sp>
         <p:nvSpPr>
-          <p:cNvPr id="128" name="PlaceHolder 1"/>
+          <p:cNvPr id="210" name="PlaceHolder 1"/>
           <p:cNvSpPr>
             <a:spLocks noGrp="1"/>
           </p:cNvSpPr>
@@ -9758,7 +15356,7 @@
         <p:spPr>
           <a:xfrm>
             <a:off x="838080" y="365040"/>
-            <a:ext cx="10514520" cy="1324440"/>
+            <a:ext cx="10513080" cy="1323000"/>
           </a:xfrm>
           <a:prstGeom prst="rect">
             <a:avLst/>
@@ -9785,6 +15383,7 @@
                   <a:srgbClr val="000000"/>
                 </a:solidFill>
                 <a:latin typeface="Aptos Display"/>
+                <a:ea typeface="DejaVu Sans"/>
               </a:rPr>
               <a:t>Analiza sentimenta</a:t>
             </a:r>
@@ -9796,7 +15395,7 @@
       </p:sp>
       <p:sp>
         <p:nvSpPr>
-          <p:cNvPr id="129" name="PlaceHolder 2"/>
+          <p:cNvPr id="211" name="PlaceHolder 2"/>
           <p:cNvSpPr>
             <a:spLocks noGrp="1"/>
           </p:cNvSpPr>
@@ -9807,7 +15406,7 @@
         <p:spPr>
           <a:xfrm>
             <a:off x="838080" y="1825560"/>
-            <a:ext cx="10514520" cy="4350240"/>
+            <a:ext cx="10513080" cy="4348800"/>
           </a:xfrm>
           <a:prstGeom prst="rect">
             <a:avLst/>
@@ -9841,8 +15440,9 @@
                   <a:srgbClr val="000000"/>
                 </a:solidFill>
                 <a:latin typeface="Aptos"/>
+                <a:ea typeface="DejaVu Sans"/>
               </a:rPr>
-              <a:t>Teorija, potreba i problematika analize sentimenta --</a:t>
+              <a:t>Pronalaženje lingvističkih uzoraka u tekstu koji otkrivaju nečiji stav o nekom svojstvu nekog objekta (u točno nekom trenutku)</a:t>
             </a:r>
             <a:endParaRPr b="0" lang="hr-HR" sz="2800" spc="-1" strike="noStrike">
               <a:latin typeface="Arial"/>
@@ -9868,8 +15468,9 @@
                   <a:srgbClr val="000000"/>
                 </a:solidFill>
                 <a:latin typeface="Aptos"/>
+                <a:ea typeface="DejaVu Sans"/>
               </a:rPr>
-              <a:t>Pronalaženje lingvističkih uzoraka u tekstu koji otkrivaju nečiji stav o nekom svojstvu nekog objekta (u točno nekom trenutku)</a:t>
+              <a:t>Najčešće koristi podatke s društvenih mreža -&gt; javno mišljenje o nekoj temi</a:t>
             </a:r>
             <a:endParaRPr b="0" lang="hr-HR" sz="2800" spc="-1" strike="noStrike">
               <a:latin typeface="Arial"/>
@@ -9895,33 +15496,7 @@
                   <a:srgbClr val="000000"/>
                 </a:solidFill>
                 <a:latin typeface="Aptos"/>
-              </a:rPr>
-              <a:t>Najčešće koristi podatke s društvenih mreža -&gt; javno mišljenje o nekoj temi</a:t>
-            </a:r>
-            <a:endParaRPr b="0" lang="hr-HR" sz="2800" spc="-1" strike="noStrike">
-              <a:latin typeface="Arial"/>
-            </a:endParaRPr>
-          </a:p>
-          <a:p>
-            <a:pPr marL="228600" indent="-228600">
-              <a:lnSpc>
-                <a:spcPct val="90000"/>
-              </a:lnSpc>
-              <a:spcBef>
-                <a:spcPts val="1001"/>
-              </a:spcBef>
-              <a:buClr>
-                <a:srgbClr val="000000"/>
-              </a:buClr>
-              <a:buFont typeface="Arial"/>
-              <a:buChar char="•"/>
-            </a:pPr>
-            <a:r>
-              <a:rPr b="0" lang="hr-HR" sz="2800" spc="-1" strike="noStrike">
-                <a:solidFill>
-                  <a:srgbClr val="000000"/>
-                </a:solidFill>
-                <a:latin typeface="Aptos"/>
+                <a:ea typeface="DejaVu Sans"/>
               </a:rPr>
               <a:t>Marketing, političke analize, istraživanje korisničkog iskustva i sl.</a:t>
             </a:r>
@@ -9963,7 +15538,7 @@
       </p:grpSpPr>
       <p:sp>
         <p:nvSpPr>
-          <p:cNvPr id="130" name="PlaceHolder 1"/>
+          <p:cNvPr id="212" name="PlaceHolder 1"/>
           <p:cNvSpPr>
             <a:spLocks noGrp="1"/>
           </p:cNvSpPr>
@@ -9974,7 +15549,7 @@
         <p:spPr>
           <a:xfrm>
             <a:off x="838080" y="365040"/>
-            <a:ext cx="10514520" cy="1324440"/>
+            <a:ext cx="10513080" cy="1323000"/>
           </a:xfrm>
           <a:prstGeom prst="rect">
             <a:avLst/>
@@ -10001,6 +15576,7 @@
                   <a:srgbClr val="000000"/>
                 </a:solidFill>
                 <a:latin typeface="Aptos Display"/>
+                <a:ea typeface="DejaVu Sans"/>
               </a:rPr>
               <a:t>Skup podataka - detalji</a:t>
             </a:r>
@@ -10012,7 +15588,7 @@
       </p:sp>
       <p:sp>
         <p:nvSpPr>
-          <p:cNvPr id="131" name="PlaceHolder 2"/>
+          <p:cNvPr id="213" name="PlaceHolder 2"/>
           <p:cNvSpPr>
             <a:spLocks noGrp="1"/>
           </p:cNvSpPr>
@@ -10023,7 +15599,7 @@
         <p:spPr>
           <a:xfrm>
             <a:off x="838080" y="1825560"/>
-            <a:ext cx="10514520" cy="4350240"/>
+            <a:ext cx="10513080" cy="4348800"/>
           </a:xfrm>
           <a:prstGeom prst="rect">
             <a:avLst/>
@@ -10057,6 +15633,7 @@
                   <a:srgbClr val="000000"/>
                 </a:solidFill>
                 <a:latin typeface="Aptos"/>
+                <a:ea typeface="DejaVu Sans"/>
               </a:rPr>
               <a:t>Recenzije knjiga: https://www.najboljeknjige.com/recenzije</a:t>
             </a:r>
@@ -10084,6 +15661,7 @@
                   <a:srgbClr val="000000"/>
                 </a:solidFill>
                 <a:latin typeface="Aptos"/>
+                <a:ea typeface="DejaVu Sans"/>
               </a:rPr>
               <a:t>Prikupljanje podataka:</a:t>
             </a:r>
@@ -10111,6 +15689,7 @@
                   <a:srgbClr val="000000"/>
                 </a:solidFill>
                 <a:latin typeface="Aptos"/>
+                <a:ea typeface="DejaVu Sans"/>
               </a:rPr>
               <a:t>Beautiful Soup (bs4)</a:t>
             </a:r>
@@ -10138,6 +15717,7 @@
                   <a:srgbClr val="000000"/>
                 </a:solidFill>
                 <a:latin typeface="Aptos"/>
+                <a:ea typeface="DejaVu Sans"/>
               </a:rPr>
               <a:t>uklanjanje html oznaka</a:t>
             </a:r>
@@ -10165,6 +15745,7 @@
                   <a:srgbClr val="000000"/>
                 </a:solidFill>
                 <a:latin typeface="Aptos"/>
+                <a:ea typeface="DejaVu Sans"/>
               </a:rPr>
               <a:t>Čišćenje podataka:</a:t>
             </a:r>
@@ -10192,6 +15773,7 @@
                   <a:srgbClr val="000000"/>
                 </a:solidFill>
                 <a:latin typeface="Aptos"/>
+                <a:ea typeface="DejaVu Sans"/>
               </a:rPr>
               <a:t>Segmentacija na rečenice (., !, ?, dodatno)</a:t>
             </a:r>
@@ -10219,6 +15801,7 @@
                   <a:srgbClr val="000000"/>
                 </a:solidFill>
                 <a:latin typeface="Aptos"/>
+                <a:ea typeface="DejaVu Sans"/>
               </a:rPr>
               <a:t>Ručna provjera</a:t>
             </a:r>
@@ -10227,7 +15810,7 @@
             </a:endParaRPr>
           </a:p>
           <a:p>
-            <a:pPr>
+            <a:pPr marL="228600" indent="-228600">
               <a:lnSpc>
                 <a:spcPct val="90000"/>
               </a:lnSpc>
@@ -10235,6 +15818,9 @@
                 <a:spcPts val="1001"/>
               </a:spcBef>
               <a:buNone/>
+              <a:tabLst>
+                <a:tab algn="l" pos="0"/>
+              </a:tabLst>
             </a:pPr>
             <a:endParaRPr b="0" lang="hr-HR" sz="2800" spc="-1" strike="noStrike">
               <a:latin typeface="Arial"/>
@@ -10274,7 +15860,7 @@
       </p:grpSpPr>
       <p:sp>
         <p:nvSpPr>
-          <p:cNvPr id="132" name="PlaceHolder 1"/>
+          <p:cNvPr id="214" name="PlaceHolder 1"/>
           <p:cNvSpPr>
             <a:spLocks noGrp="1"/>
           </p:cNvSpPr>
@@ -10285,7 +15871,7 @@
         <p:spPr>
           <a:xfrm>
             <a:off x="838080" y="365040"/>
-            <a:ext cx="10514520" cy="1324440"/>
+            <a:ext cx="10513080" cy="1323000"/>
           </a:xfrm>
           <a:prstGeom prst="rect">
             <a:avLst/>
@@ -10312,6 +15898,7 @@
                   <a:srgbClr val="000000"/>
                 </a:solidFill>
                 <a:latin typeface="Aptos Display"/>
+                <a:ea typeface="DejaVu Sans"/>
               </a:rPr>
               <a:t>Skup podataka - anotacije</a:t>
             </a:r>
@@ -10323,7 +15910,7 @@
       </p:sp>
       <p:sp>
         <p:nvSpPr>
-          <p:cNvPr id="133" name="PlaceHolder 2"/>
+          <p:cNvPr id="215" name="PlaceHolder 2"/>
           <p:cNvSpPr>
             <a:spLocks noGrp="1"/>
           </p:cNvSpPr>
@@ -10334,7 +15921,7 @@
         <p:spPr>
           <a:xfrm>
             <a:off x="838080" y="1825560"/>
-            <a:ext cx="10514520" cy="4350240"/>
+            <a:ext cx="10513080" cy="4348800"/>
           </a:xfrm>
           <a:prstGeom prst="rect">
             <a:avLst/>
@@ -10368,6 +15955,7 @@
                   <a:srgbClr val="000000"/>
                 </a:solidFill>
                 <a:latin typeface="Aptos"/>
+                <a:ea typeface="DejaVu Sans"/>
               </a:rPr>
               <a:t>4 anotatora u grupi, 1 programer</a:t>
             </a:r>
@@ -10395,6 +15983,7 @@
                   <a:srgbClr val="000000"/>
                 </a:solidFill>
                 <a:latin typeface="Aptos"/>
+                <a:ea typeface="DejaVu Sans"/>
               </a:rPr>
               <a:t>Svaki anotira 2250 rečenica -&gt; 3000 rečenica</a:t>
             </a:r>
@@ -10422,6 +16011,7 @@
                   <a:srgbClr val="000000"/>
                 </a:solidFill>
                 <a:latin typeface="Aptos"/>
+                <a:ea typeface="DejaVu Sans"/>
               </a:rPr>
               <a:t>1-2250,</a:t>
             </a:r>
@@ -10603,7 +16193,7 @@
       </p:grpSpPr>
       <p:sp>
         <p:nvSpPr>
-          <p:cNvPr id="134" name="PlaceHolder 1"/>
+          <p:cNvPr id="216" name="PlaceHolder 1"/>
           <p:cNvSpPr>
             <a:spLocks noGrp="1"/>
           </p:cNvSpPr>
@@ -10614,7 +16204,7 @@
         <p:spPr>
           <a:xfrm>
             <a:off x="838080" y="365040"/>
-            <a:ext cx="10514520" cy="1324440"/>
+            <a:ext cx="10513080" cy="1323000"/>
           </a:xfrm>
           <a:prstGeom prst="rect">
             <a:avLst/>
@@ -10641,6 +16231,7 @@
                   <a:srgbClr val="000000"/>
                 </a:solidFill>
                 <a:latin typeface="Aptos Display"/>
+                <a:ea typeface="DejaVu Sans"/>
               </a:rPr>
               <a:t>Set podataka - statistika</a:t>
             </a:r>
@@ -10652,7 +16243,7 @@
       </p:sp>
       <p:sp>
         <p:nvSpPr>
-          <p:cNvPr id="135" name="PlaceHolder 2"/>
+          <p:cNvPr id="217" name="PlaceHolder 2"/>
           <p:cNvSpPr>
             <a:spLocks noGrp="1"/>
           </p:cNvSpPr>
@@ -10663,7 +16254,7 @@
         <p:spPr>
           <a:xfrm>
             <a:off x="838080" y="1825560"/>
-            <a:ext cx="10514520" cy="4350240"/>
+            <a:ext cx="10513080" cy="4348800"/>
           </a:xfrm>
           <a:prstGeom prst="rect">
             <a:avLst/>
@@ -10697,8 +16288,9 @@
                   <a:srgbClr val="000000"/>
                 </a:solidFill>
                 <a:latin typeface="Aptos"/>
+                <a:ea typeface="DejaVu Sans"/>
               </a:rPr>
-              <a:t>Broj rečenica, tokena</a:t>
+              <a:t>Broj rečenica: 3157</a:t>
             </a:r>
             <a:endParaRPr b="0" lang="hr-HR" sz="2800" spc="-1" strike="noStrike">
               <a:latin typeface="Arial"/>
@@ -10724,8 +16316,9 @@
                   <a:srgbClr val="000000"/>
                 </a:solidFill>
                 <a:latin typeface="Aptos"/>
+                <a:ea typeface="DejaVu Sans"/>
               </a:rPr>
-              <a:t>Izgled klasa u oznakama</a:t>
+              <a:t>Broj tokena: 89264</a:t>
             </a:r>
             <a:endParaRPr b="0" lang="hr-HR" sz="2800" spc="-1" strike="noStrike">
               <a:latin typeface="Arial"/>
@@ -10751,8 +16344,182 @@
                   <a:srgbClr val="000000"/>
                 </a:solidFill>
                 <a:latin typeface="Aptos"/>
+                <a:ea typeface="DejaVu Sans"/>
               </a:rPr>
-              <a:t>Train test split</a:t>
+              <a:t>Klase:</a:t>
+            </a:r>
+            <a:endParaRPr b="0" lang="hr-HR" sz="2800" spc="-1" strike="noStrike">
+              <a:latin typeface="Arial"/>
+            </a:endParaRPr>
+          </a:p>
+          <a:p>
+            <a:pPr lvl="1" marL="864000" indent="-324000">
+              <a:lnSpc>
+                <a:spcPct val="90000"/>
+              </a:lnSpc>
+              <a:spcBef>
+                <a:spcPts val="1134"/>
+              </a:spcBef>
+              <a:buClr>
+                <a:srgbClr val="000000"/>
+              </a:buClr>
+              <a:buSzPct val="75000"/>
+              <a:buFont typeface="Symbol"/>
+              <a:buChar char=""/>
+            </a:pPr>
+            <a:r>
+              <a:rPr b="0" lang="hr-HR" sz="2800" spc="-1" strike="noStrike">
+                <a:solidFill>
+                  <a:srgbClr val="000000"/>
+                </a:solidFill>
+                <a:latin typeface="Aptos"/>
+                <a:ea typeface="DejaVu Sans"/>
+              </a:rPr>
+              <a:t>„</a:t>
+            </a:r>
+            <a:r>
+              <a:rPr b="0" lang="hr-HR" sz="2800" spc="-1" strike="noStrike">
+                <a:solidFill>
+                  <a:srgbClr val="000000"/>
+                </a:solidFill>
+                <a:latin typeface="Aptos"/>
+                <a:ea typeface="DejaVu Sans"/>
+              </a:rPr>
+              <a:t>negativno” : 0</a:t>
+            </a:r>
+            <a:endParaRPr b="0" lang="hr-HR" sz="2800" spc="-1" strike="noStrike">
+              <a:latin typeface="Arial"/>
+            </a:endParaRPr>
+          </a:p>
+          <a:p>
+            <a:pPr lvl="1" marL="864000" indent="-324000">
+              <a:lnSpc>
+                <a:spcPct val="90000"/>
+              </a:lnSpc>
+              <a:spcBef>
+                <a:spcPts val="1134"/>
+              </a:spcBef>
+              <a:buClr>
+                <a:srgbClr val="000000"/>
+              </a:buClr>
+              <a:buSzPct val="75000"/>
+              <a:buFont typeface="Symbol"/>
+              <a:buChar char=""/>
+            </a:pPr>
+            <a:r>
+              <a:rPr b="0" lang="hr-HR" sz="2800" spc="-1" strike="noStrike">
+                <a:solidFill>
+                  <a:srgbClr val="000000"/>
+                </a:solidFill>
+                <a:latin typeface="Aptos"/>
+                <a:ea typeface="DejaVu Sans"/>
+              </a:rPr>
+              <a:t>„</a:t>
+            </a:r>
+            <a:r>
+              <a:rPr b="0" lang="hr-HR" sz="2800" spc="-1" strike="noStrike">
+                <a:solidFill>
+                  <a:srgbClr val="000000"/>
+                </a:solidFill>
+                <a:latin typeface="Aptos"/>
+                <a:ea typeface="DejaVu Sans"/>
+              </a:rPr>
+              <a:t>neutralno” : 1</a:t>
+            </a:r>
+            <a:endParaRPr b="0" lang="hr-HR" sz="2800" spc="-1" strike="noStrike">
+              <a:latin typeface="Arial"/>
+            </a:endParaRPr>
+          </a:p>
+          <a:p>
+            <a:pPr lvl="1" marL="864000" indent="-324000">
+              <a:lnSpc>
+                <a:spcPct val="90000"/>
+              </a:lnSpc>
+              <a:spcBef>
+                <a:spcPts val="1134"/>
+              </a:spcBef>
+              <a:buClr>
+                <a:srgbClr val="000000"/>
+              </a:buClr>
+              <a:buSzPct val="75000"/>
+              <a:buFont typeface="Symbol"/>
+              <a:buChar char=""/>
+            </a:pPr>
+            <a:r>
+              <a:rPr b="0" lang="hr-HR" sz="2800" spc="-1" strike="noStrike">
+                <a:solidFill>
+                  <a:srgbClr val="000000"/>
+                </a:solidFill>
+                <a:latin typeface="Aptos"/>
+                <a:ea typeface="DejaVu Sans"/>
+              </a:rPr>
+              <a:t>„</a:t>
+            </a:r>
+            <a:r>
+              <a:rPr b="0" lang="hr-HR" sz="2800" spc="-1" strike="noStrike">
+                <a:solidFill>
+                  <a:srgbClr val="000000"/>
+                </a:solidFill>
+                <a:latin typeface="Aptos"/>
+                <a:ea typeface="DejaVu Sans"/>
+              </a:rPr>
+              <a:t>pozitivno” : 2</a:t>
+            </a:r>
+            <a:endParaRPr b="0" lang="hr-HR" sz="2800" spc="-1" strike="noStrike">
+              <a:latin typeface="Arial"/>
+            </a:endParaRPr>
+          </a:p>
+          <a:p>
+            <a:pPr marL="228600" indent="-228600">
+              <a:lnSpc>
+                <a:spcPct val="90000"/>
+              </a:lnSpc>
+              <a:spcBef>
+                <a:spcPts val="1001"/>
+              </a:spcBef>
+              <a:buClr>
+                <a:srgbClr val="000000"/>
+              </a:buClr>
+              <a:buFont typeface="Arial"/>
+              <a:buChar char="•"/>
+            </a:pPr>
+            <a:r>
+              <a:rPr b="0" lang="hr-HR" sz="2800" spc="-1" strike="noStrike">
+                <a:solidFill>
+                  <a:srgbClr val="000000"/>
+                </a:solidFill>
+                <a:latin typeface="Aptos"/>
+                <a:ea typeface="DejaVu Sans"/>
+              </a:rPr>
+              <a:t>Broj rečenica za trening: 2209</a:t>
+            </a:r>
+            <a:endParaRPr b="0" lang="hr-HR" sz="2800" spc="-1" strike="noStrike">
+              <a:latin typeface="Arial"/>
+            </a:endParaRPr>
+          </a:p>
+          <a:p>
+            <a:pPr marL="228600" indent="-228600">
+              <a:lnSpc>
+                <a:spcPct val="90000"/>
+              </a:lnSpc>
+              <a:spcBef>
+                <a:spcPts val="1001"/>
+              </a:spcBef>
+              <a:buClr>
+                <a:srgbClr val="000000"/>
+              </a:buClr>
+              <a:buFont typeface="Arial"/>
+              <a:buChar char="•"/>
+            </a:pPr>
+            <a:r>
+              <a:rPr b="0" lang="hr-HR" sz="2800" spc="-1" strike="noStrike">
+                <a:solidFill>
+                  <a:srgbClr val="000000"/>
+                </a:solidFill>
+                <a:latin typeface="Aptos"/>
+                <a:ea typeface="DejaVu Sans"/>
+              </a:rPr>
+              <a:t>Broj rečenica za testiranje: 948 </a:t>
             </a:r>
             <a:endParaRPr b="0" lang="hr-HR" sz="2800" spc="-1" strike="noStrike">
               <a:latin typeface="Arial"/>
@@ -10792,7 +16559,7 @@
       </p:grpSpPr>
       <p:sp>
         <p:nvSpPr>
-          <p:cNvPr id="136" name="PlaceHolder 1"/>
+          <p:cNvPr id="218" name="PlaceHolder 1"/>
           <p:cNvSpPr>
             <a:spLocks noGrp="1"/>
           </p:cNvSpPr>
@@ -10803,7 +16570,7 @@
         <p:spPr>
           <a:xfrm>
             <a:off x="609480" y="273600"/>
-            <a:ext cx="10972080" cy="1144440"/>
+            <a:ext cx="10970640" cy="1143000"/>
           </a:xfrm>
           <a:prstGeom prst="rect">
             <a:avLst/>
@@ -10830,6 +16597,7 @@
                   <a:srgbClr val="000000"/>
                 </a:solidFill>
                 <a:latin typeface="Aptos Display"/>
+                <a:ea typeface="DejaVu Sans"/>
               </a:rPr>
               <a:t>Modeli - XGBoost</a:t>
             </a:r>
@@ -10841,7 +16609,7 @@
       </p:sp>
       <p:sp>
         <p:nvSpPr>
-          <p:cNvPr id="137" name="PlaceHolder 2"/>
+          <p:cNvPr id="219" name="PlaceHolder 2"/>
           <p:cNvSpPr>
             <a:spLocks noGrp="1"/>
           </p:cNvSpPr>
@@ -10852,7 +16620,7 @@
         <p:spPr>
           <a:xfrm>
             <a:off x="609480" y="1604520"/>
-            <a:ext cx="5353920" cy="3976920"/>
+            <a:ext cx="5352480" cy="3975480"/>
           </a:xfrm>
           <a:prstGeom prst="rect">
             <a:avLst/>
@@ -10883,7 +16651,11 @@
             </a:pPr>
             <a:r>
               <a:rPr b="0" lang="hr-HR" sz="3200" spc="-1" strike="noStrike">
+                <a:solidFill>
+                  <a:srgbClr val="000000"/>
+                </a:solidFill>
                 <a:latin typeface="Arial"/>
+                <a:ea typeface="DejaVu Sans"/>
               </a:rPr>
               <a:t>pip install xgboost</a:t>
             </a:r>
@@ -10908,7 +16680,11 @@
             </a:pPr>
             <a:r>
               <a:rPr b="0" lang="hr-HR" sz="3200" spc="-1" strike="noStrike">
+                <a:solidFill>
+                  <a:srgbClr val="000000"/>
+                </a:solidFill>
                 <a:latin typeface="Arial"/>
+                <a:ea typeface="DejaVu Sans"/>
               </a:rPr>
               <a:t>import xgboost as xgb</a:t>
             </a:r>
@@ -10933,7 +16709,11 @@
             </a:pPr>
             <a:r>
               <a:rPr b="0" lang="hr-HR" sz="3200" spc="-1" strike="noStrike">
+                <a:solidFill>
+                  <a:srgbClr val="000000"/>
+                </a:solidFill>
                 <a:latin typeface="Arial"/>
+                <a:ea typeface="DejaVu Sans"/>
               </a:rPr>
               <a:t>model=xgb.XGBClassifier()</a:t>
             </a:r>
@@ -10942,7 +16722,7 @@
             </a:endParaRPr>
           </a:p>
           <a:p>
-            <a:pPr>
+            <a:pPr marL="228600" indent="-228600">
               <a:lnSpc>
                 <a:spcPct val="100000"/>
               </a:lnSpc>
@@ -10950,13 +16730,16 @@
                 <a:spcPts val="1417"/>
               </a:spcBef>
               <a:buNone/>
+              <a:tabLst>
+                <a:tab algn="l" pos="0"/>
+              </a:tabLst>
             </a:pPr>
             <a:endParaRPr b="0" lang="hr-HR" sz="3200" spc="-1" strike="noStrike">
               <a:latin typeface="Arial"/>
             </a:endParaRPr>
           </a:p>
           <a:p>
-            <a:pPr>
+            <a:pPr marL="228600" indent="-228600">
               <a:lnSpc>
                 <a:spcPct val="100000"/>
               </a:lnSpc>
@@ -10964,6 +16747,9 @@
                 <a:spcPts val="1417"/>
               </a:spcBef>
               <a:buNone/>
+              <a:tabLst>
+                <a:tab algn="l" pos="0"/>
+              </a:tabLst>
             </a:pPr>
             <a:endParaRPr b="0" lang="hr-HR" sz="3200" spc="-1" strike="noStrike">
               <a:latin typeface="Arial"/>
@@ -10983,10 +16769,17 @@
               <a:buSzPct val="45000"/>
               <a:buFont typeface="Wingdings" charset="2"/>
               <a:buChar char=""/>
+              <a:tabLst>
+                <a:tab algn="l" pos="0"/>
+              </a:tabLst>
             </a:pPr>
             <a:r>
               <a:rPr b="0" lang="hr-HR" sz="3200" spc="-1" strike="noStrike">
+                <a:solidFill>
+                  <a:srgbClr val="000000"/>
+                </a:solidFill>
                 <a:latin typeface="Arial"/>
+                <a:ea typeface="DejaVu Sans"/>
               </a:rPr>
               <a:t>model.fit(X_train, Y_train)</a:t>
             </a:r>
@@ -11008,10 +16801,17 @@
               <a:buSzPct val="45000"/>
               <a:buFont typeface="Wingdings" charset="2"/>
               <a:buChar char=""/>
+              <a:tabLst>
+                <a:tab algn="l" pos="0"/>
+              </a:tabLst>
             </a:pPr>
             <a:r>
               <a:rPr b="0" lang="hr-HR" sz="3200" spc="-1" strike="noStrike">
+                <a:solidFill>
+                  <a:srgbClr val="000000"/>
+                </a:solidFill>
                 <a:latin typeface="Arial"/>
+                <a:ea typeface="DejaVu Sans"/>
               </a:rPr>
               <a:t>pred=model.predict(X_test)</a:t>
             </a:r>
@@ -11023,7 +16823,7 @@
       </p:sp>
       <p:sp>
         <p:nvSpPr>
-          <p:cNvPr id="138" name="PlaceHolder 3"/>
+          <p:cNvPr id="220" name="PlaceHolder 3"/>
           <p:cNvSpPr>
             <a:spLocks noGrp="1"/>
           </p:cNvSpPr>
@@ -11034,7 +16834,7 @@
         <p:spPr>
           <a:xfrm>
             <a:off x="6231960" y="1604520"/>
-            <a:ext cx="5353920" cy="3976920"/>
+            <a:ext cx="5352480" cy="3975480"/>
           </a:xfrm>
           <a:prstGeom prst="rect">
             <a:avLst/>
@@ -11065,7 +16865,11 @@
             </a:pPr>
             <a:r>
               <a:rPr b="0" lang="hr-HR" sz="3200" spc="-1" strike="noStrike">
+                <a:solidFill>
+                  <a:srgbClr val="000000"/>
+                </a:solidFill>
                 <a:latin typeface="Arial"/>
+                <a:ea typeface="DejaVu Sans"/>
               </a:rPr>
               <a:t>Točnost: 85,86 %</a:t>
             </a:r>
@@ -11090,7 +16894,11 @@
             </a:pPr>
             <a:r>
               <a:rPr b="0" lang="hr-HR" sz="3200" spc="-1" strike="noStrike">
+                <a:solidFill>
+                  <a:srgbClr val="000000"/>
+                </a:solidFill>
                 <a:latin typeface="Arial"/>
+                <a:ea typeface="DejaVu Sans"/>
               </a:rPr>
               <a:t>F1: 41,02 %</a:t>
             </a:r>
@@ -11132,7 +16940,7 @@
       </p:grpSpPr>
       <p:sp>
         <p:nvSpPr>
-          <p:cNvPr id="139" name="PlaceHolder 1"/>
+          <p:cNvPr id="221" name="PlaceHolder 1"/>
           <p:cNvSpPr>
             <a:spLocks noGrp="1"/>
           </p:cNvSpPr>
@@ -11143,7 +16951,7 @@
         <p:spPr>
           <a:xfrm>
             <a:off x="609480" y="273600"/>
-            <a:ext cx="10972080" cy="1144440"/>
+            <a:ext cx="10970640" cy="1143000"/>
           </a:xfrm>
           <a:prstGeom prst="rect">
             <a:avLst/>
@@ -11170,6 +16978,7 @@
                   <a:srgbClr val="000000"/>
                 </a:solidFill>
                 <a:latin typeface="Aptos Display"/>
+                <a:ea typeface="DejaVu Sans"/>
               </a:rPr>
               <a:t>Modeli - SVM</a:t>
             </a:r>
@@ -11181,7 +16990,7 @@
       </p:sp>
       <p:sp>
         <p:nvSpPr>
-          <p:cNvPr id="140" name="PlaceHolder 2"/>
+          <p:cNvPr id="222" name="PlaceHolder 2"/>
           <p:cNvSpPr>
             <a:spLocks noGrp="1"/>
           </p:cNvSpPr>
@@ -11192,7 +17001,7 @@
         <p:spPr>
           <a:xfrm>
             <a:off x="609480" y="1604520"/>
-            <a:ext cx="5353920" cy="3976920"/>
+            <a:ext cx="5352480" cy="3975480"/>
           </a:xfrm>
           <a:prstGeom prst="rect">
             <a:avLst/>
@@ -11226,6 +17035,7 @@
                   <a:srgbClr val="000000"/>
                 </a:solidFill>
                 <a:latin typeface="Aptos"/>
+                <a:ea typeface="DejaVu Sans"/>
               </a:rPr>
               <a:t>from sklearn import svm</a:t>
             </a:r>
@@ -11253,6 +17063,7 @@
                   <a:srgbClr val="000000"/>
                 </a:solidFill>
                 <a:latin typeface="Aptos"/>
+                <a:ea typeface="DejaVu Sans"/>
               </a:rPr>
               <a:t>model=svm.SVC(kernel=”sigmoid”, C=4)</a:t>
             </a:r>
@@ -11280,6 +17091,7 @@
                   <a:srgbClr val="000000"/>
                 </a:solidFill>
                 <a:latin typeface="Aptos"/>
+                <a:ea typeface="DejaVu Sans"/>
               </a:rPr>
               <a:t>„</a:t>
             </a:r>
@@ -11289,6 +17101,7 @@
                   <a:srgbClr val="000000"/>
                 </a:solidFill>
                 <a:latin typeface="Aptos"/>
+                <a:ea typeface="DejaVu Sans"/>
               </a:rPr>
               <a:t>linear”, „poly”, razni C</a:t>
             </a:r>
@@ -11297,7 +17110,7 @@
             </a:endParaRPr>
           </a:p>
           <a:p>
-            <a:pPr>
+            <a:pPr marL="228600" indent="-228600">
               <a:lnSpc>
                 <a:spcPct val="90000"/>
               </a:lnSpc>
@@ -11305,13 +17118,16 @@
                 <a:spcPts val="1001"/>
               </a:spcBef>
               <a:buNone/>
+              <a:tabLst>
+                <a:tab algn="l" pos="0"/>
+              </a:tabLst>
             </a:pPr>
             <a:endParaRPr b="0" lang="hr-HR" sz="2800" spc="-1" strike="noStrike">
               <a:latin typeface="Arial"/>
             </a:endParaRPr>
           </a:p>
           <a:p>
-            <a:pPr>
+            <a:pPr marL="228600" indent="-228600">
               <a:lnSpc>
                 <a:spcPct val="90000"/>
               </a:lnSpc>
@@ -11319,6 +17135,9 @@
                 <a:spcPts val="1001"/>
               </a:spcBef>
               <a:buNone/>
+              <a:tabLst>
+                <a:tab algn="l" pos="0"/>
+              </a:tabLst>
             </a:pPr>
             <a:endParaRPr b="0" lang="hr-HR" sz="2800" spc="-1" strike="noStrike">
               <a:latin typeface="Arial"/>
@@ -11337,6 +17156,9 @@
               </a:buClr>
               <a:buFont typeface="Arial"/>
               <a:buChar char="•"/>
+              <a:tabLst>
+                <a:tab algn="l" pos="0"/>
+              </a:tabLst>
             </a:pPr>
             <a:r>
               <a:rPr b="0" lang="hr-HR" sz="2800" spc="-1" strike="noStrike">
@@ -11344,6 +17166,7 @@
                   <a:srgbClr val="000000"/>
                 </a:solidFill>
                 <a:latin typeface="Aptos"/>
+                <a:ea typeface="DejaVu Sans"/>
               </a:rPr>
               <a:t>model.fit(X_train, Y_train)</a:t>
             </a:r>
@@ -11364,6 +17187,9 @@
               </a:buClr>
               <a:buFont typeface="Arial"/>
               <a:buChar char="•"/>
+              <a:tabLst>
+                <a:tab algn="l" pos="0"/>
+              </a:tabLst>
             </a:pPr>
             <a:r>
               <a:rPr b="0" lang="hr-HR" sz="2800" spc="-1" strike="noStrike">
@@ -11371,6 +17197,7 @@
                   <a:srgbClr val="000000"/>
                 </a:solidFill>
                 <a:latin typeface="Aptos"/>
+                <a:ea typeface="DejaVu Sans"/>
               </a:rPr>
               <a:t>pred=model.predict(X_test)</a:t>
             </a:r>
@@ -11382,7 +17209,7 @@
       </p:sp>
       <p:sp>
         <p:nvSpPr>
-          <p:cNvPr id="141" name="PlaceHolder 3"/>
+          <p:cNvPr id="223" name="PlaceHolder 3"/>
           <p:cNvSpPr>
             <a:spLocks noGrp="1"/>
           </p:cNvSpPr>
@@ -11393,7 +17220,7 @@
         <p:spPr>
           <a:xfrm>
             <a:off x="6231960" y="1604520"/>
-            <a:ext cx="5353920" cy="3976920"/>
+            <a:ext cx="5352480" cy="3975480"/>
           </a:xfrm>
           <a:prstGeom prst="rect">
             <a:avLst/>
@@ -11424,7 +17251,11 @@
             </a:pPr>
             <a:r>
               <a:rPr b="0" lang="hr-HR" sz="3200" spc="-1" strike="noStrike">
+                <a:solidFill>
+                  <a:srgbClr val="000000"/>
+                </a:solidFill>
                 <a:latin typeface="Arial"/>
+                <a:ea typeface="DejaVu Sans"/>
               </a:rPr>
               <a:t>Točnost: 86,18 %</a:t>
             </a:r>
@@ -11449,7 +17280,11 @@
             </a:pPr>
             <a:r>
               <a:rPr b="0" lang="hr-HR" sz="3200" spc="-1" strike="noStrike">
+                <a:solidFill>
+                  <a:srgbClr val="000000"/>
+                </a:solidFill>
                 <a:latin typeface="Arial"/>
+                <a:ea typeface="DejaVu Sans"/>
               </a:rPr>
               <a:t>F1: 33,19 %</a:t>
             </a:r>
@@ -11491,7 +17326,7 @@
       </p:grpSpPr>
       <p:sp>
         <p:nvSpPr>
-          <p:cNvPr id="142" name="PlaceHolder 1"/>
+          <p:cNvPr id="224" name="PlaceHolder 1"/>
           <p:cNvSpPr>
             <a:spLocks noGrp="1"/>
           </p:cNvSpPr>
@@ -11502,7 +17337,7 @@
         <p:spPr>
           <a:xfrm>
             <a:off x="609480" y="273600"/>
-            <a:ext cx="10972080" cy="1144440"/>
+            <a:ext cx="10970640" cy="1143000"/>
           </a:xfrm>
           <a:prstGeom prst="rect">
             <a:avLst/>
@@ -11529,6 +17364,7 @@
                   <a:srgbClr val="000000"/>
                 </a:solidFill>
                 <a:latin typeface="Aptos Display"/>
+                <a:ea typeface="DejaVu Sans"/>
               </a:rPr>
               <a:t>Modeli - KNN</a:t>
             </a:r>
@@ -11540,7 +17376,7 @@
       </p:sp>
       <p:sp>
         <p:nvSpPr>
-          <p:cNvPr id="143" name="PlaceHolder 2"/>
+          <p:cNvPr id="225" name="PlaceHolder 2"/>
           <p:cNvSpPr>
             <a:spLocks noGrp="1"/>
           </p:cNvSpPr>
@@ -11551,7 +17387,7 @@
         <p:spPr>
           <a:xfrm>
             <a:off x="609480" y="1604520"/>
-            <a:ext cx="5353920" cy="3976920"/>
+            <a:ext cx="5352480" cy="3975480"/>
           </a:xfrm>
           <a:prstGeom prst="rect">
             <a:avLst/>
@@ -11585,6 +17421,7 @@
                   <a:srgbClr val="000000"/>
                 </a:solidFill>
                 <a:latin typeface="Aptos"/>
+                <a:ea typeface="DejaVu Sans"/>
               </a:rPr>
               <a:t>from sklearn.neighbors import KneighborsClassifier</a:t>
             </a:r>
@@ -11612,6 +17449,7 @@
                   <a:srgbClr val="000000"/>
                 </a:solidFill>
                 <a:latin typeface="Aptos"/>
+                <a:ea typeface="DejaVu Sans"/>
               </a:rPr>
               <a:t>model=KNeighborsClassifier(n_neinghbors=4)</a:t>
             </a:r>
@@ -11620,7 +17458,7 @@
             </a:endParaRPr>
           </a:p>
           <a:p>
-            <a:pPr>
+            <a:pPr marL="228600" indent="-228600">
               <a:lnSpc>
                 <a:spcPct val="90000"/>
               </a:lnSpc>
@@ -11628,13 +17466,16 @@
                 <a:spcPts val="1001"/>
               </a:spcBef>
               <a:buNone/>
+              <a:tabLst>
+                <a:tab algn="l" pos="0"/>
+              </a:tabLst>
             </a:pPr>
             <a:endParaRPr b="0" lang="hr-HR" sz="2800" spc="-1" strike="noStrike">
               <a:latin typeface="Arial"/>
             </a:endParaRPr>
           </a:p>
           <a:p>
-            <a:pPr>
+            <a:pPr marL="228600" indent="-228600">
               <a:lnSpc>
                 <a:spcPct val="90000"/>
               </a:lnSpc>
@@ -11642,6 +17483,9 @@
                 <a:spcPts val="1001"/>
               </a:spcBef>
               <a:buNone/>
+              <a:tabLst>
+                <a:tab algn="l" pos="0"/>
+              </a:tabLst>
             </a:pPr>
             <a:endParaRPr b="0" lang="hr-HR" sz="2800" spc="-1" strike="noStrike">
               <a:latin typeface="Arial"/>
@@ -11660,6 +17504,9 @@
               </a:buClr>
               <a:buFont typeface="Arial"/>
               <a:buChar char="•"/>
+              <a:tabLst>
+                <a:tab algn="l" pos="0"/>
+              </a:tabLst>
             </a:pPr>
             <a:r>
               <a:rPr b="0" lang="hr-HR" sz="2800" spc="-1" strike="noStrike">
@@ -11667,6 +17514,7 @@
                   <a:srgbClr val="000000"/>
                 </a:solidFill>
                 <a:latin typeface="Aptos"/>
+                <a:ea typeface="DejaVu Sans"/>
               </a:rPr>
               <a:t>model.fit(X_train, Y_train)</a:t>
             </a:r>
@@ -11687,6 +17535,9 @@
               </a:buClr>
               <a:buFont typeface="Arial"/>
               <a:buChar char="•"/>
+              <a:tabLst>
+                <a:tab algn="l" pos="0"/>
+              </a:tabLst>
             </a:pPr>
             <a:r>
               <a:rPr b="0" lang="hr-HR" sz="2800" spc="-1" strike="noStrike">
@@ -11694,6 +17545,7 @@
                   <a:srgbClr val="000000"/>
                 </a:solidFill>
                 <a:latin typeface="Aptos"/>
+                <a:ea typeface="DejaVu Sans"/>
               </a:rPr>
               <a:t>pred=model.predict(X_test)</a:t>
             </a:r>
@@ -11705,7 +17557,7 @@
       </p:sp>
       <p:sp>
         <p:nvSpPr>
-          <p:cNvPr id="144" name="PlaceHolder 3"/>
+          <p:cNvPr id="226" name="PlaceHolder 3"/>
           <p:cNvSpPr>
             <a:spLocks noGrp="1"/>
           </p:cNvSpPr>
@@ -11716,7 +17568,7 @@
         <p:spPr>
           <a:xfrm>
             <a:off x="6231960" y="1604520"/>
-            <a:ext cx="5353920" cy="3976920"/>
+            <a:ext cx="5352480" cy="3975480"/>
           </a:xfrm>
           <a:prstGeom prst="rect">
             <a:avLst/>
@@ -11747,7 +17599,11 @@
             </a:pPr>
             <a:r>
               <a:rPr b="0" lang="hr-HR" sz="3200" spc="-1" strike="noStrike">
+                <a:solidFill>
+                  <a:srgbClr val="000000"/>
+                </a:solidFill>
                 <a:latin typeface="Arial"/>
+                <a:ea typeface="DejaVu Sans"/>
               </a:rPr>
               <a:t>Točnost: 85,86 %</a:t>
             </a:r>
@@ -11772,7 +17628,11 @@
             </a:pPr>
             <a:r>
               <a:rPr b="0" lang="hr-HR" sz="3200" spc="-1" strike="noStrike">
+                <a:solidFill>
+                  <a:srgbClr val="000000"/>
+                </a:solidFill>
                 <a:latin typeface="Arial"/>
+                <a:ea typeface="DejaVu Sans"/>
               </a:rPr>
               <a:t>F1: 30,80 %</a:t>
             </a:r>
@@ -12471,4 +18331,456 @@
     </a:fmtScheme>
   </a:themeElements>
 </a:theme>
+</file>
+
+<file path=ppt/theme/theme4.xml><?xml version="1.0" encoding="utf-8"?>
+<a:theme xmlns:a="http://schemas.openxmlformats.org/drawingml/2006/main" name="Office Theme">
+  <a:themeElements>
+    <a:clrScheme name="Office">
+      <a:dk1>
+        <a:sysClr val="windowText" lastClr="000000"/>
+      </a:dk1>
+      <a:lt1>
+        <a:sysClr val="window" lastClr="FFFFFF"/>
+      </a:lt1>
+      <a:dk2>
+        <a:srgbClr val="0e2841"/>
+      </a:dk2>
+      <a:lt2>
+        <a:srgbClr val="e8e8e8"/>
+      </a:lt2>
+      <a:accent1>
+        <a:srgbClr val="156082"/>
+      </a:accent1>
+      <a:accent2>
+        <a:srgbClr val="e97132"/>
+      </a:accent2>
+      <a:accent3>
+        <a:srgbClr val="196b24"/>
+      </a:accent3>
+      <a:accent4>
+        <a:srgbClr val="0f9ed5"/>
+      </a:accent4>
+      <a:accent5>
+        <a:srgbClr val="a02b93"/>
+      </a:accent5>
+      <a:accent6>
+        <a:srgbClr val="4ea72e"/>
+      </a:accent6>
+      <a:hlink>
+        <a:srgbClr val="467886"/>
+      </a:hlink>
+      <a:folHlink>
+        <a:srgbClr val="96607d"/>
+      </a:folHlink>
+    </a:clrScheme>
+    <a:fontScheme name="Office">
+      <a:majorFont>
+        <a:latin typeface="Arial"/>
+        <a:ea typeface="DejaVu Sans"/>
+        <a:cs typeface="DejaVu Sans"/>
+      </a:majorFont>
+      <a:minorFont>
+        <a:latin typeface="Arial"/>
+        <a:ea typeface="DejaVu Sans"/>
+        <a:cs typeface="DejaVu Sans"/>
+      </a:minorFont>
+    </a:fontScheme>
+    <a:fmtScheme name="Office">
+      <a:fillStyleLst>
+        <a:solidFill>
+          <a:schemeClr val="phClr"/>
+        </a:solidFill>
+        <a:gradFill rotWithShape="1">
+          <a:gsLst>
+            <a:gs pos="0">
+              <a:schemeClr val="phClr">
+                <a:tint val="50000"/>
+                <a:satMod val="300000"/>
+              </a:schemeClr>
+            </a:gs>
+            <a:gs pos="35000">
+              <a:schemeClr val="phClr">
+                <a:tint val="37000"/>
+                <a:satMod val="300000"/>
+              </a:schemeClr>
+            </a:gs>
+            <a:gs pos="100000">
+              <a:schemeClr val="phClr">
+                <a:tint val="15000"/>
+                <a:satMod val="350000"/>
+              </a:schemeClr>
+            </a:gs>
+          </a:gsLst>
+          <a:lin ang="16200000" scaled="1"/>
+        </a:gradFill>
+        <a:gradFill rotWithShape="1">
+          <a:gsLst>
+            <a:gs pos="0">
+              <a:schemeClr val="phClr">
+                <a:shade val="51000"/>
+                <a:satMod val="130000"/>
+              </a:schemeClr>
+            </a:gs>
+            <a:gs pos="80000">
+              <a:schemeClr val="phClr">
+                <a:shade val="93000"/>
+                <a:satMod val="130000"/>
+              </a:schemeClr>
+            </a:gs>
+            <a:gs pos="100000">
+              <a:schemeClr val="phClr">
+                <a:shade val="94000"/>
+                <a:satMod val="135000"/>
+              </a:schemeClr>
+            </a:gs>
+          </a:gsLst>
+          <a:lin ang="16200000" scaled="0"/>
+        </a:gradFill>
+      </a:fillStyleLst>
+      <a:lnStyleLst>
+        <a:ln w="9525" cap="flat" cmpd="sng" algn="ctr">
+          <a:solidFill>
+            <a:schemeClr val="phClr">
+              <a:shade val="95000"/>
+              <a:satMod val="105000"/>
+            </a:schemeClr>
+          </a:solidFill>
+          <a:prstDash val="solid"/>
+          <a:miter/>
+        </a:ln>
+        <a:ln w="25400" cap="flat" cmpd="sng" algn="ctr">
+          <a:solidFill>
+            <a:schemeClr val="phClr"/>
+          </a:solidFill>
+          <a:prstDash val="solid"/>
+          <a:miter/>
+        </a:ln>
+        <a:ln w="38100" cap="flat" cmpd="sng" algn="ctr">
+          <a:solidFill>
+            <a:schemeClr val="phClr"/>
+          </a:solidFill>
+          <a:prstDash val="solid"/>
+          <a:miter/>
+        </a:ln>
+      </a:lnStyleLst>
+      <a:effectStyleLst>
+        <a:effectStyle>
+          <a:effectLst>
+            <a:outerShdw blurRad="40000" dist="20000" dir="5400000" rotWithShape="0">
+              <a:srgbClr val="000000">
+                <a:alpha val="38000"/>
+              </a:srgbClr>
+            </a:outerShdw>
+          </a:effectLst>
+        </a:effectStyle>
+        <a:effectStyle>
+          <a:effectLst>
+            <a:outerShdw blurRad="40000" dist="23000" dir="5400000" rotWithShape="0">
+              <a:srgbClr val="000000">
+                <a:alpha val="35000"/>
+              </a:srgbClr>
+            </a:outerShdw>
+          </a:effectLst>
+        </a:effectStyle>
+        <a:effectStyle>
+          <a:effectLst>
+            <a:outerShdw blurRad="40000" dist="23000" dir="5400000" rotWithShape="0">
+              <a:srgbClr val="000000">
+                <a:alpha val="35000"/>
+              </a:srgbClr>
+            </a:outerShdw>
+          </a:effectLst>
+          <a:scene3d>
+            <a:camera prst="orthographicFront">
+              <a:rot lat="0" lon="0" rev="0"/>
+            </a:camera>
+            <a:lightRig rig="threePt" dir="t">
+              <a:rot lat="0" lon="0" rev="1200000"/>
+            </a:lightRig>
+          </a:scene3d>
+          <a:sp3d>
+            <a:bevelT w="63500" h="25400"/>
+          </a:sp3d>
+        </a:effectStyle>
+      </a:effectStyleLst>
+      <a:bgFillStyleLst>
+        <a:solidFill>
+          <a:schemeClr val="phClr"/>
+        </a:solidFill>
+        <a:gradFill rotWithShape="1">
+          <a:gsLst>
+            <a:gs pos="0">
+              <a:schemeClr val="phClr">
+                <a:tint val="40000"/>
+                <a:satMod val="350000"/>
+              </a:schemeClr>
+            </a:gs>
+            <a:gs pos="40000">
+              <a:schemeClr val="phClr">
+                <a:tint val="45000"/>
+                <a:shade val="99000"/>
+                <a:satMod val="350000"/>
+              </a:schemeClr>
+            </a:gs>
+            <a:gs pos="100000">
+              <a:schemeClr val="phClr">
+                <a:shade val="20000"/>
+                <a:satMod val="255000"/>
+              </a:schemeClr>
+            </a:gs>
+          </a:gsLst>
+          <a:path path="circle">
+            <a:fillToRect l="50000" t="-80000" r="50000" b="180000"/>
+          </a:path>
+        </a:gradFill>
+        <a:gradFill rotWithShape="1">
+          <a:gsLst>
+            <a:gs pos="0">
+              <a:schemeClr val="phClr">
+                <a:tint val="80000"/>
+                <a:satMod val="300000"/>
+              </a:schemeClr>
+            </a:gs>
+            <a:gs pos="100000">
+              <a:schemeClr val="phClr">
+                <a:shade val="30000"/>
+                <a:satMod val="200000"/>
+              </a:schemeClr>
+            </a:gs>
+          </a:gsLst>
+          <a:path path="circle">
+            <a:fillToRect l="50000" t="50000" r="50000" b="50000"/>
+          </a:path>
+        </a:gradFill>
+      </a:bgFillStyleLst>
+    </a:fmtScheme>
+  </a:themeElements>
+</a:theme>
+</file>
+
+<file path=ppt/theme/theme5.xml><?xml version="1.0" encoding="utf-8"?>
+<a:theme xmlns:a="http://schemas.openxmlformats.org/drawingml/2006/main" name="Office Theme">
+  <a:themeElements>
+    <a:clrScheme name="Office">
+      <a:dk1>
+        <a:sysClr val="windowText" lastClr="000000"/>
+      </a:dk1>
+      <a:lt1>
+        <a:sysClr val="window" lastClr="FFFFFF"/>
+      </a:lt1>
+      <a:dk2>
+        <a:srgbClr val="0e2841"/>
+      </a:dk2>
+      <a:lt2>
+        <a:srgbClr val="e8e8e8"/>
+      </a:lt2>
+      <a:accent1>
+        <a:srgbClr val="156082"/>
+      </a:accent1>
+      <a:accent2>
+        <a:srgbClr val="e97132"/>
+      </a:accent2>
+      <a:accent3>
+        <a:srgbClr val="196b24"/>
+      </a:accent3>
+      <a:accent4>
+        <a:srgbClr val="0f9ed5"/>
+      </a:accent4>
+      <a:accent5>
+        <a:srgbClr val="a02b93"/>
+      </a:accent5>
+      <a:accent6>
+        <a:srgbClr val="4ea72e"/>
+      </a:accent6>
+      <a:hlink>
+        <a:srgbClr val="467886"/>
+      </a:hlink>
+      <a:folHlink>
+        <a:srgbClr val="96607d"/>
+      </a:folHlink>
+    </a:clrScheme>
+    <a:fontScheme name="Office">
+      <a:majorFont>
+        <a:latin typeface="Arial"/>
+        <a:ea typeface="DejaVu Sans"/>
+        <a:cs typeface="DejaVu Sans"/>
+      </a:majorFont>
+      <a:minorFont>
+        <a:latin typeface="Arial"/>
+        <a:ea typeface="DejaVu Sans"/>
+        <a:cs typeface="DejaVu Sans"/>
+      </a:minorFont>
+    </a:fontScheme>
+    <a:fmtScheme name="Office">
+      <a:fillStyleLst>
+        <a:solidFill>
+          <a:schemeClr val="phClr"/>
+        </a:solidFill>
+        <a:gradFill rotWithShape="1">
+          <a:gsLst>
+            <a:gs pos="0">
+              <a:schemeClr val="phClr">
+                <a:tint val="50000"/>
+                <a:satMod val="300000"/>
+              </a:schemeClr>
+            </a:gs>
+            <a:gs pos="35000">
+              <a:schemeClr val="phClr">
+                <a:tint val="37000"/>
+                <a:satMod val="300000"/>
+              </a:schemeClr>
+            </a:gs>
+            <a:gs pos="100000">
+              <a:schemeClr val="phClr">
+                <a:tint val="15000"/>
+                <a:satMod val="350000"/>
+              </a:schemeClr>
+            </a:gs>
+          </a:gsLst>
+          <a:lin ang="16200000" scaled="1"/>
+        </a:gradFill>
+        <a:gradFill rotWithShape="1">
+          <a:gsLst>
+            <a:gs pos="0">
+              <a:schemeClr val="phClr">
+                <a:shade val="51000"/>
+                <a:satMod val="130000"/>
+              </a:schemeClr>
+            </a:gs>
+            <a:gs pos="80000">
+              <a:schemeClr val="phClr">
+                <a:shade val="93000"/>
+                <a:satMod val="130000"/>
+              </a:schemeClr>
+            </a:gs>
+            <a:gs pos="100000">
+              <a:schemeClr val="phClr">
+                <a:shade val="94000"/>
+                <a:satMod val="135000"/>
+              </a:schemeClr>
+            </a:gs>
+          </a:gsLst>
+          <a:lin ang="16200000" scaled="0"/>
+        </a:gradFill>
+      </a:fillStyleLst>
+      <a:lnStyleLst>
+        <a:ln w="9525" cap="flat" cmpd="sng" algn="ctr">
+          <a:solidFill>
+            <a:schemeClr val="phClr">
+              <a:shade val="95000"/>
+              <a:satMod val="105000"/>
+            </a:schemeClr>
+          </a:solidFill>
+          <a:prstDash val="solid"/>
+          <a:miter/>
+        </a:ln>
+        <a:ln w="25400" cap="flat" cmpd="sng" algn="ctr">
+          <a:solidFill>
+            <a:schemeClr val="phClr"/>
+          </a:solidFill>
+          <a:prstDash val="solid"/>
+          <a:miter/>
+        </a:ln>
+        <a:ln w="38100" cap="flat" cmpd="sng" algn="ctr">
+          <a:solidFill>
+            <a:schemeClr val="phClr"/>
+          </a:solidFill>
+          <a:prstDash val="solid"/>
+          <a:miter/>
+        </a:ln>
+      </a:lnStyleLst>
+      <a:effectStyleLst>
+        <a:effectStyle>
+          <a:effectLst>
+            <a:outerShdw blurRad="40000" dist="20000" dir="5400000" rotWithShape="0">
+              <a:srgbClr val="000000">
+                <a:alpha val="38000"/>
+              </a:srgbClr>
+            </a:outerShdw>
+          </a:effectLst>
+        </a:effectStyle>
+        <a:effectStyle>
+          <a:effectLst>
+            <a:outerShdw blurRad="40000" dist="23000" dir="5400000" rotWithShape="0">
+              <a:srgbClr val="000000">
+                <a:alpha val="35000"/>
+              </a:srgbClr>
+            </a:outerShdw>
+          </a:effectLst>
+        </a:effectStyle>
+        <a:effectStyle>
+          <a:effectLst>
+            <a:outerShdw blurRad="40000" dist="23000" dir="5400000" rotWithShape="0">
+              <a:srgbClr val="000000">
+                <a:alpha val="35000"/>
+              </a:srgbClr>
+            </a:outerShdw>
+          </a:effectLst>
+          <a:scene3d>
+            <a:camera prst="orthographicFront">
+              <a:rot lat="0" lon="0" rev="0"/>
+            </a:camera>
+            <a:lightRig rig="threePt" dir="t">
+              <a:rot lat="0" lon="0" rev="1200000"/>
+            </a:lightRig>
+          </a:scene3d>
+          <a:sp3d>
+            <a:bevelT w="63500" h="25400"/>
+          </a:sp3d>
+        </a:effectStyle>
+      </a:effectStyleLst>
+      <a:bgFillStyleLst>
+        <a:solidFill>
+          <a:schemeClr val="phClr"/>
+        </a:solidFill>
+        <a:gradFill rotWithShape="1">
+          <a:gsLst>
+            <a:gs pos="0">
+              <a:schemeClr val="phClr">
+                <a:tint val="40000"/>
+                <a:satMod val="350000"/>
+              </a:schemeClr>
+            </a:gs>
+            <a:gs pos="40000">
+              <a:schemeClr val="phClr">
+                <a:tint val="45000"/>
+                <a:shade val="99000"/>
+                <a:satMod val="350000"/>
+              </a:schemeClr>
+            </a:gs>
+            <a:gs pos="100000">
+              <a:schemeClr val="phClr">
+                <a:shade val="20000"/>
+                <a:satMod val="255000"/>
+              </a:schemeClr>
+            </a:gs>
+          </a:gsLst>
+          <a:path path="circle">
+            <a:fillToRect l="50000" t="-80000" r="50000" b="180000"/>
+          </a:path>
+        </a:gradFill>
+        <a:gradFill rotWithShape="1">
+          <a:gsLst>
+            <a:gs pos="0">
+              <a:schemeClr val="phClr">
+                <a:tint val="80000"/>
+                <a:satMod val="300000"/>
+              </a:schemeClr>
+            </a:gs>
+            <a:gs pos="100000">
+              <a:schemeClr val="phClr">
+                <a:shade val="30000"/>
+                <a:satMod val="200000"/>
+              </a:schemeClr>
+            </a:gs>
+          </a:gsLst>
+          <a:path path="circle">
+            <a:fillToRect l="50000" t="50000" r="50000" b="50000"/>
+          </a:path>
+        </a:gradFill>
+      </a:bgFillStyleLst>
+    </a:fmtScheme>
+  </a:themeElements>
+</a:theme>
 </file>